--- a/Queues and message based architecture.pptx
+++ b/Queues and message based architecture.pptx
@@ -7,6 +7,20 @@
   <p:sldIdLst>
     <p:sldId id="256" r:id="rId2"/>
     <p:sldId id="257" r:id="rId3"/>
+    <p:sldId id="258" r:id="rId4"/>
+    <p:sldId id="259" r:id="rId5"/>
+    <p:sldId id="265" r:id="rId6"/>
+    <p:sldId id="260" r:id="rId7"/>
+    <p:sldId id="261" r:id="rId8"/>
+    <p:sldId id="262" r:id="rId9"/>
+    <p:sldId id="263" r:id="rId10"/>
+    <p:sldId id="270" r:id="rId11"/>
+    <p:sldId id="264" r:id="rId12"/>
+    <p:sldId id="266" r:id="rId13"/>
+    <p:sldId id="268" r:id="rId14"/>
+    <p:sldId id="267" r:id="rId15"/>
+    <p:sldId id="271" r:id="rId16"/>
+    <p:sldId id="269" r:id="rId17"/>
   </p:sldIdLst>
   <p:sldSz cx="9144000" cy="6858000" type="screen4x3"/>
   <p:notesSz cx="6858000" cy="9144000"/>
@@ -106,6 +120,6474 @@
     </a:lvl9pPr>
   </p:defaultTextStyle>
 </p:presentation>
+</file>
+
+<file path=ppt/charts/chart1.xml><?xml version="1.0" encoding="utf-8"?>
+<c:chartSpace xmlns:c="http://schemas.openxmlformats.org/drawingml/2006/chart" xmlns:a="http://schemas.openxmlformats.org/drawingml/2006/main" xmlns:r="http://schemas.openxmlformats.org/officeDocument/2006/relationships">
+  <c:date1904 val="0"/>
+  <c:lang val="en-US"/>
+  <c:roundedCorners val="0"/>
+  <mc:AlternateContent xmlns:mc="http://schemas.openxmlformats.org/markup-compatibility/2006">
+    <mc:Choice xmlns:c14="http://schemas.microsoft.com/office/drawing/2007/8/2/chart" Requires="c14">
+      <c14:style val="102"/>
+    </mc:Choice>
+    <mc:Fallback>
+      <c:style val="2"/>
+    </mc:Fallback>
+  </mc:AlternateContent>
+  <c:chart>
+    <c:autoTitleDeleted val="0"/>
+    <c:plotArea>
+      <c:layout/>
+      <c:lineChart>
+        <c:grouping val="standard"/>
+        <c:varyColors val="0"/>
+        <c:ser>
+          <c:idx val="0"/>
+          <c:order val="0"/>
+          <c:tx>
+            <c:strRef>
+              <c:f>Sheet1!$B$1</c:f>
+              <c:strCache>
+                <c:ptCount val="1"/>
+                <c:pt idx="0">
+                  <c:v>Web Services</c:v>
+                </c:pt>
+              </c:strCache>
+            </c:strRef>
+          </c:tx>
+          <c:marker>
+            <c:symbol val="none"/>
+          </c:marker>
+          <c:cat>
+            <c:numRef>
+              <c:f>Sheet1!$A$2:$A$25</c:f>
+              <c:numCache>
+                <c:formatCode>General</c:formatCode>
+                <c:ptCount val="24"/>
+                <c:pt idx="0">
+                  <c:v>10</c:v>
+                </c:pt>
+                <c:pt idx="1">
+                  <c:v>20</c:v>
+                </c:pt>
+                <c:pt idx="2">
+                  <c:v>30</c:v>
+                </c:pt>
+                <c:pt idx="3">
+                  <c:v>40</c:v>
+                </c:pt>
+                <c:pt idx="4">
+                  <c:v>50</c:v>
+                </c:pt>
+                <c:pt idx="5">
+                  <c:v>60</c:v>
+                </c:pt>
+                <c:pt idx="6">
+                  <c:v>70</c:v>
+                </c:pt>
+                <c:pt idx="7">
+                  <c:v>80</c:v>
+                </c:pt>
+                <c:pt idx="8">
+                  <c:v>90</c:v>
+                </c:pt>
+                <c:pt idx="9">
+                  <c:v>100</c:v>
+                </c:pt>
+                <c:pt idx="10">
+                  <c:v>110</c:v>
+                </c:pt>
+                <c:pt idx="11">
+                  <c:v>120</c:v>
+                </c:pt>
+                <c:pt idx="12">
+                  <c:v>130</c:v>
+                </c:pt>
+                <c:pt idx="13">
+                  <c:v>140</c:v>
+                </c:pt>
+                <c:pt idx="14">
+                  <c:v>150</c:v>
+                </c:pt>
+                <c:pt idx="15">
+                  <c:v>160</c:v>
+                </c:pt>
+                <c:pt idx="16">
+                  <c:v>170</c:v>
+                </c:pt>
+                <c:pt idx="17">
+                  <c:v>180</c:v>
+                </c:pt>
+                <c:pt idx="18">
+                  <c:v>190</c:v>
+                </c:pt>
+                <c:pt idx="19">
+                  <c:v>200</c:v>
+                </c:pt>
+                <c:pt idx="20">
+                  <c:v>210</c:v>
+                </c:pt>
+                <c:pt idx="21">
+                  <c:v>220</c:v>
+                </c:pt>
+                <c:pt idx="22">
+                  <c:v>230</c:v>
+                </c:pt>
+                <c:pt idx="23">
+                  <c:v>240</c:v>
+                </c:pt>
+              </c:numCache>
+            </c:numRef>
+          </c:cat>
+          <c:val>
+            <c:numRef>
+              <c:f>Sheet1!$B$2:$B$25</c:f>
+              <c:numCache>
+                <c:formatCode>General</c:formatCode>
+                <c:ptCount val="24"/>
+                <c:pt idx="0">
+                  <c:v>10</c:v>
+                </c:pt>
+                <c:pt idx="1">
+                  <c:v>20</c:v>
+                </c:pt>
+                <c:pt idx="2">
+                  <c:v>30</c:v>
+                </c:pt>
+                <c:pt idx="3">
+                  <c:v>40</c:v>
+                </c:pt>
+                <c:pt idx="4">
+                  <c:v>50</c:v>
+                </c:pt>
+                <c:pt idx="5">
+                  <c:v>60</c:v>
+                </c:pt>
+                <c:pt idx="6">
+                  <c:v>70</c:v>
+                </c:pt>
+                <c:pt idx="7">
+                  <c:v>80</c:v>
+                </c:pt>
+                <c:pt idx="8">
+                  <c:v>90</c:v>
+                </c:pt>
+                <c:pt idx="9">
+                  <c:v>100</c:v>
+                </c:pt>
+                <c:pt idx="10">
+                  <c:v>110</c:v>
+                </c:pt>
+                <c:pt idx="11">
+                  <c:v>105</c:v>
+                </c:pt>
+                <c:pt idx="12">
+                  <c:v>100</c:v>
+                </c:pt>
+                <c:pt idx="13">
+                  <c:v>95</c:v>
+                </c:pt>
+                <c:pt idx="14">
+                  <c:v>90</c:v>
+                </c:pt>
+                <c:pt idx="15">
+                  <c:v>85</c:v>
+                </c:pt>
+                <c:pt idx="16">
+                  <c:v>80</c:v>
+                </c:pt>
+                <c:pt idx="17">
+                  <c:v>75</c:v>
+                </c:pt>
+                <c:pt idx="18">
+                  <c:v>70</c:v>
+                </c:pt>
+                <c:pt idx="19">
+                  <c:v>65</c:v>
+                </c:pt>
+                <c:pt idx="20">
+                  <c:v>60</c:v>
+                </c:pt>
+                <c:pt idx="21">
+                  <c:v>55</c:v>
+                </c:pt>
+                <c:pt idx="22">
+                  <c:v>50</c:v>
+                </c:pt>
+                <c:pt idx="23">
+                  <c:v>45</c:v>
+                </c:pt>
+              </c:numCache>
+            </c:numRef>
+          </c:val>
+          <c:smooth val="0"/>
+        </c:ser>
+        <c:ser>
+          <c:idx val="1"/>
+          <c:order val="1"/>
+          <c:tx>
+            <c:strRef>
+              <c:f>Sheet1!$C$1</c:f>
+              <c:strCache>
+                <c:ptCount val="1"/>
+                <c:pt idx="0">
+                  <c:v>Queues</c:v>
+                </c:pt>
+              </c:strCache>
+            </c:strRef>
+          </c:tx>
+          <c:marker>
+            <c:symbol val="none"/>
+          </c:marker>
+          <c:cat>
+            <c:numRef>
+              <c:f>Sheet1!$A$2:$A$25</c:f>
+              <c:numCache>
+                <c:formatCode>General</c:formatCode>
+                <c:ptCount val="24"/>
+                <c:pt idx="0">
+                  <c:v>10</c:v>
+                </c:pt>
+                <c:pt idx="1">
+                  <c:v>20</c:v>
+                </c:pt>
+                <c:pt idx="2">
+                  <c:v>30</c:v>
+                </c:pt>
+                <c:pt idx="3">
+                  <c:v>40</c:v>
+                </c:pt>
+                <c:pt idx="4">
+                  <c:v>50</c:v>
+                </c:pt>
+                <c:pt idx="5">
+                  <c:v>60</c:v>
+                </c:pt>
+                <c:pt idx="6">
+                  <c:v>70</c:v>
+                </c:pt>
+                <c:pt idx="7">
+                  <c:v>80</c:v>
+                </c:pt>
+                <c:pt idx="8">
+                  <c:v>90</c:v>
+                </c:pt>
+                <c:pt idx="9">
+                  <c:v>100</c:v>
+                </c:pt>
+                <c:pt idx="10">
+                  <c:v>110</c:v>
+                </c:pt>
+                <c:pt idx="11">
+                  <c:v>120</c:v>
+                </c:pt>
+                <c:pt idx="12">
+                  <c:v>130</c:v>
+                </c:pt>
+                <c:pt idx="13">
+                  <c:v>140</c:v>
+                </c:pt>
+                <c:pt idx="14">
+                  <c:v>150</c:v>
+                </c:pt>
+                <c:pt idx="15">
+                  <c:v>160</c:v>
+                </c:pt>
+                <c:pt idx="16">
+                  <c:v>170</c:v>
+                </c:pt>
+                <c:pt idx="17">
+                  <c:v>180</c:v>
+                </c:pt>
+                <c:pt idx="18">
+                  <c:v>190</c:v>
+                </c:pt>
+                <c:pt idx="19">
+                  <c:v>200</c:v>
+                </c:pt>
+                <c:pt idx="20">
+                  <c:v>210</c:v>
+                </c:pt>
+                <c:pt idx="21">
+                  <c:v>220</c:v>
+                </c:pt>
+                <c:pt idx="22">
+                  <c:v>230</c:v>
+                </c:pt>
+                <c:pt idx="23">
+                  <c:v>240</c:v>
+                </c:pt>
+              </c:numCache>
+            </c:numRef>
+          </c:cat>
+          <c:val>
+            <c:numRef>
+              <c:f>Sheet1!$C$2:$C$25</c:f>
+              <c:numCache>
+                <c:formatCode>General</c:formatCode>
+                <c:ptCount val="24"/>
+                <c:pt idx="0">
+                  <c:v>10</c:v>
+                </c:pt>
+                <c:pt idx="1">
+                  <c:v>20</c:v>
+                </c:pt>
+                <c:pt idx="2">
+                  <c:v>30</c:v>
+                </c:pt>
+                <c:pt idx="3">
+                  <c:v>40</c:v>
+                </c:pt>
+                <c:pt idx="4">
+                  <c:v>50</c:v>
+                </c:pt>
+                <c:pt idx="5">
+                  <c:v>60</c:v>
+                </c:pt>
+                <c:pt idx="6">
+                  <c:v>70</c:v>
+                </c:pt>
+                <c:pt idx="7">
+                  <c:v>80</c:v>
+                </c:pt>
+                <c:pt idx="8">
+                  <c:v>90</c:v>
+                </c:pt>
+                <c:pt idx="9">
+                  <c:v>100</c:v>
+                </c:pt>
+                <c:pt idx="10">
+                  <c:v>110</c:v>
+                </c:pt>
+                <c:pt idx="11">
+                  <c:v>110</c:v>
+                </c:pt>
+                <c:pt idx="12">
+                  <c:v>110</c:v>
+                </c:pt>
+                <c:pt idx="13">
+                  <c:v>110</c:v>
+                </c:pt>
+                <c:pt idx="14">
+                  <c:v>110</c:v>
+                </c:pt>
+                <c:pt idx="15">
+                  <c:v>110</c:v>
+                </c:pt>
+                <c:pt idx="16">
+                  <c:v>110</c:v>
+                </c:pt>
+                <c:pt idx="17">
+                  <c:v>110</c:v>
+                </c:pt>
+                <c:pt idx="18">
+                  <c:v>110</c:v>
+                </c:pt>
+                <c:pt idx="19">
+                  <c:v>110</c:v>
+                </c:pt>
+                <c:pt idx="20">
+                  <c:v>110</c:v>
+                </c:pt>
+                <c:pt idx="21">
+                  <c:v>110</c:v>
+                </c:pt>
+                <c:pt idx="22">
+                  <c:v>110</c:v>
+                </c:pt>
+                <c:pt idx="23">
+                  <c:v>110</c:v>
+                </c:pt>
+              </c:numCache>
+            </c:numRef>
+          </c:val>
+          <c:smooth val="0"/>
+        </c:ser>
+        <c:dLbls>
+          <c:showLegendKey val="0"/>
+          <c:showVal val="0"/>
+          <c:showCatName val="0"/>
+          <c:showSerName val="0"/>
+          <c:showPercent val="0"/>
+          <c:showBubbleSize val="0"/>
+        </c:dLbls>
+        <c:marker val="1"/>
+        <c:smooth val="0"/>
+        <c:axId val="32206848"/>
+        <c:axId val="32208384"/>
+      </c:lineChart>
+      <c:catAx>
+        <c:axId val="32206848"/>
+        <c:scaling>
+          <c:orientation val="minMax"/>
+        </c:scaling>
+        <c:delete val="0"/>
+        <c:axPos val="b"/>
+        <c:numFmt formatCode="General" sourceLinked="1"/>
+        <c:majorTickMark val="out"/>
+        <c:minorTickMark val="none"/>
+        <c:tickLblPos val="nextTo"/>
+        <c:crossAx val="32208384"/>
+        <c:crosses val="autoZero"/>
+        <c:auto val="1"/>
+        <c:lblAlgn val="ctr"/>
+        <c:lblOffset val="100"/>
+        <c:noMultiLvlLbl val="0"/>
+      </c:catAx>
+      <c:valAx>
+        <c:axId val="32208384"/>
+        <c:scaling>
+          <c:orientation val="minMax"/>
+        </c:scaling>
+        <c:delete val="0"/>
+        <c:axPos val="l"/>
+        <c:majorGridlines/>
+        <c:numFmt formatCode="General" sourceLinked="1"/>
+        <c:majorTickMark val="out"/>
+        <c:minorTickMark val="none"/>
+        <c:tickLblPos val="nextTo"/>
+        <c:crossAx val="32206848"/>
+        <c:crosses val="autoZero"/>
+        <c:crossBetween val="between"/>
+      </c:valAx>
+    </c:plotArea>
+    <c:legend>
+      <c:legendPos val="r"/>
+      <c:layout/>
+      <c:overlay val="0"/>
+    </c:legend>
+    <c:plotVisOnly val="1"/>
+    <c:dispBlanksAs val="zero"/>
+    <c:showDLblsOverMax val="0"/>
+  </c:chart>
+  <c:externalData r:id="rId1">
+    <c:autoUpdate val="0"/>
+  </c:externalData>
+  <c:userShapes r:id="rId2"/>
+</c:chartSpace>
+</file>
+
+<file path=ppt/diagrams/colors1.xml><?xml version="1.0" encoding="utf-8"?>
+<dgm:colorsDef xmlns:dgm="http://schemas.openxmlformats.org/drawingml/2006/diagram" xmlns:a="http://schemas.openxmlformats.org/drawingml/2006/main" uniqueId="urn:microsoft.com/office/officeart/2005/8/colors/accent1_2">
+  <dgm:title val=""/>
+  <dgm:desc val=""/>
+  <dgm:catLst>
+    <dgm:cat type="accent1" pri="11200"/>
+  </dgm:catLst>
+  <dgm:styleLbl name="node0">
+    <dgm:fillClrLst meth="repeat">
+      <a:schemeClr val="accent1"/>
+    </dgm:fillClrLst>
+    <dgm:linClrLst meth="repeat">
+      <a:schemeClr val="lt1"/>
+    </dgm:linClrLst>
+    <dgm:effectClrLst/>
+    <dgm:txLinClrLst/>
+    <dgm:txFillClrLst/>
+    <dgm:txEffectClrLst/>
+  </dgm:styleLbl>
+  <dgm:styleLbl name="alignNode1">
+    <dgm:fillClrLst meth="repeat">
+      <a:schemeClr val="accent1"/>
+    </dgm:fillClrLst>
+    <dgm:linClrLst meth="repeat">
+      <a:schemeClr val="accent1"/>
+    </dgm:linClrLst>
+    <dgm:effectClrLst/>
+    <dgm:txLinClrLst/>
+    <dgm:txFillClrLst/>
+    <dgm:txEffectClrLst/>
+  </dgm:styleLbl>
+  <dgm:styleLbl name="node1">
+    <dgm:fillClrLst meth="repeat">
+      <a:schemeClr val="accent1"/>
+    </dgm:fillClrLst>
+    <dgm:linClrLst meth="repeat">
+      <a:schemeClr val="lt1"/>
+    </dgm:linClrLst>
+    <dgm:effectClrLst/>
+    <dgm:txLinClrLst/>
+    <dgm:txFillClrLst/>
+    <dgm:txEffectClrLst/>
+  </dgm:styleLbl>
+  <dgm:styleLbl name="lnNode1">
+    <dgm:fillClrLst meth="repeat">
+      <a:schemeClr val="accent1"/>
+    </dgm:fillClrLst>
+    <dgm:linClrLst meth="repeat">
+      <a:schemeClr val="lt1"/>
+    </dgm:linClrLst>
+    <dgm:effectClrLst/>
+    <dgm:txLinClrLst/>
+    <dgm:txFillClrLst/>
+    <dgm:txEffectClrLst/>
+  </dgm:styleLbl>
+  <dgm:styleLbl name="vennNode1">
+    <dgm:fillClrLst meth="repeat">
+      <a:schemeClr val="accent1">
+        <a:alpha val="50000"/>
+      </a:schemeClr>
+    </dgm:fillClrLst>
+    <dgm:linClrLst meth="repeat">
+      <a:schemeClr val="lt1"/>
+    </dgm:linClrLst>
+    <dgm:effectClrLst/>
+    <dgm:txLinClrLst/>
+    <dgm:txFillClrLst/>
+    <dgm:txEffectClrLst/>
+  </dgm:styleLbl>
+  <dgm:styleLbl name="node2">
+    <dgm:fillClrLst meth="repeat">
+      <a:schemeClr val="accent1"/>
+    </dgm:fillClrLst>
+    <dgm:linClrLst meth="repeat">
+      <a:schemeClr val="lt1"/>
+    </dgm:linClrLst>
+    <dgm:effectClrLst/>
+    <dgm:txLinClrLst/>
+    <dgm:txFillClrLst/>
+    <dgm:txEffectClrLst/>
+  </dgm:styleLbl>
+  <dgm:styleLbl name="node3">
+    <dgm:fillClrLst meth="repeat">
+      <a:schemeClr val="accent1"/>
+    </dgm:fillClrLst>
+    <dgm:linClrLst meth="repeat">
+      <a:schemeClr val="lt1"/>
+    </dgm:linClrLst>
+    <dgm:effectClrLst/>
+    <dgm:txLinClrLst/>
+    <dgm:txFillClrLst/>
+    <dgm:txEffectClrLst/>
+  </dgm:styleLbl>
+  <dgm:styleLbl name="node4">
+    <dgm:fillClrLst meth="repeat">
+      <a:schemeClr val="accent1"/>
+    </dgm:fillClrLst>
+    <dgm:linClrLst meth="repeat">
+      <a:schemeClr val="lt1"/>
+    </dgm:linClrLst>
+    <dgm:effectClrLst/>
+    <dgm:txLinClrLst/>
+    <dgm:txFillClrLst/>
+    <dgm:txEffectClrLst/>
+  </dgm:styleLbl>
+  <dgm:styleLbl name="fgImgPlace1">
+    <dgm:fillClrLst meth="repeat">
+      <a:schemeClr val="accent1">
+        <a:tint val="50000"/>
+      </a:schemeClr>
+    </dgm:fillClrLst>
+    <dgm:linClrLst meth="repeat">
+      <a:schemeClr val="lt1"/>
+    </dgm:linClrLst>
+    <dgm:effectClrLst/>
+    <dgm:txLinClrLst/>
+    <dgm:txFillClrLst meth="repeat">
+      <a:schemeClr val="lt1"/>
+    </dgm:txFillClrLst>
+    <dgm:txEffectClrLst/>
+  </dgm:styleLbl>
+  <dgm:styleLbl name="alignImgPlace1">
+    <dgm:fillClrLst meth="repeat">
+      <a:schemeClr val="accent1">
+        <a:tint val="50000"/>
+      </a:schemeClr>
+    </dgm:fillClrLst>
+    <dgm:linClrLst meth="repeat">
+      <a:schemeClr val="lt1"/>
+    </dgm:linClrLst>
+    <dgm:effectClrLst/>
+    <dgm:txLinClrLst/>
+    <dgm:txFillClrLst meth="repeat">
+      <a:schemeClr val="lt1"/>
+    </dgm:txFillClrLst>
+    <dgm:txEffectClrLst/>
+  </dgm:styleLbl>
+  <dgm:styleLbl name="bgImgPlace1">
+    <dgm:fillClrLst meth="repeat">
+      <a:schemeClr val="accent1">
+        <a:tint val="50000"/>
+      </a:schemeClr>
+    </dgm:fillClrLst>
+    <dgm:linClrLst meth="repeat">
+      <a:schemeClr val="lt1"/>
+    </dgm:linClrLst>
+    <dgm:effectClrLst/>
+    <dgm:txLinClrLst/>
+    <dgm:txFillClrLst meth="repeat">
+      <a:schemeClr val="lt1"/>
+    </dgm:txFillClrLst>
+    <dgm:txEffectClrLst/>
+  </dgm:styleLbl>
+  <dgm:styleLbl name="sibTrans2D1">
+    <dgm:fillClrLst meth="repeat">
+      <a:schemeClr val="accent1">
+        <a:tint val="60000"/>
+      </a:schemeClr>
+    </dgm:fillClrLst>
+    <dgm:linClrLst meth="repeat">
+      <a:schemeClr val="accent1">
+        <a:tint val="60000"/>
+      </a:schemeClr>
+    </dgm:linClrLst>
+    <dgm:effectClrLst/>
+    <dgm:txLinClrLst/>
+    <dgm:txFillClrLst/>
+    <dgm:txEffectClrLst/>
+  </dgm:styleLbl>
+  <dgm:styleLbl name="fgSibTrans2D1">
+    <dgm:fillClrLst meth="repeat">
+      <a:schemeClr val="accent1">
+        <a:tint val="60000"/>
+      </a:schemeClr>
+    </dgm:fillClrLst>
+    <dgm:linClrLst meth="repeat">
+      <a:schemeClr val="accent1">
+        <a:tint val="60000"/>
+      </a:schemeClr>
+    </dgm:linClrLst>
+    <dgm:effectClrLst/>
+    <dgm:txLinClrLst/>
+    <dgm:txFillClrLst/>
+    <dgm:txEffectClrLst/>
+  </dgm:styleLbl>
+  <dgm:styleLbl name="bgSibTrans2D1">
+    <dgm:fillClrLst meth="repeat">
+      <a:schemeClr val="accent1">
+        <a:tint val="60000"/>
+      </a:schemeClr>
+    </dgm:fillClrLst>
+    <dgm:linClrLst meth="repeat">
+      <a:schemeClr val="accent1">
+        <a:tint val="60000"/>
+      </a:schemeClr>
+    </dgm:linClrLst>
+    <dgm:effectClrLst/>
+    <dgm:txLinClrLst/>
+    <dgm:txFillClrLst/>
+    <dgm:txEffectClrLst/>
+  </dgm:styleLbl>
+  <dgm:styleLbl name="sibTrans1D1">
+    <dgm:fillClrLst meth="repeat">
+      <a:schemeClr val="accent1"/>
+    </dgm:fillClrLst>
+    <dgm:linClrLst meth="repeat">
+      <a:schemeClr val="accent1"/>
+    </dgm:linClrLst>
+    <dgm:effectClrLst/>
+    <dgm:txLinClrLst/>
+    <dgm:txFillClrLst meth="repeat">
+      <a:schemeClr val="tx1"/>
+    </dgm:txFillClrLst>
+    <dgm:txEffectClrLst/>
+  </dgm:styleLbl>
+  <dgm:styleLbl name="callout">
+    <dgm:fillClrLst meth="repeat">
+      <a:schemeClr val="accent1"/>
+    </dgm:fillClrLst>
+    <dgm:linClrLst meth="repeat">
+      <a:schemeClr val="accent1">
+        <a:tint val="50000"/>
+      </a:schemeClr>
+    </dgm:linClrLst>
+    <dgm:effectClrLst/>
+    <dgm:txLinClrLst/>
+    <dgm:txFillClrLst meth="repeat">
+      <a:schemeClr val="tx1"/>
+    </dgm:txFillClrLst>
+    <dgm:txEffectClrLst/>
+  </dgm:styleLbl>
+  <dgm:styleLbl name="asst0">
+    <dgm:fillClrLst meth="repeat">
+      <a:schemeClr val="accent1"/>
+    </dgm:fillClrLst>
+    <dgm:linClrLst meth="repeat">
+      <a:schemeClr val="lt1"/>
+    </dgm:linClrLst>
+    <dgm:effectClrLst/>
+    <dgm:txLinClrLst/>
+    <dgm:txFillClrLst/>
+    <dgm:txEffectClrLst/>
+  </dgm:styleLbl>
+  <dgm:styleLbl name="asst1">
+    <dgm:fillClrLst meth="repeat">
+      <a:schemeClr val="accent1"/>
+    </dgm:fillClrLst>
+    <dgm:linClrLst meth="repeat">
+      <a:schemeClr val="lt1"/>
+    </dgm:linClrLst>
+    <dgm:effectClrLst/>
+    <dgm:txLinClrLst/>
+    <dgm:txFillClrLst/>
+    <dgm:txEffectClrLst/>
+  </dgm:styleLbl>
+  <dgm:styleLbl name="asst2">
+    <dgm:fillClrLst meth="repeat">
+      <a:schemeClr val="accent1"/>
+    </dgm:fillClrLst>
+    <dgm:linClrLst meth="repeat">
+      <a:schemeClr val="lt1"/>
+    </dgm:linClrLst>
+    <dgm:effectClrLst/>
+    <dgm:txLinClrLst/>
+    <dgm:txFillClrLst/>
+    <dgm:txEffectClrLst/>
+  </dgm:styleLbl>
+  <dgm:styleLbl name="asst3">
+    <dgm:fillClrLst meth="repeat">
+      <a:schemeClr val="accent1"/>
+    </dgm:fillClrLst>
+    <dgm:linClrLst meth="repeat">
+      <a:schemeClr val="lt1"/>
+    </dgm:linClrLst>
+    <dgm:effectClrLst/>
+    <dgm:txLinClrLst/>
+    <dgm:txFillClrLst/>
+    <dgm:txEffectClrLst/>
+  </dgm:styleLbl>
+  <dgm:styleLbl name="asst4">
+    <dgm:fillClrLst meth="repeat">
+      <a:schemeClr val="accent1"/>
+    </dgm:fillClrLst>
+    <dgm:linClrLst meth="repeat">
+      <a:schemeClr val="lt1"/>
+    </dgm:linClrLst>
+    <dgm:effectClrLst/>
+    <dgm:txLinClrLst/>
+    <dgm:txFillClrLst/>
+    <dgm:txEffectClrLst/>
+  </dgm:styleLbl>
+  <dgm:styleLbl name="parChTrans2D1">
+    <dgm:fillClrLst meth="repeat">
+      <a:schemeClr val="accent1">
+        <a:tint val="60000"/>
+      </a:schemeClr>
+    </dgm:fillClrLst>
+    <dgm:linClrLst meth="repeat">
+      <a:schemeClr val="accent1">
+        <a:tint val="60000"/>
+      </a:schemeClr>
+    </dgm:linClrLst>
+    <dgm:effectClrLst/>
+    <dgm:txLinClrLst/>
+    <dgm:txFillClrLst meth="repeat">
+      <a:schemeClr val="lt1"/>
+    </dgm:txFillClrLst>
+    <dgm:txEffectClrLst/>
+  </dgm:styleLbl>
+  <dgm:styleLbl name="parChTrans2D2">
+    <dgm:fillClrLst meth="repeat">
+      <a:schemeClr val="accent1"/>
+    </dgm:fillClrLst>
+    <dgm:linClrLst meth="repeat">
+      <a:schemeClr val="accent1"/>
+    </dgm:linClrLst>
+    <dgm:effectClrLst/>
+    <dgm:txLinClrLst/>
+    <dgm:txFillClrLst meth="repeat">
+      <a:schemeClr val="lt1"/>
+    </dgm:txFillClrLst>
+    <dgm:txEffectClrLst/>
+  </dgm:styleLbl>
+  <dgm:styleLbl name="parChTrans2D3">
+    <dgm:fillClrLst meth="repeat">
+      <a:schemeClr val="accent1"/>
+    </dgm:fillClrLst>
+    <dgm:linClrLst meth="repeat">
+      <a:schemeClr val="accent1"/>
+    </dgm:linClrLst>
+    <dgm:effectClrLst/>
+    <dgm:txLinClrLst/>
+    <dgm:txFillClrLst meth="repeat">
+      <a:schemeClr val="lt1"/>
+    </dgm:txFillClrLst>
+    <dgm:txEffectClrLst/>
+  </dgm:styleLbl>
+  <dgm:styleLbl name="parChTrans2D4">
+    <dgm:fillClrLst meth="repeat">
+      <a:schemeClr val="accent1"/>
+    </dgm:fillClrLst>
+    <dgm:linClrLst meth="repeat">
+      <a:schemeClr val="accent1"/>
+    </dgm:linClrLst>
+    <dgm:effectClrLst/>
+    <dgm:txLinClrLst/>
+    <dgm:txFillClrLst meth="repeat">
+      <a:schemeClr val="lt1"/>
+    </dgm:txFillClrLst>
+    <dgm:txEffectClrLst/>
+  </dgm:styleLbl>
+  <dgm:styleLbl name="parChTrans1D1">
+    <dgm:fillClrLst meth="repeat">
+      <a:schemeClr val="accent1"/>
+    </dgm:fillClrLst>
+    <dgm:linClrLst meth="repeat">
+      <a:schemeClr val="accent1">
+        <a:shade val="60000"/>
+      </a:schemeClr>
+    </dgm:linClrLst>
+    <dgm:effectClrLst/>
+    <dgm:txLinClrLst/>
+    <dgm:txFillClrLst meth="repeat">
+      <a:schemeClr val="tx1"/>
+    </dgm:txFillClrLst>
+    <dgm:txEffectClrLst/>
+  </dgm:styleLbl>
+  <dgm:styleLbl name="parChTrans1D2">
+    <dgm:fillClrLst meth="repeat">
+      <a:schemeClr val="accent1"/>
+    </dgm:fillClrLst>
+    <dgm:linClrLst meth="repeat">
+      <a:schemeClr val="accent1">
+        <a:shade val="60000"/>
+      </a:schemeClr>
+    </dgm:linClrLst>
+    <dgm:effectClrLst/>
+    <dgm:txLinClrLst/>
+    <dgm:txFillClrLst meth="repeat">
+      <a:schemeClr val="tx1"/>
+    </dgm:txFillClrLst>
+    <dgm:txEffectClrLst/>
+  </dgm:styleLbl>
+  <dgm:styleLbl name="parChTrans1D3">
+    <dgm:fillClrLst meth="repeat">
+      <a:schemeClr val="accent1"/>
+    </dgm:fillClrLst>
+    <dgm:linClrLst meth="repeat">
+      <a:schemeClr val="accent1">
+        <a:shade val="80000"/>
+      </a:schemeClr>
+    </dgm:linClrLst>
+    <dgm:effectClrLst/>
+    <dgm:txLinClrLst/>
+    <dgm:txFillClrLst meth="repeat">
+      <a:schemeClr val="tx1"/>
+    </dgm:txFillClrLst>
+    <dgm:txEffectClrLst/>
+  </dgm:styleLbl>
+  <dgm:styleLbl name="parChTrans1D4">
+    <dgm:fillClrLst meth="repeat">
+      <a:schemeClr val="accent1"/>
+    </dgm:fillClrLst>
+    <dgm:linClrLst meth="repeat">
+      <a:schemeClr val="accent1">
+        <a:shade val="80000"/>
+      </a:schemeClr>
+    </dgm:linClrLst>
+    <dgm:effectClrLst/>
+    <dgm:txLinClrLst/>
+    <dgm:txFillClrLst meth="repeat">
+      <a:schemeClr val="tx1"/>
+    </dgm:txFillClrLst>
+    <dgm:txEffectClrLst/>
+  </dgm:styleLbl>
+  <dgm:styleLbl name="fgAcc1">
+    <dgm:fillClrLst meth="repeat">
+      <a:schemeClr val="lt1">
+        <a:alpha val="90000"/>
+      </a:schemeClr>
+    </dgm:fillClrLst>
+    <dgm:linClrLst meth="repeat">
+      <a:schemeClr val="accent1"/>
+    </dgm:linClrLst>
+    <dgm:effectClrLst/>
+    <dgm:txLinClrLst/>
+    <dgm:txFillClrLst meth="repeat">
+      <a:schemeClr val="dk1"/>
+    </dgm:txFillClrLst>
+    <dgm:txEffectClrLst/>
+  </dgm:styleLbl>
+  <dgm:styleLbl name="conFgAcc1">
+    <dgm:fillClrLst meth="repeat">
+      <a:schemeClr val="lt1">
+        <a:alpha val="90000"/>
+      </a:schemeClr>
+    </dgm:fillClrLst>
+    <dgm:linClrLst meth="repeat">
+      <a:schemeClr val="accent1"/>
+    </dgm:linClrLst>
+    <dgm:effectClrLst/>
+    <dgm:txLinClrLst/>
+    <dgm:txFillClrLst meth="repeat">
+      <a:schemeClr val="dk1"/>
+    </dgm:txFillClrLst>
+    <dgm:txEffectClrLst/>
+  </dgm:styleLbl>
+  <dgm:styleLbl name="alignAcc1">
+    <dgm:fillClrLst meth="repeat">
+      <a:schemeClr val="lt1">
+        <a:alpha val="90000"/>
+      </a:schemeClr>
+    </dgm:fillClrLst>
+    <dgm:linClrLst meth="repeat">
+      <a:schemeClr val="accent1"/>
+    </dgm:linClrLst>
+    <dgm:effectClrLst/>
+    <dgm:txLinClrLst/>
+    <dgm:txFillClrLst meth="repeat">
+      <a:schemeClr val="dk1"/>
+    </dgm:txFillClrLst>
+    <dgm:txEffectClrLst/>
+  </dgm:styleLbl>
+  <dgm:styleLbl name="trAlignAcc1">
+    <dgm:fillClrLst meth="repeat">
+      <a:schemeClr val="lt1">
+        <a:alpha val="40000"/>
+      </a:schemeClr>
+    </dgm:fillClrLst>
+    <dgm:linClrLst meth="repeat">
+      <a:schemeClr val="accent1"/>
+    </dgm:linClrLst>
+    <dgm:effectClrLst/>
+    <dgm:txLinClrLst/>
+    <dgm:txFillClrLst meth="repeat">
+      <a:schemeClr val="dk1"/>
+    </dgm:txFillClrLst>
+    <dgm:txEffectClrLst/>
+  </dgm:styleLbl>
+  <dgm:styleLbl name="bgAcc1">
+    <dgm:fillClrLst meth="repeat">
+      <a:schemeClr val="lt1">
+        <a:alpha val="90000"/>
+      </a:schemeClr>
+    </dgm:fillClrLst>
+    <dgm:linClrLst meth="repeat">
+      <a:schemeClr val="accent1"/>
+    </dgm:linClrLst>
+    <dgm:effectClrLst/>
+    <dgm:txLinClrLst/>
+    <dgm:txFillClrLst meth="repeat">
+      <a:schemeClr val="dk1"/>
+    </dgm:txFillClrLst>
+    <dgm:txEffectClrLst/>
+  </dgm:styleLbl>
+  <dgm:styleLbl name="solidFgAcc1">
+    <dgm:fillClrLst meth="repeat">
+      <a:schemeClr val="lt1"/>
+    </dgm:fillClrLst>
+    <dgm:linClrLst meth="repeat">
+      <a:schemeClr val="accent1"/>
+    </dgm:linClrLst>
+    <dgm:effectClrLst/>
+    <dgm:txLinClrLst/>
+    <dgm:txFillClrLst meth="repeat">
+      <a:schemeClr val="dk1"/>
+    </dgm:txFillClrLst>
+    <dgm:txEffectClrLst/>
+  </dgm:styleLbl>
+  <dgm:styleLbl name="solidAlignAcc1">
+    <dgm:fillClrLst meth="repeat">
+      <a:schemeClr val="lt1"/>
+    </dgm:fillClrLst>
+    <dgm:linClrLst meth="repeat">
+      <a:schemeClr val="accent1"/>
+    </dgm:linClrLst>
+    <dgm:effectClrLst/>
+    <dgm:txLinClrLst/>
+    <dgm:txFillClrLst meth="repeat">
+      <a:schemeClr val="dk1"/>
+    </dgm:txFillClrLst>
+    <dgm:txEffectClrLst/>
+  </dgm:styleLbl>
+  <dgm:styleLbl name="solidBgAcc1">
+    <dgm:fillClrLst meth="repeat">
+      <a:schemeClr val="lt1"/>
+    </dgm:fillClrLst>
+    <dgm:linClrLst meth="repeat">
+      <a:schemeClr val="accent1"/>
+    </dgm:linClrLst>
+    <dgm:effectClrLst/>
+    <dgm:txLinClrLst/>
+    <dgm:txFillClrLst meth="repeat">
+      <a:schemeClr val="dk1"/>
+    </dgm:txFillClrLst>
+    <dgm:txEffectClrLst/>
+  </dgm:styleLbl>
+  <dgm:styleLbl name="fgAccFollowNode1">
+    <dgm:fillClrLst meth="repeat">
+      <a:schemeClr val="accent1">
+        <a:alpha val="90000"/>
+        <a:tint val="40000"/>
+      </a:schemeClr>
+    </dgm:fillClrLst>
+    <dgm:linClrLst meth="repeat">
+      <a:schemeClr val="accent1">
+        <a:alpha val="90000"/>
+        <a:tint val="40000"/>
+      </a:schemeClr>
+    </dgm:linClrLst>
+    <dgm:effectClrLst/>
+    <dgm:txLinClrLst/>
+    <dgm:txFillClrLst meth="repeat">
+      <a:schemeClr val="dk1"/>
+    </dgm:txFillClrLst>
+    <dgm:txEffectClrLst/>
+  </dgm:styleLbl>
+  <dgm:styleLbl name="alignAccFollowNode1">
+    <dgm:fillClrLst meth="repeat">
+      <a:schemeClr val="accent1">
+        <a:alpha val="90000"/>
+        <a:tint val="40000"/>
+      </a:schemeClr>
+    </dgm:fillClrLst>
+    <dgm:linClrLst meth="repeat">
+      <a:schemeClr val="accent1">
+        <a:alpha val="90000"/>
+        <a:tint val="40000"/>
+      </a:schemeClr>
+    </dgm:linClrLst>
+    <dgm:effectClrLst/>
+    <dgm:txLinClrLst/>
+    <dgm:txFillClrLst meth="repeat">
+      <a:schemeClr val="dk1"/>
+    </dgm:txFillClrLst>
+    <dgm:txEffectClrLst/>
+  </dgm:styleLbl>
+  <dgm:styleLbl name="bgAccFollowNode1">
+    <dgm:fillClrLst meth="repeat">
+      <a:schemeClr val="accent1">
+        <a:alpha val="90000"/>
+        <a:tint val="40000"/>
+      </a:schemeClr>
+    </dgm:fillClrLst>
+    <dgm:linClrLst meth="repeat">
+      <a:schemeClr val="accent1">
+        <a:alpha val="90000"/>
+        <a:tint val="40000"/>
+      </a:schemeClr>
+    </dgm:linClrLst>
+    <dgm:effectClrLst/>
+    <dgm:txLinClrLst/>
+    <dgm:txFillClrLst meth="repeat">
+      <a:schemeClr val="dk1"/>
+    </dgm:txFillClrLst>
+    <dgm:txEffectClrLst/>
+  </dgm:styleLbl>
+  <dgm:styleLbl name="fgAcc0">
+    <dgm:fillClrLst meth="repeat">
+      <a:schemeClr val="lt1">
+        <a:alpha val="90000"/>
+      </a:schemeClr>
+    </dgm:fillClrLst>
+    <dgm:linClrLst meth="repeat">
+      <a:schemeClr val="accent1"/>
+    </dgm:linClrLst>
+    <dgm:effectClrLst/>
+    <dgm:txLinClrLst/>
+    <dgm:txFillClrLst meth="repeat">
+      <a:schemeClr val="dk1"/>
+    </dgm:txFillClrLst>
+    <dgm:txEffectClrLst/>
+  </dgm:styleLbl>
+  <dgm:styleLbl name="fgAcc2">
+    <dgm:fillClrLst meth="repeat">
+      <a:schemeClr val="lt1">
+        <a:alpha val="90000"/>
+      </a:schemeClr>
+    </dgm:fillClrLst>
+    <dgm:linClrLst meth="repeat">
+      <a:schemeClr val="accent1"/>
+    </dgm:linClrLst>
+    <dgm:effectClrLst/>
+    <dgm:txLinClrLst/>
+    <dgm:txFillClrLst meth="repeat">
+      <a:schemeClr val="dk1"/>
+    </dgm:txFillClrLst>
+    <dgm:txEffectClrLst/>
+  </dgm:styleLbl>
+  <dgm:styleLbl name="fgAcc3">
+    <dgm:fillClrLst meth="repeat">
+      <a:schemeClr val="lt1">
+        <a:alpha val="90000"/>
+      </a:schemeClr>
+    </dgm:fillClrLst>
+    <dgm:linClrLst meth="repeat">
+      <a:schemeClr val="accent1"/>
+    </dgm:linClrLst>
+    <dgm:effectClrLst/>
+    <dgm:txLinClrLst/>
+    <dgm:txFillClrLst meth="repeat">
+      <a:schemeClr val="dk1"/>
+    </dgm:txFillClrLst>
+    <dgm:txEffectClrLst/>
+  </dgm:styleLbl>
+  <dgm:styleLbl name="fgAcc4">
+    <dgm:fillClrLst meth="repeat">
+      <a:schemeClr val="lt1">
+        <a:alpha val="90000"/>
+      </a:schemeClr>
+    </dgm:fillClrLst>
+    <dgm:linClrLst meth="repeat">
+      <a:schemeClr val="accent1"/>
+    </dgm:linClrLst>
+    <dgm:effectClrLst/>
+    <dgm:txLinClrLst/>
+    <dgm:txFillClrLst meth="repeat">
+      <a:schemeClr val="dk1"/>
+    </dgm:txFillClrLst>
+    <dgm:txEffectClrLst/>
+  </dgm:styleLbl>
+  <dgm:styleLbl name="bgShp">
+    <dgm:fillClrLst meth="repeat">
+      <a:schemeClr val="accent1">
+        <a:tint val="40000"/>
+      </a:schemeClr>
+    </dgm:fillClrLst>
+    <dgm:linClrLst meth="repeat">
+      <a:schemeClr val="accent1"/>
+    </dgm:linClrLst>
+    <dgm:effectClrLst/>
+    <dgm:txLinClrLst/>
+    <dgm:txFillClrLst meth="repeat">
+      <a:schemeClr val="dk1"/>
+    </dgm:txFillClrLst>
+    <dgm:txEffectClrLst/>
+  </dgm:styleLbl>
+  <dgm:styleLbl name="dkBgShp">
+    <dgm:fillClrLst meth="repeat">
+      <a:schemeClr val="accent1">
+        <a:shade val="80000"/>
+      </a:schemeClr>
+    </dgm:fillClrLst>
+    <dgm:linClrLst meth="repeat">
+      <a:schemeClr val="accent1"/>
+    </dgm:linClrLst>
+    <dgm:effectClrLst/>
+    <dgm:txLinClrLst/>
+    <dgm:txFillClrLst meth="repeat">
+      <a:schemeClr val="lt1"/>
+    </dgm:txFillClrLst>
+    <dgm:txEffectClrLst/>
+  </dgm:styleLbl>
+  <dgm:styleLbl name="trBgShp">
+    <dgm:fillClrLst meth="repeat">
+      <a:schemeClr val="accent1">
+        <a:tint val="50000"/>
+        <a:alpha val="40000"/>
+      </a:schemeClr>
+    </dgm:fillClrLst>
+    <dgm:linClrLst meth="repeat">
+      <a:schemeClr val="accent1"/>
+    </dgm:linClrLst>
+    <dgm:effectClrLst/>
+    <dgm:txLinClrLst/>
+    <dgm:txFillClrLst meth="repeat">
+      <a:schemeClr val="lt1"/>
+    </dgm:txFillClrLst>
+    <dgm:txEffectClrLst/>
+  </dgm:styleLbl>
+  <dgm:styleLbl name="fgShp">
+    <dgm:fillClrLst meth="repeat">
+      <a:schemeClr val="accent1">
+        <a:tint val="60000"/>
+      </a:schemeClr>
+    </dgm:fillClrLst>
+    <dgm:linClrLst meth="repeat">
+      <a:schemeClr val="lt1"/>
+    </dgm:linClrLst>
+    <dgm:effectClrLst/>
+    <dgm:txLinClrLst/>
+    <dgm:txFillClrLst meth="repeat">
+      <a:schemeClr val="dk1"/>
+    </dgm:txFillClrLst>
+    <dgm:txEffectClrLst/>
+  </dgm:styleLbl>
+  <dgm:styleLbl name="revTx">
+    <dgm:fillClrLst meth="repeat">
+      <a:schemeClr val="lt1">
+        <a:alpha val="0"/>
+      </a:schemeClr>
+    </dgm:fillClrLst>
+    <dgm:linClrLst meth="repeat">
+      <a:schemeClr val="dk1">
+        <a:alpha val="0"/>
+      </a:schemeClr>
+    </dgm:linClrLst>
+    <dgm:effectClrLst/>
+    <dgm:txLinClrLst/>
+    <dgm:txFillClrLst meth="repeat">
+      <a:schemeClr val="tx1"/>
+    </dgm:txFillClrLst>
+    <dgm:txEffectClrLst/>
+  </dgm:styleLbl>
+</dgm:colorsDef>
+</file>
+
+<file path=ppt/diagrams/colors2.xml><?xml version="1.0" encoding="utf-8"?>
+<dgm:colorsDef xmlns:dgm="http://schemas.openxmlformats.org/drawingml/2006/diagram" xmlns:a="http://schemas.openxmlformats.org/drawingml/2006/main" uniqueId="urn:microsoft.com/office/officeart/2005/8/colors/accent1_2">
+  <dgm:title val=""/>
+  <dgm:desc val=""/>
+  <dgm:catLst>
+    <dgm:cat type="accent1" pri="11200"/>
+  </dgm:catLst>
+  <dgm:styleLbl name="node0">
+    <dgm:fillClrLst meth="repeat">
+      <a:schemeClr val="accent1"/>
+    </dgm:fillClrLst>
+    <dgm:linClrLst meth="repeat">
+      <a:schemeClr val="lt1"/>
+    </dgm:linClrLst>
+    <dgm:effectClrLst/>
+    <dgm:txLinClrLst/>
+    <dgm:txFillClrLst/>
+    <dgm:txEffectClrLst/>
+  </dgm:styleLbl>
+  <dgm:styleLbl name="alignNode1">
+    <dgm:fillClrLst meth="repeat">
+      <a:schemeClr val="accent1"/>
+    </dgm:fillClrLst>
+    <dgm:linClrLst meth="repeat">
+      <a:schemeClr val="accent1"/>
+    </dgm:linClrLst>
+    <dgm:effectClrLst/>
+    <dgm:txLinClrLst/>
+    <dgm:txFillClrLst/>
+    <dgm:txEffectClrLst/>
+  </dgm:styleLbl>
+  <dgm:styleLbl name="node1">
+    <dgm:fillClrLst meth="repeat">
+      <a:schemeClr val="accent1"/>
+    </dgm:fillClrLst>
+    <dgm:linClrLst meth="repeat">
+      <a:schemeClr val="lt1"/>
+    </dgm:linClrLst>
+    <dgm:effectClrLst/>
+    <dgm:txLinClrLst/>
+    <dgm:txFillClrLst/>
+    <dgm:txEffectClrLst/>
+  </dgm:styleLbl>
+  <dgm:styleLbl name="lnNode1">
+    <dgm:fillClrLst meth="repeat">
+      <a:schemeClr val="accent1"/>
+    </dgm:fillClrLst>
+    <dgm:linClrLst meth="repeat">
+      <a:schemeClr val="lt1"/>
+    </dgm:linClrLst>
+    <dgm:effectClrLst/>
+    <dgm:txLinClrLst/>
+    <dgm:txFillClrLst/>
+    <dgm:txEffectClrLst/>
+  </dgm:styleLbl>
+  <dgm:styleLbl name="vennNode1">
+    <dgm:fillClrLst meth="repeat">
+      <a:schemeClr val="accent1">
+        <a:alpha val="50000"/>
+      </a:schemeClr>
+    </dgm:fillClrLst>
+    <dgm:linClrLst meth="repeat">
+      <a:schemeClr val="lt1"/>
+    </dgm:linClrLst>
+    <dgm:effectClrLst/>
+    <dgm:txLinClrLst/>
+    <dgm:txFillClrLst/>
+    <dgm:txEffectClrLst/>
+  </dgm:styleLbl>
+  <dgm:styleLbl name="node2">
+    <dgm:fillClrLst meth="repeat">
+      <a:schemeClr val="accent1"/>
+    </dgm:fillClrLst>
+    <dgm:linClrLst meth="repeat">
+      <a:schemeClr val="lt1"/>
+    </dgm:linClrLst>
+    <dgm:effectClrLst/>
+    <dgm:txLinClrLst/>
+    <dgm:txFillClrLst/>
+    <dgm:txEffectClrLst/>
+  </dgm:styleLbl>
+  <dgm:styleLbl name="node3">
+    <dgm:fillClrLst meth="repeat">
+      <a:schemeClr val="accent1"/>
+    </dgm:fillClrLst>
+    <dgm:linClrLst meth="repeat">
+      <a:schemeClr val="lt1"/>
+    </dgm:linClrLst>
+    <dgm:effectClrLst/>
+    <dgm:txLinClrLst/>
+    <dgm:txFillClrLst/>
+    <dgm:txEffectClrLst/>
+  </dgm:styleLbl>
+  <dgm:styleLbl name="node4">
+    <dgm:fillClrLst meth="repeat">
+      <a:schemeClr val="accent1"/>
+    </dgm:fillClrLst>
+    <dgm:linClrLst meth="repeat">
+      <a:schemeClr val="lt1"/>
+    </dgm:linClrLst>
+    <dgm:effectClrLst/>
+    <dgm:txLinClrLst/>
+    <dgm:txFillClrLst/>
+    <dgm:txEffectClrLst/>
+  </dgm:styleLbl>
+  <dgm:styleLbl name="fgImgPlace1">
+    <dgm:fillClrLst meth="repeat">
+      <a:schemeClr val="accent1">
+        <a:tint val="50000"/>
+      </a:schemeClr>
+    </dgm:fillClrLst>
+    <dgm:linClrLst meth="repeat">
+      <a:schemeClr val="lt1"/>
+    </dgm:linClrLst>
+    <dgm:effectClrLst/>
+    <dgm:txLinClrLst/>
+    <dgm:txFillClrLst meth="repeat">
+      <a:schemeClr val="lt1"/>
+    </dgm:txFillClrLst>
+    <dgm:txEffectClrLst/>
+  </dgm:styleLbl>
+  <dgm:styleLbl name="alignImgPlace1">
+    <dgm:fillClrLst meth="repeat">
+      <a:schemeClr val="accent1">
+        <a:tint val="50000"/>
+      </a:schemeClr>
+    </dgm:fillClrLst>
+    <dgm:linClrLst meth="repeat">
+      <a:schemeClr val="lt1"/>
+    </dgm:linClrLst>
+    <dgm:effectClrLst/>
+    <dgm:txLinClrLst/>
+    <dgm:txFillClrLst meth="repeat">
+      <a:schemeClr val="lt1"/>
+    </dgm:txFillClrLst>
+    <dgm:txEffectClrLst/>
+  </dgm:styleLbl>
+  <dgm:styleLbl name="bgImgPlace1">
+    <dgm:fillClrLst meth="repeat">
+      <a:schemeClr val="accent1">
+        <a:tint val="50000"/>
+      </a:schemeClr>
+    </dgm:fillClrLst>
+    <dgm:linClrLst meth="repeat">
+      <a:schemeClr val="lt1"/>
+    </dgm:linClrLst>
+    <dgm:effectClrLst/>
+    <dgm:txLinClrLst/>
+    <dgm:txFillClrLst meth="repeat">
+      <a:schemeClr val="lt1"/>
+    </dgm:txFillClrLst>
+    <dgm:txEffectClrLst/>
+  </dgm:styleLbl>
+  <dgm:styleLbl name="sibTrans2D1">
+    <dgm:fillClrLst meth="repeat">
+      <a:schemeClr val="accent1">
+        <a:tint val="60000"/>
+      </a:schemeClr>
+    </dgm:fillClrLst>
+    <dgm:linClrLst meth="repeat">
+      <a:schemeClr val="accent1">
+        <a:tint val="60000"/>
+      </a:schemeClr>
+    </dgm:linClrLst>
+    <dgm:effectClrLst/>
+    <dgm:txLinClrLst/>
+    <dgm:txFillClrLst/>
+    <dgm:txEffectClrLst/>
+  </dgm:styleLbl>
+  <dgm:styleLbl name="fgSibTrans2D1">
+    <dgm:fillClrLst meth="repeat">
+      <a:schemeClr val="accent1">
+        <a:tint val="60000"/>
+      </a:schemeClr>
+    </dgm:fillClrLst>
+    <dgm:linClrLst meth="repeat">
+      <a:schemeClr val="accent1">
+        <a:tint val="60000"/>
+      </a:schemeClr>
+    </dgm:linClrLst>
+    <dgm:effectClrLst/>
+    <dgm:txLinClrLst/>
+    <dgm:txFillClrLst/>
+    <dgm:txEffectClrLst/>
+  </dgm:styleLbl>
+  <dgm:styleLbl name="bgSibTrans2D1">
+    <dgm:fillClrLst meth="repeat">
+      <a:schemeClr val="accent1">
+        <a:tint val="60000"/>
+      </a:schemeClr>
+    </dgm:fillClrLst>
+    <dgm:linClrLst meth="repeat">
+      <a:schemeClr val="accent1">
+        <a:tint val="60000"/>
+      </a:schemeClr>
+    </dgm:linClrLst>
+    <dgm:effectClrLst/>
+    <dgm:txLinClrLst/>
+    <dgm:txFillClrLst/>
+    <dgm:txEffectClrLst/>
+  </dgm:styleLbl>
+  <dgm:styleLbl name="sibTrans1D1">
+    <dgm:fillClrLst meth="repeat">
+      <a:schemeClr val="accent1"/>
+    </dgm:fillClrLst>
+    <dgm:linClrLst meth="repeat">
+      <a:schemeClr val="accent1"/>
+    </dgm:linClrLst>
+    <dgm:effectClrLst/>
+    <dgm:txLinClrLst/>
+    <dgm:txFillClrLst meth="repeat">
+      <a:schemeClr val="tx1"/>
+    </dgm:txFillClrLst>
+    <dgm:txEffectClrLst/>
+  </dgm:styleLbl>
+  <dgm:styleLbl name="callout">
+    <dgm:fillClrLst meth="repeat">
+      <a:schemeClr val="accent1"/>
+    </dgm:fillClrLst>
+    <dgm:linClrLst meth="repeat">
+      <a:schemeClr val="accent1">
+        <a:tint val="50000"/>
+      </a:schemeClr>
+    </dgm:linClrLst>
+    <dgm:effectClrLst/>
+    <dgm:txLinClrLst/>
+    <dgm:txFillClrLst meth="repeat">
+      <a:schemeClr val="tx1"/>
+    </dgm:txFillClrLst>
+    <dgm:txEffectClrLst/>
+  </dgm:styleLbl>
+  <dgm:styleLbl name="asst0">
+    <dgm:fillClrLst meth="repeat">
+      <a:schemeClr val="accent1"/>
+    </dgm:fillClrLst>
+    <dgm:linClrLst meth="repeat">
+      <a:schemeClr val="lt1"/>
+    </dgm:linClrLst>
+    <dgm:effectClrLst/>
+    <dgm:txLinClrLst/>
+    <dgm:txFillClrLst/>
+    <dgm:txEffectClrLst/>
+  </dgm:styleLbl>
+  <dgm:styleLbl name="asst1">
+    <dgm:fillClrLst meth="repeat">
+      <a:schemeClr val="accent1"/>
+    </dgm:fillClrLst>
+    <dgm:linClrLst meth="repeat">
+      <a:schemeClr val="lt1"/>
+    </dgm:linClrLst>
+    <dgm:effectClrLst/>
+    <dgm:txLinClrLst/>
+    <dgm:txFillClrLst/>
+    <dgm:txEffectClrLst/>
+  </dgm:styleLbl>
+  <dgm:styleLbl name="asst2">
+    <dgm:fillClrLst meth="repeat">
+      <a:schemeClr val="accent1"/>
+    </dgm:fillClrLst>
+    <dgm:linClrLst meth="repeat">
+      <a:schemeClr val="lt1"/>
+    </dgm:linClrLst>
+    <dgm:effectClrLst/>
+    <dgm:txLinClrLst/>
+    <dgm:txFillClrLst/>
+    <dgm:txEffectClrLst/>
+  </dgm:styleLbl>
+  <dgm:styleLbl name="asst3">
+    <dgm:fillClrLst meth="repeat">
+      <a:schemeClr val="accent1"/>
+    </dgm:fillClrLst>
+    <dgm:linClrLst meth="repeat">
+      <a:schemeClr val="lt1"/>
+    </dgm:linClrLst>
+    <dgm:effectClrLst/>
+    <dgm:txLinClrLst/>
+    <dgm:txFillClrLst/>
+    <dgm:txEffectClrLst/>
+  </dgm:styleLbl>
+  <dgm:styleLbl name="asst4">
+    <dgm:fillClrLst meth="repeat">
+      <a:schemeClr val="accent1"/>
+    </dgm:fillClrLst>
+    <dgm:linClrLst meth="repeat">
+      <a:schemeClr val="lt1"/>
+    </dgm:linClrLst>
+    <dgm:effectClrLst/>
+    <dgm:txLinClrLst/>
+    <dgm:txFillClrLst/>
+    <dgm:txEffectClrLst/>
+  </dgm:styleLbl>
+  <dgm:styleLbl name="parChTrans2D1">
+    <dgm:fillClrLst meth="repeat">
+      <a:schemeClr val="accent1">
+        <a:tint val="60000"/>
+      </a:schemeClr>
+    </dgm:fillClrLst>
+    <dgm:linClrLst meth="repeat">
+      <a:schemeClr val="accent1">
+        <a:tint val="60000"/>
+      </a:schemeClr>
+    </dgm:linClrLst>
+    <dgm:effectClrLst/>
+    <dgm:txLinClrLst/>
+    <dgm:txFillClrLst meth="repeat">
+      <a:schemeClr val="lt1"/>
+    </dgm:txFillClrLst>
+    <dgm:txEffectClrLst/>
+  </dgm:styleLbl>
+  <dgm:styleLbl name="parChTrans2D2">
+    <dgm:fillClrLst meth="repeat">
+      <a:schemeClr val="accent1"/>
+    </dgm:fillClrLst>
+    <dgm:linClrLst meth="repeat">
+      <a:schemeClr val="accent1"/>
+    </dgm:linClrLst>
+    <dgm:effectClrLst/>
+    <dgm:txLinClrLst/>
+    <dgm:txFillClrLst meth="repeat">
+      <a:schemeClr val="lt1"/>
+    </dgm:txFillClrLst>
+    <dgm:txEffectClrLst/>
+  </dgm:styleLbl>
+  <dgm:styleLbl name="parChTrans2D3">
+    <dgm:fillClrLst meth="repeat">
+      <a:schemeClr val="accent1"/>
+    </dgm:fillClrLst>
+    <dgm:linClrLst meth="repeat">
+      <a:schemeClr val="accent1"/>
+    </dgm:linClrLst>
+    <dgm:effectClrLst/>
+    <dgm:txLinClrLst/>
+    <dgm:txFillClrLst meth="repeat">
+      <a:schemeClr val="lt1"/>
+    </dgm:txFillClrLst>
+    <dgm:txEffectClrLst/>
+  </dgm:styleLbl>
+  <dgm:styleLbl name="parChTrans2D4">
+    <dgm:fillClrLst meth="repeat">
+      <a:schemeClr val="accent1"/>
+    </dgm:fillClrLst>
+    <dgm:linClrLst meth="repeat">
+      <a:schemeClr val="accent1"/>
+    </dgm:linClrLst>
+    <dgm:effectClrLst/>
+    <dgm:txLinClrLst/>
+    <dgm:txFillClrLst meth="repeat">
+      <a:schemeClr val="lt1"/>
+    </dgm:txFillClrLst>
+    <dgm:txEffectClrLst/>
+  </dgm:styleLbl>
+  <dgm:styleLbl name="parChTrans1D1">
+    <dgm:fillClrLst meth="repeat">
+      <a:schemeClr val="accent1"/>
+    </dgm:fillClrLst>
+    <dgm:linClrLst meth="repeat">
+      <a:schemeClr val="accent1">
+        <a:shade val="60000"/>
+      </a:schemeClr>
+    </dgm:linClrLst>
+    <dgm:effectClrLst/>
+    <dgm:txLinClrLst/>
+    <dgm:txFillClrLst meth="repeat">
+      <a:schemeClr val="tx1"/>
+    </dgm:txFillClrLst>
+    <dgm:txEffectClrLst/>
+  </dgm:styleLbl>
+  <dgm:styleLbl name="parChTrans1D2">
+    <dgm:fillClrLst meth="repeat">
+      <a:schemeClr val="accent1"/>
+    </dgm:fillClrLst>
+    <dgm:linClrLst meth="repeat">
+      <a:schemeClr val="accent1">
+        <a:shade val="60000"/>
+      </a:schemeClr>
+    </dgm:linClrLst>
+    <dgm:effectClrLst/>
+    <dgm:txLinClrLst/>
+    <dgm:txFillClrLst meth="repeat">
+      <a:schemeClr val="tx1"/>
+    </dgm:txFillClrLst>
+    <dgm:txEffectClrLst/>
+  </dgm:styleLbl>
+  <dgm:styleLbl name="parChTrans1D3">
+    <dgm:fillClrLst meth="repeat">
+      <a:schemeClr val="accent1"/>
+    </dgm:fillClrLst>
+    <dgm:linClrLst meth="repeat">
+      <a:schemeClr val="accent1">
+        <a:shade val="80000"/>
+      </a:schemeClr>
+    </dgm:linClrLst>
+    <dgm:effectClrLst/>
+    <dgm:txLinClrLst/>
+    <dgm:txFillClrLst meth="repeat">
+      <a:schemeClr val="tx1"/>
+    </dgm:txFillClrLst>
+    <dgm:txEffectClrLst/>
+  </dgm:styleLbl>
+  <dgm:styleLbl name="parChTrans1D4">
+    <dgm:fillClrLst meth="repeat">
+      <a:schemeClr val="accent1"/>
+    </dgm:fillClrLst>
+    <dgm:linClrLst meth="repeat">
+      <a:schemeClr val="accent1">
+        <a:shade val="80000"/>
+      </a:schemeClr>
+    </dgm:linClrLst>
+    <dgm:effectClrLst/>
+    <dgm:txLinClrLst/>
+    <dgm:txFillClrLst meth="repeat">
+      <a:schemeClr val="tx1"/>
+    </dgm:txFillClrLst>
+    <dgm:txEffectClrLst/>
+  </dgm:styleLbl>
+  <dgm:styleLbl name="fgAcc1">
+    <dgm:fillClrLst meth="repeat">
+      <a:schemeClr val="lt1">
+        <a:alpha val="90000"/>
+      </a:schemeClr>
+    </dgm:fillClrLst>
+    <dgm:linClrLst meth="repeat">
+      <a:schemeClr val="accent1"/>
+    </dgm:linClrLst>
+    <dgm:effectClrLst/>
+    <dgm:txLinClrLst/>
+    <dgm:txFillClrLst meth="repeat">
+      <a:schemeClr val="dk1"/>
+    </dgm:txFillClrLst>
+    <dgm:txEffectClrLst/>
+  </dgm:styleLbl>
+  <dgm:styleLbl name="conFgAcc1">
+    <dgm:fillClrLst meth="repeat">
+      <a:schemeClr val="lt1">
+        <a:alpha val="90000"/>
+      </a:schemeClr>
+    </dgm:fillClrLst>
+    <dgm:linClrLst meth="repeat">
+      <a:schemeClr val="accent1"/>
+    </dgm:linClrLst>
+    <dgm:effectClrLst/>
+    <dgm:txLinClrLst/>
+    <dgm:txFillClrLst meth="repeat">
+      <a:schemeClr val="dk1"/>
+    </dgm:txFillClrLst>
+    <dgm:txEffectClrLst/>
+  </dgm:styleLbl>
+  <dgm:styleLbl name="alignAcc1">
+    <dgm:fillClrLst meth="repeat">
+      <a:schemeClr val="lt1">
+        <a:alpha val="90000"/>
+      </a:schemeClr>
+    </dgm:fillClrLst>
+    <dgm:linClrLst meth="repeat">
+      <a:schemeClr val="accent1"/>
+    </dgm:linClrLst>
+    <dgm:effectClrLst/>
+    <dgm:txLinClrLst/>
+    <dgm:txFillClrLst meth="repeat">
+      <a:schemeClr val="dk1"/>
+    </dgm:txFillClrLst>
+    <dgm:txEffectClrLst/>
+  </dgm:styleLbl>
+  <dgm:styleLbl name="trAlignAcc1">
+    <dgm:fillClrLst meth="repeat">
+      <a:schemeClr val="lt1">
+        <a:alpha val="40000"/>
+      </a:schemeClr>
+    </dgm:fillClrLst>
+    <dgm:linClrLst meth="repeat">
+      <a:schemeClr val="accent1"/>
+    </dgm:linClrLst>
+    <dgm:effectClrLst/>
+    <dgm:txLinClrLst/>
+    <dgm:txFillClrLst meth="repeat">
+      <a:schemeClr val="dk1"/>
+    </dgm:txFillClrLst>
+    <dgm:txEffectClrLst/>
+  </dgm:styleLbl>
+  <dgm:styleLbl name="bgAcc1">
+    <dgm:fillClrLst meth="repeat">
+      <a:schemeClr val="lt1">
+        <a:alpha val="90000"/>
+      </a:schemeClr>
+    </dgm:fillClrLst>
+    <dgm:linClrLst meth="repeat">
+      <a:schemeClr val="accent1"/>
+    </dgm:linClrLst>
+    <dgm:effectClrLst/>
+    <dgm:txLinClrLst/>
+    <dgm:txFillClrLst meth="repeat">
+      <a:schemeClr val="dk1"/>
+    </dgm:txFillClrLst>
+    <dgm:txEffectClrLst/>
+  </dgm:styleLbl>
+  <dgm:styleLbl name="solidFgAcc1">
+    <dgm:fillClrLst meth="repeat">
+      <a:schemeClr val="lt1"/>
+    </dgm:fillClrLst>
+    <dgm:linClrLst meth="repeat">
+      <a:schemeClr val="accent1"/>
+    </dgm:linClrLst>
+    <dgm:effectClrLst/>
+    <dgm:txLinClrLst/>
+    <dgm:txFillClrLst meth="repeat">
+      <a:schemeClr val="dk1"/>
+    </dgm:txFillClrLst>
+    <dgm:txEffectClrLst/>
+  </dgm:styleLbl>
+  <dgm:styleLbl name="solidAlignAcc1">
+    <dgm:fillClrLst meth="repeat">
+      <a:schemeClr val="lt1"/>
+    </dgm:fillClrLst>
+    <dgm:linClrLst meth="repeat">
+      <a:schemeClr val="accent1"/>
+    </dgm:linClrLst>
+    <dgm:effectClrLst/>
+    <dgm:txLinClrLst/>
+    <dgm:txFillClrLst meth="repeat">
+      <a:schemeClr val="dk1"/>
+    </dgm:txFillClrLst>
+    <dgm:txEffectClrLst/>
+  </dgm:styleLbl>
+  <dgm:styleLbl name="solidBgAcc1">
+    <dgm:fillClrLst meth="repeat">
+      <a:schemeClr val="lt1"/>
+    </dgm:fillClrLst>
+    <dgm:linClrLst meth="repeat">
+      <a:schemeClr val="accent1"/>
+    </dgm:linClrLst>
+    <dgm:effectClrLst/>
+    <dgm:txLinClrLst/>
+    <dgm:txFillClrLst meth="repeat">
+      <a:schemeClr val="dk1"/>
+    </dgm:txFillClrLst>
+    <dgm:txEffectClrLst/>
+  </dgm:styleLbl>
+  <dgm:styleLbl name="fgAccFollowNode1">
+    <dgm:fillClrLst meth="repeat">
+      <a:schemeClr val="accent1">
+        <a:alpha val="90000"/>
+        <a:tint val="40000"/>
+      </a:schemeClr>
+    </dgm:fillClrLst>
+    <dgm:linClrLst meth="repeat">
+      <a:schemeClr val="accent1">
+        <a:alpha val="90000"/>
+        <a:tint val="40000"/>
+      </a:schemeClr>
+    </dgm:linClrLst>
+    <dgm:effectClrLst/>
+    <dgm:txLinClrLst/>
+    <dgm:txFillClrLst meth="repeat">
+      <a:schemeClr val="dk1"/>
+    </dgm:txFillClrLst>
+    <dgm:txEffectClrLst/>
+  </dgm:styleLbl>
+  <dgm:styleLbl name="alignAccFollowNode1">
+    <dgm:fillClrLst meth="repeat">
+      <a:schemeClr val="accent1">
+        <a:alpha val="90000"/>
+        <a:tint val="40000"/>
+      </a:schemeClr>
+    </dgm:fillClrLst>
+    <dgm:linClrLst meth="repeat">
+      <a:schemeClr val="accent1">
+        <a:alpha val="90000"/>
+        <a:tint val="40000"/>
+      </a:schemeClr>
+    </dgm:linClrLst>
+    <dgm:effectClrLst/>
+    <dgm:txLinClrLst/>
+    <dgm:txFillClrLst meth="repeat">
+      <a:schemeClr val="dk1"/>
+    </dgm:txFillClrLst>
+    <dgm:txEffectClrLst/>
+  </dgm:styleLbl>
+  <dgm:styleLbl name="bgAccFollowNode1">
+    <dgm:fillClrLst meth="repeat">
+      <a:schemeClr val="accent1">
+        <a:alpha val="90000"/>
+        <a:tint val="40000"/>
+      </a:schemeClr>
+    </dgm:fillClrLst>
+    <dgm:linClrLst meth="repeat">
+      <a:schemeClr val="accent1">
+        <a:alpha val="90000"/>
+        <a:tint val="40000"/>
+      </a:schemeClr>
+    </dgm:linClrLst>
+    <dgm:effectClrLst/>
+    <dgm:txLinClrLst/>
+    <dgm:txFillClrLst meth="repeat">
+      <a:schemeClr val="dk1"/>
+    </dgm:txFillClrLst>
+    <dgm:txEffectClrLst/>
+  </dgm:styleLbl>
+  <dgm:styleLbl name="fgAcc0">
+    <dgm:fillClrLst meth="repeat">
+      <a:schemeClr val="lt1">
+        <a:alpha val="90000"/>
+      </a:schemeClr>
+    </dgm:fillClrLst>
+    <dgm:linClrLst meth="repeat">
+      <a:schemeClr val="accent1"/>
+    </dgm:linClrLst>
+    <dgm:effectClrLst/>
+    <dgm:txLinClrLst/>
+    <dgm:txFillClrLst meth="repeat">
+      <a:schemeClr val="dk1"/>
+    </dgm:txFillClrLst>
+    <dgm:txEffectClrLst/>
+  </dgm:styleLbl>
+  <dgm:styleLbl name="fgAcc2">
+    <dgm:fillClrLst meth="repeat">
+      <a:schemeClr val="lt1">
+        <a:alpha val="90000"/>
+      </a:schemeClr>
+    </dgm:fillClrLst>
+    <dgm:linClrLst meth="repeat">
+      <a:schemeClr val="accent1"/>
+    </dgm:linClrLst>
+    <dgm:effectClrLst/>
+    <dgm:txLinClrLst/>
+    <dgm:txFillClrLst meth="repeat">
+      <a:schemeClr val="dk1"/>
+    </dgm:txFillClrLst>
+    <dgm:txEffectClrLst/>
+  </dgm:styleLbl>
+  <dgm:styleLbl name="fgAcc3">
+    <dgm:fillClrLst meth="repeat">
+      <a:schemeClr val="lt1">
+        <a:alpha val="90000"/>
+      </a:schemeClr>
+    </dgm:fillClrLst>
+    <dgm:linClrLst meth="repeat">
+      <a:schemeClr val="accent1"/>
+    </dgm:linClrLst>
+    <dgm:effectClrLst/>
+    <dgm:txLinClrLst/>
+    <dgm:txFillClrLst meth="repeat">
+      <a:schemeClr val="dk1"/>
+    </dgm:txFillClrLst>
+    <dgm:txEffectClrLst/>
+  </dgm:styleLbl>
+  <dgm:styleLbl name="fgAcc4">
+    <dgm:fillClrLst meth="repeat">
+      <a:schemeClr val="lt1">
+        <a:alpha val="90000"/>
+      </a:schemeClr>
+    </dgm:fillClrLst>
+    <dgm:linClrLst meth="repeat">
+      <a:schemeClr val="accent1"/>
+    </dgm:linClrLst>
+    <dgm:effectClrLst/>
+    <dgm:txLinClrLst/>
+    <dgm:txFillClrLst meth="repeat">
+      <a:schemeClr val="dk1"/>
+    </dgm:txFillClrLst>
+    <dgm:txEffectClrLst/>
+  </dgm:styleLbl>
+  <dgm:styleLbl name="bgShp">
+    <dgm:fillClrLst meth="repeat">
+      <a:schemeClr val="accent1">
+        <a:tint val="40000"/>
+      </a:schemeClr>
+    </dgm:fillClrLst>
+    <dgm:linClrLst meth="repeat">
+      <a:schemeClr val="accent1"/>
+    </dgm:linClrLst>
+    <dgm:effectClrLst/>
+    <dgm:txLinClrLst/>
+    <dgm:txFillClrLst meth="repeat">
+      <a:schemeClr val="dk1"/>
+    </dgm:txFillClrLst>
+    <dgm:txEffectClrLst/>
+  </dgm:styleLbl>
+  <dgm:styleLbl name="dkBgShp">
+    <dgm:fillClrLst meth="repeat">
+      <a:schemeClr val="accent1">
+        <a:shade val="80000"/>
+      </a:schemeClr>
+    </dgm:fillClrLst>
+    <dgm:linClrLst meth="repeat">
+      <a:schemeClr val="accent1"/>
+    </dgm:linClrLst>
+    <dgm:effectClrLst/>
+    <dgm:txLinClrLst/>
+    <dgm:txFillClrLst meth="repeat">
+      <a:schemeClr val="lt1"/>
+    </dgm:txFillClrLst>
+    <dgm:txEffectClrLst/>
+  </dgm:styleLbl>
+  <dgm:styleLbl name="trBgShp">
+    <dgm:fillClrLst meth="repeat">
+      <a:schemeClr val="accent1">
+        <a:tint val="50000"/>
+        <a:alpha val="40000"/>
+      </a:schemeClr>
+    </dgm:fillClrLst>
+    <dgm:linClrLst meth="repeat">
+      <a:schemeClr val="accent1"/>
+    </dgm:linClrLst>
+    <dgm:effectClrLst/>
+    <dgm:txLinClrLst/>
+    <dgm:txFillClrLst meth="repeat">
+      <a:schemeClr val="lt1"/>
+    </dgm:txFillClrLst>
+    <dgm:txEffectClrLst/>
+  </dgm:styleLbl>
+  <dgm:styleLbl name="fgShp">
+    <dgm:fillClrLst meth="repeat">
+      <a:schemeClr val="accent1">
+        <a:tint val="60000"/>
+      </a:schemeClr>
+    </dgm:fillClrLst>
+    <dgm:linClrLst meth="repeat">
+      <a:schemeClr val="lt1"/>
+    </dgm:linClrLst>
+    <dgm:effectClrLst/>
+    <dgm:txLinClrLst/>
+    <dgm:txFillClrLst meth="repeat">
+      <a:schemeClr val="dk1"/>
+    </dgm:txFillClrLst>
+    <dgm:txEffectClrLst/>
+  </dgm:styleLbl>
+  <dgm:styleLbl name="revTx">
+    <dgm:fillClrLst meth="repeat">
+      <a:schemeClr val="lt1">
+        <a:alpha val="0"/>
+      </a:schemeClr>
+    </dgm:fillClrLst>
+    <dgm:linClrLst meth="repeat">
+      <a:schemeClr val="dk1">
+        <a:alpha val="0"/>
+      </a:schemeClr>
+    </dgm:linClrLst>
+    <dgm:effectClrLst/>
+    <dgm:txLinClrLst/>
+    <dgm:txFillClrLst meth="repeat">
+      <a:schemeClr val="tx1"/>
+    </dgm:txFillClrLst>
+    <dgm:txEffectClrLst/>
+  </dgm:styleLbl>
+</dgm:colorsDef>
+</file>
+
+<file path=ppt/diagrams/data1.xml><?xml version="1.0" encoding="utf-8"?>
+<dgm:dataModel xmlns:dgm="http://schemas.openxmlformats.org/drawingml/2006/diagram" xmlns:a="http://schemas.openxmlformats.org/drawingml/2006/main">
+  <dgm:ptLst>
+    <dgm:pt modelId="{ACE5CCAD-9D84-40DC-8A09-0E20F7A50A87}" type="doc">
+      <dgm:prSet loTypeId="urn:microsoft.com/office/officeart/2005/8/layout/venn1" loCatId="relationship" qsTypeId="urn:microsoft.com/office/officeart/2005/8/quickstyle/simple1" qsCatId="simple" csTypeId="urn:microsoft.com/office/officeart/2005/8/colors/accent1_2" csCatId="accent1" phldr="1"/>
+      <dgm:spPr/>
+    </dgm:pt>
+    <dgm:pt modelId="{FFE35DE5-DF6D-44D6-9563-2961DC0FA857}">
+      <dgm:prSet phldrT="[Text]"/>
+      <dgm:spPr/>
+      <dgm:t>
+        <a:bodyPr/>
+        <a:lstStyle/>
+        <a:p>
+          <a:r>
+            <a:rPr lang="en-US" dirty="0" smtClean="0"/>
+            <a:t>Durability</a:t>
+          </a:r>
+          <a:endParaRPr lang="en-US" dirty="0"/>
+        </a:p>
+      </dgm:t>
+    </dgm:pt>
+    <dgm:pt modelId="{5A09A340-D916-42C9-AC9D-C05881B487C1}" type="parTrans" cxnId="{875864BC-0B95-4763-BEA6-DEE677325DC5}">
+      <dgm:prSet/>
+      <dgm:spPr/>
+      <dgm:t>
+        <a:bodyPr/>
+        <a:lstStyle/>
+        <a:p>
+          <a:endParaRPr lang="en-US"/>
+        </a:p>
+      </dgm:t>
+    </dgm:pt>
+    <dgm:pt modelId="{28504051-C6A8-43B0-896B-BEE8B4E8C8E2}" type="sibTrans" cxnId="{875864BC-0B95-4763-BEA6-DEE677325DC5}">
+      <dgm:prSet/>
+      <dgm:spPr/>
+      <dgm:t>
+        <a:bodyPr/>
+        <a:lstStyle/>
+        <a:p>
+          <a:endParaRPr lang="en-US"/>
+        </a:p>
+      </dgm:t>
+    </dgm:pt>
+    <dgm:pt modelId="{CECB66F4-D51F-49E4-9EA6-A2B85E9C3AD6}">
+      <dgm:prSet phldrT="[Text]"/>
+      <dgm:spPr/>
+      <dgm:t>
+        <a:bodyPr/>
+        <a:lstStyle/>
+        <a:p>
+          <a:r>
+            <a:rPr lang="en-US" dirty="0" smtClean="0"/>
+            <a:t>Speed</a:t>
+          </a:r>
+          <a:endParaRPr lang="en-US" dirty="0"/>
+        </a:p>
+      </dgm:t>
+    </dgm:pt>
+    <dgm:pt modelId="{B03009A6-E6C1-4424-AAF1-025CB68B4297}" type="parTrans" cxnId="{DABDF1D9-2C1A-4165-9FF3-F200FEBE02A9}">
+      <dgm:prSet/>
+      <dgm:spPr/>
+      <dgm:t>
+        <a:bodyPr/>
+        <a:lstStyle/>
+        <a:p>
+          <a:endParaRPr lang="en-US"/>
+        </a:p>
+      </dgm:t>
+    </dgm:pt>
+    <dgm:pt modelId="{DBD6F898-E340-4246-86C8-65225379C7F1}" type="sibTrans" cxnId="{DABDF1D9-2C1A-4165-9FF3-F200FEBE02A9}">
+      <dgm:prSet/>
+      <dgm:spPr/>
+      <dgm:t>
+        <a:bodyPr/>
+        <a:lstStyle/>
+        <a:p>
+          <a:endParaRPr lang="en-US"/>
+        </a:p>
+      </dgm:t>
+    </dgm:pt>
+    <dgm:pt modelId="{DAE73E41-EDEA-483A-A52A-80A59B5F68BA}">
+      <dgm:prSet phldrT="[Text]"/>
+      <dgm:spPr/>
+      <dgm:t>
+        <a:bodyPr/>
+        <a:lstStyle/>
+        <a:p>
+          <a:r>
+            <a:rPr lang="en-US" dirty="0" smtClean="0"/>
+            <a:t>Reliability</a:t>
+          </a:r>
+          <a:endParaRPr lang="en-US" dirty="0"/>
+        </a:p>
+      </dgm:t>
+    </dgm:pt>
+    <dgm:pt modelId="{5A8AA199-E721-4D84-9423-376F575313E3}" type="parTrans" cxnId="{E63DE20C-A488-4DD7-A657-0C44812FC093}">
+      <dgm:prSet/>
+      <dgm:spPr/>
+      <dgm:t>
+        <a:bodyPr/>
+        <a:lstStyle/>
+        <a:p>
+          <a:endParaRPr lang="en-US"/>
+        </a:p>
+      </dgm:t>
+    </dgm:pt>
+    <dgm:pt modelId="{B6DC101B-A100-4DFF-850B-24E13DC85A09}" type="sibTrans" cxnId="{E63DE20C-A488-4DD7-A657-0C44812FC093}">
+      <dgm:prSet/>
+      <dgm:spPr/>
+      <dgm:t>
+        <a:bodyPr/>
+        <a:lstStyle/>
+        <a:p>
+          <a:endParaRPr lang="en-US"/>
+        </a:p>
+      </dgm:t>
+    </dgm:pt>
+    <dgm:pt modelId="{8DA3B6FE-1940-4B13-9B9F-4B7D89FA7974}" type="pres">
+      <dgm:prSet presAssocID="{ACE5CCAD-9D84-40DC-8A09-0E20F7A50A87}" presName="compositeShape" presStyleCnt="0">
+        <dgm:presLayoutVars>
+          <dgm:chMax val="7"/>
+          <dgm:dir/>
+          <dgm:resizeHandles val="exact"/>
+        </dgm:presLayoutVars>
+      </dgm:prSet>
+      <dgm:spPr/>
+    </dgm:pt>
+    <dgm:pt modelId="{C6E49833-57B0-4371-A39E-FC681AE763D5}" type="pres">
+      <dgm:prSet presAssocID="{FFE35DE5-DF6D-44D6-9563-2961DC0FA857}" presName="circ1" presStyleLbl="vennNode1" presStyleIdx="0" presStyleCnt="3"/>
+      <dgm:spPr/>
+      <dgm:t>
+        <a:bodyPr/>
+        <a:lstStyle/>
+        <a:p>
+          <a:endParaRPr lang="en-US"/>
+        </a:p>
+      </dgm:t>
+    </dgm:pt>
+    <dgm:pt modelId="{5BB041DC-8455-4392-BCBC-0E557E1E7497}" type="pres">
+      <dgm:prSet presAssocID="{FFE35DE5-DF6D-44D6-9563-2961DC0FA857}" presName="circ1Tx" presStyleLbl="revTx" presStyleIdx="0" presStyleCnt="0">
+        <dgm:presLayoutVars>
+          <dgm:chMax val="0"/>
+          <dgm:chPref val="0"/>
+          <dgm:bulletEnabled val="1"/>
+        </dgm:presLayoutVars>
+      </dgm:prSet>
+      <dgm:spPr/>
+      <dgm:t>
+        <a:bodyPr/>
+        <a:lstStyle/>
+        <a:p>
+          <a:endParaRPr lang="en-US"/>
+        </a:p>
+      </dgm:t>
+    </dgm:pt>
+    <dgm:pt modelId="{849341FE-0E79-449D-BB0A-A3D60EB7D1AB}" type="pres">
+      <dgm:prSet presAssocID="{CECB66F4-D51F-49E4-9EA6-A2B85E9C3AD6}" presName="circ2" presStyleLbl="vennNode1" presStyleIdx="1" presStyleCnt="3"/>
+      <dgm:spPr/>
+    </dgm:pt>
+    <dgm:pt modelId="{C3156723-BF26-4AE5-9272-B313588DF916}" type="pres">
+      <dgm:prSet presAssocID="{CECB66F4-D51F-49E4-9EA6-A2B85E9C3AD6}" presName="circ2Tx" presStyleLbl="revTx" presStyleIdx="0" presStyleCnt="0">
+        <dgm:presLayoutVars>
+          <dgm:chMax val="0"/>
+          <dgm:chPref val="0"/>
+          <dgm:bulletEnabled val="1"/>
+        </dgm:presLayoutVars>
+      </dgm:prSet>
+      <dgm:spPr/>
+    </dgm:pt>
+    <dgm:pt modelId="{8F8934BB-8985-4360-A1A8-A30BA095DDF9}" type="pres">
+      <dgm:prSet presAssocID="{DAE73E41-EDEA-483A-A52A-80A59B5F68BA}" presName="circ3" presStyleLbl="vennNode1" presStyleIdx="2" presStyleCnt="3"/>
+      <dgm:spPr/>
+    </dgm:pt>
+    <dgm:pt modelId="{89EF0736-0B45-42E0-8126-E80FBB1E1DED}" type="pres">
+      <dgm:prSet presAssocID="{DAE73E41-EDEA-483A-A52A-80A59B5F68BA}" presName="circ3Tx" presStyleLbl="revTx" presStyleIdx="0" presStyleCnt="0">
+        <dgm:presLayoutVars>
+          <dgm:chMax val="0"/>
+          <dgm:chPref val="0"/>
+          <dgm:bulletEnabled val="1"/>
+        </dgm:presLayoutVars>
+      </dgm:prSet>
+      <dgm:spPr/>
+    </dgm:pt>
+  </dgm:ptLst>
+  <dgm:cxnLst>
+    <dgm:cxn modelId="{875864BC-0B95-4763-BEA6-DEE677325DC5}" srcId="{ACE5CCAD-9D84-40DC-8A09-0E20F7A50A87}" destId="{FFE35DE5-DF6D-44D6-9563-2961DC0FA857}" srcOrd="0" destOrd="0" parTransId="{5A09A340-D916-42C9-AC9D-C05881B487C1}" sibTransId="{28504051-C6A8-43B0-896B-BEE8B4E8C8E2}"/>
+    <dgm:cxn modelId="{4242512B-F121-4611-B24C-50700A2CD2B5}" type="presOf" srcId="{FFE35DE5-DF6D-44D6-9563-2961DC0FA857}" destId="{C6E49833-57B0-4371-A39E-FC681AE763D5}" srcOrd="0" destOrd="0" presId="urn:microsoft.com/office/officeart/2005/8/layout/venn1"/>
+    <dgm:cxn modelId="{E63DE20C-A488-4DD7-A657-0C44812FC093}" srcId="{ACE5CCAD-9D84-40DC-8A09-0E20F7A50A87}" destId="{DAE73E41-EDEA-483A-A52A-80A59B5F68BA}" srcOrd="2" destOrd="0" parTransId="{5A8AA199-E721-4D84-9423-376F575313E3}" sibTransId="{B6DC101B-A100-4DFF-850B-24E13DC85A09}"/>
+    <dgm:cxn modelId="{16A38294-17D9-4C54-8CB5-5324BE761C0F}" type="presOf" srcId="{FFE35DE5-DF6D-44D6-9563-2961DC0FA857}" destId="{5BB041DC-8455-4392-BCBC-0E557E1E7497}" srcOrd="1" destOrd="0" presId="urn:microsoft.com/office/officeart/2005/8/layout/venn1"/>
+    <dgm:cxn modelId="{1CE8AFE9-DC87-4DE2-8BE9-4C85817BAE94}" type="presOf" srcId="{CECB66F4-D51F-49E4-9EA6-A2B85E9C3AD6}" destId="{849341FE-0E79-449D-BB0A-A3D60EB7D1AB}" srcOrd="0" destOrd="0" presId="urn:microsoft.com/office/officeart/2005/8/layout/venn1"/>
+    <dgm:cxn modelId="{C924BC17-96C0-4185-8B5B-82D88B80B3F7}" type="presOf" srcId="{DAE73E41-EDEA-483A-A52A-80A59B5F68BA}" destId="{8F8934BB-8985-4360-A1A8-A30BA095DDF9}" srcOrd="0" destOrd="0" presId="urn:microsoft.com/office/officeart/2005/8/layout/venn1"/>
+    <dgm:cxn modelId="{A1BF5F12-D3C2-4F9C-B71A-1BF0E735EBC5}" type="presOf" srcId="{CECB66F4-D51F-49E4-9EA6-A2B85E9C3AD6}" destId="{C3156723-BF26-4AE5-9272-B313588DF916}" srcOrd="1" destOrd="0" presId="urn:microsoft.com/office/officeart/2005/8/layout/venn1"/>
+    <dgm:cxn modelId="{CF7C3F4C-6ADB-42A6-A75B-CCE550A030FA}" type="presOf" srcId="{DAE73E41-EDEA-483A-A52A-80A59B5F68BA}" destId="{89EF0736-0B45-42E0-8126-E80FBB1E1DED}" srcOrd="1" destOrd="0" presId="urn:microsoft.com/office/officeart/2005/8/layout/venn1"/>
+    <dgm:cxn modelId="{DABDF1D9-2C1A-4165-9FF3-F200FEBE02A9}" srcId="{ACE5CCAD-9D84-40DC-8A09-0E20F7A50A87}" destId="{CECB66F4-D51F-49E4-9EA6-A2B85E9C3AD6}" srcOrd="1" destOrd="0" parTransId="{B03009A6-E6C1-4424-AAF1-025CB68B4297}" sibTransId="{DBD6F898-E340-4246-86C8-65225379C7F1}"/>
+    <dgm:cxn modelId="{C6DC1B51-61E8-47F7-ABD1-47E43BB0606A}" type="presOf" srcId="{ACE5CCAD-9D84-40DC-8A09-0E20F7A50A87}" destId="{8DA3B6FE-1940-4B13-9B9F-4B7D89FA7974}" srcOrd="0" destOrd="0" presId="urn:microsoft.com/office/officeart/2005/8/layout/venn1"/>
+    <dgm:cxn modelId="{B2D11B22-5728-4FF2-A345-7FDD615F3327}" type="presParOf" srcId="{8DA3B6FE-1940-4B13-9B9F-4B7D89FA7974}" destId="{C6E49833-57B0-4371-A39E-FC681AE763D5}" srcOrd="0" destOrd="0" presId="urn:microsoft.com/office/officeart/2005/8/layout/venn1"/>
+    <dgm:cxn modelId="{5EEDFE73-62C9-44F3-AFAC-56399DC613F4}" type="presParOf" srcId="{8DA3B6FE-1940-4B13-9B9F-4B7D89FA7974}" destId="{5BB041DC-8455-4392-BCBC-0E557E1E7497}" srcOrd="1" destOrd="0" presId="urn:microsoft.com/office/officeart/2005/8/layout/venn1"/>
+    <dgm:cxn modelId="{E9BECE4D-A2B0-4B9F-850E-0300C2F14DEF}" type="presParOf" srcId="{8DA3B6FE-1940-4B13-9B9F-4B7D89FA7974}" destId="{849341FE-0E79-449D-BB0A-A3D60EB7D1AB}" srcOrd="2" destOrd="0" presId="urn:microsoft.com/office/officeart/2005/8/layout/venn1"/>
+    <dgm:cxn modelId="{5340950F-31A1-4DF8-96CE-9A68B50380CD}" type="presParOf" srcId="{8DA3B6FE-1940-4B13-9B9F-4B7D89FA7974}" destId="{C3156723-BF26-4AE5-9272-B313588DF916}" srcOrd="3" destOrd="0" presId="urn:microsoft.com/office/officeart/2005/8/layout/venn1"/>
+    <dgm:cxn modelId="{069FC411-D8EC-4266-871C-F9857F2E5E9F}" type="presParOf" srcId="{8DA3B6FE-1940-4B13-9B9F-4B7D89FA7974}" destId="{8F8934BB-8985-4360-A1A8-A30BA095DDF9}" srcOrd="4" destOrd="0" presId="urn:microsoft.com/office/officeart/2005/8/layout/venn1"/>
+    <dgm:cxn modelId="{28B2EFF7-3835-4B78-8BBD-1A715DBBA2A9}" type="presParOf" srcId="{8DA3B6FE-1940-4B13-9B9F-4B7D89FA7974}" destId="{89EF0736-0B45-42E0-8126-E80FBB1E1DED}" srcOrd="5" destOrd="0" presId="urn:microsoft.com/office/officeart/2005/8/layout/venn1"/>
+  </dgm:cxnLst>
+  <dgm:bg/>
+  <dgm:whole/>
+  <dgm:extLst>
+    <a:ext uri="http://schemas.microsoft.com/office/drawing/2008/diagram">
+      <dsp:dataModelExt xmlns:dsp="http://schemas.microsoft.com/office/drawing/2008/diagram" relId="rId6" minVer="http://schemas.openxmlformats.org/drawingml/2006/diagram"/>
+    </a:ext>
+  </dgm:extLst>
+</dgm:dataModel>
+</file>
+
+<file path=ppt/diagrams/data2.xml><?xml version="1.0" encoding="utf-8"?>
+<dgm:dataModel xmlns:dgm="http://schemas.openxmlformats.org/drawingml/2006/diagram" xmlns:a="http://schemas.openxmlformats.org/drawingml/2006/main">
+  <dgm:ptLst>
+    <dgm:pt modelId="{4FF977F2-8A8B-4F32-9057-4A4FD1E4D69D}" type="doc">
+      <dgm:prSet loTypeId="urn:microsoft.com/office/officeart/2005/8/layout/radial2" loCatId="relationship" qsTypeId="urn:microsoft.com/office/officeart/2005/8/quickstyle/simple1" qsCatId="simple" csTypeId="urn:microsoft.com/office/officeart/2005/8/colors/accent1_2" csCatId="accent1" phldr="1"/>
+      <dgm:spPr/>
+      <dgm:t>
+        <a:bodyPr/>
+        <a:lstStyle/>
+        <a:p>
+          <a:endParaRPr lang="en-US"/>
+        </a:p>
+      </dgm:t>
+    </dgm:pt>
+    <dgm:pt modelId="{0E0F2471-B8C4-4E8E-B776-26CC322B59FA}">
+      <dgm:prSet phldrT="[Text]"/>
+      <dgm:spPr/>
+      <dgm:t>
+        <a:bodyPr/>
+        <a:lstStyle/>
+        <a:p>
+          <a:r>
+            <a:rPr lang="en-US" dirty="0" smtClean="0"/>
+            <a:t>Subscriber</a:t>
+          </a:r>
+          <a:endParaRPr lang="en-US" dirty="0"/>
+        </a:p>
+      </dgm:t>
+    </dgm:pt>
+    <dgm:pt modelId="{3A46A7E9-F69D-47AE-9E54-7A8F90853FB1}" type="parTrans" cxnId="{0DB2182A-5BCF-4E21-B0D1-464500C3F6D1}">
+      <dgm:prSet/>
+      <dgm:spPr/>
+      <dgm:t>
+        <a:bodyPr/>
+        <a:lstStyle/>
+        <a:p>
+          <a:endParaRPr lang="en-US"/>
+        </a:p>
+      </dgm:t>
+    </dgm:pt>
+    <dgm:pt modelId="{6CE6E9AC-7014-4F0E-A6FE-4FBA5CFA8BD9}" type="sibTrans" cxnId="{0DB2182A-5BCF-4E21-B0D1-464500C3F6D1}">
+      <dgm:prSet/>
+      <dgm:spPr/>
+      <dgm:t>
+        <a:bodyPr/>
+        <a:lstStyle/>
+        <a:p>
+          <a:endParaRPr lang="en-US"/>
+        </a:p>
+      </dgm:t>
+    </dgm:pt>
+    <dgm:pt modelId="{825E46AD-700C-4225-A733-CF6065DC9F9F}">
+      <dgm:prSet phldrT="[Text]"/>
+      <dgm:spPr/>
+      <dgm:t>
+        <a:bodyPr/>
+        <a:lstStyle/>
+        <a:p>
+          <a:r>
+            <a:rPr lang="en-US" dirty="0" smtClean="0"/>
+            <a:t>Subscriber</a:t>
+          </a:r>
+          <a:endParaRPr lang="en-US" dirty="0"/>
+        </a:p>
+      </dgm:t>
+    </dgm:pt>
+    <dgm:pt modelId="{99ED0AA8-AB1E-4D9B-8F6E-3B695124E41C}" type="parTrans" cxnId="{43A6AE53-C132-480F-A227-CB6BC2AA1EAD}">
+      <dgm:prSet/>
+      <dgm:spPr/>
+      <dgm:t>
+        <a:bodyPr/>
+        <a:lstStyle/>
+        <a:p>
+          <a:endParaRPr lang="en-US"/>
+        </a:p>
+      </dgm:t>
+    </dgm:pt>
+    <dgm:pt modelId="{BEBB9774-6C1F-4060-94DB-51C9654B841A}" type="sibTrans" cxnId="{43A6AE53-C132-480F-A227-CB6BC2AA1EAD}">
+      <dgm:prSet/>
+      <dgm:spPr/>
+      <dgm:t>
+        <a:bodyPr/>
+        <a:lstStyle/>
+        <a:p>
+          <a:endParaRPr lang="en-US"/>
+        </a:p>
+      </dgm:t>
+    </dgm:pt>
+    <dgm:pt modelId="{CA975606-766C-47E6-A34B-5CA898C1BCDF}">
+      <dgm:prSet phldrT="[Text]"/>
+      <dgm:spPr/>
+      <dgm:t>
+        <a:bodyPr/>
+        <a:lstStyle/>
+        <a:p>
+          <a:r>
+            <a:rPr lang="en-US" dirty="0" smtClean="0"/>
+            <a:t>Subscriber</a:t>
+          </a:r>
+          <a:endParaRPr lang="en-US" dirty="0"/>
+        </a:p>
+      </dgm:t>
+    </dgm:pt>
+    <dgm:pt modelId="{669B8BEB-EB69-4B72-84F0-DE5B6808A489}" type="parTrans" cxnId="{E34717B8-BD70-4828-96A6-EA72000307FE}">
+      <dgm:prSet/>
+      <dgm:spPr/>
+      <dgm:t>
+        <a:bodyPr/>
+        <a:lstStyle/>
+        <a:p>
+          <a:endParaRPr lang="en-US"/>
+        </a:p>
+      </dgm:t>
+    </dgm:pt>
+    <dgm:pt modelId="{BB19CEEC-C6D8-4863-ADCD-2F1DBA38B30F}" type="sibTrans" cxnId="{E34717B8-BD70-4828-96A6-EA72000307FE}">
+      <dgm:prSet/>
+      <dgm:spPr/>
+      <dgm:t>
+        <a:bodyPr/>
+        <a:lstStyle/>
+        <a:p>
+          <a:endParaRPr lang="en-US"/>
+        </a:p>
+      </dgm:t>
+    </dgm:pt>
+    <dgm:pt modelId="{B667B49A-B518-4057-8D39-113500DE6547}" type="pres">
+      <dgm:prSet presAssocID="{4FF977F2-8A8B-4F32-9057-4A4FD1E4D69D}" presName="composite" presStyleCnt="0">
+        <dgm:presLayoutVars>
+          <dgm:chMax val="5"/>
+          <dgm:dir/>
+          <dgm:animLvl val="ctr"/>
+          <dgm:resizeHandles val="exact"/>
+        </dgm:presLayoutVars>
+      </dgm:prSet>
+      <dgm:spPr/>
+    </dgm:pt>
+    <dgm:pt modelId="{62875F6D-7EFE-41C7-A72D-B83ECF195FDF}" type="pres">
+      <dgm:prSet presAssocID="{4FF977F2-8A8B-4F32-9057-4A4FD1E4D69D}" presName="cycle" presStyleCnt="0"/>
+      <dgm:spPr/>
+    </dgm:pt>
+    <dgm:pt modelId="{D23F5842-F8F8-4D1A-AF19-CCE30C3391C3}" type="pres">
+      <dgm:prSet presAssocID="{4FF977F2-8A8B-4F32-9057-4A4FD1E4D69D}" presName="centerShape" presStyleCnt="0"/>
+      <dgm:spPr/>
+    </dgm:pt>
+    <dgm:pt modelId="{77C0D6BE-D22A-4D07-A50E-1B931A4C193E}" type="pres">
+      <dgm:prSet presAssocID="{4FF977F2-8A8B-4F32-9057-4A4FD1E4D69D}" presName="connSite" presStyleLbl="node1" presStyleIdx="0" presStyleCnt="4"/>
+      <dgm:spPr/>
+    </dgm:pt>
+    <dgm:pt modelId="{655E0D77-5780-411B-9444-8032837007E0}" type="pres">
+      <dgm:prSet presAssocID="{4FF977F2-8A8B-4F32-9057-4A4FD1E4D69D}" presName="visible" presStyleLbl="node1" presStyleIdx="0" presStyleCnt="4"/>
+      <dgm:spPr/>
+    </dgm:pt>
+    <dgm:pt modelId="{C2267931-7008-4E06-8E2D-168564774BAF}" type="pres">
+      <dgm:prSet presAssocID="{3A46A7E9-F69D-47AE-9E54-7A8F90853FB1}" presName="Name25" presStyleLbl="parChTrans1D1" presStyleIdx="0" presStyleCnt="3"/>
+      <dgm:spPr/>
+    </dgm:pt>
+    <dgm:pt modelId="{F717F19F-B1A6-4489-932E-8571613C7752}" type="pres">
+      <dgm:prSet presAssocID="{0E0F2471-B8C4-4E8E-B776-26CC322B59FA}" presName="node" presStyleCnt="0"/>
+      <dgm:spPr/>
+    </dgm:pt>
+    <dgm:pt modelId="{66F292D9-E32B-47BB-9096-E0578307CC91}" type="pres">
+      <dgm:prSet presAssocID="{0E0F2471-B8C4-4E8E-B776-26CC322B59FA}" presName="parentNode" presStyleLbl="node1" presStyleIdx="1" presStyleCnt="4" custLinFactNeighborX="48979" custLinFactNeighborY="-111">
+        <dgm:presLayoutVars>
+          <dgm:chMax val="1"/>
+          <dgm:bulletEnabled val="1"/>
+        </dgm:presLayoutVars>
+      </dgm:prSet>
+      <dgm:spPr/>
+    </dgm:pt>
+    <dgm:pt modelId="{6D4A8C25-2E9E-495E-BAA1-2C0FC22A6412}" type="pres">
+      <dgm:prSet presAssocID="{0E0F2471-B8C4-4E8E-B776-26CC322B59FA}" presName="childNode" presStyleLbl="revTx" presStyleIdx="0" presStyleCnt="0">
+        <dgm:presLayoutVars>
+          <dgm:bulletEnabled val="1"/>
+        </dgm:presLayoutVars>
+      </dgm:prSet>
+      <dgm:spPr/>
+      <dgm:t>
+        <a:bodyPr/>
+        <a:lstStyle/>
+        <a:p>
+          <a:endParaRPr lang="en-US"/>
+        </a:p>
+      </dgm:t>
+    </dgm:pt>
+    <dgm:pt modelId="{F3FA0C96-206C-472A-8AA2-51605B8CDE65}" type="pres">
+      <dgm:prSet presAssocID="{99ED0AA8-AB1E-4D9B-8F6E-3B695124E41C}" presName="Name25" presStyleLbl="parChTrans1D1" presStyleIdx="1" presStyleCnt="3"/>
+      <dgm:spPr/>
+    </dgm:pt>
+    <dgm:pt modelId="{C2B3FAD2-077F-48D0-8CE3-721FBEC987C5}" type="pres">
+      <dgm:prSet presAssocID="{825E46AD-700C-4225-A733-CF6065DC9F9F}" presName="node" presStyleCnt="0"/>
+      <dgm:spPr/>
+    </dgm:pt>
+    <dgm:pt modelId="{B0F3388D-7567-4ED4-AC78-A739B08B3246}" type="pres">
+      <dgm:prSet presAssocID="{825E46AD-700C-4225-A733-CF6065DC9F9F}" presName="parentNode" presStyleLbl="node1" presStyleIdx="2" presStyleCnt="4" custLinFactNeighborX="58410" custLinFactNeighborY="959">
+        <dgm:presLayoutVars>
+          <dgm:chMax val="1"/>
+          <dgm:bulletEnabled val="1"/>
+        </dgm:presLayoutVars>
+      </dgm:prSet>
+      <dgm:spPr/>
+    </dgm:pt>
+    <dgm:pt modelId="{AD124A39-B7FC-478C-83AB-630935559D1B}" type="pres">
+      <dgm:prSet presAssocID="{825E46AD-700C-4225-A733-CF6065DC9F9F}" presName="childNode" presStyleLbl="revTx" presStyleIdx="0" presStyleCnt="0">
+        <dgm:presLayoutVars>
+          <dgm:bulletEnabled val="1"/>
+        </dgm:presLayoutVars>
+      </dgm:prSet>
+      <dgm:spPr/>
+      <dgm:t>
+        <a:bodyPr/>
+        <a:lstStyle/>
+        <a:p>
+          <a:endParaRPr lang="en-US"/>
+        </a:p>
+      </dgm:t>
+    </dgm:pt>
+    <dgm:pt modelId="{61473F56-BCB5-4EEC-AC0A-E3FEF977DCDC}" type="pres">
+      <dgm:prSet presAssocID="{669B8BEB-EB69-4B72-84F0-DE5B6808A489}" presName="Name25" presStyleLbl="parChTrans1D1" presStyleIdx="2" presStyleCnt="3"/>
+      <dgm:spPr/>
+    </dgm:pt>
+    <dgm:pt modelId="{AA9C2641-3E8C-4A95-A7DC-05246087FC76}" type="pres">
+      <dgm:prSet presAssocID="{CA975606-766C-47E6-A34B-5CA898C1BCDF}" presName="node" presStyleCnt="0"/>
+      <dgm:spPr/>
+    </dgm:pt>
+    <dgm:pt modelId="{BCCEB3F5-776F-4D62-A047-82D8E22010A5}" type="pres">
+      <dgm:prSet presAssocID="{CA975606-766C-47E6-A34B-5CA898C1BCDF}" presName="parentNode" presStyleLbl="node1" presStyleIdx="3" presStyleCnt="4" custLinFactNeighborX="48979" custLinFactNeighborY="1064">
+        <dgm:presLayoutVars>
+          <dgm:chMax val="1"/>
+          <dgm:bulletEnabled val="1"/>
+        </dgm:presLayoutVars>
+      </dgm:prSet>
+      <dgm:spPr/>
+    </dgm:pt>
+    <dgm:pt modelId="{CE34F256-7719-4DA9-8183-A953129248C2}" type="pres">
+      <dgm:prSet presAssocID="{CA975606-766C-47E6-A34B-5CA898C1BCDF}" presName="childNode" presStyleLbl="revTx" presStyleIdx="0" presStyleCnt="0">
+        <dgm:presLayoutVars>
+          <dgm:bulletEnabled val="1"/>
+        </dgm:presLayoutVars>
+      </dgm:prSet>
+      <dgm:spPr/>
+      <dgm:t>
+        <a:bodyPr/>
+        <a:lstStyle/>
+        <a:p>
+          <a:endParaRPr lang="en-US"/>
+        </a:p>
+      </dgm:t>
+    </dgm:pt>
+  </dgm:ptLst>
+  <dgm:cxnLst>
+    <dgm:cxn modelId="{0DB2182A-5BCF-4E21-B0D1-464500C3F6D1}" srcId="{4FF977F2-8A8B-4F32-9057-4A4FD1E4D69D}" destId="{0E0F2471-B8C4-4E8E-B776-26CC322B59FA}" srcOrd="0" destOrd="0" parTransId="{3A46A7E9-F69D-47AE-9E54-7A8F90853FB1}" sibTransId="{6CE6E9AC-7014-4F0E-A6FE-4FBA5CFA8BD9}"/>
+    <dgm:cxn modelId="{5AC0FFFC-A4B8-4CC6-95D9-70708F9BE876}" type="presOf" srcId="{0E0F2471-B8C4-4E8E-B776-26CC322B59FA}" destId="{66F292D9-E32B-47BB-9096-E0578307CC91}" srcOrd="0" destOrd="0" presId="urn:microsoft.com/office/officeart/2005/8/layout/radial2"/>
+    <dgm:cxn modelId="{9658C400-EA66-4865-A0C6-787BBEAD5316}" type="presOf" srcId="{99ED0AA8-AB1E-4D9B-8F6E-3B695124E41C}" destId="{F3FA0C96-206C-472A-8AA2-51605B8CDE65}" srcOrd="0" destOrd="0" presId="urn:microsoft.com/office/officeart/2005/8/layout/radial2"/>
+    <dgm:cxn modelId="{509389A6-7893-4146-B985-23C294A74947}" type="presOf" srcId="{CA975606-766C-47E6-A34B-5CA898C1BCDF}" destId="{BCCEB3F5-776F-4D62-A047-82D8E22010A5}" srcOrd="0" destOrd="0" presId="urn:microsoft.com/office/officeart/2005/8/layout/radial2"/>
+    <dgm:cxn modelId="{D3C6E018-4053-4BBB-809C-099EB1CD2A15}" type="presOf" srcId="{669B8BEB-EB69-4B72-84F0-DE5B6808A489}" destId="{61473F56-BCB5-4EEC-AC0A-E3FEF977DCDC}" srcOrd="0" destOrd="0" presId="urn:microsoft.com/office/officeart/2005/8/layout/radial2"/>
+    <dgm:cxn modelId="{0AFBE51B-5D20-44FA-8F8F-24CF77C40B3F}" type="presOf" srcId="{3A46A7E9-F69D-47AE-9E54-7A8F90853FB1}" destId="{C2267931-7008-4E06-8E2D-168564774BAF}" srcOrd="0" destOrd="0" presId="urn:microsoft.com/office/officeart/2005/8/layout/radial2"/>
+    <dgm:cxn modelId="{A7F82057-A6B7-42DD-8FC0-E6326EFF2786}" type="presOf" srcId="{825E46AD-700C-4225-A733-CF6065DC9F9F}" destId="{B0F3388D-7567-4ED4-AC78-A739B08B3246}" srcOrd="0" destOrd="0" presId="urn:microsoft.com/office/officeart/2005/8/layout/radial2"/>
+    <dgm:cxn modelId="{E34717B8-BD70-4828-96A6-EA72000307FE}" srcId="{4FF977F2-8A8B-4F32-9057-4A4FD1E4D69D}" destId="{CA975606-766C-47E6-A34B-5CA898C1BCDF}" srcOrd="2" destOrd="0" parTransId="{669B8BEB-EB69-4B72-84F0-DE5B6808A489}" sibTransId="{BB19CEEC-C6D8-4863-ADCD-2F1DBA38B30F}"/>
+    <dgm:cxn modelId="{22815F3F-E046-4FA8-9E62-A114C9062D79}" type="presOf" srcId="{4FF977F2-8A8B-4F32-9057-4A4FD1E4D69D}" destId="{B667B49A-B518-4057-8D39-113500DE6547}" srcOrd="0" destOrd="0" presId="urn:microsoft.com/office/officeart/2005/8/layout/radial2"/>
+    <dgm:cxn modelId="{43A6AE53-C132-480F-A227-CB6BC2AA1EAD}" srcId="{4FF977F2-8A8B-4F32-9057-4A4FD1E4D69D}" destId="{825E46AD-700C-4225-A733-CF6065DC9F9F}" srcOrd="1" destOrd="0" parTransId="{99ED0AA8-AB1E-4D9B-8F6E-3B695124E41C}" sibTransId="{BEBB9774-6C1F-4060-94DB-51C9654B841A}"/>
+    <dgm:cxn modelId="{472795D6-4A7F-4215-AB55-BB1CC077428E}" type="presParOf" srcId="{B667B49A-B518-4057-8D39-113500DE6547}" destId="{62875F6D-7EFE-41C7-A72D-B83ECF195FDF}" srcOrd="0" destOrd="0" presId="urn:microsoft.com/office/officeart/2005/8/layout/radial2"/>
+    <dgm:cxn modelId="{6ABF3B9B-D871-4872-BEF1-76DE3F30E378}" type="presParOf" srcId="{62875F6D-7EFE-41C7-A72D-B83ECF195FDF}" destId="{D23F5842-F8F8-4D1A-AF19-CCE30C3391C3}" srcOrd="0" destOrd="0" presId="urn:microsoft.com/office/officeart/2005/8/layout/radial2"/>
+    <dgm:cxn modelId="{EC445B88-30A3-414B-BB27-F8C9EFDC02F5}" type="presParOf" srcId="{D23F5842-F8F8-4D1A-AF19-CCE30C3391C3}" destId="{77C0D6BE-D22A-4D07-A50E-1B931A4C193E}" srcOrd="0" destOrd="0" presId="urn:microsoft.com/office/officeart/2005/8/layout/radial2"/>
+    <dgm:cxn modelId="{634B2BD9-7722-493D-B98F-D1F2C5D6B12B}" type="presParOf" srcId="{D23F5842-F8F8-4D1A-AF19-CCE30C3391C3}" destId="{655E0D77-5780-411B-9444-8032837007E0}" srcOrd="1" destOrd="0" presId="urn:microsoft.com/office/officeart/2005/8/layout/radial2"/>
+    <dgm:cxn modelId="{4BD835D4-E19B-4215-AC6B-E8A3BD9B124F}" type="presParOf" srcId="{62875F6D-7EFE-41C7-A72D-B83ECF195FDF}" destId="{C2267931-7008-4E06-8E2D-168564774BAF}" srcOrd="1" destOrd="0" presId="urn:microsoft.com/office/officeart/2005/8/layout/radial2"/>
+    <dgm:cxn modelId="{35C288BE-28F4-4E28-9CC2-12C7DA713ED4}" type="presParOf" srcId="{62875F6D-7EFE-41C7-A72D-B83ECF195FDF}" destId="{F717F19F-B1A6-4489-932E-8571613C7752}" srcOrd="2" destOrd="0" presId="urn:microsoft.com/office/officeart/2005/8/layout/radial2"/>
+    <dgm:cxn modelId="{0F5452E8-30BD-4000-8515-521BCB82DA7F}" type="presParOf" srcId="{F717F19F-B1A6-4489-932E-8571613C7752}" destId="{66F292D9-E32B-47BB-9096-E0578307CC91}" srcOrd="0" destOrd="0" presId="urn:microsoft.com/office/officeart/2005/8/layout/radial2"/>
+    <dgm:cxn modelId="{B9CAE1FA-B284-4B12-A512-1E006F52A6A1}" type="presParOf" srcId="{F717F19F-B1A6-4489-932E-8571613C7752}" destId="{6D4A8C25-2E9E-495E-BAA1-2C0FC22A6412}" srcOrd="1" destOrd="0" presId="urn:microsoft.com/office/officeart/2005/8/layout/radial2"/>
+    <dgm:cxn modelId="{0909488E-962C-4BD7-8688-00B9E65AABB4}" type="presParOf" srcId="{62875F6D-7EFE-41C7-A72D-B83ECF195FDF}" destId="{F3FA0C96-206C-472A-8AA2-51605B8CDE65}" srcOrd="3" destOrd="0" presId="urn:microsoft.com/office/officeart/2005/8/layout/radial2"/>
+    <dgm:cxn modelId="{06FDE4DC-4070-49AA-82CA-C1DCCA55B347}" type="presParOf" srcId="{62875F6D-7EFE-41C7-A72D-B83ECF195FDF}" destId="{C2B3FAD2-077F-48D0-8CE3-721FBEC987C5}" srcOrd="4" destOrd="0" presId="urn:microsoft.com/office/officeart/2005/8/layout/radial2"/>
+    <dgm:cxn modelId="{05274D7F-7B9A-4A63-B5E3-10CD8DBFA93E}" type="presParOf" srcId="{C2B3FAD2-077F-48D0-8CE3-721FBEC987C5}" destId="{B0F3388D-7567-4ED4-AC78-A739B08B3246}" srcOrd="0" destOrd="0" presId="urn:microsoft.com/office/officeart/2005/8/layout/radial2"/>
+    <dgm:cxn modelId="{95F1A013-69C4-46B7-BE37-4D67A473F6D8}" type="presParOf" srcId="{C2B3FAD2-077F-48D0-8CE3-721FBEC987C5}" destId="{AD124A39-B7FC-478C-83AB-630935559D1B}" srcOrd="1" destOrd="0" presId="urn:microsoft.com/office/officeart/2005/8/layout/radial2"/>
+    <dgm:cxn modelId="{CEA89E67-10F2-4D1A-A2F2-1D7586950BFA}" type="presParOf" srcId="{62875F6D-7EFE-41C7-A72D-B83ECF195FDF}" destId="{61473F56-BCB5-4EEC-AC0A-E3FEF977DCDC}" srcOrd="5" destOrd="0" presId="urn:microsoft.com/office/officeart/2005/8/layout/radial2"/>
+    <dgm:cxn modelId="{2090005A-7794-43ED-BD9F-2E2158C9262C}" type="presParOf" srcId="{62875F6D-7EFE-41C7-A72D-B83ECF195FDF}" destId="{AA9C2641-3E8C-4A95-A7DC-05246087FC76}" srcOrd="6" destOrd="0" presId="urn:microsoft.com/office/officeart/2005/8/layout/radial2"/>
+    <dgm:cxn modelId="{3C11870E-FE22-4A59-90A1-126B8271C2BC}" type="presParOf" srcId="{AA9C2641-3E8C-4A95-A7DC-05246087FC76}" destId="{BCCEB3F5-776F-4D62-A047-82D8E22010A5}" srcOrd="0" destOrd="0" presId="urn:microsoft.com/office/officeart/2005/8/layout/radial2"/>
+    <dgm:cxn modelId="{B5DE03F1-797D-4423-824E-4928055E1B60}" type="presParOf" srcId="{AA9C2641-3E8C-4A95-A7DC-05246087FC76}" destId="{CE34F256-7719-4DA9-8183-A953129248C2}" srcOrd="1" destOrd="0" presId="urn:microsoft.com/office/officeart/2005/8/layout/radial2"/>
+  </dgm:cxnLst>
+  <dgm:bg/>
+  <dgm:whole/>
+  <dgm:extLst>
+    <a:ext uri="http://schemas.microsoft.com/office/drawing/2008/diagram">
+      <dsp:dataModelExt xmlns:dsp="http://schemas.microsoft.com/office/drawing/2008/diagram" relId="rId6" minVer="http://schemas.openxmlformats.org/drawingml/2006/diagram"/>
+    </a:ext>
+  </dgm:extLst>
+</dgm:dataModel>
+</file>
+
+<file path=ppt/diagrams/drawing1.xml><?xml version="1.0" encoding="utf-8"?>
+<dsp:drawing xmlns:dgm="http://schemas.openxmlformats.org/drawingml/2006/diagram" xmlns:dsp="http://schemas.microsoft.com/office/drawing/2008/diagram" xmlns:a="http://schemas.openxmlformats.org/drawingml/2006/main">
+  <dsp:spTree>
+    <dsp:nvGrpSpPr>
+      <dsp:cNvPr id="0" name=""/>
+      <dsp:cNvGrpSpPr/>
+    </dsp:nvGrpSpPr>
+    <dsp:grpSpPr/>
+    <dsp:sp modelId="{C6E49833-57B0-4371-A39E-FC681AE763D5}">
+      <dsp:nvSpPr>
+        <dsp:cNvPr id="0" name=""/>
+        <dsp:cNvSpPr/>
+      </dsp:nvSpPr>
+      <dsp:spPr>
+        <a:xfrm>
+          <a:off x="2766059" y="46672"/>
+          <a:ext cx="2240280" cy="2240280"/>
+        </a:xfrm>
+        <a:prstGeom prst="ellipse">
+          <a:avLst/>
+        </a:prstGeom>
+        <a:solidFill>
+          <a:schemeClr val="accent1">
+            <a:alpha val="50000"/>
+            <a:hueOff val="0"/>
+            <a:satOff val="0"/>
+            <a:lumOff val="0"/>
+            <a:alphaOff val="0"/>
+          </a:schemeClr>
+        </a:solidFill>
+        <a:ln w="12700" cap="flat" cmpd="sng" algn="ctr">
+          <a:solidFill>
+            <a:schemeClr val="lt1">
+              <a:hueOff val="0"/>
+              <a:satOff val="0"/>
+              <a:lumOff val="0"/>
+              <a:alphaOff val="0"/>
+            </a:schemeClr>
+          </a:solidFill>
+          <a:prstDash val="solid"/>
+        </a:ln>
+        <a:effectLst/>
+      </dsp:spPr>
+      <dsp:style>
+        <a:lnRef idx="2">
+          <a:scrgbClr r="0" g="0" b="0"/>
+        </a:lnRef>
+        <a:fillRef idx="1">
+          <a:scrgbClr r="0" g="0" b="0"/>
+        </a:fillRef>
+        <a:effectRef idx="0">
+          <a:scrgbClr r="0" g="0" b="0"/>
+        </a:effectRef>
+        <a:fontRef idx="minor">
+          <a:schemeClr val="tx1"/>
+        </a:fontRef>
+      </dsp:style>
+      <dsp:txBody>
+        <a:bodyPr spcFirstLastPara="0" vert="horz" wrap="square" lIns="0" tIns="0" rIns="0" bIns="0" numCol="1" spcCol="1270" anchor="ctr" anchorCtr="0">
+          <a:noAutofit/>
+        </a:bodyPr>
+        <a:lstStyle/>
+        <a:p>
+          <a:pPr lvl="0" algn="ctr" defTabSz="1200150">
+            <a:lnSpc>
+              <a:spcPct val="90000"/>
+            </a:lnSpc>
+            <a:spcBef>
+              <a:spcPct val="0"/>
+            </a:spcBef>
+            <a:spcAft>
+              <a:spcPct val="35000"/>
+            </a:spcAft>
+          </a:pPr>
+          <a:r>
+            <a:rPr lang="en-US" sz="2700" kern="1200" dirty="0" smtClean="0"/>
+            <a:t>Durability</a:t>
+          </a:r>
+          <a:endParaRPr lang="en-US" sz="2700" kern="1200" dirty="0"/>
+        </a:p>
+      </dsp:txBody>
+      <dsp:txXfrm>
+        <a:off x="3064764" y="438721"/>
+        <a:ext cx="1642872" cy="1008126"/>
+      </dsp:txXfrm>
+    </dsp:sp>
+    <dsp:sp modelId="{849341FE-0E79-449D-BB0A-A3D60EB7D1AB}">
+      <dsp:nvSpPr>
+        <dsp:cNvPr id="0" name=""/>
+        <dsp:cNvSpPr/>
+      </dsp:nvSpPr>
+      <dsp:spPr>
+        <a:xfrm>
+          <a:off x="3574427" y="1446847"/>
+          <a:ext cx="2240280" cy="2240280"/>
+        </a:xfrm>
+        <a:prstGeom prst="ellipse">
+          <a:avLst/>
+        </a:prstGeom>
+        <a:solidFill>
+          <a:schemeClr val="accent1">
+            <a:alpha val="50000"/>
+            <a:hueOff val="0"/>
+            <a:satOff val="0"/>
+            <a:lumOff val="0"/>
+            <a:alphaOff val="0"/>
+          </a:schemeClr>
+        </a:solidFill>
+        <a:ln w="12700" cap="flat" cmpd="sng" algn="ctr">
+          <a:solidFill>
+            <a:schemeClr val="lt1">
+              <a:hueOff val="0"/>
+              <a:satOff val="0"/>
+              <a:lumOff val="0"/>
+              <a:alphaOff val="0"/>
+            </a:schemeClr>
+          </a:solidFill>
+          <a:prstDash val="solid"/>
+        </a:ln>
+        <a:effectLst/>
+      </dsp:spPr>
+      <dsp:style>
+        <a:lnRef idx="2">
+          <a:scrgbClr r="0" g="0" b="0"/>
+        </a:lnRef>
+        <a:fillRef idx="1">
+          <a:scrgbClr r="0" g="0" b="0"/>
+        </a:fillRef>
+        <a:effectRef idx="0">
+          <a:scrgbClr r="0" g="0" b="0"/>
+        </a:effectRef>
+        <a:fontRef idx="minor">
+          <a:schemeClr val="tx1"/>
+        </a:fontRef>
+      </dsp:style>
+      <dsp:txBody>
+        <a:bodyPr spcFirstLastPara="0" vert="horz" wrap="square" lIns="0" tIns="0" rIns="0" bIns="0" numCol="1" spcCol="1270" anchor="ctr" anchorCtr="0">
+          <a:noAutofit/>
+        </a:bodyPr>
+        <a:lstStyle/>
+        <a:p>
+          <a:pPr lvl="0" algn="ctr" defTabSz="1200150">
+            <a:lnSpc>
+              <a:spcPct val="90000"/>
+            </a:lnSpc>
+            <a:spcBef>
+              <a:spcPct val="0"/>
+            </a:spcBef>
+            <a:spcAft>
+              <a:spcPct val="35000"/>
+            </a:spcAft>
+          </a:pPr>
+          <a:r>
+            <a:rPr lang="en-US" sz="2700" kern="1200" dirty="0" smtClean="0"/>
+            <a:t>Speed</a:t>
+          </a:r>
+          <a:endParaRPr lang="en-US" sz="2700" kern="1200" dirty="0"/>
+        </a:p>
+      </dsp:txBody>
+      <dsp:txXfrm>
+        <a:off x="4259580" y="2025586"/>
+        <a:ext cx="1344168" cy="1232154"/>
+      </dsp:txXfrm>
+    </dsp:sp>
+    <dsp:sp modelId="{8F8934BB-8985-4360-A1A8-A30BA095DDF9}">
+      <dsp:nvSpPr>
+        <dsp:cNvPr id="0" name=""/>
+        <dsp:cNvSpPr/>
+      </dsp:nvSpPr>
+      <dsp:spPr>
+        <a:xfrm>
+          <a:off x="1957692" y="1446847"/>
+          <a:ext cx="2240280" cy="2240280"/>
+        </a:xfrm>
+        <a:prstGeom prst="ellipse">
+          <a:avLst/>
+        </a:prstGeom>
+        <a:solidFill>
+          <a:schemeClr val="accent1">
+            <a:alpha val="50000"/>
+            <a:hueOff val="0"/>
+            <a:satOff val="0"/>
+            <a:lumOff val="0"/>
+            <a:alphaOff val="0"/>
+          </a:schemeClr>
+        </a:solidFill>
+        <a:ln w="12700" cap="flat" cmpd="sng" algn="ctr">
+          <a:solidFill>
+            <a:schemeClr val="lt1">
+              <a:hueOff val="0"/>
+              <a:satOff val="0"/>
+              <a:lumOff val="0"/>
+              <a:alphaOff val="0"/>
+            </a:schemeClr>
+          </a:solidFill>
+          <a:prstDash val="solid"/>
+        </a:ln>
+        <a:effectLst/>
+      </dsp:spPr>
+      <dsp:style>
+        <a:lnRef idx="2">
+          <a:scrgbClr r="0" g="0" b="0"/>
+        </a:lnRef>
+        <a:fillRef idx="1">
+          <a:scrgbClr r="0" g="0" b="0"/>
+        </a:fillRef>
+        <a:effectRef idx="0">
+          <a:scrgbClr r="0" g="0" b="0"/>
+        </a:effectRef>
+        <a:fontRef idx="minor">
+          <a:schemeClr val="tx1"/>
+        </a:fontRef>
+      </dsp:style>
+      <dsp:txBody>
+        <a:bodyPr spcFirstLastPara="0" vert="horz" wrap="square" lIns="0" tIns="0" rIns="0" bIns="0" numCol="1" spcCol="1270" anchor="ctr" anchorCtr="0">
+          <a:noAutofit/>
+        </a:bodyPr>
+        <a:lstStyle/>
+        <a:p>
+          <a:pPr lvl="0" algn="ctr" defTabSz="1200150">
+            <a:lnSpc>
+              <a:spcPct val="90000"/>
+            </a:lnSpc>
+            <a:spcBef>
+              <a:spcPct val="0"/>
+            </a:spcBef>
+            <a:spcAft>
+              <a:spcPct val="35000"/>
+            </a:spcAft>
+          </a:pPr>
+          <a:r>
+            <a:rPr lang="en-US" sz="2700" kern="1200" dirty="0" smtClean="0"/>
+            <a:t>Reliability</a:t>
+          </a:r>
+          <a:endParaRPr lang="en-US" sz="2700" kern="1200" dirty="0"/>
+        </a:p>
+      </dsp:txBody>
+      <dsp:txXfrm>
+        <a:off x="2168652" y="2025586"/>
+        <a:ext cx="1344168" cy="1232154"/>
+      </dsp:txXfrm>
+    </dsp:sp>
+  </dsp:spTree>
+</dsp:drawing>
+</file>
+
+<file path=ppt/diagrams/drawing2.xml><?xml version="1.0" encoding="utf-8"?>
+<dsp:drawing xmlns:dgm="http://schemas.openxmlformats.org/drawingml/2006/diagram" xmlns:dsp="http://schemas.microsoft.com/office/drawing/2008/diagram" xmlns:a="http://schemas.openxmlformats.org/drawingml/2006/main">
+  <dsp:spTree>
+    <dsp:nvGrpSpPr>
+      <dsp:cNvPr id="0" name=""/>
+      <dsp:cNvGrpSpPr/>
+    </dsp:nvGrpSpPr>
+    <dsp:grpSpPr/>
+    <dsp:sp modelId="{61473F56-BCB5-4EEC-AC0A-E3FEF977DCDC}">
+      <dsp:nvSpPr>
+        <dsp:cNvPr id="0" name=""/>
+        <dsp:cNvSpPr/>
+      </dsp:nvSpPr>
+      <dsp:spPr>
+        <a:xfrm rot="2043872">
+          <a:off x="2843798" y="2571884"/>
+          <a:ext cx="1074611" cy="41572"/>
+        </a:xfrm>
+        <a:custGeom>
+          <a:avLst/>
+          <a:gdLst/>
+          <a:ahLst/>
+          <a:cxnLst/>
+          <a:rect l="0" t="0" r="0" b="0"/>
+          <a:pathLst>
+            <a:path>
+              <a:moveTo>
+                <a:pt x="0" y="20786"/>
+              </a:moveTo>
+              <a:lnTo>
+                <a:pt x="1074611" y="20786"/>
+              </a:lnTo>
+            </a:path>
+          </a:pathLst>
+        </a:custGeom>
+        <a:noFill/>
+        <a:ln w="12700" cap="flat" cmpd="sng" algn="ctr">
+          <a:solidFill>
+            <a:schemeClr val="accent1">
+              <a:shade val="60000"/>
+              <a:hueOff val="0"/>
+              <a:satOff val="0"/>
+              <a:lumOff val="0"/>
+              <a:alphaOff val="0"/>
+            </a:schemeClr>
+          </a:solidFill>
+          <a:prstDash val="solid"/>
+        </a:ln>
+        <a:effectLst/>
+      </dsp:spPr>
+      <dsp:style>
+        <a:lnRef idx="2">
+          <a:scrgbClr r="0" g="0" b="0"/>
+        </a:lnRef>
+        <a:fillRef idx="0">
+          <a:scrgbClr r="0" g="0" b="0"/>
+        </a:fillRef>
+        <a:effectRef idx="0">
+          <a:scrgbClr r="0" g="0" b="0"/>
+        </a:effectRef>
+        <a:fontRef idx="minor"/>
+      </dsp:style>
+    </dsp:sp>
+    <dsp:sp modelId="{F3FA0C96-206C-472A-8AA2-51605B8CDE65}">
+      <dsp:nvSpPr>
+        <dsp:cNvPr id="0" name=""/>
+        <dsp:cNvSpPr/>
+      </dsp:nvSpPr>
+      <dsp:spPr>
+        <a:xfrm rot="14662">
+          <a:off x="2935990" y="1851469"/>
+          <a:ext cx="1255016" cy="41572"/>
+        </a:xfrm>
+        <a:custGeom>
+          <a:avLst/>
+          <a:gdLst/>
+          <a:ahLst/>
+          <a:cxnLst/>
+          <a:rect l="0" t="0" r="0" b="0"/>
+          <a:pathLst>
+            <a:path>
+              <a:moveTo>
+                <a:pt x="0" y="20786"/>
+              </a:moveTo>
+              <a:lnTo>
+                <a:pt x="1255016" y="20786"/>
+              </a:lnTo>
+            </a:path>
+          </a:pathLst>
+        </a:custGeom>
+        <a:noFill/>
+        <a:ln w="12700" cap="flat" cmpd="sng" algn="ctr">
+          <a:solidFill>
+            <a:schemeClr val="accent1">
+              <a:shade val="60000"/>
+              <a:hueOff val="0"/>
+              <a:satOff val="0"/>
+              <a:lumOff val="0"/>
+              <a:alphaOff val="0"/>
+            </a:schemeClr>
+          </a:solidFill>
+          <a:prstDash val="solid"/>
+        </a:ln>
+        <a:effectLst/>
+      </dsp:spPr>
+      <dsp:style>
+        <a:lnRef idx="2">
+          <a:scrgbClr r="0" g="0" b="0"/>
+        </a:lnRef>
+        <a:fillRef idx="0">
+          <a:scrgbClr r="0" g="0" b="0"/>
+        </a:fillRef>
+        <a:effectRef idx="0">
+          <a:scrgbClr r="0" g="0" b="0"/>
+        </a:effectRef>
+        <a:fontRef idx="minor"/>
+      </dsp:style>
+    </dsp:sp>
+    <dsp:sp modelId="{C2267931-7008-4E06-8E2D-168564774BAF}">
+      <dsp:nvSpPr>
+        <dsp:cNvPr id="0" name=""/>
+        <dsp:cNvSpPr/>
+      </dsp:nvSpPr>
+      <dsp:spPr>
+        <a:xfrm rot="19556134">
+          <a:off x="2843799" y="1120345"/>
+          <a:ext cx="1074609" cy="41572"/>
+        </a:xfrm>
+        <a:custGeom>
+          <a:avLst/>
+          <a:gdLst/>
+          <a:ahLst/>
+          <a:cxnLst/>
+          <a:rect l="0" t="0" r="0" b="0"/>
+          <a:pathLst>
+            <a:path>
+              <a:moveTo>
+                <a:pt x="0" y="20786"/>
+              </a:moveTo>
+              <a:lnTo>
+                <a:pt x="1074609" y="20786"/>
+              </a:lnTo>
+            </a:path>
+          </a:pathLst>
+        </a:custGeom>
+        <a:noFill/>
+        <a:ln w="12700" cap="flat" cmpd="sng" algn="ctr">
+          <a:solidFill>
+            <a:schemeClr val="accent1">
+              <a:shade val="60000"/>
+              <a:hueOff val="0"/>
+              <a:satOff val="0"/>
+              <a:lumOff val="0"/>
+              <a:alphaOff val="0"/>
+            </a:schemeClr>
+          </a:solidFill>
+          <a:prstDash val="solid"/>
+        </a:ln>
+        <a:effectLst/>
+      </dsp:spPr>
+      <dsp:style>
+        <a:lnRef idx="2">
+          <a:scrgbClr r="0" g="0" b="0"/>
+        </a:lnRef>
+        <a:fillRef idx="0">
+          <a:scrgbClr r="0" g="0" b="0"/>
+        </a:fillRef>
+        <a:effectRef idx="0">
+          <a:scrgbClr r="0" g="0" b="0"/>
+        </a:effectRef>
+        <a:fontRef idx="minor"/>
+      </dsp:style>
+    </dsp:sp>
+    <dsp:sp modelId="{655E0D77-5780-411B-9444-8032837007E0}">
+      <dsp:nvSpPr>
+        <dsp:cNvPr id="0" name=""/>
+        <dsp:cNvSpPr/>
+      </dsp:nvSpPr>
+      <dsp:spPr>
+        <a:xfrm>
+          <a:off x="1410169" y="969354"/>
+          <a:ext cx="1795090" cy="1795090"/>
+        </a:xfrm>
+        <a:prstGeom prst="ellipse">
+          <a:avLst/>
+        </a:prstGeom>
+        <a:solidFill>
+          <a:schemeClr val="accent1">
+            <a:hueOff val="0"/>
+            <a:satOff val="0"/>
+            <a:lumOff val="0"/>
+            <a:alphaOff val="0"/>
+          </a:schemeClr>
+        </a:solidFill>
+        <a:ln w="12700" cap="flat" cmpd="sng" algn="ctr">
+          <a:solidFill>
+            <a:schemeClr val="lt1">
+              <a:hueOff val="0"/>
+              <a:satOff val="0"/>
+              <a:lumOff val="0"/>
+              <a:alphaOff val="0"/>
+            </a:schemeClr>
+          </a:solidFill>
+          <a:prstDash val="solid"/>
+        </a:ln>
+        <a:effectLst/>
+      </dsp:spPr>
+      <dsp:style>
+        <a:lnRef idx="2">
+          <a:scrgbClr r="0" g="0" b="0"/>
+        </a:lnRef>
+        <a:fillRef idx="1">
+          <a:scrgbClr r="0" g="0" b="0"/>
+        </a:fillRef>
+        <a:effectRef idx="0">
+          <a:scrgbClr r="0" g="0" b="0"/>
+        </a:effectRef>
+        <a:fontRef idx="minor">
+          <a:schemeClr val="lt1"/>
+        </a:fontRef>
+      </dsp:style>
+    </dsp:sp>
+    <dsp:sp modelId="{66F292D9-E32B-47BB-9096-E0578307CC91}">
+      <dsp:nvSpPr>
+        <dsp:cNvPr id="0" name=""/>
+        <dsp:cNvSpPr/>
+      </dsp:nvSpPr>
+      <dsp:spPr>
+        <a:xfrm>
+          <a:off x="3733804" y="4"/>
+          <a:ext cx="1077054" cy="1077054"/>
+        </a:xfrm>
+        <a:prstGeom prst="ellipse">
+          <a:avLst/>
+        </a:prstGeom>
+        <a:solidFill>
+          <a:schemeClr val="accent1">
+            <a:hueOff val="0"/>
+            <a:satOff val="0"/>
+            <a:lumOff val="0"/>
+            <a:alphaOff val="0"/>
+          </a:schemeClr>
+        </a:solidFill>
+        <a:ln w="12700" cap="flat" cmpd="sng" algn="ctr">
+          <a:solidFill>
+            <a:schemeClr val="lt1">
+              <a:hueOff val="0"/>
+              <a:satOff val="0"/>
+              <a:lumOff val="0"/>
+              <a:alphaOff val="0"/>
+            </a:schemeClr>
+          </a:solidFill>
+          <a:prstDash val="solid"/>
+        </a:ln>
+        <a:effectLst/>
+      </dsp:spPr>
+      <dsp:style>
+        <a:lnRef idx="2">
+          <a:scrgbClr r="0" g="0" b="0"/>
+        </a:lnRef>
+        <a:fillRef idx="1">
+          <a:scrgbClr r="0" g="0" b="0"/>
+        </a:fillRef>
+        <a:effectRef idx="0">
+          <a:scrgbClr r="0" g="0" b="0"/>
+        </a:effectRef>
+        <a:fontRef idx="minor">
+          <a:schemeClr val="lt1"/>
+        </a:fontRef>
+      </dsp:style>
+      <dsp:txBody>
+        <a:bodyPr spcFirstLastPara="0" vert="horz" wrap="square" lIns="8255" tIns="8255" rIns="8255" bIns="8255" numCol="1" spcCol="1270" anchor="ctr" anchorCtr="0">
+          <a:noAutofit/>
+        </a:bodyPr>
+        <a:lstStyle/>
+        <a:p>
+          <a:pPr lvl="0" algn="ctr" defTabSz="577850">
+            <a:lnSpc>
+              <a:spcPct val="90000"/>
+            </a:lnSpc>
+            <a:spcBef>
+              <a:spcPct val="0"/>
+            </a:spcBef>
+            <a:spcAft>
+              <a:spcPct val="35000"/>
+            </a:spcAft>
+          </a:pPr>
+          <a:r>
+            <a:rPr lang="en-US" sz="1300" kern="1200" dirty="0" smtClean="0"/>
+            <a:t>Subscriber</a:t>
+          </a:r>
+          <a:endParaRPr lang="en-US" sz="1300" kern="1200" dirty="0"/>
+        </a:p>
+      </dsp:txBody>
+      <dsp:txXfrm>
+        <a:off x="3891535" y="157735"/>
+        <a:ext cx="761592" cy="761592"/>
+      </dsp:txXfrm>
+    </dsp:sp>
+    <dsp:sp modelId="{B0F3388D-7567-4ED4-AC78-A739B08B3246}">
+      <dsp:nvSpPr>
+        <dsp:cNvPr id="0" name=""/>
+        <dsp:cNvSpPr/>
+      </dsp:nvSpPr>
+      <dsp:spPr>
+        <a:xfrm>
+          <a:off x="4190996" y="1338701"/>
+          <a:ext cx="1077054" cy="1077054"/>
+        </a:xfrm>
+        <a:prstGeom prst="ellipse">
+          <a:avLst/>
+        </a:prstGeom>
+        <a:solidFill>
+          <a:schemeClr val="accent1">
+            <a:hueOff val="0"/>
+            <a:satOff val="0"/>
+            <a:lumOff val="0"/>
+            <a:alphaOff val="0"/>
+          </a:schemeClr>
+        </a:solidFill>
+        <a:ln w="12700" cap="flat" cmpd="sng" algn="ctr">
+          <a:solidFill>
+            <a:schemeClr val="lt1">
+              <a:hueOff val="0"/>
+              <a:satOff val="0"/>
+              <a:lumOff val="0"/>
+              <a:alphaOff val="0"/>
+            </a:schemeClr>
+          </a:solidFill>
+          <a:prstDash val="solid"/>
+        </a:ln>
+        <a:effectLst/>
+      </dsp:spPr>
+      <dsp:style>
+        <a:lnRef idx="2">
+          <a:scrgbClr r="0" g="0" b="0"/>
+        </a:lnRef>
+        <a:fillRef idx="1">
+          <a:scrgbClr r="0" g="0" b="0"/>
+        </a:fillRef>
+        <a:effectRef idx="0">
+          <a:scrgbClr r="0" g="0" b="0"/>
+        </a:effectRef>
+        <a:fontRef idx="minor">
+          <a:schemeClr val="lt1"/>
+        </a:fontRef>
+      </dsp:style>
+      <dsp:txBody>
+        <a:bodyPr spcFirstLastPara="0" vert="horz" wrap="square" lIns="8255" tIns="8255" rIns="8255" bIns="8255" numCol="1" spcCol="1270" anchor="ctr" anchorCtr="0">
+          <a:noAutofit/>
+        </a:bodyPr>
+        <a:lstStyle/>
+        <a:p>
+          <a:pPr lvl="0" algn="ctr" defTabSz="577850">
+            <a:lnSpc>
+              <a:spcPct val="90000"/>
+            </a:lnSpc>
+            <a:spcBef>
+              <a:spcPct val="0"/>
+            </a:spcBef>
+            <a:spcAft>
+              <a:spcPct val="35000"/>
+            </a:spcAft>
+          </a:pPr>
+          <a:r>
+            <a:rPr lang="en-US" sz="1300" kern="1200" dirty="0" smtClean="0"/>
+            <a:t>Subscriber</a:t>
+          </a:r>
+          <a:endParaRPr lang="en-US" sz="1300" kern="1200" dirty="0"/>
+        </a:p>
+      </dsp:txBody>
+      <dsp:txXfrm>
+        <a:off x="4348727" y="1496432"/>
+        <a:ext cx="761592" cy="761592"/>
+      </dsp:txXfrm>
+    </dsp:sp>
+    <dsp:sp modelId="{BCCEB3F5-776F-4D62-A047-82D8E22010A5}">
+      <dsp:nvSpPr>
+        <dsp:cNvPr id="0" name=""/>
+        <dsp:cNvSpPr/>
+      </dsp:nvSpPr>
+      <dsp:spPr>
+        <a:xfrm>
+          <a:off x="3733804" y="2656745"/>
+          <a:ext cx="1077054" cy="1077054"/>
+        </a:xfrm>
+        <a:prstGeom prst="ellipse">
+          <a:avLst/>
+        </a:prstGeom>
+        <a:solidFill>
+          <a:schemeClr val="accent1">
+            <a:hueOff val="0"/>
+            <a:satOff val="0"/>
+            <a:lumOff val="0"/>
+            <a:alphaOff val="0"/>
+          </a:schemeClr>
+        </a:solidFill>
+        <a:ln w="12700" cap="flat" cmpd="sng" algn="ctr">
+          <a:solidFill>
+            <a:schemeClr val="lt1">
+              <a:hueOff val="0"/>
+              <a:satOff val="0"/>
+              <a:lumOff val="0"/>
+              <a:alphaOff val="0"/>
+            </a:schemeClr>
+          </a:solidFill>
+          <a:prstDash val="solid"/>
+        </a:ln>
+        <a:effectLst/>
+      </dsp:spPr>
+      <dsp:style>
+        <a:lnRef idx="2">
+          <a:scrgbClr r="0" g="0" b="0"/>
+        </a:lnRef>
+        <a:fillRef idx="1">
+          <a:scrgbClr r="0" g="0" b="0"/>
+        </a:fillRef>
+        <a:effectRef idx="0">
+          <a:scrgbClr r="0" g="0" b="0"/>
+        </a:effectRef>
+        <a:fontRef idx="minor">
+          <a:schemeClr val="lt1"/>
+        </a:fontRef>
+      </dsp:style>
+      <dsp:txBody>
+        <a:bodyPr spcFirstLastPara="0" vert="horz" wrap="square" lIns="8255" tIns="8255" rIns="8255" bIns="8255" numCol="1" spcCol="1270" anchor="ctr" anchorCtr="0">
+          <a:noAutofit/>
+        </a:bodyPr>
+        <a:lstStyle/>
+        <a:p>
+          <a:pPr lvl="0" algn="ctr" defTabSz="577850">
+            <a:lnSpc>
+              <a:spcPct val="90000"/>
+            </a:lnSpc>
+            <a:spcBef>
+              <a:spcPct val="0"/>
+            </a:spcBef>
+            <a:spcAft>
+              <a:spcPct val="35000"/>
+            </a:spcAft>
+          </a:pPr>
+          <a:r>
+            <a:rPr lang="en-US" sz="1300" kern="1200" dirty="0" smtClean="0"/>
+            <a:t>Subscriber</a:t>
+          </a:r>
+          <a:endParaRPr lang="en-US" sz="1300" kern="1200" dirty="0"/>
+        </a:p>
+      </dsp:txBody>
+      <dsp:txXfrm>
+        <a:off x="3891535" y="2814476"/>
+        <a:ext cx="761592" cy="761592"/>
+      </dsp:txXfrm>
+    </dsp:sp>
+  </dsp:spTree>
+</dsp:drawing>
+</file>
+
+<file path=ppt/diagrams/layout1.xml><?xml version="1.0" encoding="utf-8"?>
+<dgm:layoutDef xmlns:dgm="http://schemas.openxmlformats.org/drawingml/2006/diagram" xmlns:a="http://schemas.openxmlformats.org/drawingml/2006/main" uniqueId="urn:microsoft.com/office/officeart/2005/8/layout/venn1">
+  <dgm:title val=""/>
+  <dgm:desc val=""/>
+  <dgm:catLst>
+    <dgm:cat type="relationship" pri="28000"/>
+    <dgm:cat type="convert" pri="19000"/>
+  </dgm:catLst>
+  <dgm:sampData useDef="1">
+    <dgm:dataModel>
+      <dgm:ptLst/>
+      <dgm:bg/>
+      <dgm:whole/>
+    </dgm:dataModel>
+  </dgm:sampData>
+  <dgm:styleData useDef="1">
+    <dgm:dataModel>
+      <dgm:ptLst/>
+      <dgm:bg/>
+      <dgm:whole/>
+    </dgm:dataModel>
+  </dgm:styleData>
+  <dgm:clrData>
+    <dgm:dataModel>
+      <dgm:ptLst>
+        <dgm:pt modelId="0" type="doc"/>
+        <dgm:pt modelId="1"/>
+        <dgm:pt modelId="2"/>
+        <dgm:pt modelId="3"/>
+        <dgm:pt modelId="4"/>
+      </dgm:ptLst>
+      <dgm:cxnLst>
+        <dgm:cxn modelId="7" srcId="0" destId="1" srcOrd="0" destOrd="0"/>
+        <dgm:cxn modelId="8" srcId="0" destId="2" srcOrd="1" destOrd="0"/>
+        <dgm:cxn modelId="9" srcId="0" destId="3" srcOrd="2" destOrd="0"/>
+        <dgm:cxn modelId="10" srcId="0" destId="4" srcOrd="3" destOrd="0"/>
+      </dgm:cxnLst>
+      <dgm:bg/>
+      <dgm:whole/>
+    </dgm:dataModel>
+  </dgm:clrData>
+  <dgm:layoutNode name="compositeShape">
+    <dgm:varLst>
+      <dgm:chMax val="7"/>
+      <dgm:dir/>
+      <dgm:resizeHandles val="exact"/>
+    </dgm:varLst>
+    <dgm:choose name="Name0">
+      <dgm:if name="Name1" axis="ch" ptType="node" func="cnt" op="equ" val="1">
+        <dgm:alg type="composite">
+          <dgm:param type="ar" val="1"/>
+        </dgm:alg>
+      </dgm:if>
+      <dgm:if name="Name2" axis="ch" ptType="node" func="cnt" op="equ" val="2">
+        <dgm:alg type="composite">
+          <dgm:param type="ar" val="1.792"/>
+        </dgm:alg>
+      </dgm:if>
+      <dgm:if name="Name3" axis="ch" ptType="node" func="cnt" op="equ" val="3">
+        <dgm:alg type="composite">
+          <dgm:param type="ar" val="1"/>
+        </dgm:alg>
+      </dgm:if>
+      <dgm:if name="Name4" axis="ch" ptType="node" func="cnt" op="equ" val="4">
+        <dgm:alg type="composite">
+          <dgm:param type="ar" val="1"/>
+        </dgm:alg>
+      </dgm:if>
+      <dgm:if name="Name5" axis="ch" ptType="node" func="cnt" op="equ" val="5">
+        <dgm:alg type="composite">
+          <dgm:param type="ar" val="1.4"/>
+        </dgm:alg>
+      </dgm:if>
+      <dgm:if name="Name6" axis="ch" ptType="node" func="cnt" op="equ" val="6">
+        <dgm:alg type="composite">
+          <dgm:param type="ar" val="1.285"/>
+        </dgm:alg>
+      </dgm:if>
+      <dgm:if name="Name7" axis="ch" ptType="node" func="cnt" op="equ" val="7">
+        <dgm:alg type="composite">
+          <dgm:param type="ar" val="1.359"/>
+        </dgm:alg>
+      </dgm:if>
+      <dgm:else name="Name8">
+        <dgm:alg type="composite">
+          <dgm:param type="ar" val="1.359"/>
+        </dgm:alg>
+      </dgm:else>
+    </dgm:choose>
+    <dgm:shape xmlns:r="http://schemas.openxmlformats.org/officeDocument/2006/relationships" r:blip="">
+      <dgm:adjLst/>
+    </dgm:shape>
+    <dgm:presOf/>
+    <dgm:choose name="Name9">
+      <dgm:if name="Name10" axis="ch" ptType="node" func="cnt" op="equ" val="1">
+        <dgm:constrLst>
+          <dgm:constr type="ctrX" for="ch" forName="circ1TxSh" refType="w" fact="0.5"/>
+          <dgm:constr type="ctrY" for="ch" forName="circ1TxSh" refType="h" fact="0.5"/>
+          <dgm:constr type="w" for="ch" forName="circ1TxSh" refType="w"/>
+          <dgm:constr type="h" for="ch" forName="circ1TxSh" refType="h"/>
+          <dgm:constr type="primFontSz" for="ch" ptType="node" op="equ"/>
+        </dgm:constrLst>
+      </dgm:if>
+      <dgm:if name="Name11" axis="ch" ptType="node" func="cnt" op="equ" val="2">
+        <dgm:constrLst>
+          <dgm:constr type="ctrX" for="ch" forName="circ1" refType="w" fact="0.3"/>
+          <dgm:constr type="ctrY" for="ch" forName="circ1" refType="h" fact="0.5"/>
+          <dgm:constr type="w" for="ch" forName="circ1" refType="w" fact="0.555"/>
+          <dgm:constr type="h" for="ch" forName="circ1" refType="h" fact="0.99456"/>
+          <dgm:constr type="l" for="ch" forName="circ1Tx" refType="w" fact="0.1"/>
+          <dgm:constr type="t" for="ch" forName="circ1Tx" refType="h" fact="0.12"/>
+          <dgm:constr type="w" for="ch" forName="circ1Tx" refType="w" fact="0.32"/>
+          <dgm:constr type="h" for="ch" forName="circ1Tx" refType="h" fact="0.76"/>
+          <dgm:constr type="ctrX" for="ch" forName="circ2" refType="w" fact="0.7"/>
+          <dgm:constr type="ctrY" for="ch" forName="circ2" refType="h" fact="0.5"/>
+          <dgm:constr type="w" for="ch" forName="circ2" refType="w" fact="0.555"/>
+          <dgm:constr type="h" for="ch" forName="circ2" refType="h" fact="0.99456"/>
+          <dgm:constr type="l" for="ch" forName="circ2Tx" refType="w" fact="0.58"/>
+          <dgm:constr type="t" for="ch" forName="circ2Tx" refType="h" fact="0.12"/>
+          <dgm:constr type="w" for="ch" forName="circ2Tx" refType="w" fact="0.32"/>
+          <dgm:constr type="h" for="ch" forName="circ2Tx" refType="h" fact="0.76"/>
+          <dgm:constr type="primFontSz" for="ch" ptType="node" op="equ"/>
+        </dgm:constrLst>
+      </dgm:if>
+      <dgm:if name="Name12" axis="ch" ptType="node" func="cnt" op="equ" val="3">
+        <dgm:constrLst>
+          <dgm:constr type="ctrX" for="ch" forName="circ1" refType="w" fact="0.5"/>
+          <dgm:constr type="ctrY" for="ch" forName="circ1" refType="w" fact="0.25"/>
+          <dgm:constr type="w" for="ch" forName="circ1" refType="w" fact="0.6"/>
+          <dgm:constr type="h" for="ch" forName="circ1" refType="h" fact="0.6"/>
+          <dgm:constr type="l" for="ch" forName="circ1Tx" refType="w" fact="0.28"/>
+          <dgm:constr type="t" for="ch" forName="circ1Tx" refType="h" fact="0.055"/>
+          <dgm:constr type="w" for="ch" forName="circ1Tx" refType="w" fact="0.44"/>
+          <dgm:constr type="h" for="ch" forName="circ1Tx" refType="h" fact="0.27"/>
+          <dgm:constr type="ctrX" for="ch" forName="circ2" refType="w" fact="0.7165"/>
+          <dgm:constr type="ctrY" for="ch" forName="circ2" refType="w" fact="0.625"/>
+          <dgm:constr type="w" for="ch" forName="circ2" refType="w" fact="0.6"/>
+          <dgm:constr type="h" for="ch" forName="circ2" refType="h" fact="0.6"/>
+          <dgm:constr type="l" for="ch" forName="circ2Tx" refType="w" fact="0.6"/>
+          <dgm:constr type="t" for="ch" forName="circ2Tx" refType="h" fact="0.48"/>
+          <dgm:constr type="w" for="ch" forName="circ2Tx" refType="w" fact="0.36"/>
+          <dgm:constr type="h" for="ch" forName="circ2Tx" refType="h" fact="0.33"/>
+          <dgm:constr type="ctrX" for="ch" forName="circ3" refType="w" fact="0.2835"/>
+          <dgm:constr type="ctrY" for="ch" forName="circ3" refType="w" fact="0.625"/>
+          <dgm:constr type="w" for="ch" forName="circ3" refType="w" fact="0.6"/>
+          <dgm:constr type="h" for="ch" forName="circ3" refType="h" fact="0.6"/>
+          <dgm:constr type="l" for="ch" forName="circ3Tx" refType="w" fact="0.04"/>
+          <dgm:constr type="t" for="ch" forName="circ3Tx" refType="h" fact="0.48"/>
+          <dgm:constr type="w" for="ch" forName="circ3Tx" refType="w" fact="0.36"/>
+          <dgm:constr type="h" for="ch" forName="circ3Tx" refType="h" fact="0.33"/>
+          <dgm:constr type="primFontSz" for="ch" ptType="node" op="equ"/>
+        </dgm:constrLst>
+      </dgm:if>
+      <dgm:if name="Name13" axis="ch" ptType="node" func="cnt" op="equ" val="4">
+        <dgm:constrLst>
+          <dgm:constr type="ctrX" for="ch" forName="circ1" refType="w" fact="0.5"/>
+          <dgm:constr type="ctrY" for="ch" forName="circ1" refType="w" fact="0.27"/>
+          <dgm:constr type="w" for="ch" forName="circ1" refType="w" fact="0.52"/>
+          <dgm:constr type="h" for="ch" forName="circ1" refType="h" fact="0.52"/>
+          <dgm:constr type="l" for="ch" forName="circ1Tx" refType="w" fact="0.3"/>
+          <dgm:constr type="t" for="ch" forName="circ1Tx" refType="h" fact="0.08"/>
+          <dgm:constr type="w" for="ch" forName="circ1Tx" refType="w" fact="0.4"/>
+          <dgm:constr type="h" for="ch" forName="circ1Tx" refType="h" fact="0.165"/>
+          <dgm:constr type="ctrX" for="ch" forName="circ2" refType="w" fact="0.73"/>
+          <dgm:constr type="ctrY" for="ch" forName="circ2" refType="w" fact="0.5"/>
+          <dgm:constr type="w" for="ch" forName="circ2" refType="w" fact="0.52"/>
+          <dgm:constr type="h" for="ch" forName="circ2" refType="h" fact="0.52"/>
+          <dgm:constr type="r" for="ch" forName="circ2Tx" refType="w" fact="0.95"/>
+          <dgm:constr type="t" for="ch" forName="circ2Tx" refType="h" fact="0.3"/>
+          <dgm:constr type="w" for="ch" forName="circ2Tx" refType="w" fact="0.2"/>
+          <dgm:constr type="h" for="ch" forName="circ2Tx" refType="h" fact="0.4"/>
+          <dgm:constr type="ctrX" for="ch" forName="circ3" refType="w" fact="0.5"/>
+          <dgm:constr type="ctrY" for="ch" forName="circ3" refType="w" fact="0.73"/>
+          <dgm:constr type="w" for="ch" forName="circ3" refType="w" fact="0.52"/>
+          <dgm:constr type="h" for="ch" forName="circ3" refType="h" fact="0.52"/>
+          <dgm:constr type="l" for="ch" forName="circ3Tx" refType="w" fact="0.3"/>
+          <dgm:constr type="b" for="ch" forName="circ3Tx" refType="h" fact="0.92"/>
+          <dgm:constr type="w" for="ch" forName="circ3Tx" refType="w" fact="0.4"/>
+          <dgm:constr type="h" for="ch" forName="circ3Tx" refType="h" fact="0.165"/>
+          <dgm:constr type="ctrX" for="ch" forName="circ4" refType="w" fact="0.27"/>
+          <dgm:constr type="ctrY" for="ch" forName="circ4" refType="h" fact="0.5"/>
+          <dgm:constr type="w" for="ch" forName="circ4" refType="w" fact="0.52"/>
+          <dgm:constr type="h" for="ch" forName="circ4" refType="h" fact="0.52"/>
+          <dgm:constr type="l" for="ch" forName="circ4Tx" refType="w" fact="0.05"/>
+          <dgm:constr type="t" for="ch" forName="circ4Tx" refType="h" fact="0.3"/>
+          <dgm:constr type="w" for="ch" forName="circ4Tx" refType="w" fact="0.2"/>
+          <dgm:constr type="h" for="ch" forName="circ4Tx" refType="h" fact="0.4"/>
+          <dgm:constr type="primFontSz" for="ch" ptType="node" op="equ"/>
+        </dgm:constrLst>
+      </dgm:if>
+      <dgm:if name="Name14" axis="ch" ptType="node" func="cnt" op="equ" val="5">
+        <dgm:constrLst>
+          <dgm:constr type="ctrX" for="ch" forName="circ1" refType="w" fact="0.5"/>
+          <dgm:constr type="ctrY" for="ch" forName="circ1" refType="h" fact="0.46"/>
+          <dgm:constr type="w" for="ch" forName="circ1" refType="w" fact="0.25"/>
+          <dgm:constr type="h" for="ch" forName="circ1" refType="h" fact="0.35"/>
+          <dgm:constr type="l" for="ch" forName="circ1Tx" refType="w" fact="0.355"/>
+          <dgm:constr type="t" for="ch" forName="circ1Tx"/>
+          <dgm:constr type="w" for="ch" forName="circ1Tx" refType="w" fact="0.29"/>
+          <dgm:constr type="h" for="ch" forName="circ1Tx" refType="h" fact="0.235"/>
+          <dgm:constr type="ctrX" for="ch" forName="circ2" refType="w" fact="0.5951"/>
+          <dgm:constr type="ctrY" for="ch" forName="circ2" refType="h" fact="0.5567"/>
+          <dgm:constr type="w" for="ch" forName="circ2" refType="w" fact="0.25"/>
+          <dgm:constr type="h" for="ch" forName="circ2" refType="h" fact="0.35"/>
+          <dgm:constr type="l" for="ch" forName="circ2Tx" refType="w" fact="0.74"/>
+          <dgm:constr type="t" for="ch" forName="circ2Tx" refType="h" fact="0.31"/>
+          <dgm:constr type="w" for="ch" forName="circ2Tx" refType="w" fact="0.26"/>
+          <dgm:constr type="h" for="ch" forName="circ2Tx" refType="h" fact="0.255"/>
+          <dgm:constr type="ctrX" for="ch" forName="circ3" refType="w" fact="0.5588"/>
+          <dgm:constr type="ctrY" for="ch" forName="circ3" refType="h" fact="0.7133"/>
+          <dgm:constr type="w" for="ch" forName="circ3" refType="w" fact="0.25"/>
+          <dgm:constr type="h" for="ch" forName="circ3" refType="h" fact="0.35"/>
+          <dgm:constr type="l" for="ch" forName="circ3Tx" refType="w" fact="0.7"/>
+          <dgm:constr type="t" for="ch" forName="circ3Tx" refType="h" fact="0.745"/>
+          <dgm:constr type="w" for="ch" forName="circ3Tx" refType="w" fact="0.26"/>
+          <dgm:constr type="h" for="ch" forName="circ3Tx" refType="h" fact="0.255"/>
+          <dgm:constr type="ctrX" for="ch" forName="circ4" refType="w" fact="0.4412"/>
+          <dgm:constr type="ctrY" for="ch" forName="circ4" refType="h" fact="0.7133"/>
+          <dgm:constr type="w" for="ch" forName="circ4" refType="w" fact="0.25"/>
+          <dgm:constr type="h" for="ch" forName="circ4" refType="h" fact="0.35"/>
+          <dgm:constr type="l" for="ch" forName="circ4Tx" refType="w" fact="0.04"/>
+          <dgm:constr type="t" for="ch" forName="circ4Tx" refType="h" fact="0.745"/>
+          <dgm:constr type="w" for="ch" forName="circ4Tx" refType="w" fact="0.26"/>
+          <dgm:constr type="h" for="ch" forName="circ4Tx" refType="h" fact="0.255"/>
+          <dgm:constr type="ctrX" for="ch" forName="circ5" refType="w" fact="0.4049"/>
+          <dgm:constr type="ctrY" for="ch" forName="circ5" refType="h" fact="0.5567"/>
+          <dgm:constr type="w" for="ch" forName="circ5" refType="w" fact="0.25"/>
+          <dgm:constr type="h" for="ch" forName="circ5" refType="h" fact="0.35"/>
+          <dgm:constr type="l" for="ch" forName="circ5Tx"/>
+          <dgm:constr type="t" for="ch" forName="circ5Tx" refType="h" fact="0.31"/>
+          <dgm:constr type="w" for="ch" forName="circ5Tx" refType="w" fact="0.26"/>
+          <dgm:constr type="h" for="ch" forName="circ5Tx" refType="h" fact="0.255"/>
+          <dgm:constr type="primFontSz" for="ch" ptType="node" op="equ"/>
+        </dgm:constrLst>
+      </dgm:if>
+      <dgm:if name="Name15" axis="ch" ptType="node" func="cnt" op="equ" val="6">
+        <dgm:constrLst>
+          <dgm:constr type="ctrX" for="ch" forName="circ1" refType="w" fact="0.5"/>
+          <dgm:constr type="ctrY" for="ch" forName="circ1" refType="h" fact="0.3844"/>
+          <dgm:constr type="w" for="ch" forName="circ1" refType="w" fact="0.24"/>
+          <dgm:constr type="h" for="ch" forName="circ1" refType="h" fact="0.3084"/>
+          <dgm:constr type="l" for="ch" forName="circ1Tx" refType="w" fact="0.35"/>
+          <dgm:constr type="t" for="ch" forName="circ1Tx"/>
+          <dgm:constr type="w" for="ch" forName="circ1Tx" refType="w" fact="0.3"/>
+          <dgm:constr type="h" for="ch" forName="circ1Tx" refType="h" fact="0.21"/>
+          <dgm:constr type="ctrX" for="ch" forName="circ2" refType="w" fact="0.5779"/>
+          <dgm:constr type="ctrY" for="ch" forName="circ2" refType="h" fact="0.4422"/>
+          <dgm:constr type="w" for="ch" forName="circ2" refType="w" fact="0.24"/>
+          <dgm:constr type="h" for="ch" forName="circ2" refType="h" fact="0.3084"/>
+          <dgm:constr type="l" for="ch" forName="circ2Tx" refType="w" fact="0.7157"/>
+          <dgm:constr type="t" for="ch" forName="circ2Tx" refType="h" fact="0.2"/>
+          <dgm:constr type="w" for="ch" forName="circ2Tx" refType="w" fact="0.2843"/>
+          <dgm:constr type="h" for="ch" forName="circ2Tx" refType="h" fact="0.23"/>
+          <dgm:constr type="ctrX" for="ch" forName="circ3" refType="w" fact="0.5779"/>
+          <dgm:constr type="ctrY" for="ch" forName="circ3" refType="h" fact="0.5578"/>
+          <dgm:constr type="w" for="ch" forName="circ3" refType="w" fact="0.24"/>
+          <dgm:constr type="h" for="ch" forName="circ3" refType="h" fact="0.3084"/>
+          <dgm:constr type="l" for="ch" forName="circ3Tx" refType="w" fact="0.7157"/>
+          <dgm:constr type="t" for="ch" forName="circ3Tx" refType="h" fact="0.543"/>
+          <dgm:constr type="w" for="ch" forName="circ3Tx" refType="w" fact="0.2843"/>
+          <dgm:constr type="h" for="ch" forName="circ3Tx" refType="h" fact="0.257"/>
+          <dgm:constr type="ctrX" for="ch" forName="circ4" refType="w" fact="0.5"/>
+          <dgm:constr type="ctrY" for="ch" forName="circ4" refType="h" fact="0.6157"/>
+          <dgm:constr type="w" for="ch" forName="circ4" refType="w" fact="0.24"/>
+          <dgm:constr type="h" for="ch" forName="circ4" refType="h" fact="0.3084"/>
+          <dgm:constr type="l" for="ch" forName="circ4Tx" refType="w" fact="0.35"/>
+          <dgm:constr type="t" for="ch" forName="circ4Tx" refType="h" fact="0.79"/>
+          <dgm:constr type="w" for="ch" forName="circ4Tx" refType="w" fact="0.3"/>
+          <dgm:constr type="h" for="ch" forName="circ4Tx" refType="h" fact="0.21"/>
+          <dgm:constr type="ctrX" for="ch" forName="circ5" refType="w" fact="0.4221"/>
+          <dgm:constr type="ctrY" for="ch" forName="circ5" refType="h" fact="0.5578"/>
+          <dgm:constr type="w" for="ch" forName="circ5" refType="w" fact="0.24"/>
+          <dgm:constr type="h" for="ch" forName="circ5" refType="h" fact="0.3084"/>
+          <dgm:constr type="l" for="ch" forName="circ5Tx" refType="w" fact="0"/>
+          <dgm:constr type="t" for="ch" forName="circ5Tx" refType="h" fact="0.543"/>
+          <dgm:constr type="w" for="ch" forName="circ5Tx" refType="w" fact="0.2843"/>
+          <dgm:constr type="h" for="ch" forName="circ5Tx" refType="h" fact="0.257"/>
+          <dgm:constr type="ctrX" for="ch" forName="circ6" refType="w" fact="0.4221"/>
+          <dgm:constr type="ctrY" for="ch" forName="circ6" refType="h" fact="0.4422"/>
+          <dgm:constr type="w" for="ch" forName="circ6" refType="w" fact="0.24"/>
+          <dgm:constr type="h" for="ch" forName="circ6" refType="h" fact="0.3084"/>
+          <dgm:constr type="l" for="ch" forName="circ6Tx" refType="w" fact="0"/>
+          <dgm:constr type="t" for="ch" forName="circ6Tx" refType="h" fact="0.2"/>
+          <dgm:constr type="w" for="ch" forName="circ6Tx" refType="w" fact="0.2843"/>
+          <dgm:constr type="h" for="ch" forName="circ6Tx" refType="h" fact="0.257"/>
+          <dgm:constr type="primFontSz" for="ch" ptType="node" op="equ"/>
+        </dgm:constrLst>
+      </dgm:if>
+      <dgm:else name="Name16">
+        <dgm:constrLst>
+          <dgm:constr type="ctrX" for="ch" forName="circ1" refType="w" fact="0.5"/>
+          <dgm:constr type="ctrY" for="ch" forName="circ1" refType="h" fact="0.4177"/>
+          <dgm:constr type="w" for="ch" forName="circ1" refType="w" fact="0.24"/>
+          <dgm:constr type="h" for="ch" forName="circ1" refType="h" fact="0.3262"/>
+          <dgm:constr type="l" for="ch" forName="circ1Tx" refType="w" fact="0.3625"/>
+          <dgm:constr type="t" for="ch" forName="circ1Tx"/>
+          <dgm:constr type="w" for="ch" forName="circ1Tx" refType="w" fact="0.275"/>
+          <dgm:constr type="h" for="ch" forName="circ1Tx" refType="h" fact="0.2"/>
+          <dgm:constr type="ctrX" for="ch" forName="circ2" refType="w" fact="0.5704"/>
+          <dgm:constr type="ctrY" for="ch" forName="circ2" refType="h" fact="0.4637"/>
+          <dgm:constr type="w" for="ch" forName="circ2" refType="w" fact="0.24"/>
+          <dgm:constr type="h" for="ch" forName="circ2" refType="h" fact="0.3262"/>
+          <dgm:constr type="l" for="ch" forName="circ2Tx" refType="w" fact="0.72"/>
+          <dgm:constr type="t" for="ch" forName="circ2Tx" refType="h" fact="0.19"/>
+          <dgm:constr type="w" for="ch" forName="circ2Tx" refType="w" fact="0.26"/>
+          <dgm:constr type="h" for="ch" forName="circ2Tx" refType="h" fact="0.22"/>
+          <dgm:constr type="ctrX" for="ch" forName="circ3" refType="w" fact="0.5877"/>
+          <dgm:constr type="ctrY" for="ch" forName="circ3" refType="h" fact="0.5672"/>
+          <dgm:constr type="w" for="ch" forName="circ3" refType="w" fact="0.24"/>
+          <dgm:constr type="h" for="ch" forName="circ3" refType="h" fact="0.3262"/>
+          <dgm:constr type="l" for="ch" forName="circ3Tx" refType="w" fact="0.745"/>
+          <dgm:constr type="t" for="ch" forName="circ3Tx" refType="h" fact="0.47"/>
+          <dgm:constr type="w" for="ch" forName="circ3Tx" refType="w" fact="0.255"/>
+          <dgm:constr type="h" for="ch" forName="circ3Tx" refType="h" fact="0.235"/>
+          <dgm:constr type="ctrX" for="ch" forName="circ4" refType="w" fact="0.539"/>
+          <dgm:constr type="ctrY" for="ch" forName="circ4" refType="h" fact="0.6502"/>
+          <dgm:constr type="w" for="ch" forName="circ4" refType="w" fact="0.24"/>
+          <dgm:constr type="h" for="ch" forName="circ4" refType="h" fact="0.3262"/>
+          <dgm:constr type="l" for="ch" forName="circ4Tx" refType="w" fact="0.635"/>
+          <dgm:constr type="t" for="ch" forName="circ4Tx" refType="h" fact="0.785"/>
+          <dgm:constr type="w" for="ch" forName="circ4Tx" refType="w" fact="0.275"/>
+          <dgm:constr type="h" for="ch" forName="circ4Tx" refType="h" fact="0.215"/>
+          <dgm:constr type="ctrX" for="ch" forName="circ5" refType="w" fact="0.461"/>
+          <dgm:constr type="ctrY" for="ch" forName="circ5" refType="h" fact="0.6502"/>
+          <dgm:constr type="w" for="ch" forName="circ5" refType="w" fact="0.24"/>
+          <dgm:constr type="h" for="ch" forName="circ5" refType="h" fact="0.3262"/>
+          <dgm:constr type="l" for="ch" forName="circ5Tx" refType="w" fact="0.09"/>
+          <dgm:constr type="t" for="ch" forName="circ5Tx" refType="h" fact="0.785"/>
+          <dgm:constr type="w" for="ch" forName="circ5Tx" refType="w" fact="0.275"/>
+          <dgm:constr type="h" for="ch" forName="circ5Tx" refType="h" fact="0.215"/>
+          <dgm:constr type="ctrX" for="ch" forName="circ6" refType="w" fact="0.4123"/>
+          <dgm:constr type="ctrY" for="ch" forName="circ6" refType="h" fact="0.5672"/>
+          <dgm:constr type="w" for="ch" forName="circ6" refType="w" fact="0.24"/>
+          <dgm:constr type="h" for="ch" forName="circ6" refType="h" fact="0.3262"/>
+          <dgm:constr type="l" for="ch" forName="circ6Tx"/>
+          <dgm:constr type="t" for="ch" forName="circ6Tx" refType="h" fact="0.47"/>
+          <dgm:constr type="w" for="ch" forName="circ6Tx" refType="w" fact="0.255"/>
+          <dgm:constr type="h" for="ch" forName="circ6Tx" refType="h" fact="0.235"/>
+          <dgm:constr type="ctrX" for="ch" forName="circ7" refType="w" fact="0.4296"/>
+          <dgm:constr type="ctrY" for="ch" forName="circ7" refType="h" fact="0.4637"/>
+          <dgm:constr type="w" for="ch" forName="circ7" refType="w" fact="0.24"/>
+          <dgm:constr type="h" for="ch" forName="circ7" refType="h" fact="0.3262"/>
+          <dgm:constr type="l" for="ch" forName="circ7Tx" refType="w" fact="0.02"/>
+          <dgm:constr type="t" for="ch" forName="circ7Tx" refType="h" fact="0.19"/>
+          <dgm:constr type="w" for="ch" forName="circ7Tx" refType="w" fact="0.26"/>
+          <dgm:constr type="h" for="ch" forName="circ7Tx" refType="h" fact="0.22"/>
+          <dgm:constr type="primFontSz" for="ch" ptType="node" op="equ"/>
+        </dgm:constrLst>
+      </dgm:else>
+    </dgm:choose>
+    <dgm:ruleLst/>
+    <dgm:forEach name="Name17" axis="ch" ptType="node" cnt="1">
+      <dgm:choose name="Name18">
+        <dgm:if name="Name19" axis="root ch" ptType="all node" func="cnt" op="equ" val="1">
+          <dgm:layoutNode name="circ1TxSh" styleLbl="vennNode1">
+            <dgm:alg type="tx">
+              <dgm:param type="txAnchorHorzCh" val="ctr"/>
+              <dgm:param type="txAnchorVertCh" val="mid"/>
+            </dgm:alg>
+            <dgm:shape xmlns:r="http://schemas.openxmlformats.org/officeDocument/2006/relationships" type="ellipse" r:blip="">
+              <dgm:adjLst/>
+            </dgm:shape>
+            <dgm:choose name="Name20">
+              <dgm:if name="Name21" func="var" arg="dir" op="equ" val="norm">
+                <dgm:choose name="Name22">
+                  <dgm:if name="Name23" axis="root ch" ptType="all node" func="cnt" op="lte" val="4">
+                    <dgm:presOf axis="desOrSelf" ptType="node"/>
+                  </dgm:if>
+                  <dgm:else name="Name24">
+                    <dgm:presOf/>
+                  </dgm:else>
+                </dgm:choose>
+              </dgm:if>
+              <dgm:else name="Name25">
+                <dgm:choose name="Name26">
+                  <dgm:if name="Name27" axis="root ch" ptType="all node" func="cnt" op="equ" val="2">
+                    <dgm:presOf axis="root ch desOrSelf" ptType="all node node" st="1 2 1" cnt="1 1 0"/>
+                  </dgm:if>
+                  <dgm:else name="Name28">
+                    <dgm:presOf axis="desOrSelf" ptType="node"/>
+                  </dgm:else>
+                </dgm:choose>
+              </dgm:else>
+            </dgm:choose>
+            <dgm:constrLst>
+              <dgm:constr type="tMarg"/>
+              <dgm:constr type="bMarg"/>
+              <dgm:constr type="lMarg"/>
+              <dgm:constr type="rMarg"/>
+              <dgm:constr type="primFontSz" val="65"/>
+            </dgm:constrLst>
+            <dgm:ruleLst>
+              <dgm:rule type="primFontSz" val="5" fact="NaN" max="NaN"/>
+            </dgm:ruleLst>
+          </dgm:layoutNode>
+        </dgm:if>
+        <dgm:else name="Name29">
+          <dgm:layoutNode name="circ1" styleLbl="vennNode1">
+            <dgm:alg type="sp"/>
+            <dgm:shape xmlns:r="http://schemas.openxmlformats.org/officeDocument/2006/relationships" type="ellipse" r:blip="">
+              <dgm:adjLst/>
+            </dgm:shape>
+            <dgm:choose name="Name30">
+              <dgm:if name="Name31" func="var" arg="dir" op="equ" val="norm">
+                <dgm:choose name="Name32">
+                  <dgm:if name="Name33" axis="root ch" ptType="all node" func="cnt" op="lte" val="4">
+                    <dgm:presOf axis="desOrSelf" ptType="node"/>
+                  </dgm:if>
+                  <dgm:else name="Name34">
+                    <dgm:presOf/>
+                  </dgm:else>
+                </dgm:choose>
+              </dgm:if>
+              <dgm:else name="Name35">
+                <dgm:choose name="Name36">
+                  <dgm:if name="Name37" axis="root ch" ptType="all node" func="cnt" op="equ" val="2">
+                    <dgm:presOf axis="root ch desOrSelf" ptType="all node node" st="1 2 1" cnt="1 1 0"/>
+                  </dgm:if>
+                  <dgm:else name="Name38">
+                    <dgm:choose name="Name39">
+                      <dgm:if name="Name40" axis="root ch" ptType="all node" func="cnt" op="lte" val="4">
+                        <dgm:presOf axis="desOrSelf" ptType="node"/>
+                      </dgm:if>
+                      <dgm:else name="Name41">
+                        <dgm:presOf/>
+                      </dgm:else>
+                    </dgm:choose>
+                  </dgm:else>
+                </dgm:choose>
+              </dgm:else>
+            </dgm:choose>
+            <dgm:constrLst/>
+            <dgm:ruleLst/>
+          </dgm:layoutNode>
+          <dgm:layoutNode name="circ1Tx" styleLbl="revTx">
+            <dgm:varLst>
+              <dgm:chMax val="0"/>
+              <dgm:chPref val="0"/>
+              <dgm:bulletEnabled val="1"/>
+            </dgm:varLst>
+            <dgm:alg type="tx">
+              <dgm:param type="txAnchorHorzCh" val="ctr"/>
+              <dgm:param type="txAnchorVertCh" val="mid"/>
+            </dgm:alg>
+            <dgm:shape xmlns:r="http://schemas.openxmlformats.org/officeDocument/2006/relationships" type="rect" r:blip="" hideGeom="1">
+              <dgm:adjLst/>
+            </dgm:shape>
+            <dgm:choose name="Name42">
+              <dgm:if name="Name43" func="var" arg="dir" op="equ" val="norm">
+                <dgm:presOf axis="desOrSelf" ptType="node"/>
+              </dgm:if>
+              <dgm:else name="Name44">
+                <dgm:choose name="Name45">
+                  <dgm:if name="Name46" axis="root ch" ptType="all node" func="cnt" op="equ" val="2">
+                    <dgm:presOf axis="root ch desOrSelf" ptType="all node node" st="1 2 1" cnt="1 1 0"/>
+                  </dgm:if>
+                  <dgm:else name="Name47">
+                    <dgm:presOf axis="desOrSelf" ptType="node"/>
+                  </dgm:else>
+                </dgm:choose>
+              </dgm:else>
+            </dgm:choose>
+            <dgm:constrLst>
+              <dgm:constr type="tMarg"/>
+              <dgm:constr type="bMarg"/>
+              <dgm:constr type="lMarg"/>
+              <dgm:constr type="rMarg"/>
+              <dgm:constr type="primFontSz" val="65"/>
+            </dgm:constrLst>
+            <dgm:ruleLst>
+              <dgm:rule type="primFontSz" val="5" fact="NaN" max="NaN"/>
+            </dgm:ruleLst>
+          </dgm:layoutNode>
+        </dgm:else>
+      </dgm:choose>
+    </dgm:forEach>
+    <dgm:forEach name="Name48" axis="ch" ptType="node" st="2" cnt="1">
+      <dgm:layoutNode name="circ2" styleLbl="vennNode1">
+        <dgm:alg type="sp"/>
+        <dgm:shape xmlns:r="http://schemas.openxmlformats.org/officeDocument/2006/relationships" type="ellipse" r:blip="">
+          <dgm:adjLst/>
+        </dgm:shape>
+        <dgm:choose name="Name49">
+          <dgm:if name="Name50" func="var" arg="dir" op="equ" val="norm">
+            <dgm:choose name="Name51">
+              <dgm:if name="Name52" axis="root ch" ptType="all node" func="cnt" op="lte" val="4">
+                <dgm:presOf axis="desOrSelf" ptType="node"/>
+              </dgm:if>
+              <dgm:else name="Name53">
+                <dgm:presOf/>
+              </dgm:else>
+            </dgm:choose>
+          </dgm:if>
+          <dgm:else name="Name54">
+            <dgm:choose name="Name55">
+              <dgm:if name="Name56" axis="root ch" ptType="all node" func="cnt" op="equ" val="2">
+                <dgm:presOf axis="root ch desOrSelf" ptType="all node node" st="1 1 1" cnt="1 1 0"/>
+              </dgm:if>
+              <dgm:if name="Name57" axis="root ch" ptType="all node" func="cnt" op="equ" val="3">
+                <dgm:presOf axis="root ch desOrSelf" ptType="all node node" st="1 3 1" cnt="1 1 0"/>
+              </dgm:if>
+              <dgm:if name="Name58" axis="root ch" ptType="all node" func="cnt" op="equ" val="4">
+                <dgm:presOf axis="root ch desOrSelf" ptType="all node node" st="1 4 1" cnt="1 1 0"/>
+              </dgm:if>
+              <dgm:else name="Name59">
+                <dgm:presOf/>
+              </dgm:else>
+            </dgm:choose>
+          </dgm:else>
+        </dgm:choose>
+        <dgm:constrLst/>
+        <dgm:ruleLst/>
+      </dgm:layoutNode>
+      <dgm:layoutNode name="circ2Tx" styleLbl="revTx">
+        <dgm:varLst>
+          <dgm:chMax val="0"/>
+          <dgm:chPref val="0"/>
+          <dgm:bulletEnabled val="1"/>
+        </dgm:varLst>
+        <dgm:alg type="tx">
+          <dgm:param type="txAnchorHorzCh" val="ctr"/>
+          <dgm:param type="txAnchorVertCh" val="mid"/>
+        </dgm:alg>
+        <dgm:shape xmlns:r="http://schemas.openxmlformats.org/officeDocument/2006/relationships" type="rect" r:blip="" hideGeom="1">
+          <dgm:adjLst/>
+        </dgm:shape>
+        <dgm:choose name="Name60">
+          <dgm:if name="Name61" func="var" arg="dir" op="equ" val="norm">
+            <dgm:presOf axis="desOrSelf" ptType="node"/>
+          </dgm:if>
+          <dgm:else name="Name62">
+            <dgm:choose name="Name63">
+              <dgm:if name="Name64" axis="root ch" ptType="all node" func="cnt" op="equ" val="2">
+                <dgm:presOf axis="root ch desOrSelf" ptType="all node node" st="1 1 1" cnt="1 1 0"/>
+              </dgm:if>
+              <dgm:if name="Name65" axis="root ch" ptType="all node" func="cnt" op="equ" val="3">
+                <dgm:presOf axis="root ch desOrSelf" ptType="all node node" st="1 3 1" cnt="1 1 0"/>
+              </dgm:if>
+              <dgm:if name="Name66" axis="root ch" ptType="all node" func="cnt" op="equ" val="4">
+                <dgm:presOf axis="root ch desOrSelf" ptType="all node node" st="1 4 1" cnt="1 1 0"/>
+              </dgm:if>
+              <dgm:if name="Name67" axis="root ch" ptType="all node" func="cnt" op="equ" val="5">
+                <dgm:presOf axis="root ch desOrSelf" ptType="all node node" st="1 5 1" cnt="1 1 0"/>
+              </dgm:if>
+              <dgm:if name="Name68" axis="root ch" ptType="all node" func="cnt" op="equ" val="6">
+                <dgm:presOf axis="root ch desOrSelf" ptType="all node node" st="1 6 1" cnt="1 1 0"/>
+              </dgm:if>
+              <dgm:else name="Name69">
+                <dgm:presOf axis="root ch desOrSelf" ptType="all node node" st="1 7 1" cnt="1 1 0"/>
+              </dgm:else>
+            </dgm:choose>
+          </dgm:else>
+        </dgm:choose>
+        <dgm:constrLst>
+          <dgm:constr type="tMarg"/>
+          <dgm:constr type="bMarg"/>
+          <dgm:constr type="lMarg"/>
+          <dgm:constr type="rMarg"/>
+          <dgm:constr type="primFontSz" val="65"/>
+        </dgm:constrLst>
+        <dgm:ruleLst>
+          <dgm:rule type="primFontSz" val="5" fact="NaN" max="NaN"/>
+        </dgm:ruleLst>
+      </dgm:layoutNode>
+    </dgm:forEach>
+    <dgm:forEach name="Name70" axis="ch" ptType="node" st="3" cnt="1">
+      <dgm:layoutNode name="circ3" styleLbl="vennNode1">
+        <dgm:alg type="sp"/>
+        <dgm:shape xmlns:r="http://schemas.openxmlformats.org/officeDocument/2006/relationships" type="ellipse" r:blip="">
+          <dgm:adjLst/>
+        </dgm:shape>
+        <dgm:choose name="Name71">
+          <dgm:if name="Name72" func="var" arg="dir" op="equ" val="norm">
+            <dgm:choose name="Name73">
+              <dgm:if name="Name74" axis="root ch" ptType="all node" func="cnt" op="lte" val="4">
+                <dgm:presOf axis="desOrSelf" ptType="node"/>
+              </dgm:if>
+              <dgm:else name="Name75">
+                <dgm:presOf/>
+              </dgm:else>
+            </dgm:choose>
+          </dgm:if>
+          <dgm:else name="Name76">
+            <dgm:choose name="Name77">
+              <dgm:if name="Name78" axis="root ch" ptType="all node" func="cnt" op="equ" val="3">
+                <dgm:presOf axis="root ch desOrSelf" ptType="all node node" st="1 2 1" cnt="1 1 0"/>
+              </dgm:if>
+              <dgm:if name="Name79" axis="root ch" ptType="all node" func="cnt" op="equ" val="4">
+                <dgm:presOf axis="root ch desOrSelf" ptType="all node node" st="1 3 1" cnt="1 1 0"/>
+              </dgm:if>
+              <dgm:else name="Name80">
+                <dgm:presOf/>
+              </dgm:else>
+            </dgm:choose>
+          </dgm:else>
+        </dgm:choose>
+        <dgm:constrLst/>
+        <dgm:ruleLst/>
+      </dgm:layoutNode>
+      <dgm:layoutNode name="circ3Tx" styleLbl="revTx">
+        <dgm:varLst>
+          <dgm:chMax val="0"/>
+          <dgm:chPref val="0"/>
+          <dgm:bulletEnabled val="1"/>
+        </dgm:varLst>
+        <dgm:alg type="tx">
+          <dgm:param type="txAnchorHorzCh" val="ctr"/>
+          <dgm:param type="txAnchorVertCh" val="mid"/>
+        </dgm:alg>
+        <dgm:shape xmlns:r="http://schemas.openxmlformats.org/officeDocument/2006/relationships" type="rect" r:blip="" hideGeom="1">
+          <dgm:adjLst/>
+        </dgm:shape>
+        <dgm:choose name="Name81">
+          <dgm:if name="Name82" func="var" arg="dir" op="equ" val="norm">
+            <dgm:presOf axis="desOrSelf" ptType="node"/>
+          </dgm:if>
+          <dgm:else name="Name83">
+            <dgm:choose name="Name84">
+              <dgm:if name="Name85" axis="root ch" ptType="all node" func="cnt" op="equ" val="3">
+                <dgm:presOf axis="root ch desOrSelf" ptType="all node node" st="1 2 1" cnt="1 1 0"/>
+              </dgm:if>
+              <dgm:if name="Name86" axis="root ch" ptType="all node" func="cnt" op="equ" val="4">
+                <dgm:presOf axis="root ch desOrSelf" ptType="all node node" st="1 3 1" cnt="1 1 0"/>
+              </dgm:if>
+              <dgm:if name="Name87" axis="root ch" ptType="all node" func="cnt" op="equ" val="5">
+                <dgm:presOf axis="root ch desOrSelf" ptType="all node node" st="1 4 1" cnt="1 1 0"/>
+              </dgm:if>
+              <dgm:if name="Name88" axis="root ch" ptType="all node" func="cnt" op="equ" val="6">
+                <dgm:presOf axis="root ch desOrSelf" ptType="all node node" st="1 5 1" cnt="1 1 0"/>
+              </dgm:if>
+              <dgm:else name="Name89">
+                <dgm:presOf axis="root ch desOrSelf" ptType="all node node" st="1 6 1" cnt="1 1 0"/>
+              </dgm:else>
+            </dgm:choose>
+          </dgm:else>
+        </dgm:choose>
+        <dgm:constrLst>
+          <dgm:constr type="tMarg"/>
+          <dgm:constr type="bMarg"/>
+          <dgm:constr type="lMarg"/>
+          <dgm:constr type="rMarg"/>
+          <dgm:constr type="primFontSz" val="65"/>
+        </dgm:constrLst>
+        <dgm:ruleLst>
+          <dgm:rule type="primFontSz" val="5" fact="NaN" max="NaN"/>
+        </dgm:ruleLst>
+      </dgm:layoutNode>
+    </dgm:forEach>
+    <dgm:forEach name="Name90" axis="ch" ptType="node" st="4" cnt="1">
+      <dgm:layoutNode name="circ4" styleLbl="vennNode1">
+        <dgm:alg type="sp"/>
+        <dgm:shape xmlns:r="http://schemas.openxmlformats.org/officeDocument/2006/relationships" type="ellipse" r:blip="">
+          <dgm:adjLst/>
+        </dgm:shape>
+        <dgm:choose name="Name91">
+          <dgm:if name="Name92" func="var" arg="dir" op="equ" val="norm">
+            <dgm:choose name="Name93">
+              <dgm:if name="Name94" axis="root ch" ptType="all node" func="cnt" op="lte" val="4">
+                <dgm:presOf axis="desOrSelf" ptType="node"/>
+              </dgm:if>
+              <dgm:else name="Name95">
+                <dgm:presOf/>
+              </dgm:else>
+            </dgm:choose>
+          </dgm:if>
+          <dgm:else name="Name96">
+            <dgm:choose name="Name97">
+              <dgm:if name="Name98" axis="root ch" ptType="all node" func="cnt" op="equ" val="4">
+                <dgm:presOf axis="root ch desOrSelf" ptType="all node node" st="1 2 1" cnt="1 1 0"/>
+              </dgm:if>
+              <dgm:else name="Name99">
+                <dgm:presOf/>
+              </dgm:else>
+            </dgm:choose>
+          </dgm:else>
+        </dgm:choose>
+        <dgm:constrLst/>
+        <dgm:ruleLst/>
+      </dgm:layoutNode>
+      <dgm:layoutNode name="circ4Tx" styleLbl="revTx">
+        <dgm:varLst>
+          <dgm:chMax val="0"/>
+          <dgm:chPref val="0"/>
+          <dgm:bulletEnabled val="1"/>
+        </dgm:varLst>
+        <dgm:alg type="tx">
+          <dgm:param type="txAnchorHorzCh" val="ctr"/>
+          <dgm:param type="txAnchorVertCh" val="mid"/>
+        </dgm:alg>
+        <dgm:shape xmlns:r="http://schemas.openxmlformats.org/officeDocument/2006/relationships" type="rect" r:blip="" hideGeom="1">
+          <dgm:adjLst/>
+        </dgm:shape>
+        <dgm:choose name="Name100">
+          <dgm:if name="Name101" func="var" arg="dir" op="equ" val="norm">
+            <dgm:presOf axis="desOrSelf" ptType="node"/>
+          </dgm:if>
+          <dgm:else name="Name102">
+            <dgm:choose name="Name103">
+              <dgm:if name="Name104" axis="root ch" ptType="all node" func="cnt" op="equ" val="4">
+                <dgm:presOf axis="root ch desOrSelf" ptType="all node node" st="1 2 1" cnt="1 1 0"/>
+              </dgm:if>
+              <dgm:if name="Name105" axis="root ch" ptType="all node" func="cnt" op="equ" val="5">
+                <dgm:presOf axis="root ch desOrSelf" ptType="all node node" st="1 3 1" cnt="1 1 0"/>
+              </dgm:if>
+              <dgm:if name="Name106" axis="root ch" ptType="all node" func="cnt" op="equ" val="6">
+                <dgm:presOf axis="root ch desOrSelf" ptType="all node node" st="1 4 1" cnt="1 1 0"/>
+              </dgm:if>
+              <dgm:else name="Name107">
+                <dgm:presOf axis="root ch desOrSelf" ptType="all node node" st="1 5 1" cnt="1 1 0"/>
+              </dgm:else>
+            </dgm:choose>
+          </dgm:else>
+        </dgm:choose>
+        <dgm:constrLst>
+          <dgm:constr type="tMarg"/>
+          <dgm:constr type="bMarg"/>
+          <dgm:constr type="lMarg"/>
+          <dgm:constr type="rMarg"/>
+          <dgm:constr type="primFontSz" val="65"/>
+        </dgm:constrLst>
+        <dgm:ruleLst>
+          <dgm:rule type="primFontSz" val="5" fact="NaN" max="NaN"/>
+        </dgm:ruleLst>
+      </dgm:layoutNode>
+    </dgm:forEach>
+    <dgm:forEach name="Name108" axis="ch" ptType="node" st="5" cnt="1">
+      <dgm:layoutNode name="circ5" styleLbl="vennNode1">
+        <dgm:alg type="sp"/>
+        <dgm:shape xmlns:r="http://schemas.openxmlformats.org/officeDocument/2006/relationships" type="ellipse" r:blip="">
+          <dgm:adjLst/>
+        </dgm:shape>
+        <dgm:presOf/>
+        <dgm:constrLst/>
+        <dgm:ruleLst/>
+      </dgm:layoutNode>
+      <dgm:layoutNode name="circ5Tx" styleLbl="revTx">
+        <dgm:varLst>
+          <dgm:chMax val="0"/>
+          <dgm:chPref val="0"/>
+          <dgm:bulletEnabled val="1"/>
+        </dgm:varLst>
+        <dgm:alg type="tx">
+          <dgm:param type="txAnchorHorzCh" val="ctr"/>
+          <dgm:param type="txAnchorVertCh" val="mid"/>
+        </dgm:alg>
+        <dgm:shape xmlns:r="http://schemas.openxmlformats.org/officeDocument/2006/relationships" type="rect" r:blip="" hideGeom="1">
+          <dgm:adjLst/>
+        </dgm:shape>
+        <dgm:choose name="Name109">
+          <dgm:if name="Name110" func="var" arg="dir" op="equ" val="norm">
+            <dgm:presOf axis="desOrSelf" ptType="node"/>
+          </dgm:if>
+          <dgm:else name="Name111">
+            <dgm:choose name="Name112">
+              <dgm:if name="Name113" axis="root ch" ptType="all node" func="cnt" op="equ" val="5">
+                <dgm:presOf axis="root ch desOrSelf" ptType="all node node" st="1 2 1" cnt="1 1 0"/>
+              </dgm:if>
+              <dgm:if name="Name114" axis="root ch" ptType="all node" func="cnt" op="equ" val="6">
+                <dgm:presOf axis="root ch desOrSelf" ptType="all node node" st="1 3 1" cnt="1 1 0"/>
+              </dgm:if>
+              <dgm:else name="Name115">
+                <dgm:presOf axis="root ch desOrSelf" ptType="all node node" st="1 4 1" cnt="1 1 0"/>
+              </dgm:else>
+            </dgm:choose>
+          </dgm:else>
+        </dgm:choose>
+        <dgm:constrLst>
+          <dgm:constr type="tMarg"/>
+          <dgm:constr type="bMarg"/>
+          <dgm:constr type="lMarg"/>
+          <dgm:constr type="rMarg"/>
+          <dgm:constr type="primFontSz" val="65"/>
+        </dgm:constrLst>
+        <dgm:ruleLst>
+          <dgm:rule type="primFontSz" val="5" fact="NaN" max="NaN"/>
+        </dgm:ruleLst>
+      </dgm:layoutNode>
+    </dgm:forEach>
+    <dgm:forEach name="Name116" axis="ch" ptType="node" st="6" cnt="1">
+      <dgm:layoutNode name="circ6" styleLbl="vennNode1">
+        <dgm:alg type="sp"/>
+        <dgm:shape xmlns:r="http://schemas.openxmlformats.org/officeDocument/2006/relationships" type="ellipse" r:blip="">
+          <dgm:adjLst/>
+        </dgm:shape>
+        <dgm:presOf/>
+        <dgm:constrLst/>
+        <dgm:ruleLst/>
+      </dgm:layoutNode>
+      <dgm:layoutNode name="circ6Tx" styleLbl="revTx">
+        <dgm:varLst>
+          <dgm:chMax val="0"/>
+          <dgm:chPref val="0"/>
+          <dgm:bulletEnabled val="1"/>
+        </dgm:varLst>
+        <dgm:alg type="tx">
+          <dgm:param type="txAnchorHorzCh" val="ctr"/>
+          <dgm:param type="txAnchorVertCh" val="mid"/>
+        </dgm:alg>
+        <dgm:shape xmlns:r="http://schemas.openxmlformats.org/officeDocument/2006/relationships" type="rect" r:blip="" hideGeom="1">
+          <dgm:adjLst/>
+        </dgm:shape>
+        <dgm:choose name="Name117">
+          <dgm:if name="Name118" func="var" arg="dir" op="equ" val="norm">
+            <dgm:presOf axis="desOrSelf" ptType="node"/>
+          </dgm:if>
+          <dgm:else name="Name119">
+            <dgm:choose name="Name120">
+              <dgm:if name="Name121" axis="root ch" ptType="all node" func="cnt" op="equ" val="6">
+                <dgm:presOf axis="root ch desOrSelf" ptType="all node node" st="1 2 1" cnt="1 1 0"/>
+              </dgm:if>
+              <dgm:else name="Name122">
+                <dgm:presOf axis="root ch desOrSelf" ptType="all node node" st="1 3 1" cnt="1 1 0"/>
+              </dgm:else>
+            </dgm:choose>
+          </dgm:else>
+        </dgm:choose>
+        <dgm:constrLst>
+          <dgm:constr type="tMarg"/>
+          <dgm:constr type="bMarg"/>
+          <dgm:constr type="lMarg"/>
+          <dgm:constr type="rMarg"/>
+          <dgm:constr type="primFontSz" val="65"/>
+        </dgm:constrLst>
+        <dgm:ruleLst>
+          <dgm:rule type="primFontSz" val="5" fact="NaN" max="NaN"/>
+        </dgm:ruleLst>
+      </dgm:layoutNode>
+    </dgm:forEach>
+    <dgm:forEach name="Name123" axis="ch" ptType="node" st="7" cnt="1">
+      <dgm:layoutNode name="circ7" styleLbl="vennNode1">
+        <dgm:alg type="sp"/>
+        <dgm:shape xmlns:r="http://schemas.openxmlformats.org/officeDocument/2006/relationships" type="ellipse" r:blip="">
+          <dgm:adjLst/>
+        </dgm:shape>
+        <dgm:presOf/>
+        <dgm:constrLst/>
+        <dgm:ruleLst/>
+      </dgm:layoutNode>
+      <dgm:layoutNode name="circ7Tx" styleLbl="revTx">
+        <dgm:varLst>
+          <dgm:chMax val="0"/>
+          <dgm:chPref val="0"/>
+          <dgm:bulletEnabled val="1"/>
+        </dgm:varLst>
+        <dgm:alg type="tx">
+          <dgm:param type="txAnchorHorzCh" val="ctr"/>
+          <dgm:param type="txAnchorVertCh" val="mid"/>
+        </dgm:alg>
+        <dgm:shape xmlns:r="http://schemas.openxmlformats.org/officeDocument/2006/relationships" type="rect" r:blip="" hideGeom="1">
+          <dgm:adjLst/>
+        </dgm:shape>
+        <dgm:choose name="Name124">
+          <dgm:if name="Name125" func="var" arg="dir" op="equ" val="norm">
+            <dgm:presOf axis="desOrSelf" ptType="node"/>
+          </dgm:if>
+          <dgm:else name="Name126">
+            <dgm:presOf axis="root ch desOrSelf" ptType="all node node" st="1 2 1" cnt="1 1 0"/>
+          </dgm:else>
+        </dgm:choose>
+        <dgm:constrLst>
+          <dgm:constr type="tMarg"/>
+          <dgm:constr type="bMarg"/>
+          <dgm:constr type="lMarg"/>
+          <dgm:constr type="rMarg"/>
+          <dgm:constr type="primFontSz" val="65"/>
+        </dgm:constrLst>
+        <dgm:ruleLst>
+          <dgm:rule type="primFontSz" val="5" fact="NaN" max="NaN"/>
+        </dgm:ruleLst>
+      </dgm:layoutNode>
+    </dgm:forEach>
+  </dgm:layoutNode>
+</dgm:layoutDef>
+</file>
+
+<file path=ppt/diagrams/layout2.xml><?xml version="1.0" encoding="utf-8"?>
+<dgm:layoutDef xmlns:dgm="http://schemas.openxmlformats.org/drawingml/2006/diagram" xmlns:a="http://schemas.openxmlformats.org/drawingml/2006/main" uniqueId="urn:microsoft.com/office/officeart/2005/8/layout/radial2">
+  <dgm:title val=""/>
+  <dgm:desc val=""/>
+  <dgm:catLst>
+    <dgm:cat type="relationship" pri="20000"/>
+    <dgm:cat type="convert" pri="9000"/>
+  </dgm:catLst>
+  <dgm:sampData>
+    <dgm:dataModel>
+      <dgm:ptLst>
+        <dgm:pt modelId="0" type="doc"/>
+        <dgm:pt modelId="1">
+          <dgm:prSet phldr="1"/>
+        </dgm:pt>
+        <dgm:pt modelId="11">
+          <dgm:prSet phldr="1"/>
+        </dgm:pt>
+        <dgm:pt modelId="12">
+          <dgm:prSet phldr="1"/>
+        </dgm:pt>
+        <dgm:pt modelId="2">
+          <dgm:prSet phldr="1"/>
+        </dgm:pt>
+        <dgm:pt modelId="21">
+          <dgm:prSet phldr="1"/>
+        </dgm:pt>
+        <dgm:pt modelId="22">
+          <dgm:prSet phldr="1"/>
+        </dgm:pt>
+        <dgm:pt modelId="3">
+          <dgm:prSet phldr="1"/>
+        </dgm:pt>
+        <dgm:pt modelId="31">
+          <dgm:prSet phldr="1"/>
+        </dgm:pt>
+        <dgm:pt modelId="32">
+          <dgm:prSet phldr="1"/>
+        </dgm:pt>
+      </dgm:ptLst>
+      <dgm:cxnLst>
+        <dgm:cxn modelId="4" srcId="0" destId="1" srcOrd="0" destOrd="0"/>
+        <dgm:cxn modelId="5" srcId="0" destId="2" srcOrd="1" destOrd="0"/>
+        <dgm:cxn modelId="6" srcId="0" destId="3" srcOrd="2" destOrd="0"/>
+        <dgm:cxn modelId="13" srcId="1" destId="11" srcOrd="0" destOrd="0"/>
+        <dgm:cxn modelId="14" srcId="1" destId="12" srcOrd="1" destOrd="0"/>
+        <dgm:cxn modelId="23" srcId="2" destId="21" srcOrd="0" destOrd="0"/>
+        <dgm:cxn modelId="24" srcId="2" destId="22" srcOrd="1" destOrd="0"/>
+        <dgm:cxn modelId="33" srcId="3" destId="31" srcOrd="0" destOrd="0"/>
+        <dgm:cxn modelId="34" srcId="3" destId="32" srcOrd="1" destOrd="0"/>
+      </dgm:cxnLst>
+      <dgm:bg/>
+      <dgm:whole/>
+    </dgm:dataModel>
+  </dgm:sampData>
+  <dgm:styleData>
+    <dgm:dataModel>
+      <dgm:ptLst>
+        <dgm:pt modelId="0" type="doc"/>
+        <dgm:pt modelId="1"/>
+        <dgm:pt modelId="2"/>
+      </dgm:ptLst>
+      <dgm:cxnLst>
+        <dgm:cxn modelId="3" srcId="0" destId="1" srcOrd="0" destOrd="0"/>
+        <dgm:cxn modelId="4" srcId="0" destId="2" srcOrd="1" destOrd="0"/>
+      </dgm:cxnLst>
+      <dgm:bg/>
+      <dgm:whole/>
+    </dgm:dataModel>
+  </dgm:styleData>
+  <dgm:clrData>
+    <dgm:dataModel>
+      <dgm:ptLst>
+        <dgm:pt modelId="0" type="doc"/>
+        <dgm:pt modelId="1"/>
+        <dgm:pt modelId="2"/>
+        <dgm:pt modelId="3"/>
+        <dgm:pt modelId="4"/>
+      </dgm:ptLst>
+      <dgm:cxnLst>
+        <dgm:cxn modelId="5" srcId="0" destId="1" srcOrd="0" destOrd="0"/>
+        <dgm:cxn modelId="6" srcId="0" destId="2" srcOrd="1" destOrd="0"/>
+        <dgm:cxn modelId="7" srcId="0" destId="3" srcOrd="2" destOrd="0"/>
+        <dgm:cxn modelId="8" srcId="0" destId="4" srcOrd="3" destOrd="0"/>
+      </dgm:cxnLst>
+      <dgm:bg/>
+      <dgm:whole/>
+    </dgm:dataModel>
+  </dgm:clrData>
+  <dgm:layoutNode name="composite">
+    <dgm:varLst>
+      <dgm:chMax val="5"/>
+      <dgm:dir/>
+      <dgm:animLvl val="ctr"/>
+      <dgm:resizeHandles val="exact"/>
+    </dgm:varLst>
+    <dgm:alg type="composite"/>
+    <dgm:shape xmlns:r="http://schemas.openxmlformats.org/officeDocument/2006/relationships" r:blip="">
+      <dgm:adjLst/>
+    </dgm:shape>
+    <dgm:presOf/>
+    <dgm:constrLst>
+      <dgm:constr type="w" for="ch" forName="cycle" refType="w"/>
+      <dgm:constr type="h" for="ch" forName="cycle" refType="h"/>
+    </dgm:constrLst>
+    <dgm:ruleLst/>
+    <dgm:layoutNode name="cycle">
+      <dgm:choose name="Name0">
+        <dgm:if name="Name1" func="var" arg="dir" op="equ" val="norm">
+          <dgm:choose name="Name2">
+            <dgm:if name="Name3" axis="ch" ptType="node" func="cnt" op="lte" val="1">
+              <dgm:alg type="cycle">
+                <dgm:param type="stAng" val="90"/>
+                <dgm:param type="spanAng" val="360"/>
+                <dgm:param type="ctrShpMap" val="fNode"/>
+              </dgm:alg>
+            </dgm:if>
+            <dgm:if name="Name4" axis="ch" ptType="node" func="cnt" op="equ" val="2">
+              <dgm:alg type="cycle">
+                <dgm:param type="stAng" val="70"/>
+                <dgm:param type="spanAng" val="40"/>
+                <dgm:param type="ctrShpMap" val="fNode"/>
+              </dgm:alg>
+            </dgm:if>
+            <dgm:if name="Name5" axis="ch" ptType="node" func="cnt" op="equ" val="3">
+              <dgm:alg type="cycle">
+                <dgm:param type="stAng" val="60"/>
+                <dgm:param type="spanAng" val="60"/>
+                <dgm:param type="ctrShpMap" val="fNode"/>
+              </dgm:alg>
+            </dgm:if>
+            <dgm:else name="Name6">
+              <dgm:alg type="cycle">
+                <dgm:param type="stAng" val="45"/>
+                <dgm:param type="spanAng" val="90"/>
+                <dgm:param type="ctrShpMap" val="fNode"/>
+              </dgm:alg>
+            </dgm:else>
+          </dgm:choose>
+        </dgm:if>
+        <dgm:else name="Name7">
+          <dgm:choose name="Name8">
+            <dgm:if name="Name9" axis="ch" ptType="node" func="cnt" op="lte" val="1">
+              <dgm:alg type="cycle">
+                <dgm:param type="stAng" val="-90"/>
+                <dgm:param type="spanAng" val="-360"/>
+                <dgm:param type="ctrShpMap" val="fNode"/>
+              </dgm:alg>
+            </dgm:if>
+            <dgm:if name="Name10" axis="ch" ptType="node" func="cnt" op="equ" val="2">
+              <dgm:alg type="cycle">
+                <dgm:param type="stAng" val="-70"/>
+                <dgm:param type="spanAng" val="-40"/>
+                <dgm:param type="ctrShpMap" val="fNode"/>
+              </dgm:alg>
+            </dgm:if>
+            <dgm:if name="Name11" axis="ch" ptType="node" func="cnt" op="equ" val="3">
+              <dgm:alg type="cycle">
+                <dgm:param type="stAng" val="-60"/>
+                <dgm:param type="spanAng" val="-60"/>
+                <dgm:param type="ctrShpMap" val="fNode"/>
+              </dgm:alg>
+            </dgm:if>
+            <dgm:else name="Name12">
+              <dgm:alg type="cycle">
+                <dgm:param type="stAng" val="-45"/>
+                <dgm:param type="spanAng" val="-90"/>
+                <dgm:param type="ctrShpMap" val="fNode"/>
+              </dgm:alg>
+            </dgm:else>
+          </dgm:choose>
+        </dgm:else>
+      </dgm:choose>
+      <dgm:shape xmlns:r="http://schemas.openxmlformats.org/officeDocument/2006/relationships" r:blip="">
+        <dgm:adjLst/>
+      </dgm:shape>
+      <dgm:presOf/>
+      <dgm:constrLst>
+        <dgm:constr type="sp" val="20"/>
+        <dgm:constr type="w" for="ch" forName="centerShape" refType="w"/>
+        <dgm:constr type="w" for="ch" forName="node" refType="w" refFor="ch" refForName="centerShape" fact="1.5"/>
+        <dgm:constr type="sibSp" refType="w" refFor="ch" refForName="centerShape" op="equ" fact="0.08"/>
+        <dgm:constr type="primFontSz" for="des" forName="parentNode" op="equ" val="65"/>
+        <dgm:constr type="secFontSz" for="des" forName="childNode" op="equ" val="65"/>
+      </dgm:constrLst>
+      <dgm:ruleLst/>
+      <dgm:choose name="Name13">
+        <dgm:if name="Name14" axis="ch" ptType="node" hideLastTrans="0" func="cnt" op="gte" val="1">
+          <dgm:layoutNode name="centerShape" styleLbl="node0">
+            <dgm:alg type="composite"/>
+            <dgm:shape xmlns:r="http://schemas.openxmlformats.org/officeDocument/2006/relationships" r:blip="">
+              <dgm:adjLst/>
+            </dgm:shape>
+            <dgm:presOf axis="ch" ptType="node" cnt="1"/>
+            <dgm:constrLst>
+              <dgm:constr type="w" for="ch" forName="connSite" refType="w" fact="0.7"/>
+              <dgm:constr type="h" for="ch" forName="connSite" refType="w" fact="0.7"/>
+              <dgm:constr type="ctrX" for="ch" forName="connSite" refType="w" fact="0.5"/>
+              <dgm:constr type="ctrY" for="ch" forName="connSite" refType="h" fact="0.5"/>
+              <dgm:constr type="w" for="ch" forName="visible" refType="w"/>
+              <dgm:constr type="h" for="ch" forName="visible" refType="w"/>
+              <dgm:constr type="ctrX" for="ch" forName="visible" refType="w" fact="0.5"/>
+              <dgm:constr type="ctrY" for="ch" forName="visible" refType="h" fact="0.5"/>
+            </dgm:constrLst>
+            <dgm:ruleLst/>
+            <dgm:layoutNode name="connSite">
+              <dgm:alg type="sp"/>
+              <dgm:shape xmlns:r="http://schemas.openxmlformats.org/officeDocument/2006/relationships" type="ellipse" r:blip="" hideGeom="1">
+                <dgm:adjLst/>
+              </dgm:shape>
+              <dgm:presOf/>
+              <dgm:constrLst/>
+              <dgm:ruleLst/>
+            </dgm:layoutNode>
+            <dgm:layoutNode name="visible">
+              <dgm:alg type="sp"/>
+              <dgm:shape xmlns:r="http://schemas.openxmlformats.org/officeDocument/2006/relationships" type="ellipse" r:blip="" blipPhldr="1">
+                <dgm:adjLst/>
+              </dgm:shape>
+              <dgm:presOf/>
+              <dgm:constrLst/>
+              <dgm:ruleLst/>
+            </dgm:layoutNode>
+          </dgm:layoutNode>
+        </dgm:if>
+        <dgm:else name="Name15"/>
+      </dgm:choose>
+      <dgm:forEach name="Name16" axis="ch">
+        <dgm:forEach name="Name17" axis="self" ptType="node">
+          <dgm:layoutNode name="node">
+            <dgm:alg type="composite"/>
+            <dgm:shape xmlns:r="http://schemas.openxmlformats.org/officeDocument/2006/relationships" r:blip="">
+              <dgm:adjLst/>
+            </dgm:shape>
+            <dgm:presOf/>
+            <dgm:choose name="Name18">
+              <dgm:if name="Name19" func="var" arg="dir" op="equ" val="norm">
+                <dgm:constrLst>
+                  <dgm:constr type="t" for="ch" forName="parentNode"/>
+                  <dgm:constr type="l" for="ch" forName="parentNode"/>
+                  <dgm:constr type="w" for="ch" forName="parentNode" refType="w" fact="0.4"/>
+                  <dgm:constr type="h" for="ch" forName="parentNode" refType="w" refFor="ch" refForName="parentNode" op="equ"/>
+                  <dgm:constr type="ctrY" for="ch" forName="childNode" refType="h" refFor="ch" refForName="parentNode" fact="0.5"/>
+                  <dgm:constr type="l" for="ch" forName="childNode" refType="w" refFor="ch" refForName="parentNode" op="equ" fact="1.1"/>
+                  <dgm:constr type="w" for="ch" forName="childNode" refType="w" fact="0.6"/>
+                  <dgm:constr type="h" for="ch" forName="childNode" refType="h" refFor="ch" refForName="parentNode"/>
+                </dgm:constrLst>
+              </dgm:if>
+              <dgm:else name="Name20">
+                <dgm:constrLst>
+                  <dgm:constr type="t" for="ch" forName="parentNode"/>
+                  <dgm:constr type="r" for="ch" forName="parentNode" refType="w"/>
+                  <dgm:constr type="w" for="ch" forName="parentNode" refType="w" fact="0.4"/>
+                  <dgm:constr type="h" for="ch" forName="parentNode" refType="w" refFor="ch" refForName="parentNode" op="equ"/>
+                  <dgm:constr type="ctrY" for="ch" forName="childNode" refType="h" refFor="ch" refForName="parentNode" fact="0.5"/>
+                  <dgm:constr type="l" for="ch" forName="childNode"/>
+                  <dgm:constr type="w" for="ch" forName="childNode" refType="w" fact="0.6"/>
+                  <dgm:constr type="h" for="ch" forName="childNode" refType="h" refFor="ch" refForName="parentNode"/>
+                </dgm:constrLst>
+              </dgm:else>
+            </dgm:choose>
+            <dgm:ruleLst/>
+            <dgm:layoutNode name="parentNode" styleLbl="node1">
+              <dgm:varLst>
+                <dgm:chMax val="1"/>
+                <dgm:bulletEnabled val="1"/>
+              </dgm:varLst>
+              <dgm:alg type="tx"/>
+              <dgm:shape xmlns:r="http://schemas.openxmlformats.org/officeDocument/2006/relationships" type="ellipse" r:blip="">
+                <dgm:adjLst/>
+              </dgm:shape>
+              <dgm:presOf axis="self"/>
+              <dgm:constrLst>
+                <dgm:constr type="tMarg" refType="primFontSz" fact="0.05"/>
+                <dgm:constr type="bMarg" refType="primFontSz" fact="0.05"/>
+                <dgm:constr type="lMarg" refType="primFontSz" fact="0.05"/>
+                <dgm:constr type="rMarg" refType="primFontSz" fact="0.05"/>
+              </dgm:constrLst>
+              <dgm:ruleLst>
+                <dgm:rule type="primFontSz" val="5" fact="NaN" max="NaN"/>
+              </dgm:ruleLst>
+            </dgm:layoutNode>
+            <dgm:layoutNode name="childNode" styleLbl="revTx" moveWith="parentNode">
+              <dgm:varLst>
+                <dgm:bulletEnabled val="1"/>
+              </dgm:varLst>
+              <dgm:alg type="tx">
+                <dgm:param type="txAnchorVertCh" val="mid"/>
+                <dgm:param type="stBulletLvl" val="1"/>
+              </dgm:alg>
+              <dgm:choose name="Name21">
+                <dgm:if name="Name22" axis="ch" ptType="node" func="cnt" op="gte" val="1">
+                  <dgm:shape xmlns:r="http://schemas.openxmlformats.org/officeDocument/2006/relationships" type="rect" r:blip="">
+                    <dgm:adjLst/>
+                  </dgm:shape>
+                </dgm:if>
+                <dgm:else name="Name23">
+                  <dgm:shape xmlns:r="http://schemas.openxmlformats.org/officeDocument/2006/relationships" type="rect" r:blip="" hideGeom="1">
+                    <dgm:adjLst/>
+                  </dgm:shape>
+                </dgm:else>
+              </dgm:choose>
+              <dgm:presOf axis="des" ptType="node"/>
+              <dgm:constrLst>
+                <dgm:constr type="tMarg"/>
+                <dgm:constr type="bMarg"/>
+                <dgm:constr type="lMarg"/>
+                <dgm:constr type="rMarg"/>
+              </dgm:constrLst>
+              <dgm:ruleLst>
+                <dgm:rule type="secFontSz" val="5" fact="NaN" max="NaN"/>
+              </dgm:ruleLst>
+            </dgm:layoutNode>
+          </dgm:layoutNode>
+        </dgm:forEach>
+        <dgm:forEach name="Name24" axis="self" ptType="parTrans" cnt="1">
+          <dgm:layoutNode name="Name25">
+            <dgm:alg type="conn">
+              <dgm:param type="dim" val="1D"/>
+              <dgm:param type="endSty" val="noArr"/>
+              <dgm:param type="begPts" val="auto"/>
+              <dgm:param type="endPts" val="auto"/>
+              <dgm:param type="srcNode" val="connSite"/>
+              <dgm:param type="dstNode" val="parentNode"/>
+            </dgm:alg>
+            <dgm:shape xmlns:r="http://schemas.openxmlformats.org/officeDocument/2006/relationships" type="conn" r:blip="" zOrderOff="-99">
+              <dgm:adjLst/>
+            </dgm:shape>
+            <dgm:presOf axis="self"/>
+            <dgm:constrLst>
+              <dgm:constr type="connDist"/>
+              <dgm:constr type="w" val="1"/>
+              <dgm:constr type="h" val="5"/>
+              <dgm:constr type="begPad"/>
+              <dgm:constr type="endPad"/>
+            </dgm:constrLst>
+            <dgm:ruleLst/>
+          </dgm:layoutNode>
+        </dgm:forEach>
+      </dgm:forEach>
+    </dgm:layoutNode>
+  </dgm:layoutNode>
+</dgm:layoutDef>
+</file>
+
+<file path=ppt/diagrams/quickStyle1.xml><?xml version="1.0" encoding="utf-8"?>
+<dgm:styleDef xmlns:dgm="http://schemas.openxmlformats.org/drawingml/2006/diagram" xmlns:a="http://schemas.openxmlformats.org/drawingml/2006/main" uniqueId="urn:microsoft.com/office/officeart/2005/8/quickstyle/simple1">
+  <dgm:title val=""/>
+  <dgm:desc val=""/>
+  <dgm:catLst>
+    <dgm:cat type="simple" pri="10100"/>
+  </dgm:catLst>
+  <dgm:scene3d>
+    <a:camera prst="orthographicFront"/>
+    <a:lightRig rig="threePt" dir="t"/>
+  </dgm:scene3d>
+  <dgm:styleLbl name="node0">
+    <dgm:scene3d>
+      <a:camera prst="orthographicFront"/>
+      <a:lightRig rig="threePt" dir="t"/>
+    </dgm:scene3d>
+    <dgm:sp3d/>
+    <dgm:txPr/>
+    <dgm:style>
+      <a:lnRef idx="2">
+        <a:scrgbClr r="0" g="0" b="0"/>
+      </a:lnRef>
+      <a:fillRef idx="1">
+        <a:scrgbClr r="0" g="0" b="0"/>
+      </a:fillRef>
+      <a:effectRef idx="0">
+        <a:scrgbClr r="0" g="0" b="0"/>
+      </a:effectRef>
+      <a:fontRef idx="minor">
+        <a:schemeClr val="lt1"/>
+      </a:fontRef>
+    </dgm:style>
+  </dgm:styleLbl>
+  <dgm:styleLbl name="lnNode1">
+    <dgm:scene3d>
+      <a:camera prst="orthographicFront"/>
+      <a:lightRig rig="threePt" dir="t"/>
+    </dgm:scene3d>
+    <dgm:sp3d/>
+    <dgm:txPr/>
+    <dgm:style>
+      <a:lnRef idx="2">
+        <a:scrgbClr r="0" g="0" b="0"/>
+      </a:lnRef>
+      <a:fillRef idx="1">
+        <a:scrgbClr r="0" g="0" b="0"/>
+      </a:fillRef>
+      <a:effectRef idx="0">
+        <a:scrgbClr r="0" g="0" b="0"/>
+      </a:effectRef>
+      <a:fontRef idx="minor">
+        <a:schemeClr val="lt1"/>
+      </a:fontRef>
+    </dgm:style>
+  </dgm:styleLbl>
+  <dgm:styleLbl name="vennNode1">
+    <dgm:scene3d>
+      <a:camera prst="orthographicFront"/>
+      <a:lightRig rig="threePt" dir="t"/>
+    </dgm:scene3d>
+    <dgm:sp3d/>
+    <dgm:txPr/>
+    <dgm:style>
+      <a:lnRef idx="2">
+        <a:scrgbClr r="0" g="0" b="0"/>
+      </a:lnRef>
+      <a:fillRef idx="1">
+        <a:scrgbClr r="0" g="0" b="0"/>
+      </a:fillRef>
+      <a:effectRef idx="0">
+        <a:scrgbClr r="0" g="0" b="0"/>
+      </a:effectRef>
+      <a:fontRef idx="minor">
+        <a:schemeClr val="tx1"/>
+      </a:fontRef>
+    </dgm:style>
+  </dgm:styleLbl>
+  <dgm:styleLbl name="alignNode1">
+    <dgm:scene3d>
+      <a:camera prst="orthographicFront"/>
+      <a:lightRig rig="threePt" dir="t"/>
+    </dgm:scene3d>
+    <dgm:sp3d/>
+    <dgm:txPr/>
+    <dgm:style>
+      <a:lnRef idx="2">
+        <a:scrgbClr r="0" g="0" b="0"/>
+      </a:lnRef>
+      <a:fillRef idx="1">
+        <a:scrgbClr r="0" g="0" b="0"/>
+      </a:fillRef>
+      <a:effectRef idx="0">
+        <a:scrgbClr r="0" g="0" b="0"/>
+      </a:effectRef>
+      <a:fontRef idx="minor">
+        <a:schemeClr val="lt1"/>
+      </a:fontRef>
+    </dgm:style>
+  </dgm:styleLbl>
+  <dgm:styleLbl name="node1">
+    <dgm:scene3d>
+      <a:camera prst="orthographicFront"/>
+      <a:lightRig rig="threePt" dir="t"/>
+    </dgm:scene3d>
+    <dgm:sp3d/>
+    <dgm:txPr/>
+    <dgm:style>
+      <a:lnRef idx="2">
+        <a:scrgbClr r="0" g="0" b="0"/>
+      </a:lnRef>
+      <a:fillRef idx="1">
+        <a:scrgbClr r="0" g="0" b="0"/>
+      </a:fillRef>
+      <a:effectRef idx="0">
+        <a:scrgbClr r="0" g="0" b="0"/>
+      </a:effectRef>
+      <a:fontRef idx="minor">
+        <a:schemeClr val="lt1"/>
+      </a:fontRef>
+    </dgm:style>
+  </dgm:styleLbl>
+  <dgm:styleLbl name="node2">
+    <dgm:scene3d>
+      <a:camera prst="orthographicFront"/>
+      <a:lightRig rig="threePt" dir="t"/>
+    </dgm:scene3d>
+    <dgm:sp3d/>
+    <dgm:txPr/>
+    <dgm:style>
+      <a:lnRef idx="2">
+        <a:scrgbClr r="0" g="0" b="0"/>
+      </a:lnRef>
+      <a:fillRef idx="1">
+        <a:scrgbClr r="0" g="0" b="0"/>
+      </a:fillRef>
+      <a:effectRef idx="0">
+        <a:scrgbClr r="0" g="0" b="0"/>
+      </a:effectRef>
+      <a:fontRef idx="minor">
+        <a:schemeClr val="lt1"/>
+      </a:fontRef>
+    </dgm:style>
+  </dgm:styleLbl>
+  <dgm:styleLbl name="node3">
+    <dgm:scene3d>
+      <a:camera prst="orthographicFront"/>
+      <a:lightRig rig="threePt" dir="t"/>
+    </dgm:scene3d>
+    <dgm:sp3d/>
+    <dgm:txPr/>
+    <dgm:style>
+      <a:lnRef idx="2">
+        <a:scrgbClr r="0" g="0" b="0"/>
+      </a:lnRef>
+      <a:fillRef idx="1">
+        <a:scrgbClr r="0" g="0" b="0"/>
+      </a:fillRef>
+      <a:effectRef idx="0">
+        <a:scrgbClr r="0" g="0" b="0"/>
+      </a:effectRef>
+      <a:fontRef idx="minor">
+        <a:schemeClr val="lt1"/>
+      </a:fontRef>
+    </dgm:style>
+  </dgm:styleLbl>
+  <dgm:styleLbl name="node4">
+    <dgm:scene3d>
+      <a:camera prst="orthographicFront"/>
+      <a:lightRig rig="threePt" dir="t"/>
+    </dgm:scene3d>
+    <dgm:sp3d/>
+    <dgm:txPr/>
+    <dgm:style>
+      <a:lnRef idx="2">
+        <a:scrgbClr r="0" g="0" b="0"/>
+      </a:lnRef>
+      <a:fillRef idx="1">
+        <a:scrgbClr r="0" g="0" b="0"/>
+      </a:fillRef>
+      <a:effectRef idx="0">
+        <a:scrgbClr r="0" g="0" b="0"/>
+      </a:effectRef>
+      <a:fontRef idx="minor">
+        <a:schemeClr val="lt1"/>
+      </a:fontRef>
+    </dgm:style>
+  </dgm:styleLbl>
+  <dgm:styleLbl name="fgImgPlace1">
+    <dgm:scene3d>
+      <a:camera prst="orthographicFront"/>
+      <a:lightRig rig="threePt" dir="t"/>
+    </dgm:scene3d>
+    <dgm:sp3d/>
+    <dgm:txPr/>
+    <dgm:style>
+      <a:lnRef idx="2">
+        <a:scrgbClr r="0" g="0" b="0"/>
+      </a:lnRef>
+      <a:fillRef idx="1">
+        <a:scrgbClr r="0" g="0" b="0"/>
+      </a:fillRef>
+      <a:effectRef idx="0">
+        <a:scrgbClr r="0" g="0" b="0"/>
+      </a:effectRef>
+      <a:fontRef idx="minor"/>
+    </dgm:style>
+  </dgm:styleLbl>
+  <dgm:styleLbl name="alignImgPlace1">
+    <dgm:scene3d>
+      <a:camera prst="orthographicFront"/>
+      <a:lightRig rig="threePt" dir="t"/>
+    </dgm:scene3d>
+    <dgm:sp3d/>
+    <dgm:txPr/>
+    <dgm:style>
+      <a:lnRef idx="2">
+        <a:scrgbClr r="0" g="0" b="0"/>
+      </a:lnRef>
+      <a:fillRef idx="1">
+        <a:scrgbClr r="0" g="0" b="0"/>
+      </a:fillRef>
+      <a:effectRef idx="0">
+        <a:scrgbClr r="0" g="0" b="0"/>
+      </a:effectRef>
+      <a:fontRef idx="minor"/>
+    </dgm:style>
+  </dgm:styleLbl>
+  <dgm:styleLbl name="bgImgPlace1">
+    <dgm:scene3d>
+      <a:camera prst="orthographicFront"/>
+      <a:lightRig rig="threePt" dir="t"/>
+    </dgm:scene3d>
+    <dgm:sp3d/>
+    <dgm:txPr/>
+    <dgm:style>
+      <a:lnRef idx="2">
+        <a:scrgbClr r="0" g="0" b="0"/>
+      </a:lnRef>
+      <a:fillRef idx="1">
+        <a:scrgbClr r="0" g="0" b="0"/>
+      </a:fillRef>
+      <a:effectRef idx="0">
+        <a:scrgbClr r="0" g="0" b="0"/>
+      </a:effectRef>
+      <a:fontRef idx="minor"/>
+    </dgm:style>
+  </dgm:styleLbl>
+  <dgm:styleLbl name="sibTrans2D1">
+    <dgm:scene3d>
+      <a:camera prst="orthographicFront"/>
+      <a:lightRig rig="threePt" dir="t"/>
+    </dgm:scene3d>
+    <dgm:sp3d/>
+    <dgm:txPr/>
+    <dgm:style>
+      <a:lnRef idx="0">
+        <a:scrgbClr r="0" g="0" b="0"/>
+      </a:lnRef>
+      <a:fillRef idx="1">
+        <a:scrgbClr r="0" g="0" b="0"/>
+      </a:fillRef>
+      <a:effectRef idx="0">
+        <a:scrgbClr r="0" g="0" b="0"/>
+      </a:effectRef>
+      <a:fontRef idx="minor">
+        <a:schemeClr val="lt1"/>
+      </a:fontRef>
+    </dgm:style>
+  </dgm:styleLbl>
+  <dgm:styleLbl name="fgSibTrans2D1">
+    <dgm:scene3d>
+      <a:camera prst="orthographicFront"/>
+      <a:lightRig rig="threePt" dir="t"/>
+    </dgm:scene3d>
+    <dgm:sp3d/>
+    <dgm:txPr/>
+    <dgm:style>
+      <a:lnRef idx="0">
+        <a:scrgbClr r="0" g="0" b="0"/>
+      </a:lnRef>
+      <a:fillRef idx="1">
+        <a:scrgbClr r="0" g="0" b="0"/>
+      </a:fillRef>
+      <a:effectRef idx="0">
+        <a:scrgbClr r="0" g="0" b="0"/>
+      </a:effectRef>
+      <a:fontRef idx="minor">
+        <a:schemeClr val="lt1"/>
+      </a:fontRef>
+    </dgm:style>
+  </dgm:styleLbl>
+  <dgm:styleLbl name="bgSibTrans2D1">
+    <dgm:scene3d>
+      <a:camera prst="orthographicFront"/>
+      <a:lightRig rig="threePt" dir="t"/>
+    </dgm:scene3d>
+    <dgm:sp3d/>
+    <dgm:txPr/>
+    <dgm:style>
+      <a:lnRef idx="0">
+        <a:scrgbClr r="0" g="0" b="0"/>
+      </a:lnRef>
+      <a:fillRef idx="1">
+        <a:scrgbClr r="0" g="0" b="0"/>
+      </a:fillRef>
+      <a:effectRef idx="0">
+        <a:scrgbClr r="0" g="0" b="0"/>
+      </a:effectRef>
+      <a:fontRef idx="minor">
+        <a:schemeClr val="lt1"/>
+      </a:fontRef>
+    </dgm:style>
+  </dgm:styleLbl>
+  <dgm:styleLbl name="sibTrans1D1">
+    <dgm:scene3d>
+      <a:camera prst="orthographicFront"/>
+      <a:lightRig rig="threePt" dir="t"/>
+    </dgm:scene3d>
+    <dgm:sp3d/>
+    <dgm:txPr/>
+    <dgm:style>
+      <a:lnRef idx="1">
+        <a:scrgbClr r="0" g="0" b="0"/>
+      </a:lnRef>
+      <a:fillRef idx="0">
+        <a:scrgbClr r="0" g="0" b="0"/>
+      </a:fillRef>
+      <a:effectRef idx="0">
+        <a:scrgbClr r="0" g="0" b="0"/>
+      </a:effectRef>
+      <a:fontRef idx="minor"/>
+    </dgm:style>
+  </dgm:styleLbl>
+  <dgm:styleLbl name="callout">
+    <dgm:scene3d>
+      <a:camera prst="orthographicFront"/>
+      <a:lightRig rig="threePt" dir="t"/>
+    </dgm:scene3d>
+    <dgm:sp3d/>
+    <dgm:txPr/>
+    <dgm:style>
+      <a:lnRef idx="2">
+        <a:scrgbClr r="0" g="0" b="0"/>
+      </a:lnRef>
+      <a:fillRef idx="1">
+        <a:scrgbClr r="0" g="0" b="0"/>
+      </a:fillRef>
+      <a:effectRef idx="0">
+        <a:scrgbClr r="0" g="0" b="0"/>
+      </a:effectRef>
+      <a:fontRef idx="minor"/>
+    </dgm:style>
+  </dgm:styleLbl>
+  <dgm:styleLbl name="asst0">
+    <dgm:scene3d>
+      <a:camera prst="orthographicFront"/>
+      <a:lightRig rig="threePt" dir="t"/>
+    </dgm:scene3d>
+    <dgm:sp3d/>
+    <dgm:txPr/>
+    <dgm:style>
+      <a:lnRef idx="2">
+        <a:scrgbClr r="0" g="0" b="0"/>
+      </a:lnRef>
+      <a:fillRef idx="1">
+        <a:scrgbClr r="0" g="0" b="0"/>
+      </a:fillRef>
+      <a:effectRef idx="0">
+        <a:scrgbClr r="0" g="0" b="0"/>
+      </a:effectRef>
+      <a:fontRef idx="minor">
+        <a:schemeClr val="lt1"/>
+      </a:fontRef>
+    </dgm:style>
+  </dgm:styleLbl>
+  <dgm:styleLbl name="asst1">
+    <dgm:scene3d>
+      <a:camera prst="orthographicFront"/>
+      <a:lightRig rig="threePt" dir="t"/>
+    </dgm:scene3d>
+    <dgm:sp3d/>
+    <dgm:txPr/>
+    <dgm:style>
+      <a:lnRef idx="2">
+        <a:scrgbClr r="0" g="0" b="0"/>
+      </a:lnRef>
+      <a:fillRef idx="1">
+        <a:scrgbClr r="0" g="0" b="0"/>
+      </a:fillRef>
+      <a:effectRef idx="0">
+        <a:scrgbClr r="0" g="0" b="0"/>
+      </a:effectRef>
+      <a:fontRef idx="minor">
+        <a:schemeClr val="lt1"/>
+      </a:fontRef>
+    </dgm:style>
+  </dgm:styleLbl>
+  <dgm:styleLbl name="asst2">
+    <dgm:scene3d>
+      <a:camera prst="orthographicFront"/>
+      <a:lightRig rig="threePt" dir="t"/>
+    </dgm:scene3d>
+    <dgm:sp3d/>
+    <dgm:txPr/>
+    <dgm:style>
+      <a:lnRef idx="2">
+        <a:scrgbClr r="0" g="0" b="0"/>
+      </a:lnRef>
+      <a:fillRef idx="1">
+        <a:scrgbClr r="0" g="0" b="0"/>
+      </a:fillRef>
+      <a:effectRef idx="0">
+        <a:scrgbClr r="0" g="0" b="0"/>
+      </a:effectRef>
+      <a:fontRef idx="minor">
+        <a:schemeClr val="lt1"/>
+      </a:fontRef>
+    </dgm:style>
+  </dgm:styleLbl>
+  <dgm:styleLbl name="asst3">
+    <dgm:scene3d>
+      <a:camera prst="orthographicFront"/>
+      <a:lightRig rig="threePt" dir="t"/>
+    </dgm:scene3d>
+    <dgm:sp3d/>
+    <dgm:txPr/>
+    <dgm:style>
+      <a:lnRef idx="2">
+        <a:scrgbClr r="0" g="0" b="0"/>
+      </a:lnRef>
+      <a:fillRef idx="1">
+        <a:scrgbClr r="0" g="0" b="0"/>
+      </a:fillRef>
+      <a:effectRef idx="0">
+        <a:scrgbClr r="0" g="0" b="0"/>
+      </a:effectRef>
+      <a:fontRef idx="minor">
+        <a:schemeClr val="lt1"/>
+      </a:fontRef>
+    </dgm:style>
+  </dgm:styleLbl>
+  <dgm:styleLbl name="asst4">
+    <dgm:scene3d>
+      <a:camera prst="orthographicFront"/>
+      <a:lightRig rig="threePt" dir="t"/>
+    </dgm:scene3d>
+    <dgm:sp3d/>
+    <dgm:txPr/>
+    <dgm:style>
+      <a:lnRef idx="2">
+        <a:scrgbClr r="0" g="0" b="0"/>
+      </a:lnRef>
+      <a:fillRef idx="1">
+        <a:scrgbClr r="0" g="0" b="0"/>
+      </a:fillRef>
+      <a:effectRef idx="0">
+        <a:scrgbClr r="0" g="0" b="0"/>
+      </a:effectRef>
+      <a:fontRef idx="minor">
+        <a:schemeClr val="lt1"/>
+      </a:fontRef>
+    </dgm:style>
+  </dgm:styleLbl>
+  <dgm:styleLbl name="parChTrans2D1">
+    <dgm:scene3d>
+      <a:camera prst="orthographicFront"/>
+      <a:lightRig rig="threePt" dir="t"/>
+    </dgm:scene3d>
+    <dgm:sp3d/>
+    <dgm:txPr/>
+    <dgm:style>
+      <a:lnRef idx="2">
+        <a:scrgbClr r="0" g="0" b="0"/>
+      </a:lnRef>
+      <a:fillRef idx="1">
+        <a:scrgbClr r="0" g="0" b="0"/>
+      </a:fillRef>
+      <a:effectRef idx="0">
+        <a:scrgbClr r="0" g="0" b="0"/>
+      </a:effectRef>
+      <a:fontRef idx="minor">
+        <a:schemeClr val="lt1"/>
+      </a:fontRef>
+    </dgm:style>
+  </dgm:styleLbl>
+  <dgm:styleLbl name="parChTrans2D2">
+    <dgm:scene3d>
+      <a:camera prst="orthographicFront"/>
+      <a:lightRig rig="threePt" dir="t"/>
+    </dgm:scene3d>
+    <dgm:sp3d/>
+    <dgm:txPr/>
+    <dgm:style>
+      <a:lnRef idx="2">
+        <a:scrgbClr r="0" g="0" b="0"/>
+      </a:lnRef>
+      <a:fillRef idx="1">
+        <a:scrgbClr r="0" g="0" b="0"/>
+      </a:fillRef>
+      <a:effectRef idx="0">
+        <a:scrgbClr r="0" g="0" b="0"/>
+      </a:effectRef>
+      <a:fontRef idx="minor">
+        <a:schemeClr val="lt1"/>
+      </a:fontRef>
+    </dgm:style>
+  </dgm:styleLbl>
+  <dgm:styleLbl name="parChTrans2D3">
+    <dgm:scene3d>
+      <a:camera prst="orthographicFront"/>
+      <a:lightRig rig="threePt" dir="t"/>
+    </dgm:scene3d>
+    <dgm:sp3d/>
+    <dgm:txPr/>
+    <dgm:style>
+      <a:lnRef idx="2">
+        <a:scrgbClr r="0" g="0" b="0"/>
+      </a:lnRef>
+      <a:fillRef idx="1">
+        <a:scrgbClr r="0" g="0" b="0"/>
+      </a:fillRef>
+      <a:effectRef idx="0">
+        <a:scrgbClr r="0" g="0" b="0"/>
+      </a:effectRef>
+      <a:fontRef idx="minor">
+        <a:schemeClr val="lt1"/>
+      </a:fontRef>
+    </dgm:style>
+  </dgm:styleLbl>
+  <dgm:styleLbl name="parChTrans2D4">
+    <dgm:scene3d>
+      <a:camera prst="orthographicFront"/>
+      <a:lightRig rig="threePt" dir="t"/>
+    </dgm:scene3d>
+    <dgm:sp3d/>
+    <dgm:txPr/>
+    <dgm:style>
+      <a:lnRef idx="2">
+        <a:scrgbClr r="0" g="0" b="0"/>
+      </a:lnRef>
+      <a:fillRef idx="1">
+        <a:scrgbClr r="0" g="0" b="0"/>
+      </a:fillRef>
+      <a:effectRef idx="0">
+        <a:scrgbClr r="0" g="0" b="0"/>
+      </a:effectRef>
+      <a:fontRef idx="minor">
+        <a:schemeClr val="lt1"/>
+      </a:fontRef>
+    </dgm:style>
+  </dgm:styleLbl>
+  <dgm:styleLbl name="parChTrans1D1">
+    <dgm:scene3d>
+      <a:camera prst="orthographicFront"/>
+      <a:lightRig rig="threePt" dir="t"/>
+    </dgm:scene3d>
+    <dgm:sp3d/>
+    <dgm:txPr/>
+    <dgm:style>
+      <a:lnRef idx="2">
+        <a:scrgbClr r="0" g="0" b="0"/>
+      </a:lnRef>
+      <a:fillRef idx="0">
+        <a:scrgbClr r="0" g="0" b="0"/>
+      </a:fillRef>
+      <a:effectRef idx="0">
+        <a:scrgbClr r="0" g="0" b="0"/>
+      </a:effectRef>
+      <a:fontRef idx="minor"/>
+    </dgm:style>
+  </dgm:styleLbl>
+  <dgm:styleLbl name="parChTrans1D2">
+    <dgm:scene3d>
+      <a:camera prst="orthographicFront"/>
+      <a:lightRig rig="threePt" dir="t"/>
+    </dgm:scene3d>
+    <dgm:sp3d/>
+    <dgm:txPr/>
+    <dgm:style>
+      <a:lnRef idx="2">
+        <a:scrgbClr r="0" g="0" b="0"/>
+      </a:lnRef>
+      <a:fillRef idx="0">
+        <a:scrgbClr r="0" g="0" b="0"/>
+      </a:fillRef>
+      <a:effectRef idx="0">
+        <a:scrgbClr r="0" g="0" b="0"/>
+      </a:effectRef>
+      <a:fontRef idx="minor"/>
+    </dgm:style>
+  </dgm:styleLbl>
+  <dgm:styleLbl name="parChTrans1D3">
+    <dgm:scene3d>
+      <a:camera prst="orthographicFront"/>
+      <a:lightRig rig="threePt" dir="t"/>
+    </dgm:scene3d>
+    <dgm:sp3d/>
+    <dgm:txPr/>
+    <dgm:style>
+      <a:lnRef idx="2">
+        <a:scrgbClr r="0" g="0" b="0"/>
+      </a:lnRef>
+      <a:fillRef idx="0">
+        <a:scrgbClr r="0" g="0" b="0"/>
+      </a:fillRef>
+      <a:effectRef idx="0">
+        <a:scrgbClr r="0" g="0" b="0"/>
+      </a:effectRef>
+      <a:fontRef idx="minor"/>
+    </dgm:style>
+  </dgm:styleLbl>
+  <dgm:styleLbl name="parChTrans1D4">
+    <dgm:scene3d>
+      <a:camera prst="orthographicFront"/>
+      <a:lightRig rig="threePt" dir="t"/>
+    </dgm:scene3d>
+    <dgm:sp3d/>
+    <dgm:txPr/>
+    <dgm:style>
+      <a:lnRef idx="2">
+        <a:scrgbClr r="0" g="0" b="0"/>
+      </a:lnRef>
+      <a:fillRef idx="0">
+        <a:scrgbClr r="0" g="0" b="0"/>
+      </a:fillRef>
+      <a:effectRef idx="0">
+        <a:scrgbClr r="0" g="0" b="0"/>
+      </a:effectRef>
+      <a:fontRef idx="minor"/>
+    </dgm:style>
+  </dgm:styleLbl>
+  <dgm:styleLbl name="fgAcc1">
+    <dgm:scene3d>
+      <a:camera prst="orthographicFront"/>
+      <a:lightRig rig="threePt" dir="t"/>
+    </dgm:scene3d>
+    <dgm:sp3d/>
+    <dgm:txPr/>
+    <dgm:style>
+      <a:lnRef idx="2">
+        <a:scrgbClr r="0" g="0" b="0"/>
+      </a:lnRef>
+      <a:fillRef idx="1">
+        <a:scrgbClr r="0" g="0" b="0"/>
+      </a:fillRef>
+      <a:effectRef idx="0">
+        <a:scrgbClr r="0" g="0" b="0"/>
+      </a:effectRef>
+      <a:fontRef idx="minor"/>
+    </dgm:style>
+  </dgm:styleLbl>
+  <dgm:styleLbl name="conFgAcc1">
+    <dgm:scene3d>
+      <a:camera prst="orthographicFront"/>
+      <a:lightRig rig="threePt" dir="t"/>
+    </dgm:scene3d>
+    <dgm:sp3d/>
+    <dgm:txPr/>
+    <dgm:style>
+      <a:lnRef idx="2">
+        <a:scrgbClr r="0" g="0" b="0"/>
+      </a:lnRef>
+      <a:fillRef idx="1">
+        <a:scrgbClr r="0" g="0" b="0"/>
+      </a:fillRef>
+      <a:effectRef idx="0">
+        <a:scrgbClr r="0" g="0" b="0"/>
+      </a:effectRef>
+      <a:fontRef idx="minor"/>
+    </dgm:style>
+  </dgm:styleLbl>
+  <dgm:styleLbl name="alignAcc1">
+    <dgm:scene3d>
+      <a:camera prst="orthographicFront"/>
+      <a:lightRig rig="threePt" dir="t"/>
+    </dgm:scene3d>
+    <dgm:sp3d/>
+    <dgm:txPr/>
+    <dgm:style>
+      <a:lnRef idx="2">
+        <a:scrgbClr r="0" g="0" b="0"/>
+      </a:lnRef>
+      <a:fillRef idx="1">
+        <a:scrgbClr r="0" g="0" b="0"/>
+      </a:fillRef>
+      <a:effectRef idx="0">
+        <a:scrgbClr r="0" g="0" b="0"/>
+      </a:effectRef>
+      <a:fontRef idx="minor"/>
+    </dgm:style>
+  </dgm:styleLbl>
+  <dgm:styleLbl name="trAlignAcc1">
+    <dgm:scene3d>
+      <a:camera prst="orthographicFront"/>
+      <a:lightRig rig="threePt" dir="t"/>
+    </dgm:scene3d>
+    <dgm:sp3d/>
+    <dgm:txPr/>
+    <dgm:style>
+      <a:lnRef idx="1">
+        <a:scrgbClr r="0" g="0" b="0"/>
+      </a:lnRef>
+      <a:fillRef idx="1">
+        <a:scrgbClr r="0" g="0" b="0"/>
+      </a:fillRef>
+      <a:effectRef idx="0">
+        <a:scrgbClr r="0" g="0" b="0"/>
+      </a:effectRef>
+      <a:fontRef idx="minor"/>
+    </dgm:style>
+  </dgm:styleLbl>
+  <dgm:styleLbl name="bgAcc1">
+    <dgm:scene3d>
+      <a:camera prst="orthographicFront"/>
+      <a:lightRig rig="threePt" dir="t"/>
+    </dgm:scene3d>
+    <dgm:sp3d/>
+    <dgm:txPr/>
+    <dgm:style>
+      <a:lnRef idx="2">
+        <a:scrgbClr r="0" g="0" b="0"/>
+      </a:lnRef>
+      <a:fillRef idx="1">
+        <a:scrgbClr r="0" g="0" b="0"/>
+      </a:fillRef>
+      <a:effectRef idx="0">
+        <a:scrgbClr r="0" g="0" b="0"/>
+      </a:effectRef>
+      <a:fontRef idx="minor"/>
+    </dgm:style>
+  </dgm:styleLbl>
+  <dgm:styleLbl name="solidFgAcc1">
+    <dgm:scene3d>
+      <a:camera prst="orthographicFront"/>
+      <a:lightRig rig="threePt" dir="t"/>
+    </dgm:scene3d>
+    <dgm:sp3d/>
+    <dgm:txPr/>
+    <dgm:style>
+      <a:lnRef idx="2">
+        <a:scrgbClr r="0" g="0" b="0"/>
+      </a:lnRef>
+      <a:fillRef idx="1">
+        <a:scrgbClr r="0" g="0" b="0"/>
+      </a:fillRef>
+      <a:effectRef idx="0">
+        <a:scrgbClr r="0" g="0" b="0"/>
+      </a:effectRef>
+      <a:fontRef idx="minor"/>
+    </dgm:style>
+  </dgm:styleLbl>
+  <dgm:styleLbl name="solidAlignAcc1">
+    <dgm:scene3d>
+      <a:camera prst="orthographicFront"/>
+      <a:lightRig rig="threePt" dir="t"/>
+    </dgm:scene3d>
+    <dgm:sp3d/>
+    <dgm:txPr/>
+    <dgm:style>
+      <a:lnRef idx="2">
+        <a:scrgbClr r="0" g="0" b="0"/>
+      </a:lnRef>
+      <a:fillRef idx="1">
+        <a:scrgbClr r="0" g="0" b="0"/>
+      </a:fillRef>
+      <a:effectRef idx="0">
+        <a:scrgbClr r="0" g="0" b="0"/>
+      </a:effectRef>
+      <a:fontRef idx="minor"/>
+    </dgm:style>
+  </dgm:styleLbl>
+  <dgm:styleLbl name="solidBgAcc1">
+    <dgm:scene3d>
+      <a:camera prst="orthographicFront"/>
+      <a:lightRig rig="threePt" dir="t"/>
+    </dgm:scene3d>
+    <dgm:sp3d/>
+    <dgm:txPr/>
+    <dgm:style>
+      <a:lnRef idx="2">
+        <a:scrgbClr r="0" g="0" b="0"/>
+      </a:lnRef>
+      <a:fillRef idx="1">
+        <a:scrgbClr r="0" g="0" b="0"/>
+      </a:fillRef>
+      <a:effectRef idx="0">
+        <a:scrgbClr r="0" g="0" b="0"/>
+      </a:effectRef>
+      <a:fontRef idx="minor"/>
+    </dgm:style>
+  </dgm:styleLbl>
+  <dgm:styleLbl name="fgAccFollowNode1">
+    <dgm:scene3d>
+      <a:camera prst="orthographicFront"/>
+      <a:lightRig rig="threePt" dir="t"/>
+    </dgm:scene3d>
+    <dgm:sp3d/>
+    <dgm:txPr/>
+    <dgm:style>
+      <a:lnRef idx="2">
+        <a:scrgbClr r="0" g="0" b="0"/>
+      </a:lnRef>
+      <a:fillRef idx="1">
+        <a:scrgbClr r="0" g="0" b="0"/>
+      </a:fillRef>
+      <a:effectRef idx="0">
+        <a:scrgbClr r="0" g="0" b="0"/>
+      </a:effectRef>
+      <a:fontRef idx="minor"/>
+    </dgm:style>
+  </dgm:styleLbl>
+  <dgm:styleLbl name="alignAccFollowNode1">
+    <dgm:scene3d>
+      <a:camera prst="orthographicFront"/>
+      <a:lightRig rig="threePt" dir="t"/>
+    </dgm:scene3d>
+    <dgm:sp3d/>
+    <dgm:txPr/>
+    <dgm:style>
+      <a:lnRef idx="2">
+        <a:scrgbClr r="0" g="0" b="0"/>
+      </a:lnRef>
+      <a:fillRef idx="1">
+        <a:scrgbClr r="0" g="0" b="0"/>
+      </a:fillRef>
+      <a:effectRef idx="0">
+        <a:scrgbClr r="0" g="0" b="0"/>
+      </a:effectRef>
+      <a:fontRef idx="minor"/>
+    </dgm:style>
+  </dgm:styleLbl>
+  <dgm:styleLbl name="bgAccFollowNode1">
+    <dgm:scene3d>
+      <a:camera prst="orthographicFront"/>
+      <a:lightRig rig="threePt" dir="t"/>
+    </dgm:scene3d>
+    <dgm:sp3d/>
+    <dgm:txPr/>
+    <dgm:style>
+      <a:lnRef idx="2">
+        <a:scrgbClr r="0" g="0" b="0"/>
+      </a:lnRef>
+      <a:fillRef idx="1">
+        <a:scrgbClr r="0" g="0" b="0"/>
+      </a:fillRef>
+      <a:effectRef idx="0">
+        <a:scrgbClr r="0" g="0" b="0"/>
+      </a:effectRef>
+      <a:fontRef idx="minor"/>
+    </dgm:style>
+  </dgm:styleLbl>
+  <dgm:styleLbl name="fgAcc0">
+    <dgm:scene3d>
+      <a:camera prst="orthographicFront"/>
+      <a:lightRig rig="threePt" dir="t"/>
+    </dgm:scene3d>
+    <dgm:sp3d/>
+    <dgm:txPr/>
+    <dgm:style>
+      <a:lnRef idx="2">
+        <a:scrgbClr r="0" g="0" b="0"/>
+      </a:lnRef>
+      <a:fillRef idx="1">
+        <a:scrgbClr r="0" g="0" b="0"/>
+      </a:fillRef>
+      <a:effectRef idx="0">
+        <a:scrgbClr r="0" g="0" b="0"/>
+      </a:effectRef>
+      <a:fontRef idx="minor"/>
+    </dgm:style>
+  </dgm:styleLbl>
+  <dgm:styleLbl name="fgAcc2">
+    <dgm:scene3d>
+      <a:camera prst="orthographicFront"/>
+      <a:lightRig rig="threePt" dir="t"/>
+    </dgm:scene3d>
+    <dgm:sp3d/>
+    <dgm:txPr/>
+    <dgm:style>
+      <a:lnRef idx="2">
+        <a:scrgbClr r="0" g="0" b="0"/>
+      </a:lnRef>
+      <a:fillRef idx="1">
+        <a:scrgbClr r="0" g="0" b="0"/>
+      </a:fillRef>
+      <a:effectRef idx="0">
+        <a:scrgbClr r="0" g="0" b="0"/>
+      </a:effectRef>
+      <a:fontRef idx="minor"/>
+    </dgm:style>
+  </dgm:styleLbl>
+  <dgm:styleLbl name="fgAcc3">
+    <dgm:scene3d>
+      <a:camera prst="orthographicFront"/>
+      <a:lightRig rig="threePt" dir="t"/>
+    </dgm:scene3d>
+    <dgm:sp3d/>
+    <dgm:txPr/>
+    <dgm:style>
+      <a:lnRef idx="2">
+        <a:scrgbClr r="0" g="0" b="0"/>
+      </a:lnRef>
+      <a:fillRef idx="1">
+        <a:scrgbClr r="0" g="0" b="0"/>
+      </a:fillRef>
+      <a:effectRef idx="0">
+        <a:scrgbClr r="0" g="0" b="0"/>
+      </a:effectRef>
+      <a:fontRef idx="minor"/>
+    </dgm:style>
+  </dgm:styleLbl>
+  <dgm:styleLbl name="fgAcc4">
+    <dgm:scene3d>
+      <a:camera prst="orthographicFront"/>
+      <a:lightRig rig="threePt" dir="t"/>
+    </dgm:scene3d>
+    <dgm:sp3d/>
+    <dgm:txPr/>
+    <dgm:style>
+      <a:lnRef idx="2">
+        <a:scrgbClr r="0" g="0" b="0"/>
+      </a:lnRef>
+      <a:fillRef idx="1">
+        <a:scrgbClr r="0" g="0" b="0"/>
+      </a:fillRef>
+      <a:effectRef idx="0">
+        <a:scrgbClr r="0" g="0" b="0"/>
+      </a:effectRef>
+      <a:fontRef idx="minor"/>
+    </dgm:style>
+  </dgm:styleLbl>
+  <dgm:styleLbl name="bgShp">
+    <dgm:scene3d>
+      <a:camera prst="orthographicFront"/>
+      <a:lightRig rig="threePt" dir="t"/>
+    </dgm:scene3d>
+    <dgm:sp3d/>
+    <dgm:txPr/>
+    <dgm:style>
+      <a:lnRef idx="0">
+        <a:scrgbClr r="0" g="0" b="0"/>
+      </a:lnRef>
+      <a:fillRef idx="1">
+        <a:scrgbClr r="0" g="0" b="0"/>
+      </a:fillRef>
+      <a:effectRef idx="0">
+        <a:scrgbClr r="0" g="0" b="0"/>
+      </a:effectRef>
+      <a:fontRef idx="minor"/>
+    </dgm:style>
+  </dgm:styleLbl>
+  <dgm:styleLbl name="dkBgShp">
+    <dgm:scene3d>
+      <a:camera prst="orthographicFront"/>
+      <a:lightRig rig="threePt" dir="t"/>
+    </dgm:scene3d>
+    <dgm:sp3d/>
+    <dgm:txPr/>
+    <dgm:style>
+      <a:lnRef idx="0">
+        <a:scrgbClr r="0" g="0" b="0"/>
+      </a:lnRef>
+      <a:fillRef idx="1">
+        <a:scrgbClr r="0" g="0" b="0"/>
+      </a:fillRef>
+      <a:effectRef idx="0">
+        <a:scrgbClr r="0" g="0" b="0"/>
+      </a:effectRef>
+      <a:fontRef idx="minor"/>
+    </dgm:style>
+  </dgm:styleLbl>
+  <dgm:styleLbl name="trBgShp">
+    <dgm:scene3d>
+      <a:camera prst="orthographicFront"/>
+      <a:lightRig rig="threePt" dir="t"/>
+    </dgm:scene3d>
+    <dgm:sp3d/>
+    <dgm:txPr/>
+    <dgm:style>
+      <a:lnRef idx="0">
+        <a:scrgbClr r="0" g="0" b="0"/>
+      </a:lnRef>
+      <a:fillRef idx="1">
+        <a:scrgbClr r="0" g="0" b="0"/>
+      </a:fillRef>
+      <a:effectRef idx="0">
+        <a:scrgbClr r="0" g="0" b="0"/>
+      </a:effectRef>
+      <a:fontRef idx="minor"/>
+    </dgm:style>
+  </dgm:styleLbl>
+  <dgm:styleLbl name="fgShp">
+    <dgm:scene3d>
+      <a:camera prst="orthographicFront"/>
+      <a:lightRig rig="threePt" dir="t"/>
+    </dgm:scene3d>
+    <dgm:sp3d/>
+    <dgm:txPr/>
+    <dgm:style>
+      <a:lnRef idx="2">
+        <a:scrgbClr r="0" g="0" b="0"/>
+      </a:lnRef>
+      <a:fillRef idx="1">
+        <a:scrgbClr r="0" g="0" b="0"/>
+      </a:fillRef>
+      <a:effectRef idx="0">
+        <a:scrgbClr r="0" g="0" b="0"/>
+      </a:effectRef>
+      <a:fontRef idx="minor"/>
+    </dgm:style>
+  </dgm:styleLbl>
+  <dgm:styleLbl name="revTx">
+    <dgm:scene3d>
+      <a:camera prst="orthographicFront"/>
+      <a:lightRig rig="threePt" dir="t"/>
+    </dgm:scene3d>
+    <dgm:sp3d/>
+    <dgm:txPr/>
+    <dgm:style>
+      <a:lnRef idx="0">
+        <a:scrgbClr r="0" g="0" b="0"/>
+      </a:lnRef>
+      <a:fillRef idx="0">
+        <a:scrgbClr r="0" g="0" b="0"/>
+      </a:fillRef>
+      <a:effectRef idx="0">
+        <a:scrgbClr r="0" g="0" b="0"/>
+      </a:effectRef>
+      <a:fontRef idx="minor"/>
+    </dgm:style>
+  </dgm:styleLbl>
+</dgm:styleDef>
+</file>
+
+<file path=ppt/diagrams/quickStyle2.xml><?xml version="1.0" encoding="utf-8"?>
+<dgm:styleDef xmlns:dgm="http://schemas.openxmlformats.org/drawingml/2006/diagram" xmlns:a="http://schemas.openxmlformats.org/drawingml/2006/main" uniqueId="urn:microsoft.com/office/officeart/2005/8/quickstyle/simple1">
+  <dgm:title val=""/>
+  <dgm:desc val=""/>
+  <dgm:catLst>
+    <dgm:cat type="simple" pri="10100"/>
+  </dgm:catLst>
+  <dgm:scene3d>
+    <a:camera prst="orthographicFront"/>
+    <a:lightRig rig="threePt" dir="t"/>
+  </dgm:scene3d>
+  <dgm:styleLbl name="node0">
+    <dgm:scene3d>
+      <a:camera prst="orthographicFront"/>
+      <a:lightRig rig="threePt" dir="t"/>
+    </dgm:scene3d>
+    <dgm:sp3d/>
+    <dgm:txPr/>
+    <dgm:style>
+      <a:lnRef idx="2">
+        <a:scrgbClr r="0" g="0" b="0"/>
+      </a:lnRef>
+      <a:fillRef idx="1">
+        <a:scrgbClr r="0" g="0" b="0"/>
+      </a:fillRef>
+      <a:effectRef idx="0">
+        <a:scrgbClr r="0" g="0" b="0"/>
+      </a:effectRef>
+      <a:fontRef idx="minor">
+        <a:schemeClr val="lt1"/>
+      </a:fontRef>
+    </dgm:style>
+  </dgm:styleLbl>
+  <dgm:styleLbl name="lnNode1">
+    <dgm:scene3d>
+      <a:camera prst="orthographicFront"/>
+      <a:lightRig rig="threePt" dir="t"/>
+    </dgm:scene3d>
+    <dgm:sp3d/>
+    <dgm:txPr/>
+    <dgm:style>
+      <a:lnRef idx="2">
+        <a:scrgbClr r="0" g="0" b="0"/>
+      </a:lnRef>
+      <a:fillRef idx="1">
+        <a:scrgbClr r="0" g="0" b="0"/>
+      </a:fillRef>
+      <a:effectRef idx="0">
+        <a:scrgbClr r="0" g="0" b="0"/>
+      </a:effectRef>
+      <a:fontRef idx="minor">
+        <a:schemeClr val="lt1"/>
+      </a:fontRef>
+    </dgm:style>
+  </dgm:styleLbl>
+  <dgm:styleLbl name="vennNode1">
+    <dgm:scene3d>
+      <a:camera prst="orthographicFront"/>
+      <a:lightRig rig="threePt" dir="t"/>
+    </dgm:scene3d>
+    <dgm:sp3d/>
+    <dgm:txPr/>
+    <dgm:style>
+      <a:lnRef idx="2">
+        <a:scrgbClr r="0" g="0" b="0"/>
+      </a:lnRef>
+      <a:fillRef idx="1">
+        <a:scrgbClr r="0" g="0" b="0"/>
+      </a:fillRef>
+      <a:effectRef idx="0">
+        <a:scrgbClr r="0" g="0" b="0"/>
+      </a:effectRef>
+      <a:fontRef idx="minor">
+        <a:schemeClr val="tx1"/>
+      </a:fontRef>
+    </dgm:style>
+  </dgm:styleLbl>
+  <dgm:styleLbl name="alignNode1">
+    <dgm:scene3d>
+      <a:camera prst="orthographicFront"/>
+      <a:lightRig rig="threePt" dir="t"/>
+    </dgm:scene3d>
+    <dgm:sp3d/>
+    <dgm:txPr/>
+    <dgm:style>
+      <a:lnRef idx="2">
+        <a:scrgbClr r="0" g="0" b="0"/>
+      </a:lnRef>
+      <a:fillRef idx="1">
+        <a:scrgbClr r="0" g="0" b="0"/>
+      </a:fillRef>
+      <a:effectRef idx="0">
+        <a:scrgbClr r="0" g="0" b="0"/>
+      </a:effectRef>
+      <a:fontRef idx="minor">
+        <a:schemeClr val="lt1"/>
+      </a:fontRef>
+    </dgm:style>
+  </dgm:styleLbl>
+  <dgm:styleLbl name="node1">
+    <dgm:scene3d>
+      <a:camera prst="orthographicFront"/>
+      <a:lightRig rig="threePt" dir="t"/>
+    </dgm:scene3d>
+    <dgm:sp3d/>
+    <dgm:txPr/>
+    <dgm:style>
+      <a:lnRef idx="2">
+        <a:scrgbClr r="0" g="0" b="0"/>
+      </a:lnRef>
+      <a:fillRef idx="1">
+        <a:scrgbClr r="0" g="0" b="0"/>
+      </a:fillRef>
+      <a:effectRef idx="0">
+        <a:scrgbClr r="0" g="0" b="0"/>
+      </a:effectRef>
+      <a:fontRef idx="minor">
+        <a:schemeClr val="lt1"/>
+      </a:fontRef>
+    </dgm:style>
+  </dgm:styleLbl>
+  <dgm:styleLbl name="node2">
+    <dgm:scene3d>
+      <a:camera prst="orthographicFront"/>
+      <a:lightRig rig="threePt" dir="t"/>
+    </dgm:scene3d>
+    <dgm:sp3d/>
+    <dgm:txPr/>
+    <dgm:style>
+      <a:lnRef idx="2">
+        <a:scrgbClr r="0" g="0" b="0"/>
+      </a:lnRef>
+      <a:fillRef idx="1">
+        <a:scrgbClr r="0" g="0" b="0"/>
+      </a:fillRef>
+      <a:effectRef idx="0">
+        <a:scrgbClr r="0" g="0" b="0"/>
+      </a:effectRef>
+      <a:fontRef idx="minor">
+        <a:schemeClr val="lt1"/>
+      </a:fontRef>
+    </dgm:style>
+  </dgm:styleLbl>
+  <dgm:styleLbl name="node3">
+    <dgm:scene3d>
+      <a:camera prst="orthographicFront"/>
+      <a:lightRig rig="threePt" dir="t"/>
+    </dgm:scene3d>
+    <dgm:sp3d/>
+    <dgm:txPr/>
+    <dgm:style>
+      <a:lnRef idx="2">
+        <a:scrgbClr r="0" g="0" b="0"/>
+      </a:lnRef>
+      <a:fillRef idx="1">
+        <a:scrgbClr r="0" g="0" b="0"/>
+      </a:fillRef>
+      <a:effectRef idx="0">
+        <a:scrgbClr r="0" g="0" b="0"/>
+      </a:effectRef>
+      <a:fontRef idx="minor">
+        <a:schemeClr val="lt1"/>
+      </a:fontRef>
+    </dgm:style>
+  </dgm:styleLbl>
+  <dgm:styleLbl name="node4">
+    <dgm:scene3d>
+      <a:camera prst="orthographicFront"/>
+      <a:lightRig rig="threePt" dir="t"/>
+    </dgm:scene3d>
+    <dgm:sp3d/>
+    <dgm:txPr/>
+    <dgm:style>
+      <a:lnRef idx="2">
+        <a:scrgbClr r="0" g="0" b="0"/>
+      </a:lnRef>
+      <a:fillRef idx="1">
+        <a:scrgbClr r="0" g="0" b="0"/>
+      </a:fillRef>
+      <a:effectRef idx="0">
+        <a:scrgbClr r="0" g="0" b="0"/>
+      </a:effectRef>
+      <a:fontRef idx="minor">
+        <a:schemeClr val="lt1"/>
+      </a:fontRef>
+    </dgm:style>
+  </dgm:styleLbl>
+  <dgm:styleLbl name="fgImgPlace1">
+    <dgm:scene3d>
+      <a:camera prst="orthographicFront"/>
+      <a:lightRig rig="threePt" dir="t"/>
+    </dgm:scene3d>
+    <dgm:sp3d/>
+    <dgm:txPr/>
+    <dgm:style>
+      <a:lnRef idx="2">
+        <a:scrgbClr r="0" g="0" b="0"/>
+      </a:lnRef>
+      <a:fillRef idx="1">
+        <a:scrgbClr r="0" g="0" b="0"/>
+      </a:fillRef>
+      <a:effectRef idx="0">
+        <a:scrgbClr r="0" g="0" b="0"/>
+      </a:effectRef>
+      <a:fontRef idx="minor"/>
+    </dgm:style>
+  </dgm:styleLbl>
+  <dgm:styleLbl name="alignImgPlace1">
+    <dgm:scene3d>
+      <a:camera prst="orthographicFront"/>
+      <a:lightRig rig="threePt" dir="t"/>
+    </dgm:scene3d>
+    <dgm:sp3d/>
+    <dgm:txPr/>
+    <dgm:style>
+      <a:lnRef idx="2">
+        <a:scrgbClr r="0" g="0" b="0"/>
+      </a:lnRef>
+      <a:fillRef idx="1">
+        <a:scrgbClr r="0" g="0" b="0"/>
+      </a:fillRef>
+      <a:effectRef idx="0">
+        <a:scrgbClr r="0" g="0" b="0"/>
+      </a:effectRef>
+      <a:fontRef idx="minor"/>
+    </dgm:style>
+  </dgm:styleLbl>
+  <dgm:styleLbl name="bgImgPlace1">
+    <dgm:scene3d>
+      <a:camera prst="orthographicFront"/>
+      <a:lightRig rig="threePt" dir="t"/>
+    </dgm:scene3d>
+    <dgm:sp3d/>
+    <dgm:txPr/>
+    <dgm:style>
+      <a:lnRef idx="2">
+        <a:scrgbClr r="0" g="0" b="0"/>
+      </a:lnRef>
+      <a:fillRef idx="1">
+        <a:scrgbClr r="0" g="0" b="0"/>
+      </a:fillRef>
+      <a:effectRef idx="0">
+        <a:scrgbClr r="0" g="0" b="0"/>
+      </a:effectRef>
+      <a:fontRef idx="minor"/>
+    </dgm:style>
+  </dgm:styleLbl>
+  <dgm:styleLbl name="sibTrans2D1">
+    <dgm:scene3d>
+      <a:camera prst="orthographicFront"/>
+      <a:lightRig rig="threePt" dir="t"/>
+    </dgm:scene3d>
+    <dgm:sp3d/>
+    <dgm:txPr/>
+    <dgm:style>
+      <a:lnRef idx="0">
+        <a:scrgbClr r="0" g="0" b="0"/>
+      </a:lnRef>
+      <a:fillRef idx="1">
+        <a:scrgbClr r="0" g="0" b="0"/>
+      </a:fillRef>
+      <a:effectRef idx="0">
+        <a:scrgbClr r="0" g="0" b="0"/>
+      </a:effectRef>
+      <a:fontRef idx="minor">
+        <a:schemeClr val="lt1"/>
+      </a:fontRef>
+    </dgm:style>
+  </dgm:styleLbl>
+  <dgm:styleLbl name="fgSibTrans2D1">
+    <dgm:scene3d>
+      <a:camera prst="orthographicFront"/>
+      <a:lightRig rig="threePt" dir="t"/>
+    </dgm:scene3d>
+    <dgm:sp3d/>
+    <dgm:txPr/>
+    <dgm:style>
+      <a:lnRef idx="0">
+        <a:scrgbClr r="0" g="0" b="0"/>
+      </a:lnRef>
+      <a:fillRef idx="1">
+        <a:scrgbClr r="0" g="0" b="0"/>
+      </a:fillRef>
+      <a:effectRef idx="0">
+        <a:scrgbClr r="0" g="0" b="0"/>
+      </a:effectRef>
+      <a:fontRef idx="minor">
+        <a:schemeClr val="lt1"/>
+      </a:fontRef>
+    </dgm:style>
+  </dgm:styleLbl>
+  <dgm:styleLbl name="bgSibTrans2D1">
+    <dgm:scene3d>
+      <a:camera prst="orthographicFront"/>
+      <a:lightRig rig="threePt" dir="t"/>
+    </dgm:scene3d>
+    <dgm:sp3d/>
+    <dgm:txPr/>
+    <dgm:style>
+      <a:lnRef idx="0">
+        <a:scrgbClr r="0" g="0" b="0"/>
+      </a:lnRef>
+      <a:fillRef idx="1">
+        <a:scrgbClr r="0" g="0" b="0"/>
+      </a:fillRef>
+      <a:effectRef idx="0">
+        <a:scrgbClr r="0" g="0" b="0"/>
+      </a:effectRef>
+      <a:fontRef idx="minor">
+        <a:schemeClr val="lt1"/>
+      </a:fontRef>
+    </dgm:style>
+  </dgm:styleLbl>
+  <dgm:styleLbl name="sibTrans1D1">
+    <dgm:scene3d>
+      <a:camera prst="orthographicFront"/>
+      <a:lightRig rig="threePt" dir="t"/>
+    </dgm:scene3d>
+    <dgm:sp3d/>
+    <dgm:txPr/>
+    <dgm:style>
+      <a:lnRef idx="1">
+        <a:scrgbClr r="0" g="0" b="0"/>
+      </a:lnRef>
+      <a:fillRef idx="0">
+        <a:scrgbClr r="0" g="0" b="0"/>
+      </a:fillRef>
+      <a:effectRef idx="0">
+        <a:scrgbClr r="0" g="0" b="0"/>
+      </a:effectRef>
+      <a:fontRef idx="minor"/>
+    </dgm:style>
+  </dgm:styleLbl>
+  <dgm:styleLbl name="callout">
+    <dgm:scene3d>
+      <a:camera prst="orthographicFront"/>
+      <a:lightRig rig="threePt" dir="t"/>
+    </dgm:scene3d>
+    <dgm:sp3d/>
+    <dgm:txPr/>
+    <dgm:style>
+      <a:lnRef idx="2">
+        <a:scrgbClr r="0" g="0" b="0"/>
+      </a:lnRef>
+      <a:fillRef idx="1">
+        <a:scrgbClr r="0" g="0" b="0"/>
+      </a:fillRef>
+      <a:effectRef idx="0">
+        <a:scrgbClr r="0" g="0" b="0"/>
+      </a:effectRef>
+      <a:fontRef idx="minor"/>
+    </dgm:style>
+  </dgm:styleLbl>
+  <dgm:styleLbl name="asst0">
+    <dgm:scene3d>
+      <a:camera prst="orthographicFront"/>
+      <a:lightRig rig="threePt" dir="t"/>
+    </dgm:scene3d>
+    <dgm:sp3d/>
+    <dgm:txPr/>
+    <dgm:style>
+      <a:lnRef idx="2">
+        <a:scrgbClr r="0" g="0" b="0"/>
+      </a:lnRef>
+      <a:fillRef idx="1">
+        <a:scrgbClr r="0" g="0" b="0"/>
+      </a:fillRef>
+      <a:effectRef idx="0">
+        <a:scrgbClr r="0" g="0" b="0"/>
+      </a:effectRef>
+      <a:fontRef idx="minor">
+        <a:schemeClr val="lt1"/>
+      </a:fontRef>
+    </dgm:style>
+  </dgm:styleLbl>
+  <dgm:styleLbl name="asst1">
+    <dgm:scene3d>
+      <a:camera prst="orthographicFront"/>
+      <a:lightRig rig="threePt" dir="t"/>
+    </dgm:scene3d>
+    <dgm:sp3d/>
+    <dgm:txPr/>
+    <dgm:style>
+      <a:lnRef idx="2">
+        <a:scrgbClr r="0" g="0" b="0"/>
+      </a:lnRef>
+      <a:fillRef idx="1">
+        <a:scrgbClr r="0" g="0" b="0"/>
+      </a:fillRef>
+      <a:effectRef idx="0">
+        <a:scrgbClr r="0" g="0" b="0"/>
+      </a:effectRef>
+      <a:fontRef idx="minor">
+        <a:schemeClr val="lt1"/>
+      </a:fontRef>
+    </dgm:style>
+  </dgm:styleLbl>
+  <dgm:styleLbl name="asst2">
+    <dgm:scene3d>
+      <a:camera prst="orthographicFront"/>
+      <a:lightRig rig="threePt" dir="t"/>
+    </dgm:scene3d>
+    <dgm:sp3d/>
+    <dgm:txPr/>
+    <dgm:style>
+      <a:lnRef idx="2">
+        <a:scrgbClr r="0" g="0" b="0"/>
+      </a:lnRef>
+      <a:fillRef idx="1">
+        <a:scrgbClr r="0" g="0" b="0"/>
+      </a:fillRef>
+      <a:effectRef idx="0">
+        <a:scrgbClr r="0" g="0" b="0"/>
+      </a:effectRef>
+      <a:fontRef idx="minor">
+        <a:schemeClr val="lt1"/>
+      </a:fontRef>
+    </dgm:style>
+  </dgm:styleLbl>
+  <dgm:styleLbl name="asst3">
+    <dgm:scene3d>
+      <a:camera prst="orthographicFront"/>
+      <a:lightRig rig="threePt" dir="t"/>
+    </dgm:scene3d>
+    <dgm:sp3d/>
+    <dgm:txPr/>
+    <dgm:style>
+      <a:lnRef idx="2">
+        <a:scrgbClr r="0" g="0" b="0"/>
+      </a:lnRef>
+      <a:fillRef idx="1">
+        <a:scrgbClr r="0" g="0" b="0"/>
+      </a:fillRef>
+      <a:effectRef idx="0">
+        <a:scrgbClr r="0" g="0" b="0"/>
+      </a:effectRef>
+      <a:fontRef idx="minor">
+        <a:schemeClr val="lt1"/>
+      </a:fontRef>
+    </dgm:style>
+  </dgm:styleLbl>
+  <dgm:styleLbl name="asst4">
+    <dgm:scene3d>
+      <a:camera prst="orthographicFront"/>
+      <a:lightRig rig="threePt" dir="t"/>
+    </dgm:scene3d>
+    <dgm:sp3d/>
+    <dgm:txPr/>
+    <dgm:style>
+      <a:lnRef idx="2">
+        <a:scrgbClr r="0" g="0" b="0"/>
+      </a:lnRef>
+      <a:fillRef idx="1">
+        <a:scrgbClr r="0" g="0" b="0"/>
+      </a:fillRef>
+      <a:effectRef idx="0">
+        <a:scrgbClr r="0" g="0" b="0"/>
+      </a:effectRef>
+      <a:fontRef idx="minor">
+        <a:schemeClr val="lt1"/>
+      </a:fontRef>
+    </dgm:style>
+  </dgm:styleLbl>
+  <dgm:styleLbl name="parChTrans2D1">
+    <dgm:scene3d>
+      <a:camera prst="orthographicFront"/>
+      <a:lightRig rig="threePt" dir="t"/>
+    </dgm:scene3d>
+    <dgm:sp3d/>
+    <dgm:txPr/>
+    <dgm:style>
+      <a:lnRef idx="2">
+        <a:scrgbClr r="0" g="0" b="0"/>
+      </a:lnRef>
+      <a:fillRef idx="1">
+        <a:scrgbClr r="0" g="0" b="0"/>
+      </a:fillRef>
+      <a:effectRef idx="0">
+        <a:scrgbClr r="0" g="0" b="0"/>
+      </a:effectRef>
+      <a:fontRef idx="minor">
+        <a:schemeClr val="lt1"/>
+      </a:fontRef>
+    </dgm:style>
+  </dgm:styleLbl>
+  <dgm:styleLbl name="parChTrans2D2">
+    <dgm:scene3d>
+      <a:camera prst="orthographicFront"/>
+      <a:lightRig rig="threePt" dir="t"/>
+    </dgm:scene3d>
+    <dgm:sp3d/>
+    <dgm:txPr/>
+    <dgm:style>
+      <a:lnRef idx="2">
+        <a:scrgbClr r="0" g="0" b="0"/>
+      </a:lnRef>
+      <a:fillRef idx="1">
+        <a:scrgbClr r="0" g="0" b="0"/>
+      </a:fillRef>
+      <a:effectRef idx="0">
+        <a:scrgbClr r="0" g="0" b="0"/>
+      </a:effectRef>
+      <a:fontRef idx="minor">
+        <a:schemeClr val="lt1"/>
+      </a:fontRef>
+    </dgm:style>
+  </dgm:styleLbl>
+  <dgm:styleLbl name="parChTrans2D3">
+    <dgm:scene3d>
+      <a:camera prst="orthographicFront"/>
+      <a:lightRig rig="threePt" dir="t"/>
+    </dgm:scene3d>
+    <dgm:sp3d/>
+    <dgm:txPr/>
+    <dgm:style>
+      <a:lnRef idx="2">
+        <a:scrgbClr r="0" g="0" b="0"/>
+      </a:lnRef>
+      <a:fillRef idx="1">
+        <a:scrgbClr r="0" g="0" b="0"/>
+      </a:fillRef>
+      <a:effectRef idx="0">
+        <a:scrgbClr r="0" g="0" b="0"/>
+      </a:effectRef>
+      <a:fontRef idx="minor">
+        <a:schemeClr val="lt1"/>
+      </a:fontRef>
+    </dgm:style>
+  </dgm:styleLbl>
+  <dgm:styleLbl name="parChTrans2D4">
+    <dgm:scene3d>
+      <a:camera prst="orthographicFront"/>
+      <a:lightRig rig="threePt" dir="t"/>
+    </dgm:scene3d>
+    <dgm:sp3d/>
+    <dgm:txPr/>
+    <dgm:style>
+      <a:lnRef idx="2">
+        <a:scrgbClr r="0" g="0" b="0"/>
+      </a:lnRef>
+      <a:fillRef idx="1">
+        <a:scrgbClr r="0" g="0" b="0"/>
+      </a:fillRef>
+      <a:effectRef idx="0">
+        <a:scrgbClr r="0" g="0" b="0"/>
+      </a:effectRef>
+      <a:fontRef idx="minor">
+        <a:schemeClr val="lt1"/>
+      </a:fontRef>
+    </dgm:style>
+  </dgm:styleLbl>
+  <dgm:styleLbl name="parChTrans1D1">
+    <dgm:scene3d>
+      <a:camera prst="orthographicFront"/>
+      <a:lightRig rig="threePt" dir="t"/>
+    </dgm:scene3d>
+    <dgm:sp3d/>
+    <dgm:txPr/>
+    <dgm:style>
+      <a:lnRef idx="2">
+        <a:scrgbClr r="0" g="0" b="0"/>
+      </a:lnRef>
+      <a:fillRef idx="0">
+        <a:scrgbClr r="0" g="0" b="0"/>
+      </a:fillRef>
+      <a:effectRef idx="0">
+        <a:scrgbClr r="0" g="0" b="0"/>
+      </a:effectRef>
+      <a:fontRef idx="minor"/>
+    </dgm:style>
+  </dgm:styleLbl>
+  <dgm:styleLbl name="parChTrans1D2">
+    <dgm:scene3d>
+      <a:camera prst="orthographicFront"/>
+      <a:lightRig rig="threePt" dir="t"/>
+    </dgm:scene3d>
+    <dgm:sp3d/>
+    <dgm:txPr/>
+    <dgm:style>
+      <a:lnRef idx="2">
+        <a:scrgbClr r="0" g="0" b="0"/>
+      </a:lnRef>
+      <a:fillRef idx="0">
+        <a:scrgbClr r="0" g="0" b="0"/>
+      </a:fillRef>
+      <a:effectRef idx="0">
+        <a:scrgbClr r="0" g="0" b="0"/>
+      </a:effectRef>
+      <a:fontRef idx="minor"/>
+    </dgm:style>
+  </dgm:styleLbl>
+  <dgm:styleLbl name="parChTrans1D3">
+    <dgm:scene3d>
+      <a:camera prst="orthographicFront"/>
+      <a:lightRig rig="threePt" dir="t"/>
+    </dgm:scene3d>
+    <dgm:sp3d/>
+    <dgm:txPr/>
+    <dgm:style>
+      <a:lnRef idx="2">
+        <a:scrgbClr r="0" g="0" b="0"/>
+      </a:lnRef>
+      <a:fillRef idx="0">
+        <a:scrgbClr r="0" g="0" b="0"/>
+      </a:fillRef>
+      <a:effectRef idx="0">
+        <a:scrgbClr r="0" g="0" b="0"/>
+      </a:effectRef>
+      <a:fontRef idx="minor"/>
+    </dgm:style>
+  </dgm:styleLbl>
+  <dgm:styleLbl name="parChTrans1D4">
+    <dgm:scene3d>
+      <a:camera prst="orthographicFront"/>
+      <a:lightRig rig="threePt" dir="t"/>
+    </dgm:scene3d>
+    <dgm:sp3d/>
+    <dgm:txPr/>
+    <dgm:style>
+      <a:lnRef idx="2">
+        <a:scrgbClr r="0" g="0" b="0"/>
+      </a:lnRef>
+      <a:fillRef idx="0">
+        <a:scrgbClr r="0" g="0" b="0"/>
+      </a:fillRef>
+      <a:effectRef idx="0">
+        <a:scrgbClr r="0" g="0" b="0"/>
+      </a:effectRef>
+      <a:fontRef idx="minor"/>
+    </dgm:style>
+  </dgm:styleLbl>
+  <dgm:styleLbl name="fgAcc1">
+    <dgm:scene3d>
+      <a:camera prst="orthographicFront"/>
+      <a:lightRig rig="threePt" dir="t"/>
+    </dgm:scene3d>
+    <dgm:sp3d/>
+    <dgm:txPr/>
+    <dgm:style>
+      <a:lnRef idx="2">
+        <a:scrgbClr r="0" g="0" b="0"/>
+      </a:lnRef>
+      <a:fillRef idx="1">
+        <a:scrgbClr r="0" g="0" b="0"/>
+      </a:fillRef>
+      <a:effectRef idx="0">
+        <a:scrgbClr r="0" g="0" b="0"/>
+      </a:effectRef>
+      <a:fontRef idx="minor"/>
+    </dgm:style>
+  </dgm:styleLbl>
+  <dgm:styleLbl name="conFgAcc1">
+    <dgm:scene3d>
+      <a:camera prst="orthographicFront"/>
+      <a:lightRig rig="threePt" dir="t"/>
+    </dgm:scene3d>
+    <dgm:sp3d/>
+    <dgm:txPr/>
+    <dgm:style>
+      <a:lnRef idx="2">
+        <a:scrgbClr r="0" g="0" b="0"/>
+      </a:lnRef>
+      <a:fillRef idx="1">
+        <a:scrgbClr r="0" g="0" b="0"/>
+      </a:fillRef>
+      <a:effectRef idx="0">
+        <a:scrgbClr r="0" g="0" b="0"/>
+      </a:effectRef>
+      <a:fontRef idx="minor"/>
+    </dgm:style>
+  </dgm:styleLbl>
+  <dgm:styleLbl name="alignAcc1">
+    <dgm:scene3d>
+      <a:camera prst="orthographicFront"/>
+      <a:lightRig rig="threePt" dir="t"/>
+    </dgm:scene3d>
+    <dgm:sp3d/>
+    <dgm:txPr/>
+    <dgm:style>
+      <a:lnRef idx="2">
+        <a:scrgbClr r="0" g="0" b="0"/>
+      </a:lnRef>
+      <a:fillRef idx="1">
+        <a:scrgbClr r="0" g="0" b="0"/>
+      </a:fillRef>
+      <a:effectRef idx="0">
+        <a:scrgbClr r="0" g="0" b="0"/>
+      </a:effectRef>
+      <a:fontRef idx="minor"/>
+    </dgm:style>
+  </dgm:styleLbl>
+  <dgm:styleLbl name="trAlignAcc1">
+    <dgm:scene3d>
+      <a:camera prst="orthographicFront"/>
+      <a:lightRig rig="threePt" dir="t"/>
+    </dgm:scene3d>
+    <dgm:sp3d/>
+    <dgm:txPr/>
+    <dgm:style>
+      <a:lnRef idx="1">
+        <a:scrgbClr r="0" g="0" b="0"/>
+      </a:lnRef>
+      <a:fillRef idx="1">
+        <a:scrgbClr r="0" g="0" b="0"/>
+      </a:fillRef>
+      <a:effectRef idx="0">
+        <a:scrgbClr r="0" g="0" b="0"/>
+      </a:effectRef>
+      <a:fontRef idx="minor"/>
+    </dgm:style>
+  </dgm:styleLbl>
+  <dgm:styleLbl name="bgAcc1">
+    <dgm:scene3d>
+      <a:camera prst="orthographicFront"/>
+      <a:lightRig rig="threePt" dir="t"/>
+    </dgm:scene3d>
+    <dgm:sp3d/>
+    <dgm:txPr/>
+    <dgm:style>
+      <a:lnRef idx="2">
+        <a:scrgbClr r="0" g="0" b="0"/>
+      </a:lnRef>
+      <a:fillRef idx="1">
+        <a:scrgbClr r="0" g="0" b="0"/>
+      </a:fillRef>
+      <a:effectRef idx="0">
+        <a:scrgbClr r="0" g="0" b="0"/>
+      </a:effectRef>
+      <a:fontRef idx="minor"/>
+    </dgm:style>
+  </dgm:styleLbl>
+  <dgm:styleLbl name="solidFgAcc1">
+    <dgm:scene3d>
+      <a:camera prst="orthographicFront"/>
+      <a:lightRig rig="threePt" dir="t"/>
+    </dgm:scene3d>
+    <dgm:sp3d/>
+    <dgm:txPr/>
+    <dgm:style>
+      <a:lnRef idx="2">
+        <a:scrgbClr r="0" g="0" b="0"/>
+      </a:lnRef>
+      <a:fillRef idx="1">
+        <a:scrgbClr r="0" g="0" b="0"/>
+      </a:fillRef>
+      <a:effectRef idx="0">
+        <a:scrgbClr r="0" g="0" b="0"/>
+      </a:effectRef>
+      <a:fontRef idx="minor"/>
+    </dgm:style>
+  </dgm:styleLbl>
+  <dgm:styleLbl name="solidAlignAcc1">
+    <dgm:scene3d>
+      <a:camera prst="orthographicFront"/>
+      <a:lightRig rig="threePt" dir="t"/>
+    </dgm:scene3d>
+    <dgm:sp3d/>
+    <dgm:txPr/>
+    <dgm:style>
+      <a:lnRef idx="2">
+        <a:scrgbClr r="0" g="0" b="0"/>
+      </a:lnRef>
+      <a:fillRef idx="1">
+        <a:scrgbClr r="0" g="0" b="0"/>
+      </a:fillRef>
+      <a:effectRef idx="0">
+        <a:scrgbClr r="0" g="0" b="0"/>
+      </a:effectRef>
+      <a:fontRef idx="minor"/>
+    </dgm:style>
+  </dgm:styleLbl>
+  <dgm:styleLbl name="solidBgAcc1">
+    <dgm:scene3d>
+      <a:camera prst="orthographicFront"/>
+      <a:lightRig rig="threePt" dir="t"/>
+    </dgm:scene3d>
+    <dgm:sp3d/>
+    <dgm:txPr/>
+    <dgm:style>
+      <a:lnRef idx="2">
+        <a:scrgbClr r="0" g="0" b="0"/>
+      </a:lnRef>
+      <a:fillRef idx="1">
+        <a:scrgbClr r="0" g="0" b="0"/>
+      </a:fillRef>
+      <a:effectRef idx="0">
+        <a:scrgbClr r="0" g="0" b="0"/>
+      </a:effectRef>
+      <a:fontRef idx="minor"/>
+    </dgm:style>
+  </dgm:styleLbl>
+  <dgm:styleLbl name="fgAccFollowNode1">
+    <dgm:scene3d>
+      <a:camera prst="orthographicFront"/>
+      <a:lightRig rig="threePt" dir="t"/>
+    </dgm:scene3d>
+    <dgm:sp3d/>
+    <dgm:txPr/>
+    <dgm:style>
+      <a:lnRef idx="2">
+        <a:scrgbClr r="0" g="0" b="0"/>
+      </a:lnRef>
+      <a:fillRef idx="1">
+        <a:scrgbClr r="0" g="0" b="0"/>
+      </a:fillRef>
+      <a:effectRef idx="0">
+        <a:scrgbClr r="0" g="0" b="0"/>
+      </a:effectRef>
+      <a:fontRef idx="minor"/>
+    </dgm:style>
+  </dgm:styleLbl>
+  <dgm:styleLbl name="alignAccFollowNode1">
+    <dgm:scene3d>
+      <a:camera prst="orthographicFront"/>
+      <a:lightRig rig="threePt" dir="t"/>
+    </dgm:scene3d>
+    <dgm:sp3d/>
+    <dgm:txPr/>
+    <dgm:style>
+      <a:lnRef idx="2">
+        <a:scrgbClr r="0" g="0" b="0"/>
+      </a:lnRef>
+      <a:fillRef idx="1">
+        <a:scrgbClr r="0" g="0" b="0"/>
+      </a:fillRef>
+      <a:effectRef idx="0">
+        <a:scrgbClr r="0" g="0" b="0"/>
+      </a:effectRef>
+      <a:fontRef idx="minor"/>
+    </dgm:style>
+  </dgm:styleLbl>
+  <dgm:styleLbl name="bgAccFollowNode1">
+    <dgm:scene3d>
+      <a:camera prst="orthographicFront"/>
+      <a:lightRig rig="threePt" dir="t"/>
+    </dgm:scene3d>
+    <dgm:sp3d/>
+    <dgm:txPr/>
+    <dgm:style>
+      <a:lnRef idx="2">
+        <a:scrgbClr r="0" g="0" b="0"/>
+      </a:lnRef>
+      <a:fillRef idx="1">
+        <a:scrgbClr r="0" g="0" b="0"/>
+      </a:fillRef>
+      <a:effectRef idx="0">
+        <a:scrgbClr r="0" g="0" b="0"/>
+      </a:effectRef>
+      <a:fontRef idx="minor"/>
+    </dgm:style>
+  </dgm:styleLbl>
+  <dgm:styleLbl name="fgAcc0">
+    <dgm:scene3d>
+      <a:camera prst="orthographicFront"/>
+      <a:lightRig rig="threePt" dir="t"/>
+    </dgm:scene3d>
+    <dgm:sp3d/>
+    <dgm:txPr/>
+    <dgm:style>
+      <a:lnRef idx="2">
+        <a:scrgbClr r="0" g="0" b="0"/>
+      </a:lnRef>
+      <a:fillRef idx="1">
+        <a:scrgbClr r="0" g="0" b="0"/>
+      </a:fillRef>
+      <a:effectRef idx="0">
+        <a:scrgbClr r="0" g="0" b="0"/>
+      </a:effectRef>
+      <a:fontRef idx="minor"/>
+    </dgm:style>
+  </dgm:styleLbl>
+  <dgm:styleLbl name="fgAcc2">
+    <dgm:scene3d>
+      <a:camera prst="orthographicFront"/>
+      <a:lightRig rig="threePt" dir="t"/>
+    </dgm:scene3d>
+    <dgm:sp3d/>
+    <dgm:txPr/>
+    <dgm:style>
+      <a:lnRef idx="2">
+        <a:scrgbClr r="0" g="0" b="0"/>
+      </a:lnRef>
+      <a:fillRef idx="1">
+        <a:scrgbClr r="0" g="0" b="0"/>
+      </a:fillRef>
+      <a:effectRef idx="0">
+        <a:scrgbClr r="0" g="0" b="0"/>
+      </a:effectRef>
+      <a:fontRef idx="minor"/>
+    </dgm:style>
+  </dgm:styleLbl>
+  <dgm:styleLbl name="fgAcc3">
+    <dgm:scene3d>
+      <a:camera prst="orthographicFront"/>
+      <a:lightRig rig="threePt" dir="t"/>
+    </dgm:scene3d>
+    <dgm:sp3d/>
+    <dgm:txPr/>
+    <dgm:style>
+      <a:lnRef idx="2">
+        <a:scrgbClr r="0" g="0" b="0"/>
+      </a:lnRef>
+      <a:fillRef idx="1">
+        <a:scrgbClr r="0" g="0" b="0"/>
+      </a:fillRef>
+      <a:effectRef idx="0">
+        <a:scrgbClr r="0" g="0" b="0"/>
+      </a:effectRef>
+      <a:fontRef idx="minor"/>
+    </dgm:style>
+  </dgm:styleLbl>
+  <dgm:styleLbl name="fgAcc4">
+    <dgm:scene3d>
+      <a:camera prst="orthographicFront"/>
+      <a:lightRig rig="threePt" dir="t"/>
+    </dgm:scene3d>
+    <dgm:sp3d/>
+    <dgm:txPr/>
+    <dgm:style>
+      <a:lnRef idx="2">
+        <a:scrgbClr r="0" g="0" b="0"/>
+      </a:lnRef>
+      <a:fillRef idx="1">
+        <a:scrgbClr r="0" g="0" b="0"/>
+      </a:fillRef>
+      <a:effectRef idx="0">
+        <a:scrgbClr r="0" g="0" b="0"/>
+      </a:effectRef>
+      <a:fontRef idx="minor"/>
+    </dgm:style>
+  </dgm:styleLbl>
+  <dgm:styleLbl name="bgShp">
+    <dgm:scene3d>
+      <a:camera prst="orthographicFront"/>
+      <a:lightRig rig="threePt" dir="t"/>
+    </dgm:scene3d>
+    <dgm:sp3d/>
+    <dgm:txPr/>
+    <dgm:style>
+      <a:lnRef idx="0">
+        <a:scrgbClr r="0" g="0" b="0"/>
+      </a:lnRef>
+      <a:fillRef idx="1">
+        <a:scrgbClr r="0" g="0" b="0"/>
+      </a:fillRef>
+      <a:effectRef idx="0">
+        <a:scrgbClr r="0" g="0" b="0"/>
+      </a:effectRef>
+      <a:fontRef idx="minor"/>
+    </dgm:style>
+  </dgm:styleLbl>
+  <dgm:styleLbl name="dkBgShp">
+    <dgm:scene3d>
+      <a:camera prst="orthographicFront"/>
+      <a:lightRig rig="threePt" dir="t"/>
+    </dgm:scene3d>
+    <dgm:sp3d/>
+    <dgm:txPr/>
+    <dgm:style>
+      <a:lnRef idx="0">
+        <a:scrgbClr r="0" g="0" b="0"/>
+      </a:lnRef>
+      <a:fillRef idx="1">
+        <a:scrgbClr r="0" g="0" b="0"/>
+      </a:fillRef>
+      <a:effectRef idx="0">
+        <a:scrgbClr r="0" g="0" b="0"/>
+      </a:effectRef>
+      <a:fontRef idx="minor"/>
+    </dgm:style>
+  </dgm:styleLbl>
+  <dgm:styleLbl name="trBgShp">
+    <dgm:scene3d>
+      <a:camera prst="orthographicFront"/>
+      <a:lightRig rig="threePt" dir="t"/>
+    </dgm:scene3d>
+    <dgm:sp3d/>
+    <dgm:txPr/>
+    <dgm:style>
+      <a:lnRef idx="0">
+        <a:scrgbClr r="0" g="0" b="0"/>
+      </a:lnRef>
+      <a:fillRef idx="1">
+        <a:scrgbClr r="0" g="0" b="0"/>
+      </a:fillRef>
+      <a:effectRef idx="0">
+        <a:scrgbClr r="0" g="0" b="0"/>
+      </a:effectRef>
+      <a:fontRef idx="minor"/>
+    </dgm:style>
+  </dgm:styleLbl>
+  <dgm:styleLbl name="fgShp">
+    <dgm:scene3d>
+      <a:camera prst="orthographicFront"/>
+      <a:lightRig rig="threePt" dir="t"/>
+    </dgm:scene3d>
+    <dgm:sp3d/>
+    <dgm:txPr/>
+    <dgm:style>
+      <a:lnRef idx="2">
+        <a:scrgbClr r="0" g="0" b="0"/>
+      </a:lnRef>
+      <a:fillRef idx="1">
+        <a:scrgbClr r="0" g="0" b="0"/>
+      </a:fillRef>
+      <a:effectRef idx="0">
+        <a:scrgbClr r="0" g="0" b="0"/>
+      </a:effectRef>
+      <a:fontRef idx="minor"/>
+    </dgm:style>
+  </dgm:styleLbl>
+  <dgm:styleLbl name="revTx">
+    <dgm:scene3d>
+      <a:camera prst="orthographicFront"/>
+      <a:lightRig rig="threePt" dir="t"/>
+    </dgm:scene3d>
+    <dgm:sp3d/>
+    <dgm:txPr/>
+    <dgm:style>
+      <a:lnRef idx="0">
+        <a:scrgbClr r="0" g="0" b="0"/>
+      </a:lnRef>
+      <a:fillRef idx="0">
+        <a:scrgbClr r="0" g="0" b="0"/>
+      </a:fillRef>
+      <a:effectRef idx="0">
+        <a:scrgbClr r="0" g="0" b="0"/>
+      </a:effectRef>
+      <a:fontRef idx="minor"/>
+    </dgm:style>
+  </dgm:styleLbl>
+</dgm:styleDef>
+</file>
+
+<file path=ppt/drawings/drawing1.xml><?xml version="1.0" encoding="utf-8"?>
+<c:userShapes xmlns:c="http://schemas.openxmlformats.org/drawingml/2006/chart">
+  <cdr:relSizeAnchor xmlns:cdr="http://schemas.openxmlformats.org/drawingml/2006/chartDrawing">
+    <cdr:from>
+      <cdr:x>0.32188</cdr:x>
+      <cdr:y>0.05556</cdr:y>
+    </cdr:from>
+    <cdr:to>
+      <cdr:x>0.52188</cdr:x>
+      <cdr:y>0.38889</cdr:y>
+    </cdr:to>
+    <cdr:sp macro="" textlink="">
+      <cdr:nvSpPr>
+        <cdr:cNvPr id="2" name="TextBox 1"/>
+        <cdr:cNvSpPr txBox="1"/>
+      </cdr:nvSpPr>
+      <cdr:spPr>
+        <a:xfrm xmlns:a="http://schemas.openxmlformats.org/drawingml/2006/main">
+          <a:off x="1471613" y="152400"/>
+          <a:ext cx="914400" cy="914400"/>
+        </a:xfrm>
+        <a:prstGeom xmlns:a="http://schemas.openxmlformats.org/drawingml/2006/main" prst="rect">
+          <a:avLst/>
+        </a:prstGeom>
+      </cdr:spPr>
+      <cdr:txBody>
+        <a:bodyPr xmlns:a="http://schemas.openxmlformats.org/drawingml/2006/main" vertOverflow="clip" wrap="none" rtlCol="0"/>
+        <a:lstStyle xmlns:a="http://schemas.openxmlformats.org/drawingml/2006/main"/>
+        <a:p xmlns:a="http://schemas.openxmlformats.org/drawingml/2006/main">
+          <a:endParaRPr lang="en-US" sz="1100"/>
+        </a:p>
+      </cdr:txBody>
+    </cdr:sp>
+  </cdr:relSizeAnchor>
+</c:userShapes>
 </file>
 
 <file path=ppt/slideLayouts/slideLayout1.xml><?xml version="1.0" encoding="utf-8"?>
@@ -1646,7 +8128,7 @@
           <a:p>
             <a:fld id="{F4CCEE5C-0195-48FC-A8EA-C4CF7619EA75}" type="datetimeFigureOut">
               <a:rPr lang="en-US" smtClean="0"/>
-              <a:t>9/1/2012</a:t>
+              <a:t>9/2/2012</a:t>
             </a:fld>
             <a:endParaRPr lang="en-US"/>
           </a:p>
@@ -2751,7 +9233,7 @@
           <a:p>
             <a:fld id="{F4CCEE5C-0195-48FC-A8EA-C4CF7619EA75}" type="datetimeFigureOut">
               <a:rPr lang="en-US" smtClean="0"/>
-              <a:t>9/1/2012</a:t>
+              <a:t>9/2/2012</a:t>
             </a:fld>
             <a:endParaRPr lang="en-US"/>
           </a:p>
@@ -3864,7 +10346,7 @@
           <a:p>
             <a:fld id="{F4CCEE5C-0195-48FC-A8EA-C4CF7619EA75}" type="datetimeFigureOut">
               <a:rPr lang="en-US" smtClean="0"/>
-              <a:t>9/1/2012</a:t>
+              <a:t>9/2/2012</a:t>
             </a:fld>
             <a:endParaRPr lang="en-US"/>
           </a:p>
@@ -4972,7 +11454,7 @@
           <a:p>
             <a:fld id="{F4CCEE5C-0195-48FC-A8EA-C4CF7619EA75}" type="datetimeFigureOut">
               <a:rPr lang="en-US" smtClean="0"/>
-              <a:t>9/1/2012</a:t>
+              <a:t>9/2/2012</a:t>
             </a:fld>
             <a:endParaRPr lang="en-US"/>
           </a:p>
@@ -6565,7 +13047,7 @@
           <a:p>
             <a:fld id="{F4CCEE5C-0195-48FC-A8EA-C4CF7619EA75}" type="datetimeFigureOut">
               <a:rPr lang="en-US" smtClean="0"/>
-              <a:t>9/1/2012</a:t>
+              <a:t>9/2/2012</a:t>
             </a:fld>
             <a:endParaRPr lang="en-US"/>
           </a:p>
@@ -7623,7 +14105,7 @@
           <a:p>
             <a:fld id="{F4CCEE5C-0195-48FC-A8EA-C4CF7619EA75}" type="datetimeFigureOut">
               <a:rPr lang="en-US" smtClean="0"/>
-              <a:t>9/1/2012</a:t>
+              <a:t>9/2/2012</a:t>
             </a:fld>
             <a:endParaRPr lang="en-US"/>
           </a:p>
@@ -8950,7 +15432,7 @@
           <a:p>
             <a:fld id="{F4CCEE5C-0195-48FC-A8EA-C4CF7619EA75}" type="datetimeFigureOut">
               <a:rPr lang="en-US" smtClean="0"/>
-              <a:t>9/1/2012</a:t>
+              <a:t>9/2/2012</a:t>
             </a:fld>
             <a:endParaRPr lang="en-US"/>
           </a:p>
@@ -10087,7 +16569,7 @@
           <a:p>
             <a:fld id="{F4CCEE5C-0195-48FC-A8EA-C4CF7619EA75}" type="datetimeFigureOut">
               <a:rPr lang="en-US" smtClean="0"/>
-              <a:t>9/1/2012</a:t>
+              <a:t>9/2/2012</a:t>
             </a:fld>
             <a:endParaRPr lang="en-US"/>
           </a:p>
@@ -11143,7 +17625,7 @@
           <a:p>
             <a:fld id="{F4CCEE5C-0195-48FC-A8EA-C4CF7619EA75}" type="datetimeFigureOut">
               <a:rPr lang="en-US" smtClean="0"/>
-              <a:t>9/1/2012</a:t>
+              <a:t>9/2/2012</a:t>
             </a:fld>
             <a:endParaRPr lang="en-US"/>
           </a:p>
@@ -12181,7 +18663,7 @@
           <a:p>
             <a:fld id="{F4CCEE5C-0195-48FC-A8EA-C4CF7619EA75}" type="datetimeFigureOut">
               <a:rPr lang="en-US" smtClean="0"/>
-              <a:t>9/1/2012</a:t>
+              <a:t>9/2/2012</a:t>
             </a:fld>
             <a:endParaRPr lang="en-US"/>
           </a:p>
@@ -13416,7 +19898,7 @@
           <a:p>
             <a:fld id="{F4CCEE5C-0195-48FC-A8EA-C4CF7619EA75}" type="datetimeFigureOut">
               <a:rPr lang="en-US" smtClean="0"/>
-              <a:t>9/1/2012</a:t>
+              <a:t>9/2/2012</a:t>
             </a:fld>
             <a:endParaRPr lang="en-US"/>
           </a:p>
@@ -13769,7 +20251,7 @@
           <a:p>
             <a:fld id="{F4CCEE5C-0195-48FC-A8EA-C4CF7619EA75}" type="datetimeFigureOut">
               <a:rPr lang="en-US" smtClean="0"/>
-              <a:t>9/1/2012</a:t>
+              <a:t>9/2/2012</a:t>
             </a:fld>
             <a:endParaRPr lang="en-US"/>
           </a:p>
@@ -14311,6 +20793,686 @@
 </p:sld>
 </file>
 
+<file path=ppt/slides/slide10.xml><?xml version="1.0" encoding="utf-8"?>
+<p:sld xmlns:a="http://schemas.openxmlformats.org/drawingml/2006/main" xmlns:r="http://schemas.openxmlformats.org/officeDocument/2006/relationships" xmlns:p="http://schemas.openxmlformats.org/presentationml/2006/main">
+  <p:cSld>
+    <p:spTree>
+      <p:nvGrpSpPr>
+        <p:cNvPr id="1" name=""/>
+        <p:cNvGrpSpPr/>
+        <p:nvPr/>
+      </p:nvGrpSpPr>
+      <p:grpSpPr>
+        <a:xfrm>
+          <a:off x="0" y="0"/>
+          <a:ext cx="0" cy="0"/>
+          <a:chOff x="0" y="0"/>
+          <a:chExt cx="0" cy="0"/>
+        </a:xfrm>
+      </p:grpSpPr>
+      <p:sp>
+        <p:nvSpPr>
+          <p:cNvPr id="2" name="Title 1"/>
+          <p:cNvSpPr>
+            <a:spLocks noGrp="1"/>
+          </p:cNvSpPr>
+          <p:nvPr>
+            <p:ph type="title"/>
+          </p:nvPr>
+        </p:nvSpPr>
+        <p:spPr/>
+        <p:txBody>
+          <a:bodyPr/>
+          <a:lstStyle/>
+          <a:p>
+            <a:r>
+              <a:rPr lang="en-US" dirty="0" smtClean="0"/>
+              <a:t>Properties of queues</a:t>
+            </a:r>
+            <a:endParaRPr lang="en-US" dirty="0"/>
+          </a:p>
+        </p:txBody>
+      </p:sp>
+      <p:graphicFrame>
+        <p:nvGraphicFramePr>
+          <p:cNvPr id="4" name="Content Placeholder 3"/>
+          <p:cNvGraphicFramePr>
+            <a:graphicFrameLocks noGrp="1"/>
+          </p:cNvGraphicFramePr>
+          <p:nvPr>
+            <p:ph idx="1"/>
+            <p:extLst>
+              <p:ext uri="{D42A27DB-BD31-4B8C-83A1-F6EECF244321}">
+                <p14:modId xmlns:p14="http://schemas.microsoft.com/office/powerpoint/2010/main" val="1417146015"/>
+              </p:ext>
+            </p:extLst>
+          </p:nvPr>
+        </p:nvGraphicFramePr>
+        <p:xfrm>
+          <a:off x="685800" y="1600200"/>
+          <a:ext cx="7772400" cy="3733800"/>
+        </p:xfrm>
+        <a:graphic>
+          <a:graphicData uri="http://schemas.openxmlformats.org/drawingml/2006/diagram">
+            <dgm:relIds xmlns:dgm="http://schemas.openxmlformats.org/drawingml/2006/diagram" xmlns:r="http://schemas.openxmlformats.org/officeDocument/2006/relationships" r:dm="rId2" r:lo="rId3" r:qs="rId4" r:cs="rId5"/>
+          </a:graphicData>
+        </a:graphic>
+      </p:graphicFrame>
+    </p:spTree>
+    <p:extLst>
+      <p:ext uri="{BB962C8B-B14F-4D97-AF65-F5344CB8AC3E}">
+        <p14:creationId xmlns:p14="http://schemas.microsoft.com/office/powerpoint/2010/main" val="510245149"/>
+      </p:ext>
+    </p:extLst>
+  </p:cSld>
+  <p:clrMapOvr>
+    <a:masterClrMapping/>
+  </p:clrMapOvr>
+</p:sld>
+</file>
+
+<file path=ppt/slides/slide11.xml><?xml version="1.0" encoding="utf-8"?>
+<p:sld xmlns:a="http://schemas.openxmlformats.org/drawingml/2006/main" xmlns:r="http://schemas.openxmlformats.org/officeDocument/2006/relationships" xmlns:p="http://schemas.openxmlformats.org/presentationml/2006/main">
+  <p:cSld>
+    <p:spTree>
+      <p:nvGrpSpPr>
+        <p:cNvPr id="1" name=""/>
+        <p:cNvGrpSpPr/>
+        <p:nvPr/>
+      </p:nvGrpSpPr>
+      <p:grpSpPr>
+        <a:xfrm>
+          <a:off x="0" y="0"/>
+          <a:ext cx="0" cy="0"/>
+          <a:chOff x="0" y="0"/>
+          <a:chExt cx="0" cy="0"/>
+        </a:xfrm>
+      </p:grpSpPr>
+      <p:sp>
+        <p:nvSpPr>
+          <p:cNvPr id="2" name="Title 1"/>
+          <p:cNvSpPr>
+            <a:spLocks noGrp="1"/>
+          </p:cNvSpPr>
+          <p:nvPr>
+            <p:ph type="title"/>
+          </p:nvPr>
+        </p:nvSpPr>
+        <p:spPr/>
+        <p:txBody>
+          <a:bodyPr/>
+          <a:lstStyle/>
+          <a:p>
+            <a:r>
+              <a:rPr lang="en-US" dirty="0" smtClean="0"/>
+              <a:t>Durability</a:t>
+            </a:r>
+            <a:endParaRPr lang="en-US" dirty="0"/>
+          </a:p>
+        </p:txBody>
+      </p:sp>
+      <p:sp>
+        <p:nvSpPr>
+          <p:cNvPr id="3" name="Content Placeholder 2"/>
+          <p:cNvSpPr>
+            <a:spLocks noGrp="1"/>
+          </p:cNvSpPr>
+          <p:nvPr>
+            <p:ph idx="1"/>
+          </p:nvPr>
+        </p:nvSpPr>
+        <p:spPr/>
+        <p:txBody>
+          <a:bodyPr/>
+          <a:lstStyle/>
+          <a:p>
+            <a:r>
+              <a:rPr lang="en-US" dirty="0" smtClean="0"/>
+              <a:t>Messages are written to persistent store</a:t>
+            </a:r>
+          </a:p>
+          <a:p>
+            <a:r>
+              <a:rPr lang="en-US" dirty="0" smtClean="0"/>
+              <a:t>Recoverable in the event of power outage</a:t>
+            </a:r>
+            <a:endParaRPr lang="en-US" dirty="0"/>
+          </a:p>
+        </p:txBody>
+      </p:sp>
+    </p:spTree>
+    <p:extLst>
+      <p:ext uri="{BB962C8B-B14F-4D97-AF65-F5344CB8AC3E}">
+        <p14:creationId xmlns:p14="http://schemas.microsoft.com/office/powerpoint/2010/main" val="2985907968"/>
+      </p:ext>
+    </p:extLst>
+  </p:cSld>
+  <p:clrMapOvr>
+    <a:masterClrMapping/>
+  </p:clrMapOvr>
+</p:sld>
+</file>
+
+<file path=ppt/slides/slide12.xml><?xml version="1.0" encoding="utf-8"?>
+<p:sld xmlns:a="http://schemas.openxmlformats.org/drawingml/2006/main" xmlns:r="http://schemas.openxmlformats.org/officeDocument/2006/relationships" xmlns:p="http://schemas.openxmlformats.org/presentationml/2006/main">
+  <p:cSld>
+    <p:spTree>
+      <p:nvGrpSpPr>
+        <p:cNvPr id="1" name=""/>
+        <p:cNvGrpSpPr/>
+        <p:nvPr/>
+      </p:nvGrpSpPr>
+      <p:grpSpPr>
+        <a:xfrm>
+          <a:off x="0" y="0"/>
+          <a:ext cx="0" cy="0"/>
+          <a:chOff x="0" y="0"/>
+          <a:chExt cx="0" cy="0"/>
+        </a:xfrm>
+      </p:grpSpPr>
+      <p:sp>
+        <p:nvSpPr>
+          <p:cNvPr id="2" name="Title 1"/>
+          <p:cNvSpPr>
+            <a:spLocks noGrp="1"/>
+          </p:cNvSpPr>
+          <p:nvPr>
+            <p:ph type="title"/>
+          </p:nvPr>
+        </p:nvSpPr>
+        <p:spPr/>
+        <p:txBody>
+          <a:bodyPr/>
+          <a:lstStyle/>
+          <a:p>
+            <a:r>
+              <a:rPr lang="en-US" dirty="0" smtClean="0"/>
+              <a:t>Reliability	</a:t>
+            </a:r>
+            <a:endParaRPr lang="en-US" dirty="0"/>
+          </a:p>
+        </p:txBody>
+      </p:sp>
+      <p:sp>
+        <p:nvSpPr>
+          <p:cNvPr id="3" name="Content Placeholder 2"/>
+          <p:cNvSpPr>
+            <a:spLocks noGrp="1"/>
+          </p:cNvSpPr>
+          <p:nvPr>
+            <p:ph idx="1"/>
+          </p:nvPr>
+        </p:nvSpPr>
+        <p:spPr/>
+        <p:txBody>
+          <a:bodyPr/>
+          <a:lstStyle/>
+          <a:p>
+            <a:r>
+              <a:rPr lang="en-US" dirty="0" smtClean="0"/>
+              <a:t>Messages are delivered at least once</a:t>
+            </a:r>
+          </a:p>
+          <a:p>
+            <a:r>
+              <a:rPr lang="en-US" dirty="0" smtClean="0"/>
+              <a:t>In many queues messages can be delivered more than once</a:t>
+            </a:r>
+          </a:p>
+          <a:p>
+            <a:r>
+              <a:rPr lang="en-US" dirty="0" smtClean="0"/>
+              <a:t>Distributed transaction support</a:t>
+            </a:r>
+            <a:endParaRPr lang="en-US" dirty="0"/>
+          </a:p>
+        </p:txBody>
+      </p:sp>
+    </p:spTree>
+    <p:extLst>
+      <p:ext uri="{BB962C8B-B14F-4D97-AF65-F5344CB8AC3E}">
+        <p14:creationId xmlns:p14="http://schemas.microsoft.com/office/powerpoint/2010/main" val="1512437430"/>
+      </p:ext>
+    </p:extLst>
+  </p:cSld>
+  <p:clrMapOvr>
+    <a:masterClrMapping/>
+  </p:clrMapOvr>
+</p:sld>
+</file>
+
+<file path=ppt/slides/slide13.xml><?xml version="1.0" encoding="utf-8"?>
+<p:sld xmlns:a="http://schemas.openxmlformats.org/drawingml/2006/main" xmlns:r="http://schemas.openxmlformats.org/officeDocument/2006/relationships" xmlns:p="http://schemas.openxmlformats.org/presentationml/2006/main">
+  <p:cSld>
+    <p:spTree>
+      <p:nvGrpSpPr>
+        <p:cNvPr id="1" name=""/>
+        <p:cNvGrpSpPr/>
+        <p:nvPr/>
+      </p:nvGrpSpPr>
+      <p:grpSpPr>
+        <a:xfrm>
+          <a:off x="0" y="0"/>
+          <a:ext cx="0" cy="0"/>
+          <a:chOff x="0" y="0"/>
+          <a:chExt cx="0" cy="0"/>
+        </a:xfrm>
+      </p:grpSpPr>
+      <p:sp>
+        <p:nvSpPr>
+          <p:cNvPr id="2" name="Title 1"/>
+          <p:cNvSpPr>
+            <a:spLocks noGrp="1"/>
+          </p:cNvSpPr>
+          <p:nvPr>
+            <p:ph type="title"/>
+          </p:nvPr>
+        </p:nvSpPr>
+        <p:spPr/>
+        <p:txBody>
+          <a:bodyPr/>
+          <a:lstStyle/>
+          <a:p>
+            <a:r>
+              <a:rPr lang="en-US" dirty="0" smtClean="0"/>
+              <a:t>Speed</a:t>
+            </a:r>
+            <a:endParaRPr lang="en-US" dirty="0"/>
+          </a:p>
+        </p:txBody>
+      </p:sp>
+      <p:sp>
+        <p:nvSpPr>
+          <p:cNvPr id="3" name="Content Placeholder 2"/>
+          <p:cNvSpPr>
+            <a:spLocks noGrp="1"/>
+          </p:cNvSpPr>
+          <p:nvPr>
+            <p:ph idx="1"/>
+          </p:nvPr>
+        </p:nvSpPr>
+        <p:spPr/>
+        <p:txBody>
+          <a:bodyPr/>
+          <a:lstStyle/>
+          <a:p>
+            <a:r>
+              <a:rPr lang="en-US" dirty="0" smtClean="0"/>
+              <a:t>Thousands of messages a second can be processed</a:t>
+            </a:r>
+          </a:p>
+          <a:p>
+            <a:r>
+              <a:rPr lang="en-US" dirty="0" smtClean="0"/>
+              <a:t>Doesn’t encounter the trashing issues common with web services</a:t>
+            </a:r>
+            <a:endParaRPr lang="en-US" dirty="0"/>
+          </a:p>
+        </p:txBody>
+      </p:sp>
+    </p:spTree>
+    <p:extLst>
+      <p:ext uri="{BB962C8B-B14F-4D97-AF65-F5344CB8AC3E}">
+        <p14:creationId xmlns:p14="http://schemas.microsoft.com/office/powerpoint/2010/main" val="799629747"/>
+      </p:ext>
+    </p:extLst>
+  </p:cSld>
+  <p:clrMapOvr>
+    <a:masterClrMapping/>
+  </p:clrMapOvr>
+</p:sld>
+</file>
+
+<file path=ppt/slides/slide14.xml><?xml version="1.0" encoding="utf-8"?>
+<p:sld xmlns:a="http://schemas.openxmlformats.org/drawingml/2006/main" xmlns:r="http://schemas.openxmlformats.org/officeDocument/2006/relationships" xmlns:p="http://schemas.openxmlformats.org/presentationml/2006/main">
+  <p:cSld>
+    <p:spTree>
+      <p:nvGrpSpPr>
+        <p:cNvPr id="1" name=""/>
+        <p:cNvGrpSpPr/>
+        <p:nvPr/>
+      </p:nvGrpSpPr>
+      <p:grpSpPr>
+        <a:xfrm>
+          <a:off x="0" y="0"/>
+          <a:ext cx="0" cy="0"/>
+          <a:chOff x="0" y="0"/>
+          <a:chExt cx="0" cy="0"/>
+        </a:xfrm>
+      </p:grpSpPr>
+      <p:sp>
+        <p:nvSpPr>
+          <p:cNvPr id="2" name="Title 1"/>
+          <p:cNvSpPr>
+            <a:spLocks noGrp="1"/>
+          </p:cNvSpPr>
+          <p:nvPr>
+            <p:ph type="title"/>
+          </p:nvPr>
+        </p:nvSpPr>
+        <p:spPr/>
+        <p:txBody>
+          <a:bodyPr/>
+          <a:lstStyle/>
+          <a:p>
+            <a:r>
+              <a:rPr lang="en-US" dirty="0" smtClean="0"/>
+              <a:t>Scalability vs. Web services</a:t>
+            </a:r>
+            <a:endParaRPr lang="en-US" dirty="0"/>
+          </a:p>
+        </p:txBody>
+      </p:sp>
+      <p:graphicFrame>
+        <p:nvGraphicFramePr>
+          <p:cNvPr id="5" name="Content Placeholder 4"/>
+          <p:cNvGraphicFramePr>
+            <a:graphicFrameLocks noGrp="1"/>
+          </p:cNvGraphicFramePr>
+          <p:nvPr>
+            <p:ph idx="1"/>
+            <p:extLst>
+              <p:ext uri="{D42A27DB-BD31-4B8C-83A1-F6EECF244321}">
+                <p14:modId xmlns:p14="http://schemas.microsoft.com/office/powerpoint/2010/main" val="2989732804"/>
+              </p:ext>
+            </p:extLst>
+          </p:nvPr>
+        </p:nvGraphicFramePr>
+        <p:xfrm>
+          <a:off x="685800" y="1600200"/>
+          <a:ext cx="7772400" cy="3733800"/>
+        </p:xfrm>
+        <a:graphic>
+          <a:graphicData uri="http://schemas.openxmlformats.org/drawingml/2006/chart">
+            <c:chart xmlns:c="http://schemas.openxmlformats.org/drawingml/2006/chart" xmlns:r="http://schemas.openxmlformats.org/officeDocument/2006/relationships" r:id="rId2"/>
+          </a:graphicData>
+        </a:graphic>
+      </p:graphicFrame>
+      <p:sp>
+        <p:nvSpPr>
+          <p:cNvPr id="6" name="TextBox 5"/>
+          <p:cNvSpPr txBox="1"/>
+          <p:nvPr/>
+        </p:nvSpPr>
+        <p:spPr>
+          <a:xfrm>
+            <a:off x="3183673" y="5376075"/>
+            <a:ext cx="1936749" cy="369332"/>
+          </a:xfrm>
+          <a:prstGeom prst="rect">
+            <a:avLst/>
+          </a:prstGeom>
+          <a:noFill/>
+        </p:spPr>
+        <p:txBody>
+          <a:bodyPr wrap="none" rtlCol="0">
+            <a:spAutoFit/>
+          </a:bodyPr>
+          <a:lstStyle/>
+          <a:p>
+            <a:r>
+              <a:rPr lang="en-US" dirty="0" smtClean="0"/>
+              <a:t>Incoming Requests</a:t>
+            </a:r>
+            <a:endParaRPr lang="en-US" dirty="0"/>
+          </a:p>
+        </p:txBody>
+      </p:sp>
+      <p:sp>
+        <p:nvSpPr>
+          <p:cNvPr id="7" name="TextBox 6"/>
+          <p:cNvSpPr txBox="1"/>
+          <p:nvPr/>
+        </p:nvSpPr>
+        <p:spPr>
+          <a:xfrm rot="5400000">
+            <a:off x="-300437" y="2667001"/>
+            <a:ext cx="1732205" cy="369332"/>
+          </a:xfrm>
+          <a:prstGeom prst="rect">
+            <a:avLst/>
+          </a:prstGeom>
+          <a:noFill/>
+        </p:spPr>
+        <p:txBody>
+          <a:bodyPr wrap="none" rtlCol="0">
+            <a:spAutoFit/>
+          </a:bodyPr>
+          <a:lstStyle/>
+          <a:p>
+            <a:r>
+              <a:rPr lang="en-US" dirty="0" smtClean="0"/>
+              <a:t>Requests Served</a:t>
+            </a:r>
+            <a:endParaRPr lang="en-US" dirty="0"/>
+          </a:p>
+        </p:txBody>
+      </p:sp>
+    </p:spTree>
+    <p:extLst>
+      <p:ext uri="{BB962C8B-B14F-4D97-AF65-F5344CB8AC3E}">
+        <p14:creationId xmlns:p14="http://schemas.microsoft.com/office/powerpoint/2010/main" val="2921902766"/>
+      </p:ext>
+    </p:extLst>
+  </p:cSld>
+  <p:clrMapOvr>
+    <a:masterClrMapping/>
+  </p:clrMapOvr>
+</p:sld>
+</file>
+
+<file path=ppt/slides/slide15.xml><?xml version="1.0" encoding="utf-8"?>
+<p:sld xmlns:a="http://schemas.openxmlformats.org/drawingml/2006/main" xmlns:r="http://schemas.openxmlformats.org/officeDocument/2006/relationships" xmlns:p="http://schemas.openxmlformats.org/presentationml/2006/main">
+  <p:cSld>
+    <p:spTree>
+      <p:nvGrpSpPr>
+        <p:cNvPr id="1" name=""/>
+        <p:cNvGrpSpPr/>
+        <p:nvPr/>
+      </p:nvGrpSpPr>
+      <p:grpSpPr>
+        <a:xfrm>
+          <a:off x="0" y="0"/>
+          <a:ext cx="0" cy="0"/>
+          <a:chOff x="0" y="0"/>
+          <a:chExt cx="0" cy="0"/>
+        </a:xfrm>
+      </p:grpSpPr>
+      <p:sp>
+        <p:nvSpPr>
+          <p:cNvPr id="2" name="Title 1"/>
+          <p:cNvSpPr>
+            <a:spLocks noGrp="1"/>
+          </p:cNvSpPr>
+          <p:nvPr>
+            <p:ph type="title"/>
+          </p:nvPr>
+        </p:nvSpPr>
+        <p:spPr/>
+        <p:txBody>
+          <a:bodyPr>
+            <a:normAutofit fontScale="90000"/>
+          </a:bodyPr>
+          <a:lstStyle/>
+          <a:p>
+            <a:r>
+              <a:rPr lang="en-US" dirty="0" smtClean="0"/>
+              <a:t>Building your application with messages</a:t>
+            </a:r>
+            <a:endParaRPr lang="en-US" dirty="0"/>
+          </a:p>
+        </p:txBody>
+      </p:sp>
+      <p:graphicFrame>
+        <p:nvGraphicFramePr>
+          <p:cNvPr id="5" name="Content Placeholder 4"/>
+          <p:cNvGraphicFramePr>
+            <a:graphicFrameLocks noGrp="1"/>
+          </p:cNvGraphicFramePr>
+          <p:nvPr>
+            <p:ph idx="1"/>
+            <p:extLst>
+              <p:ext uri="{D42A27DB-BD31-4B8C-83A1-F6EECF244321}">
+                <p14:modId xmlns:p14="http://schemas.microsoft.com/office/powerpoint/2010/main" val="2083382166"/>
+              </p:ext>
+            </p:extLst>
+          </p:nvPr>
+        </p:nvGraphicFramePr>
+        <p:xfrm>
+          <a:off x="685800" y="1600200"/>
+          <a:ext cx="7772400" cy="3733800"/>
+        </p:xfrm>
+        <a:graphic>
+          <a:graphicData uri="http://schemas.openxmlformats.org/drawingml/2006/diagram">
+            <dgm:relIds xmlns:dgm="http://schemas.openxmlformats.org/drawingml/2006/diagram" xmlns:r="http://schemas.openxmlformats.org/officeDocument/2006/relationships" r:dm="rId2" r:lo="rId3" r:qs="rId4" r:cs="rId5"/>
+          </a:graphicData>
+        </a:graphic>
+      </p:graphicFrame>
+      <p:sp>
+        <p:nvSpPr>
+          <p:cNvPr id="6" name="TextBox 5"/>
+          <p:cNvSpPr txBox="1"/>
+          <p:nvPr/>
+        </p:nvSpPr>
+        <p:spPr>
+          <a:xfrm>
+            <a:off x="2438400" y="3292764"/>
+            <a:ext cx="1040670" cy="369332"/>
+          </a:xfrm>
+          <a:prstGeom prst="rect">
+            <a:avLst/>
+          </a:prstGeom>
+          <a:noFill/>
+        </p:spPr>
+        <p:txBody>
+          <a:bodyPr wrap="none" rtlCol="0">
+            <a:spAutoFit/>
+          </a:bodyPr>
+          <a:lstStyle/>
+          <a:p>
+            <a:r>
+              <a:rPr lang="en-US" dirty="0" smtClean="0"/>
+              <a:t>Publisher</a:t>
+            </a:r>
+            <a:endParaRPr lang="en-US" dirty="0"/>
+          </a:p>
+        </p:txBody>
+      </p:sp>
+    </p:spTree>
+    <p:extLst>
+      <p:ext uri="{BB962C8B-B14F-4D97-AF65-F5344CB8AC3E}">
+        <p14:creationId xmlns:p14="http://schemas.microsoft.com/office/powerpoint/2010/main" val="1902818329"/>
+      </p:ext>
+    </p:extLst>
+  </p:cSld>
+  <p:clrMapOvr>
+    <a:masterClrMapping/>
+  </p:clrMapOvr>
+</p:sld>
+</file>
+
+<file path=ppt/slides/slide16.xml><?xml version="1.0" encoding="utf-8"?>
+<p:sld xmlns:a="http://schemas.openxmlformats.org/drawingml/2006/main" xmlns:r="http://schemas.openxmlformats.org/officeDocument/2006/relationships" xmlns:p="http://schemas.openxmlformats.org/presentationml/2006/main">
+  <p:cSld>
+    <p:spTree>
+      <p:nvGrpSpPr>
+        <p:cNvPr id="1" name=""/>
+        <p:cNvGrpSpPr/>
+        <p:nvPr/>
+      </p:nvGrpSpPr>
+      <p:grpSpPr>
+        <a:xfrm>
+          <a:off x="0" y="0"/>
+          <a:ext cx="0" cy="0"/>
+          <a:chOff x="0" y="0"/>
+          <a:chExt cx="0" cy="0"/>
+        </a:xfrm>
+      </p:grpSpPr>
+      <p:sp>
+        <p:nvSpPr>
+          <p:cNvPr id="2" name="Title 1"/>
+          <p:cNvSpPr>
+            <a:spLocks noGrp="1"/>
+          </p:cNvSpPr>
+          <p:nvPr>
+            <p:ph type="title"/>
+          </p:nvPr>
+        </p:nvSpPr>
+        <p:spPr/>
+        <p:txBody>
+          <a:bodyPr>
+            <a:normAutofit fontScale="90000"/>
+          </a:bodyPr>
+          <a:lstStyle/>
+          <a:p>
+            <a:r>
+              <a:rPr lang="en-US" dirty="0" smtClean="0"/>
+              <a:t>Building your application with messages</a:t>
+            </a:r>
+            <a:endParaRPr lang="en-US" dirty="0"/>
+          </a:p>
+        </p:txBody>
+      </p:sp>
+      <p:sp>
+        <p:nvSpPr>
+          <p:cNvPr id="3" name="Content Placeholder 2"/>
+          <p:cNvSpPr>
+            <a:spLocks noGrp="1"/>
+          </p:cNvSpPr>
+          <p:nvPr>
+            <p:ph idx="1"/>
+          </p:nvPr>
+        </p:nvSpPr>
+        <p:spPr/>
+        <p:txBody>
+          <a:bodyPr/>
+          <a:lstStyle/>
+          <a:p>
+            <a:r>
+              <a:rPr lang="en-US" dirty="0" smtClean="0"/>
+              <a:t>Creates a well defined API</a:t>
+            </a:r>
+          </a:p>
+          <a:p>
+            <a:r>
+              <a:rPr lang="en-US" dirty="0" smtClean="0"/>
+              <a:t>Promotes low coupling </a:t>
+            </a:r>
+          </a:p>
+          <a:p>
+            <a:r>
+              <a:rPr lang="en-US" dirty="0" smtClean="0"/>
+              <a:t>Easy to scale</a:t>
+            </a:r>
+          </a:p>
+          <a:p>
+            <a:r>
+              <a:rPr lang="en-US" dirty="0" smtClean="0"/>
+              <a:t>Easy to swap components</a:t>
+            </a:r>
+          </a:p>
+          <a:p>
+            <a:r>
+              <a:rPr lang="en-US" dirty="0" smtClean="0"/>
+              <a:t>Creates great extensibility points</a:t>
+            </a:r>
+            <a:endParaRPr lang="en-US" dirty="0"/>
+          </a:p>
+        </p:txBody>
+      </p:sp>
+    </p:spTree>
+    <p:extLst>
+      <p:ext uri="{BB962C8B-B14F-4D97-AF65-F5344CB8AC3E}">
+        <p14:creationId xmlns:p14="http://schemas.microsoft.com/office/powerpoint/2010/main" val="577044540"/>
+      </p:ext>
+    </p:extLst>
+  </p:cSld>
+  <p:clrMapOvr>
+    <a:masterClrMapping/>
+  </p:clrMapOvr>
+</p:sld>
+</file>
+
 <file path=ppt/slides/slide2.xml><?xml version="1.0" encoding="utf-8"?>
 <p:sld xmlns:a="http://schemas.openxmlformats.org/drawingml/2006/main" xmlns:r="http://schemas.openxmlformats.org/officeDocument/2006/relationships" xmlns:p="http://schemas.openxmlformats.org/presentationml/2006/main">
   <p:cSld>
@@ -14343,6 +21505,648 @@
           <a:bodyPr/>
           <a:lstStyle/>
           <a:p>
+            <a:r>
+              <a:rPr lang="en-US" dirty="0" smtClean="0"/>
+              <a:t>What is a queue?</a:t>
+            </a:r>
+            <a:endParaRPr lang="en-US" dirty="0"/>
+          </a:p>
+        </p:txBody>
+      </p:sp>
+      <p:sp>
+        <p:nvSpPr>
+          <p:cNvPr id="3" name="Content Placeholder 2"/>
+          <p:cNvSpPr>
+            <a:spLocks noGrp="1"/>
+          </p:cNvSpPr>
+          <p:nvPr>
+            <p:ph idx="1"/>
+          </p:nvPr>
+        </p:nvSpPr>
+        <p:spPr/>
+        <p:txBody>
+          <a:bodyPr/>
+          <a:lstStyle/>
+          <a:p>
+            <a:r>
+              <a:rPr lang="en-US" dirty="0" smtClean="0"/>
+              <a:t>Infinite loaf of bread</a:t>
+            </a:r>
+          </a:p>
+          <a:p>
+            <a:r>
+              <a:rPr lang="en-US" dirty="0" smtClean="0"/>
+              <a:t>Maybe an infinite bread bin with a finite amount of bread</a:t>
+            </a:r>
+            <a:endParaRPr lang="en-US" dirty="0"/>
+          </a:p>
+        </p:txBody>
+      </p:sp>
+    </p:spTree>
+    <p:extLst>
+      <p:ext uri="{BB962C8B-B14F-4D97-AF65-F5344CB8AC3E}">
+        <p14:creationId xmlns:p14="http://schemas.microsoft.com/office/powerpoint/2010/main" val="4150487673"/>
+      </p:ext>
+    </p:extLst>
+  </p:cSld>
+  <p:clrMapOvr>
+    <a:masterClrMapping/>
+  </p:clrMapOvr>
+</p:sld>
+</file>
+
+<file path=ppt/slides/slide3.xml><?xml version="1.0" encoding="utf-8"?>
+<p:sld xmlns:a="http://schemas.openxmlformats.org/drawingml/2006/main" xmlns:r="http://schemas.openxmlformats.org/officeDocument/2006/relationships" xmlns:p="http://schemas.openxmlformats.org/presentationml/2006/main">
+  <p:cSld>
+    <p:spTree>
+      <p:nvGrpSpPr>
+        <p:cNvPr id="1" name=""/>
+        <p:cNvGrpSpPr/>
+        <p:nvPr/>
+      </p:nvGrpSpPr>
+      <p:grpSpPr>
+        <a:xfrm>
+          <a:off x="0" y="0"/>
+          <a:ext cx="0" cy="0"/>
+          <a:chOff x="0" y="0"/>
+          <a:chExt cx="0" cy="0"/>
+        </a:xfrm>
+      </p:grpSpPr>
+      <p:sp>
+        <p:nvSpPr>
+          <p:cNvPr id="2" name="Title 1"/>
+          <p:cNvSpPr>
+            <a:spLocks noGrp="1"/>
+          </p:cNvSpPr>
+          <p:nvPr>
+            <p:ph type="title"/>
+          </p:nvPr>
+        </p:nvSpPr>
+        <p:spPr/>
+        <p:txBody>
+          <a:bodyPr/>
+          <a:lstStyle/>
+          <a:p>
+            <a:r>
+              <a:rPr lang="en-US" dirty="0" smtClean="0"/>
+              <a:t>Bread?</a:t>
+            </a:r>
+            <a:endParaRPr lang="en-US" dirty="0"/>
+          </a:p>
+        </p:txBody>
+      </p:sp>
+      <p:pic>
+        <p:nvPicPr>
+          <p:cNvPr id="4" name="Picture 2"/>
+          <p:cNvPicPr>
+            <a:picLocks noChangeAspect="1" noChangeArrowheads="1"/>
+          </p:cNvPicPr>
+          <p:nvPr/>
+        </p:nvPicPr>
+        <p:blipFill>
+          <a:blip r:embed="rId2">
+            <a:extLst>
+              <a:ext uri="{28A0092B-C50C-407E-A947-70E740481C1C}">
+                <a14:useLocalDpi xmlns:a14="http://schemas.microsoft.com/office/drawing/2010/main" val="0"/>
+              </a:ext>
+            </a:extLst>
+          </a:blip>
+          <a:srcRect/>
+          <a:stretch>
+            <a:fillRect/>
+          </a:stretch>
+        </p:blipFill>
+        <p:spPr bwMode="auto">
+          <a:xfrm>
+            <a:off x="2286000" y="1676400"/>
+            <a:ext cx="4381500" cy="2743200"/>
+          </a:xfrm>
+          <a:prstGeom prst="rect">
+            <a:avLst/>
+          </a:prstGeom>
+          <a:noFill/>
+          <a:ln>
+            <a:noFill/>
+          </a:ln>
+          <a:effectLst/>
+          <a:extLst>
+            <a:ext uri="{909E8E84-426E-40DD-AFC4-6F175D3DCCD1}">
+              <a14:hiddenFill xmlns:a14="http://schemas.microsoft.com/office/drawing/2010/main">
+                <a:solidFill>
+                  <a:schemeClr val="accent1"/>
+                </a:solidFill>
+              </a14:hiddenFill>
+            </a:ext>
+            <a:ext uri="{91240B29-F687-4F45-9708-019B960494DF}">
+              <a14:hiddenLine xmlns:a14="http://schemas.microsoft.com/office/drawing/2010/main" w="9525">
+                <a:solidFill>
+                  <a:schemeClr val="tx1"/>
+                </a:solidFill>
+                <a:miter lim="800000"/>
+                <a:headEnd/>
+                <a:tailEnd/>
+              </a14:hiddenLine>
+            </a:ext>
+            <a:ext uri="{AF507438-7753-43E0-B8FC-AC1667EBCBE1}">
+              <a14:hiddenEffects xmlns:a14="http://schemas.microsoft.com/office/drawing/2010/main">
+                <a:effectLst>
+                  <a:outerShdw dist="35921" dir="2700000" algn="ctr" rotWithShape="0">
+                    <a:schemeClr val="bg2"/>
+                  </a:outerShdw>
+                </a:effectLst>
+              </a14:hiddenEffects>
+            </a:ext>
+          </a:extLst>
+        </p:spPr>
+      </p:pic>
+      <p:sp>
+        <p:nvSpPr>
+          <p:cNvPr id="5" name="Left Arrow 4"/>
+          <p:cNvSpPr/>
+          <p:nvPr/>
+        </p:nvSpPr>
+        <p:spPr>
+          <a:xfrm rot="21060348">
+            <a:off x="6921512" y="2037964"/>
+            <a:ext cx="1295400" cy="914400"/>
+          </a:xfrm>
+          <a:prstGeom prst="leftArrow">
+            <a:avLst/>
+          </a:prstGeom>
+        </p:spPr>
+        <p:style>
+          <a:lnRef idx="2">
+            <a:schemeClr val="accent1">
+              <a:shade val="50000"/>
+            </a:schemeClr>
+          </a:lnRef>
+          <a:fillRef idx="1">
+            <a:schemeClr val="accent1"/>
+          </a:fillRef>
+          <a:effectRef idx="0">
+            <a:schemeClr val="accent1"/>
+          </a:effectRef>
+          <a:fontRef idx="minor">
+            <a:schemeClr val="lt1"/>
+          </a:fontRef>
+        </p:style>
+        <p:txBody>
+          <a:bodyPr rtlCol="0" anchor="ctr"/>
+          <a:lstStyle/>
+          <a:p>
+            <a:pPr algn="ctr"/>
+            <a:endParaRPr lang="en-US"/>
+          </a:p>
+        </p:txBody>
+      </p:sp>
+      <p:sp>
+        <p:nvSpPr>
+          <p:cNvPr id="6" name="Left Arrow 5"/>
+          <p:cNvSpPr/>
+          <p:nvPr/>
+        </p:nvSpPr>
+        <p:spPr>
+          <a:xfrm rot="21326287">
+            <a:off x="796312" y="3250467"/>
+            <a:ext cx="1295400" cy="914400"/>
+          </a:xfrm>
+          <a:prstGeom prst="leftArrow">
+            <a:avLst/>
+          </a:prstGeom>
+        </p:spPr>
+        <p:style>
+          <a:lnRef idx="2">
+            <a:schemeClr val="accent1">
+              <a:shade val="50000"/>
+            </a:schemeClr>
+          </a:lnRef>
+          <a:fillRef idx="1">
+            <a:schemeClr val="accent1"/>
+          </a:fillRef>
+          <a:effectRef idx="0">
+            <a:schemeClr val="accent1"/>
+          </a:effectRef>
+          <a:fontRef idx="minor">
+            <a:schemeClr val="lt1"/>
+          </a:fontRef>
+        </p:style>
+        <p:txBody>
+          <a:bodyPr rtlCol="0" anchor="ctr"/>
+          <a:lstStyle/>
+          <a:p>
+            <a:pPr algn="ctr"/>
+            <a:endParaRPr lang="en-US"/>
+          </a:p>
+        </p:txBody>
+      </p:sp>
+      <p:sp>
+        <p:nvSpPr>
+          <p:cNvPr id="7" name="TextBox 6"/>
+          <p:cNvSpPr txBox="1"/>
+          <p:nvPr/>
+        </p:nvSpPr>
+        <p:spPr>
+          <a:xfrm>
+            <a:off x="990600" y="4419600"/>
+            <a:ext cx="1066510" cy="369332"/>
+          </a:xfrm>
+          <a:prstGeom prst="rect">
+            <a:avLst/>
+          </a:prstGeom>
+          <a:noFill/>
+        </p:spPr>
+        <p:txBody>
+          <a:bodyPr wrap="none" rtlCol="0">
+            <a:spAutoFit/>
+          </a:bodyPr>
+          <a:lstStyle/>
+          <a:p>
+            <a:r>
+              <a:rPr lang="en-US" dirty="0" smtClean="0"/>
+              <a:t>Eat bread</a:t>
+            </a:r>
+            <a:endParaRPr lang="en-US" dirty="0"/>
+          </a:p>
+        </p:txBody>
+      </p:sp>
+      <p:sp>
+        <p:nvSpPr>
+          <p:cNvPr id="8" name="TextBox 7"/>
+          <p:cNvSpPr txBox="1"/>
+          <p:nvPr/>
+        </p:nvSpPr>
+        <p:spPr>
+          <a:xfrm>
+            <a:off x="7315200" y="3015734"/>
+            <a:ext cx="1268039" cy="369332"/>
+          </a:xfrm>
+          <a:prstGeom prst="rect">
+            <a:avLst/>
+          </a:prstGeom>
+          <a:noFill/>
+        </p:spPr>
+        <p:txBody>
+          <a:bodyPr wrap="none" rtlCol="0">
+            <a:spAutoFit/>
+          </a:bodyPr>
+          <a:lstStyle/>
+          <a:p>
+            <a:r>
+              <a:rPr lang="en-US" dirty="0" smtClean="0"/>
+              <a:t>Make bread</a:t>
+            </a:r>
+            <a:endParaRPr lang="en-US" dirty="0"/>
+          </a:p>
+        </p:txBody>
+      </p:sp>
+    </p:spTree>
+    <p:extLst>
+      <p:ext uri="{BB962C8B-B14F-4D97-AF65-F5344CB8AC3E}">
+        <p14:creationId xmlns:p14="http://schemas.microsoft.com/office/powerpoint/2010/main" val="893048310"/>
+      </p:ext>
+    </p:extLst>
+  </p:cSld>
+  <p:clrMapOvr>
+    <a:masterClrMapping/>
+  </p:clrMapOvr>
+</p:sld>
+</file>
+
+<file path=ppt/slides/slide4.xml><?xml version="1.0" encoding="utf-8"?>
+<p:sld xmlns:a="http://schemas.openxmlformats.org/drawingml/2006/main" xmlns:r="http://schemas.openxmlformats.org/officeDocument/2006/relationships" xmlns:p="http://schemas.openxmlformats.org/presentationml/2006/main">
+  <p:cSld>
+    <p:spTree>
+      <p:nvGrpSpPr>
+        <p:cNvPr id="1" name=""/>
+        <p:cNvGrpSpPr/>
+        <p:nvPr/>
+      </p:nvGrpSpPr>
+      <p:grpSpPr>
+        <a:xfrm>
+          <a:off x="0" y="0"/>
+          <a:ext cx="0" cy="0"/>
+          <a:chOff x="0" y="0"/>
+          <a:chExt cx="0" cy="0"/>
+        </a:xfrm>
+      </p:grpSpPr>
+      <p:sp>
+        <p:nvSpPr>
+          <p:cNvPr id="2" name="Title 1"/>
+          <p:cNvSpPr>
+            <a:spLocks noGrp="1"/>
+          </p:cNvSpPr>
+          <p:nvPr>
+            <p:ph type="title"/>
+          </p:nvPr>
+        </p:nvSpPr>
+        <p:spPr/>
+        <p:txBody>
+          <a:bodyPr/>
+          <a:lstStyle/>
+          <a:p>
+            <a:r>
+              <a:rPr lang="en-US" dirty="0" smtClean="0"/>
+              <a:t>Oh bread.</a:t>
+            </a:r>
+            <a:endParaRPr lang="en-US" dirty="0"/>
+          </a:p>
+        </p:txBody>
+      </p:sp>
+      <p:sp>
+        <p:nvSpPr>
+          <p:cNvPr id="3" name="Content Placeholder 2"/>
+          <p:cNvSpPr>
+            <a:spLocks noGrp="1"/>
+          </p:cNvSpPr>
+          <p:nvPr>
+            <p:ph idx="1"/>
+          </p:nvPr>
+        </p:nvSpPr>
+        <p:spPr/>
+        <p:txBody>
+          <a:bodyPr/>
+          <a:lstStyle/>
+          <a:p>
+            <a:r>
+              <a:rPr lang="en-US" dirty="0" smtClean="0"/>
+              <a:t>Each slice of bread is a </a:t>
+            </a:r>
+            <a:r>
+              <a:rPr lang="en-US" dirty="0" smtClean="0"/>
+              <a:t>slice of data</a:t>
+            </a:r>
+            <a:endParaRPr lang="en-US" dirty="0" smtClean="0"/>
+          </a:p>
+          <a:p>
+            <a:endParaRPr lang="en-US" dirty="0"/>
+          </a:p>
+        </p:txBody>
+      </p:sp>
+    </p:spTree>
+    <p:extLst>
+      <p:ext uri="{BB962C8B-B14F-4D97-AF65-F5344CB8AC3E}">
+        <p14:creationId xmlns:p14="http://schemas.microsoft.com/office/powerpoint/2010/main" val="1143825152"/>
+      </p:ext>
+    </p:extLst>
+  </p:cSld>
+  <p:clrMapOvr>
+    <a:masterClrMapping/>
+  </p:clrMapOvr>
+</p:sld>
+</file>
+
+<file path=ppt/slides/slide5.xml><?xml version="1.0" encoding="utf-8"?>
+<p:sld xmlns:a="http://schemas.openxmlformats.org/drawingml/2006/main" xmlns:r="http://schemas.openxmlformats.org/officeDocument/2006/relationships" xmlns:p="http://schemas.openxmlformats.org/presentationml/2006/main">
+  <p:cSld>
+    <p:spTree>
+      <p:nvGrpSpPr>
+        <p:cNvPr id="1" name=""/>
+        <p:cNvGrpSpPr/>
+        <p:nvPr/>
+      </p:nvGrpSpPr>
+      <p:grpSpPr>
+        <a:xfrm>
+          <a:off x="0" y="0"/>
+          <a:ext cx="0" cy="0"/>
+          <a:chOff x="0" y="0"/>
+          <a:chExt cx="0" cy="0"/>
+        </a:xfrm>
+      </p:grpSpPr>
+      <p:sp>
+        <p:nvSpPr>
+          <p:cNvPr id="2" name="Title 1"/>
+          <p:cNvSpPr>
+            <a:spLocks noGrp="1"/>
+          </p:cNvSpPr>
+          <p:nvPr>
+            <p:ph type="title"/>
+          </p:nvPr>
+        </p:nvSpPr>
+        <p:spPr/>
+        <p:txBody>
+          <a:bodyPr/>
+          <a:lstStyle/>
+          <a:p>
+            <a:r>
+              <a:rPr lang="en-US" dirty="0" smtClean="0"/>
+              <a:t>I don’t have any bread</a:t>
+            </a:r>
+            <a:endParaRPr lang="en-US" dirty="0"/>
+          </a:p>
+        </p:txBody>
+      </p:sp>
+      <p:sp>
+        <p:nvSpPr>
+          <p:cNvPr id="3" name="Content Placeholder 2"/>
+          <p:cNvSpPr>
+            <a:spLocks noGrp="1"/>
+          </p:cNvSpPr>
+          <p:nvPr>
+            <p:ph idx="1"/>
+          </p:nvPr>
+        </p:nvSpPr>
+        <p:spPr/>
+        <p:txBody>
+          <a:bodyPr/>
+          <a:lstStyle/>
+          <a:p>
+            <a:r>
+              <a:rPr lang="en-US" dirty="0" smtClean="0"/>
+              <a:t>Okay, so put some other things in the queue</a:t>
+            </a:r>
+          </a:p>
+          <a:p>
+            <a:pPr lvl="1"/>
+            <a:r>
+              <a:rPr lang="en-US" dirty="0" smtClean="0"/>
+              <a:t>Tasks</a:t>
+            </a:r>
+          </a:p>
+          <a:p>
+            <a:pPr lvl="1"/>
+            <a:r>
+              <a:rPr lang="en-US" dirty="0" smtClean="0"/>
+              <a:t>Messages</a:t>
+            </a:r>
+          </a:p>
+          <a:p>
+            <a:pPr lvl="1"/>
+            <a:endParaRPr lang="en-US" dirty="0"/>
+          </a:p>
+        </p:txBody>
+      </p:sp>
+    </p:spTree>
+    <p:extLst>
+      <p:ext uri="{BB962C8B-B14F-4D97-AF65-F5344CB8AC3E}">
+        <p14:creationId xmlns:p14="http://schemas.microsoft.com/office/powerpoint/2010/main" val="2867982825"/>
+      </p:ext>
+    </p:extLst>
+  </p:cSld>
+  <p:clrMapOvr>
+    <a:masterClrMapping/>
+  </p:clrMapOvr>
+</p:sld>
+</file>
+
+<file path=ppt/slides/slide6.xml><?xml version="1.0" encoding="utf-8"?>
+<p:sld xmlns:a="http://schemas.openxmlformats.org/drawingml/2006/main" xmlns:r="http://schemas.openxmlformats.org/officeDocument/2006/relationships" xmlns:p="http://schemas.openxmlformats.org/presentationml/2006/main">
+  <p:cSld>
+    <p:spTree>
+      <p:nvGrpSpPr>
+        <p:cNvPr id="1" name=""/>
+        <p:cNvGrpSpPr/>
+        <p:nvPr/>
+      </p:nvGrpSpPr>
+      <p:grpSpPr>
+        <a:xfrm>
+          <a:off x="0" y="0"/>
+          <a:ext cx="0" cy="0"/>
+          <a:chOff x="0" y="0"/>
+          <a:chExt cx="0" cy="0"/>
+        </a:xfrm>
+      </p:grpSpPr>
+      <p:sp>
+        <p:nvSpPr>
+          <p:cNvPr id="2" name="Title 1"/>
+          <p:cNvSpPr>
+            <a:spLocks noGrp="1"/>
+          </p:cNvSpPr>
+          <p:nvPr>
+            <p:ph type="title"/>
+          </p:nvPr>
+        </p:nvSpPr>
+        <p:spPr/>
+        <p:txBody>
+          <a:bodyPr/>
+          <a:lstStyle/>
+          <a:p>
+            <a:r>
+              <a:rPr lang="en-US" dirty="0" smtClean="0"/>
+              <a:t>Messages</a:t>
+            </a:r>
+            <a:endParaRPr lang="en-US" dirty="0"/>
+          </a:p>
+        </p:txBody>
+      </p:sp>
+      <p:sp>
+        <p:nvSpPr>
+          <p:cNvPr id="3" name="Content Placeholder 2"/>
+          <p:cNvSpPr>
+            <a:spLocks noGrp="1"/>
+          </p:cNvSpPr>
+          <p:nvPr>
+            <p:ph idx="1"/>
+          </p:nvPr>
+        </p:nvSpPr>
+        <p:spPr/>
+        <p:txBody>
+          <a:bodyPr/>
+          <a:lstStyle/>
+          <a:p>
+            <a:r>
+              <a:rPr lang="en-US" dirty="0" err="1" smtClean="0"/>
+              <a:t>CreateUser</a:t>
+            </a:r>
+            <a:endParaRPr lang="en-US" dirty="0" smtClean="0"/>
+          </a:p>
+          <a:p>
+            <a:pPr lvl="1"/>
+            <a:r>
+              <a:rPr lang="en-US" dirty="0" smtClean="0"/>
+              <a:t>ID</a:t>
+            </a:r>
+          </a:p>
+          <a:p>
+            <a:pPr lvl="1"/>
+            <a:r>
+              <a:rPr lang="en-US" dirty="0" smtClean="0"/>
+              <a:t>First Name</a:t>
+            </a:r>
+          </a:p>
+          <a:p>
+            <a:pPr lvl="1"/>
+            <a:r>
+              <a:rPr lang="en-US" dirty="0" smtClean="0"/>
+              <a:t>Last Name</a:t>
+            </a:r>
+          </a:p>
+          <a:p>
+            <a:pPr lvl="1"/>
+            <a:r>
+              <a:rPr lang="en-US" dirty="0" smtClean="0"/>
+              <a:t>Email Address</a:t>
+            </a:r>
+          </a:p>
+          <a:p>
+            <a:pPr lvl="1"/>
+            <a:r>
+              <a:rPr lang="en-US" dirty="0" smtClean="0"/>
+              <a:t>Phone Number</a:t>
+            </a:r>
+          </a:p>
+          <a:p>
+            <a:pPr lvl="1"/>
+            <a:r>
+              <a:rPr lang="en-US" dirty="0" smtClean="0"/>
+              <a:t>….</a:t>
+            </a:r>
+            <a:endParaRPr lang="en-US" dirty="0"/>
+          </a:p>
+        </p:txBody>
+      </p:sp>
+    </p:spTree>
+    <p:extLst>
+      <p:ext uri="{BB962C8B-B14F-4D97-AF65-F5344CB8AC3E}">
+        <p14:creationId xmlns:p14="http://schemas.microsoft.com/office/powerpoint/2010/main" val="809923821"/>
+      </p:ext>
+    </p:extLst>
+  </p:cSld>
+  <p:clrMapOvr>
+    <a:masterClrMapping/>
+  </p:clrMapOvr>
+</p:sld>
+</file>
+
+<file path=ppt/slides/slide7.xml><?xml version="1.0" encoding="utf-8"?>
+<p:sld xmlns:a="http://schemas.openxmlformats.org/drawingml/2006/main" xmlns:r="http://schemas.openxmlformats.org/officeDocument/2006/relationships" xmlns:p="http://schemas.openxmlformats.org/presentationml/2006/main">
+  <p:cSld>
+    <p:spTree>
+      <p:nvGrpSpPr>
+        <p:cNvPr id="1" name=""/>
+        <p:cNvGrpSpPr/>
+        <p:nvPr/>
+      </p:nvGrpSpPr>
+      <p:grpSpPr>
+        <a:xfrm>
+          <a:off x="0" y="0"/>
+          <a:ext cx="0" cy="0"/>
+          <a:chOff x="0" y="0"/>
+          <a:chExt cx="0" cy="0"/>
+        </a:xfrm>
+      </p:grpSpPr>
+      <p:sp>
+        <p:nvSpPr>
+          <p:cNvPr id="2" name="Title 1"/>
+          <p:cNvSpPr>
+            <a:spLocks noGrp="1"/>
+          </p:cNvSpPr>
+          <p:nvPr>
+            <p:ph type="title"/>
+          </p:nvPr>
+        </p:nvSpPr>
+        <p:spPr/>
+        <p:txBody>
+          <a:bodyPr/>
+          <a:lstStyle/>
+          <a:p>
+            <a:r>
+              <a:rPr lang="en-US" dirty="0" smtClean="0"/>
+              <a:t>In </a:t>
+            </a:r>
+            <a:r>
+              <a:rPr lang="en-US" smtClean="0"/>
+              <a:t>process queues</a:t>
+            </a:r>
             <a:endParaRPr lang="en-US"/>
           </a:p>
         </p:txBody>
@@ -14362,14 +22166,241 @@
           <a:bodyPr/>
           <a:lstStyle/>
           <a:p>
-            <a:endParaRPr lang="en-US"/>
+            <a:r>
+              <a:rPr lang="en-US" dirty="0" smtClean="0"/>
+              <a:t>Let’s look at some code</a:t>
+            </a:r>
+            <a:endParaRPr lang="en-US" dirty="0"/>
+          </a:p>
+          <a:p>
+            <a:r>
+              <a:rPr lang="en-US" dirty="0" smtClean="0"/>
+              <a:t>Things to look out for</a:t>
+            </a:r>
+          </a:p>
+          <a:p>
+            <a:pPr lvl="1"/>
+            <a:r>
+              <a:rPr lang="en-US" dirty="0" smtClean="0"/>
+              <a:t>Producers</a:t>
+            </a:r>
+          </a:p>
+          <a:p>
+            <a:pPr lvl="1"/>
+            <a:r>
+              <a:rPr lang="en-US" dirty="0" smtClean="0"/>
+              <a:t>Consumers</a:t>
+            </a:r>
+          </a:p>
+          <a:p>
+            <a:pPr lvl="1"/>
+            <a:r>
+              <a:rPr lang="en-US" dirty="0" smtClean="0"/>
+              <a:t>Blocking vs. non-blocking queue</a:t>
+            </a:r>
+            <a:endParaRPr lang="en-US" dirty="0" smtClean="0"/>
           </a:p>
         </p:txBody>
       </p:sp>
     </p:spTree>
     <p:extLst>
       <p:ext uri="{BB962C8B-B14F-4D97-AF65-F5344CB8AC3E}">
-        <p14:creationId xmlns:p14="http://schemas.microsoft.com/office/powerpoint/2010/main" val="4150487673"/>
+        <p14:creationId xmlns:p14="http://schemas.microsoft.com/office/powerpoint/2010/main" val="3171753849"/>
+      </p:ext>
+    </p:extLst>
+  </p:cSld>
+  <p:clrMapOvr>
+    <a:masterClrMapping/>
+  </p:clrMapOvr>
+</p:sld>
+</file>
+
+<file path=ppt/slides/slide8.xml><?xml version="1.0" encoding="utf-8"?>
+<p:sld xmlns:a="http://schemas.openxmlformats.org/drawingml/2006/main" xmlns:r="http://schemas.openxmlformats.org/officeDocument/2006/relationships" xmlns:p="http://schemas.openxmlformats.org/presentationml/2006/main">
+  <p:cSld>
+    <p:spTree>
+      <p:nvGrpSpPr>
+        <p:cNvPr id="1" name=""/>
+        <p:cNvGrpSpPr/>
+        <p:nvPr/>
+      </p:nvGrpSpPr>
+      <p:grpSpPr>
+        <a:xfrm>
+          <a:off x="0" y="0"/>
+          <a:ext cx="0" cy="0"/>
+          <a:chOff x="0" y="0"/>
+          <a:chExt cx="0" cy="0"/>
+        </a:xfrm>
+      </p:grpSpPr>
+      <p:sp>
+        <p:nvSpPr>
+          <p:cNvPr id="2" name="Title 1"/>
+          <p:cNvSpPr>
+            <a:spLocks noGrp="1"/>
+          </p:cNvSpPr>
+          <p:nvPr>
+            <p:ph type="title"/>
+          </p:nvPr>
+        </p:nvSpPr>
+        <p:spPr/>
+        <p:txBody>
+          <a:bodyPr/>
+          <a:lstStyle/>
+          <a:p>
+            <a:r>
+              <a:rPr lang="en-US" dirty="0" smtClean="0"/>
+              <a:t>Out of process queues</a:t>
+            </a:r>
+            <a:endParaRPr lang="en-US" dirty="0"/>
+          </a:p>
+        </p:txBody>
+      </p:sp>
+      <p:sp>
+        <p:nvSpPr>
+          <p:cNvPr id="3" name="Content Placeholder 2"/>
+          <p:cNvSpPr>
+            <a:spLocks noGrp="1"/>
+          </p:cNvSpPr>
+          <p:nvPr>
+            <p:ph idx="1"/>
+          </p:nvPr>
+        </p:nvSpPr>
+        <p:spPr/>
+        <p:txBody>
+          <a:bodyPr/>
+          <a:lstStyle/>
+          <a:p>
+            <a:r>
+              <a:rPr lang="en-US" dirty="0" smtClean="0"/>
+              <a:t>There are a million queues out there</a:t>
+            </a:r>
+          </a:p>
+          <a:p>
+            <a:pPr lvl="1"/>
+            <a:r>
+              <a:rPr lang="en-US" dirty="0" smtClean="0"/>
+              <a:t>MSMQ</a:t>
+            </a:r>
+          </a:p>
+          <a:p>
+            <a:pPr lvl="1"/>
+            <a:r>
+              <a:rPr lang="en-US" dirty="0" err="1" smtClean="0"/>
+              <a:t>RabbitMQ</a:t>
+            </a:r>
+            <a:endParaRPr lang="en-US" dirty="0" smtClean="0"/>
+          </a:p>
+          <a:p>
+            <a:pPr lvl="1"/>
+            <a:r>
+              <a:rPr lang="en-US" dirty="0" err="1" smtClean="0"/>
+              <a:t>ZeroMQ</a:t>
+            </a:r>
+            <a:endParaRPr lang="en-US" dirty="0" smtClean="0"/>
+          </a:p>
+          <a:p>
+            <a:pPr lvl="1"/>
+            <a:r>
+              <a:rPr lang="en-US" dirty="0" err="1" smtClean="0"/>
+              <a:t>WebSphere</a:t>
+            </a:r>
+            <a:r>
+              <a:rPr lang="en-US" dirty="0" smtClean="0"/>
+              <a:t> MQ</a:t>
+            </a:r>
+          </a:p>
+          <a:p>
+            <a:pPr lvl="1"/>
+            <a:endParaRPr lang="en-US" dirty="0"/>
+          </a:p>
+        </p:txBody>
+      </p:sp>
+    </p:spTree>
+    <p:extLst>
+      <p:ext uri="{BB962C8B-B14F-4D97-AF65-F5344CB8AC3E}">
+        <p14:creationId xmlns:p14="http://schemas.microsoft.com/office/powerpoint/2010/main" val="1006183739"/>
+      </p:ext>
+    </p:extLst>
+  </p:cSld>
+  <p:clrMapOvr>
+    <a:masterClrMapping/>
+  </p:clrMapOvr>
+</p:sld>
+</file>
+
+<file path=ppt/slides/slide9.xml><?xml version="1.0" encoding="utf-8"?>
+<p:sld xmlns:a="http://schemas.openxmlformats.org/drawingml/2006/main" xmlns:r="http://schemas.openxmlformats.org/officeDocument/2006/relationships" xmlns:p="http://schemas.openxmlformats.org/presentationml/2006/main">
+  <p:cSld>
+    <p:spTree>
+      <p:nvGrpSpPr>
+        <p:cNvPr id="1" name=""/>
+        <p:cNvGrpSpPr/>
+        <p:nvPr/>
+      </p:nvGrpSpPr>
+      <p:grpSpPr>
+        <a:xfrm>
+          <a:off x="0" y="0"/>
+          <a:ext cx="0" cy="0"/>
+          <a:chOff x="0" y="0"/>
+          <a:chExt cx="0" cy="0"/>
+        </a:xfrm>
+      </p:grpSpPr>
+      <p:sp>
+        <p:nvSpPr>
+          <p:cNvPr id="2" name="Title 1"/>
+          <p:cNvSpPr>
+            <a:spLocks noGrp="1"/>
+          </p:cNvSpPr>
+          <p:nvPr>
+            <p:ph type="title"/>
+          </p:nvPr>
+        </p:nvSpPr>
+        <p:spPr/>
+        <p:txBody>
+          <a:bodyPr/>
+          <a:lstStyle/>
+          <a:p>
+            <a:r>
+              <a:rPr lang="en-US" dirty="0" smtClean="0"/>
+              <a:t>Cloud queues</a:t>
+            </a:r>
+            <a:endParaRPr lang="en-US" dirty="0"/>
+          </a:p>
+        </p:txBody>
+      </p:sp>
+      <p:sp>
+        <p:nvSpPr>
+          <p:cNvPr id="3" name="Content Placeholder 2"/>
+          <p:cNvSpPr>
+            <a:spLocks noGrp="1"/>
+          </p:cNvSpPr>
+          <p:nvPr>
+            <p:ph idx="1"/>
+          </p:nvPr>
+        </p:nvSpPr>
+        <p:spPr/>
+        <p:txBody>
+          <a:bodyPr/>
+          <a:lstStyle/>
+          <a:p>
+            <a:r>
+              <a:rPr lang="en-US" dirty="0" smtClean="0"/>
+              <a:t>Azure Queues</a:t>
+            </a:r>
+          </a:p>
+          <a:p>
+            <a:r>
+              <a:rPr lang="en-US" dirty="0" smtClean="0"/>
+              <a:t>Amazon Simple Queue Service</a:t>
+            </a:r>
+            <a:endParaRPr lang="en-US" dirty="0"/>
+          </a:p>
+        </p:txBody>
+      </p:sp>
+    </p:spTree>
+    <p:extLst>
+      <p:ext uri="{BB962C8B-B14F-4D97-AF65-F5344CB8AC3E}">
+        <p14:creationId xmlns:p14="http://schemas.microsoft.com/office/powerpoint/2010/main" val="141395150"/>
       </p:ext>
     </p:extLst>
   </p:cSld>

--- a/Queues and message based architecture.pptx
+++ b/Queues and message based architecture.pptx
@@ -11,16 +11,21 @@
     <p:sldId id="259" r:id="rId5"/>
     <p:sldId id="265" r:id="rId6"/>
     <p:sldId id="260" r:id="rId7"/>
-    <p:sldId id="261" r:id="rId8"/>
-    <p:sldId id="262" r:id="rId9"/>
-    <p:sldId id="263" r:id="rId10"/>
-    <p:sldId id="270" r:id="rId11"/>
-    <p:sldId id="264" r:id="rId12"/>
-    <p:sldId id="266" r:id="rId13"/>
-    <p:sldId id="268" r:id="rId14"/>
-    <p:sldId id="267" r:id="rId15"/>
-    <p:sldId id="271" r:id="rId16"/>
-    <p:sldId id="269" r:id="rId17"/>
+    <p:sldId id="276" r:id="rId8"/>
+    <p:sldId id="261" r:id="rId9"/>
+    <p:sldId id="262" r:id="rId10"/>
+    <p:sldId id="275" r:id="rId11"/>
+    <p:sldId id="263" r:id="rId12"/>
+    <p:sldId id="270" r:id="rId13"/>
+    <p:sldId id="264" r:id="rId14"/>
+    <p:sldId id="266" r:id="rId15"/>
+    <p:sldId id="268" r:id="rId16"/>
+    <p:sldId id="267" r:id="rId17"/>
+    <p:sldId id="272" r:id="rId18"/>
+    <p:sldId id="274" r:id="rId19"/>
+    <p:sldId id="271" r:id="rId20"/>
+    <p:sldId id="273" r:id="rId21"/>
+    <p:sldId id="269" r:id="rId22"/>
   </p:sldIdLst>
   <p:sldSz cx="9144000" cy="6858000" type="screen4x3"/>
   <p:notesSz cx="6858000" cy="9144000"/>
@@ -514,11 +519,11 @@
         </c:dLbls>
         <c:marker val="1"/>
         <c:smooth val="0"/>
-        <c:axId val="32206848"/>
-        <c:axId val="32208384"/>
+        <c:axId val="37785600"/>
+        <c:axId val="37787136"/>
       </c:lineChart>
       <c:catAx>
-        <c:axId val="32206848"/>
+        <c:axId val="37785600"/>
         <c:scaling>
           <c:orientation val="minMax"/>
         </c:scaling>
@@ -528,7 +533,7 @@
         <c:majorTickMark val="out"/>
         <c:minorTickMark val="none"/>
         <c:tickLblPos val="nextTo"/>
-        <c:crossAx val="32208384"/>
+        <c:crossAx val="37787136"/>
         <c:crosses val="autoZero"/>
         <c:auto val="1"/>
         <c:lblAlgn val="ctr"/>
@@ -536,7 +541,7 @@
         <c:noMultiLvlLbl val="0"/>
       </c:catAx>
       <c:valAx>
-        <c:axId val="32208384"/>
+        <c:axId val="37787136"/>
         <c:scaling>
           <c:orientation val="minMax"/>
         </c:scaling>
@@ -547,7 +552,7 @@
         <c:majorTickMark val="out"/>
         <c:minorTickMark val="none"/>
         <c:tickLblPos val="nextTo"/>
-        <c:crossAx val="32206848"/>
+        <c:crossAx val="37785600"/>
         <c:crosses val="autoZero"/>
         <c:crossBetween val="between"/>
       </c:valAx>
@@ -1316,6 +1321,1500 @@
 </file>
 
 <file path=ppt/diagrams/colors2.xml><?xml version="1.0" encoding="utf-8"?>
+<dgm:colorsDef xmlns:dgm="http://schemas.openxmlformats.org/drawingml/2006/diagram" xmlns:a="http://schemas.openxmlformats.org/drawingml/2006/main" uniqueId="urn:microsoft.com/office/officeart/2005/8/colors/accent1_2">
+  <dgm:title val=""/>
+  <dgm:desc val=""/>
+  <dgm:catLst>
+    <dgm:cat type="accent1" pri="11200"/>
+  </dgm:catLst>
+  <dgm:styleLbl name="node0">
+    <dgm:fillClrLst meth="repeat">
+      <a:schemeClr val="accent1"/>
+    </dgm:fillClrLst>
+    <dgm:linClrLst meth="repeat">
+      <a:schemeClr val="lt1"/>
+    </dgm:linClrLst>
+    <dgm:effectClrLst/>
+    <dgm:txLinClrLst/>
+    <dgm:txFillClrLst/>
+    <dgm:txEffectClrLst/>
+  </dgm:styleLbl>
+  <dgm:styleLbl name="alignNode1">
+    <dgm:fillClrLst meth="repeat">
+      <a:schemeClr val="accent1"/>
+    </dgm:fillClrLst>
+    <dgm:linClrLst meth="repeat">
+      <a:schemeClr val="accent1"/>
+    </dgm:linClrLst>
+    <dgm:effectClrLst/>
+    <dgm:txLinClrLst/>
+    <dgm:txFillClrLst/>
+    <dgm:txEffectClrLst/>
+  </dgm:styleLbl>
+  <dgm:styleLbl name="node1">
+    <dgm:fillClrLst meth="repeat">
+      <a:schemeClr val="accent1"/>
+    </dgm:fillClrLst>
+    <dgm:linClrLst meth="repeat">
+      <a:schemeClr val="lt1"/>
+    </dgm:linClrLst>
+    <dgm:effectClrLst/>
+    <dgm:txLinClrLst/>
+    <dgm:txFillClrLst/>
+    <dgm:txEffectClrLst/>
+  </dgm:styleLbl>
+  <dgm:styleLbl name="lnNode1">
+    <dgm:fillClrLst meth="repeat">
+      <a:schemeClr val="accent1"/>
+    </dgm:fillClrLst>
+    <dgm:linClrLst meth="repeat">
+      <a:schemeClr val="lt1"/>
+    </dgm:linClrLst>
+    <dgm:effectClrLst/>
+    <dgm:txLinClrLst/>
+    <dgm:txFillClrLst/>
+    <dgm:txEffectClrLst/>
+  </dgm:styleLbl>
+  <dgm:styleLbl name="vennNode1">
+    <dgm:fillClrLst meth="repeat">
+      <a:schemeClr val="accent1">
+        <a:alpha val="50000"/>
+      </a:schemeClr>
+    </dgm:fillClrLst>
+    <dgm:linClrLst meth="repeat">
+      <a:schemeClr val="lt1"/>
+    </dgm:linClrLst>
+    <dgm:effectClrLst/>
+    <dgm:txLinClrLst/>
+    <dgm:txFillClrLst/>
+    <dgm:txEffectClrLst/>
+  </dgm:styleLbl>
+  <dgm:styleLbl name="node2">
+    <dgm:fillClrLst meth="repeat">
+      <a:schemeClr val="accent1"/>
+    </dgm:fillClrLst>
+    <dgm:linClrLst meth="repeat">
+      <a:schemeClr val="lt1"/>
+    </dgm:linClrLst>
+    <dgm:effectClrLst/>
+    <dgm:txLinClrLst/>
+    <dgm:txFillClrLst/>
+    <dgm:txEffectClrLst/>
+  </dgm:styleLbl>
+  <dgm:styleLbl name="node3">
+    <dgm:fillClrLst meth="repeat">
+      <a:schemeClr val="accent1"/>
+    </dgm:fillClrLst>
+    <dgm:linClrLst meth="repeat">
+      <a:schemeClr val="lt1"/>
+    </dgm:linClrLst>
+    <dgm:effectClrLst/>
+    <dgm:txLinClrLst/>
+    <dgm:txFillClrLst/>
+    <dgm:txEffectClrLst/>
+  </dgm:styleLbl>
+  <dgm:styleLbl name="node4">
+    <dgm:fillClrLst meth="repeat">
+      <a:schemeClr val="accent1"/>
+    </dgm:fillClrLst>
+    <dgm:linClrLst meth="repeat">
+      <a:schemeClr val="lt1"/>
+    </dgm:linClrLst>
+    <dgm:effectClrLst/>
+    <dgm:txLinClrLst/>
+    <dgm:txFillClrLst/>
+    <dgm:txEffectClrLst/>
+  </dgm:styleLbl>
+  <dgm:styleLbl name="fgImgPlace1">
+    <dgm:fillClrLst meth="repeat">
+      <a:schemeClr val="accent1">
+        <a:tint val="50000"/>
+      </a:schemeClr>
+    </dgm:fillClrLst>
+    <dgm:linClrLst meth="repeat">
+      <a:schemeClr val="lt1"/>
+    </dgm:linClrLst>
+    <dgm:effectClrLst/>
+    <dgm:txLinClrLst/>
+    <dgm:txFillClrLst meth="repeat">
+      <a:schemeClr val="lt1"/>
+    </dgm:txFillClrLst>
+    <dgm:txEffectClrLst/>
+  </dgm:styleLbl>
+  <dgm:styleLbl name="alignImgPlace1">
+    <dgm:fillClrLst meth="repeat">
+      <a:schemeClr val="accent1">
+        <a:tint val="50000"/>
+      </a:schemeClr>
+    </dgm:fillClrLst>
+    <dgm:linClrLst meth="repeat">
+      <a:schemeClr val="lt1"/>
+    </dgm:linClrLst>
+    <dgm:effectClrLst/>
+    <dgm:txLinClrLst/>
+    <dgm:txFillClrLst meth="repeat">
+      <a:schemeClr val="lt1"/>
+    </dgm:txFillClrLst>
+    <dgm:txEffectClrLst/>
+  </dgm:styleLbl>
+  <dgm:styleLbl name="bgImgPlace1">
+    <dgm:fillClrLst meth="repeat">
+      <a:schemeClr val="accent1">
+        <a:tint val="50000"/>
+      </a:schemeClr>
+    </dgm:fillClrLst>
+    <dgm:linClrLst meth="repeat">
+      <a:schemeClr val="lt1"/>
+    </dgm:linClrLst>
+    <dgm:effectClrLst/>
+    <dgm:txLinClrLst/>
+    <dgm:txFillClrLst meth="repeat">
+      <a:schemeClr val="lt1"/>
+    </dgm:txFillClrLst>
+    <dgm:txEffectClrLst/>
+  </dgm:styleLbl>
+  <dgm:styleLbl name="sibTrans2D1">
+    <dgm:fillClrLst meth="repeat">
+      <a:schemeClr val="accent1">
+        <a:tint val="60000"/>
+      </a:schemeClr>
+    </dgm:fillClrLst>
+    <dgm:linClrLst meth="repeat">
+      <a:schemeClr val="accent1">
+        <a:tint val="60000"/>
+      </a:schemeClr>
+    </dgm:linClrLst>
+    <dgm:effectClrLst/>
+    <dgm:txLinClrLst/>
+    <dgm:txFillClrLst/>
+    <dgm:txEffectClrLst/>
+  </dgm:styleLbl>
+  <dgm:styleLbl name="fgSibTrans2D1">
+    <dgm:fillClrLst meth="repeat">
+      <a:schemeClr val="accent1">
+        <a:tint val="60000"/>
+      </a:schemeClr>
+    </dgm:fillClrLst>
+    <dgm:linClrLst meth="repeat">
+      <a:schemeClr val="accent1">
+        <a:tint val="60000"/>
+      </a:schemeClr>
+    </dgm:linClrLst>
+    <dgm:effectClrLst/>
+    <dgm:txLinClrLst/>
+    <dgm:txFillClrLst/>
+    <dgm:txEffectClrLst/>
+  </dgm:styleLbl>
+  <dgm:styleLbl name="bgSibTrans2D1">
+    <dgm:fillClrLst meth="repeat">
+      <a:schemeClr val="accent1">
+        <a:tint val="60000"/>
+      </a:schemeClr>
+    </dgm:fillClrLst>
+    <dgm:linClrLst meth="repeat">
+      <a:schemeClr val="accent1">
+        <a:tint val="60000"/>
+      </a:schemeClr>
+    </dgm:linClrLst>
+    <dgm:effectClrLst/>
+    <dgm:txLinClrLst/>
+    <dgm:txFillClrLst/>
+    <dgm:txEffectClrLst/>
+  </dgm:styleLbl>
+  <dgm:styleLbl name="sibTrans1D1">
+    <dgm:fillClrLst meth="repeat">
+      <a:schemeClr val="accent1"/>
+    </dgm:fillClrLst>
+    <dgm:linClrLst meth="repeat">
+      <a:schemeClr val="accent1"/>
+    </dgm:linClrLst>
+    <dgm:effectClrLst/>
+    <dgm:txLinClrLst/>
+    <dgm:txFillClrLst meth="repeat">
+      <a:schemeClr val="tx1"/>
+    </dgm:txFillClrLst>
+    <dgm:txEffectClrLst/>
+  </dgm:styleLbl>
+  <dgm:styleLbl name="callout">
+    <dgm:fillClrLst meth="repeat">
+      <a:schemeClr val="accent1"/>
+    </dgm:fillClrLst>
+    <dgm:linClrLst meth="repeat">
+      <a:schemeClr val="accent1">
+        <a:tint val="50000"/>
+      </a:schemeClr>
+    </dgm:linClrLst>
+    <dgm:effectClrLst/>
+    <dgm:txLinClrLst/>
+    <dgm:txFillClrLst meth="repeat">
+      <a:schemeClr val="tx1"/>
+    </dgm:txFillClrLst>
+    <dgm:txEffectClrLst/>
+  </dgm:styleLbl>
+  <dgm:styleLbl name="asst0">
+    <dgm:fillClrLst meth="repeat">
+      <a:schemeClr val="accent1"/>
+    </dgm:fillClrLst>
+    <dgm:linClrLst meth="repeat">
+      <a:schemeClr val="lt1"/>
+    </dgm:linClrLst>
+    <dgm:effectClrLst/>
+    <dgm:txLinClrLst/>
+    <dgm:txFillClrLst/>
+    <dgm:txEffectClrLst/>
+  </dgm:styleLbl>
+  <dgm:styleLbl name="asst1">
+    <dgm:fillClrLst meth="repeat">
+      <a:schemeClr val="accent1"/>
+    </dgm:fillClrLst>
+    <dgm:linClrLst meth="repeat">
+      <a:schemeClr val="lt1"/>
+    </dgm:linClrLst>
+    <dgm:effectClrLst/>
+    <dgm:txLinClrLst/>
+    <dgm:txFillClrLst/>
+    <dgm:txEffectClrLst/>
+  </dgm:styleLbl>
+  <dgm:styleLbl name="asst2">
+    <dgm:fillClrLst meth="repeat">
+      <a:schemeClr val="accent1"/>
+    </dgm:fillClrLst>
+    <dgm:linClrLst meth="repeat">
+      <a:schemeClr val="lt1"/>
+    </dgm:linClrLst>
+    <dgm:effectClrLst/>
+    <dgm:txLinClrLst/>
+    <dgm:txFillClrLst/>
+    <dgm:txEffectClrLst/>
+  </dgm:styleLbl>
+  <dgm:styleLbl name="asst3">
+    <dgm:fillClrLst meth="repeat">
+      <a:schemeClr val="accent1"/>
+    </dgm:fillClrLst>
+    <dgm:linClrLst meth="repeat">
+      <a:schemeClr val="lt1"/>
+    </dgm:linClrLst>
+    <dgm:effectClrLst/>
+    <dgm:txLinClrLst/>
+    <dgm:txFillClrLst/>
+    <dgm:txEffectClrLst/>
+  </dgm:styleLbl>
+  <dgm:styleLbl name="asst4">
+    <dgm:fillClrLst meth="repeat">
+      <a:schemeClr val="accent1"/>
+    </dgm:fillClrLst>
+    <dgm:linClrLst meth="repeat">
+      <a:schemeClr val="lt1"/>
+    </dgm:linClrLst>
+    <dgm:effectClrLst/>
+    <dgm:txLinClrLst/>
+    <dgm:txFillClrLst/>
+    <dgm:txEffectClrLst/>
+  </dgm:styleLbl>
+  <dgm:styleLbl name="parChTrans2D1">
+    <dgm:fillClrLst meth="repeat">
+      <a:schemeClr val="accent1">
+        <a:tint val="60000"/>
+      </a:schemeClr>
+    </dgm:fillClrLst>
+    <dgm:linClrLst meth="repeat">
+      <a:schemeClr val="accent1">
+        <a:tint val="60000"/>
+      </a:schemeClr>
+    </dgm:linClrLst>
+    <dgm:effectClrLst/>
+    <dgm:txLinClrLst/>
+    <dgm:txFillClrLst meth="repeat">
+      <a:schemeClr val="lt1"/>
+    </dgm:txFillClrLst>
+    <dgm:txEffectClrLst/>
+  </dgm:styleLbl>
+  <dgm:styleLbl name="parChTrans2D2">
+    <dgm:fillClrLst meth="repeat">
+      <a:schemeClr val="accent1"/>
+    </dgm:fillClrLst>
+    <dgm:linClrLst meth="repeat">
+      <a:schemeClr val="accent1"/>
+    </dgm:linClrLst>
+    <dgm:effectClrLst/>
+    <dgm:txLinClrLst/>
+    <dgm:txFillClrLst meth="repeat">
+      <a:schemeClr val="lt1"/>
+    </dgm:txFillClrLst>
+    <dgm:txEffectClrLst/>
+  </dgm:styleLbl>
+  <dgm:styleLbl name="parChTrans2D3">
+    <dgm:fillClrLst meth="repeat">
+      <a:schemeClr val="accent1"/>
+    </dgm:fillClrLst>
+    <dgm:linClrLst meth="repeat">
+      <a:schemeClr val="accent1"/>
+    </dgm:linClrLst>
+    <dgm:effectClrLst/>
+    <dgm:txLinClrLst/>
+    <dgm:txFillClrLst meth="repeat">
+      <a:schemeClr val="lt1"/>
+    </dgm:txFillClrLst>
+    <dgm:txEffectClrLst/>
+  </dgm:styleLbl>
+  <dgm:styleLbl name="parChTrans2D4">
+    <dgm:fillClrLst meth="repeat">
+      <a:schemeClr val="accent1"/>
+    </dgm:fillClrLst>
+    <dgm:linClrLst meth="repeat">
+      <a:schemeClr val="accent1"/>
+    </dgm:linClrLst>
+    <dgm:effectClrLst/>
+    <dgm:txLinClrLst/>
+    <dgm:txFillClrLst meth="repeat">
+      <a:schemeClr val="lt1"/>
+    </dgm:txFillClrLst>
+    <dgm:txEffectClrLst/>
+  </dgm:styleLbl>
+  <dgm:styleLbl name="parChTrans1D1">
+    <dgm:fillClrLst meth="repeat">
+      <a:schemeClr val="accent1"/>
+    </dgm:fillClrLst>
+    <dgm:linClrLst meth="repeat">
+      <a:schemeClr val="accent1">
+        <a:shade val="60000"/>
+      </a:schemeClr>
+    </dgm:linClrLst>
+    <dgm:effectClrLst/>
+    <dgm:txLinClrLst/>
+    <dgm:txFillClrLst meth="repeat">
+      <a:schemeClr val="tx1"/>
+    </dgm:txFillClrLst>
+    <dgm:txEffectClrLst/>
+  </dgm:styleLbl>
+  <dgm:styleLbl name="parChTrans1D2">
+    <dgm:fillClrLst meth="repeat">
+      <a:schemeClr val="accent1"/>
+    </dgm:fillClrLst>
+    <dgm:linClrLst meth="repeat">
+      <a:schemeClr val="accent1">
+        <a:shade val="60000"/>
+      </a:schemeClr>
+    </dgm:linClrLst>
+    <dgm:effectClrLst/>
+    <dgm:txLinClrLst/>
+    <dgm:txFillClrLst meth="repeat">
+      <a:schemeClr val="tx1"/>
+    </dgm:txFillClrLst>
+    <dgm:txEffectClrLst/>
+  </dgm:styleLbl>
+  <dgm:styleLbl name="parChTrans1D3">
+    <dgm:fillClrLst meth="repeat">
+      <a:schemeClr val="accent1"/>
+    </dgm:fillClrLst>
+    <dgm:linClrLst meth="repeat">
+      <a:schemeClr val="accent1">
+        <a:shade val="80000"/>
+      </a:schemeClr>
+    </dgm:linClrLst>
+    <dgm:effectClrLst/>
+    <dgm:txLinClrLst/>
+    <dgm:txFillClrLst meth="repeat">
+      <a:schemeClr val="tx1"/>
+    </dgm:txFillClrLst>
+    <dgm:txEffectClrLst/>
+  </dgm:styleLbl>
+  <dgm:styleLbl name="parChTrans1D4">
+    <dgm:fillClrLst meth="repeat">
+      <a:schemeClr val="accent1"/>
+    </dgm:fillClrLst>
+    <dgm:linClrLst meth="repeat">
+      <a:schemeClr val="accent1">
+        <a:shade val="80000"/>
+      </a:schemeClr>
+    </dgm:linClrLst>
+    <dgm:effectClrLst/>
+    <dgm:txLinClrLst/>
+    <dgm:txFillClrLst meth="repeat">
+      <a:schemeClr val="tx1"/>
+    </dgm:txFillClrLst>
+    <dgm:txEffectClrLst/>
+  </dgm:styleLbl>
+  <dgm:styleLbl name="fgAcc1">
+    <dgm:fillClrLst meth="repeat">
+      <a:schemeClr val="lt1">
+        <a:alpha val="90000"/>
+      </a:schemeClr>
+    </dgm:fillClrLst>
+    <dgm:linClrLst meth="repeat">
+      <a:schemeClr val="accent1"/>
+    </dgm:linClrLst>
+    <dgm:effectClrLst/>
+    <dgm:txLinClrLst/>
+    <dgm:txFillClrLst meth="repeat">
+      <a:schemeClr val="dk1"/>
+    </dgm:txFillClrLst>
+    <dgm:txEffectClrLst/>
+  </dgm:styleLbl>
+  <dgm:styleLbl name="conFgAcc1">
+    <dgm:fillClrLst meth="repeat">
+      <a:schemeClr val="lt1">
+        <a:alpha val="90000"/>
+      </a:schemeClr>
+    </dgm:fillClrLst>
+    <dgm:linClrLst meth="repeat">
+      <a:schemeClr val="accent1"/>
+    </dgm:linClrLst>
+    <dgm:effectClrLst/>
+    <dgm:txLinClrLst/>
+    <dgm:txFillClrLst meth="repeat">
+      <a:schemeClr val="dk1"/>
+    </dgm:txFillClrLst>
+    <dgm:txEffectClrLst/>
+  </dgm:styleLbl>
+  <dgm:styleLbl name="alignAcc1">
+    <dgm:fillClrLst meth="repeat">
+      <a:schemeClr val="lt1">
+        <a:alpha val="90000"/>
+      </a:schemeClr>
+    </dgm:fillClrLst>
+    <dgm:linClrLst meth="repeat">
+      <a:schemeClr val="accent1"/>
+    </dgm:linClrLst>
+    <dgm:effectClrLst/>
+    <dgm:txLinClrLst/>
+    <dgm:txFillClrLst meth="repeat">
+      <a:schemeClr val="dk1"/>
+    </dgm:txFillClrLst>
+    <dgm:txEffectClrLst/>
+  </dgm:styleLbl>
+  <dgm:styleLbl name="trAlignAcc1">
+    <dgm:fillClrLst meth="repeat">
+      <a:schemeClr val="lt1">
+        <a:alpha val="40000"/>
+      </a:schemeClr>
+    </dgm:fillClrLst>
+    <dgm:linClrLst meth="repeat">
+      <a:schemeClr val="accent1"/>
+    </dgm:linClrLst>
+    <dgm:effectClrLst/>
+    <dgm:txLinClrLst/>
+    <dgm:txFillClrLst meth="repeat">
+      <a:schemeClr val="dk1"/>
+    </dgm:txFillClrLst>
+    <dgm:txEffectClrLst/>
+  </dgm:styleLbl>
+  <dgm:styleLbl name="bgAcc1">
+    <dgm:fillClrLst meth="repeat">
+      <a:schemeClr val="lt1">
+        <a:alpha val="90000"/>
+      </a:schemeClr>
+    </dgm:fillClrLst>
+    <dgm:linClrLst meth="repeat">
+      <a:schemeClr val="accent1"/>
+    </dgm:linClrLst>
+    <dgm:effectClrLst/>
+    <dgm:txLinClrLst/>
+    <dgm:txFillClrLst meth="repeat">
+      <a:schemeClr val="dk1"/>
+    </dgm:txFillClrLst>
+    <dgm:txEffectClrLst/>
+  </dgm:styleLbl>
+  <dgm:styleLbl name="solidFgAcc1">
+    <dgm:fillClrLst meth="repeat">
+      <a:schemeClr val="lt1"/>
+    </dgm:fillClrLst>
+    <dgm:linClrLst meth="repeat">
+      <a:schemeClr val="accent1"/>
+    </dgm:linClrLst>
+    <dgm:effectClrLst/>
+    <dgm:txLinClrLst/>
+    <dgm:txFillClrLst meth="repeat">
+      <a:schemeClr val="dk1"/>
+    </dgm:txFillClrLst>
+    <dgm:txEffectClrLst/>
+  </dgm:styleLbl>
+  <dgm:styleLbl name="solidAlignAcc1">
+    <dgm:fillClrLst meth="repeat">
+      <a:schemeClr val="lt1"/>
+    </dgm:fillClrLst>
+    <dgm:linClrLst meth="repeat">
+      <a:schemeClr val="accent1"/>
+    </dgm:linClrLst>
+    <dgm:effectClrLst/>
+    <dgm:txLinClrLst/>
+    <dgm:txFillClrLst meth="repeat">
+      <a:schemeClr val="dk1"/>
+    </dgm:txFillClrLst>
+    <dgm:txEffectClrLst/>
+  </dgm:styleLbl>
+  <dgm:styleLbl name="solidBgAcc1">
+    <dgm:fillClrLst meth="repeat">
+      <a:schemeClr val="lt1"/>
+    </dgm:fillClrLst>
+    <dgm:linClrLst meth="repeat">
+      <a:schemeClr val="accent1"/>
+    </dgm:linClrLst>
+    <dgm:effectClrLst/>
+    <dgm:txLinClrLst/>
+    <dgm:txFillClrLst meth="repeat">
+      <a:schemeClr val="dk1"/>
+    </dgm:txFillClrLst>
+    <dgm:txEffectClrLst/>
+  </dgm:styleLbl>
+  <dgm:styleLbl name="fgAccFollowNode1">
+    <dgm:fillClrLst meth="repeat">
+      <a:schemeClr val="accent1">
+        <a:alpha val="90000"/>
+        <a:tint val="40000"/>
+      </a:schemeClr>
+    </dgm:fillClrLst>
+    <dgm:linClrLst meth="repeat">
+      <a:schemeClr val="accent1">
+        <a:alpha val="90000"/>
+        <a:tint val="40000"/>
+      </a:schemeClr>
+    </dgm:linClrLst>
+    <dgm:effectClrLst/>
+    <dgm:txLinClrLst/>
+    <dgm:txFillClrLst meth="repeat">
+      <a:schemeClr val="dk1"/>
+    </dgm:txFillClrLst>
+    <dgm:txEffectClrLst/>
+  </dgm:styleLbl>
+  <dgm:styleLbl name="alignAccFollowNode1">
+    <dgm:fillClrLst meth="repeat">
+      <a:schemeClr val="accent1">
+        <a:alpha val="90000"/>
+        <a:tint val="40000"/>
+      </a:schemeClr>
+    </dgm:fillClrLst>
+    <dgm:linClrLst meth="repeat">
+      <a:schemeClr val="accent1">
+        <a:alpha val="90000"/>
+        <a:tint val="40000"/>
+      </a:schemeClr>
+    </dgm:linClrLst>
+    <dgm:effectClrLst/>
+    <dgm:txLinClrLst/>
+    <dgm:txFillClrLst meth="repeat">
+      <a:schemeClr val="dk1"/>
+    </dgm:txFillClrLst>
+    <dgm:txEffectClrLst/>
+  </dgm:styleLbl>
+  <dgm:styleLbl name="bgAccFollowNode1">
+    <dgm:fillClrLst meth="repeat">
+      <a:schemeClr val="accent1">
+        <a:alpha val="90000"/>
+        <a:tint val="40000"/>
+      </a:schemeClr>
+    </dgm:fillClrLst>
+    <dgm:linClrLst meth="repeat">
+      <a:schemeClr val="accent1">
+        <a:alpha val="90000"/>
+        <a:tint val="40000"/>
+      </a:schemeClr>
+    </dgm:linClrLst>
+    <dgm:effectClrLst/>
+    <dgm:txLinClrLst/>
+    <dgm:txFillClrLst meth="repeat">
+      <a:schemeClr val="dk1"/>
+    </dgm:txFillClrLst>
+    <dgm:txEffectClrLst/>
+  </dgm:styleLbl>
+  <dgm:styleLbl name="fgAcc0">
+    <dgm:fillClrLst meth="repeat">
+      <a:schemeClr val="lt1">
+        <a:alpha val="90000"/>
+      </a:schemeClr>
+    </dgm:fillClrLst>
+    <dgm:linClrLst meth="repeat">
+      <a:schemeClr val="accent1"/>
+    </dgm:linClrLst>
+    <dgm:effectClrLst/>
+    <dgm:txLinClrLst/>
+    <dgm:txFillClrLst meth="repeat">
+      <a:schemeClr val="dk1"/>
+    </dgm:txFillClrLst>
+    <dgm:txEffectClrLst/>
+  </dgm:styleLbl>
+  <dgm:styleLbl name="fgAcc2">
+    <dgm:fillClrLst meth="repeat">
+      <a:schemeClr val="lt1">
+        <a:alpha val="90000"/>
+      </a:schemeClr>
+    </dgm:fillClrLst>
+    <dgm:linClrLst meth="repeat">
+      <a:schemeClr val="accent1"/>
+    </dgm:linClrLst>
+    <dgm:effectClrLst/>
+    <dgm:txLinClrLst/>
+    <dgm:txFillClrLst meth="repeat">
+      <a:schemeClr val="dk1"/>
+    </dgm:txFillClrLst>
+    <dgm:txEffectClrLst/>
+  </dgm:styleLbl>
+  <dgm:styleLbl name="fgAcc3">
+    <dgm:fillClrLst meth="repeat">
+      <a:schemeClr val="lt1">
+        <a:alpha val="90000"/>
+      </a:schemeClr>
+    </dgm:fillClrLst>
+    <dgm:linClrLst meth="repeat">
+      <a:schemeClr val="accent1"/>
+    </dgm:linClrLst>
+    <dgm:effectClrLst/>
+    <dgm:txLinClrLst/>
+    <dgm:txFillClrLst meth="repeat">
+      <a:schemeClr val="dk1"/>
+    </dgm:txFillClrLst>
+    <dgm:txEffectClrLst/>
+  </dgm:styleLbl>
+  <dgm:styleLbl name="fgAcc4">
+    <dgm:fillClrLst meth="repeat">
+      <a:schemeClr val="lt1">
+        <a:alpha val="90000"/>
+      </a:schemeClr>
+    </dgm:fillClrLst>
+    <dgm:linClrLst meth="repeat">
+      <a:schemeClr val="accent1"/>
+    </dgm:linClrLst>
+    <dgm:effectClrLst/>
+    <dgm:txLinClrLst/>
+    <dgm:txFillClrLst meth="repeat">
+      <a:schemeClr val="dk1"/>
+    </dgm:txFillClrLst>
+    <dgm:txEffectClrLst/>
+  </dgm:styleLbl>
+  <dgm:styleLbl name="bgShp">
+    <dgm:fillClrLst meth="repeat">
+      <a:schemeClr val="accent1">
+        <a:tint val="40000"/>
+      </a:schemeClr>
+    </dgm:fillClrLst>
+    <dgm:linClrLst meth="repeat">
+      <a:schemeClr val="accent1"/>
+    </dgm:linClrLst>
+    <dgm:effectClrLst/>
+    <dgm:txLinClrLst/>
+    <dgm:txFillClrLst meth="repeat">
+      <a:schemeClr val="dk1"/>
+    </dgm:txFillClrLst>
+    <dgm:txEffectClrLst/>
+  </dgm:styleLbl>
+  <dgm:styleLbl name="dkBgShp">
+    <dgm:fillClrLst meth="repeat">
+      <a:schemeClr val="accent1">
+        <a:shade val="80000"/>
+      </a:schemeClr>
+    </dgm:fillClrLst>
+    <dgm:linClrLst meth="repeat">
+      <a:schemeClr val="accent1"/>
+    </dgm:linClrLst>
+    <dgm:effectClrLst/>
+    <dgm:txLinClrLst/>
+    <dgm:txFillClrLst meth="repeat">
+      <a:schemeClr val="lt1"/>
+    </dgm:txFillClrLst>
+    <dgm:txEffectClrLst/>
+  </dgm:styleLbl>
+  <dgm:styleLbl name="trBgShp">
+    <dgm:fillClrLst meth="repeat">
+      <a:schemeClr val="accent1">
+        <a:tint val="50000"/>
+        <a:alpha val="40000"/>
+      </a:schemeClr>
+    </dgm:fillClrLst>
+    <dgm:linClrLst meth="repeat">
+      <a:schemeClr val="accent1"/>
+    </dgm:linClrLst>
+    <dgm:effectClrLst/>
+    <dgm:txLinClrLst/>
+    <dgm:txFillClrLst meth="repeat">
+      <a:schemeClr val="lt1"/>
+    </dgm:txFillClrLst>
+    <dgm:txEffectClrLst/>
+  </dgm:styleLbl>
+  <dgm:styleLbl name="fgShp">
+    <dgm:fillClrLst meth="repeat">
+      <a:schemeClr val="accent1">
+        <a:tint val="60000"/>
+      </a:schemeClr>
+    </dgm:fillClrLst>
+    <dgm:linClrLst meth="repeat">
+      <a:schemeClr val="lt1"/>
+    </dgm:linClrLst>
+    <dgm:effectClrLst/>
+    <dgm:txLinClrLst/>
+    <dgm:txFillClrLst meth="repeat">
+      <a:schemeClr val="dk1"/>
+    </dgm:txFillClrLst>
+    <dgm:txEffectClrLst/>
+  </dgm:styleLbl>
+  <dgm:styleLbl name="revTx">
+    <dgm:fillClrLst meth="repeat">
+      <a:schemeClr val="lt1">
+        <a:alpha val="0"/>
+      </a:schemeClr>
+    </dgm:fillClrLst>
+    <dgm:linClrLst meth="repeat">
+      <a:schemeClr val="dk1">
+        <a:alpha val="0"/>
+      </a:schemeClr>
+    </dgm:linClrLst>
+    <dgm:effectClrLst/>
+    <dgm:txLinClrLst/>
+    <dgm:txFillClrLst meth="repeat">
+      <a:schemeClr val="tx1"/>
+    </dgm:txFillClrLst>
+    <dgm:txEffectClrLst/>
+  </dgm:styleLbl>
+</dgm:colorsDef>
+</file>
+
+<file path=ppt/diagrams/colors3.xml><?xml version="1.0" encoding="utf-8"?>
+<dgm:colorsDef xmlns:dgm="http://schemas.openxmlformats.org/drawingml/2006/diagram" xmlns:a="http://schemas.openxmlformats.org/drawingml/2006/main" uniqueId="urn:microsoft.com/office/officeart/2005/8/colors/accent1_2">
+  <dgm:title val=""/>
+  <dgm:desc val=""/>
+  <dgm:catLst>
+    <dgm:cat type="accent1" pri="11200"/>
+  </dgm:catLst>
+  <dgm:styleLbl name="node0">
+    <dgm:fillClrLst meth="repeat">
+      <a:schemeClr val="accent1"/>
+    </dgm:fillClrLst>
+    <dgm:linClrLst meth="repeat">
+      <a:schemeClr val="lt1"/>
+    </dgm:linClrLst>
+    <dgm:effectClrLst/>
+    <dgm:txLinClrLst/>
+    <dgm:txFillClrLst/>
+    <dgm:txEffectClrLst/>
+  </dgm:styleLbl>
+  <dgm:styleLbl name="alignNode1">
+    <dgm:fillClrLst meth="repeat">
+      <a:schemeClr val="accent1"/>
+    </dgm:fillClrLst>
+    <dgm:linClrLst meth="repeat">
+      <a:schemeClr val="accent1"/>
+    </dgm:linClrLst>
+    <dgm:effectClrLst/>
+    <dgm:txLinClrLst/>
+    <dgm:txFillClrLst/>
+    <dgm:txEffectClrLst/>
+  </dgm:styleLbl>
+  <dgm:styleLbl name="node1">
+    <dgm:fillClrLst meth="repeat">
+      <a:schemeClr val="accent1"/>
+    </dgm:fillClrLst>
+    <dgm:linClrLst meth="repeat">
+      <a:schemeClr val="lt1"/>
+    </dgm:linClrLst>
+    <dgm:effectClrLst/>
+    <dgm:txLinClrLst/>
+    <dgm:txFillClrLst/>
+    <dgm:txEffectClrLst/>
+  </dgm:styleLbl>
+  <dgm:styleLbl name="lnNode1">
+    <dgm:fillClrLst meth="repeat">
+      <a:schemeClr val="accent1"/>
+    </dgm:fillClrLst>
+    <dgm:linClrLst meth="repeat">
+      <a:schemeClr val="lt1"/>
+    </dgm:linClrLst>
+    <dgm:effectClrLst/>
+    <dgm:txLinClrLst/>
+    <dgm:txFillClrLst/>
+    <dgm:txEffectClrLst/>
+  </dgm:styleLbl>
+  <dgm:styleLbl name="vennNode1">
+    <dgm:fillClrLst meth="repeat">
+      <a:schemeClr val="accent1">
+        <a:alpha val="50000"/>
+      </a:schemeClr>
+    </dgm:fillClrLst>
+    <dgm:linClrLst meth="repeat">
+      <a:schemeClr val="lt1"/>
+    </dgm:linClrLst>
+    <dgm:effectClrLst/>
+    <dgm:txLinClrLst/>
+    <dgm:txFillClrLst/>
+    <dgm:txEffectClrLst/>
+  </dgm:styleLbl>
+  <dgm:styleLbl name="node2">
+    <dgm:fillClrLst meth="repeat">
+      <a:schemeClr val="accent1"/>
+    </dgm:fillClrLst>
+    <dgm:linClrLst meth="repeat">
+      <a:schemeClr val="lt1"/>
+    </dgm:linClrLst>
+    <dgm:effectClrLst/>
+    <dgm:txLinClrLst/>
+    <dgm:txFillClrLst/>
+    <dgm:txEffectClrLst/>
+  </dgm:styleLbl>
+  <dgm:styleLbl name="node3">
+    <dgm:fillClrLst meth="repeat">
+      <a:schemeClr val="accent1"/>
+    </dgm:fillClrLst>
+    <dgm:linClrLst meth="repeat">
+      <a:schemeClr val="lt1"/>
+    </dgm:linClrLst>
+    <dgm:effectClrLst/>
+    <dgm:txLinClrLst/>
+    <dgm:txFillClrLst/>
+    <dgm:txEffectClrLst/>
+  </dgm:styleLbl>
+  <dgm:styleLbl name="node4">
+    <dgm:fillClrLst meth="repeat">
+      <a:schemeClr val="accent1"/>
+    </dgm:fillClrLst>
+    <dgm:linClrLst meth="repeat">
+      <a:schemeClr val="lt1"/>
+    </dgm:linClrLst>
+    <dgm:effectClrLst/>
+    <dgm:txLinClrLst/>
+    <dgm:txFillClrLst/>
+    <dgm:txEffectClrLst/>
+  </dgm:styleLbl>
+  <dgm:styleLbl name="fgImgPlace1">
+    <dgm:fillClrLst meth="repeat">
+      <a:schemeClr val="accent1">
+        <a:tint val="50000"/>
+      </a:schemeClr>
+    </dgm:fillClrLst>
+    <dgm:linClrLst meth="repeat">
+      <a:schemeClr val="lt1"/>
+    </dgm:linClrLst>
+    <dgm:effectClrLst/>
+    <dgm:txLinClrLst/>
+    <dgm:txFillClrLst meth="repeat">
+      <a:schemeClr val="lt1"/>
+    </dgm:txFillClrLst>
+    <dgm:txEffectClrLst/>
+  </dgm:styleLbl>
+  <dgm:styleLbl name="alignImgPlace1">
+    <dgm:fillClrLst meth="repeat">
+      <a:schemeClr val="accent1">
+        <a:tint val="50000"/>
+      </a:schemeClr>
+    </dgm:fillClrLst>
+    <dgm:linClrLst meth="repeat">
+      <a:schemeClr val="lt1"/>
+    </dgm:linClrLst>
+    <dgm:effectClrLst/>
+    <dgm:txLinClrLst/>
+    <dgm:txFillClrLst meth="repeat">
+      <a:schemeClr val="lt1"/>
+    </dgm:txFillClrLst>
+    <dgm:txEffectClrLst/>
+  </dgm:styleLbl>
+  <dgm:styleLbl name="bgImgPlace1">
+    <dgm:fillClrLst meth="repeat">
+      <a:schemeClr val="accent1">
+        <a:tint val="50000"/>
+      </a:schemeClr>
+    </dgm:fillClrLst>
+    <dgm:linClrLst meth="repeat">
+      <a:schemeClr val="lt1"/>
+    </dgm:linClrLst>
+    <dgm:effectClrLst/>
+    <dgm:txLinClrLst/>
+    <dgm:txFillClrLst meth="repeat">
+      <a:schemeClr val="lt1"/>
+    </dgm:txFillClrLst>
+    <dgm:txEffectClrLst/>
+  </dgm:styleLbl>
+  <dgm:styleLbl name="sibTrans2D1">
+    <dgm:fillClrLst meth="repeat">
+      <a:schemeClr val="accent1">
+        <a:tint val="60000"/>
+      </a:schemeClr>
+    </dgm:fillClrLst>
+    <dgm:linClrLst meth="repeat">
+      <a:schemeClr val="accent1">
+        <a:tint val="60000"/>
+      </a:schemeClr>
+    </dgm:linClrLst>
+    <dgm:effectClrLst/>
+    <dgm:txLinClrLst/>
+    <dgm:txFillClrLst/>
+    <dgm:txEffectClrLst/>
+  </dgm:styleLbl>
+  <dgm:styleLbl name="fgSibTrans2D1">
+    <dgm:fillClrLst meth="repeat">
+      <a:schemeClr val="accent1">
+        <a:tint val="60000"/>
+      </a:schemeClr>
+    </dgm:fillClrLst>
+    <dgm:linClrLst meth="repeat">
+      <a:schemeClr val="accent1">
+        <a:tint val="60000"/>
+      </a:schemeClr>
+    </dgm:linClrLst>
+    <dgm:effectClrLst/>
+    <dgm:txLinClrLst/>
+    <dgm:txFillClrLst/>
+    <dgm:txEffectClrLst/>
+  </dgm:styleLbl>
+  <dgm:styleLbl name="bgSibTrans2D1">
+    <dgm:fillClrLst meth="repeat">
+      <a:schemeClr val="accent1">
+        <a:tint val="60000"/>
+      </a:schemeClr>
+    </dgm:fillClrLst>
+    <dgm:linClrLst meth="repeat">
+      <a:schemeClr val="accent1">
+        <a:tint val="60000"/>
+      </a:schemeClr>
+    </dgm:linClrLst>
+    <dgm:effectClrLst/>
+    <dgm:txLinClrLst/>
+    <dgm:txFillClrLst/>
+    <dgm:txEffectClrLst/>
+  </dgm:styleLbl>
+  <dgm:styleLbl name="sibTrans1D1">
+    <dgm:fillClrLst meth="repeat">
+      <a:schemeClr val="accent1"/>
+    </dgm:fillClrLst>
+    <dgm:linClrLst meth="repeat">
+      <a:schemeClr val="accent1"/>
+    </dgm:linClrLst>
+    <dgm:effectClrLst/>
+    <dgm:txLinClrLst/>
+    <dgm:txFillClrLst meth="repeat">
+      <a:schemeClr val="tx1"/>
+    </dgm:txFillClrLst>
+    <dgm:txEffectClrLst/>
+  </dgm:styleLbl>
+  <dgm:styleLbl name="callout">
+    <dgm:fillClrLst meth="repeat">
+      <a:schemeClr val="accent1"/>
+    </dgm:fillClrLst>
+    <dgm:linClrLst meth="repeat">
+      <a:schemeClr val="accent1">
+        <a:tint val="50000"/>
+      </a:schemeClr>
+    </dgm:linClrLst>
+    <dgm:effectClrLst/>
+    <dgm:txLinClrLst/>
+    <dgm:txFillClrLst meth="repeat">
+      <a:schemeClr val="tx1"/>
+    </dgm:txFillClrLst>
+    <dgm:txEffectClrLst/>
+  </dgm:styleLbl>
+  <dgm:styleLbl name="asst0">
+    <dgm:fillClrLst meth="repeat">
+      <a:schemeClr val="accent1"/>
+    </dgm:fillClrLst>
+    <dgm:linClrLst meth="repeat">
+      <a:schemeClr val="lt1"/>
+    </dgm:linClrLst>
+    <dgm:effectClrLst/>
+    <dgm:txLinClrLst/>
+    <dgm:txFillClrLst/>
+    <dgm:txEffectClrLst/>
+  </dgm:styleLbl>
+  <dgm:styleLbl name="asst1">
+    <dgm:fillClrLst meth="repeat">
+      <a:schemeClr val="accent1"/>
+    </dgm:fillClrLst>
+    <dgm:linClrLst meth="repeat">
+      <a:schemeClr val="lt1"/>
+    </dgm:linClrLst>
+    <dgm:effectClrLst/>
+    <dgm:txLinClrLst/>
+    <dgm:txFillClrLst/>
+    <dgm:txEffectClrLst/>
+  </dgm:styleLbl>
+  <dgm:styleLbl name="asst2">
+    <dgm:fillClrLst meth="repeat">
+      <a:schemeClr val="accent1"/>
+    </dgm:fillClrLst>
+    <dgm:linClrLst meth="repeat">
+      <a:schemeClr val="lt1"/>
+    </dgm:linClrLst>
+    <dgm:effectClrLst/>
+    <dgm:txLinClrLst/>
+    <dgm:txFillClrLst/>
+    <dgm:txEffectClrLst/>
+  </dgm:styleLbl>
+  <dgm:styleLbl name="asst3">
+    <dgm:fillClrLst meth="repeat">
+      <a:schemeClr val="accent1"/>
+    </dgm:fillClrLst>
+    <dgm:linClrLst meth="repeat">
+      <a:schemeClr val="lt1"/>
+    </dgm:linClrLst>
+    <dgm:effectClrLst/>
+    <dgm:txLinClrLst/>
+    <dgm:txFillClrLst/>
+    <dgm:txEffectClrLst/>
+  </dgm:styleLbl>
+  <dgm:styleLbl name="asst4">
+    <dgm:fillClrLst meth="repeat">
+      <a:schemeClr val="accent1"/>
+    </dgm:fillClrLst>
+    <dgm:linClrLst meth="repeat">
+      <a:schemeClr val="lt1"/>
+    </dgm:linClrLst>
+    <dgm:effectClrLst/>
+    <dgm:txLinClrLst/>
+    <dgm:txFillClrLst/>
+    <dgm:txEffectClrLst/>
+  </dgm:styleLbl>
+  <dgm:styleLbl name="parChTrans2D1">
+    <dgm:fillClrLst meth="repeat">
+      <a:schemeClr val="accent1">
+        <a:tint val="60000"/>
+      </a:schemeClr>
+    </dgm:fillClrLst>
+    <dgm:linClrLst meth="repeat">
+      <a:schemeClr val="accent1">
+        <a:tint val="60000"/>
+      </a:schemeClr>
+    </dgm:linClrLst>
+    <dgm:effectClrLst/>
+    <dgm:txLinClrLst/>
+    <dgm:txFillClrLst meth="repeat">
+      <a:schemeClr val="lt1"/>
+    </dgm:txFillClrLst>
+    <dgm:txEffectClrLst/>
+  </dgm:styleLbl>
+  <dgm:styleLbl name="parChTrans2D2">
+    <dgm:fillClrLst meth="repeat">
+      <a:schemeClr val="accent1"/>
+    </dgm:fillClrLst>
+    <dgm:linClrLst meth="repeat">
+      <a:schemeClr val="accent1"/>
+    </dgm:linClrLst>
+    <dgm:effectClrLst/>
+    <dgm:txLinClrLst/>
+    <dgm:txFillClrLst meth="repeat">
+      <a:schemeClr val="lt1"/>
+    </dgm:txFillClrLst>
+    <dgm:txEffectClrLst/>
+  </dgm:styleLbl>
+  <dgm:styleLbl name="parChTrans2D3">
+    <dgm:fillClrLst meth="repeat">
+      <a:schemeClr val="accent1"/>
+    </dgm:fillClrLst>
+    <dgm:linClrLst meth="repeat">
+      <a:schemeClr val="accent1"/>
+    </dgm:linClrLst>
+    <dgm:effectClrLst/>
+    <dgm:txLinClrLst/>
+    <dgm:txFillClrLst meth="repeat">
+      <a:schemeClr val="lt1"/>
+    </dgm:txFillClrLst>
+    <dgm:txEffectClrLst/>
+  </dgm:styleLbl>
+  <dgm:styleLbl name="parChTrans2D4">
+    <dgm:fillClrLst meth="repeat">
+      <a:schemeClr val="accent1"/>
+    </dgm:fillClrLst>
+    <dgm:linClrLst meth="repeat">
+      <a:schemeClr val="accent1"/>
+    </dgm:linClrLst>
+    <dgm:effectClrLst/>
+    <dgm:txLinClrLst/>
+    <dgm:txFillClrLst meth="repeat">
+      <a:schemeClr val="lt1"/>
+    </dgm:txFillClrLst>
+    <dgm:txEffectClrLst/>
+  </dgm:styleLbl>
+  <dgm:styleLbl name="parChTrans1D1">
+    <dgm:fillClrLst meth="repeat">
+      <a:schemeClr val="accent1"/>
+    </dgm:fillClrLst>
+    <dgm:linClrLst meth="repeat">
+      <a:schemeClr val="accent1">
+        <a:shade val="60000"/>
+      </a:schemeClr>
+    </dgm:linClrLst>
+    <dgm:effectClrLst/>
+    <dgm:txLinClrLst/>
+    <dgm:txFillClrLst meth="repeat">
+      <a:schemeClr val="tx1"/>
+    </dgm:txFillClrLst>
+    <dgm:txEffectClrLst/>
+  </dgm:styleLbl>
+  <dgm:styleLbl name="parChTrans1D2">
+    <dgm:fillClrLst meth="repeat">
+      <a:schemeClr val="accent1"/>
+    </dgm:fillClrLst>
+    <dgm:linClrLst meth="repeat">
+      <a:schemeClr val="accent1">
+        <a:shade val="60000"/>
+      </a:schemeClr>
+    </dgm:linClrLst>
+    <dgm:effectClrLst/>
+    <dgm:txLinClrLst/>
+    <dgm:txFillClrLst meth="repeat">
+      <a:schemeClr val="tx1"/>
+    </dgm:txFillClrLst>
+    <dgm:txEffectClrLst/>
+  </dgm:styleLbl>
+  <dgm:styleLbl name="parChTrans1D3">
+    <dgm:fillClrLst meth="repeat">
+      <a:schemeClr val="accent1"/>
+    </dgm:fillClrLst>
+    <dgm:linClrLst meth="repeat">
+      <a:schemeClr val="accent1">
+        <a:shade val="80000"/>
+      </a:schemeClr>
+    </dgm:linClrLst>
+    <dgm:effectClrLst/>
+    <dgm:txLinClrLst/>
+    <dgm:txFillClrLst meth="repeat">
+      <a:schemeClr val="tx1"/>
+    </dgm:txFillClrLst>
+    <dgm:txEffectClrLst/>
+  </dgm:styleLbl>
+  <dgm:styleLbl name="parChTrans1D4">
+    <dgm:fillClrLst meth="repeat">
+      <a:schemeClr val="accent1"/>
+    </dgm:fillClrLst>
+    <dgm:linClrLst meth="repeat">
+      <a:schemeClr val="accent1">
+        <a:shade val="80000"/>
+      </a:schemeClr>
+    </dgm:linClrLst>
+    <dgm:effectClrLst/>
+    <dgm:txLinClrLst/>
+    <dgm:txFillClrLst meth="repeat">
+      <a:schemeClr val="tx1"/>
+    </dgm:txFillClrLst>
+    <dgm:txEffectClrLst/>
+  </dgm:styleLbl>
+  <dgm:styleLbl name="fgAcc1">
+    <dgm:fillClrLst meth="repeat">
+      <a:schemeClr val="lt1">
+        <a:alpha val="90000"/>
+      </a:schemeClr>
+    </dgm:fillClrLst>
+    <dgm:linClrLst meth="repeat">
+      <a:schemeClr val="accent1"/>
+    </dgm:linClrLst>
+    <dgm:effectClrLst/>
+    <dgm:txLinClrLst/>
+    <dgm:txFillClrLst meth="repeat">
+      <a:schemeClr val="dk1"/>
+    </dgm:txFillClrLst>
+    <dgm:txEffectClrLst/>
+  </dgm:styleLbl>
+  <dgm:styleLbl name="conFgAcc1">
+    <dgm:fillClrLst meth="repeat">
+      <a:schemeClr val="lt1">
+        <a:alpha val="90000"/>
+      </a:schemeClr>
+    </dgm:fillClrLst>
+    <dgm:linClrLst meth="repeat">
+      <a:schemeClr val="accent1"/>
+    </dgm:linClrLst>
+    <dgm:effectClrLst/>
+    <dgm:txLinClrLst/>
+    <dgm:txFillClrLst meth="repeat">
+      <a:schemeClr val="dk1"/>
+    </dgm:txFillClrLst>
+    <dgm:txEffectClrLst/>
+  </dgm:styleLbl>
+  <dgm:styleLbl name="alignAcc1">
+    <dgm:fillClrLst meth="repeat">
+      <a:schemeClr val="lt1">
+        <a:alpha val="90000"/>
+      </a:schemeClr>
+    </dgm:fillClrLst>
+    <dgm:linClrLst meth="repeat">
+      <a:schemeClr val="accent1"/>
+    </dgm:linClrLst>
+    <dgm:effectClrLst/>
+    <dgm:txLinClrLst/>
+    <dgm:txFillClrLst meth="repeat">
+      <a:schemeClr val="dk1"/>
+    </dgm:txFillClrLst>
+    <dgm:txEffectClrLst/>
+  </dgm:styleLbl>
+  <dgm:styleLbl name="trAlignAcc1">
+    <dgm:fillClrLst meth="repeat">
+      <a:schemeClr val="lt1">
+        <a:alpha val="40000"/>
+      </a:schemeClr>
+    </dgm:fillClrLst>
+    <dgm:linClrLst meth="repeat">
+      <a:schemeClr val="accent1"/>
+    </dgm:linClrLst>
+    <dgm:effectClrLst/>
+    <dgm:txLinClrLst/>
+    <dgm:txFillClrLst meth="repeat">
+      <a:schemeClr val="dk1"/>
+    </dgm:txFillClrLst>
+    <dgm:txEffectClrLst/>
+  </dgm:styleLbl>
+  <dgm:styleLbl name="bgAcc1">
+    <dgm:fillClrLst meth="repeat">
+      <a:schemeClr val="lt1">
+        <a:alpha val="90000"/>
+      </a:schemeClr>
+    </dgm:fillClrLst>
+    <dgm:linClrLst meth="repeat">
+      <a:schemeClr val="accent1"/>
+    </dgm:linClrLst>
+    <dgm:effectClrLst/>
+    <dgm:txLinClrLst/>
+    <dgm:txFillClrLst meth="repeat">
+      <a:schemeClr val="dk1"/>
+    </dgm:txFillClrLst>
+    <dgm:txEffectClrLst/>
+  </dgm:styleLbl>
+  <dgm:styleLbl name="solidFgAcc1">
+    <dgm:fillClrLst meth="repeat">
+      <a:schemeClr val="lt1"/>
+    </dgm:fillClrLst>
+    <dgm:linClrLst meth="repeat">
+      <a:schemeClr val="accent1"/>
+    </dgm:linClrLst>
+    <dgm:effectClrLst/>
+    <dgm:txLinClrLst/>
+    <dgm:txFillClrLst meth="repeat">
+      <a:schemeClr val="dk1"/>
+    </dgm:txFillClrLst>
+    <dgm:txEffectClrLst/>
+  </dgm:styleLbl>
+  <dgm:styleLbl name="solidAlignAcc1">
+    <dgm:fillClrLst meth="repeat">
+      <a:schemeClr val="lt1"/>
+    </dgm:fillClrLst>
+    <dgm:linClrLst meth="repeat">
+      <a:schemeClr val="accent1"/>
+    </dgm:linClrLst>
+    <dgm:effectClrLst/>
+    <dgm:txLinClrLst/>
+    <dgm:txFillClrLst meth="repeat">
+      <a:schemeClr val="dk1"/>
+    </dgm:txFillClrLst>
+    <dgm:txEffectClrLst/>
+  </dgm:styleLbl>
+  <dgm:styleLbl name="solidBgAcc1">
+    <dgm:fillClrLst meth="repeat">
+      <a:schemeClr val="lt1"/>
+    </dgm:fillClrLst>
+    <dgm:linClrLst meth="repeat">
+      <a:schemeClr val="accent1"/>
+    </dgm:linClrLst>
+    <dgm:effectClrLst/>
+    <dgm:txLinClrLst/>
+    <dgm:txFillClrLst meth="repeat">
+      <a:schemeClr val="dk1"/>
+    </dgm:txFillClrLst>
+    <dgm:txEffectClrLst/>
+  </dgm:styleLbl>
+  <dgm:styleLbl name="fgAccFollowNode1">
+    <dgm:fillClrLst meth="repeat">
+      <a:schemeClr val="accent1">
+        <a:alpha val="90000"/>
+        <a:tint val="40000"/>
+      </a:schemeClr>
+    </dgm:fillClrLst>
+    <dgm:linClrLst meth="repeat">
+      <a:schemeClr val="accent1">
+        <a:alpha val="90000"/>
+        <a:tint val="40000"/>
+      </a:schemeClr>
+    </dgm:linClrLst>
+    <dgm:effectClrLst/>
+    <dgm:txLinClrLst/>
+    <dgm:txFillClrLst meth="repeat">
+      <a:schemeClr val="dk1"/>
+    </dgm:txFillClrLst>
+    <dgm:txEffectClrLst/>
+  </dgm:styleLbl>
+  <dgm:styleLbl name="alignAccFollowNode1">
+    <dgm:fillClrLst meth="repeat">
+      <a:schemeClr val="accent1">
+        <a:alpha val="90000"/>
+        <a:tint val="40000"/>
+      </a:schemeClr>
+    </dgm:fillClrLst>
+    <dgm:linClrLst meth="repeat">
+      <a:schemeClr val="accent1">
+        <a:alpha val="90000"/>
+        <a:tint val="40000"/>
+      </a:schemeClr>
+    </dgm:linClrLst>
+    <dgm:effectClrLst/>
+    <dgm:txLinClrLst/>
+    <dgm:txFillClrLst meth="repeat">
+      <a:schemeClr val="dk1"/>
+    </dgm:txFillClrLst>
+    <dgm:txEffectClrLst/>
+  </dgm:styleLbl>
+  <dgm:styleLbl name="bgAccFollowNode1">
+    <dgm:fillClrLst meth="repeat">
+      <a:schemeClr val="accent1">
+        <a:alpha val="90000"/>
+        <a:tint val="40000"/>
+      </a:schemeClr>
+    </dgm:fillClrLst>
+    <dgm:linClrLst meth="repeat">
+      <a:schemeClr val="accent1">
+        <a:alpha val="90000"/>
+        <a:tint val="40000"/>
+      </a:schemeClr>
+    </dgm:linClrLst>
+    <dgm:effectClrLst/>
+    <dgm:txLinClrLst/>
+    <dgm:txFillClrLst meth="repeat">
+      <a:schemeClr val="dk1"/>
+    </dgm:txFillClrLst>
+    <dgm:txEffectClrLst/>
+  </dgm:styleLbl>
+  <dgm:styleLbl name="fgAcc0">
+    <dgm:fillClrLst meth="repeat">
+      <a:schemeClr val="lt1">
+        <a:alpha val="90000"/>
+      </a:schemeClr>
+    </dgm:fillClrLst>
+    <dgm:linClrLst meth="repeat">
+      <a:schemeClr val="accent1"/>
+    </dgm:linClrLst>
+    <dgm:effectClrLst/>
+    <dgm:txLinClrLst/>
+    <dgm:txFillClrLst meth="repeat">
+      <a:schemeClr val="dk1"/>
+    </dgm:txFillClrLst>
+    <dgm:txEffectClrLst/>
+  </dgm:styleLbl>
+  <dgm:styleLbl name="fgAcc2">
+    <dgm:fillClrLst meth="repeat">
+      <a:schemeClr val="lt1">
+        <a:alpha val="90000"/>
+      </a:schemeClr>
+    </dgm:fillClrLst>
+    <dgm:linClrLst meth="repeat">
+      <a:schemeClr val="accent1"/>
+    </dgm:linClrLst>
+    <dgm:effectClrLst/>
+    <dgm:txLinClrLst/>
+    <dgm:txFillClrLst meth="repeat">
+      <a:schemeClr val="dk1"/>
+    </dgm:txFillClrLst>
+    <dgm:txEffectClrLst/>
+  </dgm:styleLbl>
+  <dgm:styleLbl name="fgAcc3">
+    <dgm:fillClrLst meth="repeat">
+      <a:schemeClr val="lt1">
+        <a:alpha val="90000"/>
+      </a:schemeClr>
+    </dgm:fillClrLst>
+    <dgm:linClrLst meth="repeat">
+      <a:schemeClr val="accent1"/>
+    </dgm:linClrLst>
+    <dgm:effectClrLst/>
+    <dgm:txLinClrLst/>
+    <dgm:txFillClrLst meth="repeat">
+      <a:schemeClr val="dk1"/>
+    </dgm:txFillClrLst>
+    <dgm:txEffectClrLst/>
+  </dgm:styleLbl>
+  <dgm:styleLbl name="fgAcc4">
+    <dgm:fillClrLst meth="repeat">
+      <a:schemeClr val="lt1">
+        <a:alpha val="90000"/>
+      </a:schemeClr>
+    </dgm:fillClrLst>
+    <dgm:linClrLst meth="repeat">
+      <a:schemeClr val="accent1"/>
+    </dgm:linClrLst>
+    <dgm:effectClrLst/>
+    <dgm:txLinClrLst/>
+    <dgm:txFillClrLst meth="repeat">
+      <a:schemeClr val="dk1"/>
+    </dgm:txFillClrLst>
+    <dgm:txEffectClrLst/>
+  </dgm:styleLbl>
+  <dgm:styleLbl name="bgShp">
+    <dgm:fillClrLst meth="repeat">
+      <a:schemeClr val="accent1">
+        <a:tint val="40000"/>
+      </a:schemeClr>
+    </dgm:fillClrLst>
+    <dgm:linClrLst meth="repeat">
+      <a:schemeClr val="accent1"/>
+    </dgm:linClrLst>
+    <dgm:effectClrLst/>
+    <dgm:txLinClrLst/>
+    <dgm:txFillClrLst meth="repeat">
+      <a:schemeClr val="dk1"/>
+    </dgm:txFillClrLst>
+    <dgm:txEffectClrLst/>
+  </dgm:styleLbl>
+  <dgm:styleLbl name="dkBgShp">
+    <dgm:fillClrLst meth="repeat">
+      <a:schemeClr val="accent1">
+        <a:shade val="80000"/>
+      </a:schemeClr>
+    </dgm:fillClrLst>
+    <dgm:linClrLst meth="repeat">
+      <a:schemeClr val="accent1"/>
+    </dgm:linClrLst>
+    <dgm:effectClrLst/>
+    <dgm:txLinClrLst/>
+    <dgm:txFillClrLst meth="repeat">
+      <a:schemeClr val="lt1"/>
+    </dgm:txFillClrLst>
+    <dgm:txEffectClrLst/>
+  </dgm:styleLbl>
+  <dgm:styleLbl name="trBgShp">
+    <dgm:fillClrLst meth="repeat">
+      <a:schemeClr val="accent1">
+        <a:tint val="50000"/>
+        <a:alpha val="40000"/>
+      </a:schemeClr>
+    </dgm:fillClrLst>
+    <dgm:linClrLst meth="repeat">
+      <a:schemeClr val="accent1"/>
+    </dgm:linClrLst>
+    <dgm:effectClrLst/>
+    <dgm:txLinClrLst/>
+    <dgm:txFillClrLst meth="repeat">
+      <a:schemeClr val="lt1"/>
+    </dgm:txFillClrLst>
+    <dgm:txEffectClrLst/>
+  </dgm:styleLbl>
+  <dgm:styleLbl name="fgShp">
+    <dgm:fillClrLst meth="repeat">
+      <a:schemeClr val="accent1">
+        <a:tint val="60000"/>
+      </a:schemeClr>
+    </dgm:fillClrLst>
+    <dgm:linClrLst meth="repeat">
+      <a:schemeClr val="lt1"/>
+    </dgm:linClrLst>
+    <dgm:effectClrLst/>
+    <dgm:txLinClrLst/>
+    <dgm:txFillClrLst meth="repeat">
+      <a:schemeClr val="dk1"/>
+    </dgm:txFillClrLst>
+    <dgm:txEffectClrLst/>
+  </dgm:styleLbl>
+  <dgm:styleLbl name="revTx">
+    <dgm:fillClrLst meth="repeat">
+      <a:schemeClr val="lt1">
+        <a:alpha val="0"/>
+      </a:schemeClr>
+    </dgm:fillClrLst>
+    <dgm:linClrLst meth="repeat">
+      <a:schemeClr val="dk1">
+        <a:alpha val="0"/>
+      </a:schemeClr>
+    </dgm:linClrLst>
+    <dgm:effectClrLst/>
+    <dgm:txLinClrLst/>
+    <dgm:txFillClrLst meth="repeat">
+      <a:schemeClr val="tx1"/>
+    </dgm:txFillClrLst>
+    <dgm:txEffectClrLst/>
+  </dgm:styleLbl>
+</dgm:colorsDef>
+</file>
+
+<file path=ppt/diagrams/colors4.xml><?xml version="1.0" encoding="utf-8"?>
 <dgm:colorsDef xmlns:dgm="http://schemas.openxmlformats.org/drawingml/2006/diagram" xmlns:a="http://schemas.openxmlformats.org/drawingml/2006/main" uniqueId="urn:microsoft.com/office/officeart/2005/8/colors/accent1_2">
   <dgm:title val=""/>
   <dgm:desc val=""/>
@@ -2221,6 +3720,13 @@
     <dgm:pt modelId="{849341FE-0E79-449D-BB0A-A3D60EB7D1AB}" type="pres">
       <dgm:prSet presAssocID="{CECB66F4-D51F-49E4-9EA6-A2B85E9C3AD6}" presName="circ2" presStyleLbl="vennNode1" presStyleIdx="1" presStyleCnt="3"/>
       <dgm:spPr/>
+      <dgm:t>
+        <a:bodyPr/>
+        <a:lstStyle/>
+        <a:p>
+          <a:endParaRPr lang="en-US"/>
+        </a:p>
+      </dgm:t>
     </dgm:pt>
     <dgm:pt modelId="{C3156723-BF26-4AE5-9272-B313588DF916}" type="pres">
       <dgm:prSet presAssocID="{CECB66F4-D51F-49E4-9EA6-A2B85E9C3AD6}" presName="circ2Tx" presStyleLbl="revTx" presStyleIdx="0" presStyleCnt="0">
@@ -2231,10 +3737,24 @@
         </dgm:presLayoutVars>
       </dgm:prSet>
       <dgm:spPr/>
+      <dgm:t>
+        <a:bodyPr/>
+        <a:lstStyle/>
+        <a:p>
+          <a:endParaRPr lang="en-US"/>
+        </a:p>
+      </dgm:t>
     </dgm:pt>
     <dgm:pt modelId="{8F8934BB-8985-4360-A1A8-A30BA095DDF9}" type="pres">
       <dgm:prSet presAssocID="{DAE73E41-EDEA-483A-A52A-80A59B5F68BA}" presName="circ3" presStyleLbl="vennNode1" presStyleIdx="2" presStyleCnt="3"/>
       <dgm:spPr/>
+      <dgm:t>
+        <a:bodyPr/>
+        <a:lstStyle/>
+        <a:p>
+          <a:endParaRPr lang="en-US"/>
+        </a:p>
+      </dgm:t>
     </dgm:pt>
     <dgm:pt modelId="{89EF0736-0B45-42E0-8126-E80FBB1E1DED}" type="pres">
       <dgm:prSet presAssocID="{DAE73E41-EDEA-483A-A52A-80A59B5F68BA}" presName="circ3Tx" presStyleLbl="revTx" presStyleIdx="0" presStyleCnt="0">
@@ -2245,19 +3765,26 @@
         </dgm:presLayoutVars>
       </dgm:prSet>
       <dgm:spPr/>
+      <dgm:t>
+        <a:bodyPr/>
+        <a:lstStyle/>
+        <a:p>
+          <a:endParaRPr lang="en-US"/>
+        </a:p>
+      </dgm:t>
     </dgm:pt>
   </dgm:ptLst>
   <dgm:cxnLst>
+    <dgm:cxn modelId="{C924BC17-96C0-4185-8B5B-82D88B80B3F7}" type="presOf" srcId="{DAE73E41-EDEA-483A-A52A-80A59B5F68BA}" destId="{8F8934BB-8985-4360-A1A8-A30BA095DDF9}" srcOrd="0" destOrd="0" presId="urn:microsoft.com/office/officeart/2005/8/layout/venn1"/>
+    <dgm:cxn modelId="{1CE8AFE9-DC87-4DE2-8BE9-4C85817BAE94}" type="presOf" srcId="{CECB66F4-D51F-49E4-9EA6-A2B85E9C3AD6}" destId="{849341FE-0E79-449D-BB0A-A3D60EB7D1AB}" srcOrd="0" destOrd="0" presId="urn:microsoft.com/office/officeart/2005/8/layout/venn1"/>
     <dgm:cxn modelId="{875864BC-0B95-4763-BEA6-DEE677325DC5}" srcId="{ACE5CCAD-9D84-40DC-8A09-0E20F7A50A87}" destId="{FFE35DE5-DF6D-44D6-9563-2961DC0FA857}" srcOrd="0" destOrd="0" parTransId="{5A09A340-D916-42C9-AC9D-C05881B487C1}" sibTransId="{28504051-C6A8-43B0-896B-BEE8B4E8C8E2}"/>
-    <dgm:cxn modelId="{4242512B-F121-4611-B24C-50700A2CD2B5}" type="presOf" srcId="{FFE35DE5-DF6D-44D6-9563-2961DC0FA857}" destId="{C6E49833-57B0-4371-A39E-FC681AE763D5}" srcOrd="0" destOrd="0" presId="urn:microsoft.com/office/officeart/2005/8/layout/venn1"/>
-    <dgm:cxn modelId="{E63DE20C-A488-4DD7-A657-0C44812FC093}" srcId="{ACE5CCAD-9D84-40DC-8A09-0E20F7A50A87}" destId="{DAE73E41-EDEA-483A-A52A-80A59B5F68BA}" srcOrd="2" destOrd="0" parTransId="{5A8AA199-E721-4D84-9423-376F575313E3}" sibTransId="{B6DC101B-A100-4DFF-850B-24E13DC85A09}"/>
-    <dgm:cxn modelId="{16A38294-17D9-4C54-8CB5-5324BE761C0F}" type="presOf" srcId="{FFE35DE5-DF6D-44D6-9563-2961DC0FA857}" destId="{5BB041DC-8455-4392-BCBC-0E557E1E7497}" srcOrd="1" destOrd="0" presId="urn:microsoft.com/office/officeart/2005/8/layout/venn1"/>
-    <dgm:cxn modelId="{1CE8AFE9-DC87-4DE2-8BE9-4C85817BAE94}" type="presOf" srcId="{CECB66F4-D51F-49E4-9EA6-A2B85E9C3AD6}" destId="{849341FE-0E79-449D-BB0A-A3D60EB7D1AB}" srcOrd="0" destOrd="0" presId="urn:microsoft.com/office/officeart/2005/8/layout/venn1"/>
-    <dgm:cxn modelId="{C924BC17-96C0-4185-8B5B-82D88B80B3F7}" type="presOf" srcId="{DAE73E41-EDEA-483A-A52A-80A59B5F68BA}" destId="{8F8934BB-8985-4360-A1A8-A30BA095DDF9}" srcOrd="0" destOrd="0" presId="urn:microsoft.com/office/officeart/2005/8/layout/venn1"/>
-    <dgm:cxn modelId="{A1BF5F12-D3C2-4F9C-B71A-1BF0E735EBC5}" type="presOf" srcId="{CECB66F4-D51F-49E4-9EA6-A2B85E9C3AD6}" destId="{C3156723-BF26-4AE5-9272-B313588DF916}" srcOrd="1" destOrd="0" presId="urn:microsoft.com/office/officeart/2005/8/layout/venn1"/>
-    <dgm:cxn modelId="{CF7C3F4C-6ADB-42A6-A75B-CCE550A030FA}" type="presOf" srcId="{DAE73E41-EDEA-483A-A52A-80A59B5F68BA}" destId="{89EF0736-0B45-42E0-8126-E80FBB1E1DED}" srcOrd="1" destOrd="0" presId="urn:microsoft.com/office/officeart/2005/8/layout/venn1"/>
     <dgm:cxn modelId="{DABDF1D9-2C1A-4165-9FF3-F200FEBE02A9}" srcId="{ACE5CCAD-9D84-40DC-8A09-0E20F7A50A87}" destId="{CECB66F4-D51F-49E4-9EA6-A2B85E9C3AD6}" srcOrd="1" destOrd="0" parTransId="{B03009A6-E6C1-4424-AAF1-025CB68B4297}" sibTransId="{DBD6F898-E340-4246-86C8-65225379C7F1}"/>
     <dgm:cxn modelId="{C6DC1B51-61E8-47F7-ABD1-47E43BB0606A}" type="presOf" srcId="{ACE5CCAD-9D84-40DC-8A09-0E20F7A50A87}" destId="{8DA3B6FE-1940-4B13-9B9F-4B7D89FA7974}" srcOrd="0" destOrd="0" presId="urn:microsoft.com/office/officeart/2005/8/layout/venn1"/>
+    <dgm:cxn modelId="{16A38294-17D9-4C54-8CB5-5324BE761C0F}" type="presOf" srcId="{FFE35DE5-DF6D-44D6-9563-2961DC0FA857}" destId="{5BB041DC-8455-4392-BCBC-0E557E1E7497}" srcOrd="1" destOrd="0" presId="urn:microsoft.com/office/officeart/2005/8/layout/venn1"/>
+    <dgm:cxn modelId="{CF7C3F4C-6ADB-42A6-A75B-CCE550A030FA}" type="presOf" srcId="{DAE73E41-EDEA-483A-A52A-80A59B5F68BA}" destId="{89EF0736-0B45-42E0-8126-E80FBB1E1DED}" srcOrd="1" destOrd="0" presId="urn:microsoft.com/office/officeart/2005/8/layout/venn1"/>
+    <dgm:cxn modelId="{E63DE20C-A488-4DD7-A657-0C44812FC093}" srcId="{ACE5CCAD-9D84-40DC-8A09-0E20F7A50A87}" destId="{DAE73E41-EDEA-483A-A52A-80A59B5F68BA}" srcOrd="2" destOrd="0" parTransId="{5A8AA199-E721-4D84-9423-376F575313E3}" sibTransId="{B6DC101B-A100-4DFF-850B-24E13DC85A09}"/>
+    <dgm:cxn modelId="{A1BF5F12-D3C2-4F9C-B71A-1BF0E735EBC5}" type="presOf" srcId="{CECB66F4-D51F-49E4-9EA6-A2B85E9C3AD6}" destId="{C3156723-BF26-4AE5-9272-B313588DF916}" srcOrd="1" destOrd="0" presId="urn:microsoft.com/office/officeart/2005/8/layout/venn1"/>
+    <dgm:cxn modelId="{4242512B-F121-4611-B24C-50700A2CD2B5}" type="presOf" srcId="{FFE35DE5-DF6D-44D6-9563-2961DC0FA857}" destId="{C6E49833-57B0-4371-A39E-FC681AE763D5}" srcOrd="0" destOrd="0" presId="urn:microsoft.com/office/officeart/2005/8/layout/venn1"/>
     <dgm:cxn modelId="{B2D11B22-5728-4FF2-A345-7FDD615F3327}" type="presParOf" srcId="{8DA3B6FE-1940-4B13-9B9F-4B7D89FA7974}" destId="{C6E49833-57B0-4371-A39E-FC681AE763D5}" srcOrd="0" destOrd="0" presId="urn:microsoft.com/office/officeart/2005/8/layout/venn1"/>
     <dgm:cxn modelId="{5EEDFE73-62C9-44F3-AFAC-56399DC613F4}" type="presParOf" srcId="{8DA3B6FE-1940-4B13-9B9F-4B7D89FA7974}" destId="{5BB041DC-8455-4392-BCBC-0E557E1E7497}" srcOrd="1" destOrd="0" presId="urn:microsoft.com/office/officeart/2005/8/layout/venn1"/>
     <dgm:cxn modelId="{E9BECE4D-A2B0-4B9F-850E-0300C2F14DEF}" type="presParOf" srcId="{8DA3B6FE-1940-4B13-9B9F-4B7D89FA7974}" destId="{849341FE-0E79-449D-BB0A-A3D60EB7D1AB}" srcOrd="2" destOrd="0" presId="urn:microsoft.com/office/officeart/2005/8/layout/venn1"/>
@@ -2276,6 +3803,318 @@
 </file>
 
 <file path=ppt/diagrams/data2.xml><?xml version="1.0" encoding="utf-8"?>
+<dgm:dataModel xmlns:dgm="http://schemas.openxmlformats.org/drawingml/2006/diagram" xmlns:a="http://schemas.openxmlformats.org/drawingml/2006/main">
+  <dgm:ptLst>
+    <dgm:pt modelId="{4FF977F2-8A8B-4F32-9057-4A4FD1E4D69D}" type="doc">
+      <dgm:prSet loTypeId="urn:microsoft.com/office/officeart/2005/8/layout/radial2" loCatId="relationship" qsTypeId="urn:microsoft.com/office/officeart/2005/8/quickstyle/simple1" qsCatId="simple" csTypeId="urn:microsoft.com/office/officeart/2005/8/colors/accent1_2" csCatId="accent1" phldr="1"/>
+      <dgm:spPr/>
+      <dgm:t>
+        <a:bodyPr/>
+        <a:lstStyle/>
+        <a:p>
+          <a:endParaRPr lang="en-US"/>
+        </a:p>
+      </dgm:t>
+    </dgm:pt>
+    <dgm:pt modelId="{CA975606-766C-47E6-A34B-5CA898C1BCDF}">
+      <dgm:prSet phldrT="[Text]"/>
+      <dgm:spPr/>
+      <dgm:t>
+        <a:bodyPr/>
+        <a:lstStyle/>
+        <a:p>
+          <a:r>
+            <a:rPr lang="en-US" dirty="0" smtClean="0"/>
+            <a:t>?</a:t>
+          </a:r>
+          <a:endParaRPr lang="en-US" dirty="0"/>
+        </a:p>
+      </dgm:t>
+    </dgm:pt>
+    <dgm:pt modelId="{669B8BEB-EB69-4B72-84F0-DE5B6808A489}" type="parTrans" cxnId="{E34717B8-BD70-4828-96A6-EA72000307FE}">
+      <dgm:prSet/>
+      <dgm:spPr/>
+      <dgm:t>
+        <a:bodyPr/>
+        <a:lstStyle/>
+        <a:p>
+          <a:endParaRPr lang="en-US"/>
+        </a:p>
+      </dgm:t>
+    </dgm:pt>
+    <dgm:pt modelId="{BB19CEEC-C6D8-4863-ADCD-2F1DBA38B30F}" type="sibTrans" cxnId="{E34717B8-BD70-4828-96A6-EA72000307FE}">
+      <dgm:prSet/>
+      <dgm:spPr/>
+      <dgm:t>
+        <a:bodyPr/>
+        <a:lstStyle/>
+        <a:p>
+          <a:endParaRPr lang="en-US"/>
+        </a:p>
+      </dgm:t>
+    </dgm:pt>
+    <dgm:pt modelId="{B667B49A-B518-4057-8D39-113500DE6547}" type="pres">
+      <dgm:prSet presAssocID="{4FF977F2-8A8B-4F32-9057-4A4FD1E4D69D}" presName="composite" presStyleCnt="0">
+        <dgm:presLayoutVars>
+          <dgm:chMax val="5"/>
+          <dgm:dir/>
+          <dgm:animLvl val="ctr"/>
+          <dgm:resizeHandles val="exact"/>
+        </dgm:presLayoutVars>
+      </dgm:prSet>
+      <dgm:spPr/>
+      <dgm:t>
+        <a:bodyPr/>
+        <a:lstStyle/>
+        <a:p>
+          <a:endParaRPr lang="en-US"/>
+        </a:p>
+      </dgm:t>
+    </dgm:pt>
+    <dgm:pt modelId="{62875F6D-7EFE-41C7-A72D-B83ECF195FDF}" type="pres">
+      <dgm:prSet presAssocID="{4FF977F2-8A8B-4F32-9057-4A4FD1E4D69D}" presName="cycle" presStyleCnt="0"/>
+      <dgm:spPr/>
+    </dgm:pt>
+    <dgm:pt modelId="{D23F5842-F8F8-4D1A-AF19-CCE30C3391C3}" type="pres">
+      <dgm:prSet presAssocID="{4FF977F2-8A8B-4F32-9057-4A4FD1E4D69D}" presName="centerShape" presStyleCnt="0"/>
+      <dgm:spPr/>
+    </dgm:pt>
+    <dgm:pt modelId="{77C0D6BE-D22A-4D07-A50E-1B931A4C193E}" type="pres">
+      <dgm:prSet presAssocID="{4FF977F2-8A8B-4F32-9057-4A4FD1E4D69D}" presName="connSite" presStyleLbl="node1" presStyleIdx="0" presStyleCnt="2"/>
+      <dgm:spPr/>
+    </dgm:pt>
+    <dgm:pt modelId="{655E0D77-5780-411B-9444-8032837007E0}" type="pres">
+      <dgm:prSet presAssocID="{4FF977F2-8A8B-4F32-9057-4A4FD1E4D69D}" presName="visible" presStyleLbl="node1" presStyleIdx="0" presStyleCnt="2" custScaleX="63564" custScaleY="59897"/>
+      <dgm:spPr/>
+    </dgm:pt>
+    <dgm:pt modelId="{61473F56-BCB5-4EEC-AC0A-E3FEF977DCDC}" type="pres">
+      <dgm:prSet presAssocID="{669B8BEB-EB69-4B72-84F0-DE5B6808A489}" presName="Name25" presStyleLbl="parChTrans1D1" presStyleIdx="0" presStyleCnt="1"/>
+      <dgm:spPr/>
+      <dgm:t>
+        <a:bodyPr/>
+        <a:lstStyle/>
+        <a:p>
+          <a:endParaRPr lang="en-US"/>
+        </a:p>
+      </dgm:t>
+    </dgm:pt>
+    <dgm:pt modelId="{AA9C2641-3E8C-4A95-A7DC-05246087FC76}" type="pres">
+      <dgm:prSet presAssocID="{CA975606-766C-47E6-A34B-5CA898C1BCDF}" presName="node" presStyleCnt="0"/>
+      <dgm:spPr/>
+    </dgm:pt>
+    <dgm:pt modelId="{BCCEB3F5-776F-4D62-A047-82D8E22010A5}" type="pres">
+      <dgm:prSet presAssocID="{CA975606-766C-47E6-A34B-5CA898C1BCDF}" presName="parentNode" presStyleLbl="node1" presStyleIdx="1" presStyleCnt="2" custLinFactNeighborX="48979" custLinFactNeighborY="1064">
+        <dgm:presLayoutVars>
+          <dgm:chMax val="1"/>
+          <dgm:bulletEnabled val="1"/>
+        </dgm:presLayoutVars>
+      </dgm:prSet>
+      <dgm:spPr/>
+      <dgm:t>
+        <a:bodyPr/>
+        <a:lstStyle/>
+        <a:p>
+          <a:endParaRPr lang="en-US"/>
+        </a:p>
+      </dgm:t>
+    </dgm:pt>
+    <dgm:pt modelId="{CE34F256-7719-4DA9-8183-A953129248C2}" type="pres">
+      <dgm:prSet presAssocID="{CA975606-766C-47E6-A34B-5CA898C1BCDF}" presName="childNode" presStyleLbl="revTx" presStyleIdx="0" presStyleCnt="0">
+        <dgm:presLayoutVars>
+          <dgm:bulletEnabled val="1"/>
+        </dgm:presLayoutVars>
+      </dgm:prSet>
+      <dgm:spPr/>
+      <dgm:t>
+        <a:bodyPr/>
+        <a:lstStyle/>
+        <a:p>
+          <a:endParaRPr lang="en-US"/>
+        </a:p>
+      </dgm:t>
+    </dgm:pt>
+  </dgm:ptLst>
+  <dgm:cxnLst>
+    <dgm:cxn modelId="{E34717B8-BD70-4828-96A6-EA72000307FE}" srcId="{4FF977F2-8A8B-4F32-9057-4A4FD1E4D69D}" destId="{CA975606-766C-47E6-A34B-5CA898C1BCDF}" srcOrd="0" destOrd="0" parTransId="{669B8BEB-EB69-4B72-84F0-DE5B6808A489}" sibTransId="{BB19CEEC-C6D8-4863-ADCD-2F1DBA38B30F}"/>
+    <dgm:cxn modelId="{D7F317D3-37B9-4013-BF7B-3FA621D7033E}" type="presOf" srcId="{669B8BEB-EB69-4B72-84F0-DE5B6808A489}" destId="{61473F56-BCB5-4EEC-AC0A-E3FEF977DCDC}" srcOrd="0" destOrd="0" presId="urn:microsoft.com/office/officeart/2005/8/layout/radial2"/>
+    <dgm:cxn modelId="{44BE884C-BA43-49DD-9598-AB9D27EE9A88}" type="presOf" srcId="{4FF977F2-8A8B-4F32-9057-4A4FD1E4D69D}" destId="{B667B49A-B518-4057-8D39-113500DE6547}" srcOrd="0" destOrd="0" presId="urn:microsoft.com/office/officeart/2005/8/layout/radial2"/>
+    <dgm:cxn modelId="{79C4DA37-B3CD-41BD-9D57-82E3D63144B6}" type="presOf" srcId="{CA975606-766C-47E6-A34B-5CA898C1BCDF}" destId="{BCCEB3F5-776F-4D62-A047-82D8E22010A5}" srcOrd="0" destOrd="0" presId="urn:microsoft.com/office/officeart/2005/8/layout/radial2"/>
+    <dgm:cxn modelId="{5750D269-44BC-41A0-AABA-6961201E155C}" type="presParOf" srcId="{B667B49A-B518-4057-8D39-113500DE6547}" destId="{62875F6D-7EFE-41C7-A72D-B83ECF195FDF}" srcOrd="0" destOrd="0" presId="urn:microsoft.com/office/officeart/2005/8/layout/radial2"/>
+    <dgm:cxn modelId="{1BB66511-85A0-44D2-95E8-8391D7D4CDDC}" type="presParOf" srcId="{62875F6D-7EFE-41C7-A72D-B83ECF195FDF}" destId="{D23F5842-F8F8-4D1A-AF19-CCE30C3391C3}" srcOrd="0" destOrd="0" presId="urn:microsoft.com/office/officeart/2005/8/layout/radial2"/>
+    <dgm:cxn modelId="{F2D76DAF-1CB7-4600-93FA-B8FDC7B9B1E8}" type="presParOf" srcId="{D23F5842-F8F8-4D1A-AF19-CCE30C3391C3}" destId="{77C0D6BE-D22A-4D07-A50E-1B931A4C193E}" srcOrd="0" destOrd="0" presId="urn:microsoft.com/office/officeart/2005/8/layout/radial2"/>
+    <dgm:cxn modelId="{703D2AB2-B6ED-4F9C-94F4-C0C5B5018F95}" type="presParOf" srcId="{D23F5842-F8F8-4D1A-AF19-CCE30C3391C3}" destId="{655E0D77-5780-411B-9444-8032837007E0}" srcOrd="1" destOrd="0" presId="urn:microsoft.com/office/officeart/2005/8/layout/radial2"/>
+    <dgm:cxn modelId="{233929AD-A9D5-4FAD-B90F-E19224A6B188}" type="presParOf" srcId="{62875F6D-7EFE-41C7-A72D-B83ECF195FDF}" destId="{61473F56-BCB5-4EEC-AC0A-E3FEF977DCDC}" srcOrd="1" destOrd="0" presId="urn:microsoft.com/office/officeart/2005/8/layout/radial2"/>
+    <dgm:cxn modelId="{E550A8CF-598B-4055-8449-92647A801E83}" type="presParOf" srcId="{62875F6D-7EFE-41C7-A72D-B83ECF195FDF}" destId="{AA9C2641-3E8C-4A95-A7DC-05246087FC76}" srcOrd="2" destOrd="0" presId="urn:microsoft.com/office/officeart/2005/8/layout/radial2"/>
+    <dgm:cxn modelId="{D288698A-7EC9-412D-9E5D-2ABD33FA865D}" type="presParOf" srcId="{AA9C2641-3E8C-4A95-A7DC-05246087FC76}" destId="{BCCEB3F5-776F-4D62-A047-82D8E22010A5}" srcOrd="0" destOrd="0" presId="urn:microsoft.com/office/officeart/2005/8/layout/radial2"/>
+    <dgm:cxn modelId="{7972A61C-273C-42A6-BE86-39B61F2E8C5B}" type="presParOf" srcId="{AA9C2641-3E8C-4A95-A7DC-05246087FC76}" destId="{CE34F256-7719-4DA9-8183-A953129248C2}" srcOrd="1" destOrd="0" presId="urn:microsoft.com/office/officeart/2005/8/layout/radial2"/>
+  </dgm:cxnLst>
+  <dgm:bg/>
+  <dgm:whole/>
+  <dgm:extLst>
+    <a:ext uri="http://schemas.microsoft.com/office/drawing/2008/diagram">
+      <dsp:dataModelExt xmlns:dsp="http://schemas.microsoft.com/office/drawing/2008/diagram" relId="rId6" minVer="http://schemas.openxmlformats.org/drawingml/2006/diagram"/>
+    </a:ext>
+  </dgm:extLst>
+</dgm:dataModel>
+</file>
+
+<file path=ppt/diagrams/data3.xml><?xml version="1.0" encoding="utf-8"?>
+<dgm:dataModel xmlns:dgm="http://schemas.openxmlformats.org/drawingml/2006/diagram" xmlns:a="http://schemas.openxmlformats.org/drawingml/2006/main">
+  <dgm:ptLst>
+    <dgm:pt modelId="{4FF977F2-8A8B-4F32-9057-4A4FD1E4D69D}" type="doc">
+      <dgm:prSet loTypeId="urn:microsoft.com/office/officeart/2005/8/layout/radial2" loCatId="relationship" qsTypeId="urn:microsoft.com/office/officeart/2005/8/quickstyle/simple1" qsCatId="simple" csTypeId="urn:microsoft.com/office/officeart/2005/8/colors/accent1_2" csCatId="accent1" phldr="1"/>
+      <dgm:spPr/>
+      <dgm:t>
+        <a:bodyPr/>
+        <a:lstStyle/>
+        <a:p>
+          <a:endParaRPr lang="en-US"/>
+        </a:p>
+      </dgm:t>
+    </dgm:pt>
+    <dgm:pt modelId="{CA975606-766C-47E6-A34B-5CA898C1BCDF}">
+      <dgm:prSet phldrT="[Text]"/>
+      <dgm:spPr/>
+      <dgm:t>
+        <a:bodyPr/>
+        <a:lstStyle/>
+        <a:p>
+          <a:r>
+            <a:rPr lang="en-US" dirty="0" smtClean="0"/>
+            <a:t>Respond</a:t>
+          </a:r>
+          <a:endParaRPr lang="en-US" dirty="0"/>
+        </a:p>
+      </dgm:t>
+    </dgm:pt>
+    <dgm:pt modelId="{669B8BEB-EB69-4B72-84F0-DE5B6808A489}" type="parTrans" cxnId="{E34717B8-BD70-4828-96A6-EA72000307FE}">
+      <dgm:prSet/>
+      <dgm:spPr/>
+      <dgm:t>
+        <a:bodyPr/>
+        <a:lstStyle/>
+        <a:p>
+          <a:endParaRPr lang="en-US"/>
+        </a:p>
+      </dgm:t>
+    </dgm:pt>
+    <dgm:pt modelId="{BB19CEEC-C6D8-4863-ADCD-2F1DBA38B30F}" type="sibTrans" cxnId="{E34717B8-BD70-4828-96A6-EA72000307FE}">
+      <dgm:prSet/>
+      <dgm:spPr/>
+      <dgm:t>
+        <a:bodyPr/>
+        <a:lstStyle/>
+        <a:p>
+          <a:endParaRPr lang="en-US"/>
+        </a:p>
+      </dgm:t>
+    </dgm:pt>
+    <dgm:pt modelId="{B667B49A-B518-4057-8D39-113500DE6547}" type="pres">
+      <dgm:prSet presAssocID="{4FF977F2-8A8B-4F32-9057-4A4FD1E4D69D}" presName="composite" presStyleCnt="0">
+        <dgm:presLayoutVars>
+          <dgm:chMax val="5"/>
+          <dgm:dir/>
+          <dgm:animLvl val="ctr"/>
+          <dgm:resizeHandles val="exact"/>
+        </dgm:presLayoutVars>
+      </dgm:prSet>
+      <dgm:spPr/>
+      <dgm:t>
+        <a:bodyPr/>
+        <a:lstStyle/>
+        <a:p>
+          <a:endParaRPr lang="en-US"/>
+        </a:p>
+      </dgm:t>
+    </dgm:pt>
+    <dgm:pt modelId="{62875F6D-7EFE-41C7-A72D-B83ECF195FDF}" type="pres">
+      <dgm:prSet presAssocID="{4FF977F2-8A8B-4F32-9057-4A4FD1E4D69D}" presName="cycle" presStyleCnt="0"/>
+      <dgm:spPr/>
+    </dgm:pt>
+    <dgm:pt modelId="{D23F5842-F8F8-4D1A-AF19-CCE30C3391C3}" type="pres">
+      <dgm:prSet presAssocID="{4FF977F2-8A8B-4F32-9057-4A4FD1E4D69D}" presName="centerShape" presStyleCnt="0"/>
+      <dgm:spPr/>
+    </dgm:pt>
+    <dgm:pt modelId="{77C0D6BE-D22A-4D07-A50E-1B931A4C193E}" type="pres">
+      <dgm:prSet presAssocID="{4FF977F2-8A8B-4F32-9057-4A4FD1E4D69D}" presName="connSite" presStyleLbl="node1" presStyleIdx="0" presStyleCnt="2"/>
+      <dgm:spPr/>
+    </dgm:pt>
+    <dgm:pt modelId="{655E0D77-5780-411B-9444-8032837007E0}" type="pres">
+      <dgm:prSet presAssocID="{4FF977F2-8A8B-4F32-9057-4A4FD1E4D69D}" presName="visible" presStyleLbl="node1" presStyleIdx="0" presStyleCnt="2" custScaleX="63564" custScaleY="59897"/>
+      <dgm:spPr/>
+    </dgm:pt>
+    <dgm:pt modelId="{61473F56-BCB5-4EEC-AC0A-E3FEF977DCDC}" type="pres">
+      <dgm:prSet presAssocID="{669B8BEB-EB69-4B72-84F0-DE5B6808A489}" presName="Name25" presStyleLbl="parChTrans1D1" presStyleIdx="0" presStyleCnt="1"/>
+      <dgm:spPr/>
+      <dgm:t>
+        <a:bodyPr/>
+        <a:lstStyle/>
+        <a:p>
+          <a:endParaRPr lang="en-US"/>
+        </a:p>
+      </dgm:t>
+    </dgm:pt>
+    <dgm:pt modelId="{AA9C2641-3E8C-4A95-A7DC-05246087FC76}" type="pres">
+      <dgm:prSet presAssocID="{CA975606-766C-47E6-A34B-5CA898C1BCDF}" presName="node" presStyleCnt="0"/>
+      <dgm:spPr/>
+    </dgm:pt>
+    <dgm:pt modelId="{BCCEB3F5-776F-4D62-A047-82D8E22010A5}" type="pres">
+      <dgm:prSet presAssocID="{CA975606-766C-47E6-A34B-5CA898C1BCDF}" presName="parentNode" presStyleLbl="node1" presStyleIdx="1" presStyleCnt="2" custLinFactNeighborX="48979" custLinFactNeighborY="1064">
+        <dgm:presLayoutVars>
+          <dgm:chMax val="1"/>
+          <dgm:bulletEnabled val="1"/>
+        </dgm:presLayoutVars>
+      </dgm:prSet>
+      <dgm:spPr/>
+      <dgm:t>
+        <a:bodyPr/>
+        <a:lstStyle/>
+        <a:p>
+          <a:endParaRPr lang="en-US"/>
+        </a:p>
+      </dgm:t>
+    </dgm:pt>
+    <dgm:pt modelId="{CE34F256-7719-4DA9-8183-A953129248C2}" type="pres">
+      <dgm:prSet presAssocID="{CA975606-766C-47E6-A34B-5CA898C1BCDF}" presName="childNode" presStyleLbl="revTx" presStyleIdx="0" presStyleCnt="0">
+        <dgm:presLayoutVars>
+          <dgm:bulletEnabled val="1"/>
+        </dgm:presLayoutVars>
+      </dgm:prSet>
+      <dgm:spPr/>
+      <dgm:t>
+        <a:bodyPr/>
+        <a:lstStyle/>
+        <a:p>
+          <a:endParaRPr lang="en-US"/>
+        </a:p>
+      </dgm:t>
+    </dgm:pt>
+  </dgm:ptLst>
+  <dgm:cxnLst>
+    <dgm:cxn modelId="{509389A6-7893-4146-B985-23C294A74947}" type="presOf" srcId="{CA975606-766C-47E6-A34B-5CA898C1BCDF}" destId="{BCCEB3F5-776F-4D62-A047-82D8E22010A5}" srcOrd="0" destOrd="0" presId="urn:microsoft.com/office/officeart/2005/8/layout/radial2"/>
+    <dgm:cxn modelId="{E34717B8-BD70-4828-96A6-EA72000307FE}" srcId="{4FF977F2-8A8B-4F32-9057-4A4FD1E4D69D}" destId="{CA975606-766C-47E6-A34B-5CA898C1BCDF}" srcOrd="0" destOrd="0" parTransId="{669B8BEB-EB69-4B72-84F0-DE5B6808A489}" sibTransId="{BB19CEEC-C6D8-4863-ADCD-2F1DBA38B30F}"/>
+    <dgm:cxn modelId="{D3C6E018-4053-4BBB-809C-099EB1CD2A15}" type="presOf" srcId="{669B8BEB-EB69-4B72-84F0-DE5B6808A489}" destId="{61473F56-BCB5-4EEC-AC0A-E3FEF977DCDC}" srcOrd="0" destOrd="0" presId="urn:microsoft.com/office/officeart/2005/8/layout/radial2"/>
+    <dgm:cxn modelId="{22815F3F-E046-4FA8-9E62-A114C9062D79}" type="presOf" srcId="{4FF977F2-8A8B-4F32-9057-4A4FD1E4D69D}" destId="{B667B49A-B518-4057-8D39-113500DE6547}" srcOrd="0" destOrd="0" presId="urn:microsoft.com/office/officeart/2005/8/layout/radial2"/>
+    <dgm:cxn modelId="{472795D6-4A7F-4215-AB55-BB1CC077428E}" type="presParOf" srcId="{B667B49A-B518-4057-8D39-113500DE6547}" destId="{62875F6D-7EFE-41C7-A72D-B83ECF195FDF}" srcOrd="0" destOrd="0" presId="urn:microsoft.com/office/officeart/2005/8/layout/radial2"/>
+    <dgm:cxn modelId="{6ABF3B9B-D871-4872-BEF1-76DE3F30E378}" type="presParOf" srcId="{62875F6D-7EFE-41C7-A72D-B83ECF195FDF}" destId="{D23F5842-F8F8-4D1A-AF19-CCE30C3391C3}" srcOrd="0" destOrd="0" presId="urn:microsoft.com/office/officeart/2005/8/layout/radial2"/>
+    <dgm:cxn modelId="{EC445B88-30A3-414B-BB27-F8C9EFDC02F5}" type="presParOf" srcId="{D23F5842-F8F8-4D1A-AF19-CCE30C3391C3}" destId="{77C0D6BE-D22A-4D07-A50E-1B931A4C193E}" srcOrd="0" destOrd="0" presId="urn:microsoft.com/office/officeart/2005/8/layout/radial2"/>
+    <dgm:cxn modelId="{634B2BD9-7722-493D-B98F-D1F2C5D6B12B}" type="presParOf" srcId="{D23F5842-F8F8-4D1A-AF19-CCE30C3391C3}" destId="{655E0D77-5780-411B-9444-8032837007E0}" srcOrd="1" destOrd="0" presId="urn:microsoft.com/office/officeart/2005/8/layout/radial2"/>
+    <dgm:cxn modelId="{CEA89E67-10F2-4D1A-A2F2-1D7586950BFA}" type="presParOf" srcId="{62875F6D-7EFE-41C7-A72D-B83ECF195FDF}" destId="{61473F56-BCB5-4EEC-AC0A-E3FEF977DCDC}" srcOrd="1" destOrd="0" presId="urn:microsoft.com/office/officeart/2005/8/layout/radial2"/>
+    <dgm:cxn modelId="{2090005A-7794-43ED-BD9F-2E2158C9262C}" type="presParOf" srcId="{62875F6D-7EFE-41C7-A72D-B83ECF195FDF}" destId="{AA9C2641-3E8C-4A95-A7DC-05246087FC76}" srcOrd="2" destOrd="0" presId="urn:microsoft.com/office/officeart/2005/8/layout/radial2"/>
+    <dgm:cxn modelId="{3C11870E-FE22-4A59-90A1-126B8271C2BC}" type="presParOf" srcId="{AA9C2641-3E8C-4A95-A7DC-05246087FC76}" destId="{BCCEB3F5-776F-4D62-A047-82D8E22010A5}" srcOrd="0" destOrd="0" presId="urn:microsoft.com/office/officeart/2005/8/layout/radial2"/>
+    <dgm:cxn modelId="{B5DE03F1-797D-4423-824E-4928055E1B60}" type="presParOf" srcId="{AA9C2641-3E8C-4A95-A7DC-05246087FC76}" destId="{CE34F256-7719-4DA9-8183-A953129248C2}" srcOrd="1" destOrd="0" presId="urn:microsoft.com/office/officeart/2005/8/layout/radial2"/>
+  </dgm:cxnLst>
+  <dgm:bg/>
+  <dgm:whole/>
+  <dgm:extLst>
+    <a:ext uri="http://schemas.microsoft.com/office/drawing/2008/diagram">
+      <dsp:dataModelExt xmlns:dsp="http://schemas.microsoft.com/office/drawing/2008/diagram" relId="rId6" minVer="http://schemas.openxmlformats.org/drawingml/2006/diagram"/>
+    </a:ext>
+  </dgm:extLst>
+</dgm:dataModel>
+</file>
+
+<file path=ppt/diagrams/data4.xml><?xml version="1.0" encoding="utf-8"?>
 <dgm:dataModel xmlns:dgm="http://schemas.openxmlformats.org/drawingml/2006/diagram" xmlns:a="http://schemas.openxmlformats.org/drawingml/2006/main">
   <dgm:ptLst>
     <dgm:pt modelId="{4FF977F2-8A8B-4F32-9057-4A4FD1E4D69D}" type="doc">
@@ -2410,6 +4249,13 @@
         </dgm:presLayoutVars>
       </dgm:prSet>
       <dgm:spPr/>
+      <dgm:t>
+        <a:bodyPr/>
+        <a:lstStyle/>
+        <a:p>
+          <a:endParaRPr lang="en-US"/>
+        </a:p>
+      </dgm:t>
     </dgm:pt>
     <dgm:pt modelId="{62875F6D-7EFE-41C7-A72D-B83ECF195FDF}" type="pres">
       <dgm:prSet presAssocID="{4FF977F2-8A8B-4F32-9057-4A4FD1E4D69D}" presName="cycle" presStyleCnt="0"/>
@@ -2430,6 +4276,13 @@
     <dgm:pt modelId="{C2267931-7008-4E06-8E2D-168564774BAF}" type="pres">
       <dgm:prSet presAssocID="{3A46A7E9-F69D-47AE-9E54-7A8F90853FB1}" presName="Name25" presStyleLbl="parChTrans1D1" presStyleIdx="0" presStyleCnt="3"/>
       <dgm:spPr/>
+      <dgm:t>
+        <a:bodyPr/>
+        <a:lstStyle/>
+        <a:p>
+          <a:endParaRPr lang="en-US"/>
+        </a:p>
+      </dgm:t>
     </dgm:pt>
     <dgm:pt modelId="{F717F19F-B1A6-4489-932E-8571613C7752}" type="pres">
       <dgm:prSet presAssocID="{0E0F2471-B8C4-4E8E-B776-26CC322B59FA}" presName="node" presStyleCnt="0"/>
@@ -2443,6 +4296,13 @@
         </dgm:presLayoutVars>
       </dgm:prSet>
       <dgm:spPr/>
+      <dgm:t>
+        <a:bodyPr/>
+        <a:lstStyle/>
+        <a:p>
+          <a:endParaRPr lang="en-US"/>
+        </a:p>
+      </dgm:t>
     </dgm:pt>
     <dgm:pt modelId="{6D4A8C25-2E9E-495E-BAA1-2C0FC22A6412}" type="pres">
       <dgm:prSet presAssocID="{0E0F2471-B8C4-4E8E-B776-26CC322B59FA}" presName="childNode" presStyleLbl="revTx" presStyleIdx="0" presStyleCnt="0">
@@ -2462,6 +4322,13 @@
     <dgm:pt modelId="{F3FA0C96-206C-472A-8AA2-51605B8CDE65}" type="pres">
       <dgm:prSet presAssocID="{99ED0AA8-AB1E-4D9B-8F6E-3B695124E41C}" presName="Name25" presStyleLbl="parChTrans1D1" presStyleIdx="1" presStyleCnt="3"/>
       <dgm:spPr/>
+      <dgm:t>
+        <a:bodyPr/>
+        <a:lstStyle/>
+        <a:p>
+          <a:endParaRPr lang="en-US"/>
+        </a:p>
+      </dgm:t>
     </dgm:pt>
     <dgm:pt modelId="{C2B3FAD2-077F-48D0-8CE3-721FBEC987C5}" type="pres">
       <dgm:prSet presAssocID="{825E46AD-700C-4225-A733-CF6065DC9F9F}" presName="node" presStyleCnt="0"/>
@@ -2475,6 +4342,13 @@
         </dgm:presLayoutVars>
       </dgm:prSet>
       <dgm:spPr/>
+      <dgm:t>
+        <a:bodyPr/>
+        <a:lstStyle/>
+        <a:p>
+          <a:endParaRPr lang="en-US"/>
+        </a:p>
+      </dgm:t>
     </dgm:pt>
     <dgm:pt modelId="{AD124A39-B7FC-478C-83AB-630935559D1B}" type="pres">
       <dgm:prSet presAssocID="{825E46AD-700C-4225-A733-CF6065DC9F9F}" presName="childNode" presStyleLbl="revTx" presStyleIdx="0" presStyleCnt="0">
@@ -2494,6 +4368,13 @@
     <dgm:pt modelId="{61473F56-BCB5-4EEC-AC0A-E3FEF977DCDC}" type="pres">
       <dgm:prSet presAssocID="{669B8BEB-EB69-4B72-84F0-DE5B6808A489}" presName="Name25" presStyleLbl="parChTrans1D1" presStyleIdx="2" presStyleCnt="3"/>
       <dgm:spPr/>
+      <dgm:t>
+        <a:bodyPr/>
+        <a:lstStyle/>
+        <a:p>
+          <a:endParaRPr lang="en-US"/>
+        </a:p>
+      </dgm:t>
     </dgm:pt>
     <dgm:pt modelId="{AA9C2641-3E8C-4A95-A7DC-05246087FC76}" type="pres">
       <dgm:prSet presAssocID="{CA975606-766C-47E6-A34B-5CA898C1BCDF}" presName="node" presStyleCnt="0"/>
@@ -2507,6 +4388,13 @@
         </dgm:presLayoutVars>
       </dgm:prSet>
       <dgm:spPr/>
+      <dgm:t>
+        <a:bodyPr/>
+        <a:lstStyle/>
+        <a:p>
+          <a:endParaRPr lang="en-US"/>
+        </a:p>
+      </dgm:t>
     </dgm:pt>
     <dgm:pt modelId="{CE34F256-7719-4DA9-8183-A953129248C2}" type="pres">
       <dgm:prSet presAssocID="{CA975606-766C-47E6-A34B-5CA898C1BCDF}" presName="childNode" presStyleLbl="revTx" presStyleIdx="0" presStyleCnt="0">
@@ -2526,31 +4414,31 @@
   </dgm:ptLst>
   <dgm:cxnLst>
     <dgm:cxn modelId="{0DB2182A-5BCF-4E21-B0D1-464500C3F6D1}" srcId="{4FF977F2-8A8B-4F32-9057-4A4FD1E4D69D}" destId="{0E0F2471-B8C4-4E8E-B776-26CC322B59FA}" srcOrd="0" destOrd="0" parTransId="{3A46A7E9-F69D-47AE-9E54-7A8F90853FB1}" sibTransId="{6CE6E9AC-7014-4F0E-A6FE-4FBA5CFA8BD9}"/>
-    <dgm:cxn modelId="{5AC0FFFC-A4B8-4CC6-95D9-70708F9BE876}" type="presOf" srcId="{0E0F2471-B8C4-4E8E-B776-26CC322B59FA}" destId="{66F292D9-E32B-47BB-9096-E0578307CC91}" srcOrd="0" destOrd="0" presId="urn:microsoft.com/office/officeart/2005/8/layout/radial2"/>
-    <dgm:cxn modelId="{9658C400-EA66-4865-A0C6-787BBEAD5316}" type="presOf" srcId="{99ED0AA8-AB1E-4D9B-8F6E-3B695124E41C}" destId="{F3FA0C96-206C-472A-8AA2-51605B8CDE65}" srcOrd="0" destOrd="0" presId="urn:microsoft.com/office/officeart/2005/8/layout/radial2"/>
-    <dgm:cxn modelId="{509389A6-7893-4146-B985-23C294A74947}" type="presOf" srcId="{CA975606-766C-47E6-A34B-5CA898C1BCDF}" destId="{BCCEB3F5-776F-4D62-A047-82D8E22010A5}" srcOrd="0" destOrd="0" presId="urn:microsoft.com/office/officeart/2005/8/layout/radial2"/>
-    <dgm:cxn modelId="{D3C6E018-4053-4BBB-809C-099EB1CD2A15}" type="presOf" srcId="{669B8BEB-EB69-4B72-84F0-DE5B6808A489}" destId="{61473F56-BCB5-4EEC-AC0A-E3FEF977DCDC}" srcOrd="0" destOrd="0" presId="urn:microsoft.com/office/officeart/2005/8/layout/radial2"/>
-    <dgm:cxn modelId="{0AFBE51B-5D20-44FA-8F8F-24CF77C40B3F}" type="presOf" srcId="{3A46A7E9-F69D-47AE-9E54-7A8F90853FB1}" destId="{C2267931-7008-4E06-8E2D-168564774BAF}" srcOrd="0" destOrd="0" presId="urn:microsoft.com/office/officeart/2005/8/layout/radial2"/>
-    <dgm:cxn modelId="{A7F82057-A6B7-42DD-8FC0-E6326EFF2786}" type="presOf" srcId="{825E46AD-700C-4225-A733-CF6065DC9F9F}" destId="{B0F3388D-7567-4ED4-AC78-A739B08B3246}" srcOrd="0" destOrd="0" presId="urn:microsoft.com/office/officeart/2005/8/layout/radial2"/>
+    <dgm:cxn modelId="{76F3E32B-1E01-4F72-B16F-DA29D39D437D}" type="presOf" srcId="{CA975606-766C-47E6-A34B-5CA898C1BCDF}" destId="{BCCEB3F5-776F-4D62-A047-82D8E22010A5}" srcOrd="0" destOrd="0" presId="urn:microsoft.com/office/officeart/2005/8/layout/radial2"/>
+    <dgm:cxn modelId="{2F6A2651-60FB-4583-B825-B058CA46134B}" type="presOf" srcId="{669B8BEB-EB69-4B72-84F0-DE5B6808A489}" destId="{61473F56-BCB5-4EEC-AC0A-E3FEF977DCDC}" srcOrd="0" destOrd="0" presId="urn:microsoft.com/office/officeart/2005/8/layout/radial2"/>
+    <dgm:cxn modelId="{26516B55-67DD-4BCC-B395-07C70636D4DD}" type="presOf" srcId="{99ED0AA8-AB1E-4D9B-8F6E-3B695124E41C}" destId="{F3FA0C96-206C-472A-8AA2-51605B8CDE65}" srcOrd="0" destOrd="0" presId="urn:microsoft.com/office/officeart/2005/8/layout/radial2"/>
+    <dgm:cxn modelId="{17FF1C39-3690-4A7F-881D-DBCEBAF48670}" type="presOf" srcId="{3A46A7E9-F69D-47AE-9E54-7A8F90853FB1}" destId="{C2267931-7008-4E06-8E2D-168564774BAF}" srcOrd="0" destOrd="0" presId="urn:microsoft.com/office/officeart/2005/8/layout/radial2"/>
+    <dgm:cxn modelId="{2BEB009E-CC45-4621-8B82-5789D9F9C109}" type="presOf" srcId="{825E46AD-700C-4225-A733-CF6065DC9F9F}" destId="{B0F3388D-7567-4ED4-AC78-A739B08B3246}" srcOrd="0" destOrd="0" presId="urn:microsoft.com/office/officeart/2005/8/layout/radial2"/>
     <dgm:cxn modelId="{E34717B8-BD70-4828-96A6-EA72000307FE}" srcId="{4FF977F2-8A8B-4F32-9057-4A4FD1E4D69D}" destId="{CA975606-766C-47E6-A34B-5CA898C1BCDF}" srcOrd="2" destOrd="0" parTransId="{669B8BEB-EB69-4B72-84F0-DE5B6808A489}" sibTransId="{BB19CEEC-C6D8-4863-ADCD-2F1DBA38B30F}"/>
-    <dgm:cxn modelId="{22815F3F-E046-4FA8-9E62-A114C9062D79}" type="presOf" srcId="{4FF977F2-8A8B-4F32-9057-4A4FD1E4D69D}" destId="{B667B49A-B518-4057-8D39-113500DE6547}" srcOrd="0" destOrd="0" presId="urn:microsoft.com/office/officeart/2005/8/layout/radial2"/>
+    <dgm:cxn modelId="{42CBA64E-28A5-4322-B905-675E60FA9243}" type="presOf" srcId="{4FF977F2-8A8B-4F32-9057-4A4FD1E4D69D}" destId="{B667B49A-B518-4057-8D39-113500DE6547}" srcOrd="0" destOrd="0" presId="urn:microsoft.com/office/officeart/2005/8/layout/radial2"/>
     <dgm:cxn modelId="{43A6AE53-C132-480F-A227-CB6BC2AA1EAD}" srcId="{4FF977F2-8A8B-4F32-9057-4A4FD1E4D69D}" destId="{825E46AD-700C-4225-A733-CF6065DC9F9F}" srcOrd="1" destOrd="0" parTransId="{99ED0AA8-AB1E-4D9B-8F6E-3B695124E41C}" sibTransId="{BEBB9774-6C1F-4060-94DB-51C9654B841A}"/>
-    <dgm:cxn modelId="{472795D6-4A7F-4215-AB55-BB1CC077428E}" type="presParOf" srcId="{B667B49A-B518-4057-8D39-113500DE6547}" destId="{62875F6D-7EFE-41C7-A72D-B83ECF195FDF}" srcOrd="0" destOrd="0" presId="urn:microsoft.com/office/officeart/2005/8/layout/radial2"/>
-    <dgm:cxn modelId="{6ABF3B9B-D871-4872-BEF1-76DE3F30E378}" type="presParOf" srcId="{62875F6D-7EFE-41C7-A72D-B83ECF195FDF}" destId="{D23F5842-F8F8-4D1A-AF19-CCE30C3391C3}" srcOrd="0" destOrd="0" presId="urn:microsoft.com/office/officeart/2005/8/layout/radial2"/>
-    <dgm:cxn modelId="{EC445B88-30A3-414B-BB27-F8C9EFDC02F5}" type="presParOf" srcId="{D23F5842-F8F8-4D1A-AF19-CCE30C3391C3}" destId="{77C0D6BE-D22A-4D07-A50E-1B931A4C193E}" srcOrd="0" destOrd="0" presId="urn:microsoft.com/office/officeart/2005/8/layout/radial2"/>
-    <dgm:cxn modelId="{634B2BD9-7722-493D-B98F-D1F2C5D6B12B}" type="presParOf" srcId="{D23F5842-F8F8-4D1A-AF19-CCE30C3391C3}" destId="{655E0D77-5780-411B-9444-8032837007E0}" srcOrd="1" destOrd="0" presId="urn:microsoft.com/office/officeart/2005/8/layout/radial2"/>
-    <dgm:cxn modelId="{4BD835D4-E19B-4215-AC6B-E8A3BD9B124F}" type="presParOf" srcId="{62875F6D-7EFE-41C7-A72D-B83ECF195FDF}" destId="{C2267931-7008-4E06-8E2D-168564774BAF}" srcOrd="1" destOrd="0" presId="urn:microsoft.com/office/officeart/2005/8/layout/radial2"/>
-    <dgm:cxn modelId="{35C288BE-28F4-4E28-9CC2-12C7DA713ED4}" type="presParOf" srcId="{62875F6D-7EFE-41C7-A72D-B83ECF195FDF}" destId="{F717F19F-B1A6-4489-932E-8571613C7752}" srcOrd="2" destOrd="0" presId="urn:microsoft.com/office/officeart/2005/8/layout/radial2"/>
-    <dgm:cxn modelId="{0F5452E8-30BD-4000-8515-521BCB82DA7F}" type="presParOf" srcId="{F717F19F-B1A6-4489-932E-8571613C7752}" destId="{66F292D9-E32B-47BB-9096-E0578307CC91}" srcOrd="0" destOrd="0" presId="urn:microsoft.com/office/officeart/2005/8/layout/radial2"/>
-    <dgm:cxn modelId="{B9CAE1FA-B284-4B12-A512-1E006F52A6A1}" type="presParOf" srcId="{F717F19F-B1A6-4489-932E-8571613C7752}" destId="{6D4A8C25-2E9E-495E-BAA1-2C0FC22A6412}" srcOrd="1" destOrd="0" presId="urn:microsoft.com/office/officeart/2005/8/layout/radial2"/>
-    <dgm:cxn modelId="{0909488E-962C-4BD7-8688-00B9E65AABB4}" type="presParOf" srcId="{62875F6D-7EFE-41C7-A72D-B83ECF195FDF}" destId="{F3FA0C96-206C-472A-8AA2-51605B8CDE65}" srcOrd="3" destOrd="0" presId="urn:microsoft.com/office/officeart/2005/8/layout/radial2"/>
-    <dgm:cxn modelId="{06FDE4DC-4070-49AA-82CA-C1DCCA55B347}" type="presParOf" srcId="{62875F6D-7EFE-41C7-A72D-B83ECF195FDF}" destId="{C2B3FAD2-077F-48D0-8CE3-721FBEC987C5}" srcOrd="4" destOrd="0" presId="urn:microsoft.com/office/officeart/2005/8/layout/radial2"/>
-    <dgm:cxn modelId="{05274D7F-7B9A-4A63-B5E3-10CD8DBFA93E}" type="presParOf" srcId="{C2B3FAD2-077F-48D0-8CE3-721FBEC987C5}" destId="{B0F3388D-7567-4ED4-AC78-A739B08B3246}" srcOrd="0" destOrd="0" presId="urn:microsoft.com/office/officeart/2005/8/layout/radial2"/>
-    <dgm:cxn modelId="{95F1A013-69C4-46B7-BE37-4D67A473F6D8}" type="presParOf" srcId="{C2B3FAD2-077F-48D0-8CE3-721FBEC987C5}" destId="{AD124A39-B7FC-478C-83AB-630935559D1B}" srcOrd="1" destOrd="0" presId="urn:microsoft.com/office/officeart/2005/8/layout/radial2"/>
-    <dgm:cxn modelId="{CEA89E67-10F2-4D1A-A2F2-1D7586950BFA}" type="presParOf" srcId="{62875F6D-7EFE-41C7-A72D-B83ECF195FDF}" destId="{61473F56-BCB5-4EEC-AC0A-E3FEF977DCDC}" srcOrd="5" destOrd="0" presId="urn:microsoft.com/office/officeart/2005/8/layout/radial2"/>
-    <dgm:cxn modelId="{2090005A-7794-43ED-BD9F-2E2158C9262C}" type="presParOf" srcId="{62875F6D-7EFE-41C7-A72D-B83ECF195FDF}" destId="{AA9C2641-3E8C-4A95-A7DC-05246087FC76}" srcOrd="6" destOrd="0" presId="urn:microsoft.com/office/officeart/2005/8/layout/radial2"/>
-    <dgm:cxn modelId="{3C11870E-FE22-4A59-90A1-126B8271C2BC}" type="presParOf" srcId="{AA9C2641-3E8C-4A95-A7DC-05246087FC76}" destId="{BCCEB3F5-776F-4D62-A047-82D8E22010A5}" srcOrd="0" destOrd="0" presId="urn:microsoft.com/office/officeart/2005/8/layout/radial2"/>
-    <dgm:cxn modelId="{B5DE03F1-797D-4423-824E-4928055E1B60}" type="presParOf" srcId="{AA9C2641-3E8C-4A95-A7DC-05246087FC76}" destId="{CE34F256-7719-4DA9-8183-A953129248C2}" srcOrd="1" destOrd="0" presId="urn:microsoft.com/office/officeart/2005/8/layout/radial2"/>
+    <dgm:cxn modelId="{C1802C2B-B0CB-4AD2-A794-81CB3B3F0DF4}" type="presOf" srcId="{0E0F2471-B8C4-4E8E-B776-26CC322B59FA}" destId="{66F292D9-E32B-47BB-9096-E0578307CC91}" srcOrd="0" destOrd="0" presId="urn:microsoft.com/office/officeart/2005/8/layout/radial2"/>
+    <dgm:cxn modelId="{ADE8D94F-2930-4FC9-9AD5-82BB3D164239}" type="presParOf" srcId="{B667B49A-B518-4057-8D39-113500DE6547}" destId="{62875F6D-7EFE-41C7-A72D-B83ECF195FDF}" srcOrd="0" destOrd="0" presId="urn:microsoft.com/office/officeart/2005/8/layout/radial2"/>
+    <dgm:cxn modelId="{41A2477F-68DD-4700-A47F-C23949A91F27}" type="presParOf" srcId="{62875F6D-7EFE-41C7-A72D-B83ECF195FDF}" destId="{D23F5842-F8F8-4D1A-AF19-CCE30C3391C3}" srcOrd="0" destOrd="0" presId="urn:microsoft.com/office/officeart/2005/8/layout/radial2"/>
+    <dgm:cxn modelId="{C179140C-918E-4DE3-9CB8-A30089807438}" type="presParOf" srcId="{D23F5842-F8F8-4D1A-AF19-CCE30C3391C3}" destId="{77C0D6BE-D22A-4D07-A50E-1B931A4C193E}" srcOrd="0" destOrd="0" presId="urn:microsoft.com/office/officeart/2005/8/layout/radial2"/>
+    <dgm:cxn modelId="{1AC5E610-23AB-49F7-8311-F54E17DF235B}" type="presParOf" srcId="{D23F5842-F8F8-4D1A-AF19-CCE30C3391C3}" destId="{655E0D77-5780-411B-9444-8032837007E0}" srcOrd="1" destOrd="0" presId="urn:microsoft.com/office/officeart/2005/8/layout/radial2"/>
+    <dgm:cxn modelId="{B5368DB0-60E8-41EE-869D-70614686B5E4}" type="presParOf" srcId="{62875F6D-7EFE-41C7-A72D-B83ECF195FDF}" destId="{C2267931-7008-4E06-8E2D-168564774BAF}" srcOrd="1" destOrd="0" presId="urn:microsoft.com/office/officeart/2005/8/layout/radial2"/>
+    <dgm:cxn modelId="{DFFFE8F0-3BCF-41FB-9C72-576E8C48ED2A}" type="presParOf" srcId="{62875F6D-7EFE-41C7-A72D-B83ECF195FDF}" destId="{F717F19F-B1A6-4489-932E-8571613C7752}" srcOrd="2" destOrd="0" presId="urn:microsoft.com/office/officeart/2005/8/layout/radial2"/>
+    <dgm:cxn modelId="{7D251C06-793D-40EA-A50B-A4CB6E46CEC9}" type="presParOf" srcId="{F717F19F-B1A6-4489-932E-8571613C7752}" destId="{66F292D9-E32B-47BB-9096-E0578307CC91}" srcOrd="0" destOrd="0" presId="urn:microsoft.com/office/officeart/2005/8/layout/radial2"/>
+    <dgm:cxn modelId="{42A6A8A3-678C-4DD9-AB4C-04A078FB036D}" type="presParOf" srcId="{F717F19F-B1A6-4489-932E-8571613C7752}" destId="{6D4A8C25-2E9E-495E-BAA1-2C0FC22A6412}" srcOrd="1" destOrd="0" presId="urn:microsoft.com/office/officeart/2005/8/layout/radial2"/>
+    <dgm:cxn modelId="{03C8142B-4755-482C-84E3-EB5180262A53}" type="presParOf" srcId="{62875F6D-7EFE-41C7-A72D-B83ECF195FDF}" destId="{F3FA0C96-206C-472A-8AA2-51605B8CDE65}" srcOrd="3" destOrd="0" presId="urn:microsoft.com/office/officeart/2005/8/layout/radial2"/>
+    <dgm:cxn modelId="{D0BF5F74-7A17-4B8C-A99C-D7498AB4F412}" type="presParOf" srcId="{62875F6D-7EFE-41C7-A72D-B83ECF195FDF}" destId="{C2B3FAD2-077F-48D0-8CE3-721FBEC987C5}" srcOrd="4" destOrd="0" presId="urn:microsoft.com/office/officeart/2005/8/layout/radial2"/>
+    <dgm:cxn modelId="{2845B254-4B8D-49A7-87A6-20C160288B2B}" type="presParOf" srcId="{C2B3FAD2-077F-48D0-8CE3-721FBEC987C5}" destId="{B0F3388D-7567-4ED4-AC78-A739B08B3246}" srcOrd="0" destOrd="0" presId="urn:microsoft.com/office/officeart/2005/8/layout/radial2"/>
+    <dgm:cxn modelId="{9B05EACE-3D95-48CD-8A22-230D067C666F}" type="presParOf" srcId="{C2B3FAD2-077F-48D0-8CE3-721FBEC987C5}" destId="{AD124A39-B7FC-478C-83AB-630935559D1B}" srcOrd="1" destOrd="0" presId="urn:microsoft.com/office/officeart/2005/8/layout/radial2"/>
+    <dgm:cxn modelId="{5884EE8B-0F3E-4A8E-A0C5-62D57851F547}" type="presParOf" srcId="{62875F6D-7EFE-41C7-A72D-B83ECF195FDF}" destId="{61473F56-BCB5-4EEC-AC0A-E3FEF977DCDC}" srcOrd="5" destOrd="0" presId="urn:microsoft.com/office/officeart/2005/8/layout/radial2"/>
+    <dgm:cxn modelId="{0CEAE4C2-B7EB-49BE-BE4A-22590AB2E5E9}" type="presParOf" srcId="{62875F6D-7EFE-41C7-A72D-B83ECF195FDF}" destId="{AA9C2641-3E8C-4A95-A7DC-05246087FC76}" srcOrd="6" destOrd="0" presId="urn:microsoft.com/office/officeart/2005/8/layout/radial2"/>
+    <dgm:cxn modelId="{23EE62A1-FE04-46FD-AE50-970E12ADD66E}" type="presParOf" srcId="{AA9C2641-3E8C-4A95-A7DC-05246087FC76}" destId="{BCCEB3F5-776F-4D62-A047-82D8E22010A5}" srcOrd="0" destOrd="0" presId="urn:microsoft.com/office/officeart/2005/8/layout/radial2"/>
+    <dgm:cxn modelId="{9E88D1DE-EB3C-4BD1-9C97-2A22FEF5230A}" type="presParOf" srcId="{AA9C2641-3E8C-4A95-A7DC-05246087FC76}" destId="{CE34F256-7719-4DA9-8183-A953129248C2}" srcOrd="1" destOrd="0" presId="urn:microsoft.com/office/officeart/2005/8/layout/radial2"/>
   </dgm:cxnLst>
   <dgm:bg/>
   <dgm:whole/>
@@ -2809,6 +4697,392 @@
 </file>
 
 <file path=ppt/diagrams/drawing2.xml><?xml version="1.0" encoding="utf-8"?>
+<dsp:drawing xmlns:dgm="http://schemas.openxmlformats.org/drawingml/2006/diagram" xmlns:dsp="http://schemas.microsoft.com/office/drawing/2008/diagram" xmlns:a="http://schemas.openxmlformats.org/drawingml/2006/main">
+  <dsp:spTree>
+    <dsp:nvGrpSpPr>
+      <dsp:cNvPr id="0" name=""/>
+      <dsp:cNvGrpSpPr/>
+    </dsp:nvGrpSpPr>
+    <dsp:grpSpPr/>
+    <dsp:sp modelId="{61473F56-BCB5-4EEC-AC0A-E3FEF977DCDC}">
+      <dsp:nvSpPr>
+        <dsp:cNvPr id="0" name=""/>
+        <dsp:cNvSpPr/>
+      </dsp:nvSpPr>
+      <dsp:spPr>
+        <a:xfrm rot="18443">
+          <a:off x="2267997" y="1842750"/>
+          <a:ext cx="1579913" cy="67763"/>
+        </a:xfrm>
+        <a:custGeom>
+          <a:avLst/>
+          <a:gdLst/>
+          <a:ahLst/>
+          <a:cxnLst/>
+          <a:rect l="0" t="0" r="0" b="0"/>
+          <a:pathLst>
+            <a:path>
+              <a:moveTo>
+                <a:pt x="0" y="33881"/>
+              </a:moveTo>
+              <a:lnTo>
+                <a:pt x="1579913" y="33881"/>
+              </a:lnTo>
+            </a:path>
+          </a:pathLst>
+        </a:custGeom>
+        <a:noFill/>
+        <a:ln w="12700" cap="flat" cmpd="sng" algn="ctr">
+          <a:solidFill>
+            <a:schemeClr val="accent1">
+              <a:shade val="60000"/>
+              <a:hueOff val="0"/>
+              <a:satOff val="0"/>
+              <a:lumOff val="0"/>
+              <a:alphaOff val="0"/>
+            </a:schemeClr>
+          </a:solidFill>
+          <a:prstDash val="solid"/>
+        </a:ln>
+        <a:effectLst/>
+      </dsp:spPr>
+      <dsp:style>
+        <a:lnRef idx="2">
+          <a:scrgbClr r="0" g="0" b="0"/>
+        </a:lnRef>
+        <a:fillRef idx="0">
+          <a:scrgbClr r="0" g="0" b="0"/>
+        </a:fillRef>
+        <a:effectRef idx="0">
+          <a:scrgbClr r="0" g="0" b="0"/>
+        </a:effectRef>
+        <a:fontRef idx="minor"/>
+      </dsp:style>
+    </dsp:sp>
+    <dsp:sp modelId="{655E0D77-5780-411B-9444-8032837007E0}">
+      <dsp:nvSpPr>
+        <dsp:cNvPr id="0" name=""/>
+        <dsp:cNvSpPr/>
+      </dsp:nvSpPr>
+      <dsp:spPr>
+        <a:xfrm>
+          <a:off x="313943" y="990596"/>
+          <a:ext cx="1859905" cy="1752607"/>
+        </a:xfrm>
+        <a:prstGeom prst="ellipse">
+          <a:avLst/>
+        </a:prstGeom>
+        <a:solidFill>
+          <a:schemeClr val="accent1">
+            <a:hueOff val="0"/>
+            <a:satOff val="0"/>
+            <a:lumOff val="0"/>
+            <a:alphaOff val="0"/>
+          </a:schemeClr>
+        </a:solidFill>
+        <a:ln w="12700" cap="flat" cmpd="sng" algn="ctr">
+          <a:solidFill>
+            <a:schemeClr val="lt1">
+              <a:hueOff val="0"/>
+              <a:satOff val="0"/>
+              <a:lumOff val="0"/>
+              <a:alphaOff val="0"/>
+            </a:schemeClr>
+          </a:solidFill>
+          <a:prstDash val="solid"/>
+        </a:ln>
+        <a:effectLst/>
+      </dsp:spPr>
+      <dsp:style>
+        <a:lnRef idx="2">
+          <a:scrgbClr r="0" g="0" b="0"/>
+        </a:lnRef>
+        <a:fillRef idx="1">
+          <a:scrgbClr r="0" g="0" b="0"/>
+        </a:fillRef>
+        <a:effectRef idx="0">
+          <a:scrgbClr r="0" g="0" b="0"/>
+        </a:effectRef>
+        <a:fontRef idx="minor">
+          <a:schemeClr val="lt1"/>
+        </a:fontRef>
+      </dsp:style>
+    </dsp:sp>
+    <dsp:sp modelId="{BCCEB3F5-776F-4D62-A047-82D8E22010A5}">
+      <dsp:nvSpPr>
+        <dsp:cNvPr id="0" name=""/>
+        <dsp:cNvSpPr/>
+      </dsp:nvSpPr>
+      <dsp:spPr>
+        <a:xfrm>
+          <a:off x="3847886" y="1007769"/>
+          <a:ext cx="1755621" cy="1755621"/>
+        </a:xfrm>
+        <a:prstGeom prst="ellipse">
+          <a:avLst/>
+        </a:prstGeom>
+        <a:solidFill>
+          <a:schemeClr val="accent1">
+            <a:hueOff val="0"/>
+            <a:satOff val="0"/>
+            <a:lumOff val="0"/>
+            <a:alphaOff val="0"/>
+          </a:schemeClr>
+        </a:solidFill>
+        <a:ln w="12700" cap="flat" cmpd="sng" algn="ctr">
+          <a:solidFill>
+            <a:schemeClr val="lt1">
+              <a:hueOff val="0"/>
+              <a:satOff val="0"/>
+              <a:lumOff val="0"/>
+              <a:alphaOff val="0"/>
+            </a:schemeClr>
+          </a:solidFill>
+          <a:prstDash val="solid"/>
+        </a:ln>
+        <a:effectLst/>
+      </dsp:spPr>
+      <dsp:style>
+        <a:lnRef idx="2">
+          <a:scrgbClr r="0" g="0" b="0"/>
+        </a:lnRef>
+        <a:fillRef idx="1">
+          <a:scrgbClr r="0" g="0" b="0"/>
+        </a:fillRef>
+        <a:effectRef idx="0">
+          <a:scrgbClr r="0" g="0" b="0"/>
+        </a:effectRef>
+        <a:fontRef idx="minor">
+          <a:schemeClr val="lt1"/>
+        </a:fontRef>
+      </dsp:style>
+      <dsp:txBody>
+        <a:bodyPr spcFirstLastPara="0" vert="horz" wrap="square" lIns="41275" tIns="41275" rIns="41275" bIns="41275" numCol="1" spcCol="1270" anchor="ctr" anchorCtr="0">
+          <a:noAutofit/>
+        </a:bodyPr>
+        <a:lstStyle/>
+        <a:p>
+          <a:pPr lvl="0" algn="ctr" defTabSz="2889250">
+            <a:lnSpc>
+              <a:spcPct val="90000"/>
+            </a:lnSpc>
+            <a:spcBef>
+              <a:spcPct val="0"/>
+            </a:spcBef>
+            <a:spcAft>
+              <a:spcPct val="35000"/>
+            </a:spcAft>
+          </a:pPr>
+          <a:r>
+            <a:rPr lang="en-US" sz="6500" kern="1200" dirty="0" smtClean="0"/>
+            <a:t>?</a:t>
+          </a:r>
+          <a:endParaRPr lang="en-US" sz="6500" kern="1200" dirty="0"/>
+        </a:p>
+      </dsp:txBody>
+      <dsp:txXfrm>
+        <a:off x="4104991" y="1264874"/>
+        <a:ext cx="1241411" cy="1241411"/>
+      </dsp:txXfrm>
+    </dsp:sp>
+  </dsp:spTree>
+</dsp:drawing>
+</file>
+
+<file path=ppt/diagrams/drawing3.xml><?xml version="1.0" encoding="utf-8"?>
+<dsp:drawing xmlns:dgm="http://schemas.openxmlformats.org/drawingml/2006/diagram" xmlns:dsp="http://schemas.microsoft.com/office/drawing/2008/diagram" xmlns:a="http://schemas.openxmlformats.org/drawingml/2006/main">
+  <dsp:spTree>
+    <dsp:nvGrpSpPr>
+      <dsp:cNvPr id="0" name=""/>
+      <dsp:cNvGrpSpPr/>
+    </dsp:nvGrpSpPr>
+    <dsp:grpSpPr/>
+    <dsp:sp modelId="{61473F56-BCB5-4EEC-AC0A-E3FEF977DCDC}">
+      <dsp:nvSpPr>
+        <dsp:cNvPr id="0" name=""/>
+        <dsp:cNvSpPr/>
+      </dsp:nvSpPr>
+      <dsp:spPr>
+        <a:xfrm rot="18443">
+          <a:off x="2267997" y="1842750"/>
+          <a:ext cx="1579913" cy="67763"/>
+        </a:xfrm>
+        <a:custGeom>
+          <a:avLst/>
+          <a:gdLst/>
+          <a:ahLst/>
+          <a:cxnLst/>
+          <a:rect l="0" t="0" r="0" b="0"/>
+          <a:pathLst>
+            <a:path>
+              <a:moveTo>
+                <a:pt x="0" y="33881"/>
+              </a:moveTo>
+              <a:lnTo>
+                <a:pt x="1579913" y="33881"/>
+              </a:lnTo>
+            </a:path>
+          </a:pathLst>
+        </a:custGeom>
+        <a:noFill/>
+        <a:ln w="12700" cap="flat" cmpd="sng" algn="ctr">
+          <a:solidFill>
+            <a:schemeClr val="accent1">
+              <a:shade val="60000"/>
+              <a:hueOff val="0"/>
+              <a:satOff val="0"/>
+              <a:lumOff val="0"/>
+              <a:alphaOff val="0"/>
+            </a:schemeClr>
+          </a:solidFill>
+          <a:prstDash val="solid"/>
+        </a:ln>
+        <a:effectLst/>
+      </dsp:spPr>
+      <dsp:style>
+        <a:lnRef idx="2">
+          <a:scrgbClr r="0" g="0" b="0"/>
+        </a:lnRef>
+        <a:fillRef idx="0">
+          <a:scrgbClr r="0" g="0" b="0"/>
+        </a:fillRef>
+        <a:effectRef idx="0">
+          <a:scrgbClr r="0" g="0" b="0"/>
+        </a:effectRef>
+        <a:fontRef idx="minor"/>
+      </dsp:style>
+    </dsp:sp>
+    <dsp:sp modelId="{655E0D77-5780-411B-9444-8032837007E0}">
+      <dsp:nvSpPr>
+        <dsp:cNvPr id="0" name=""/>
+        <dsp:cNvSpPr/>
+      </dsp:nvSpPr>
+      <dsp:spPr>
+        <a:xfrm>
+          <a:off x="313943" y="990596"/>
+          <a:ext cx="1859905" cy="1752607"/>
+        </a:xfrm>
+        <a:prstGeom prst="ellipse">
+          <a:avLst/>
+        </a:prstGeom>
+        <a:solidFill>
+          <a:schemeClr val="accent1">
+            <a:hueOff val="0"/>
+            <a:satOff val="0"/>
+            <a:lumOff val="0"/>
+            <a:alphaOff val="0"/>
+          </a:schemeClr>
+        </a:solidFill>
+        <a:ln w="12700" cap="flat" cmpd="sng" algn="ctr">
+          <a:solidFill>
+            <a:schemeClr val="lt1">
+              <a:hueOff val="0"/>
+              <a:satOff val="0"/>
+              <a:lumOff val="0"/>
+              <a:alphaOff val="0"/>
+            </a:schemeClr>
+          </a:solidFill>
+          <a:prstDash val="solid"/>
+        </a:ln>
+        <a:effectLst/>
+      </dsp:spPr>
+      <dsp:style>
+        <a:lnRef idx="2">
+          <a:scrgbClr r="0" g="0" b="0"/>
+        </a:lnRef>
+        <a:fillRef idx="1">
+          <a:scrgbClr r="0" g="0" b="0"/>
+        </a:fillRef>
+        <a:effectRef idx="0">
+          <a:scrgbClr r="0" g="0" b="0"/>
+        </a:effectRef>
+        <a:fontRef idx="minor">
+          <a:schemeClr val="lt1"/>
+        </a:fontRef>
+      </dsp:style>
+    </dsp:sp>
+    <dsp:sp modelId="{BCCEB3F5-776F-4D62-A047-82D8E22010A5}">
+      <dsp:nvSpPr>
+        <dsp:cNvPr id="0" name=""/>
+        <dsp:cNvSpPr/>
+      </dsp:nvSpPr>
+      <dsp:spPr>
+        <a:xfrm>
+          <a:off x="3847886" y="1007769"/>
+          <a:ext cx="1755621" cy="1755621"/>
+        </a:xfrm>
+        <a:prstGeom prst="ellipse">
+          <a:avLst/>
+        </a:prstGeom>
+        <a:solidFill>
+          <a:schemeClr val="accent1">
+            <a:hueOff val="0"/>
+            <a:satOff val="0"/>
+            <a:lumOff val="0"/>
+            <a:alphaOff val="0"/>
+          </a:schemeClr>
+        </a:solidFill>
+        <a:ln w="12700" cap="flat" cmpd="sng" algn="ctr">
+          <a:solidFill>
+            <a:schemeClr val="lt1">
+              <a:hueOff val="0"/>
+              <a:satOff val="0"/>
+              <a:lumOff val="0"/>
+              <a:alphaOff val="0"/>
+            </a:schemeClr>
+          </a:solidFill>
+          <a:prstDash val="solid"/>
+        </a:ln>
+        <a:effectLst/>
+      </dsp:spPr>
+      <dsp:style>
+        <a:lnRef idx="2">
+          <a:scrgbClr r="0" g="0" b="0"/>
+        </a:lnRef>
+        <a:fillRef idx="1">
+          <a:scrgbClr r="0" g="0" b="0"/>
+        </a:fillRef>
+        <a:effectRef idx="0">
+          <a:scrgbClr r="0" g="0" b="0"/>
+        </a:effectRef>
+        <a:fontRef idx="minor">
+          <a:schemeClr val="lt1"/>
+        </a:fontRef>
+      </dsp:style>
+      <dsp:txBody>
+        <a:bodyPr spcFirstLastPara="0" vert="horz" wrap="square" lIns="16510" tIns="16510" rIns="16510" bIns="16510" numCol="1" spcCol="1270" anchor="ctr" anchorCtr="0">
+          <a:noAutofit/>
+        </a:bodyPr>
+        <a:lstStyle/>
+        <a:p>
+          <a:pPr lvl="0" algn="ctr" defTabSz="1155700">
+            <a:lnSpc>
+              <a:spcPct val="90000"/>
+            </a:lnSpc>
+            <a:spcBef>
+              <a:spcPct val="0"/>
+            </a:spcBef>
+            <a:spcAft>
+              <a:spcPct val="35000"/>
+            </a:spcAft>
+          </a:pPr>
+          <a:r>
+            <a:rPr lang="en-US" sz="2600" kern="1200" dirty="0" smtClean="0"/>
+            <a:t>Respond</a:t>
+          </a:r>
+          <a:endParaRPr lang="en-US" sz="2600" kern="1200" dirty="0"/>
+        </a:p>
+      </dsp:txBody>
+      <dsp:txXfrm>
+        <a:off x="4104991" y="1264874"/>
+        <a:ext cx="1241411" cy="1241411"/>
+      </dsp:txXfrm>
+    </dsp:sp>
+  </dsp:spTree>
+</dsp:drawing>
+</file>
+
+<file path=ppt/diagrams/drawing4.xml><?xml version="1.0" encoding="utf-8"?>
 <dsp:drawing xmlns:dgm="http://schemas.openxmlformats.org/drawingml/2006/diagram" xmlns:dsp="http://schemas.microsoft.com/office/drawing/2008/diagram" xmlns:a="http://schemas.openxmlformats.org/drawingml/2006/main">
   <dsp:spTree>
     <dsp:nvGrpSpPr>
@@ -4485,6 +6759,696 @@
 </dgm:layoutDef>
 </file>
 
+<file path=ppt/diagrams/layout3.xml><?xml version="1.0" encoding="utf-8"?>
+<dgm:layoutDef xmlns:dgm="http://schemas.openxmlformats.org/drawingml/2006/diagram" xmlns:a="http://schemas.openxmlformats.org/drawingml/2006/main" uniqueId="urn:microsoft.com/office/officeart/2005/8/layout/radial2">
+  <dgm:title val=""/>
+  <dgm:desc val=""/>
+  <dgm:catLst>
+    <dgm:cat type="relationship" pri="20000"/>
+    <dgm:cat type="convert" pri="9000"/>
+  </dgm:catLst>
+  <dgm:sampData>
+    <dgm:dataModel>
+      <dgm:ptLst>
+        <dgm:pt modelId="0" type="doc"/>
+        <dgm:pt modelId="1">
+          <dgm:prSet phldr="1"/>
+        </dgm:pt>
+        <dgm:pt modelId="11">
+          <dgm:prSet phldr="1"/>
+        </dgm:pt>
+        <dgm:pt modelId="12">
+          <dgm:prSet phldr="1"/>
+        </dgm:pt>
+        <dgm:pt modelId="2">
+          <dgm:prSet phldr="1"/>
+        </dgm:pt>
+        <dgm:pt modelId="21">
+          <dgm:prSet phldr="1"/>
+        </dgm:pt>
+        <dgm:pt modelId="22">
+          <dgm:prSet phldr="1"/>
+        </dgm:pt>
+        <dgm:pt modelId="3">
+          <dgm:prSet phldr="1"/>
+        </dgm:pt>
+        <dgm:pt modelId="31">
+          <dgm:prSet phldr="1"/>
+        </dgm:pt>
+        <dgm:pt modelId="32">
+          <dgm:prSet phldr="1"/>
+        </dgm:pt>
+      </dgm:ptLst>
+      <dgm:cxnLst>
+        <dgm:cxn modelId="4" srcId="0" destId="1" srcOrd="0" destOrd="0"/>
+        <dgm:cxn modelId="5" srcId="0" destId="2" srcOrd="1" destOrd="0"/>
+        <dgm:cxn modelId="6" srcId="0" destId="3" srcOrd="2" destOrd="0"/>
+        <dgm:cxn modelId="13" srcId="1" destId="11" srcOrd="0" destOrd="0"/>
+        <dgm:cxn modelId="14" srcId="1" destId="12" srcOrd="1" destOrd="0"/>
+        <dgm:cxn modelId="23" srcId="2" destId="21" srcOrd="0" destOrd="0"/>
+        <dgm:cxn modelId="24" srcId="2" destId="22" srcOrd="1" destOrd="0"/>
+        <dgm:cxn modelId="33" srcId="3" destId="31" srcOrd="0" destOrd="0"/>
+        <dgm:cxn modelId="34" srcId="3" destId="32" srcOrd="1" destOrd="0"/>
+      </dgm:cxnLst>
+      <dgm:bg/>
+      <dgm:whole/>
+    </dgm:dataModel>
+  </dgm:sampData>
+  <dgm:styleData>
+    <dgm:dataModel>
+      <dgm:ptLst>
+        <dgm:pt modelId="0" type="doc"/>
+        <dgm:pt modelId="1"/>
+        <dgm:pt modelId="2"/>
+      </dgm:ptLst>
+      <dgm:cxnLst>
+        <dgm:cxn modelId="3" srcId="0" destId="1" srcOrd="0" destOrd="0"/>
+        <dgm:cxn modelId="4" srcId="0" destId="2" srcOrd="1" destOrd="0"/>
+      </dgm:cxnLst>
+      <dgm:bg/>
+      <dgm:whole/>
+    </dgm:dataModel>
+  </dgm:styleData>
+  <dgm:clrData>
+    <dgm:dataModel>
+      <dgm:ptLst>
+        <dgm:pt modelId="0" type="doc"/>
+        <dgm:pt modelId="1"/>
+        <dgm:pt modelId="2"/>
+        <dgm:pt modelId="3"/>
+        <dgm:pt modelId="4"/>
+      </dgm:ptLst>
+      <dgm:cxnLst>
+        <dgm:cxn modelId="5" srcId="0" destId="1" srcOrd="0" destOrd="0"/>
+        <dgm:cxn modelId="6" srcId="0" destId="2" srcOrd="1" destOrd="0"/>
+        <dgm:cxn modelId="7" srcId="0" destId="3" srcOrd="2" destOrd="0"/>
+        <dgm:cxn modelId="8" srcId="0" destId="4" srcOrd="3" destOrd="0"/>
+      </dgm:cxnLst>
+      <dgm:bg/>
+      <dgm:whole/>
+    </dgm:dataModel>
+  </dgm:clrData>
+  <dgm:layoutNode name="composite">
+    <dgm:varLst>
+      <dgm:chMax val="5"/>
+      <dgm:dir/>
+      <dgm:animLvl val="ctr"/>
+      <dgm:resizeHandles val="exact"/>
+    </dgm:varLst>
+    <dgm:alg type="composite"/>
+    <dgm:shape xmlns:r="http://schemas.openxmlformats.org/officeDocument/2006/relationships" r:blip="">
+      <dgm:adjLst/>
+    </dgm:shape>
+    <dgm:presOf/>
+    <dgm:constrLst>
+      <dgm:constr type="w" for="ch" forName="cycle" refType="w"/>
+      <dgm:constr type="h" for="ch" forName="cycle" refType="h"/>
+    </dgm:constrLst>
+    <dgm:ruleLst/>
+    <dgm:layoutNode name="cycle">
+      <dgm:choose name="Name0">
+        <dgm:if name="Name1" func="var" arg="dir" op="equ" val="norm">
+          <dgm:choose name="Name2">
+            <dgm:if name="Name3" axis="ch" ptType="node" func="cnt" op="lte" val="1">
+              <dgm:alg type="cycle">
+                <dgm:param type="stAng" val="90"/>
+                <dgm:param type="spanAng" val="360"/>
+                <dgm:param type="ctrShpMap" val="fNode"/>
+              </dgm:alg>
+            </dgm:if>
+            <dgm:if name="Name4" axis="ch" ptType="node" func="cnt" op="equ" val="2">
+              <dgm:alg type="cycle">
+                <dgm:param type="stAng" val="70"/>
+                <dgm:param type="spanAng" val="40"/>
+                <dgm:param type="ctrShpMap" val="fNode"/>
+              </dgm:alg>
+            </dgm:if>
+            <dgm:if name="Name5" axis="ch" ptType="node" func="cnt" op="equ" val="3">
+              <dgm:alg type="cycle">
+                <dgm:param type="stAng" val="60"/>
+                <dgm:param type="spanAng" val="60"/>
+                <dgm:param type="ctrShpMap" val="fNode"/>
+              </dgm:alg>
+            </dgm:if>
+            <dgm:else name="Name6">
+              <dgm:alg type="cycle">
+                <dgm:param type="stAng" val="45"/>
+                <dgm:param type="spanAng" val="90"/>
+                <dgm:param type="ctrShpMap" val="fNode"/>
+              </dgm:alg>
+            </dgm:else>
+          </dgm:choose>
+        </dgm:if>
+        <dgm:else name="Name7">
+          <dgm:choose name="Name8">
+            <dgm:if name="Name9" axis="ch" ptType="node" func="cnt" op="lte" val="1">
+              <dgm:alg type="cycle">
+                <dgm:param type="stAng" val="-90"/>
+                <dgm:param type="spanAng" val="-360"/>
+                <dgm:param type="ctrShpMap" val="fNode"/>
+              </dgm:alg>
+            </dgm:if>
+            <dgm:if name="Name10" axis="ch" ptType="node" func="cnt" op="equ" val="2">
+              <dgm:alg type="cycle">
+                <dgm:param type="stAng" val="-70"/>
+                <dgm:param type="spanAng" val="-40"/>
+                <dgm:param type="ctrShpMap" val="fNode"/>
+              </dgm:alg>
+            </dgm:if>
+            <dgm:if name="Name11" axis="ch" ptType="node" func="cnt" op="equ" val="3">
+              <dgm:alg type="cycle">
+                <dgm:param type="stAng" val="-60"/>
+                <dgm:param type="spanAng" val="-60"/>
+                <dgm:param type="ctrShpMap" val="fNode"/>
+              </dgm:alg>
+            </dgm:if>
+            <dgm:else name="Name12">
+              <dgm:alg type="cycle">
+                <dgm:param type="stAng" val="-45"/>
+                <dgm:param type="spanAng" val="-90"/>
+                <dgm:param type="ctrShpMap" val="fNode"/>
+              </dgm:alg>
+            </dgm:else>
+          </dgm:choose>
+        </dgm:else>
+      </dgm:choose>
+      <dgm:shape xmlns:r="http://schemas.openxmlformats.org/officeDocument/2006/relationships" r:blip="">
+        <dgm:adjLst/>
+      </dgm:shape>
+      <dgm:presOf/>
+      <dgm:constrLst>
+        <dgm:constr type="sp" val="20"/>
+        <dgm:constr type="w" for="ch" forName="centerShape" refType="w"/>
+        <dgm:constr type="w" for="ch" forName="node" refType="w" refFor="ch" refForName="centerShape" fact="1.5"/>
+        <dgm:constr type="sibSp" refType="w" refFor="ch" refForName="centerShape" op="equ" fact="0.08"/>
+        <dgm:constr type="primFontSz" for="des" forName="parentNode" op="equ" val="65"/>
+        <dgm:constr type="secFontSz" for="des" forName="childNode" op="equ" val="65"/>
+      </dgm:constrLst>
+      <dgm:ruleLst/>
+      <dgm:choose name="Name13">
+        <dgm:if name="Name14" axis="ch" ptType="node" hideLastTrans="0" func="cnt" op="gte" val="1">
+          <dgm:layoutNode name="centerShape" styleLbl="node0">
+            <dgm:alg type="composite"/>
+            <dgm:shape xmlns:r="http://schemas.openxmlformats.org/officeDocument/2006/relationships" r:blip="">
+              <dgm:adjLst/>
+            </dgm:shape>
+            <dgm:presOf axis="ch" ptType="node" cnt="1"/>
+            <dgm:constrLst>
+              <dgm:constr type="w" for="ch" forName="connSite" refType="w" fact="0.7"/>
+              <dgm:constr type="h" for="ch" forName="connSite" refType="w" fact="0.7"/>
+              <dgm:constr type="ctrX" for="ch" forName="connSite" refType="w" fact="0.5"/>
+              <dgm:constr type="ctrY" for="ch" forName="connSite" refType="h" fact="0.5"/>
+              <dgm:constr type="w" for="ch" forName="visible" refType="w"/>
+              <dgm:constr type="h" for="ch" forName="visible" refType="w"/>
+              <dgm:constr type="ctrX" for="ch" forName="visible" refType="w" fact="0.5"/>
+              <dgm:constr type="ctrY" for="ch" forName="visible" refType="h" fact="0.5"/>
+            </dgm:constrLst>
+            <dgm:ruleLst/>
+            <dgm:layoutNode name="connSite">
+              <dgm:alg type="sp"/>
+              <dgm:shape xmlns:r="http://schemas.openxmlformats.org/officeDocument/2006/relationships" type="ellipse" r:blip="" hideGeom="1">
+                <dgm:adjLst/>
+              </dgm:shape>
+              <dgm:presOf/>
+              <dgm:constrLst/>
+              <dgm:ruleLst/>
+            </dgm:layoutNode>
+            <dgm:layoutNode name="visible">
+              <dgm:alg type="sp"/>
+              <dgm:shape xmlns:r="http://schemas.openxmlformats.org/officeDocument/2006/relationships" type="ellipse" r:blip="" blipPhldr="1">
+                <dgm:adjLst/>
+              </dgm:shape>
+              <dgm:presOf/>
+              <dgm:constrLst/>
+              <dgm:ruleLst/>
+            </dgm:layoutNode>
+          </dgm:layoutNode>
+        </dgm:if>
+        <dgm:else name="Name15"/>
+      </dgm:choose>
+      <dgm:forEach name="Name16" axis="ch">
+        <dgm:forEach name="Name17" axis="self" ptType="node">
+          <dgm:layoutNode name="node">
+            <dgm:alg type="composite"/>
+            <dgm:shape xmlns:r="http://schemas.openxmlformats.org/officeDocument/2006/relationships" r:blip="">
+              <dgm:adjLst/>
+            </dgm:shape>
+            <dgm:presOf/>
+            <dgm:choose name="Name18">
+              <dgm:if name="Name19" func="var" arg="dir" op="equ" val="norm">
+                <dgm:constrLst>
+                  <dgm:constr type="t" for="ch" forName="parentNode"/>
+                  <dgm:constr type="l" for="ch" forName="parentNode"/>
+                  <dgm:constr type="w" for="ch" forName="parentNode" refType="w" fact="0.4"/>
+                  <dgm:constr type="h" for="ch" forName="parentNode" refType="w" refFor="ch" refForName="parentNode" op="equ"/>
+                  <dgm:constr type="ctrY" for="ch" forName="childNode" refType="h" refFor="ch" refForName="parentNode" fact="0.5"/>
+                  <dgm:constr type="l" for="ch" forName="childNode" refType="w" refFor="ch" refForName="parentNode" op="equ" fact="1.1"/>
+                  <dgm:constr type="w" for="ch" forName="childNode" refType="w" fact="0.6"/>
+                  <dgm:constr type="h" for="ch" forName="childNode" refType="h" refFor="ch" refForName="parentNode"/>
+                </dgm:constrLst>
+              </dgm:if>
+              <dgm:else name="Name20">
+                <dgm:constrLst>
+                  <dgm:constr type="t" for="ch" forName="parentNode"/>
+                  <dgm:constr type="r" for="ch" forName="parentNode" refType="w"/>
+                  <dgm:constr type="w" for="ch" forName="parentNode" refType="w" fact="0.4"/>
+                  <dgm:constr type="h" for="ch" forName="parentNode" refType="w" refFor="ch" refForName="parentNode" op="equ"/>
+                  <dgm:constr type="ctrY" for="ch" forName="childNode" refType="h" refFor="ch" refForName="parentNode" fact="0.5"/>
+                  <dgm:constr type="l" for="ch" forName="childNode"/>
+                  <dgm:constr type="w" for="ch" forName="childNode" refType="w" fact="0.6"/>
+                  <dgm:constr type="h" for="ch" forName="childNode" refType="h" refFor="ch" refForName="parentNode"/>
+                </dgm:constrLst>
+              </dgm:else>
+            </dgm:choose>
+            <dgm:ruleLst/>
+            <dgm:layoutNode name="parentNode" styleLbl="node1">
+              <dgm:varLst>
+                <dgm:chMax val="1"/>
+                <dgm:bulletEnabled val="1"/>
+              </dgm:varLst>
+              <dgm:alg type="tx"/>
+              <dgm:shape xmlns:r="http://schemas.openxmlformats.org/officeDocument/2006/relationships" type="ellipse" r:blip="">
+                <dgm:adjLst/>
+              </dgm:shape>
+              <dgm:presOf axis="self"/>
+              <dgm:constrLst>
+                <dgm:constr type="tMarg" refType="primFontSz" fact="0.05"/>
+                <dgm:constr type="bMarg" refType="primFontSz" fact="0.05"/>
+                <dgm:constr type="lMarg" refType="primFontSz" fact="0.05"/>
+                <dgm:constr type="rMarg" refType="primFontSz" fact="0.05"/>
+              </dgm:constrLst>
+              <dgm:ruleLst>
+                <dgm:rule type="primFontSz" val="5" fact="NaN" max="NaN"/>
+              </dgm:ruleLst>
+            </dgm:layoutNode>
+            <dgm:layoutNode name="childNode" styleLbl="revTx" moveWith="parentNode">
+              <dgm:varLst>
+                <dgm:bulletEnabled val="1"/>
+              </dgm:varLst>
+              <dgm:alg type="tx">
+                <dgm:param type="txAnchorVertCh" val="mid"/>
+                <dgm:param type="stBulletLvl" val="1"/>
+              </dgm:alg>
+              <dgm:choose name="Name21">
+                <dgm:if name="Name22" axis="ch" ptType="node" func="cnt" op="gte" val="1">
+                  <dgm:shape xmlns:r="http://schemas.openxmlformats.org/officeDocument/2006/relationships" type="rect" r:blip="">
+                    <dgm:adjLst/>
+                  </dgm:shape>
+                </dgm:if>
+                <dgm:else name="Name23">
+                  <dgm:shape xmlns:r="http://schemas.openxmlformats.org/officeDocument/2006/relationships" type="rect" r:blip="" hideGeom="1">
+                    <dgm:adjLst/>
+                  </dgm:shape>
+                </dgm:else>
+              </dgm:choose>
+              <dgm:presOf axis="des" ptType="node"/>
+              <dgm:constrLst>
+                <dgm:constr type="tMarg"/>
+                <dgm:constr type="bMarg"/>
+                <dgm:constr type="lMarg"/>
+                <dgm:constr type="rMarg"/>
+              </dgm:constrLst>
+              <dgm:ruleLst>
+                <dgm:rule type="secFontSz" val="5" fact="NaN" max="NaN"/>
+              </dgm:ruleLst>
+            </dgm:layoutNode>
+          </dgm:layoutNode>
+        </dgm:forEach>
+        <dgm:forEach name="Name24" axis="self" ptType="parTrans" cnt="1">
+          <dgm:layoutNode name="Name25">
+            <dgm:alg type="conn">
+              <dgm:param type="dim" val="1D"/>
+              <dgm:param type="endSty" val="noArr"/>
+              <dgm:param type="begPts" val="auto"/>
+              <dgm:param type="endPts" val="auto"/>
+              <dgm:param type="srcNode" val="connSite"/>
+              <dgm:param type="dstNode" val="parentNode"/>
+            </dgm:alg>
+            <dgm:shape xmlns:r="http://schemas.openxmlformats.org/officeDocument/2006/relationships" type="conn" r:blip="" zOrderOff="-99">
+              <dgm:adjLst/>
+            </dgm:shape>
+            <dgm:presOf axis="self"/>
+            <dgm:constrLst>
+              <dgm:constr type="connDist"/>
+              <dgm:constr type="w" val="1"/>
+              <dgm:constr type="h" val="5"/>
+              <dgm:constr type="begPad"/>
+              <dgm:constr type="endPad"/>
+            </dgm:constrLst>
+            <dgm:ruleLst/>
+          </dgm:layoutNode>
+        </dgm:forEach>
+      </dgm:forEach>
+    </dgm:layoutNode>
+  </dgm:layoutNode>
+</dgm:layoutDef>
+</file>
+
+<file path=ppt/diagrams/layout4.xml><?xml version="1.0" encoding="utf-8"?>
+<dgm:layoutDef xmlns:dgm="http://schemas.openxmlformats.org/drawingml/2006/diagram" xmlns:a="http://schemas.openxmlformats.org/drawingml/2006/main" uniqueId="urn:microsoft.com/office/officeart/2005/8/layout/radial2">
+  <dgm:title val=""/>
+  <dgm:desc val=""/>
+  <dgm:catLst>
+    <dgm:cat type="relationship" pri="20000"/>
+    <dgm:cat type="convert" pri="9000"/>
+  </dgm:catLst>
+  <dgm:sampData>
+    <dgm:dataModel>
+      <dgm:ptLst>
+        <dgm:pt modelId="0" type="doc"/>
+        <dgm:pt modelId="1">
+          <dgm:prSet phldr="1"/>
+        </dgm:pt>
+        <dgm:pt modelId="11">
+          <dgm:prSet phldr="1"/>
+        </dgm:pt>
+        <dgm:pt modelId="12">
+          <dgm:prSet phldr="1"/>
+        </dgm:pt>
+        <dgm:pt modelId="2">
+          <dgm:prSet phldr="1"/>
+        </dgm:pt>
+        <dgm:pt modelId="21">
+          <dgm:prSet phldr="1"/>
+        </dgm:pt>
+        <dgm:pt modelId="22">
+          <dgm:prSet phldr="1"/>
+        </dgm:pt>
+        <dgm:pt modelId="3">
+          <dgm:prSet phldr="1"/>
+        </dgm:pt>
+        <dgm:pt modelId="31">
+          <dgm:prSet phldr="1"/>
+        </dgm:pt>
+        <dgm:pt modelId="32">
+          <dgm:prSet phldr="1"/>
+        </dgm:pt>
+      </dgm:ptLst>
+      <dgm:cxnLst>
+        <dgm:cxn modelId="4" srcId="0" destId="1" srcOrd="0" destOrd="0"/>
+        <dgm:cxn modelId="5" srcId="0" destId="2" srcOrd="1" destOrd="0"/>
+        <dgm:cxn modelId="6" srcId="0" destId="3" srcOrd="2" destOrd="0"/>
+        <dgm:cxn modelId="13" srcId="1" destId="11" srcOrd="0" destOrd="0"/>
+        <dgm:cxn modelId="14" srcId="1" destId="12" srcOrd="1" destOrd="0"/>
+        <dgm:cxn modelId="23" srcId="2" destId="21" srcOrd="0" destOrd="0"/>
+        <dgm:cxn modelId="24" srcId="2" destId="22" srcOrd="1" destOrd="0"/>
+        <dgm:cxn modelId="33" srcId="3" destId="31" srcOrd="0" destOrd="0"/>
+        <dgm:cxn modelId="34" srcId="3" destId="32" srcOrd="1" destOrd="0"/>
+      </dgm:cxnLst>
+      <dgm:bg/>
+      <dgm:whole/>
+    </dgm:dataModel>
+  </dgm:sampData>
+  <dgm:styleData>
+    <dgm:dataModel>
+      <dgm:ptLst>
+        <dgm:pt modelId="0" type="doc"/>
+        <dgm:pt modelId="1"/>
+        <dgm:pt modelId="2"/>
+      </dgm:ptLst>
+      <dgm:cxnLst>
+        <dgm:cxn modelId="3" srcId="0" destId="1" srcOrd="0" destOrd="0"/>
+        <dgm:cxn modelId="4" srcId="0" destId="2" srcOrd="1" destOrd="0"/>
+      </dgm:cxnLst>
+      <dgm:bg/>
+      <dgm:whole/>
+    </dgm:dataModel>
+  </dgm:styleData>
+  <dgm:clrData>
+    <dgm:dataModel>
+      <dgm:ptLst>
+        <dgm:pt modelId="0" type="doc"/>
+        <dgm:pt modelId="1"/>
+        <dgm:pt modelId="2"/>
+        <dgm:pt modelId="3"/>
+        <dgm:pt modelId="4"/>
+      </dgm:ptLst>
+      <dgm:cxnLst>
+        <dgm:cxn modelId="5" srcId="0" destId="1" srcOrd="0" destOrd="0"/>
+        <dgm:cxn modelId="6" srcId="0" destId="2" srcOrd="1" destOrd="0"/>
+        <dgm:cxn modelId="7" srcId="0" destId="3" srcOrd="2" destOrd="0"/>
+        <dgm:cxn modelId="8" srcId="0" destId="4" srcOrd="3" destOrd="0"/>
+      </dgm:cxnLst>
+      <dgm:bg/>
+      <dgm:whole/>
+    </dgm:dataModel>
+  </dgm:clrData>
+  <dgm:layoutNode name="composite">
+    <dgm:varLst>
+      <dgm:chMax val="5"/>
+      <dgm:dir/>
+      <dgm:animLvl val="ctr"/>
+      <dgm:resizeHandles val="exact"/>
+    </dgm:varLst>
+    <dgm:alg type="composite"/>
+    <dgm:shape xmlns:r="http://schemas.openxmlformats.org/officeDocument/2006/relationships" r:blip="">
+      <dgm:adjLst/>
+    </dgm:shape>
+    <dgm:presOf/>
+    <dgm:constrLst>
+      <dgm:constr type="w" for="ch" forName="cycle" refType="w"/>
+      <dgm:constr type="h" for="ch" forName="cycle" refType="h"/>
+    </dgm:constrLst>
+    <dgm:ruleLst/>
+    <dgm:layoutNode name="cycle">
+      <dgm:choose name="Name0">
+        <dgm:if name="Name1" func="var" arg="dir" op="equ" val="norm">
+          <dgm:choose name="Name2">
+            <dgm:if name="Name3" axis="ch" ptType="node" func="cnt" op="lte" val="1">
+              <dgm:alg type="cycle">
+                <dgm:param type="stAng" val="90"/>
+                <dgm:param type="spanAng" val="360"/>
+                <dgm:param type="ctrShpMap" val="fNode"/>
+              </dgm:alg>
+            </dgm:if>
+            <dgm:if name="Name4" axis="ch" ptType="node" func="cnt" op="equ" val="2">
+              <dgm:alg type="cycle">
+                <dgm:param type="stAng" val="70"/>
+                <dgm:param type="spanAng" val="40"/>
+                <dgm:param type="ctrShpMap" val="fNode"/>
+              </dgm:alg>
+            </dgm:if>
+            <dgm:if name="Name5" axis="ch" ptType="node" func="cnt" op="equ" val="3">
+              <dgm:alg type="cycle">
+                <dgm:param type="stAng" val="60"/>
+                <dgm:param type="spanAng" val="60"/>
+                <dgm:param type="ctrShpMap" val="fNode"/>
+              </dgm:alg>
+            </dgm:if>
+            <dgm:else name="Name6">
+              <dgm:alg type="cycle">
+                <dgm:param type="stAng" val="45"/>
+                <dgm:param type="spanAng" val="90"/>
+                <dgm:param type="ctrShpMap" val="fNode"/>
+              </dgm:alg>
+            </dgm:else>
+          </dgm:choose>
+        </dgm:if>
+        <dgm:else name="Name7">
+          <dgm:choose name="Name8">
+            <dgm:if name="Name9" axis="ch" ptType="node" func="cnt" op="lte" val="1">
+              <dgm:alg type="cycle">
+                <dgm:param type="stAng" val="-90"/>
+                <dgm:param type="spanAng" val="-360"/>
+                <dgm:param type="ctrShpMap" val="fNode"/>
+              </dgm:alg>
+            </dgm:if>
+            <dgm:if name="Name10" axis="ch" ptType="node" func="cnt" op="equ" val="2">
+              <dgm:alg type="cycle">
+                <dgm:param type="stAng" val="-70"/>
+                <dgm:param type="spanAng" val="-40"/>
+                <dgm:param type="ctrShpMap" val="fNode"/>
+              </dgm:alg>
+            </dgm:if>
+            <dgm:if name="Name11" axis="ch" ptType="node" func="cnt" op="equ" val="3">
+              <dgm:alg type="cycle">
+                <dgm:param type="stAng" val="-60"/>
+                <dgm:param type="spanAng" val="-60"/>
+                <dgm:param type="ctrShpMap" val="fNode"/>
+              </dgm:alg>
+            </dgm:if>
+            <dgm:else name="Name12">
+              <dgm:alg type="cycle">
+                <dgm:param type="stAng" val="-45"/>
+                <dgm:param type="spanAng" val="-90"/>
+                <dgm:param type="ctrShpMap" val="fNode"/>
+              </dgm:alg>
+            </dgm:else>
+          </dgm:choose>
+        </dgm:else>
+      </dgm:choose>
+      <dgm:shape xmlns:r="http://schemas.openxmlformats.org/officeDocument/2006/relationships" r:blip="">
+        <dgm:adjLst/>
+      </dgm:shape>
+      <dgm:presOf/>
+      <dgm:constrLst>
+        <dgm:constr type="sp" val="20"/>
+        <dgm:constr type="w" for="ch" forName="centerShape" refType="w"/>
+        <dgm:constr type="w" for="ch" forName="node" refType="w" refFor="ch" refForName="centerShape" fact="1.5"/>
+        <dgm:constr type="sibSp" refType="w" refFor="ch" refForName="centerShape" op="equ" fact="0.08"/>
+        <dgm:constr type="primFontSz" for="des" forName="parentNode" op="equ" val="65"/>
+        <dgm:constr type="secFontSz" for="des" forName="childNode" op="equ" val="65"/>
+      </dgm:constrLst>
+      <dgm:ruleLst/>
+      <dgm:choose name="Name13">
+        <dgm:if name="Name14" axis="ch" ptType="node" hideLastTrans="0" func="cnt" op="gte" val="1">
+          <dgm:layoutNode name="centerShape" styleLbl="node0">
+            <dgm:alg type="composite"/>
+            <dgm:shape xmlns:r="http://schemas.openxmlformats.org/officeDocument/2006/relationships" r:blip="">
+              <dgm:adjLst/>
+            </dgm:shape>
+            <dgm:presOf axis="ch" ptType="node" cnt="1"/>
+            <dgm:constrLst>
+              <dgm:constr type="w" for="ch" forName="connSite" refType="w" fact="0.7"/>
+              <dgm:constr type="h" for="ch" forName="connSite" refType="w" fact="0.7"/>
+              <dgm:constr type="ctrX" for="ch" forName="connSite" refType="w" fact="0.5"/>
+              <dgm:constr type="ctrY" for="ch" forName="connSite" refType="h" fact="0.5"/>
+              <dgm:constr type="w" for="ch" forName="visible" refType="w"/>
+              <dgm:constr type="h" for="ch" forName="visible" refType="w"/>
+              <dgm:constr type="ctrX" for="ch" forName="visible" refType="w" fact="0.5"/>
+              <dgm:constr type="ctrY" for="ch" forName="visible" refType="h" fact="0.5"/>
+            </dgm:constrLst>
+            <dgm:ruleLst/>
+            <dgm:layoutNode name="connSite">
+              <dgm:alg type="sp"/>
+              <dgm:shape xmlns:r="http://schemas.openxmlformats.org/officeDocument/2006/relationships" type="ellipse" r:blip="" hideGeom="1">
+                <dgm:adjLst/>
+              </dgm:shape>
+              <dgm:presOf/>
+              <dgm:constrLst/>
+              <dgm:ruleLst/>
+            </dgm:layoutNode>
+            <dgm:layoutNode name="visible">
+              <dgm:alg type="sp"/>
+              <dgm:shape xmlns:r="http://schemas.openxmlformats.org/officeDocument/2006/relationships" type="ellipse" r:blip="" blipPhldr="1">
+                <dgm:adjLst/>
+              </dgm:shape>
+              <dgm:presOf/>
+              <dgm:constrLst/>
+              <dgm:ruleLst/>
+            </dgm:layoutNode>
+          </dgm:layoutNode>
+        </dgm:if>
+        <dgm:else name="Name15"/>
+      </dgm:choose>
+      <dgm:forEach name="Name16" axis="ch">
+        <dgm:forEach name="Name17" axis="self" ptType="node">
+          <dgm:layoutNode name="node">
+            <dgm:alg type="composite"/>
+            <dgm:shape xmlns:r="http://schemas.openxmlformats.org/officeDocument/2006/relationships" r:blip="">
+              <dgm:adjLst/>
+            </dgm:shape>
+            <dgm:presOf/>
+            <dgm:choose name="Name18">
+              <dgm:if name="Name19" func="var" arg="dir" op="equ" val="norm">
+                <dgm:constrLst>
+                  <dgm:constr type="t" for="ch" forName="parentNode"/>
+                  <dgm:constr type="l" for="ch" forName="parentNode"/>
+                  <dgm:constr type="w" for="ch" forName="parentNode" refType="w" fact="0.4"/>
+                  <dgm:constr type="h" for="ch" forName="parentNode" refType="w" refFor="ch" refForName="parentNode" op="equ"/>
+                  <dgm:constr type="ctrY" for="ch" forName="childNode" refType="h" refFor="ch" refForName="parentNode" fact="0.5"/>
+                  <dgm:constr type="l" for="ch" forName="childNode" refType="w" refFor="ch" refForName="parentNode" op="equ" fact="1.1"/>
+                  <dgm:constr type="w" for="ch" forName="childNode" refType="w" fact="0.6"/>
+                  <dgm:constr type="h" for="ch" forName="childNode" refType="h" refFor="ch" refForName="parentNode"/>
+                </dgm:constrLst>
+              </dgm:if>
+              <dgm:else name="Name20">
+                <dgm:constrLst>
+                  <dgm:constr type="t" for="ch" forName="parentNode"/>
+                  <dgm:constr type="r" for="ch" forName="parentNode" refType="w"/>
+                  <dgm:constr type="w" for="ch" forName="parentNode" refType="w" fact="0.4"/>
+                  <dgm:constr type="h" for="ch" forName="parentNode" refType="w" refFor="ch" refForName="parentNode" op="equ"/>
+                  <dgm:constr type="ctrY" for="ch" forName="childNode" refType="h" refFor="ch" refForName="parentNode" fact="0.5"/>
+                  <dgm:constr type="l" for="ch" forName="childNode"/>
+                  <dgm:constr type="w" for="ch" forName="childNode" refType="w" fact="0.6"/>
+                  <dgm:constr type="h" for="ch" forName="childNode" refType="h" refFor="ch" refForName="parentNode"/>
+                </dgm:constrLst>
+              </dgm:else>
+            </dgm:choose>
+            <dgm:ruleLst/>
+            <dgm:layoutNode name="parentNode" styleLbl="node1">
+              <dgm:varLst>
+                <dgm:chMax val="1"/>
+                <dgm:bulletEnabled val="1"/>
+              </dgm:varLst>
+              <dgm:alg type="tx"/>
+              <dgm:shape xmlns:r="http://schemas.openxmlformats.org/officeDocument/2006/relationships" type="ellipse" r:blip="">
+                <dgm:adjLst/>
+              </dgm:shape>
+              <dgm:presOf axis="self"/>
+              <dgm:constrLst>
+                <dgm:constr type="tMarg" refType="primFontSz" fact="0.05"/>
+                <dgm:constr type="bMarg" refType="primFontSz" fact="0.05"/>
+                <dgm:constr type="lMarg" refType="primFontSz" fact="0.05"/>
+                <dgm:constr type="rMarg" refType="primFontSz" fact="0.05"/>
+              </dgm:constrLst>
+              <dgm:ruleLst>
+                <dgm:rule type="primFontSz" val="5" fact="NaN" max="NaN"/>
+              </dgm:ruleLst>
+            </dgm:layoutNode>
+            <dgm:layoutNode name="childNode" styleLbl="revTx" moveWith="parentNode">
+              <dgm:varLst>
+                <dgm:bulletEnabled val="1"/>
+              </dgm:varLst>
+              <dgm:alg type="tx">
+                <dgm:param type="txAnchorVertCh" val="mid"/>
+                <dgm:param type="stBulletLvl" val="1"/>
+              </dgm:alg>
+              <dgm:choose name="Name21">
+                <dgm:if name="Name22" axis="ch" ptType="node" func="cnt" op="gte" val="1">
+                  <dgm:shape xmlns:r="http://schemas.openxmlformats.org/officeDocument/2006/relationships" type="rect" r:blip="">
+                    <dgm:adjLst/>
+                  </dgm:shape>
+                </dgm:if>
+                <dgm:else name="Name23">
+                  <dgm:shape xmlns:r="http://schemas.openxmlformats.org/officeDocument/2006/relationships" type="rect" r:blip="" hideGeom="1">
+                    <dgm:adjLst/>
+                  </dgm:shape>
+                </dgm:else>
+              </dgm:choose>
+              <dgm:presOf axis="des" ptType="node"/>
+              <dgm:constrLst>
+                <dgm:constr type="tMarg"/>
+                <dgm:constr type="bMarg"/>
+                <dgm:constr type="lMarg"/>
+                <dgm:constr type="rMarg"/>
+              </dgm:constrLst>
+              <dgm:ruleLst>
+                <dgm:rule type="secFontSz" val="5" fact="NaN" max="NaN"/>
+              </dgm:ruleLst>
+            </dgm:layoutNode>
+          </dgm:layoutNode>
+        </dgm:forEach>
+        <dgm:forEach name="Name24" axis="self" ptType="parTrans" cnt="1">
+          <dgm:layoutNode name="Name25">
+            <dgm:alg type="conn">
+              <dgm:param type="dim" val="1D"/>
+              <dgm:param type="endSty" val="noArr"/>
+              <dgm:param type="begPts" val="auto"/>
+              <dgm:param type="endPts" val="auto"/>
+              <dgm:param type="srcNode" val="connSite"/>
+              <dgm:param type="dstNode" val="parentNode"/>
+            </dgm:alg>
+            <dgm:shape xmlns:r="http://schemas.openxmlformats.org/officeDocument/2006/relationships" type="conn" r:blip="" zOrderOff="-99">
+              <dgm:adjLst/>
+            </dgm:shape>
+            <dgm:presOf axis="self"/>
+            <dgm:constrLst>
+              <dgm:constr type="connDist"/>
+              <dgm:constr type="w" val="1"/>
+              <dgm:constr type="h" val="5"/>
+              <dgm:constr type="begPad"/>
+              <dgm:constr type="endPad"/>
+            </dgm:constrLst>
+            <dgm:ruleLst/>
+          </dgm:layoutNode>
+        </dgm:forEach>
+      </dgm:forEach>
+    </dgm:layoutNode>
+  </dgm:layoutNode>
+</dgm:layoutDef>
+</file>
+
 <file path=ppt/diagrams/quickStyle1.xml><?xml version="1.0" encoding="utf-8"?>
 <dgm:styleDef xmlns:dgm="http://schemas.openxmlformats.org/drawingml/2006/diagram" xmlns:a="http://schemas.openxmlformats.org/drawingml/2006/main" uniqueId="urn:microsoft.com/office/officeart/2005/8/quickstyle/simple1">
   <dgm:title val=""/>
@@ -5520,6 +8484,2074 @@
 </file>
 
 <file path=ppt/diagrams/quickStyle2.xml><?xml version="1.0" encoding="utf-8"?>
+<dgm:styleDef xmlns:dgm="http://schemas.openxmlformats.org/drawingml/2006/diagram" xmlns:a="http://schemas.openxmlformats.org/drawingml/2006/main" uniqueId="urn:microsoft.com/office/officeart/2005/8/quickstyle/simple1">
+  <dgm:title val=""/>
+  <dgm:desc val=""/>
+  <dgm:catLst>
+    <dgm:cat type="simple" pri="10100"/>
+  </dgm:catLst>
+  <dgm:scene3d>
+    <a:camera prst="orthographicFront"/>
+    <a:lightRig rig="threePt" dir="t"/>
+  </dgm:scene3d>
+  <dgm:styleLbl name="node0">
+    <dgm:scene3d>
+      <a:camera prst="orthographicFront"/>
+      <a:lightRig rig="threePt" dir="t"/>
+    </dgm:scene3d>
+    <dgm:sp3d/>
+    <dgm:txPr/>
+    <dgm:style>
+      <a:lnRef idx="2">
+        <a:scrgbClr r="0" g="0" b="0"/>
+      </a:lnRef>
+      <a:fillRef idx="1">
+        <a:scrgbClr r="0" g="0" b="0"/>
+      </a:fillRef>
+      <a:effectRef idx="0">
+        <a:scrgbClr r="0" g="0" b="0"/>
+      </a:effectRef>
+      <a:fontRef idx="minor">
+        <a:schemeClr val="lt1"/>
+      </a:fontRef>
+    </dgm:style>
+  </dgm:styleLbl>
+  <dgm:styleLbl name="lnNode1">
+    <dgm:scene3d>
+      <a:camera prst="orthographicFront"/>
+      <a:lightRig rig="threePt" dir="t"/>
+    </dgm:scene3d>
+    <dgm:sp3d/>
+    <dgm:txPr/>
+    <dgm:style>
+      <a:lnRef idx="2">
+        <a:scrgbClr r="0" g="0" b="0"/>
+      </a:lnRef>
+      <a:fillRef idx="1">
+        <a:scrgbClr r="0" g="0" b="0"/>
+      </a:fillRef>
+      <a:effectRef idx="0">
+        <a:scrgbClr r="0" g="0" b="0"/>
+      </a:effectRef>
+      <a:fontRef idx="minor">
+        <a:schemeClr val="lt1"/>
+      </a:fontRef>
+    </dgm:style>
+  </dgm:styleLbl>
+  <dgm:styleLbl name="vennNode1">
+    <dgm:scene3d>
+      <a:camera prst="orthographicFront"/>
+      <a:lightRig rig="threePt" dir="t"/>
+    </dgm:scene3d>
+    <dgm:sp3d/>
+    <dgm:txPr/>
+    <dgm:style>
+      <a:lnRef idx="2">
+        <a:scrgbClr r="0" g="0" b="0"/>
+      </a:lnRef>
+      <a:fillRef idx="1">
+        <a:scrgbClr r="0" g="0" b="0"/>
+      </a:fillRef>
+      <a:effectRef idx="0">
+        <a:scrgbClr r="0" g="0" b="0"/>
+      </a:effectRef>
+      <a:fontRef idx="minor">
+        <a:schemeClr val="tx1"/>
+      </a:fontRef>
+    </dgm:style>
+  </dgm:styleLbl>
+  <dgm:styleLbl name="alignNode1">
+    <dgm:scene3d>
+      <a:camera prst="orthographicFront"/>
+      <a:lightRig rig="threePt" dir="t"/>
+    </dgm:scene3d>
+    <dgm:sp3d/>
+    <dgm:txPr/>
+    <dgm:style>
+      <a:lnRef idx="2">
+        <a:scrgbClr r="0" g="0" b="0"/>
+      </a:lnRef>
+      <a:fillRef idx="1">
+        <a:scrgbClr r="0" g="0" b="0"/>
+      </a:fillRef>
+      <a:effectRef idx="0">
+        <a:scrgbClr r="0" g="0" b="0"/>
+      </a:effectRef>
+      <a:fontRef idx="minor">
+        <a:schemeClr val="lt1"/>
+      </a:fontRef>
+    </dgm:style>
+  </dgm:styleLbl>
+  <dgm:styleLbl name="node1">
+    <dgm:scene3d>
+      <a:camera prst="orthographicFront"/>
+      <a:lightRig rig="threePt" dir="t"/>
+    </dgm:scene3d>
+    <dgm:sp3d/>
+    <dgm:txPr/>
+    <dgm:style>
+      <a:lnRef idx="2">
+        <a:scrgbClr r="0" g="0" b="0"/>
+      </a:lnRef>
+      <a:fillRef idx="1">
+        <a:scrgbClr r="0" g="0" b="0"/>
+      </a:fillRef>
+      <a:effectRef idx="0">
+        <a:scrgbClr r="0" g="0" b="0"/>
+      </a:effectRef>
+      <a:fontRef idx="minor">
+        <a:schemeClr val="lt1"/>
+      </a:fontRef>
+    </dgm:style>
+  </dgm:styleLbl>
+  <dgm:styleLbl name="node2">
+    <dgm:scene3d>
+      <a:camera prst="orthographicFront"/>
+      <a:lightRig rig="threePt" dir="t"/>
+    </dgm:scene3d>
+    <dgm:sp3d/>
+    <dgm:txPr/>
+    <dgm:style>
+      <a:lnRef idx="2">
+        <a:scrgbClr r="0" g="0" b="0"/>
+      </a:lnRef>
+      <a:fillRef idx="1">
+        <a:scrgbClr r="0" g="0" b="0"/>
+      </a:fillRef>
+      <a:effectRef idx="0">
+        <a:scrgbClr r="0" g="0" b="0"/>
+      </a:effectRef>
+      <a:fontRef idx="minor">
+        <a:schemeClr val="lt1"/>
+      </a:fontRef>
+    </dgm:style>
+  </dgm:styleLbl>
+  <dgm:styleLbl name="node3">
+    <dgm:scene3d>
+      <a:camera prst="orthographicFront"/>
+      <a:lightRig rig="threePt" dir="t"/>
+    </dgm:scene3d>
+    <dgm:sp3d/>
+    <dgm:txPr/>
+    <dgm:style>
+      <a:lnRef idx="2">
+        <a:scrgbClr r="0" g="0" b="0"/>
+      </a:lnRef>
+      <a:fillRef idx="1">
+        <a:scrgbClr r="0" g="0" b="0"/>
+      </a:fillRef>
+      <a:effectRef idx="0">
+        <a:scrgbClr r="0" g="0" b="0"/>
+      </a:effectRef>
+      <a:fontRef idx="minor">
+        <a:schemeClr val="lt1"/>
+      </a:fontRef>
+    </dgm:style>
+  </dgm:styleLbl>
+  <dgm:styleLbl name="node4">
+    <dgm:scene3d>
+      <a:camera prst="orthographicFront"/>
+      <a:lightRig rig="threePt" dir="t"/>
+    </dgm:scene3d>
+    <dgm:sp3d/>
+    <dgm:txPr/>
+    <dgm:style>
+      <a:lnRef idx="2">
+        <a:scrgbClr r="0" g="0" b="0"/>
+      </a:lnRef>
+      <a:fillRef idx="1">
+        <a:scrgbClr r="0" g="0" b="0"/>
+      </a:fillRef>
+      <a:effectRef idx="0">
+        <a:scrgbClr r="0" g="0" b="0"/>
+      </a:effectRef>
+      <a:fontRef idx="minor">
+        <a:schemeClr val="lt1"/>
+      </a:fontRef>
+    </dgm:style>
+  </dgm:styleLbl>
+  <dgm:styleLbl name="fgImgPlace1">
+    <dgm:scene3d>
+      <a:camera prst="orthographicFront"/>
+      <a:lightRig rig="threePt" dir="t"/>
+    </dgm:scene3d>
+    <dgm:sp3d/>
+    <dgm:txPr/>
+    <dgm:style>
+      <a:lnRef idx="2">
+        <a:scrgbClr r="0" g="0" b="0"/>
+      </a:lnRef>
+      <a:fillRef idx="1">
+        <a:scrgbClr r="0" g="0" b="0"/>
+      </a:fillRef>
+      <a:effectRef idx="0">
+        <a:scrgbClr r="0" g="0" b="0"/>
+      </a:effectRef>
+      <a:fontRef idx="minor"/>
+    </dgm:style>
+  </dgm:styleLbl>
+  <dgm:styleLbl name="alignImgPlace1">
+    <dgm:scene3d>
+      <a:camera prst="orthographicFront"/>
+      <a:lightRig rig="threePt" dir="t"/>
+    </dgm:scene3d>
+    <dgm:sp3d/>
+    <dgm:txPr/>
+    <dgm:style>
+      <a:lnRef idx="2">
+        <a:scrgbClr r="0" g="0" b="0"/>
+      </a:lnRef>
+      <a:fillRef idx="1">
+        <a:scrgbClr r="0" g="0" b="0"/>
+      </a:fillRef>
+      <a:effectRef idx="0">
+        <a:scrgbClr r="0" g="0" b="0"/>
+      </a:effectRef>
+      <a:fontRef idx="minor"/>
+    </dgm:style>
+  </dgm:styleLbl>
+  <dgm:styleLbl name="bgImgPlace1">
+    <dgm:scene3d>
+      <a:camera prst="orthographicFront"/>
+      <a:lightRig rig="threePt" dir="t"/>
+    </dgm:scene3d>
+    <dgm:sp3d/>
+    <dgm:txPr/>
+    <dgm:style>
+      <a:lnRef idx="2">
+        <a:scrgbClr r="0" g="0" b="0"/>
+      </a:lnRef>
+      <a:fillRef idx="1">
+        <a:scrgbClr r="0" g="0" b="0"/>
+      </a:fillRef>
+      <a:effectRef idx="0">
+        <a:scrgbClr r="0" g="0" b="0"/>
+      </a:effectRef>
+      <a:fontRef idx="minor"/>
+    </dgm:style>
+  </dgm:styleLbl>
+  <dgm:styleLbl name="sibTrans2D1">
+    <dgm:scene3d>
+      <a:camera prst="orthographicFront"/>
+      <a:lightRig rig="threePt" dir="t"/>
+    </dgm:scene3d>
+    <dgm:sp3d/>
+    <dgm:txPr/>
+    <dgm:style>
+      <a:lnRef idx="0">
+        <a:scrgbClr r="0" g="0" b="0"/>
+      </a:lnRef>
+      <a:fillRef idx="1">
+        <a:scrgbClr r="0" g="0" b="0"/>
+      </a:fillRef>
+      <a:effectRef idx="0">
+        <a:scrgbClr r="0" g="0" b="0"/>
+      </a:effectRef>
+      <a:fontRef idx="minor">
+        <a:schemeClr val="lt1"/>
+      </a:fontRef>
+    </dgm:style>
+  </dgm:styleLbl>
+  <dgm:styleLbl name="fgSibTrans2D1">
+    <dgm:scene3d>
+      <a:camera prst="orthographicFront"/>
+      <a:lightRig rig="threePt" dir="t"/>
+    </dgm:scene3d>
+    <dgm:sp3d/>
+    <dgm:txPr/>
+    <dgm:style>
+      <a:lnRef idx="0">
+        <a:scrgbClr r="0" g="0" b="0"/>
+      </a:lnRef>
+      <a:fillRef idx="1">
+        <a:scrgbClr r="0" g="0" b="0"/>
+      </a:fillRef>
+      <a:effectRef idx="0">
+        <a:scrgbClr r="0" g="0" b="0"/>
+      </a:effectRef>
+      <a:fontRef idx="minor">
+        <a:schemeClr val="lt1"/>
+      </a:fontRef>
+    </dgm:style>
+  </dgm:styleLbl>
+  <dgm:styleLbl name="bgSibTrans2D1">
+    <dgm:scene3d>
+      <a:camera prst="orthographicFront"/>
+      <a:lightRig rig="threePt" dir="t"/>
+    </dgm:scene3d>
+    <dgm:sp3d/>
+    <dgm:txPr/>
+    <dgm:style>
+      <a:lnRef idx="0">
+        <a:scrgbClr r="0" g="0" b="0"/>
+      </a:lnRef>
+      <a:fillRef idx="1">
+        <a:scrgbClr r="0" g="0" b="0"/>
+      </a:fillRef>
+      <a:effectRef idx="0">
+        <a:scrgbClr r="0" g="0" b="0"/>
+      </a:effectRef>
+      <a:fontRef idx="minor">
+        <a:schemeClr val="lt1"/>
+      </a:fontRef>
+    </dgm:style>
+  </dgm:styleLbl>
+  <dgm:styleLbl name="sibTrans1D1">
+    <dgm:scene3d>
+      <a:camera prst="orthographicFront"/>
+      <a:lightRig rig="threePt" dir="t"/>
+    </dgm:scene3d>
+    <dgm:sp3d/>
+    <dgm:txPr/>
+    <dgm:style>
+      <a:lnRef idx="1">
+        <a:scrgbClr r="0" g="0" b="0"/>
+      </a:lnRef>
+      <a:fillRef idx="0">
+        <a:scrgbClr r="0" g="0" b="0"/>
+      </a:fillRef>
+      <a:effectRef idx="0">
+        <a:scrgbClr r="0" g="0" b="0"/>
+      </a:effectRef>
+      <a:fontRef idx="minor"/>
+    </dgm:style>
+  </dgm:styleLbl>
+  <dgm:styleLbl name="callout">
+    <dgm:scene3d>
+      <a:camera prst="orthographicFront"/>
+      <a:lightRig rig="threePt" dir="t"/>
+    </dgm:scene3d>
+    <dgm:sp3d/>
+    <dgm:txPr/>
+    <dgm:style>
+      <a:lnRef idx="2">
+        <a:scrgbClr r="0" g="0" b="0"/>
+      </a:lnRef>
+      <a:fillRef idx="1">
+        <a:scrgbClr r="0" g="0" b="0"/>
+      </a:fillRef>
+      <a:effectRef idx="0">
+        <a:scrgbClr r="0" g="0" b="0"/>
+      </a:effectRef>
+      <a:fontRef idx="minor"/>
+    </dgm:style>
+  </dgm:styleLbl>
+  <dgm:styleLbl name="asst0">
+    <dgm:scene3d>
+      <a:camera prst="orthographicFront"/>
+      <a:lightRig rig="threePt" dir="t"/>
+    </dgm:scene3d>
+    <dgm:sp3d/>
+    <dgm:txPr/>
+    <dgm:style>
+      <a:lnRef idx="2">
+        <a:scrgbClr r="0" g="0" b="0"/>
+      </a:lnRef>
+      <a:fillRef idx="1">
+        <a:scrgbClr r="0" g="0" b="0"/>
+      </a:fillRef>
+      <a:effectRef idx="0">
+        <a:scrgbClr r="0" g="0" b="0"/>
+      </a:effectRef>
+      <a:fontRef idx="minor">
+        <a:schemeClr val="lt1"/>
+      </a:fontRef>
+    </dgm:style>
+  </dgm:styleLbl>
+  <dgm:styleLbl name="asst1">
+    <dgm:scene3d>
+      <a:camera prst="orthographicFront"/>
+      <a:lightRig rig="threePt" dir="t"/>
+    </dgm:scene3d>
+    <dgm:sp3d/>
+    <dgm:txPr/>
+    <dgm:style>
+      <a:lnRef idx="2">
+        <a:scrgbClr r="0" g="0" b="0"/>
+      </a:lnRef>
+      <a:fillRef idx="1">
+        <a:scrgbClr r="0" g="0" b="0"/>
+      </a:fillRef>
+      <a:effectRef idx="0">
+        <a:scrgbClr r="0" g="0" b="0"/>
+      </a:effectRef>
+      <a:fontRef idx="minor">
+        <a:schemeClr val="lt1"/>
+      </a:fontRef>
+    </dgm:style>
+  </dgm:styleLbl>
+  <dgm:styleLbl name="asst2">
+    <dgm:scene3d>
+      <a:camera prst="orthographicFront"/>
+      <a:lightRig rig="threePt" dir="t"/>
+    </dgm:scene3d>
+    <dgm:sp3d/>
+    <dgm:txPr/>
+    <dgm:style>
+      <a:lnRef idx="2">
+        <a:scrgbClr r="0" g="0" b="0"/>
+      </a:lnRef>
+      <a:fillRef idx="1">
+        <a:scrgbClr r="0" g="0" b="0"/>
+      </a:fillRef>
+      <a:effectRef idx="0">
+        <a:scrgbClr r="0" g="0" b="0"/>
+      </a:effectRef>
+      <a:fontRef idx="minor">
+        <a:schemeClr val="lt1"/>
+      </a:fontRef>
+    </dgm:style>
+  </dgm:styleLbl>
+  <dgm:styleLbl name="asst3">
+    <dgm:scene3d>
+      <a:camera prst="orthographicFront"/>
+      <a:lightRig rig="threePt" dir="t"/>
+    </dgm:scene3d>
+    <dgm:sp3d/>
+    <dgm:txPr/>
+    <dgm:style>
+      <a:lnRef idx="2">
+        <a:scrgbClr r="0" g="0" b="0"/>
+      </a:lnRef>
+      <a:fillRef idx="1">
+        <a:scrgbClr r="0" g="0" b="0"/>
+      </a:fillRef>
+      <a:effectRef idx="0">
+        <a:scrgbClr r="0" g="0" b="0"/>
+      </a:effectRef>
+      <a:fontRef idx="minor">
+        <a:schemeClr val="lt1"/>
+      </a:fontRef>
+    </dgm:style>
+  </dgm:styleLbl>
+  <dgm:styleLbl name="asst4">
+    <dgm:scene3d>
+      <a:camera prst="orthographicFront"/>
+      <a:lightRig rig="threePt" dir="t"/>
+    </dgm:scene3d>
+    <dgm:sp3d/>
+    <dgm:txPr/>
+    <dgm:style>
+      <a:lnRef idx="2">
+        <a:scrgbClr r="0" g="0" b="0"/>
+      </a:lnRef>
+      <a:fillRef idx="1">
+        <a:scrgbClr r="0" g="0" b="0"/>
+      </a:fillRef>
+      <a:effectRef idx="0">
+        <a:scrgbClr r="0" g="0" b="0"/>
+      </a:effectRef>
+      <a:fontRef idx="minor">
+        <a:schemeClr val="lt1"/>
+      </a:fontRef>
+    </dgm:style>
+  </dgm:styleLbl>
+  <dgm:styleLbl name="parChTrans2D1">
+    <dgm:scene3d>
+      <a:camera prst="orthographicFront"/>
+      <a:lightRig rig="threePt" dir="t"/>
+    </dgm:scene3d>
+    <dgm:sp3d/>
+    <dgm:txPr/>
+    <dgm:style>
+      <a:lnRef idx="2">
+        <a:scrgbClr r="0" g="0" b="0"/>
+      </a:lnRef>
+      <a:fillRef idx="1">
+        <a:scrgbClr r="0" g="0" b="0"/>
+      </a:fillRef>
+      <a:effectRef idx="0">
+        <a:scrgbClr r="0" g="0" b="0"/>
+      </a:effectRef>
+      <a:fontRef idx="minor">
+        <a:schemeClr val="lt1"/>
+      </a:fontRef>
+    </dgm:style>
+  </dgm:styleLbl>
+  <dgm:styleLbl name="parChTrans2D2">
+    <dgm:scene3d>
+      <a:camera prst="orthographicFront"/>
+      <a:lightRig rig="threePt" dir="t"/>
+    </dgm:scene3d>
+    <dgm:sp3d/>
+    <dgm:txPr/>
+    <dgm:style>
+      <a:lnRef idx="2">
+        <a:scrgbClr r="0" g="0" b="0"/>
+      </a:lnRef>
+      <a:fillRef idx="1">
+        <a:scrgbClr r="0" g="0" b="0"/>
+      </a:fillRef>
+      <a:effectRef idx="0">
+        <a:scrgbClr r="0" g="0" b="0"/>
+      </a:effectRef>
+      <a:fontRef idx="minor">
+        <a:schemeClr val="lt1"/>
+      </a:fontRef>
+    </dgm:style>
+  </dgm:styleLbl>
+  <dgm:styleLbl name="parChTrans2D3">
+    <dgm:scene3d>
+      <a:camera prst="orthographicFront"/>
+      <a:lightRig rig="threePt" dir="t"/>
+    </dgm:scene3d>
+    <dgm:sp3d/>
+    <dgm:txPr/>
+    <dgm:style>
+      <a:lnRef idx="2">
+        <a:scrgbClr r="0" g="0" b="0"/>
+      </a:lnRef>
+      <a:fillRef idx="1">
+        <a:scrgbClr r="0" g="0" b="0"/>
+      </a:fillRef>
+      <a:effectRef idx="0">
+        <a:scrgbClr r="0" g="0" b="0"/>
+      </a:effectRef>
+      <a:fontRef idx="minor">
+        <a:schemeClr val="lt1"/>
+      </a:fontRef>
+    </dgm:style>
+  </dgm:styleLbl>
+  <dgm:styleLbl name="parChTrans2D4">
+    <dgm:scene3d>
+      <a:camera prst="orthographicFront"/>
+      <a:lightRig rig="threePt" dir="t"/>
+    </dgm:scene3d>
+    <dgm:sp3d/>
+    <dgm:txPr/>
+    <dgm:style>
+      <a:lnRef idx="2">
+        <a:scrgbClr r="0" g="0" b="0"/>
+      </a:lnRef>
+      <a:fillRef idx="1">
+        <a:scrgbClr r="0" g="0" b="0"/>
+      </a:fillRef>
+      <a:effectRef idx="0">
+        <a:scrgbClr r="0" g="0" b="0"/>
+      </a:effectRef>
+      <a:fontRef idx="minor">
+        <a:schemeClr val="lt1"/>
+      </a:fontRef>
+    </dgm:style>
+  </dgm:styleLbl>
+  <dgm:styleLbl name="parChTrans1D1">
+    <dgm:scene3d>
+      <a:camera prst="orthographicFront"/>
+      <a:lightRig rig="threePt" dir="t"/>
+    </dgm:scene3d>
+    <dgm:sp3d/>
+    <dgm:txPr/>
+    <dgm:style>
+      <a:lnRef idx="2">
+        <a:scrgbClr r="0" g="0" b="0"/>
+      </a:lnRef>
+      <a:fillRef idx="0">
+        <a:scrgbClr r="0" g="0" b="0"/>
+      </a:fillRef>
+      <a:effectRef idx="0">
+        <a:scrgbClr r="0" g="0" b="0"/>
+      </a:effectRef>
+      <a:fontRef idx="minor"/>
+    </dgm:style>
+  </dgm:styleLbl>
+  <dgm:styleLbl name="parChTrans1D2">
+    <dgm:scene3d>
+      <a:camera prst="orthographicFront"/>
+      <a:lightRig rig="threePt" dir="t"/>
+    </dgm:scene3d>
+    <dgm:sp3d/>
+    <dgm:txPr/>
+    <dgm:style>
+      <a:lnRef idx="2">
+        <a:scrgbClr r="0" g="0" b="0"/>
+      </a:lnRef>
+      <a:fillRef idx="0">
+        <a:scrgbClr r="0" g="0" b="0"/>
+      </a:fillRef>
+      <a:effectRef idx="0">
+        <a:scrgbClr r="0" g="0" b="0"/>
+      </a:effectRef>
+      <a:fontRef idx="minor"/>
+    </dgm:style>
+  </dgm:styleLbl>
+  <dgm:styleLbl name="parChTrans1D3">
+    <dgm:scene3d>
+      <a:camera prst="orthographicFront"/>
+      <a:lightRig rig="threePt" dir="t"/>
+    </dgm:scene3d>
+    <dgm:sp3d/>
+    <dgm:txPr/>
+    <dgm:style>
+      <a:lnRef idx="2">
+        <a:scrgbClr r="0" g="0" b="0"/>
+      </a:lnRef>
+      <a:fillRef idx="0">
+        <a:scrgbClr r="0" g="0" b="0"/>
+      </a:fillRef>
+      <a:effectRef idx="0">
+        <a:scrgbClr r="0" g="0" b="0"/>
+      </a:effectRef>
+      <a:fontRef idx="minor"/>
+    </dgm:style>
+  </dgm:styleLbl>
+  <dgm:styleLbl name="parChTrans1D4">
+    <dgm:scene3d>
+      <a:camera prst="orthographicFront"/>
+      <a:lightRig rig="threePt" dir="t"/>
+    </dgm:scene3d>
+    <dgm:sp3d/>
+    <dgm:txPr/>
+    <dgm:style>
+      <a:lnRef idx="2">
+        <a:scrgbClr r="0" g="0" b="0"/>
+      </a:lnRef>
+      <a:fillRef idx="0">
+        <a:scrgbClr r="0" g="0" b="0"/>
+      </a:fillRef>
+      <a:effectRef idx="0">
+        <a:scrgbClr r="0" g="0" b="0"/>
+      </a:effectRef>
+      <a:fontRef idx="minor"/>
+    </dgm:style>
+  </dgm:styleLbl>
+  <dgm:styleLbl name="fgAcc1">
+    <dgm:scene3d>
+      <a:camera prst="orthographicFront"/>
+      <a:lightRig rig="threePt" dir="t"/>
+    </dgm:scene3d>
+    <dgm:sp3d/>
+    <dgm:txPr/>
+    <dgm:style>
+      <a:lnRef idx="2">
+        <a:scrgbClr r="0" g="0" b="0"/>
+      </a:lnRef>
+      <a:fillRef idx="1">
+        <a:scrgbClr r="0" g="0" b="0"/>
+      </a:fillRef>
+      <a:effectRef idx="0">
+        <a:scrgbClr r="0" g="0" b="0"/>
+      </a:effectRef>
+      <a:fontRef idx="minor"/>
+    </dgm:style>
+  </dgm:styleLbl>
+  <dgm:styleLbl name="conFgAcc1">
+    <dgm:scene3d>
+      <a:camera prst="orthographicFront"/>
+      <a:lightRig rig="threePt" dir="t"/>
+    </dgm:scene3d>
+    <dgm:sp3d/>
+    <dgm:txPr/>
+    <dgm:style>
+      <a:lnRef idx="2">
+        <a:scrgbClr r="0" g="0" b="0"/>
+      </a:lnRef>
+      <a:fillRef idx="1">
+        <a:scrgbClr r="0" g="0" b="0"/>
+      </a:fillRef>
+      <a:effectRef idx="0">
+        <a:scrgbClr r="0" g="0" b="0"/>
+      </a:effectRef>
+      <a:fontRef idx="minor"/>
+    </dgm:style>
+  </dgm:styleLbl>
+  <dgm:styleLbl name="alignAcc1">
+    <dgm:scene3d>
+      <a:camera prst="orthographicFront"/>
+      <a:lightRig rig="threePt" dir="t"/>
+    </dgm:scene3d>
+    <dgm:sp3d/>
+    <dgm:txPr/>
+    <dgm:style>
+      <a:lnRef idx="2">
+        <a:scrgbClr r="0" g="0" b="0"/>
+      </a:lnRef>
+      <a:fillRef idx="1">
+        <a:scrgbClr r="0" g="0" b="0"/>
+      </a:fillRef>
+      <a:effectRef idx="0">
+        <a:scrgbClr r="0" g="0" b="0"/>
+      </a:effectRef>
+      <a:fontRef idx="minor"/>
+    </dgm:style>
+  </dgm:styleLbl>
+  <dgm:styleLbl name="trAlignAcc1">
+    <dgm:scene3d>
+      <a:camera prst="orthographicFront"/>
+      <a:lightRig rig="threePt" dir="t"/>
+    </dgm:scene3d>
+    <dgm:sp3d/>
+    <dgm:txPr/>
+    <dgm:style>
+      <a:lnRef idx="1">
+        <a:scrgbClr r="0" g="0" b="0"/>
+      </a:lnRef>
+      <a:fillRef idx="1">
+        <a:scrgbClr r="0" g="0" b="0"/>
+      </a:fillRef>
+      <a:effectRef idx="0">
+        <a:scrgbClr r="0" g="0" b="0"/>
+      </a:effectRef>
+      <a:fontRef idx="minor"/>
+    </dgm:style>
+  </dgm:styleLbl>
+  <dgm:styleLbl name="bgAcc1">
+    <dgm:scene3d>
+      <a:camera prst="orthographicFront"/>
+      <a:lightRig rig="threePt" dir="t"/>
+    </dgm:scene3d>
+    <dgm:sp3d/>
+    <dgm:txPr/>
+    <dgm:style>
+      <a:lnRef idx="2">
+        <a:scrgbClr r="0" g="0" b="0"/>
+      </a:lnRef>
+      <a:fillRef idx="1">
+        <a:scrgbClr r="0" g="0" b="0"/>
+      </a:fillRef>
+      <a:effectRef idx="0">
+        <a:scrgbClr r="0" g="0" b="0"/>
+      </a:effectRef>
+      <a:fontRef idx="minor"/>
+    </dgm:style>
+  </dgm:styleLbl>
+  <dgm:styleLbl name="solidFgAcc1">
+    <dgm:scene3d>
+      <a:camera prst="orthographicFront"/>
+      <a:lightRig rig="threePt" dir="t"/>
+    </dgm:scene3d>
+    <dgm:sp3d/>
+    <dgm:txPr/>
+    <dgm:style>
+      <a:lnRef idx="2">
+        <a:scrgbClr r="0" g="0" b="0"/>
+      </a:lnRef>
+      <a:fillRef idx="1">
+        <a:scrgbClr r="0" g="0" b="0"/>
+      </a:fillRef>
+      <a:effectRef idx="0">
+        <a:scrgbClr r="0" g="0" b="0"/>
+      </a:effectRef>
+      <a:fontRef idx="minor"/>
+    </dgm:style>
+  </dgm:styleLbl>
+  <dgm:styleLbl name="solidAlignAcc1">
+    <dgm:scene3d>
+      <a:camera prst="orthographicFront"/>
+      <a:lightRig rig="threePt" dir="t"/>
+    </dgm:scene3d>
+    <dgm:sp3d/>
+    <dgm:txPr/>
+    <dgm:style>
+      <a:lnRef idx="2">
+        <a:scrgbClr r="0" g="0" b="0"/>
+      </a:lnRef>
+      <a:fillRef idx="1">
+        <a:scrgbClr r="0" g="0" b="0"/>
+      </a:fillRef>
+      <a:effectRef idx="0">
+        <a:scrgbClr r="0" g="0" b="0"/>
+      </a:effectRef>
+      <a:fontRef idx="minor"/>
+    </dgm:style>
+  </dgm:styleLbl>
+  <dgm:styleLbl name="solidBgAcc1">
+    <dgm:scene3d>
+      <a:camera prst="orthographicFront"/>
+      <a:lightRig rig="threePt" dir="t"/>
+    </dgm:scene3d>
+    <dgm:sp3d/>
+    <dgm:txPr/>
+    <dgm:style>
+      <a:lnRef idx="2">
+        <a:scrgbClr r="0" g="0" b="0"/>
+      </a:lnRef>
+      <a:fillRef idx="1">
+        <a:scrgbClr r="0" g="0" b="0"/>
+      </a:fillRef>
+      <a:effectRef idx="0">
+        <a:scrgbClr r="0" g="0" b="0"/>
+      </a:effectRef>
+      <a:fontRef idx="minor"/>
+    </dgm:style>
+  </dgm:styleLbl>
+  <dgm:styleLbl name="fgAccFollowNode1">
+    <dgm:scene3d>
+      <a:camera prst="orthographicFront"/>
+      <a:lightRig rig="threePt" dir="t"/>
+    </dgm:scene3d>
+    <dgm:sp3d/>
+    <dgm:txPr/>
+    <dgm:style>
+      <a:lnRef idx="2">
+        <a:scrgbClr r="0" g="0" b="0"/>
+      </a:lnRef>
+      <a:fillRef idx="1">
+        <a:scrgbClr r="0" g="0" b="0"/>
+      </a:fillRef>
+      <a:effectRef idx="0">
+        <a:scrgbClr r="0" g="0" b="0"/>
+      </a:effectRef>
+      <a:fontRef idx="minor"/>
+    </dgm:style>
+  </dgm:styleLbl>
+  <dgm:styleLbl name="alignAccFollowNode1">
+    <dgm:scene3d>
+      <a:camera prst="orthographicFront"/>
+      <a:lightRig rig="threePt" dir="t"/>
+    </dgm:scene3d>
+    <dgm:sp3d/>
+    <dgm:txPr/>
+    <dgm:style>
+      <a:lnRef idx="2">
+        <a:scrgbClr r="0" g="0" b="0"/>
+      </a:lnRef>
+      <a:fillRef idx="1">
+        <a:scrgbClr r="0" g="0" b="0"/>
+      </a:fillRef>
+      <a:effectRef idx="0">
+        <a:scrgbClr r="0" g="0" b="0"/>
+      </a:effectRef>
+      <a:fontRef idx="minor"/>
+    </dgm:style>
+  </dgm:styleLbl>
+  <dgm:styleLbl name="bgAccFollowNode1">
+    <dgm:scene3d>
+      <a:camera prst="orthographicFront"/>
+      <a:lightRig rig="threePt" dir="t"/>
+    </dgm:scene3d>
+    <dgm:sp3d/>
+    <dgm:txPr/>
+    <dgm:style>
+      <a:lnRef idx="2">
+        <a:scrgbClr r="0" g="0" b="0"/>
+      </a:lnRef>
+      <a:fillRef idx="1">
+        <a:scrgbClr r="0" g="0" b="0"/>
+      </a:fillRef>
+      <a:effectRef idx="0">
+        <a:scrgbClr r="0" g="0" b="0"/>
+      </a:effectRef>
+      <a:fontRef idx="minor"/>
+    </dgm:style>
+  </dgm:styleLbl>
+  <dgm:styleLbl name="fgAcc0">
+    <dgm:scene3d>
+      <a:camera prst="orthographicFront"/>
+      <a:lightRig rig="threePt" dir="t"/>
+    </dgm:scene3d>
+    <dgm:sp3d/>
+    <dgm:txPr/>
+    <dgm:style>
+      <a:lnRef idx="2">
+        <a:scrgbClr r="0" g="0" b="0"/>
+      </a:lnRef>
+      <a:fillRef idx="1">
+        <a:scrgbClr r="0" g="0" b="0"/>
+      </a:fillRef>
+      <a:effectRef idx="0">
+        <a:scrgbClr r="0" g="0" b="0"/>
+      </a:effectRef>
+      <a:fontRef idx="minor"/>
+    </dgm:style>
+  </dgm:styleLbl>
+  <dgm:styleLbl name="fgAcc2">
+    <dgm:scene3d>
+      <a:camera prst="orthographicFront"/>
+      <a:lightRig rig="threePt" dir="t"/>
+    </dgm:scene3d>
+    <dgm:sp3d/>
+    <dgm:txPr/>
+    <dgm:style>
+      <a:lnRef idx="2">
+        <a:scrgbClr r="0" g="0" b="0"/>
+      </a:lnRef>
+      <a:fillRef idx="1">
+        <a:scrgbClr r="0" g="0" b="0"/>
+      </a:fillRef>
+      <a:effectRef idx="0">
+        <a:scrgbClr r="0" g="0" b="0"/>
+      </a:effectRef>
+      <a:fontRef idx="minor"/>
+    </dgm:style>
+  </dgm:styleLbl>
+  <dgm:styleLbl name="fgAcc3">
+    <dgm:scene3d>
+      <a:camera prst="orthographicFront"/>
+      <a:lightRig rig="threePt" dir="t"/>
+    </dgm:scene3d>
+    <dgm:sp3d/>
+    <dgm:txPr/>
+    <dgm:style>
+      <a:lnRef idx="2">
+        <a:scrgbClr r="0" g="0" b="0"/>
+      </a:lnRef>
+      <a:fillRef idx="1">
+        <a:scrgbClr r="0" g="0" b="0"/>
+      </a:fillRef>
+      <a:effectRef idx="0">
+        <a:scrgbClr r="0" g="0" b="0"/>
+      </a:effectRef>
+      <a:fontRef idx="minor"/>
+    </dgm:style>
+  </dgm:styleLbl>
+  <dgm:styleLbl name="fgAcc4">
+    <dgm:scene3d>
+      <a:camera prst="orthographicFront"/>
+      <a:lightRig rig="threePt" dir="t"/>
+    </dgm:scene3d>
+    <dgm:sp3d/>
+    <dgm:txPr/>
+    <dgm:style>
+      <a:lnRef idx="2">
+        <a:scrgbClr r="0" g="0" b="0"/>
+      </a:lnRef>
+      <a:fillRef idx="1">
+        <a:scrgbClr r="0" g="0" b="0"/>
+      </a:fillRef>
+      <a:effectRef idx="0">
+        <a:scrgbClr r="0" g="0" b="0"/>
+      </a:effectRef>
+      <a:fontRef idx="minor"/>
+    </dgm:style>
+  </dgm:styleLbl>
+  <dgm:styleLbl name="bgShp">
+    <dgm:scene3d>
+      <a:camera prst="orthographicFront"/>
+      <a:lightRig rig="threePt" dir="t"/>
+    </dgm:scene3d>
+    <dgm:sp3d/>
+    <dgm:txPr/>
+    <dgm:style>
+      <a:lnRef idx="0">
+        <a:scrgbClr r="0" g="0" b="0"/>
+      </a:lnRef>
+      <a:fillRef idx="1">
+        <a:scrgbClr r="0" g="0" b="0"/>
+      </a:fillRef>
+      <a:effectRef idx="0">
+        <a:scrgbClr r="0" g="0" b="0"/>
+      </a:effectRef>
+      <a:fontRef idx="minor"/>
+    </dgm:style>
+  </dgm:styleLbl>
+  <dgm:styleLbl name="dkBgShp">
+    <dgm:scene3d>
+      <a:camera prst="orthographicFront"/>
+      <a:lightRig rig="threePt" dir="t"/>
+    </dgm:scene3d>
+    <dgm:sp3d/>
+    <dgm:txPr/>
+    <dgm:style>
+      <a:lnRef idx="0">
+        <a:scrgbClr r="0" g="0" b="0"/>
+      </a:lnRef>
+      <a:fillRef idx="1">
+        <a:scrgbClr r="0" g="0" b="0"/>
+      </a:fillRef>
+      <a:effectRef idx="0">
+        <a:scrgbClr r="0" g="0" b="0"/>
+      </a:effectRef>
+      <a:fontRef idx="minor"/>
+    </dgm:style>
+  </dgm:styleLbl>
+  <dgm:styleLbl name="trBgShp">
+    <dgm:scene3d>
+      <a:camera prst="orthographicFront"/>
+      <a:lightRig rig="threePt" dir="t"/>
+    </dgm:scene3d>
+    <dgm:sp3d/>
+    <dgm:txPr/>
+    <dgm:style>
+      <a:lnRef idx="0">
+        <a:scrgbClr r="0" g="0" b="0"/>
+      </a:lnRef>
+      <a:fillRef idx="1">
+        <a:scrgbClr r="0" g="0" b="0"/>
+      </a:fillRef>
+      <a:effectRef idx="0">
+        <a:scrgbClr r="0" g="0" b="0"/>
+      </a:effectRef>
+      <a:fontRef idx="minor"/>
+    </dgm:style>
+  </dgm:styleLbl>
+  <dgm:styleLbl name="fgShp">
+    <dgm:scene3d>
+      <a:camera prst="orthographicFront"/>
+      <a:lightRig rig="threePt" dir="t"/>
+    </dgm:scene3d>
+    <dgm:sp3d/>
+    <dgm:txPr/>
+    <dgm:style>
+      <a:lnRef idx="2">
+        <a:scrgbClr r="0" g="0" b="0"/>
+      </a:lnRef>
+      <a:fillRef idx="1">
+        <a:scrgbClr r="0" g="0" b="0"/>
+      </a:fillRef>
+      <a:effectRef idx="0">
+        <a:scrgbClr r="0" g="0" b="0"/>
+      </a:effectRef>
+      <a:fontRef idx="minor"/>
+    </dgm:style>
+  </dgm:styleLbl>
+  <dgm:styleLbl name="revTx">
+    <dgm:scene3d>
+      <a:camera prst="orthographicFront"/>
+      <a:lightRig rig="threePt" dir="t"/>
+    </dgm:scene3d>
+    <dgm:sp3d/>
+    <dgm:txPr/>
+    <dgm:style>
+      <a:lnRef idx="0">
+        <a:scrgbClr r="0" g="0" b="0"/>
+      </a:lnRef>
+      <a:fillRef idx="0">
+        <a:scrgbClr r="0" g="0" b="0"/>
+      </a:fillRef>
+      <a:effectRef idx="0">
+        <a:scrgbClr r="0" g="0" b="0"/>
+      </a:effectRef>
+      <a:fontRef idx="minor"/>
+    </dgm:style>
+  </dgm:styleLbl>
+</dgm:styleDef>
+</file>
+
+<file path=ppt/diagrams/quickStyle3.xml><?xml version="1.0" encoding="utf-8"?>
+<dgm:styleDef xmlns:dgm="http://schemas.openxmlformats.org/drawingml/2006/diagram" xmlns:a="http://schemas.openxmlformats.org/drawingml/2006/main" uniqueId="urn:microsoft.com/office/officeart/2005/8/quickstyle/simple1">
+  <dgm:title val=""/>
+  <dgm:desc val=""/>
+  <dgm:catLst>
+    <dgm:cat type="simple" pri="10100"/>
+  </dgm:catLst>
+  <dgm:scene3d>
+    <a:camera prst="orthographicFront"/>
+    <a:lightRig rig="threePt" dir="t"/>
+  </dgm:scene3d>
+  <dgm:styleLbl name="node0">
+    <dgm:scene3d>
+      <a:camera prst="orthographicFront"/>
+      <a:lightRig rig="threePt" dir="t"/>
+    </dgm:scene3d>
+    <dgm:sp3d/>
+    <dgm:txPr/>
+    <dgm:style>
+      <a:lnRef idx="2">
+        <a:scrgbClr r="0" g="0" b="0"/>
+      </a:lnRef>
+      <a:fillRef idx="1">
+        <a:scrgbClr r="0" g="0" b="0"/>
+      </a:fillRef>
+      <a:effectRef idx="0">
+        <a:scrgbClr r="0" g="0" b="0"/>
+      </a:effectRef>
+      <a:fontRef idx="minor">
+        <a:schemeClr val="lt1"/>
+      </a:fontRef>
+    </dgm:style>
+  </dgm:styleLbl>
+  <dgm:styleLbl name="lnNode1">
+    <dgm:scene3d>
+      <a:camera prst="orthographicFront"/>
+      <a:lightRig rig="threePt" dir="t"/>
+    </dgm:scene3d>
+    <dgm:sp3d/>
+    <dgm:txPr/>
+    <dgm:style>
+      <a:lnRef idx="2">
+        <a:scrgbClr r="0" g="0" b="0"/>
+      </a:lnRef>
+      <a:fillRef idx="1">
+        <a:scrgbClr r="0" g="0" b="0"/>
+      </a:fillRef>
+      <a:effectRef idx="0">
+        <a:scrgbClr r="0" g="0" b="0"/>
+      </a:effectRef>
+      <a:fontRef idx="minor">
+        <a:schemeClr val="lt1"/>
+      </a:fontRef>
+    </dgm:style>
+  </dgm:styleLbl>
+  <dgm:styleLbl name="vennNode1">
+    <dgm:scene3d>
+      <a:camera prst="orthographicFront"/>
+      <a:lightRig rig="threePt" dir="t"/>
+    </dgm:scene3d>
+    <dgm:sp3d/>
+    <dgm:txPr/>
+    <dgm:style>
+      <a:lnRef idx="2">
+        <a:scrgbClr r="0" g="0" b="0"/>
+      </a:lnRef>
+      <a:fillRef idx="1">
+        <a:scrgbClr r="0" g="0" b="0"/>
+      </a:fillRef>
+      <a:effectRef idx="0">
+        <a:scrgbClr r="0" g="0" b="0"/>
+      </a:effectRef>
+      <a:fontRef idx="minor">
+        <a:schemeClr val="tx1"/>
+      </a:fontRef>
+    </dgm:style>
+  </dgm:styleLbl>
+  <dgm:styleLbl name="alignNode1">
+    <dgm:scene3d>
+      <a:camera prst="orthographicFront"/>
+      <a:lightRig rig="threePt" dir="t"/>
+    </dgm:scene3d>
+    <dgm:sp3d/>
+    <dgm:txPr/>
+    <dgm:style>
+      <a:lnRef idx="2">
+        <a:scrgbClr r="0" g="0" b="0"/>
+      </a:lnRef>
+      <a:fillRef idx="1">
+        <a:scrgbClr r="0" g="0" b="0"/>
+      </a:fillRef>
+      <a:effectRef idx="0">
+        <a:scrgbClr r="0" g="0" b="0"/>
+      </a:effectRef>
+      <a:fontRef idx="minor">
+        <a:schemeClr val="lt1"/>
+      </a:fontRef>
+    </dgm:style>
+  </dgm:styleLbl>
+  <dgm:styleLbl name="node1">
+    <dgm:scene3d>
+      <a:camera prst="orthographicFront"/>
+      <a:lightRig rig="threePt" dir="t"/>
+    </dgm:scene3d>
+    <dgm:sp3d/>
+    <dgm:txPr/>
+    <dgm:style>
+      <a:lnRef idx="2">
+        <a:scrgbClr r="0" g="0" b="0"/>
+      </a:lnRef>
+      <a:fillRef idx="1">
+        <a:scrgbClr r="0" g="0" b="0"/>
+      </a:fillRef>
+      <a:effectRef idx="0">
+        <a:scrgbClr r="0" g="0" b="0"/>
+      </a:effectRef>
+      <a:fontRef idx="minor">
+        <a:schemeClr val="lt1"/>
+      </a:fontRef>
+    </dgm:style>
+  </dgm:styleLbl>
+  <dgm:styleLbl name="node2">
+    <dgm:scene3d>
+      <a:camera prst="orthographicFront"/>
+      <a:lightRig rig="threePt" dir="t"/>
+    </dgm:scene3d>
+    <dgm:sp3d/>
+    <dgm:txPr/>
+    <dgm:style>
+      <a:lnRef idx="2">
+        <a:scrgbClr r="0" g="0" b="0"/>
+      </a:lnRef>
+      <a:fillRef idx="1">
+        <a:scrgbClr r="0" g="0" b="0"/>
+      </a:fillRef>
+      <a:effectRef idx="0">
+        <a:scrgbClr r="0" g="0" b="0"/>
+      </a:effectRef>
+      <a:fontRef idx="minor">
+        <a:schemeClr val="lt1"/>
+      </a:fontRef>
+    </dgm:style>
+  </dgm:styleLbl>
+  <dgm:styleLbl name="node3">
+    <dgm:scene3d>
+      <a:camera prst="orthographicFront"/>
+      <a:lightRig rig="threePt" dir="t"/>
+    </dgm:scene3d>
+    <dgm:sp3d/>
+    <dgm:txPr/>
+    <dgm:style>
+      <a:lnRef idx="2">
+        <a:scrgbClr r="0" g="0" b="0"/>
+      </a:lnRef>
+      <a:fillRef idx="1">
+        <a:scrgbClr r="0" g="0" b="0"/>
+      </a:fillRef>
+      <a:effectRef idx="0">
+        <a:scrgbClr r="0" g="0" b="0"/>
+      </a:effectRef>
+      <a:fontRef idx="minor">
+        <a:schemeClr val="lt1"/>
+      </a:fontRef>
+    </dgm:style>
+  </dgm:styleLbl>
+  <dgm:styleLbl name="node4">
+    <dgm:scene3d>
+      <a:camera prst="orthographicFront"/>
+      <a:lightRig rig="threePt" dir="t"/>
+    </dgm:scene3d>
+    <dgm:sp3d/>
+    <dgm:txPr/>
+    <dgm:style>
+      <a:lnRef idx="2">
+        <a:scrgbClr r="0" g="0" b="0"/>
+      </a:lnRef>
+      <a:fillRef idx="1">
+        <a:scrgbClr r="0" g="0" b="0"/>
+      </a:fillRef>
+      <a:effectRef idx="0">
+        <a:scrgbClr r="0" g="0" b="0"/>
+      </a:effectRef>
+      <a:fontRef idx="minor">
+        <a:schemeClr val="lt1"/>
+      </a:fontRef>
+    </dgm:style>
+  </dgm:styleLbl>
+  <dgm:styleLbl name="fgImgPlace1">
+    <dgm:scene3d>
+      <a:camera prst="orthographicFront"/>
+      <a:lightRig rig="threePt" dir="t"/>
+    </dgm:scene3d>
+    <dgm:sp3d/>
+    <dgm:txPr/>
+    <dgm:style>
+      <a:lnRef idx="2">
+        <a:scrgbClr r="0" g="0" b="0"/>
+      </a:lnRef>
+      <a:fillRef idx="1">
+        <a:scrgbClr r="0" g="0" b="0"/>
+      </a:fillRef>
+      <a:effectRef idx="0">
+        <a:scrgbClr r="0" g="0" b="0"/>
+      </a:effectRef>
+      <a:fontRef idx="minor"/>
+    </dgm:style>
+  </dgm:styleLbl>
+  <dgm:styleLbl name="alignImgPlace1">
+    <dgm:scene3d>
+      <a:camera prst="orthographicFront"/>
+      <a:lightRig rig="threePt" dir="t"/>
+    </dgm:scene3d>
+    <dgm:sp3d/>
+    <dgm:txPr/>
+    <dgm:style>
+      <a:lnRef idx="2">
+        <a:scrgbClr r="0" g="0" b="0"/>
+      </a:lnRef>
+      <a:fillRef idx="1">
+        <a:scrgbClr r="0" g="0" b="0"/>
+      </a:fillRef>
+      <a:effectRef idx="0">
+        <a:scrgbClr r="0" g="0" b="0"/>
+      </a:effectRef>
+      <a:fontRef idx="minor"/>
+    </dgm:style>
+  </dgm:styleLbl>
+  <dgm:styleLbl name="bgImgPlace1">
+    <dgm:scene3d>
+      <a:camera prst="orthographicFront"/>
+      <a:lightRig rig="threePt" dir="t"/>
+    </dgm:scene3d>
+    <dgm:sp3d/>
+    <dgm:txPr/>
+    <dgm:style>
+      <a:lnRef idx="2">
+        <a:scrgbClr r="0" g="0" b="0"/>
+      </a:lnRef>
+      <a:fillRef idx="1">
+        <a:scrgbClr r="0" g="0" b="0"/>
+      </a:fillRef>
+      <a:effectRef idx="0">
+        <a:scrgbClr r="0" g="0" b="0"/>
+      </a:effectRef>
+      <a:fontRef idx="minor"/>
+    </dgm:style>
+  </dgm:styleLbl>
+  <dgm:styleLbl name="sibTrans2D1">
+    <dgm:scene3d>
+      <a:camera prst="orthographicFront"/>
+      <a:lightRig rig="threePt" dir="t"/>
+    </dgm:scene3d>
+    <dgm:sp3d/>
+    <dgm:txPr/>
+    <dgm:style>
+      <a:lnRef idx="0">
+        <a:scrgbClr r="0" g="0" b="0"/>
+      </a:lnRef>
+      <a:fillRef idx="1">
+        <a:scrgbClr r="0" g="0" b="0"/>
+      </a:fillRef>
+      <a:effectRef idx="0">
+        <a:scrgbClr r="0" g="0" b="0"/>
+      </a:effectRef>
+      <a:fontRef idx="minor">
+        <a:schemeClr val="lt1"/>
+      </a:fontRef>
+    </dgm:style>
+  </dgm:styleLbl>
+  <dgm:styleLbl name="fgSibTrans2D1">
+    <dgm:scene3d>
+      <a:camera prst="orthographicFront"/>
+      <a:lightRig rig="threePt" dir="t"/>
+    </dgm:scene3d>
+    <dgm:sp3d/>
+    <dgm:txPr/>
+    <dgm:style>
+      <a:lnRef idx="0">
+        <a:scrgbClr r="0" g="0" b="0"/>
+      </a:lnRef>
+      <a:fillRef idx="1">
+        <a:scrgbClr r="0" g="0" b="0"/>
+      </a:fillRef>
+      <a:effectRef idx="0">
+        <a:scrgbClr r="0" g="0" b="0"/>
+      </a:effectRef>
+      <a:fontRef idx="minor">
+        <a:schemeClr val="lt1"/>
+      </a:fontRef>
+    </dgm:style>
+  </dgm:styleLbl>
+  <dgm:styleLbl name="bgSibTrans2D1">
+    <dgm:scene3d>
+      <a:camera prst="orthographicFront"/>
+      <a:lightRig rig="threePt" dir="t"/>
+    </dgm:scene3d>
+    <dgm:sp3d/>
+    <dgm:txPr/>
+    <dgm:style>
+      <a:lnRef idx="0">
+        <a:scrgbClr r="0" g="0" b="0"/>
+      </a:lnRef>
+      <a:fillRef idx="1">
+        <a:scrgbClr r="0" g="0" b="0"/>
+      </a:fillRef>
+      <a:effectRef idx="0">
+        <a:scrgbClr r="0" g="0" b="0"/>
+      </a:effectRef>
+      <a:fontRef idx="minor">
+        <a:schemeClr val="lt1"/>
+      </a:fontRef>
+    </dgm:style>
+  </dgm:styleLbl>
+  <dgm:styleLbl name="sibTrans1D1">
+    <dgm:scene3d>
+      <a:camera prst="orthographicFront"/>
+      <a:lightRig rig="threePt" dir="t"/>
+    </dgm:scene3d>
+    <dgm:sp3d/>
+    <dgm:txPr/>
+    <dgm:style>
+      <a:lnRef idx="1">
+        <a:scrgbClr r="0" g="0" b="0"/>
+      </a:lnRef>
+      <a:fillRef idx="0">
+        <a:scrgbClr r="0" g="0" b="0"/>
+      </a:fillRef>
+      <a:effectRef idx="0">
+        <a:scrgbClr r="0" g="0" b="0"/>
+      </a:effectRef>
+      <a:fontRef idx="minor"/>
+    </dgm:style>
+  </dgm:styleLbl>
+  <dgm:styleLbl name="callout">
+    <dgm:scene3d>
+      <a:camera prst="orthographicFront"/>
+      <a:lightRig rig="threePt" dir="t"/>
+    </dgm:scene3d>
+    <dgm:sp3d/>
+    <dgm:txPr/>
+    <dgm:style>
+      <a:lnRef idx="2">
+        <a:scrgbClr r="0" g="0" b="0"/>
+      </a:lnRef>
+      <a:fillRef idx="1">
+        <a:scrgbClr r="0" g="0" b="0"/>
+      </a:fillRef>
+      <a:effectRef idx="0">
+        <a:scrgbClr r="0" g="0" b="0"/>
+      </a:effectRef>
+      <a:fontRef idx="minor"/>
+    </dgm:style>
+  </dgm:styleLbl>
+  <dgm:styleLbl name="asst0">
+    <dgm:scene3d>
+      <a:camera prst="orthographicFront"/>
+      <a:lightRig rig="threePt" dir="t"/>
+    </dgm:scene3d>
+    <dgm:sp3d/>
+    <dgm:txPr/>
+    <dgm:style>
+      <a:lnRef idx="2">
+        <a:scrgbClr r="0" g="0" b="0"/>
+      </a:lnRef>
+      <a:fillRef idx="1">
+        <a:scrgbClr r="0" g="0" b="0"/>
+      </a:fillRef>
+      <a:effectRef idx="0">
+        <a:scrgbClr r="0" g="0" b="0"/>
+      </a:effectRef>
+      <a:fontRef idx="minor">
+        <a:schemeClr val="lt1"/>
+      </a:fontRef>
+    </dgm:style>
+  </dgm:styleLbl>
+  <dgm:styleLbl name="asst1">
+    <dgm:scene3d>
+      <a:camera prst="orthographicFront"/>
+      <a:lightRig rig="threePt" dir="t"/>
+    </dgm:scene3d>
+    <dgm:sp3d/>
+    <dgm:txPr/>
+    <dgm:style>
+      <a:lnRef idx="2">
+        <a:scrgbClr r="0" g="0" b="0"/>
+      </a:lnRef>
+      <a:fillRef idx="1">
+        <a:scrgbClr r="0" g="0" b="0"/>
+      </a:fillRef>
+      <a:effectRef idx="0">
+        <a:scrgbClr r="0" g="0" b="0"/>
+      </a:effectRef>
+      <a:fontRef idx="minor">
+        <a:schemeClr val="lt1"/>
+      </a:fontRef>
+    </dgm:style>
+  </dgm:styleLbl>
+  <dgm:styleLbl name="asst2">
+    <dgm:scene3d>
+      <a:camera prst="orthographicFront"/>
+      <a:lightRig rig="threePt" dir="t"/>
+    </dgm:scene3d>
+    <dgm:sp3d/>
+    <dgm:txPr/>
+    <dgm:style>
+      <a:lnRef idx="2">
+        <a:scrgbClr r="0" g="0" b="0"/>
+      </a:lnRef>
+      <a:fillRef idx="1">
+        <a:scrgbClr r="0" g="0" b="0"/>
+      </a:fillRef>
+      <a:effectRef idx="0">
+        <a:scrgbClr r="0" g="0" b="0"/>
+      </a:effectRef>
+      <a:fontRef idx="minor">
+        <a:schemeClr val="lt1"/>
+      </a:fontRef>
+    </dgm:style>
+  </dgm:styleLbl>
+  <dgm:styleLbl name="asst3">
+    <dgm:scene3d>
+      <a:camera prst="orthographicFront"/>
+      <a:lightRig rig="threePt" dir="t"/>
+    </dgm:scene3d>
+    <dgm:sp3d/>
+    <dgm:txPr/>
+    <dgm:style>
+      <a:lnRef idx="2">
+        <a:scrgbClr r="0" g="0" b="0"/>
+      </a:lnRef>
+      <a:fillRef idx="1">
+        <a:scrgbClr r="0" g="0" b="0"/>
+      </a:fillRef>
+      <a:effectRef idx="0">
+        <a:scrgbClr r="0" g="0" b="0"/>
+      </a:effectRef>
+      <a:fontRef idx="minor">
+        <a:schemeClr val="lt1"/>
+      </a:fontRef>
+    </dgm:style>
+  </dgm:styleLbl>
+  <dgm:styleLbl name="asst4">
+    <dgm:scene3d>
+      <a:camera prst="orthographicFront"/>
+      <a:lightRig rig="threePt" dir="t"/>
+    </dgm:scene3d>
+    <dgm:sp3d/>
+    <dgm:txPr/>
+    <dgm:style>
+      <a:lnRef idx="2">
+        <a:scrgbClr r="0" g="0" b="0"/>
+      </a:lnRef>
+      <a:fillRef idx="1">
+        <a:scrgbClr r="0" g="0" b="0"/>
+      </a:fillRef>
+      <a:effectRef idx="0">
+        <a:scrgbClr r="0" g="0" b="0"/>
+      </a:effectRef>
+      <a:fontRef idx="minor">
+        <a:schemeClr val="lt1"/>
+      </a:fontRef>
+    </dgm:style>
+  </dgm:styleLbl>
+  <dgm:styleLbl name="parChTrans2D1">
+    <dgm:scene3d>
+      <a:camera prst="orthographicFront"/>
+      <a:lightRig rig="threePt" dir="t"/>
+    </dgm:scene3d>
+    <dgm:sp3d/>
+    <dgm:txPr/>
+    <dgm:style>
+      <a:lnRef idx="2">
+        <a:scrgbClr r="0" g="0" b="0"/>
+      </a:lnRef>
+      <a:fillRef idx="1">
+        <a:scrgbClr r="0" g="0" b="0"/>
+      </a:fillRef>
+      <a:effectRef idx="0">
+        <a:scrgbClr r="0" g="0" b="0"/>
+      </a:effectRef>
+      <a:fontRef idx="minor">
+        <a:schemeClr val="lt1"/>
+      </a:fontRef>
+    </dgm:style>
+  </dgm:styleLbl>
+  <dgm:styleLbl name="parChTrans2D2">
+    <dgm:scene3d>
+      <a:camera prst="orthographicFront"/>
+      <a:lightRig rig="threePt" dir="t"/>
+    </dgm:scene3d>
+    <dgm:sp3d/>
+    <dgm:txPr/>
+    <dgm:style>
+      <a:lnRef idx="2">
+        <a:scrgbClr r="0" g="0" b="0"/>
+      </a:lnRef>
+      <a:fillRef idx="1">
+        <a:scrgbClr r="0" g="0" b="0"/>
+      </a:fillRef>
+      <a:effectRef idx="0">
+        <a:scrgbClr r="0" g="0" b="0"/>
+      </a:effectRef>
+      <a:fontRef idx="minor">
+        <a:schemeClr val="lt1"/>
+      </a:fontRef>
+    </dgm:style>
+  </dgm:styleLbl>
+  <dgm:styleLbl name="parChTrans2D3">
+    <dgm:scene3d>
+      <a:camera prst="orthographicFront"/>
+      <a:lightRig rig="threePt" dir="t"/>
+    </dgm:scene3d>
+    <dgm:sp3d/>
+    <dgm:txPr/>
+    <dgm:style>
+      <a:lnRef idx="2">
+        <a:scrgbClr r="0" g="0" b="0"/>
+      </a:lnRef>
+      <a:fillRef idx="1">
+        <a:scrgbClr r="0" g="0" b="0"/>
+      </a:fillRef>
+      <a:effectRef idx="0">
+        <a:scrgbClr r="0" g="0" b="0"/>
+      </a:effectRef>
+      <a:fontRef idx="minor">
+        <a:schemeClr val="lt1"/>
+      </a:fontRef>
+    </dgm:style>
+  </dgm:styleLbl>
+  <dgm:styleLbl name="parChTrans2D4">
+    <dgm:scene3d>
+      <a:camera prst="orthographicFront"/>
+      <a:lightRig rig="threePt" dir="t"/>
+    </dgm:scene3d>
+    <dgm:sp3d/>
+    <dgm:txPr/>
+    <dgm:style>
+      <a:lnRef idx="2">
+        <a:scrgbClr r="0" g="0" b="0"/>
+      </a:lnRef>
+      <a:fillRef idx="1">
+        <a:scrgbClr r="0" g="0" b="0"/>
+      </a:fillRef>
+      <a:effectRef idx="0">
+        <a:scrgbClr r="0" g="0" b="0"/>
+      </a:effectRef>
+      <a:fontRef idx="minor">
+        <a:schemeClr val="lt1"/>
+      </a:fontRef>
+    </dgm:style>
+  </dgm:styleLbl>
+  <dgm:styleLbl name="parChTrans1D1">
+    <dgm:scene3d>
+      <a:camera prst="orthographicFront"/>
+      <a:lightRig rig="threePt" dir="t"/>
+    </dgm:scene3d>
+    <dgm:sp3d/>
+    <dgm:txPr/>
+    <dgm:style>
+      <a:lnRef idx="2">
+        <a:scrgbClr r="0" g="0" b="0"/>
+      </a:lnRef>
+      <a:fillRef idx="0">
+        <a:scrgbClr r="0" g="0" b="0"/>
+      </a:fillRef>
+      <a:effectRef idx="0">
+        <a:scrgbClr r="0" g="0" b="0"/>
+      </a:effectRef>
+      <a:fontRef idx="minor"/>
+    </dgm:style>
+  </dgm:styleLbl>
+  <dgm:styleLbl name="parChTrans1D2">
+    <dgm:scene3d>
+      <a:camera prst="orthographicFront"/>
+      <a:lightRig rig="threePt" dir="t"/>
+    </dgm:scene3d>
+    <dgm:sp3d/>
+    <dgm:txPr/>
+    <dgm:style>
+      <a:lnRef idx="2">
+        <a:scrgbClr r="0" g="0" b="0"/>
+      </a:lnRef>
+      <a:fillRef idx="0">
+        <a:scrgbClr r="0" g="0" b="0"/>
+      </a:fillRef>
+      <a:effectRef idx="0">
+        <a:scrgbClr r="0" g="0" b="0"/>
+      </a:effectRef>
+      <a:fontRef idx="minor"/>
+    </dgm:style>
+  </dgm:styleLbl>
+  <dgm:styleLbl name="parChTrans1D3">
+    <dgm:scene3d>
+      <a:camera prst="orthographicFront"/>
+      <a:lightRig rig="threePt" dir="t"/>
+    </dgm:scene3d>
+    <dgm:sp3d/>
+    <dgm:txPr/>
+    <dgm:style>
+      <a:lnRef idx="2">
+        <a:scrgbClr r="0" g="0" b="0"/>
+      </a:lnRef>
+      <a:fillRef idx="0">
+        <a:scrgbClr r="0" g="0" b="0"/>
+      </a:fillRef>
+      <a:effectRef idx="0">
+        <a:scrgbClr r="0" g="0" b="0"/>
+      </a:effectRef>
+      <a:fontRef idx="minor"/>
+    </dgm:style>
+  </dgm:styleLbl>
+  <dgm:styleLbl name="parChTrans1D4">
+    <dgm:scene3d>
+      <a:camera prst="orthographicFront"/>
+      <a:lightRig rig="threePt" dir="t"/>
+    </dgm:scene3d>
+    <dgm:sp3d/>
+    <dgm:txPr/>
+    <dgm:style>
+      <a:lnRef idx="2">
+        <a:scrgbClr r="0" g="0" b="0"/>
+      </a:lnRef>
+      <a:fillRef idx="0">
+        <a:scrgbClr r="0" g="0" b="0"/>
+      </a:fillRef>
+      <a:effectRef idx="0">
+        <a:scrgbClr r="0" g="0" b="0"/>
+      </a:effectRef>
+      <a:fontRef idx="minor"/>
+    </dgm:style>
+  </dgm:styleLbl>
+  <dgm:styleLbl name="fgAcc1">
+    <dgm:scene3d>
+      <a:camera prst="orthographicFront"/>
+      <a:lightRig rig="threePt" dir="t"/>
+    </dgm:scene3d>
+    <dgm:sp3d/>
+    <dgm:txPr/>
+    <dgm:style>
+      <a:lnRef idx="2">
+        <a:scrgbClr r="0" g="0" b="0"/>
+      </a:lnRef>
+      <a:fillRef idx="1">
+        <a:scrgbClr r="0" g="0" b="0"/>
+      </a:fillRef>
+      <a:effectRef idx="0">
+        <a:scrgbClr r="0" g="0" b="0"/>
+      </a:effectRef>
+      <a:fontRef idx="minor"/>
+    </dgm:style>
+  </dgm:styleLbl>
+  <dgm:styleLbl name="conFgAcc1">
+    <dgm:scene3d>
+      <a:camera prst="orthographicFront"/>
+      <a:lightRig rig="threePt" dir="t"/>
+    </dgm:scene3d>
+    <dgm:sp3d/>
+    <dgm:txPr/>
+    <dgm:style>
+      <a:lnRef idx="2">
+        <a:scrgbClr r="0" g="0" b="0"/>
+      </a:lnRef>
+      <a:fillRef idx="1">
+        <a:scrgbClr r="0" g="0" b="0"/>
+      </a:fillRef>
+      <a:effectRef idx="0">
+        <a:scrgbClr r="0" g="0" b="0"/>
+      </a:effectRef>
+      <a:fontRef idx="minor"/>
+    </dgm:style>
+  </dgm:styleLbl>
+  <dgm:styleLbl name="alignAcc1">
+    <dgm:scene3d>
+      <a:camera prst="orthographicFront"/>
+      <a:lightRig rig="threePt" dir="t"/>
+    </dgm:scene3d>
+    <dgm:sp3d/>
+    <dgm:txPr/>
+    <dgm:style>
+      <a:lnRef idx="2">
+        <a:scrgbClr r="0" g="0" b="0"/>
+      </a:lnRef>
+      <a:fillRef idx="1">
+        <a:scrgbClr r="0" g="0" b="0"/>
+      </a:fillRef>
+      <a:effectRef idx="0">
+        <a:scrgbClr r="0" g="0" b="0"/>
+      </a:effectRef>
+      <a:fontRef idx="minor"/>
+    </dgm:style>
+  </dgm:styleLbl>
+  <dgm:styleLbl name="trAlignAcc1">
+    <dgm:scene3d>
+      <a:camera prst="orthographicFront"/>
+      <a:lightRig rig="threePt" dir="t"/>
+    </dgm:scene3d>
+    <dgm:sp3d/>
+    <dgm:txPr/>
+    <dgm:style>
+      <a:lnRef idx="1">
+        <a:scrgbClr r="0" g="0" b="0"/>
+      </a:lnRef>
+      <a:fillRef idx="1">
+        <a:scrgbClr r="0" g="0" b="0"/>
+      </a:fillRef>
+      <a:effectRef idx="0">
+        <a:scrgbClr r="0" g="0" b="0"/>
+      </a:effectRef>
+      <a:fontRef idx="minor"/>
+    </dgm:style>
+  </dgm:styleLbl>
+  <dgm:styleLbl name="bgAcc1">
+    <dgm:scene3d>
+      <a:camera prst="orthographicFront"/>
+      <a:lightRig rig="threePt" dir="t"/>
+    </dgm:scene3d>
+    <dgm:sp3d/>
+    <dgm:txPr/>
+    <dgm:style>
+      <a:lnRef idx="2">
+        <a:scrgbClr r="0" g="0" b="0"/>
+      </a:lnRef>
+      <a:fillRef idx="1">
+        <a:scrgbClr r="0" g="0" b="0"/>
+      </a:fillRef>
+      <a:effectRef idx="0">
+        <a:scrgbClr r="0" g="0" b="0"/>
+      </a:effectRef>
+      <a:fontRef idx="minor"/>
+    </dgm:style>
+  </dgm:styleLbl>
+  <dgm:styleLbl name="solidFgAcc1">
+    <dgm:scene3d>
+      <a:camera prst="orthographicFront"/>
+      <a:lightRig rig="threePt" dir="t"/>
+    </dgm:scene3d>
+    <dgm:sp3d/>
+    <dgm:txPr/>
+    <dgm:style>
+      <a:lnRef idx="2">
+        <a:scrgbClr r="0" g="0" b="0"/>
+      </a:lnRef>
+      <a:fillRef idx="1">
+        <a:scrgbClr r="0" g="0" b="0"/>
+      </a:fillRef>
+      <a:effectRef idx="0">
+        <a:scrgbClr r="0" g="0" b="0"/>
+      </a:effectRef>
+      <a:fontRef idx="minor"/>
+    </dgm:style>
+  </dgm:styleLbl>
+  <dgm:styleLbl name="solidAlignAcc1">
+    <dgm:scene3d>
+      <a:camera prst="orthographicFront"/>
+      <a:lightRig rig="threePt" dir="t"/>
+    </dgm:scene3d>
+    <dgm:sp3d/>
+    <dgm:txPr/>
+    <dgm:style>
+      <a:lnRef idx="2">
+        <a:scrgbClr r="0" g="0" b="0"/>
+      </a:lnRef>
+      <a:fillRef idx="1">
+        <a:scrgbClr r="0" g="0" b="0"/>
+      </a:fillRef>
+      <a:effectRef idx="0">
+        <a:scrgbClr r="0" g="0" b="0"/>
+      </a:effectRef>
+      <a:fontRef idx="minor"/>
+    </dgm:style>
+  </dgm:styleLbl>
+  <dgm:styleLbl name="solidBgAcc1">
+    <dgm:scene3d>
+      <a:camera prst="orthographicFront"/>
+      <a:lightRig rig="threePt" dir="t"/>
+    </dgm:scene3d>
+    <dgm:sp3d/>
+    <dgm:txPr/>
+    <dgm:style>
+      <a:lnRef idx="2">
+        <a:scrgbClr r="0" g="0" b="0"/>
+      </a:lnRef>
+      <a:fillRef idx="1">
+        <a:scrgbClr r="0" g="0" b="0"/>
+      </a:fillRef>
+      <a:effectRef idx="0">
+        <a:scrgbClr r="0" g="0" b="0"/>
+      </a:effectRef>
+      <a:fontRef idx="minor"/>
+    </dgm:style>
+  </dgm:styleLbl>
+  <dgm:styleLbl name="fgAccFollowNode1">
+    <dgm:scene3d>
+      <a:camera prst="orthographicFront"/>
+      <a:lightRig rig="threePt" dir="t"/>
+    </dgm:scene3d>
+    <dgm:sp3d/>
+    <dgm:txPr/>
+    <dgm:style>
+      <a:lnRef idx="2">
+        <a:scrgbClr r="0" g="0" b="0"/>
+      </a:lnRef>
+      <a:fillRef idx="1">
+        <a:scrgbClr r="0" g="0" b="0"/>
+      </a:fillRef>
+      <a:effectRef idx="0">
+        <a:scrgbClr r="0" g="0" b="0"/>
+      </a:effectRef>
+      <a:fontRef idx="minor"/>
+    </dgm:style>
+  </dgm:styleLbl>
+  <dgm:styleLbl name="alignAccFollowNode1">
+    <dgm:scene3d>
+      <a:camera prst="orthographicFront"/>
+      <a:lightRig rig="threePt" dir="t"/>
+    </dgm:scene3d>
+    <dgm:sp3d/>
+    <dgm:txPr/>
+    <dgm:style>
+      <a:lnRef idx="2">
+        <a:scrgbClr r="0" g="0" b="0"/>
+      </a:lnRef>
+      <a:fillRef idx="1">
+        <a:scrgbClr r="0" g="0" b="0"/>
+      </a:fillRef>
+      <a:effectRef idx="0">
+        <a:scrgbClr r="0" g="0" b="0"/>
+      </a:effectRef>
+      <a:fontRef idx="minor"/>
+    </dgm:style>
+  </dgm:styleLbl>
+  <dgm:styleLbl name="bgAccFollowNode1">
+    <dgm:scene3d>
+      <a:camera prst="orthographicFront"/>
+      <a:lightRig rig="threePt" dir="t"/>
+    </dgm:scene3d>
+    <dgm:sp3d/>
+    <dgm:txPr/>
+    <dgm:style>
+      <a:lnRef idx="2">
+        <a:scrgbClr r="0" g="0" b="0"/>
+      </a:lnRef>
+      <a:fillRef idx="1">
+        <a:scrgbClr r="0" g="0" b="0"/>
+      </a:fillRef>
+      <a:effectRef idx="0">
+        <a:scrgbClr r="0" g="0" b="0"/>
+      </a:effectRef>
+      <a:fontRef idx="minor"/>
+    </dgm:style>
+  </dgm:styleLbl>
+  <dgm:styleLbl name="fgAcc0">
+    <dgm:scene3d>
+      <a:camera prst="orthographicFront"/>
+      <a:lightRig rig="threePt" dir="t"/>
+    </dgm:scene3d>
+    <dgm:sp3d/>
+    <dgm:txPr/>
+    <dgm:style>
+      <a:lnRef idx="2">
+        <a:scrgbClr r="0" g="0" b="0"/>
+      </a:lnRef>
+      <a:fillRef idx="1">
+        <a:scrgbClr r="0" g="0" b="0"/>
+      </a:fillRef>
+      <a:effectRef idx="0">
+        <a:scrgbClr r="0" g="0" b="0"/>
+      </a:effectRef>
+      <a:fontRef idx="minor"/>
+    </dgm:style>
+  </dgm:styleLbl>
+  <dgm:styleLbl name="fgAcc2">
+    <dgm:scene3d>
+      <a:camera prst="orthographicFront"/>
+      <a:lightRig rig="threePt" dir="t"/>
+    </dgm:scene3d>
+    <dgm:sp3d/>
+    <dgm:txPr/>
+    <dgm:style>
+      <a:lnRef idx="2">
+        <a:scrgbClr r="0" g="0" b="0"/>
+      </a:lnRef>
+      <a:fillRef idx="1">
+        <a:scrgbClr r="0" g="0" b="0"/>
+      </a:fillRef>
+      <a:effectRef idx="0">
+        <a:scrgbClr r="0" g="0" b="0"/>
+      </a:effectRef>
+      <a:fontRef idx="minor"/>
+    </dgm:style>
+  </dgm:styleLbl>
+  <dgm:styleLbl name="fgAcc3">
+    <dgm:scene3d>
+      <a:camera prst="orthographicFront"/>
+      <a:lightRig rig="threePt" dir="t"/>
+    </dgm:scene3d>
+    <dgm:sp3d/>
+    <dgm:txPr/>
+    <dgm:style>
+      <a:lnRef idx="2">
+        <a:scrgbClr r="0" g="0" b="0"/>
+      </a:lnRef>
+      <a:fillRef idx="1">
+        <a:scrgbClr r="0" g="0" b="0"/>
+      </a:fillRef>
+      <a:effectRef idx="0">
+        <a:scrgbClr r="0" g="0" b="0"/>
+      </a:effectRef>
+      <a:fontRef idx="minor"/>
+    </dgm:style>
+  </dgm:styleLbl>
+  <dgm:styleLbl name="fgAcc4">
+    <dgm:scene3d>
+      <a:camera prst="orthographicFront"/>
+      <a:lightRig rig="threePt" dir="t"/>
+    </dgm:scene3d>
+    <dgm:sp3d/>
+    <dgm:txPr/>
+    <dgm:style>
+      <a:lnRef idx="2">
+        <a:scrgbClr r="0" g="0" b="0"/>
+      </a:lnRef>
+      <a:fillRef idx="1">
+        <a:scrgbClr r="0" g="0" b="0"/>
+      </a:fillRef>
+      <a:effectRef idx="0">
+        <a:scrgbClr r="0" g="0" b="0"/>
+      </a:effectRef>
+      <a:fontRef idx="minor"/>
+    </dgm:style>
+  </dgm:styleLbl>
+  <dgm:styleLbl name="bgShp">
+    <dgm:scene3d>
+      <a:camera prst="orthographicFront"/>
+      <a:lightRig rig="threePt" dir="t"/>
+    </dgm:scene3d>
+    <dgm:sp3d/>
+    <dgm:txPr/>
+    <dgm:style>
+      <a:lnRef idx="0">
+        <a:scrgbClr r="0" g="0" b="0"/>
+      </a:lnRef>
+      <a:fillRef idx="1">
+        <a:scrgbClr r="0" g="0" b="0"/>
+      </a:fillRef>
+      <a:effectRef idx="0">
+        <a:scrgbClr r="0" g="0" b="0"/>
+      </a:effectRef>
+      <a:fontRef idx="minor"/>
+    </dgm:style>
+  </dgm:styleLbl>
+  <dgm:styleLbl name="dkBgShp">
+    <dgm:scene3d>
+      <a:camera prst="orthographicFront"/>
+      <a:lightRig rig="threePt" dir="t"/>
+    </dgm:scene3d>
+    <dgm:sp3d/>
+    <dgm:txPr/>
+    <dgm:style>
+      <a:lnRef idx="0">
+        <a:scrgbClr r="0" g="0" b="0"/>
+      </a:lnRef>
+      <a:fillRef idx="1">
+        <a:scrgbClr r="0" g="0" b="0"/>
+      </a:fillRef>
+      <a:effectRef idx="0">
+        <a:scrgbClr r="0" g="0" b="0"/>
+      </a:effectRef>
+      <a:fontRef idx="minor"/>
+    </dgm:style>
+  </dgm:styleLbl>
+  <dgm:styleLbl name="trBgShp">
+    <dgm:scene3d>
+      <a:camera prst="orthographicFront"/>
+      <a:lightRig rig="threePt" dir="t"/>
+    </dgm:scene3d>
+    <dgm:sp3d/>
+    <dgm:txPr/>
+    <dgm:style>
+      <a:lnRef idx="0">
+        <a:scrgbClr r="0" g="0" b="0"/>
+      </a:lnRef>
+      <a:fillRef idx="1">
+        <a:scrgbClr r="0" g="0" b="0"/>
+      </a:fillRef>
+      <a:effectRef idx="0">
+        <a:scrgbClr r="0" g="0" b="0"/>
+      </a:effectRef>
+      <a:fontRef idx="minor"/>
+    </dgm:style>
+  </dgm:styleLbl>
+  <dgm:styleLbl name="fgShp">
+    <dgm:scene3d>
+      <a:camera prst="orthographicFront"/>
+      <a:lightRig rig="threePt" dir="t"/>
+    </dgm:scene3d>
+    <dgm:sp3d/>
+    <dgm:txPr/>
+    <dgm:style>
+      <a:lnRef idx="2">
+        <a:scrgbClr r="0" g="0" b="0"/>
+      </a:lnRef>
+      <a:fillRef idx="1">
+        <a:scrgbClr r="0" g="0" b="0"/>
+      </a:fillRef>
+      <a:effectRef idx="0">
+        <a:scrgbClr r="0" g="0" b="0"/>
+      </a:effectRef>
+      <a:fontRef idx="minor"/>
+    </dgm:style>
+  </dgm:styleLbl>
+  <dgm:styleLbl name="revTx">
+    <dgm:scene3d>
+      <a:camera prst="orthographicFront"/>
+      <a:lightRig rig="threePt" dir="t"/>
+    </dgm:scene3d>
+    <dgm:sp3d/>
+    <dgm:txPr/>
+    <dgm:style>
+      <a:lnRef idx="0">
+        <a:scrgbClr r="0" g="0" b="0"/>
+      </a:lnRef>
+      <a:fillRef idx="0">
+        <a:scrgbClr r="0" g="0" b="0"/>
+      </a:fillRef>
+      <a:effectRef idx="0">
+        <a:scrgbClr r="0" g="0" b="0"/>
+      </a:effectRef>
+      <a:fontRef idx="minor"/>
+    </dgm:style>
+  </dgm:styleLbl>
+</dgm:styleDef>
+</file>
+
+<file path=ppt/diagrams/quickStyle4.xml><?xml version="1.0" encoding="utf-8"?>
 <dgm:styleDef xmlns:dgm="http://schemas.openxmlformats.org/drawingml/2006/diagram" xmlns:a="http://schemas.openxmlformats.org/drawingml/2006/main" uniqueId="urn:microsoft.com/office/officeart/2005/8/quickstyle/simple1">
   <dgm:title val=""/>
   <dgm:desc val=""/>
@@ -8128,7 +13160,7 @@
           <a:p>
             <a:fld id="{F4CCEE5C-0195-48FC-A8EA-C4CF7619EA75}" type="datetimeFigureOut">
               <a:rPr lang="en-US" smtClean="0"/>
-              <a:t>9/2/2012</a:t>
+              <a:t>9/23/2012</a:t>
             </a:fld>
             <a:endParaRPr lang="en-US"/>
           </a:p>
@@ -9233,7 +14265,7 @@
           <a:p>
             <a:fld id="{F4CCEE5C-0195-48FC-A8EA-C4CF7619EA75}" type="datetimeFigureOut">
               <a:rPr lang="en-US" smtClean="0"/>
-              <a:t>9/2/2012</a:t>
+              <a:t>9/23/2012</a:t>
             </a:fld>
             <a:endParaRPr lang="en-US"/>
           </a:p>
@@ -10346,7 +15378,7 @@
           <a:p>
             <a:fld id="{F4CCEE5C-0195-48FC-A8EA-C4CF7619EA75}" type="datetimeFigureOut">
               <a:rPr lang="en-US" smtClean="0"/>
-              <a:t>9/2/2012</a:t>
+              <a:t>9/23/2012</a:t>
             </a:fld>
             <a:endParaRPr lang="en-US"/>
           </a:p>
@@ -11454,7 +16486,7 @@
           <a:p>
             <a:fld id="{F4CCEE5C-0195-48FC-A8EA-C4CF7619EA75}" type="datetimeFigureOut">
               <a:rPr lang="en-US" smtClean="0"/>
-              <a:t>9/2/2012</a:t>
+              <a:t>9/23/2012</a:t>
             </a:fld>
             <a:endParaRPr lang="en-US"/>
           </a:p>
@@ -13047,7 +18079,7 @@
           <a:p>
             <a:fld id="{F4CCEE5C-0195-48FC-A8EA-C4CF7619EA75}" type="datetimeFigureOut">
               <a:rPr lang="en-US" smtClean="0"/>
-              <a:t>9/2/2012</a:t>
+              <a:t>9/23/2012</a:t>
             </a:fld>
             <a:endParaRPr lang="en-US"/>
           </a:p>
@@ -14105,7 +19137,7 @@
           <a:p>
             <a:fld id="{F4CCEE5C-0195-48FC-A8EA-C4CF7619EA75}" type="datetimeFigureOut">
               <a:rPr lang="en-US" smtClean="0"/>
-              <a:t>9/2/2012</a:t>
+              <a:t>9/23/2012</a:t>
             </a:fld>
             <a:endParaRPr lang="en-US"/>
           </a:p>
@@ -15432,7 +20464,7 @@
           <a:p>
             <a:fld id="{F4CCEE5C-0195-48FC-A8EA-C4CF7619EA75}" type="datetimeFigureOut">
               <a:rPr lang="en-US" smtClean="0"/>
-              <a:t>9/2/2012</a:t>
+              <a:t>9/23/2012</a:t>
             </a:fld>
             <a:endParaRPr lang="en-US"/>
           </a:p>
@@ -16569,7 +21601,7 @@
           <a:p>
             <a:fld id="{F4CCEE5C-0195-48FC-A8EA-C4CF7619EA75}" type="datetimeFigureOut">
               <a:rPr lang="en-US" smtClean="0"/>
-              <a:t>9/2/2012</a:t>
+              <a:t>9/23/2012</a:t>
             </a:fld>
             <a:endParaRPr lang="en-US"/>
           </a:p>
@@ -17625,7 +22657,7 @@
           <a:p>
             <a:fld id="{F4CCEE5C-0195-48FC-A8EA-C4CF7619EA75}" type="datetimeFigureOut">
               <a:rPr lang="en-US" smtClean="0"/>
-              <a:t>9/2/2012</a:t>
+              <a:t>9/23/2012</a:t>
             </a:fld>
             <a:endParaRPr lang="en-US"/>
           </a:p>
@@ -18663,7 +23695,7 @@
           <a:p>
             <a:fld id="{F4CCEE5C-0195-48FC-A8EA-C4CF7619EA75}" type="datetimeFigureOut">
               <a:rPr lang="en-US" smtClean="0"/>
-              <a:t>9/2/2012</a:t>
+              <a:t>9/23/2012</a:t>
             </a:fld>
             <a:endParaRPr lang="en-US"/>
           </a:p>
@@ -19898,7 +24930,7 @@
           <a:p>
             <a:fld id="{F4CCEE5C-0195-48FC-A8EA-C4CF7619EA75}" type="datetimeFigureOut">
               <a:rPr lang="en-US" smtClean="0"/>
-              <a:t>9/2/2012</a:t>
+              <a:t>9/23/2012</a:t>
             </a:fld>
             <a:endParaRPr lang="en-US"/>
           </a:p>
@@ -20251,7 +25283,7 @@
           <a:p>
             <a:fld id="{F4CCEE5C-0195-48FC-A8EA-C4CF7619EA75}" type="datetimeFigureOut">
               <a:rPr lang="en-US" smtClean="0"/>
-              <a:t>9/2/2012</a:t>
+              <a:t>9/23/2012</a:t>
             </a:fld>
             <a:endParaRPr lang="en-US"/>
           </a:p>
@@ -20826,6 +25858,192 @@
           <a:lstStyle/>
           <a:p>
             <a:r>
+              <a:rPr lang="en-US" dirty="0" err="1" smtClean="0"/>
+              <a:t>msmq</a:t>
+            </a:r>
+            <a:endParaRPr lang="en-US" dirty="0"/>
+          </a:p>
+        </p:txBody>
+      </p:sp>
+      <p:sp>
+        <p:nvSpPr>
+          <p:cNvPr id="3" name="Content Placeholder 2"/>
+          <p:cNvSpPr>
+            <a:spLocks noGrp="1"/>
+          </p:cNvSpPr>
+          <p:nvPr>
+            <p:ph idx="1"/>
+          </p:nvPr>
+        </p:nvSpPr>
+        <p:spPr/>
+        <p:txBody>
+          <a:bodyPr/>
+          <a:lstStyle/>
+          <a:p>
+            <a:r>
+              <a:rPr lang="en-US" dirty="0"/>
+              <a:t>Let’s look at some code</a:t>
+            </a:r>
+          </a:p>
+          <a:p>
+            <a:r>
+              <a:rPr lang="en-US" dirty="0"/>
+              <a:t>Things to look out for</a:t>
+            </a:r>
+          </a:p>
+          <a:p>
+            <a:pPr lvl="1"/>
+            <a:r>
+              <a:rPr lang="en-US" dirty="0" smtClean="0"/>
+              <a:t>Multiple producers</a:t>
+            </a:r>
+            <a:endParaRPr lang="en-US" dirty="0"/>
+          </a:p>
+          <a:p>
+            <a:pPr lvl="1"/>
+            <a:r>
+              <a:rPr lang="en-US" dirty="0" smtClean="0"/>
+              <a:t>Multiple consumers</a:t>
+            </a:r>
+            <a:endParaRPr lang="en-US" dirty="0"/>
+          </a:p>
+          <a:p>
+            <a:pPr lvl="1"/>
+            <a:endParaRPr lang="en-US" dirty="0"/>
+          </a:p>
+          <a:p>
+            <a:endParaRPr lang="en-US" dirty="0"/>
+          </a:p>
+        </p:txBody>
+      </p:sp>
+    </p:spTree>
+    <p:extLst>
+      <p:ext uri="{BB962C8B-B14F-4D97-AF65-F5344CB8AC3E}">
+        <p14:creationId xmlns:p14="http://schemas.microsoft.com/office/powerpoint/2010/main" val="248315609"/>
+      </p:ext>
+    </p:extLst>
+  </p:cSld>
+  <p:clrMapOvr>
+    <a:masterClrMapping/>
+  </p:clrMapOvr>
+</p:sld>
+</file>
+
+<file path=ppt/slides/slide11.xml><?xml version="1.0" encoding="utf-8"?>
+<p:sld xmlns:a="http://schemas.openxmlformats.org/drawingml/2006/main" xmlns:r="http://schemas.openxmlformats.org/officeDocument/2006/relationships" xmlns:p="http://schemas.openxmlformats.org/presentationml/2006/main">
+  <p:cSld>
+    <p:spTree>
+      <p:nvGrpSpPr>
+        <p:cNvPr id="1" name=""/>
+        <p:cNvGrpSpPr/>
+        <p:nvPr/>
+      </p:nvGrpSpPr>
+      <p:grpSpPr>
+        <a:xfrm>
+          <a:off x="0" y="0"/>
+          <a:ext cx="0" cy="0"/>
+          <a:chOff x="0" y="0"/>
+          <a:chExt cx="0" cy="0"/>
+        </a:xfrm>
+      </p:grpSpPr>
+      <p:sp>
+        <p:nvSpPr>
+          <p:cNvPr id="2" name="Title 1"/>
+          <p:cNvSpPr>
+            <a:spLocks noGrp="1"/>
+          </p:cNvSpPr>
+          <p:nvPr>
+            <p:ph type="title"/>
+          </p:nvPr>
+        </p:nvSpPr>
+        <p:spPr/>
+        <p:txBody>
+          <a:bodyPr/>
+          <a:lstStyle/>
+          <a:p>
+            <a:r>
+              <a:rPr lang="en-US" dirty="0" smtClean="0"/>
+              <a:t>Cloud queues</a:t>
+            </a:r>
+            <a:endParaRPr lang="en-US" dirty="0"/>
+          </a:p>
+        </p:txBody>
+      </p:sp>
+      <p:sp>
+        <p:nvSpPr>
+          <p:cNvPr id="3" name="Content Placeholder 2"/>
+          <p:cNvSpPr>
+            <a:spLocks noGrp="1"/>
+          </p:cNvSpPr>
+          <p:nvPr>
+            <p:ph idx="1"/>
+          </p:nvPr>
+        </p:nvSpPr>
+        <p:spPr/>
+        <p:txBody>
+          <a:bodyPr/>
+          <a:lstStyle/>
+          <a:p>
+            <a:r>
+              <a:rPr lang="en-US" dirty="0" smtClean="0"/>
+              <a:t>Azure Queues</a:t>
+            </a:r>
+          </a:p>
+          <a:p>
+            <a:r>
+              <a:rPr lang="en-US" dirty="0" smtClean="0"/>
+              <a:t>Amazon Simple Queue Service</a:t>
+            </a:r>
+            <a:endParaRPr lang="en-US" dirty="0"/>
+          </a:p>
+        </p:txBody>
+      </p:sp>
+    </p:spTree>
+    <p:extLst>
+      <p:ext uri="{BB962C8B-B14F-4D97-AF65-F5344CB8AC3E}">
+        <p14:creationId xmlns:p14="http://schemas.microsoft.com/office/powerpoint/2010/main" val="141395150"/>
+      </p:ext>
+    </p:extLst>
+  </p:cSld>
+  <p:clrMapOvr>
+    <a:masterClrMapping/>
+  </p:clrMapOvr>
+</p:sld>
+</file>
+
+<file path=ppt/slides/slide12.xml><?xml version="1.0" encoding="utf-8"?>
+<p:sld xmlns:a="http://schemas.openxmlformats.org/drawingml/2006/main" xmlns:r="http://schemas.openxmlformats.org/officeDocument/2006/relationships" xmlns:p="http://schemas.openxmlformats.org/presentationml/2006/main">
+  <p:cSld>
+    <p:spTree>
+      <p:nvGrpSpPr>
+        <p:cNvPr id="1" name=""/>
+        <p:cNvGrpSpPr/>
+        <p:nvPr/>
+      </p:nvGrpSpPr>
+      <p:grpSpPr>
+        <a:xfrm>
+          <a:off x="0" y="0"/>
+          <a:ext cx="0" cy="0"/>
+          <a:chOff x="0" y="0"/>
+          <a:chExt cx="0" cy="0"/>
+        </a:xfrm>
+      </p:grpSpPr>
+      <p:sp>
+        <p:nvSpPr>
+          <p:cNvPr id="2" name="Title 1"/>
+          <p:cNvSpPr>
+            <a:spLocks noGrp="1"/>
+          </p:cNvSpPr>
+          <p:nvPr>
+            <p:ph type="title"/>
+          </p:nvPr>
+        </p:nvSpPr>
+        <p:spPr/>
+        <p:txBody>
+          <a:bodyPr/>
+          <a:lstStyle/>
+          <a:p>
+            <a:r>
               <a:rPr lang="en-US" dirty="0" smtClean="0"/>
               <a:t>Properties of queues</a:t>
             </a:r>
@@ -20871,7 +26089,7 @@
 </p:sld>
 </file>
 
-<file path=ppt/slides/slide11.xml><?xml version="1.0" encoding="utf-8"?>
+<file path=ppt/slides/slide13.xml><?xml version="1.0" encoding="utf-8"?>
 <p:sld xmlns:a="http://schemas.openxmlformats.org/drawingml/2006/main" xmlns:r="http://schemas.openxmlformats.org/officeDocument/2006/relationships" xmlns:p="http://schemas.openxmlformats.org/presentationml/2006/main">
   <p:cSld>
     <p:spTree>
@@ -20953,7 +26171,7 @@
 </p:sld>
 </file>
 
-<file path=ppt/slides/slide12.xml><?xml version="1.0" encoding="utf-8"?>
+<file path=ppt/slides/slide14.xml><?xml version="1.0" encoding="utf-8"?>
 <p:sld xmlns:a="http://schemas.openxmlformats.org/drawingml/2006/main" xmlns:r="http://schemas.openxmlformats.org/officeDocument/2006/relationships" xmlns:p="http://schemas.openxmlformats.org/presentationml/2006/main">
   <p:cSld>
     <p:spTree>
@@ -21041,7 +26259,7 @@
 </p:sld>
 </file>
 
-<file path=ppt/slides/slide13.xml><?xml version="1.0" encoding="utf-8"?>
+<file path=ppt/slides/slide15.xml><?xml version="1.0" encoding="utf-8"?>
 <p:sld xmlns:a="http://schemas.openxmlformats.org/drawingml/2006/main" xmlns:r="http://schemas.openxmlformats.org/officeDocument/2006/relationships" xmlns:p="http://schemas.openxmlformats.org/presentationml/2006/main">
   <p:cSld>
     <p:spTree>
@@ -21106,6 +26324,12 @@
               <a:rPr lang="en-US" dirty="0" smtClean="0"/>
               <a:t>Doesn’t encounter the trashing issues common with web services</a:t>
             </a:r>
+          </a:p>
+          <a:p>
+            <a:r>
+              <a:rPr lang="en-US" dirty="0" smtClean="0"/>
+              <a:t>Not as fast as just calling methods</a:t>
+            </a:r>
             <a:endParaRPr lang="en-US" dirty="0"/>
           </a:p>
         </p:txBody>
@@ -21123,7 +26347,7 @@
 </p:sld>
 </file>
 
-<file path=ppt/slides/slide14.xml><?xml version="1.0" encoding="utf-8"?>
+<file path=ppt/slides/slide16.xml><?xml version="1.0" encoding="utf-8"?>
 <p:sld xmlns:a="http://schemas.openxmlformats.org/drawingml/2006/main" xmlns:r="http://schemas.openxmlformats.org/officeDocument/2006/relationships" xmlns:p="http://schemas.openxmlformats.org/presentationml/2006/main">
   <p:cSld>
     <p:spTree>
@@ -21261,7 +26485,86 @@
 </p:sld>
 </file>
 
-<file path=ppt/slides/slide15.xml><?xml version="1.0" encoding="utf-8"?>
+<file path=ppt/slides/slide17.xml><?xml version="1.0" encoding="utf-8"?>
+<p:sld xmlns:a="http://schemas.openxmlformats.org/drawingml/2006/main" xmlns:r="http://schemas.openxmlformats.org/officeDocument/2006/relationships" xmlns:p="http://schemas.openxmlformats.org/presentationml/2006/main">
+  <p:cSld>
+    <p:spTree>
+      <p:nvGrpSpPr>
+        <p:cNvPr id="1" name=""/>
+        <p:cNvGrpSpPr/>
+        <p:nvPr/>
+      </p:nvGrpSpPr>
+      <p:grpSpPr>
+        <a:xfrm>
+          <a:off x="0" y="0"/>
+          <a:ext cx="0" cy="0"/>
+          <a:chOff x="0" y="0"/>
+          <a:chExt cx="0" cy="0"/>
+        </a:xfrm>
+      </p:grpSpPr>
+      <p:sp>
+        <p:nvSpPr>
+          <p:cNvPr id="2" name="Title 1"/>
+          <p:cNvSpPr>
+            <a:spLocks noGrp="1"/>
+          </p:cNvSpPr>
+          <p:nvPr>
+            <p:ph type="title"/>
+          </p:nvPr>
+        </p:nvSpPr>
+        <p:spPr/>
+        <p:txBody>
+          <a:bodyPr/>
+          <a:lstStyle/>
+          <a:p>
+            <a:r>
+              <a:rPr lang="en-US" dirty="0" smtClean="0"/>
+              <a:t>Different messaging patterns</a:t>
+            </a:r>
+            <a:endParaRPr lang="en-US" dirty="0"/>
+          </a:p>
+        </p:txBody>
+      </p:sp>
+      <p:sp>
+        <p:nvSpPr>
+          <p:cNvPr id="3" name="Content Placeholder 2"/>
+          <p:cNvSpPr>
+            <a:spLocks noGrp="1"/>
+          </p:cNvSpPr>
+          <p:nvPr>
+            <p:ph idx="1"/>
+          </p:nvPr>
+        </p:nvSpPr>
+        <p:spPr/>
+        <p:txBody>
+          <a:bodyPr/>
+          <a:lstStyle/>
+          <a:p>
+            <a:endParaRPr lang="en-US" dirty="0"/>
+          </a:p>
+        </p:txBody>
+      </p:sp>
+    </p:spTree>
+    <p:extLst>
+      <p:ext uri="{BB962C8B-B14F-4D97-AF65-F5344CB8AC3E}">
+        <p14:creationId xmlns:p14="http://schemas.microsoft.com/office/powerpoint/2010/main" val="3774913388"/>
+      </p:ext>
+    </p:extLst>
+  </p:cSld>
+  <p:clrMapOvr>
+    <a:masterClrMapping/>
+  </p:clrMapOvr>
+  <p:timing>
+    <p:tnLst>
+      <p:par>
+        <p:cTn id="1" dur="indefinite" restart="never" nodeType="tmRoot"/>
+      </p:par>
+    </p:tnLst>
+  </p:timing>
+</p:sld>
+</file>
+
+<file path=ppt/slides/slide18.xml><?xml version="1.0" encoding="utf-8"?>
 <p:sld xmlns:a="http://schemas.openxmlformats.org/drawingml/2006/main" xmlns:r="http://schemas.openxmlformats.org/officeDocument/2006/relationships" xmlns:p="http://schemas.openxmlformats.org/presentationml/2006/main">
   <p:cSld>
     <p:spTree>
@@ -21291,13 +26594,13 @@
         <p:spPr/>
         <p:txBody>
           <a:bodyPr>
-            <a:normAutofit fontScale="90000"/>
+            <a:normAutofit/>
           </a:bodyPr>
           <a:lstStyle/>
           <a:p>
             <a:r>
               <a:rPr lang="en-US" dirty="0" smtClean="0"/>
-              <a:t>Building your application with messages</a:t>
+              <a:t>Fire and forget</a:t>
             </a:r>
             <a:endParaRPr lang="en-US" dirty="0"/>
           </a:p>
@@ -21313,7 +26616,356 @@
             <p:ph idx="1"/>
             <p:extLst>
               <p:ext uri="{D42A27DB-BD31-4B8C-83A1-F6EECF244321}">
-                <p14:modId xmlns:p14="http://schemas.microsoft.com/office/powerpoint/2010/main" val="2083382166"/>
+                <p14:modId xmlns:p14="http://schemas.microsoft.com/office/powerpoint/2010/main" val="946382451"/>
+              </p:ext>
+            </p:extLst>
+          </p:nvPr>
+        </p:nvGraphicFramePr>
+        <p:xfrm>
+          <a:off x="914400" y="1579721"/>
+          <a:ext cx="7772400" cy="3733800"/>
+        </p:xfrm>
+        <a:graphic>
+          <a:graphicData uri="http://schemas.openxmlformats.org/drawingml/2006/diagram">
+            <dgm:relIds xmlns:dgm="http://schemas.openxmlformats.org/drawingml/2006/diagram" xmlns:r="http://schemas.openxmlformats.org/officeDocument/2006/relationships" r:dm="rId2" r:lo="rId3" r:qs="rId4" r:cs="rId5"/>
+          </a:graphicData>
+        </a:graphic>
+      </p:graphicFrame>
+      <p:sp>
+        <p:nvSpPr>
+          <p:cNvPr id="6" name="TextBox 5"/>
+          <p:cNvSpPr txBox="1"/>
+          <p:nvPr/>
+        </p:nvSpPr>
+        <p:spPr>
+          <a:xfrm>
+            <a:off x="1447800" y="3211551"/>
+            <a:ext cx="1447800" cy="492443"/>
+          </a:xfrm>
+          <a:prstGeom prst="rect">
+            <a:avLst/>
+          </a:prstGeom>
+          <a:noFill/>
+        </p:spPr>
+        <p:txBody>
+          <a:bodyPr wrap="square" rtlCol="0">
+            <a:spAutoFit/>
+          </a:bodyPr>
+          <a:lstStyle/>
+          <a:p>
+            <a:r>
+              <a:rPr lang="en-US" sz="2600" dirty="0" smtClean="0"/>
+              <a:t>Request</a:t>
+            </a:r>
+            <a:endParaRPr lang="en-US" sz="2600" dirty="0"/>
+          </a:p>
+        </p:txBody>
+      </p:sp>
+      <p:cxnSp>
+        <p:nvCxnSpPr>
+          <p:cNvPr id="4" name="Straight Arrow Connector 3"/>
+          <p:cNvCxnSpPr/>
+          <p:nvPr/>
+        </p:nvCxnSpPr>
+        <p:spPr>
+          <a:xfrm>
+            <a:off x="3124200" y="3429000"/>
+            <a:ext cx="1600200" cy="0"/>
+          </a:xfrm>
+          <a:prstGeom prst="straightConnector1">
+            <a:avLst/>
+          </a:prstGeom>
+          <a:ln w="19050">
+            <a:tailEnd type="arrow"/>
+          </a:ln>
+        </p:spPr>
+        <p:style>
+          <a:lnRef idx="1">
+            <a:schemeClr val="accent1"/>
+          </a:lnRef>
+          <a:fillRef idx="0">
+            <a:schemeClr val="accent1"/>
+          </a:fillRef>
+          <a:effectRef idx="0">
+            <a:schemeClr val="accent1"/>
+          </a:effectRef>
+          <a:fontRef idx="minor">
+            <a:schemeClr val="tx1"/>
+          </a:fontRef>
+        </p:style>
+      </p:cxnSp>
+    </p:spTree>
+    <p:extLst>
+      <p:ext uri="{BB962C8B-B14F-4D97-AF65-F5344CB8AC3E}">
+        <p14:creationId xmlns:p14="http://schemas.microsoft.com/office/powerpoint/2010/main" val="3075095975"/>
+      </p:ext>
+    </p:extLst>
+  </p:cSld>
+  <p:clrMapOvr>
+    <a:masterClrMapping/>
+  </p:clrMapOvr>
+  <p:timing>
+    <p:tnLst>
+      <p:par>
+        <p:cTn id="1" dur="indefinite" restart="never" nodeType="tmRoot"/>
+      </p:par>
+    </p:tnLst>
+  </p:timing>
+</p:sld>
+</file>
+
+<file path=ppt/slides/slide19.xml><?xml version="1.0" encoding="utf-8"?>
+<p:sld xmlns:a="http://schemas.openxmlformats.org/drawingml/2006/main" xmlns:r="http://schemas.openxmlformats.org/officeDocument/2006/relationships" xmlns:p="http://schemas.openxmlformats.org/presentationml/2006/main">
+  <p:cSld>
+    <p:spTree>
+      <p:nvGrpSpPr>
+        <p:cNvPr id="1" name=""/>
+        <p:cNvGrpSpPr/>
+        <p:nvPr/>
+      </p:nvGrpSpPr>
+      <p:grpSpPr>
+        <a:xfrm>
+          <a:off x="0" y="0"/>
+          <a:ext cx="0" cy="0"/>
+          <a:chOff x="0" y="0"/>
+          <a:chExt cx="0" cy="0"/>
+        </a:xfrm>
+      </p:grpSpPr>
+      <p:sp>
+        <p:nvSpPr>
+          <p:cNvPr id="2" name="Title 1"/>
+          <p:cNvSpPr>
+            <a:spLocks noGrp="1"/>
+          </p:cNvSpPr>
+          <p:nvPr>
+            <p:ph type="title"/>
+          </p:nvPr>
+        </p:nvSpPr>
+        <p:spPr/>
+        <p:txBody>
+          <a:bodyPr>
+            <a:normAutofit/>
+          </a:bodyPr>
+          <a:lstStyle/>
+          <a:p>
+            <a:r>
+              <a:rPr lang="en-US" dirty="0" smtClean="0"/>
+              <a:t>Request and response</a:t>
+            </a:r>
+            <a:endParaRPr lang="en-US" dirty="0"/>
+          </a:p>
+        </p:txBody>
+      </p:sp>
+      <p:graphicFrame>
+        <p:nvGraphicFramePr>
+          <p:cNvPr id="5" name="Content Placeholder 4"/>
+          <p:cNvGraphicFramePr>
+            <a:graphicFrameLocks noGrp="1"/>
+          </p:cNvGraphicFramePr>
+          <p:nvPr>
+            <p:ph idx="1"/>
+            <p:extLst>
+              <p:ext uri="{D42A27DB-BD31-4B8C-83A1-F6EECF244321}">
+                <p14:modId xmlns:p14="http://schemas.microsoft.com/office/powerpoint/2010/main" val="3294678515"/>
+              </p:ext>
+            </p:extLst>
+          </p:nvPr>
+        </p:nvGraphicFramePr>
+        <p:xfrm>
+          <a:off x="914400" y="1579721"/>
+          <a:ext cx="7772400" cy="3733800"/>
+        </p:xfrm>
+        <a:graphic>
+          <a:graphicData uri="http://schemas.openxmlformats.org/drawingml/2006/diagram">
+            <dgm:relIds xmlns:dgm="http://schemas.openxmlformats.org/drawingml/2006/diagram" xmlns:r="http://schemas.openxmlformats.org/officeDocument/2006/relationships" r:dm="rId2" r:lo="rId3" r:qs="rId4" r:cs="rId5"/>
+          </a:graphicData>
+        </a:graphic>
+      </p:graphicFrame>
+      <p:sp>
+        <p:nvSpPr>
+          <p:cNvPr id="6" name="TextBox 5"/>
+          <p:cNvSpPr txBox="1"/>
+          <p:nvPr/>
+        </p:nvSpPr>
+        <p:spPr>
+          <a:xfrm>
+            <a:off x="1447800" y="3211551"/>
+            <a:ext cx="1447800" cy="492443"/>
+          </a:xfrm>
+          <a:prstGeom prst="rect">
+            <a:avLst/>
+          </a:prstGeom>
+          <a:noFill/>
+        </p:spPr>
+        <p:txBody>
+          <a:bodyPr wrap="square" rtlCol="0">
+            <a:spAutoFit/>
+          </a:bodyPr>
+          <a:lstStyle/>
+          <a:p>
+            <a:r>
+              <a:rPr lang="en-US" sz="2600" dirty="0" smtClean="0"/>
+              <a:t>Request</a:t>
+            </a:r>
+            <a:endParaRPr lang="en-US" sz="2600" dirty="0"/>
+          </a:p>
+        </p:txBody>
+      </p:sp>
+    </p:spTree>
+    <p:extLst>
+      <p:ext uri="{BB962C8B-B14F-4D97-AF65-F5344CB8AC3E}">
+        <p14:creationId xmlns:p14="http://schemas.microsoft.com/office/powerpoint/2010/main" val="1902818329"/>
+      </p:ext>
+    </p:extLst>
+  </p:cSld>
+  <p:clrMapOvr>
+    <a:masterClrMapping/>
+  </p:clrMapOvr>
+  <p:timing>
+    <p:tnLst>
+      <p:par>
+        <p:cTn id="1" dur="indefinite" restart="never" nodeType="tmRoot"/>
+      </p:par>
+    </p:tnLst>
+  </p:timing>
+</p:sld>
+</file>
+
+<file path=ppt/slides/slide2.xml><?xml version="1.0" encoding="utf-8"?>
+<p:sld xmlns:a="http://schemas.openxmlformats.org/drawingml/2006/main" xmlns:r="http://schemas.openxmlformats.org/officeDocument/2006/relationships" xmlns:p="http://schemas.openxmlformats.org/presentationml/2006/main">
+  <p:cSld>
+    <p:spTree>
+      <p:nvGrpSpPr>
+        <p:cNvPr id="1" name=""/>
+        <p:cNvGrpSpPr/>
+        <p:nvPr/>
+      </p:nvGrpSpPr>
+      <p:grpSpPr>
+        <a:xfrm>
+          <a:off x="0" y="0"/>
+          <a:ext cx="0" cy="0"/>
+          <a:chOff x="0" y="0"/>
+          <a:chExt cx="0" cy="0"/>
+        </a:xfrm>
+      </p:grpSpPr>
+      <p:sp>
+        <p:nvSpPr>
+          <p:cNvPr id="2" name="Title 1"/>
+          <p:cNvSpPr>
+            <a:spLocks noGrp="1"/>
+          </p:cNvSpPr>
+          <p:nvPr>
+            <p:ph type="title"/>
+          </p:nvPr>
+        </p:nvSpPr>
+        <p:spPr/>
+        <p:txBody>
+          <a:bodyPr/>
+          <a:lstStyle/>
+          <a:p>
+            <a:r>
+              <a:rPr lang="en-US" dirty="0" smtClean="0"/>
+              <a:t>What is a queue?</a:t>
+            </a:r>
+            <a:endParaRPr lang="en-US" dirty="0"/>
+          </a:p>
+        </p:txBody>
+      </p:sp>
+      <p:sp>
+        <p:nvSpPr>
+          <p:cNvPr id="3" name="Content Placeholder 2"/>
+          <p:cNvSpPr>
+            <a:spLocks noGrp="1"/>
+          </p:cNvSpPr>
+          <p:nvPr>
+            <p:ph idx="1"/>
+          </p:nvPr>
+        </p:nvSpPr>
+        <p:spPr/>
+        <p:txBody>
+          <a:bodyPr/>
+          <a:lstStyle/>
+          <a:p>
+            <a:r>
+              <a:rPr lang="en-US" dirty="0" smtClean="0"/>
+              <a:t>Infinite loaf of bread</a:t>
+            </a:r>
+          </a:p>
+          <a:p>
+            <a:r>
+              <a:rPr lang="en-US" dirty="0" smtClean="0"/>
+              <a:t>Maybe an infinite bread bin with a finite amount of bread</a:t>
+            </a:r>
+            <a:endParaRPr lang="en-US" dirty="0"/>
+          </a:p>
+        </p:txBody>
+      </p:sp>
+    </p:spTree>
+    <p:extLst>
+      <p:ext uri="{BB962C8B-B14F-4D97-AF65-F5344CB8AC3E}">
+        <p14:creationId xmlns:p14="http://schemas.microsoft.com/office/powerpoint/2010/main" val="4150487673"/>
+      </p:ext>
+    </p:extLst>
+  </p:cSld>
+  <p:clrMapOvr>
+    <a:masterClrMapping/>
+  </p:clrMapOvr>
+</p:sld>
+</file>
+
+<file path=ppt/slides/slide20.xml><?xml version="1.0" encoding="utf-8"?>
+<p:sld xmlns:a="http://schemas.openxmlformats.org/drawingml/2006/main" xmlns:r="http://schemas.openxmlformats.org/officeDocument/2006/relationships" xmlns:p="http://schemas.openxmlformats.org/presentationml/2006/main">
+  <p:cSld>
+    <p:spTree>
+      <p:nvGrpSpPr>
+        <p:cNvPr id="1" name=""/>
+        <p:cNvGrpSpPr/>
+        <p:nvPr/>
+      </p:nvGrpSpPr>
+      <p:grpSpPr>
+        <a:xfrm>
+          <a:off x="0" y="0"/>
+          <a:ext cx="0" cy="0"/>
+          <a:chOff x="0" y="0"/>
+          <a:chExt cx="0" cy="0"/>
+        </a:xfrm>
+      </p:grpSpPr>
+      <p:sp>
+        <p:nvSpPr>
+          <p:cNvPr id="2" name="Title 1"/>
+          <p:cNvSpPr>
+            <a:spLocks noGrp="1"/>
+          </p:cNvSpPr>
+          <p:nvPr>
+            <p:ph type="title"/>
+          </p:nvPr>
+        </p:nvSpPr>
+        <p:spPr/>
+        <p:txBody>
+          <a:bodyPr>
+            <a:normAutofit/>
+          </a:bodyPr>
+          <a:lstStyle/>
+          <a:p>
+            <a:r>
+              <a:rPr lang="en-US" dirty="0" smtClean="0"/>
+              <a:t>Publish and subscribe</a:t>
+            </a:r>
+            <a:endParaRPr lang="en-US" dirty="0"/>
+          </a:p>
+        </p:txBody>
+      </p:sp>
+      <p:graphicFrame>
+        <p:nvGraphicFramePr>
+          <p:cNvPr id="5" name="Content Placeholder 4"/>
+          <p:cNvGraphicFramePr>
+            <a:graphicFrameLocks noGrp="1"/>
+          </p:cNvGraphicFramePr>
+          <p:nvPr>
+            <p:ph idx="1"/>
+            <p:extLst>
+              <p:ext uri="{D42A27DB-BD31-4B8C-83A1-F6EECF244321}">
+                <p14:modId xmlns:p14="http://schemas.microsoft.com/office/powerpoint/2010/main" val="823890554"/>
               </p:ext>
             </p:extLst>
           </p:nvPr>
@@ -21361,17 +27013,24 @@
     </p:spTree>
     <p:extLst>
       <p:ext uri="{BB962C8B-B14F-4D97-AF65-F5344CB8AC3E}">
-        <p14:creationId xmlns:p14="http://schemas.microsoft.com/office/powerpoint/2010/main" val="1902818329"/>
+        <p14:creationId xmlns:p14="http://schemas.microsoft.com/office/powerpoint/2010/main" val="1482221979"/>
       </p:ext>
     </p:extLst>
   </p:cSld>
   <p:clrMapOvr>
     <a:masterClrMapping/>
   </p:clrMapOvr>
+  <p:timing>
+    <p:tnLst>
+      <p:par>
+        <p:cTn id="1" dur="indefinite" restart="never" nodeType="tmRoot"/>
+      </p:par>
+    </p:tnLst>
+  </p:timing>
 </p:sld>
 </file>
 
-<file path=ppt/slides/slide16.xml><?xml version="1.0" encoding="utf-8"?>
+<file path=ppt/slides/slide21.xml><?xml version="1.0" encoding="utf-8"?>
 <p:sld xmlns:a="http://schemas.openxmlformats.org/drawingml/2006/main" xmlns:r="http://schemas.openxmlformats.org/officeDocument/2006/relationships" xmlns:p="http://schemas.openxmlformats.org/presentationml/2006/main">
   <p:cSld>
     <p:spTree>
@@ -21456,6 +27115,33 @@
               <a:rPr lang="en-US" dirty="0" smtClean="0"/>
               <a:t>Creates great extensibility points</a:t>
             </a:r>
+          </a:p>
+          <a:p>
+            <a:r>
+              <a:rPr lang="en-US" dirty="0" smtClean="0"/>
+              <a:t>Language and </a:t>
+            </a:r>
+            <a:r>
+              <a:rPr lang="en-US" dirty="0"/>
+              <a:t>t</a:t>
+            </a:r>
+            <a:r>
+              <a:rPr lang="en-US" dirty="0" smtClean="0"/>
+              <a:t>echnology agnostic</a:t>
+            </a:r>
+          </a:p>
+          <a:p>
+            <a:r>
+              <a:rPr lang="en-US" dirty="0" smtClean="0"/>
+              <a:t>Easy to add in </a:t>
+            </a:r>
+            <a:r>
+              <a:rPr lang="en-US" smtClean="0"/>
+              <a:t>new functionality </a:t>
+            </a:r>
+            <a:endParaRPr lang="en-US" dirty="0" smtClean="0"/>
+          </a:p>
+          <a:p>
             <a:endParaRPr lang="en-US" dirty="0"/>
           </a:p>
         </p:txBody>
@@ -21470,88 +27156,13 @@
   <p:clrMapOvr>
     <a:masterClrMapping/>
   </p:clrMapOvr>
-</p:sld>
-</file>
-
-<file path=ppt/slides/slide2.xml><?xml version="1.0" encoding="utf-8"?>
-<p:sld xmlns:a="http://schemas.openxmlformats.org/drawingml/2006/main" xmlns:r="http://schemas.openxmlformats.org/officeDocument/2006/relationships" xmlns:p="http://schemas.openxmlformats.org/presentationml/2006/main">
-  <p:cSld>
-    <p:spTree>
-      <p:nvGrpSpPr>
-        <p:cNvPr id="1" name=""/>
-        <p:cNvGrpSpPr/>
-        <p:nvPr/>
-      </p:nvGrpSpPr>
-      <p:grpSpPr>
-        <a:xfrm>
-          <a:off x="0" y="0"/>
-          <a:ext cx="0" cy="0"/>
-          <a:chOff x="0" y="0"/>
-          <a:chExt cx="0" cy="0"/>
-        </a:xfrm>
-      </p:grpSpPr>
-      <p:sp>
-        <p:nvSpPr>
-          <p:cNvPr id="2" name="Title 1"/>
-          <p:cNvSpPr>
-            <a:spLocks noGrp="1"/>
-          </p:cNvSpPr>
-          <p:nvPr>
-            <p:ph type="title"/>
-          </p:nvPr>
-        </p:nvSpPr>
-        <p:spPr/>
-        <p:txBody>
-          <a:bodyPr/>
-          <a:lstStyle/>
-          <a:p>
-            <a:r>
-              <a:rPr lang="en-US" dirty="0" smtClean="0"/>
-              <a:t>What is a queue?</a:t>
-            </a:r>
-            <a:endParaRPr lang="en-US" dirty="0"/>
-          </a:p>
-        </p:txBody>
-      </p:sp>
-      <p:sp>
-        <p:nvSpPr>
-          <p:cNvPr id="3" name="Content Placeholder 2"/>
-          <p:cNvSpPr>
-            <a:spLocks noGrp="1"/>
-          </p:cNvSpPr>
-          <p:nvPr>
-            <p:ph idx="1"/>
-          </p:nvPr>
-        </p:nvSpPr>
-        <p:spPr/>
-        <p:txBody>
-          <a:bodyPr/>
-          <a:lstStyle/>
-          <a:p>
-            <a:r>
-              <a:rPr lang="en-US" dirty="0" smtClean="0"/>
-              <a:t>Infinite loaf of bread</a:t>
-            </a:r>
-          </a:p>
-          <a:p>
-            <a:r>
-              <a:rPr lang="en-US" dirty="0" smtClean="0"/>
-              <a:t>Maybe an infinite bread bin with a finite amount of bread</a:t>
-            </a:r>
-            <a:endParaRPr lang="en-US" dirty="0"/>
-          </a:p>
-        </p:txBody>
-      </p:sp>
-    </p:spTree>
-    <p:extLst>
-      <p:ext uri="{BB962C8B-B14F-4D97-AF65-F5344CB8AC3E}">
-        <p14:creationId xmlns:p14="http://schemas.microsoft.com/office/powerpoint/2010/main" val="4150487673"/>
-      </p:ext>
-    </p:extLst>
-  </p:cSld>
-  <p:clrMapOvr>
-    <a:masterClrMapping/>
-  </p:clrMapOvr>
+  <p:timing>
+    <p:tnLst>
+      <p:par>
+        <p:cTn id="1" dur="indefinite" restart="never" nodeType="tmRoot"/>
+      </p:par>
+    </p:tnLst>
+  </p:timing>
 </p:sld>
 </file>
 
@@ -21869,13 +27480,8 @@
           <a:p>
             <a:r>
               <a:rPr lang="en-US" dirty="0" smtClean="0"/>
-              <a:t>Each slice of bread is a </a:t>
+              <a:t>Each slice of bread is a slice of data</a:t>
             </a:r>
-            <a:r>
-              <a:rPr lang="en-US" dirty="0" smtClean="0"/>
-              <a:t>slice of data</a:t>
-            </a:r>
-            <a:endParaRPr lang="en-US" dirty="0" smtClean="0"/>
           </a:p>
           <a:p>
             <a:endParaRPr lang="en-US" dirty="0"/>
@@ -22141,6 +27747,98 @@
           <a:p>
             <a:r>
               <a:rPr lang="en-US" dirty="0" smtClean="0"/>
+              <a:t>Queue methods</a:t>
+            </a:r>
+            <a:endParaRPr lang="en-US" dirty="0"/>
+          </a:p>
+        </p:txBody>
+      </p:sp>
+      <p:sp>
+        <p:nvSpPr>
+          <p:cNvPr id="3" name="Content Placeholder 2"/>
+          <p:cNvSpPr>
+            <a:spLocks noGrp="1"/>
+          </p:cNvSpPr>
+          <p:nvPr>
+            <p:ph idx="1"/>
+          </p:nvPr>
+        </p:nvSpPr>
+        <p:spPr/>
+        <p:txBody>
+          <a:bodyPr/>
+          <a:lstStyle/>
+          <a:p>
+            <a:r>
+              <a:rPr lang="en-US" dirty="0" smtClean="0"/>
+              <a:t>Push/Put/Add</a:t>
+            </a:r>
+          </a:p>
+          <a:p>
+            <a:r>
+              <a:rPr lang="en-US" dirty="0" smtClean="0"/>
+              <a:t>Pop/Get</a:t>
+            </a:r>
+          </a:p>
+          <a:p>
+            <a:r>
+              <a:rPr lang="en-US" dirty="0" smtClean="0"/>
+              <a:t>Peek (not in all queues, try </a:t>
+            </a:r>
+            <a:r>
+              <a:rPr lang="en-US" smtClean="0"/>
+              <a:t>to avoid)</a:t>
+            </a:r>
+            <a:endParaRPr lang="en-US" dirty="0"/>
+          </a:p>
+        </p:txBody>
+      </p:sp>
+    </p:spTree>
+    <p:extLst>
+      <p:ext uri="{BB962C8B-B14F-4D97-AF65-F5344CB8AC3E}">
+        <p14:creationId xmlns:p14="http://schemas.microsoft.com/office/powerpoint/2010/main" val="4160976912"/>
+      </p:ext>
+    </p:extLst>
+  </p:cSld>
+  <p:clrMapOvr>
+    <a:masterClrMapping/>
+  </p:clrMapOvr>
+</p:sld>
+</file>
+
+<file path=ppt/slides/slide8.xml><?xml version="1.0" encoding="utf-8"?>
+<p:sld xmlns:a="http://schemas.openxmlformats.org/drawingml/2006/main" xmlns:r="http://schemas.openxmlformats.org/officeDocument/2006/relationships" xmlns:p="http://schemas.openxmlformats.org/presentationml/2006/main">
+  <p:cSld>
+    <p:spTree>
+      <p:nvGrpSpPr>
+        <p:cNvPr id="1" name=""/>
+        <p:cNvGrpSpPr/>
+        <p:nvPr/>
+      </p:nvGrpSpPr>
+      <p:grpSpPr>
+        <a:xfrm>
+          <a:off x="0" y="0"/>
+          <a:ext cx="0" cy="0"/>
+          <a:chOff x="0" y="0"/>
+          <a:chExt cx="0" cy="0"/>
+        </a:xfrm>
+      </p:grpSpPr>
+      <p:sp>
+        <p:nvSpPr>
+          <p:cNvPr id="2" name="Title 1"/>
+          <p:cNvSpPr>
+            <a:spLocks noGrp="1"/>
+          </p:cNvSpPr>
+          <p:nvPr>
+            <p:ph type="title"/>
+          </p:nvPr>
+        </p:nvSpPr>
+        <p:spPr/>
+        <p:txBody>
+          <a:bodyPr/>
+          <a:lstStyle/>
+          <a:p>
+            <a:r>
+              <a:rPr lang="en-US" dirty="0" smtClean="0"/>
               <a:t>In </a:t>
             </a:r>
             <a:r>
@@ -22198,7 +27896,6 @@
               <a:rPr lang="en-US" dirty="0" smtClean="0"/>
               <a:t>Blocking vs. non-blocking queue</a:t>
             </a:r>
-            <a:endParaRPr lang="en-US" dirty="0" smtClean="0"/>
           </a:p>
         </p:txBody>
       </p:sp>
@@ -22215,7 +27912,7 @@
 </p:sld>
 </file>
 
-<file path=ppt/slides/slide8.xml><?xml version="1.0" encoding="utf-8"?>
+<file path=ppt/slides/slide9.xml><?xml version="1.0" encoding="utf-8"?>
 <p:sld xmlns:a="http://schemas.openxmlformats.org/drawingml/2006/main" xmlns:r="http://schemas.openxmlformats.org/officeDocument/2006/relationships" xmlns:p="http://schemas.openxmlformats.org/presentationml/2006/main">
   <p:cSld>
     <p:spTree>
@@ -22311,6 +28008,13 @@
           </a:p>
           <a:p>
             <a:pPr lvl="1"/>
+            <a:r>
+              <a:rPr lang="en-US" dirty="0" smtClean="0"/>
+              <a:t>BizTalk (mumble, mumble)</a:t>
+            </a:r>
+          </a:p>
+          <a:p>
+            <a:pPr lvl="1"/>
             <a:endParaRPr lang="en-US" dirty="0"/>
           </a:p>
         </p:txBody>
@@ -22319,88 +28023,6 @@
     <p:extLst>
       <p:ext uri="{BB962C8B-B14F-4D97-AF65-F5344CB8AC3E}">
         <p14:creationId xmlns:p14="http://schemas.microsoft.com/office/powerpoint/2010/main" val="1006183739"/>
-      </p:ext>
-    </p:extLst>
-  </p:cSld>
-  <p:clrMapOvr>
-    <a:masterClrMapping/>
-  </p:clrMapOvr>
-</p:sld>
-</file>
-
-<file path=ppt/slides/slide9.xml><?xml version="1.0" encoding="utf-8"?>
-<p:sld xmlns:a="http://schemas.openxmlformats.org/drawingml/2006/main" xmlns:r="http://schemas.openxmlformats.org/officeDocument/2006/relationships" xmlns:p="http://schemas.openxmlformats.org/presentationml/2006/main">
-  <p:cSld>
-    <p:spTree>
-      <p:nvGrpSpPr>
-        <p:cNvPr id="1" name=""/>
-        <p:cNvGrpSpPr/>
-        <p:nvPr/>
-      </p:nvGrpSpPr>
-      <p:grpSpPr>
-        <a:xfrm>
-          <a:off x="0" y="0"/>
-          <a:ext cx="0" cy="0"/>
-          <a:chOff x="0" y="0"/>
-          <a:chExt cx="0" cy="0"/>
-        </a:xfrm>
-      </p:grpSpPr>
-      <p:sp>
-        <p:nvSpPr>
-          <p:cNvPr id="2" name="Title 1"/>
-          <p:cNvSpPr>
-            <a:spLocks noGrp="1"/>
-          </p:cNvSpPr>
-          <p:nvPr>
-            <p:ph type="title"/>
-          </p:nvPr>
-        </p:nvSpPr>
-        <p:spPr/>
-        <p:txBody>
-          <a:bodyPr/>
-          <a:lstStyle/>
-          <a:p>
-            <a:r>
-              <a:rPr lang="en-US" dirty="0" smtClean="0"/>
-              <a:t>Cloud queues</a:t>
-            </a:r>
-            <a:endParaRPr lang="en-US" dirty="0"/>
-          </a:p>
-        </p:txBody>
-      </p:sp>
-      <p:sp>
-        <p:nvSpPr>
-          <p:cNvPr id="3" name="Content Placeholder 2"/>
-          <p:cNvSpPr>
-            <a:spLocks noGrp="1"/>
-          </p:cNvSpPr>
-          <p:nvPr>
-            <p:ph idx="1"/>
-          </p:nvPr>
-        </p:nvSpPr>
-        <p:spPr/>
-        <p:txBody>
-          <a:bodyPr/>
-          <a:lstStyle/>
-          <a:p>
-            <a:r>
-              <a:rPr lang="en-US" dirty="0" smtClean="0"/>
-              <a:t>Azure Queues</a:t>
-            </a:r>
-          </a:p>
-          <a:p>
-            <a:r>
-              <a:rPr lang="en-US" dirty="0" smtClean="0"/>
-              <a:t>Amazon Simple Queue Service</a:t>
-            </a:r>
-            <a:endParaRPr lang="en-US" dirty="0"/>
-          </a:p>
-        </p:txBody>
-      </p:sp>
-    </p:spTree>
-    <p:extLst>
-      <p:ext uri="{BB962C8B-B14F-4D97-AF65-F5344CB8AC3E}">
-        <p14:creationId xmlns:p14="http://schemas.microsoft.com/office/powerpoint/2010/main" val="141395150"/>
       </p:ext>
     </p:extLst>
   </p:cSld>

--- a/Queues and message based architecture.pptx
+++ b/Queues and message based architecture.pptx
@@ -26328,7 +26328,21 @@
           <a:p>
             <a:r>
               <a:rPr lang="en-US" dirty="0" smtClean="0"/>
-              <a:t>Not as fast as just calling methods</a:t>
+              <a:t>Not as fast as just calling </a:t>
+            </a:r>
+            <a:r>
+              <a:rPr lang="en-US" dirty="0" smtClean="0"/>
+              <a:t>methods</a:t>
+            </a:r>
+          </a:p>
+          <a:p>
+            <a:r>
+              <a:rPr lang="en-US" dirty="0" smtClean="0"/>
+              <a:t>Some queues allow </a:t>
+            </a:r>
+            <a:r>
+              <a:rPr lang="en-US" smtClean="0"/>
+              <a:t>for batching</a:t>
             </a:r>
             <a:endParaRPr lang="en-US" dirty="0"/>
           </a:p>
@@ -27782,11 +27796,7 @@
           <a:p>
             <a:r>
               <a:rPr lang="en-US" dirty="0" smtClean="0"/>
-              <a:t>Peek (not in all queues, try </a:t>
-            </a:r>
-            <a:r>
-              <a:rPr lang="en-US" smtClean="0"/>
-              <a:t>to avoid)</a:t>
+              <a:t>Peek (not in all queues, try to avoid)</a:t>
             </a:r>
             <a:endParaRPr lang="en-US" dirty="0"/>
           </a:p>

--- a/Queues and message based architecture.pptx
+++ b/Queues and message based architecture.pptx
@@ -10,22 +10,29 @@
     <p:sldId id="258" r:id="rId4"/>
     <p:sldId id="259" r:id="rId5"/>
     <p:sldId id="265" r:id="rId6"/>
-    <p:sldId id="260" r:id="rId7"/>
-    <p:sldId id="276" r:id="rId8"/>
-    <p:sldId id="261" r:id="rId9"/>
-    <p:sldId id="262" r:id="rId10"/>
-    <p:sldId id="275" r:id="rId11"/>
-    <p:sldId id="263" r:id="rId12"/>
-    <p:sldId id="270" r:id="rId13"/>
-    <p:sldId id="264" r:id="rId14"/>
-    <p:sldId id="266" r:id="rId15"/>
-    <p:sldId id="268" r:id="rId16"/>
-    <p:sldId id="267" r:id="rId17"/>
-    <p:sldId id="272" r:id="rId18"/>
-    <p:sldId id="274" r:id="rId19"/>
-    <p:sldId id="271" r:id="rId20"/>
-    <p:sldId id="273" r:id="rId21"/>
-    <p:sldId id="269" r:id="rId22"/>
+    <p:sldId id="276" r:id="rId7"/>
+    <p:sldId id="280" r:id="rId8"/>
+    <p:sldId id="281" r:id="rId9"/>
+    <p:sldId id="282" r:id="rId10"/>
+    <p:sldId id="283" r:id="rId11"/>
+    <p:sldId id="260" r:id="rId12"/>
+    <p:sldId id="277" r:id="rId13"/>
+    <p:sldId id="261" r:id="rId14"/>
+    <p:sldId id="262" r:id="rId15"/>
+    <p:sldId id="275" r:id="rId16"/>
+    <p:sldId id="263" r:id="rId17"/>
+    <p:sldId id="270" r:id="rId18"/>
+    <p:sldId id="264" r:id="rId19"/>
+    <p:sldId id="266" r:id="rId20"/>
+    <p:sldId id="268" r:id="rId21"/>
+    <p:sldId id="267" r:id="rId22"/>
+    <p:sldId id="272" r:id="rId23"/>
+    <p:sldId id="274" r:id="rId24"/>
+    <p:sldId id="271" r:id="rId25"/>
+    <p:sldId id="273" r:id="rId26"/>
+    <p:sldId id="269" r:id="rId27"/>
+    <p:sldId id="278" r:id="rId28"/>
+    <p:sldId id="279" r:id="rId29"/>
   </p:sldIdLst>
   <p:sldSz cx="9144000" cy="6858000" type="screen4x3"/>
   <p:notesSz cx="6858000" cy="9144000"/>
@@ -519,11 +526,11 @@
         </c:dLbls>
         <c:marker val="1"/>
         <c:smooth val="0"/>
-        <c:axId val="37785600"/>
-        <c:axId val="37787136"/>
+        <c:axId val="97634944"/>
+        <c:axId val="97636736"/>
       </c:lineChart>
       <c:catAx>
-        <c:axId val="37785600"/>
+        <c:axId val="97634944"/>
         <c:scaling>
           <c:orientation val="minMax"/>
         </c:scaling>
@@ -533,7 +540,7 @@
         <c:majorTickMark val="out"/>
         <c:minorTickMark val="none"/>
         <c:tickLblPos val="nextTo"/>
-        <c:crossAx val="37787136"/>
+        <c:crossAx val="97636736"/>
         <c:crosses val="autoZero"/>
         <c:auto val="1"/>
         <c:lblAlgn val="ctr"/>
@@ -541,7 +548,7 @@
         <c:noMultiLvlLbl val="0"/>
       </c:catAx>
       <c:valAx>
-        <c:axId val="37787136"/>
+        <c:axId val="97636736"/>
         <c:scaling>
           <c:orientation val="minMax"/>
         </c:scaling>
@@ -552,7 +559,7 @@
         <c:majorTickMark val="out"/>
         <c:minorTickMark val="none"/>
         <c:tickLblPos val="nextTo"/>
-        <c:crossAx val="37785600"/>
+        <c:crossAx val="97634944"/>
         <c:crosses val="autoZero"/>
         <c:crossBetween val="between"/>
       </c:valAx>
@@ -13160,7 +13167,7 @@
           <a:p>
             <a:fld id="{F4CCEE5C-0195-48FC-A8EA-C4CF7619EA75}" type="datetimeFigureOut">
               <a:rPr lang="en-US" smtClean="0"/>
-              <a:t>9/23/2012</a:t>
+              <a:t>9/27/2012</a:t>
             </a:fld>
             <a:endParaRPr lang="en-US"/>
           </a:p>
@@ -14265,7 +14272,7 @@
           <a:p>
             <a:fld id="{F4CCEE5C-0195-48FC-A8EA-C4CF7619EA75}" type="datetimeFigureOut">
               <a:rPr lang="en-US" smtClean="0"/>
-              <a:t>9/23/2012</a:t>
+              <a:t>9/27/2012</a:t>
             </a:fld>
             <a:endParaRPr lang="en-US"/>
           </a:p>
@@ -15378,7 +15385,7 @@
           <a:p>
             <a:fld id="{F4CCEE5C-0195-48FC-A8EA-C4CF7619EA75}" type="datetimeFigureOut">
               <a:rPr lang="en-US" smtClean="0"/>
-              <a:t>9/23/2012</a:t>
+              <a:t>9/27/2012</a:t>
             </a:fld>
             <a:endParaRPr lang="en-US"/>
           </a:p>
@@ -16486,7 +16493,7 @@
           <a:p>
             <a:fld id="{F4CCEE5C-0195-48FC-A8EA-C4CF7619EA75}" type="datetimeFigureOut">
               <a:rPr lang="en-US" smtClean="0"/>
-              <a:t>9/23/2012</a:t>
+              <a:t>9/27/2012</a:t>
             </a:fld>
             <a:endParaRPr lang="en-US"/>
           </a:p>
@@ -18079,7 +18086,7 @@
           <a:p>
             <a:fld id="{F4CCEE5C-0195-48FC-A8EA-C4CF7619EA75}" type="datetimeFigureOut">
               <a:rPr lang="en-US" smtClean="0"/>
-              <a:t>9/23/2012</a:t>
+              <a:t>9/27/2012</a:t>
             </a:fld>
             <a:endParaRPr lang="en-US"/>
           </a:p>
@@ -19137,7 +19144,7 @@
           <a:p>
             <a:fld id="{F4CCEE5C-0195-48FC-A8EA-C4CF7619EA75}" type="datetimeFigureOut">
               <a:rPr lang="en-US" smtClean="0"/>
-              <a:t>9/23/2012</a:t>
+              <a:t>9/27/2012</a:t>
             </a:fld>
             <a:endParaRPr lang="en-US"/>
           </a:p>
@@ -20464,7 +20471,7 @@
           <a:p>
             <a:fld id="{F4CCEE5C-0195-48FC-A8EA-C4CF7619EA75}" type="datetimeFigureOut">
               <a:rPr lang="en-US" smtClean="0"/>
-              <a:t>9/23/2012</a:t>
+              <a:t>9/27/2012</a:t>
             </a:fld>
             <a:endParaRPr lang="en-US"/>
           </a:p>
@@ -21601,7 +21608,7 @@
           <a:p>
             <a:fld id="{F4CCEE5C-0195-48FC-A8EA-C4CF7619EA75}" type="datetimeFigureOut">
               <a:rPr lang="en-US" smtClean="0"/>
-              <a:t>9/23/2012</a:t>
+              <a:t>9/27/2012</a:t>
             </a:fld>
             <a:endParaRPr lang="en-US"/>
           </a:p>
@@ -22657,7 +22664,7 @@
           <a:p>
             <a:fld id="{F4CCEE5C-0195-48FC-A8EA-C4CF7619EA75}" type="datetimeFigureOut">
               <a:rPr lang="en-US" smtClean="0"/>
-              <a:t>9/23/2012</a:t>
+              <a:t>9/27/2012</a:t>
             </a:fld>
             <a:endParaRPr lang="en-US"/>
           </a:p>
@@ -23695,7 +23702,7 @@
           <a:p>
             <a:fld id="{F4CCEE5C-0195-48FC-A8EA-C4CF7619EA75}" type="datetimeFigureOut">
               <a:rPr lang="en-US" smtClean="0"/>
-              <a:t>9/23/2012</a:t>
+              <a:t>9/27/2012</a:t>
             </a:fld>
             <a:endParaRPr lang="en-US"/>
           </a:p>
@@ -24930,7 +24937,7 @@
           <a:p>
             <a:fld id="{F4CCEE5C-0195-48FC-A8EA-C4CF7619EA75}" type="datetimeFigureOut">
               <a:rPr lang="en-US" smtClean="0"/>
-              <a:t>9/23/2012</a:t>
+              <a:t>9/27/2012</a:t>
             </a:fld>
             <a:endParaRPr lang="en-US"/>
           </a:p>
@@ -25283,7 +25290,7 @@
           <a:p>
             <a:fld id="{F4CCEE5C-0195-48FC-A8EA-C4CF7619EA75}" type="datetimeFigureOut">
               <a:rPr lang="en-US" smtClean="0"/>
-              <a:t>9/23/2012</a:t>
+              <a:t>9/27/2012</a:t>
             </a:fld>
             <a:endParaRPr lang="en-US"/>
           </a:p>
@@ -25822,10 +25829,1766 @@
   <p:clrMapOvr>
     <a:masterClrMapping/>
   </p:clrMapOvr>
+  <p:timing>
+    <p:tnLst>
+      <p:par>
+        <p:cTn id="1" dur="indefinite" restart="never" nodeType="tmRoot"/>
+      </p:par>
+    </p:tnLst>
+  </p:timing>
 </p:sld>
 </file>
 
 <file path=ppt/slides/slide10.xml><?xml version="1.0" encoding="utf-8"?>
+<p:sld xmlns:a="http://schemas.openxmlformats.org/drawingml/2006/main" xmlns:r="http://schemas.openxmlformats.org/officeDocument/2006/relationships" xmlns:p="http://schemas.openxmlformats.org/presentationml/2006/main">
+  <p:cSld>
+    <p:spTree>
+      <p:nvGrpSpPr>
+        <p:cNvPr id="1" name=""/>
+        <p:cNvGrpSpPr/>
+        <p:nvPr/>
+      </p:nvGrpSpPr>
+      <p:grpSpPr>
+        <a:xfrm>
+          <a:off x="0" y="0"/>
+          <a:ext cx="0" cy="0"/>
+          <a:chOff x="0" y="0"/>
+          <a:chExt cx="0" cy="0"/>
+        </a:xfrm>
+      </p:grpSpPr>
+      <p:sp>
+        <p:nvSpPr>
+          <p:cNvPr id="2" name="Title 1"/>
+          <p:cNvSpPr>
+            <a:spLocks noGrp="1"/>
+          </p:cNvSpPr>
+          <p:nvPr>
+            <p:ph type="title"/>
+          </p:nvPr>
+        </p:nvSpPr>
+        <p:spPr/>
+        <p:txBody>
+          <a:bodyPr/>
+          <a:lstStyle/>
+          <a:p>
+            <a:r>
+              <a:rPr lang="en-US" dirty="0" smtClean="0"/>
+              <a:t>Ring buffer </a:t>
+            </a:r>
+            <a:endParaRPr lang="en-US" dirty="0"/>
+          </a:p>
+        </p:txBody>
+      </p:sp>
+      <p:sp>
+        <p:nvSpPr>
+          <p:cNvPr id="5" name="Rectangle 4"/>
+          <p:cNvSpPr/>
+          <p:nvPr/>
+        </p:nvSpPr>
+        <p:spPr>
+          <a:xfrm>
+            <a:off x="1976629" y="2544618"/>
+            <a:ext cx="1219200" cy="685800"/>
+          </a:xfrm>
+          <a:prstGeom prst="rect">
+            <a:avLst/>
+          </a:prstGeom>
+        </p:spPr>
+        <p:style>
+          <a:lnRef idx="2">
+            <a:schemeClr val="accent1">
+              <a:shade val="50000"/>
+            </a:schemeClr>
+          </a:lnRef>
+          <a:fillRef idx="1">
+            <a:schemeClr val="accent1"/>
+          </a:fillRef>
+          <a:effectRef idx="0">
+            <a:schemeClr val="accent1"/>
+          </a:effectRef>
+          <a:fontRef idx="minor">
+            <a:schemeClr val="lt1"/>
+          </a:fontRef>
+        </p:style>
+        <p:txBody>
+          <a:bodyPr rtlCol="0" anchor="ctr"/>
+          <a:lstStyle/>
+          <a:p>
+            <a:pPr algn="ctr"/>
+            <a:endParaRPr lang="en-US"/>
+          </a:p>
+        </p:txBody>
+      </p:sp>
+      <p:sp>
+        <p:nvSpPr>
+          <p:cNvPr id="6" name="Rectangle 5"/>
+          <p:cNvSpPr/>
+          <p:nvPr/>
+        </p:nvSpPr>
+        <p:spPr>
+          <a:xfrm>
+            <a:off x="2821756" y="1495072"/>
+            <a:ext cx="1219200" cy="685800"/>
+          </a:xfrm>
+          <a:prstGeom prst="rect">
+            <a:avLst/>
+          </a:prstGeom>
+        </p:spPr>
+        <p:style>
+          <a:lnRef idx="2">
+            <a:schemeClr val="accent1">
+              <a:shade val="50000"/>
+            </a:schemeClr>
+          </a:lnRef>
+          <a:fillRef idx="1">
+            <a:schemeClr val="accent1"/>
+          </a:fillRef>
+          <a:effectRef idx="0">
+            <a:schemeClr val="accent1"/>
+          </a:effectRef>
+          <a:fontRef idx="minor">
+            <a:schemeClr val="lt1"/>
+          </a:fontRef>
+        </p:style>
+        <p:txBody>
+          <a:bodyPr rtlCol="0" anchor="ctr"/>
+          <a:lstStyle/>
+          <a:p>
+            <a:pPr algn="ctr"/>
+            <a:endParaRPr lang="en-US"/>
+          </a:p>
+        </p:txBody>
+      </p:sp>
+      <p:sp>
+        <p:nvSpPr>
+          <p:cNvPr id="7" name="Rectangle 6"/>
+          <p:cNvSpPr/>
+          <p:nvPr/>
+        </p:nvSpPr>
+        <p:spPr>
+          <a:xfrm>
+            <a:off x="4650556" y="1537794"/>
+            <a:ext cx="1219200" cy="685800"/>
+          </a:xfrm>
+          <a:prstGeom prst="rect">
+            <a:avLst/>
+          </a:prstGeom>
+        </p:spPr>
+        <p:style>
+          <a:lnRef idx="2">
+            <a:schemeClr val="accent1">
+              <a:shade val="50000"/>
+            </a:schemeClr>
+          </a:lnRef>
+          <a:fillRef idx="1">
+            <a:schemeClr val="accent1"/>
+          </a:fillRef>
+          <a:effectRef idx="0">
+            <a:schemeClr val="accent1"/>
+          </a:effectRef>
+          <a:fontRef idx="minor">
+            <a:schemeClr val="lt1"/>
+          </a:fontRef>
+        </p:style>
+        <p:txBody>
+          <a:bodyPr rtlCol="0" anchor="ctr"/>
+          <a:lstStyle/>
+          <a:p>
+            <a:pPr algn="ctr"/>
+            <a:endParaRPr lang="en-US"/>
+          </a:p>
+        </p:txBody>
+      </p:sp>
+      <p:sp>
+        <p:nvSpPr>
+          <p:cNvPr id="8" name="Rectangle 7"/>
+          <p:cNvSpPr/>
+          <p:nvPr/>
+        </p:nvSpPr>
+        <p:spPr>
+          <a:xfrm>
+            <a:off x="5564956" y="2544618"/>
+            <a:ext cx="1219200" cy="685800"/>
+          </a:xfrm>
+          <a:prstGeom prst="rect">
+            <a:avLst/>
+          </a:prstGeom>
+        </p:spPr>
+        <p:style>
+          <a:lnRef idx="2">
+            <a:schemeClr val="accent1">
+              <a:shade val="50000"/>
+            </a:schemeClr>
+          </a:lnRef>
+          <a:fillRef idx="1">
+            <a:schemeClr val="accent1"/>
+          </a:fillRef>
+          <a:effectRef idx="0">
+            <a:schemeClr val="accent1"/>
+          </a:effectRef>
+          <a:fontRef idx="minor">
+            <a:schemeClr val="lt1"/>
+          </a:fontRef>
+        </p:style>
+        <p:txBody>
+          <a:bodyPr rtlCol="0" anchor="ctr"/>
+          <a:lstStyle/>
+          <a:p>
+            <a:pPr algn="ctr"/>
+            <a:endParaRPr lang="en-US"/>
+          </a:p>
+        </p:txBody>
+      </p:sp>
+      <p:cxnSp>
+        <p:nvCxnSpPr>
+          <p:cNvPr id="9" name="Straight Arrow Connector 8"/>
+          <p:cNvCxnSpPr>
+            <a:stCxn id="10" idx="3"/>
+            <a:endCxn id="5" idx="1"/>
+          </p:cNvCxnSpPr>
+          <p:nvPr/>
+        </p:nvCxnSpPr>
+        <p:spPr>
+          <a:xfrm>
+            <a:off x="1637433" y="2887518"/>
+            <a:ext cx="339196" cy="0"/>
+          </a:xfrm>
+          <a:prstGeom prst="straightConnector1">
+            <a:avLst/>
+          </a:prstGeom>
+          <a:ln>
+            <a:tailEnd type="arrow"/>
+          </a:ln>
+        </p:spPr>
+        <p:style>
+          <a:lnRef idx="1">
+            <a:schemeClr val="accent1"/>
+          </a:lnRef>
+          <a:fillRef idx="0">
+            <a:schemeClr val="accent1"/>
+          </a:fillRef>
+          <a:effectRef idx="0">
+            <a:schemeClr val="accent1"/>
+          </a:effectRef>
+          <a:fontRef idx="minor">
+            <a:schemeClr val="tx1"/>
+          </a:fontRef>
+        </p:style>
+      </p:cxnSp>
+      <p:sp>
+        <p:nvSpPr>
+          <p:cNvPr id="10" name="TextBox 9"/>
+          <p:cNvSpPr txBox="1"/>
+          <p:nvPr/>
+        </p:nvSpPr>
+        <p:spPr>
+          <a:xfrm>
+            <a:off x="959042" y="2702852"/>
+            <a:ext cx="678391" cy="369332"/>
+          </a:xfrm>
+          <a:prstGeom prst="rect">
+            <a:avLst/>
+          </a:prstGeom>
+          <a:noFill/>
+        </p:spPr>
+        <p:txBody>
+          <a:bodyPr wrap="none" rtlCol="0">
+            <a:spAutoFit/>
+          </a:bodyPr>
+          <a:lstStyle/>
+          <a:p>
+            <a:r>
+              <a:rPr lang="en-US" dirty="0" smtClean="0"/>
+              <a:t>Head</a:t>
+            </a:r>
+            <a:endParaRPr lang="en-US" dirty="0"/>
+          </a:p>
+        </p:txBody>
+      </p:sp>
+      <p:sp>
+        <p:nvSpPr>
+          <p:cNvPr id="11" name="Rectangle 10"/>
+          <p:cNvSpPr/>
+          <p:nvPr/>
+        </p:nvSpPr>
+        <p:spPr>
+          <a:xfrm>
+            <a:off x="4655221" y="3578970"/>
+            <a:ext cx="1219200" cy="685800"/>
+          </a:xfrm>
+          <a:prstGeom prst="rect">
+            <a:avLst/>
+          </a:prstGeom>
+        </p:spPr>
+        <p:style>
+          <a:lnRef idx="2">
+            <a:schemeClr val="accent1">
+              <a:shade val="50000"/>
+            </a:schemeClr>
+          </a:lnRef>
+          <a:fillRef idx="1">
+            <a:schemeClr val="accent1"/>
+          </a:fillRef>
+          <a:effectRef idx="0">
+            <a:schemeClr val="accent1"/>
+          </a:effectRef>
+          <a:fontRef idx="minor">
+            <a:schemeClr val="lt1"/>
+          </a:fontRef>
+        </p:style>
+        <p:txBody>
+          <a:bodyPr rtlCol="0" anchor="ctr"/>
+          <a:lstStyle/>
+          <a:p>
+            <a:pPr algn="ctr"/>
+            <a:endParaRPr lang="en-US"/>
+          </a:p>
+        </p:txBody>
+      </p:sp>
+      <p:cxnSp>
+        <p:nvCxnSpPr>
+          <p:cNvPr id="12" name="Straight Arrow Connector 11"/>
+          <p:cNvCxnSpPr>
+            <a:stCxn id="13" idx="1"/>
+            <a:endCxn id="8" idx="3"/>
+          </p:cNvCxnSpPr>
+          <p:nvPr/>
+        </p:nvCxnSpPr>
+        <p:spPr>
+          <a:xfrm flipH="1" flipV="1">
+            <a:off x="6784156" y="2887518"/>
+            <a:ext cx="766712" cy="13976"/>
+          </a:xfrm>
+          <a:prstGeom prst="straightConnector1">
+            <a:avLst/>
+          </a:prstGeom>
+          <a:ln>
+            <a:tailEnd type="arrow"/>
+          </a:ln>
+        </p:spPr>
+        <p:style>
+          <a:lnRef idx="1">
+            <a:schemeClr val="accent1"/>
+          </a:lnRef>
+          <a:fillRef idx="0">
+            <a:schemeClr val="accent1"/>
+          </a:fillRef>
+          <a:effectRef idx="0">
+            <a:schemeClr val="accent1"/>
+          </a:effectRef>
+          <a:fontRef idx="minor">
+            <a:schemeClr val="tx1"/>
+          </a:fontRef>
+        </p:style>
+      </p:cxnSp>
+      <p:sp>
+        <p:nvSpPr>
+          <p:cNvPr id="13" name="TextBox 12"/>
+          <p:cNvSpPr txBox="1"/>
+          <p:nvPr/>
+        </p:nvSpPr>
+        <p:spPr>
+          <a:xfrm>
+            <a:off x="7550868" y="2716828"/>
+            <a:ext cx="495649" cy="369332"/>
+          </a:xfrm>
+          <a:prstGeom prst="rect">
+            <a:avLst/>
+          </a:prstGeom>
+          <a:noFill/>
+        </p:spPr>
+        <p:txBody>
+          <a:bodyPr wrap="none" rtlCol="0">
+            <a:spAutoFit/>
+          </a:bodyPr>
+          <a:lstStyle/>
+          <a:p>
+            <a:r>
+              <a:rPr lang="en-US" dirty="0" smtClean="0"/>
+              <a:t>Tail</a:t>
+            </a:r>
+            <a:endParaRPr lang="en-US" dirty="0"/>
+          </a:p>
+        </p:txBody>
+      </p:sp>
+      <p:sp>
+        <p:nvSpPr>
+          <p:cNvPr id="19" name="Rectangle 18"/>
+          <p:cNvSpPr/>
+          <p:nvPr/>
+        </p:nvSpPr>
+        <p:spPr>
+          <a:xfrm>
+            <a:off x="2959519" y="3581400"/>
+            <a:ext cx="1219200" cy="685800"/>
+          </a:xfrm>
+          <a:prstGeom prst="rect">
+            <a:avLst/>
+          </a:prstGeom>
+        </p:spPr>
+        <p:style>
+          <a:lnRef idx="2">
+            <a:schemeClr val="accent1">
+              <a:shade val="50000"/>
+            </a:schemeClr>
+          </a:lnRef>
+          <a:fillRef idx="1">
+            <a:schemeClr val="accent1"/>
+          </a:fillRef>
+          <a:effectRef idx="0">
+            <a:schemeClr val="accent1"/>
+          </a:effectRef>
+          <a:fontRef idx="minor">
+            <a:schemeClr val="lt1"/>
+          </a:fontRef>
+        </p:style>
+        <p:txBody>
+          <a:bodyPr rtlCol="0" anchor="ctr"/>
+          <a:lstStyle/>
+          <a:p>
+            <a:pPr algn="ctr"/>
+            <a:endParaRPr lang="en-US"/>
+          </a:p>
+        </p:txBody>
+      </p:sp>
+    </p:spTree>
+    <p:extLst>
+      <p:ext uri="{BB962C8B-B14F-4D97-AF65-F5344CB8AC3E}">
+        <p14:creationId xmlns:p14="http://schemas.microsoft.com/office/powerpoint/2010/main" val="128487273"/>
+      </p:ext>
+    </p:extLst>
+  </p:cSld>
+  <p:clrMapOvr>
+    <a:masterClrMapping/>
+  </p:clrMapOvr>
+  <p:timing>
+    <p:tnLst>
+      <p:par>
+        <p:cTn id="1" dur="indefinite" restart="never" nodeType="tmRoot"/>
+      </p:par>
+    </p:tnLst>
+  </p:timing>
+</p:sld>
+</file>
+
+<file path=ppt/slides/slide11.xml><?xml version="1.0" encoding="utf-8"?>
+<p:sld xmlns:a="http://schemas.openxmlformats.org/drawingml/2006/main" xmlns:r="http://schemas.openxmlformats.org/officeDocument/2006/relationships" xmlns:p="http://schemas.openxmlformats.org/presentationml/2006/main">
+  <p:cSld>
+    <p:spTree>
+      <p:nvGrpSpPr>
+        <p:cNvPr id="1" name=""/>
+        <p:cNvGrpSpPr/>
+        <p:nvPr/>
+      </p:nvGrpSpPr>
+      <p:grpSpPr>
+        <a:xfrm>
+          <a:off x="0" y="0"/>
+          <a:ext cx="0" cy="0"/>
+          <a:chOff x="0" y="0"/>
+          <a:chExt cx="0" cy="0"/>
+        </a:xfrm>
+      </p:grpSpPr>
+      <p:sp>
+        <p:nvSpPr>
+          <p:cNvPr id="2" name="Title 1"/>
+          <p:cNvSpPr>
+            <a:spLocks noGrp="1"/>
+          </p:cNvSpPr>
+          <p:nvPr>
+            <p:ph type="title"/>
+          </p:nvPr>
+        </p:nvSpPr>
+        <p:spPr/>
+        <p:txBody>
+          <a:bodyPr/>
+          <a:lstStyle/>
+          <a:p>
+            <a:r>
+              <a:rPr lang="en-US" dirty="0" smtClean="0"/>
+              <a:t>Messages</a:t>
+            </a:r>
+            <a:endParaRPr lang="en-US" dirty="0"/>
+          </a:p>
+        </p:txBody>
+      </p:sp>
+      <p:sp>
+        <p:nvSpPr>
+          <p:cNvPr id="3" name="Content Placeholder 2"/>
+          <p:cNvSpPr>
+            <a:spLocks noGrp="1"/>
+          </p:cNvSpPr>
+          <p:nvPr>
+            <p:ph idx="1"/>
+          </p:nvPr>
+        </p:nvSpPr>
+        <p:spPr/>
+        <p:txBody>
+          <a:bodyPr/>
+          <a:lstStyle/>
+          <a:p>
+            <a:r>
+              <a:rPr lang="en-US" dirty="0" err="1" smtClean="0"/>
+              <a:t>CreateUser</a:t>
+            </a:r>
+            <a:endParaRPr lang="en-US" dirty="0" smtClean="0"/>
+          </a:p>
+          <a:p>
+            <a:pPr lvl="1"/>
+            <a:r>
+              <a:rPr lang="en-US" dirty="0" smtClean="0"/>
+              <a:t>ID</a:t>
+            </a:r>
+          </a:p>
+          <a:p>
+            <a:pPr lvl="1"/>
+            <a:r>
+              <a:rPr lang="en-US" dirty="0" smtClean="0"/>
+              <a:t>First Name</a:t>
+            </a:r>
+          </a:p>
+          <a:p>
+            <a:pPr lvl="1"/>
+            <a:r>
+              <a:rPr lang="en-US" dirty="0" smtClean="0"/>
+              <a:t>Last Name</a:t>
+            </a:r>
+          </a:p>
+          <a:p>
+            <a:pPr lvl="1"/>
+            <a:r>
+              <a:rPr lang="en-US" dirty="0" smtClean="0"/>
+              <a:t>Email Address</a:t>
+            </a:r>
+          </a:p>
+          <a:p>
+            <a:pPr lvl="1"/>
+            <a:r>
+              <a:rPr lang="en-US" dirty="0" smtClean="0"/>
+              <a:t>Phone Number</a:t>
+            </a:r>
+          </a:p>
+          <a:p>
+            <a:pPr lvl="1"/>
+            <a:r>
+              <a:rPr lang="en-US" dirty="0" smtClean="0"/>
+              <a:t>….</a:t>
+            </a:r>
+            <a:endParaRPr lang="en-US" dirty="0"/>
+          </a:p>
+        </p:txBody>
+      </p:sp>
+    </p:spTree>
+    <p:extLst>
+      <p:ext uri="{BB962C8B-B14F-4D97-AF65-F5344CB8AC3E}">
+        <p14:creationId xmlns:p14="http://schemas.microsoft.com/office/powerpoint/2010/main" val="809923821"/>
+      </p:ext>
+    </p:extLst>
+  </p:cSld>
+  <p:clrMapOvr>
+    <a:masterClrMapping/>
+  </p:clrMapOvr>
+  <p:timing>
+    <p:tnLst>
+      <p:par>
+        <p:cTn id="1" dur="indefinite" restart="never" nodeType="tmRoot"/>
+      </p:par>
+    </p:tnLst>
+  </p:timing>
+</p:sld>
+</file>
+
+<file path=ppt/slides/slide12.xml><?xml version="1.0" encoding="utf-8"?>
+<p:sld xmlns:a="http://schemas.openxmlformats.org/drawingml/2006/main" xmlns:r="http://schemas.openxmlformats.org/officeDocument/2006/relationships" xmlns:p="http://schemas.openxmlformats.org/presentationml/2006/main">
+  <p:cSld>
+    <p:spTree>
+      <p:nvGrpSpPr>
+        <p:cNvPr id="1" name=""/>
+        <p:cNvGrpSpPr/>
+        <p:nvPr/>
+      </p:nvGrpSpPr>
+      <p:grpSpPr>
+        <a:xfrm>
+          <a:off x="0" y="0"/>
+          <a:ext cx="0" cy="0"/>
+          <a:chOff x="0" y="0"/>
+          <a:chExt cx="0" cy="0"/>
+        </a:xfrm>
+      </p:grpSpPr>
+      <p:sp>
+        <p:nvSpPr>
+          <p:cNvPr id="2" name="Title 1"/>
+          <p:cNvSpPr>
+            <a:spLocks noGrp="1"/>
+          </p:cNvSpPr>
+          <p:nvPr>
+            <p:ph type="title"/>
+          </p:nvPr>
+        </p:nvSpPr>
+        <p:spPr/>
+        <p:txBody>
+          <a:bodyPr/>
+          <a:lstStyle/>
+          <a:p>
+            <a:r>
+              <a:rPr lang="en-US" dirty="0" smtClean="0"/>
+              <a:t>Serializing messages</a:t>
+            </a:r>
+            <a:endParaRPr lang="en-US" dirty="0"/>
+          </a:p>
+        </p:txBody>
+      </p:sp>
+      <p:sp>
+        <p:nvSpPr>
+          <p:cNvPr id="3" name="Content Placeholder 2"/>
+          <p:cNvSpPr>
+            <a:spLocks noGrp="1"/>
+          </p:cNvSpPr>
+          <p:nvPr>
+            <p:ph idx="1"/>
+          </p:nvPr>
+        </p:nvSpPr>
+        <p:spPr/>
+        <p:txBody>
+          <a:bodyPr/>
+          <a:lstStyle/>
+          <a:p>
+            <a:r>
+              <a:rPr lang="en-US" dirty="0" smtClean="0"/>
+              <a:t>0110101011011011001010110110</a:t>
+            </a:r>
+          </a:p>
+          <a:p>
+            <a:r>
+              <a:rPr lang="en-US" dirty="0" smtClean="0"/>
+              <a:t>XML</a:t>
+            </a:r>
+          </a:p>
+          <a:p>
+            <a:r>
+              <a:rPr lang="en-US" dirty="0" smtClean="0"/>
+              <a:t>JSON</a:t>
+            </a:r>
+          </a:p>
+          <a:p>
+            <a:r>
+              <a:rPr lang="en-US" dirty="0" smtClean="0"/>
+              <a:t>Protocol Buffers</a:t>
+            </a:r>
+            <a:endParaRPr lang="en-US" dirty="0"/>
+          </a:p>
+        </p:txBody>
+      </p:sp>
+    </p:spTree>
+    <p:extLst>
+      <p:ext uri="{BB962C8B-B14F-4D97-AF65-F5344CB8AC3E}">
+        <p14:creationId xmlns:p14="http://schemas.microsoft.com/office/powerpoint/2010/main" val="3768748819"/>
+      </p:ext>
+    </p:extLst>
+  </p:cSld>
+  <p:clrMapOvr>
+    <a:masterClrMapping/>
+  </p:clrMapOvr>
+  <p:timing>
+    <p:tnLst>
+      <p:par>
+        <p:cTn id="1" dur="indefinite" restart="never" nodeType="tmRoot">
+          <p:childTnLst>
+            <p:seq concurrent="1" nextAc="seek">
+              <p:cTn id="2" dur="indefinite" nodeType="mainSeq">
+                <p:childTnLst>
+                  <p:par>
+                    <p:cTn id="3" fill="hold">
+                      <p:stCondLst>
+                        <p:cond delay="indefinite"/>
+                      </p:stCondLst>
+                      <p:childTnLst>
+                        <p:par>
+                          <p:cTn id="4" fill="hold">
+                            <p:stCondLst>
+                              <p:cond delay="0"/>
+                            </p:stCondLst>
+                            <p:childTnLst>
+                              <p:par>
+                                <p:cTn id="5" presetID="10" presetClass="entr" presetSubtype="0" fill="hold" grpId="0" nodeType="clickEffect">
+                                  <p:stCondLst>
+                                    <p:cond delay="0"/>
+                                  </p:stCondLst>
+                                  <p:childTnLst>
+                                    <p:set>
+                                      <p:cBhvr>
+                                        <p:cTn id="6" dur="1" fill="hold">
+                                          <p:stCondLst>
+                                            <p:cond delay="0"/>
+                                          </p:stCondLst>
+                                        </p:cTn>
+                                        <p:tgtEl>
+                                          <p:spTgt spid="3">
+                                            <p:txEl>
+                                              <p:pRg st="0" end="0"/>
+                                            </p:txEl>
+                                          </p:spTgt>
+                                        </p:tgtEl>
+                                        <p:attrNameLst>
+                                          <p:attrName>style.visibility</p:attrName>
+                                        </p:attrNameLst>
+                                      </p:cBhvr>
+                                      <p:to>
+                                        <p:strVal val="visible"/>
+                                      </p:to>
+                                    </p:set>
+                                    <p:animEffect transition="in" filter="fade">
+                                      <p:cBhvr>
+                                        <p:cTn id="7" dur="500"/>
+                                        <p:tgtEl>
+                                          <p:spTgt spid="3">
+                                            <p:txEl>
+                                              <p:pRg st="0" end="0"/>
+                                            </p:txEl>
+                                          </p:spTgt>
+                                        </p:tgtEl>
+                                      </p:cBhvr>
+                                    </p:animEffect>
+                                  </p:childTnLst>
+                                </p:cTn>
+                              </p:par>
+                            </p:childTnLst>
+                          </p:cTn>
+                        </p:par>
+                      </p:childTnLst>
+                    </p:cTn>
+                  </p:par>
+                  <p:par>
+                    <p:cTn id="8" fill="hold">
+                      <p:stCondLst>
+                        <p:cond delay="indefinite"/>
+                      </p:stCondLst>
+                      <p:childTnLst>
+                        <p:par>
+                          <p:cTn id="9" fill="hold">
+                            <p:stCondLst>
+                              <p:cond delay="0"/>
+                            </p:stCondLst>
+                            <p:childTnLst>
+                              <p:par>
+                                <p:cTn id="10" presetID="10" presetClass="entr" presetSubtype="0" fill="hold" grpId="0" nodeType="clickEffect">
+                                  <p:stCondLst>
+                                    <p:cond delay="0"/>
+                                  </p:stCondLst>
+                                  <p:childTnLst>
+                                    <p:set>
+                                      <p:cBhvr>
+                                        <p:cTn id="11" dur="1" fill="hold">
+                                          <p:stCondLst>
+                                            <p:cond delay="0"/>
+                                          </p:stCondLst>
+                                        </p:cTn>
+                                        <p:tgtEl>
+                                          <p:spTgt spid="3">
+                                            <p:txEl>
+                                              <p:pRg st="1" end="1"/>
+                                            </p:txEl>
+                                          </p:spTgt>
+                                        </p:tgtEl>
+                                        <p:attrNameLst>
+                                          <p:attrName>style.visibility</p:attrName>
+                                        </p:attrNameLst>
+                                      </p:cBhvr>
+                                      <p:to>
+                                        <p:strVal val="visible"/>
+                                      </p:to>
+                                    </p:set>
+                                    <p:animEffect transition="in" filter="fade">
+                                      <p:cBhvr>
+                                        <p:cTn id="12" dur="500"/>
+                                        <p:tgtEl>
+                                          <p:spTgt spid="3">
+                                            <p:txEl>
+                                              <p:pRg st="1" end="1"/>
+                                            </p:txEl>
+                                          </p:spTgt>
+                                        </p:tgtEl>
+                                      </p:cBhvr>
+                                    </p:animEffect>
+                                  </p:childTnLst>
+                                </p:cTn>
+                              </p:par>
+                            </p:childTnLst>
+                          </p:cTn>
+                        </p:par>
+                      </p:childTnLst>
+                    </p:cTn>
+                  </p:par>
+                  <p:par>
+                    <p:cTn id="13" fill="hold">
+                      <p:stCondLst>
+                        <p:cond delay="indefinite"/>
+                      </p:stCondLst>
+                      <p:childTnLst>
+                        <p:par>
+                          <p:cTn id="14" fill="hold">
+                            <p:stCondLst>
+                              <p:cond delay="0"/>
+                            </p:stCondLst>
+                            <p:childTnLst>
+                              <p:par>
+                                <p:cTn id="15" presetID="10" presetClass="entr" presetSubtype="0" fill="hold" grpId="0" nodeType="clickEffect">
+                                  <p:stCondLst>
+                                    <p:cond delay="0"/>
+                                  </p:stCondLst>
+                                  <p:childTnLst>
+                                    <p:set>
+                                      <p:cBhvr>
+                                        <p:cTn id="16" dur="1" fill="hold">
+                                          <p:stCondLst>
+                                            <p:cond delay="0"/>
+                                          </p:stCondLst>
+                                        </p:cTn>
+                                        <p:tgtEl>
+                                          <p:spTgt spid="3">
+                                            <p:txEl>
+                                              <p:pRg st="2" end="2"/>
+                                            </p:txEl>
+                                          </p:spTgt>
+                                        </p:tgtEl>
+                                        <p:attrNameLst>
+                                          <p:attrName>style.visibility</p:attrName>
+                                        </p:attrNameLst>
+                                      </p:cBhvr>
+                                      <p:to>
+                                        <p:strVal val="visible"/>
+                                      </p:to>
+                                    </p:set>
+                                    <p:animEffect transition="in" filter="fade">
+                                      <p:cBhvr>
+                                        <p:cTn id="17" dur="500"/>
+                                        <p:tgtEl>
+                                          <p:spTgt spid="3">
+                                            <p:txEl>
+                                              <p:pRg st="2" end="2"/>
+                                            </p:txEl>
+                                          </p:spTgt>
+                                        </p:tgtEl>
+                                      </p:cBhvr>
+                                    </p:animEffect>
+                                  </p:childTnLst>
+                                </p:cTn>
+                              </p:par>
+                            </p:childTnLst>
+                          </p:cTn>
+                        </p:par>
+                      </p:childTnLst>
+                    </p:cTn>
+                  </p:par>
+                  <p:par>
+                    <p:cTn id="18" fill="hold">
+                      <p:stCondLst>
+                        <p:cond delay="indefinite"/>
+                      </p:stCondLst>
+                      <p:childTnLst>
+                        <p:par>
+                          <p:cTn id="19" fill="hold">
+                            <p:stCondLst>
+                              <p:cond delay="0"/>
+                            </p:stCondLst>
+                            <p:childTnLst>
+                              <p:par>
+                                <p:cTn id="20" presetID="10" presetClass="entr" presetSubtype="0" fill="hold" grpId="0" nodeType="clickEffect">
+                                  <p:stCondLst>
+                                    <p:cond delay="0"/>
+                                  </p:stCondLst>
+                                  <p:childTnLst>
+                                    <p:set>
+                                      <p:cBhvr>
+                                        <p:cTn id="21" dur="1" fill="hold">
+                                          <p:stCondLst>
+                                            <p:cond delay="0"/>
+                                          </p:stCondLst>
+                                        </p:cTn>
+                                        <p:tgtEl>
+                                          <p:spTgt spid="3">
+                                            <p:txEl>
+                                              <p:pRg st="3" end="3"/>
+                                            </p:txEl>
+                                          </p:spTgt>
+                                        </p:tgtEl>
+                                        <p:attrNameLst>
+                                          <p:attrName>style.visibility</p:attrName>
+                                        </p:attrNameLst>
+                                      </p:cBhvr>
+                                      <p:to>
+                                        <p:strVal val="visible"/>
+                                      </p:to>
+                                    </p:set>
+                                    <p:animEffect transition="in" filter="fade">
+                                      <p:cBhvr>
+                                        <p:cTn id="22" dur="500"/>
+                                        <p:tgtEl>
+                                          <p:spTgt spid="3">
+                                            <p:txEl>
+                                              <p:pRg st="3" end="3"/>
+                                            </p:txEl>
+                                          </p:spTgt>
+                                        </p:tgtEl>
+                                      </p:cBhvr>
+                                    </p:animEffect>
+                                  </p:childTnLst>
+                                </p:cTn>
+                              </p:par>
+                            </p:childTnLst>
+                          </p:cTn>
+                        </p:par>
+                      </p:childTnLst>
+                    </p:cTn>
+                  </p:par>
+                </p:childTnLst>
+              </p:cTn>
+              <p:prevCondLst>
+                <p:cond evt="onPrev" delay="0">
+                  <p:tgtEl>
+                    <p:sldTgt/>
+                  </p:tgtEl>
+                </p:cond>
+              </p:prevCondLst>
+              <p:nextCondLst>
+                <p:cond evt="onNext" delay="0">
+                  <p:tgtEl>
+                    <p:sldTgt/>
+                  </p:tgtEl>
+                </p:cond>
+              </p:nextCondLst>
+            </p:seq>
+          </p:childTnLst>
+        </p:cTn>
+      </p:par>
+    </p:tnLst>
+    <p:bldLst>
+      <p:bldP spid="3" grpId="0" build="p"/>
+    </p:bldLst>
+  </p:timing>
+</p:sld>
+</file>
+
+<file path=ppt/slides/slide13.xml><?xml version="1.0" encoding="utf-8"?>
+<p:sld xmlns:a="http://schemas.openxmlformats.org/drawingml/2006/main" xmlns:r="http://schemas.openxmlformats.org/officeDocument/2006/relationships" xmlns:p="http://schemas.openxmlformats.org/presentationml/2006/main">
+  <p:cSld>
+    <p:spTree>
+      <p:nvGrpSpPr>
+        <p:cNvPr id="1" name=""/>
+        <p:cNvGrpSpPr/>
+        <p:nvPr/>
+      </p:nvGrpSpPr>
+      <p:grpSpPr>
+        <a:xfrm>
+          <a:off x="0" y="0"/>
+          <a:ext cx="0" cy="0"/>
+          <a:chOff x="0" y="0"/>
+          <a:chExt cx="0" cy="0"/>
+        </a:xfrm>
+      </p:grpSpPr>
+      <p:sp>
+        <p:nvSpPr>
+          <p:cNvPr id="2" name="Title 1"/>
+          <p:cNvSpPr>
+            <a:spLocks noGrp="1"/>
+          </p:cNvSpPr>
+          <p:nvPr>
+            <p:ph type="title"/>
+          </p:nvPr>
+        </p:nvSpPr>
+        <p:spPr/>
+        <p:txBody>
+          <a:bodyPr/>
+          <a:lstStyle/>
+          <a:p>
+            <a:r>
+              <a:rPr lang="en-US" dirty="0" smtClean="0"/>
+              <a:t>In </a:t>
+            </a:r>
+            <a:r>
+              <a:rPr lang="en-US" smtClean="0"/>
+              <a:t>process queues</a:t>
+            </a:r>
+            <a:endParaRPr lang="en-US"/>
+          </a:p>
+        </p:txBody>
+      </p:sp>
+      <p:sp>
+        <p:nvSpPr>
+          <p:cNvPr id="3" name="Content Placeholder 2"/>
+          <p:cNvSpPr>
+            <a:spLocks noGrp="1"/>
+          </p:cNvSpPr>
+          <p:nvPr>
+            <p:ph idx="1"/>
+          </p:nvPr>
+        </p:nvSpPr>
+        <p:spPr/>
+        <p:txBody>
+          <a:bodyPr/>
+          <a:lstStyle/>
+          <a:p>
+            <a:r>
+              <a:rPr lang="en-US" dirty="0" smtClean="0"/>
+              <a:t>Let’s look at some code</a:t>
+            </a:r>
+            <a:endParaRPr lang="en-US" dirty="0"/>
+          </a:p>
+          <a:p>
+            <a:r>
+              <a:rPr lang="en-US" dirty="0" smtClean="0"/>
+              <a:t>Things to look out for</a:t>
+            </a:r>
+          </a:p>
+          <a:p>
+            <a:pPr lvl="1"/>
+            <a:r>
+              <a:rPr lang="en-US" dirty="0" smtClean="0"/>
+              <a:t>Producers</a:t>
+            </a:r>
+          </a:p>
+          <a:p>
+            <a:pPr lvl="1"/>
+            <a:r>
+              <a:rPr lang="en-US" dirty="0" smtClean="0"/>
+              <a:t>Consumers</a:t>
+            </a:r>
+          </a:p>
+          <a:p>
+            <a:pPr lvl="1"/>
+            <a:r>
+              <a:rPr lang="en-US" dirty="0" smtClean="0"/>
+              <a:t>Blocking vs. non-blocking queue</a:t>
+            </a:r>
+          </a:p>
+        </p:txBody>
+      </p:sp>
+    </p:spTree>
+    <p:extLst>
+      <p:ext uri="{BB962C8B-B14F-4D97-AF65-F5344CB8AC3E}">
+        <p14:creationId xmlns:p14="http://schemas.microsoft.com/office/powerpoint/2010/main" val="3171753849"/>
+      </p:ext>
+    </p:extLst>
+  </p:cSld>
+  <p:clrMapOvr>
+    <a:masterClrMapping/>
+  </p:clrMapOvr>
+  <p:timing>
+    <p:tnLst>
+      <p:par>
+        <p:cTn id="1" dur="indefinite" restart="never" nodeType="tmRoot">
+          <p:childTnLst>
+            <p:seq concurrent="1" nextAc="seek">
+              <p:cTn id="2" dur="indefinite" nodeType="mainSeq">
+                <p:childTnLst>
+                  <p:par>
+                    <p:cTn id="3" fill="hold">
+                      <p:stCondLst>
+                        <p:cond delay="indefinite"/>
+                      </p:stCondLst>
+                      <p:childTnLst>
+                        <p:par>
+                          <p:cTn id="4" fill="hold">
+                            <p:stCondLst>
+                              <p:cond delay="0"/>
+                            </p:stCondLst>
+                            <p:childTnLst>
+                              <p:par>
+                                <p:cTn id="5" presetID="10" presetClass="entr" presetSubtype="0" fill="hold" grpId="0" nodeType="clickEffect">
+                                  <p:stCondLst>
+                                    <p:cond delay="0"/>
+                                  </p:stCondLst>
+                                  <p:childTnLst>
+                                    <p:set>
+                                      <p:cBhvr>
+                                        <p:cTn id="6" dur="1" fill="hold">
+                                          <p:stCondLst>
+                                            <p:cond delay="0"/>
+                                          </p:stCondLst>
+                                        </p:cTn>
+                                        <p:tgtEl>
+                                          <p:spTgt spid="3">
+                                            <p:txEl>
+                                              <p:pRg st="0" end="0"/>
+                                            </p:txEl>
+                                          </p:spTgt>
+                                        </p:tgtEl>
+                                        <p:attrNameLst>
+                                          <p:attrName>style.visibility</p:attrName>
+                                        </p:attrNameLst>
+                                      </p:cBhvr>
+                                      <p:to>
+                                        <p:strVal val="visible"/>
+                                      </p:to>
+                                    </p:set>
+                                    <p:animEffect transition="in" filter="fade">
+                                      <p:cBhvr>
+                                        <p:cTn id="7" dur="500"/>
+                                        <p:tgtEl>
+                                          <p:spTgt spid="3">
+                                            <p:txEl>
+                                              <p:pRg st="0" end="0"/>
+                                            </p:txEl>
+                                          </p:spTgt>
+                                        </p:tgtEl>
+                                      </p:cBhvr>
+                                    </p:animEffect>
+                                  </p:childTnLst>
+                                </p:cTn>
+                              </p:par>
+                            </p:childTnLst>
+                          </p:cTn>
+                        </p:par>
+                      </p:childTnLst>
+                    </p:cTn>
+                  </p:par>
+                  <p:par>
+                    <p:cTn id="8" fill="hold">
+                      <p:stCondLst>
+                        <p:cond delay="indefinite"/>
+                      </p:stCondLst>
+                      <p:childTnLst>
+                        <p:par>
+                          <p:cTn id="9" fill="hold">
+                            <p:stCondLst>
+                              <p:cond delay="0"/>
+                            </p:stCondLst>
+                            <p:childTnLst>
+                              <p:par>
+                                <p:cTn id="10" presetID="10" presetClass="entr" presetSubtype="0" fill="hold" grpId="0" nodeType="clickEffect">
+                                  <p:stCondLst>
+                                    <p:cond delay="0"/>
+                                  </p:stCondLst>
+                                  <p:childTnLst>
+                                    <p:set>
+                                      <p:cBhvr>
+                                        <p:cTn id="11" dur="1" fill="hold">
+                                          <p:stCondLst>
+                                            <p:cond delay="0"/>
+                                          </p:stCondLst>
+                                        </p:cTn>
+                                        <p:tgtEl>
+                                          <p:spTgt spid="3">
+                                            <p:txEl>
+                                              <p:pRg st="1" end="1"/>
+                                            </p:txEl>
+                                          </p:spTgt>
+                                        </p:tgtEl>
+                                        <p:attrNameLst>
+                                          <p:attrName>style.visibility</p:attrName>
+                                        </p:attrNameLst>
+                                      </p:cBhvr>
+                                      <p:to>
+                                        <p:strVal val="visible"/>
+                                      </p:to>
+                                    </p:set>
+                                    <p:animEffect transition="in" filter="fade">
+                                      <p:cBhvr>
+                                        <p:cTn id="12" dur="500"/>
+                                        <p:tgtEl>
+                                          <p:spTgt spid="3">
+                                            <p:txEl>
+                                              <p:pRg st="1" end="1"/>
+                                            </p:txEl>
+                                          </p:spTgt>
+                                        </p:tgtEl>
+                                      </p:cBhvr>
+                                    </p:animEffect>
+                                  </p:childTnLst>
+                                </p:cTn>
+                              </p:par>
+                              <p:par>
+                                <p:cTn id="13" presetID="10" presetClass="entr" presetSubtype="0" fill="hold" grpId="0" nodeType="withEffect">
+                                  <p:stCondLst>
+                                    <p:cond delay="0"/>
+                                  </p:stCondLst>
+                                  <p:childTnLst>
+                                    <p:set>
+                                      <p:cBhvr>
+                                        <p:cTn id="14" dur="1" fill="hold">
+                                          <p:stCondLst>
+                                            <p:cond delay="0"/>
+                                          </p:stCondLst>
+                                        </p:cTn>
+                                        <p:tgtEl>
+                                          <p:spTgt spid="3">
+                                            <p:txEl>
+                                              <p:pRg st="2" end="2"/>
+                                            </p:txEl>
+                                          </p:spTgt>
+                                        </p:tgtEl>
+                                        <p:attrNameLst>
+                                          <p:attrName>style.visibility</p:attrName>
+                                        </p:attrNameLst>
+                                      </p:cBhvr>
+                                      <p:to>
+                                        <p:strVal val="visible"/>
+                                      </p:to>
+                                    </p:set>
+                                    <p:animEffect transition="in" filter="fade">
+                                      <p:cBhvr>
+                                        <p:cTn id="15" dur="500"/>
+                                        <p:tgtEl>
+                                          <p:spTgt spid="3">
+                                            <p:txEl>
+                                              <p:pRg st="2" end="2"/>
+                                            </p:txEl>
+                                          </p:spTgt>
+                                        </p:tgtEl>
+                                      </p:cBhvr>
+                                    </p:animEffect>
+                                  </p:childTnLst>
+                                </p:cTn>
+                              </p:par>
+                              <p:par>
+                                <p:cTn id="16" presetID="10" presetClass="entr" presetSubtype="0" fill="hold" grpId="0" nodeType="withEffect">
+                                  <p:stCondLst>
+                                    <p:cond delay="0"/>
+                                  </p:stCondLst>
+                                  <p:childTnLst>
+                                    <p:set>
+                                      <p:cBhvr>
+                                        <p:cTn id="17" dur="1" fill="hold">
+                                          <p:stCondLst>
+                                            <p:cond delay="0"/>
+                                          </p:stCondLst>
+                                        </p:cTn>
+                                        <p:tgtEl>
+                                          <p:spTgt spid="3">
+                                            <p:txEl>
+                                              <p:pRg st="3" end="3"/>
+                                            </p:txEl>
+                                          </p:spTgt>
+                                        </p:tgtEl>
+                                        <p:attrNameLst>
+                                          <p:attrName>style.visibility</p:attrName>
+                                        </p:attrNameLst>
+                                      </p:cBhvr>
+                                      <p:to>
+                                        <p:strVal val="visible"/>
+                                      </p:to>
+                                    </p:set>
+                                    <p:animEffect transition="in" filter="fade">
+                                      <p:cBhvr>
+                                        <p:cTn id="18" dur="500"/>
+                                        <p:tgtEl>
+                                          <p:spTgt spid="3">
+                                            <p:txEl>
+                                              <p:pRg st="3" end="3"/>
+                                            </p:txEl>
+                                          </p:spTgt>
+                                        </p:tgtEl>
+                                      </p:cBhvr>
+                                    </p:animEffect>
+                                  </p:childTnLst>
+                                </p:cTn>
+                              </p:par>
+                              <p:par>
+                                <p:cTn id="19" presetID="10" presetClass="entr" presetSubtype="0" fill="hold" grpId="0" nodeType="withEffect">
+                                  <p:stCondLst>
+                                    <p:cond delay="0"/>
+                                  </p:stCondLst>
+                                  <p:childTnLst>
+                                    <p:set>
+                                      <p:cBhvr>
+                                        <p:cTn id="20" dur="1" fill="hold">
+                                          <p:stCondLst>
+                                            <p:cond delay="0"/>
+                                          </p:stCondLst>
+                                        </p:cTn>
+                                        <p:tgtEl>
+                                          <p:spTgt spid="3">
+                                            <p:txEl>
+                                              <p:pRg st="4" end="4"/>
+                                            </p:txEl>
+                                          </p:spTgt>
+                                        </p:tgtEl>
+                                        <p:attrNameLst>
+                                          <p:attrName>style.visibility</p:attrName>
+                                        </p:attrNameLst>
+                                      </p:cBhvr>
+                                      <p:to>
+                                        <p:strVal val="visible"/>
+                                      </p:to>
+                                    </p:set>
+                                    <p:animEffect transition="in" filter="fade">
+                                      <p:cBhvr>
+                                        <p:cTn id="21" dur="500"/>
+                                        <p:tgtEl>
+                                          <p:spTgt spid="3">
+                                            <p:txEl>
+                                              <p:pRg st="4" end="4"/>
+                                            </p:txEl>
+                                          </p:spTgt>
+                                        </p:tgtEl>
+                                      </p:cBhvr>
+                                    </p:animEffect>
+                                  </p:childTnLst>
+                                </p:cTn>
+                              </p:par>
+                            </p:childTnLst>
+                          </p:cTn>
+                        </p:par>
+                      </p:childTnLst>
+                    </p:cTn>
+                  </p:par>
+                </p:childTnLst>
+              </p:cTn>
+              <p:prevCondLst>
+                <p:cond evt="onPrev" delay="0">
+                  <p:tgtEl>
+                    <p:sldTgt/>
+                  </p:tgtEl>
+                </p:cond>
+              </p:prevCondLst>
+              <p:nextCondLst>
+                <p:cond evt="onNext" delay="0">
+                  <p:tgtEl>
+                    <p:sldTgt/>
+                  </p:tgtEl>
+                </p:cond>
+              </p:nextCondLst>
+            </p:seq>
+          </p:childTnLst>
+        </p:cTn>
+      </p:par>
+    </p:tnLst>
+    <p:bldLst>
+      <p:bldP spid="3" grpId="0" build="p"/>
+    </p:bldLst>
+  </p:timing>
+</p:sld>
+</file>
+
+<file path=ppt/slides/slide14.xml><?xml version="1.0" encoding="utf-8"?>
+<p:sld xmlns:a="http://schemas.openxmlformats.org/drawingml/2006/main" xmlns:r="http://schemas.openxmlformats.org/officeDocument/2006/relationships" xmlns:p="http://schemas.openxmlformats.org/presentationml/2006/main">
+  <p:cSld>
+    <p:spTree>
+      <p:nvGrpSpPr>
+        <p:cNvPr id="1" name=""/>
+        <p:cNvGrpSpPr/>
+        <p:nvPr/>
+      </p:nvGrpSpPr>
+      <p:grpSpPr>
+        <a:xfrm>
+          <a:off x="0" y="0"/>
+          <a:ext cx="0" cy="0"/>
+          <a:chOff x="0" y="0"/>
+          <a:chExt cx="0" cy="0"/>
+        </a:xfrm>
+      </p:grpSpPr>
+      <p:sp>
+        <p:nvSpPr>
+          <p:cNvPr id="2" name="Title 1"/>
+          <p:cNvSpPr>
+            <a:spLocks noGrp="1"/>
+          </p:cNvSpPr>
+          <p:nvPr>
+            <p:ph type="title"/>
+          </p:nvPr>
+        </p:nvSpPr>
+        <p:spPr/>
+        <p:txBody>
+          <a:bodyPr/>
+          <a:lstStyle/>
+          <a:p>
+            <a:r>
+              <a:rPr lang="en-US" dirty="0" smtClean="0"/>
+              <a:t>Out of process queues</a:t>
+            </a:r>
+            <a:endParaRPr lang="en-US" dirty="0"/>
+          </a:p>
+        </p:txBody>
+      </p:sp>
+      <p:sp>
+        <p:nvSpPr>
+          <p:cNvPr id="3" name="Content Placeholder 2"/>
+          <p:cNvSpPr>
+            <a:spLocks noGrp="1"/>
+          </p:cNvSpPr>
+          <p:nvPr>
+            <p:ph idx="1"/>
+          </p:nvPr>
+        </p:nvSpPr>
+        <p:spPr/>
+        <p:txBody>
+          <a:bodyPr/>
+          <a:lstStyle/>
+          <a:p>
+            <a:r>
+              <a:rPr lang="en-US" dirty="0" smtClean="0"/>
+              <a:t>There are a million queues out there</a:t>
+            </a:r>
+          </a:p>
+          <a:p>
+            <a:pPr lvl="1"/>
+            <a:r>
+              <a:rPr lang="en-US" dirty="0" smtClean="0"/>
+              <a:t>MSMQ</a:t>
+            </a:r>
+          </a:p>
+          <a:p>
+            <a:pPr lvl="1"/>
+            <a:r>
+              <a:rPr lang="en-US" dirty="0" err="1" smtClean="0"/>
+              <a:t>RabbitMQ</a:t>
+            </a:r>
+            <a:endParaRPr lang="en-US" dirty="0" smtClean="0"/>
+          </a:p>
+          <a:p>
+            <a:pPr lvl="1"/>
+            <a:r>
+              <a:rPr lang="en-US" dirty="0" err="1" smtClean="0"/>
+              <a:t>ZeroMQ</a:t>
+            </a:r>
+            <a:endParaRPr lang="en-US" dirty="0" smtClean="0"/>
+          </a:p>
+          <a:p>
+            <a:pPr lvl="1"/>
+            <a:r>
+              <a:rPr lang="en-US" dirty="0" err="1" smtClean="0"/>
+              <a:t>WebSphere</a:t>
+            </a:r>
+            <a:r>
+              <a:rPr lang="en-US" dirty="0" smtClean="0"/>
+              <a:t> MQ</a:t>
+            </a:r>
+          </a:p>
+          <a:p>
+            <a:pPr lvl="1"/>
+            <a:r>
+              <a:rPr lang="en-US" dirty="0" smtClean="0"/>
+              <a:t>BizTalk (mumble, mumble)</a:t>
+            </a:r>
+          </a:p>
+          <a:p>
+            <a:pPr lvl="1"/>
+            <a:endParaRPr lang="en-US" dirty="0"/>
+          </a:p>
+        </p:txBody>
+      </p:sp>
+    </p:spTree>
+    <p:extLst>
+      <p:ext uri="{BB962C8B-B14F-4D97-AF65-F5344CB8AC3E}">
+        <p14:creationId xmlns:p14="http://schemas.microsoft.com/office/powerpoint/2010/main" val="1006183739"/>
+      </p:ext>
+    </p:extLst>
+  </p:cSld>
+  <p:clrMapOvr>
+    <a:masterClrMapping/>
+  </p:clrMapOvr>
+  <p:timing>
+    <p:tnLst>
+      <p:par>
+        <p:cTn id="1" dur="indefinite" restart="never" nodeType="tmRoot">
+          <p:childTnLst>
+            <p:seq concurrent="1" nextAc="seek">
+              <p:cTn id="2" dur="indefinite" nodeType="mainSeq">
+                <p:childTnLst>
+                  <p:par>
+                    <p:cTn id="3" fill="hold">
+                      <p:stCondLst>
+                        <p:cond delay="indefinite"/>
+                      </p:stCondLst>
+                      <p:childTnLst>
+                        <p:par>
+                          <p:cTn id="4" fill="hold">
+                            <p:stCondLst>
+                              <p:cond delay="0"/>
+                            </p:stCondLst>
+                            <p:childTnLst>
+                              <p:par>
+                                <p:cTn id="5" presetID="10" presetClass="entr" presetSubtype="0" fill="hold" grpId="0" nodeType="clickEffect">
+                                  <p:stCondLst>
+                                    <p:cond delay="0"/>
+                                  </p:stCondLst>
+                                  <p:childTnLst>
+                                    <p:set>
+                                      <p:cBhvr>
+                                        <p:cTn id="6" dur="1" fill="hold">
+                                          <p:stCondLst>
+                                            <p:cond delay="0"/>
+                                          </p:stCondLst>
+                                        </p:cTn>
+                                        <p:tgtEl>
+                                          <p:spTgt spid="3">
+                                            <p:txEl>
+                                              <p:pRg st="0" end="0"/>
+                                            </p:txEl>
+                                          </p:spTgt>
+                                        </p:tgtEl>
+                                        <p:attrNameLst>
+                                          <p:attrName>style.visibility</p:attrName>
+                                        </p:attrNameLst>
+                                      </p:cBhvr>
+                                      <p:to>
+                                        <p:strVal val="visible"/>
+                                      </p:to>
+                                    </p:set>
+                                    <p:animEffect transition="in" filter="fade">
+                                      <p:cBhvr>
+                                        <p:cTn id="7" dur="500"/>
+                                        <p:tgtEl>
+                                          <p:spTgt spid="3">
+                                            <p:txEl>
+                                              <p:pRg st="0" end="0"/>
+                                            </p:txEl>
+                                          </p:spTgt>
+                                        </p:tgtEl>
+                                      </p:cBhvr>
+                                    </p:animEffect>
+                                  </p:childTnLst>
+                                </p:cTn>
+                              </p:par>
+                              <p:par>
+                                <p:cTn id="8" presetID="10" presetClass="entr" presetSubtype="0" fill="hold" grpId="0" nodeType="withEffect">
+                                  <p:stCondLst>
+                                    <p:cond delay="0"/>
+                                  </p:stCondLst>
+                                  <p:childTnLst>
+                                    <p:set>
+                                      <p:cBhvr>
+                                        <p:cTn id="9" dur="1" fill="hold">
+                                          <p:stCondLst>
+                                            <p:cond delay="0"/>
+                                          </p:stCondLst>
+                                        </p:cTn>
+                                        <p:tgtEl>
+                                          <p:spTgt spid="3">
+                                            <p:txEl>
+                                              <p:pRg st="1" end="1"/>
+                                            </p:txEl>
+                                          </p:spTgt>
+                                        </p:tgtEl>
+                                        <p:attrNameLst>
+                                          <p:attrName>style.visibility</p:attrName>
+                                        </p:attrNameLst>
+                                      </p:cBhvr>
+                                      <p:to>
+                                        <p:strVal val="visible"/>
+                                      </p:to>
+                                    </p:set>
+                                    <p:animEffect transition="in" filter="fade">
+                                      <p:cBhvr>
+                                        <p:cTn id="10" dur="500"/>
+                                        <p:tgtEl>
+                                          <p:spTgt spid="3">
+                                            <p:txEl>
+                                              <p:pRg st="1" end="1"/>
+                                            </p:txEl>
+                                          </p:spTgt>
+                                        </p:tgtEl>
+                                      </p:cBhvr>
+                                    </p:animEffect>
+                                  </p:childTnLst>
+                                </p:cTn>
+                              </p:par>
+                              <p:par>
+                                <p:cTn id="11" presetID="10" presetClass="entr" presetSubtype="0" fill="hold" grpId="0" nodeType="withEffect">
+                                  <p:stCondLst>
+                                    <p:cond delay="0"/>
+                                  </p:stCondLst>
+                                  <p:childTnLst>
+                                    <p:set>
+                                      <p:cBhvr>
+                                        <p:cTn id="12" dur="1" fill="hold">
+                                          <p:stCondLst>
+                                            <p:cond delay="0"/>
+                                          </p:stCondLst>
+                                        </p:cTn>
+                                        <p:tgtEl>
+                                          <p:spTgt spid="3">
+                                            <p:txEl>
+                                              <p:pRg st="2" end="2"/>
+                                            </p:txEl>
+                                          </p:spTgt>
+                                        </p:tgtEl>
+                                        <p:attrNameLst>
+                                          <p:attrName>style.visibility</p:attrName>
+                                        </p:attrNameLst>
+                                      </p:cBhvr>
+                                      <p:to>
+                                        <p:strVal val="visible"/>
+                                      </p:to>
+                                    </p:set>
+                                    <p:animEffect transition="in" filter="fade">
+                                      <p:cBhvr>
+                                        <p:cTn id="13" dur="500"/>
+                                        <p:tgtEl>
+                                          <p:spTgt spid="3">
+                                            <p:txEl>
+                                              <p:pRg st="2" end="2"/>
+                                            </p:txEl>
+                                          </p:spTgt>
+                                        </p:tgtEl>
+                                      </p:cBhvr>
+                                    </p:animEffect>
+                                  </p:childTnLst>
+                                </p:cTn>
+                              </p:par>
+                              <p:par>
+                                <p:cTn id="14" presetID="10" presetClass="entr" presetSubtype="0" fill="hold" grpId="0" nodeType="withEffect">
+                                  <p:stCondLst>
+                                    <p:cond delay="0"/>
+                                  </p:stCondLst>
+                                  <p:childTnLst>
+                                    <p:set>
+                                      <p:cBhvr>
+                                        <p:cTn id="15" dur="1" fill="hold">
+                                          <p:stCondLst>
+                                            <p:cond delay="0"/>
+                                          </p:stCondLst>
+                                        </p:cTn>
+                                        <p:tgtEl>
+                                          <p:spTgt spid="3">
+                                            <p:txEl>
+                                              <p:pRg st="3" end="3"/>
+                                            </p:txEl>
+                                          </p:spTgt>
+                                        </p:tgtEl>
+                                        <p:attrNameLst>
+                                          <p:attrName>style.visibility</p:attrName>
+                                        </p:attrNameLst>
+                                      </p:cBhvr>
+                                      <p:to>
+                                        <p:strVal val="visible"/>
+                                      </p:to>
+                                    </p:set>
+                                    <p:animEffect transition="in" filter="fade">
+                                      <p:cBhvr>
+                                        <p:cTn id="16" dur="500"/>
+                                        <p:tgtEl>
+                                          <p:spTgt spid="3">
+                                            <p:txEl>
+                                              <p:pRg st="3" end="3"/>
+                                            </p:txEl>
+                                          </p:spTgt>
+                                        </p:tgtEl>
+                                      </p:cBhvr>
+                                    </p:animEffect>
+                                  </p:childTnLst>
+                                </p:cTn>
+                              </p:par>
+                              <p:par>
+                                <p:cTn id="17" presetID="10" presetClass="entr" presetSubtype="0" fill="hold" grpId="0" nodeType="withEffect">
+                                  <p:stCondLst>
+                                    <p:cond delay="0"/>
+                                  </p:stCondLst>
+                                  <p:childTnLst>
+                                    <p:set>
+                                      <p:cBhvr>
+                                        <p:cTn id="18" dur="1" fill="hold">
+                                          <p:stCondLst>
+                                            <p:cond delay="0"/>
+                                          </p:stCondLst>
+                                        </p:cTn>
+                                        <p:tgtEl>
+                                          <p:spTgt spid="3">
+                                            <p:txEl>
+                                              <p:pRg st="4" end="4"/>
+                                            </p:txEl>
+                                          </p:spTgt>
+                                        </p:tgtEl>
+                                        <p:attrNameLst>
+                                          <p:attrName>style.visibility</p:attrName>
+                                        </p:attrNameLst>
+                                      </p:cBhvr>
+                                      <p:to>
+                                        <p:strVal val="visible"/>
+                                      </p:to>
+                                    </p:set>
+                                    <p:animEffect transition="in" filter="fade">
+                                      <p:cBhvr>
+                                        <p:cTn id="19" dur="500"/>
+                                        <p:tgtEl>
+                                          <p:spTgt spid="3">
+                                            <p:txEl>
+                                              <p:pRg st="4" end="4"/>
+                                            </p:txEl>
+                                          </p:spTgt>
+                                        </p:tgtEl>
+                                      </p:cBhvr>
+                                    </p:animEffect>
+                                  </p:childTnLst>
+                                </p:cTn>
+                              </p:par>
+                              <p:par>
+                                <p:cTn id="20" presetID="10" presetClass="entr" presetSubtype="0" fill="hold" grpId="0" nodeType="withEffect">
+                                  <p:stCondLst>
+                                    <p:cond delay="0"/>
+                                  </p:stCondLst>
+                                  <p:childTnLst>
+                                    <p:set>
+                                      <p:cBhvr>
+                                        <p:cTn id="21" dur="1" fill="hold">
+                                          <p:stCondLst>
+                                            <p:cond delay="0"/>
+                                          </p:stCondLst>
+                                        </p:cTn>
+                                        <p:tgtEl>
+                                          <p:spTgt spid="3">
+                                            <p:txEl>
+                                              <p:pRg st="5" end="5"/>
+                                            </p:txEl>
+                                          </p:spTgt>
+                                        </p:tgtEl>
+                                        <p:attrNameLst>
+                                          <p:attrName>style.visibility</p:attrName>
+                                        </p:attrNameLst>
+                                      </p:cBhvr>
+                                      <p:to>
+                                        <p:strVal val="visible"/>
+                                      </p:to>
+                                    </p:set>
+                                    <p:animEffect transition="in" filter="fade">
+                                      <p:cBhvr>
+                                        <p:cTn id="22" dur="500"/>
+                                        <p:tgtEl>
+                                          <p:spTgt spid="3">
+                                            <p:txEl>
+                                              <p:pRg st="5" end="5"/>
+                                            </p:txEl>
+                                          </p:spTgt>
+                                        </p:tgtEl>
+                                      </p:cBhvr>
+                                    </p:animEffect>
+                                  </p:childTnLst>
+                                </p:cTn>
+                              </p:par>
+                            </p:childTnLst>
+                          </p:cTn>
+                        </p:par>
+                      </p:childTnLst>
+                    </p:cTn>
+                  </p:par>
+                </p:childTnLst>
+              </p:cTn>
+              <p:prevCondLst>
+                <p:cond evt="onPrev" delay="0">
+                  <p:tgtEl>
+                    <p:sldTgt/>
+                  </p:tgtEl>
+                </p:cond>
+              </p:prevCondLst>
+              <p:nextCondLst>
+                <p:cond evt="onNext" delay="0">
+                  <p:tgtEl>
+                    <p:sldTgt/>
+                  </p:tgtEl>
+                </p:cond>
+              </p:nextCondLst>
+            </p:seq>
+          </p:childTnLst>
+        </p:cTn>
+      </p:par>
+    </p:tnLst>
+    <p:bldLst>
+      <p:bldP spid="3" grpId="0" build="p"/>
+    </p:bldLst>
+  </p:timing>
+</p:sld>
+</file>
+
+<file path=ppt/slides/slide15.xml><?xml version="1.0" encoding="utf-8"?>
 <p:sld xmlns:a="http://schemas.openxmlformats.org/drawingml/2006/main" xmlns:r="http://schemas.openxmlformats.org/officeDocument/2006/relationships" xmlns:p="http://schemas.openxmlformats.org/presentationml/2006/main">
   <p:cSld>
     <p:spTree>
@@ -25926,10 +27689,251 @@
   <p:clrMapOvr>
     <a:masterClrMapping/>
   </p:clrMapOvr>
+  <p:timing>
+    <p:tnLst>
+      <p:par>
+        <p:cTn id="1" dur="indefinite" restart="never" nodeType="tmRoot">
+          <p:childTnLst>
+            <p:seq concurrent="1" nextAc="seek">
+              <p:cTn id="2" dur="indefinite" nodeType="mainSeq">
+                <p:childTnLst>
+                  <p:par>
+                    <p:cTn id="3" fill="hold">
+                      <p:stCondLst>
+                        <p:cond delay="indefinite"/>
+                      </p:stCondLst>
+                      <p:childTnLst>
+                        <p:par>
+                          <p:cTn id="4" fill="hold">
+                            <p:stCondLst>
+                              <p:cond delay="0"/>
+                            </p:stCondLst>
+                            <p:childTnLst>
+                              <p:par>
+                                <p:cTn id="5" presetID="10" presetClass="entr" presetSubtype="0" fill="hold" grpId="0" nodeType="clickEffect">
+                                  <p:stCondLst>
+                                    <p:cond delay="0"/>
+                                  </p:stCondLst>
+                                  <p:childTnLst>
+                                    <p:set>
+                                      <p:cBhvr>
+                                        <p:cTn id="6" dur="1" fill="hold">
+                                          <p:stCondLst>
+                                            <p:cond delay="0"/>
+                                          </p:stCondLst>
+                                        </p:cTn>
+                                        <p:tgtEl>
+                                          <p:spTgt spid="3">
+                                            <p:txEl>
+                                              <p:pRg st="0" end="0"/>
+                                            </p:txEl>
+                                          </p:spTgt>
+                                        </p:tgtEl>
+                                        <p:attrNameLst>
+                                          <p:attrName>style.visibility</p:attrName>
+                                        </p:attrNameLst>
+                                      </p:cBhvr>
+                                      <p:to>
+                                        <p:strVal val="visible"/>
+                                      </p:to>
+                                    </p:set>
+                                    <p:animEffect transition="in" filter="fade">
+                                      <p:cBhvr>
+                                        <p:cTn id="7" dur="500"/>
+                                        <p:tgtEl>
+                                          <p:spTgt spid="3">
+                                            <p:txEl>
+                                              <p:pRg st="0" end="0"/>
+                                            </p:txEl>
+                                          </p:spTgt>
+                                        </p:tgtEl>
+                                      </p:cBhvr>
+                                    </p:animEffect>
+                                  </p:childTnLst>
+                                </p:cTn>
+                              </p:par>
+                            </p:childTnLst>
+                          </p:cTn>
+                        </p:par>
+                      </p:childTnLst>
+                    </p:cTn>
+                  </p:par>
+                  <p:par>
+                    <p:cTn id="8" fill="hold">
+                      <p:stCondLst>
+                        <p:cond delay="indefinite"/>
+                      </p:stCondLst>
+                      <p:childTnLst>
+                        <p:par>
+                          <p:cTn id="9" fill="hold">
+                            <p:stCondLst>
+                              <p:cond delay="0"/>
+                            </p:stCondLst>
+                            <p:childTnLst>
+                              <p:par>
+                                <p:cTn id="10" presetID="10" presetClass="entr" presetSubtype="0" fill="hold" grpId="0" nodeType="clickEffect">
+                                  <p:stCondLst>
+                                    <p:cond delay="0"/>
+                                  </p:stCondLst>
+                                  <p:childTnLst>
+                                    <p:set>
+                                      <p:cBhvr>
+                                        <p:cTn id="11" dur="1" fill="hold">
+                                          <p:stCondLst>
+                                            <p:cond delay="0"/>
+                                          </p:stCondLst>
+                                        </p:cTn>
+                                        <p:tgtEl>
+                                          <p:spTgt spid="3">
+                                            <p:txEl>
+                                              <p:pRg st="1" end="1"/>
+                                            </p:txEl>
+                                          </p:spTgt>
+                                        </p:tgtEl>
+                                        <p:attrNameLst>
+                                          <p:attrName>style.visibility</p:attrName>
+                                        </p:attrNameLst>
+                                      </p:cBhvr>
+                                      <p:to>
+                                        <p:strVal val="visible"/>
+                                      </p:to>
+                                    </p:set>
+                                    <p:animEffect transition="in" filter="fade">
+                                      <p:cBhvr>
+                                        <p:cTn id="12" dur="500"/>
+                                        <p:tgtEl>
+                                          <p:spTgt spid="3">
+                                            <p:txEl>
+                                              <p:pRg st="1" end="1"/>
+                                            </p:txEl>
+                                          </p:spTgt>
+                                        </p:tgtEl>
+                                      </p:cBhvr>
+                                    </p:animEffect>
+                                  </p:childTnLst>
+                                </p:cTn>
+                              </p:par>
+                              <p:par>
+                                <p:cTn id="13" presetID="10" presetClass="entr" presetSubtype="0" fill="hold" grpId="0" nodeType="withEffect">
+                                  <p:stCondLst>
+                                    <p:cond delay="0"/>
+                                  </p:stCondLst>
+                                  <p:childTnLst>
+                                    <p:set>
+                                      <p:cBhvr>
+                                        <p:cTn id="14" dur="1" fill="hold">
+                                          <p:stCondLst>
+                                            <p:cond delay="0"/>
+                                          </p:stCondLst>
+                                        </p:cTn>
+                                        <p:tgtEl>
+                                          <p:spTgt spid="3">
+                                            <p:txEl>
+                                              <p:pRg st="2" end="2"/>
+                                            </p:txEl>
+                                          </p:spTgt>
+                                        </p:tgtEl>
+                                        <p:attrNameLst>
+                                          <p:attrName>style.visibility</p:attrName>
+                                        </p:attrNameLst>
+                                      </p:cBhvr>
+                                      <p:to>
+                                        <p:strVal val="visible"/>
+                                      </p:to>
+                                    </p:set>
+                                    <p:animEffect transition="in" filter="fade">
+                                      <p:cBhvr>
+                                        <p:cTn id="15" dur="500"/>
+                                        <p:tgtEl>
+                                          <p:spTgt spid="3">
+                                            <p:txEl>
+                                              <p:pRg st="2" end="2"/>
+                                            </p:txEl>
+                                          </p:spTgt>
+                                        </p:tgtEl>
+                                      </p:cBhvr>
+                                    </p:animEffect>
+                                  </p:childTnLst>
+                                </p:cTn>
+                              </p:par>
+                              <p:par>
+                                <p:cTn id="16" presetID="10" presetClass="entr" presetSubtype="0" fill="hold" grpId="0" nodeType="withEffect">
+                                  <p:stCondLst>
+                                    <p:cond delay="0"/>
+                                  </p:stCondLst>
+                                  <p:childTnLst>
+                                    <p:set>
+                                      <p:cBhvr>
+                                        <p:cTn id="17" dur="1" fill="hold">
+                                          <p:stCondLst>
+                                            <p:cond delay="0"/>
+                                          </p:stCondLst>
+                                        </p:cTn>
+                                        <p:tgtEl>
+                                          <p:spTgt spid="3">
+                                            <p:txEl>
+                                              <p:pRg st="3" end="3"/>
+                                            </p:txEl>
+                                          </p:spTgt>
+                                        </p:tgtEl>
+                                        <p:attrNameLst>
+                                          <p:attrName>style.visibility</p:attrName>
+                                        </p:attrNameLst>
+                                      </p:cBhvr>
+                                      <p:to>
+                                        <p:strVal val="visible"/>
+                                      </p:to>
+                                    </p:set>
+                                    <p:animEffect transition="in" filter="fade">
+                                      <p:cBhvr>
+                                        <p:cTn id="18" dur="500"/>
+                                        <p:tgtEl>
+                                          <p:spTgt spid="3">
+                                            <p:txEl>
+                                              <p:pRg st="3" end="3"/>
+                                            </p:txEl>
+                                          </p:spTgt>
+                                        </p:tgtEl>
+                                      </p:cBhvr>
+                                    </p:animEffect>
+                                  </p:childTnLst>
+                                </p:cTn>
+                              </p:par>
+                            </p:childTnLst>
+                          </p:cTn>
+                        </p:par>
+                      </p:childTnLst>
+                    </p:cTn>
+                  </p:par>
+                </p:childTnLst>
+              </p:cTn>
+              <p:prevCondLst>
+                <p:cond evt="onPrev" delay="0">
+                  <p:tgtEl>
+                    <p:sldTgt/>
+                  </p:tgtEl>
+                </p:cond>
+              </p:prevCondLst>
+              <p:nextCondLst>
+                <p:cond evt="onNext" delay="0">
+                  <p:tgtEl>
+                    <p:sldTgt/>
+                  </p:tgtEl>
+                </p:cond>
+              </p:nextCondLst>
+            </p:seq>
+          </p:childTnLst>
+        </p:cTn>
+      </p:par>
+    </p:tnLst>
+    <p:bldLst>
+      <p:bldP spid="3" grpId="0" build="p"/>
+    </p:bldLst>
+  </p:timing>
 </p:sld>
 </file>
 
-<file path=ppt/slides/slide11.xml><?xml version="1.0" encoding="utf-8"?>
+<file path=ppt/slides/slide16.xml><?xml version="1.0" encoding="utf-8"?>
 <p:sld xmlns:a="http://schemas.openxmlformats.org/drawingml/2006/main" xmlns:r="http://schemas.openxmlformats.org/officeDocument/2006/relationships" xmlns:p="http://schemas.openxmlformats.org/presentationml/2006/main">
   <p:cSld>
     <p:spTree>
@@ -26008,10 +28012,141 @@
   <p:clrMapOvr>
     <a:masterClrMapping/>
   </p:clrMapOvr>
+  <p:timing>
+    <p:tnLst>
+      <p:par>
+        <p:cTn id="1" dur="indefinite" restart="never" nodeType="tmRoot">
+          <p:childTnLst>
+            <p:seq concurrent="1" nextAc="seek">
+              <p:cTn id="2" dur="indefinite" nodeType="mainSeq">
+                <p:childTnLst>
+                  <p:par>
+                    <p:cTn id="3" fill="hold">
+                      <p:stCondLst>
+                        <p:cond delay="indefinite"/>
+                      </p:stCondLst>
+                      <p:childTnLst>
+                        <p:par>
+                          <p:cTn id="4" fill="hold">
+                            <p:stCondLst>
+                              <p:cond delay="0"/>
+                            </p:stCondLst>
+                            <p:childTnLst>
+                              <p:par>
+                                <p:cTn id="5" presetID="1" presetClass="entr" presetSubtype="0" fill="hold" grpId="0" nodeType="clickEffect">
+                                  <p:stCondLst>
+                                    <p:cond delay="0"/>
+                                  </p:stCondLst>
+                                  <p:childTnLst>
+                                    <p:set>
+                                      <p:cBhvr>
+                                        <p:cTn id="6" dur="1" fill="hold">
+                                          <p:stCondLst>
+                                            <p:cond delay="0"/>
+                                          </p:stCondLst>
+                                        </p:cTn>
+                                        <p:tgtEl>
+                                          <p:spTgt spid="3">
+                                            <p:txEl>
+                                              <p:pRg st="0" end="0"/>
+                                            </p:txEl>
+                                          </p:spTgt>
+                                        </p:tgtEl>
+                                        <p:attrNameLst>
+                                          <p:attrName>style.visibility</p:attrName>
+                                        </p:attrNameLst>
+                                      </p:cBhvr>
+                                      <p:to>
+                                        <p:strVal val="visible"/>
+                                      </p:to>
+                                    </p:set>
+                                  </p:childTnLst>
+                                </p:cTn>
+                              </p:par>
+                            </p:childTnLst>
+                          </p:cTn>
+                        </p:par>
+                      </p:childTnLst>
+                    </p:cTn>
+                  </p:par>
+                  <p:par>
+                    <p:cTn id="7" fill="hold">
+                      <p:stCondLst>
+                        <p:cond delay="indefinite"/>
+                      </p:stCondLst>
+                      <p:childTnLst>
+                        <p:par>
+                          <p:cTn id="8" fill="hold">
+                            <p:stCondLst>
+                              <p:cond delay="0"/>
+                            </p:stCondLst>
+                            <p:childTnLst>
+                              <p:par>
+                                <p:cTn id="9" presetID="1" presetClass="entr" presetSubtype="0" fill="hold" grpId="0" nodeType="clickEffect">
+                                  <p:stCondLst>
+                                    <p:cond delay="0"/>
+                                  </p:stCondLst>
+                                  <p:childTnLst>
+                                    <p:set>
+                                      <p:cBhvr>
+                                        <p:cTn id="10" dur="1" fill="hold">
+                                          <p:stCondLst>
+                                            <p:cond delay="0"/>
+                                          </p:stCondLst>
+                                        </p:cTn>
+                                        <p:tgtEl>
+                                          <p:spTgt spid="3">
+                                            <p:txEl>
+                                              <p:pRg st="1" end="1"/>
+                                            </p:txEl>
+                                          </p:spTgt>
+                                        </p:tgtEl>
+                                        <p:attrNameLst>
+                                          <p:attrName>style.visibility</p:attrName>
+                                        </p:attrNameLst>
+                                      </p:cBhvr>
+                                      <p:to>
+                                        <p:strVal val="visible"/>
+                                      </p:to>
+                                    </p:set>
+                                  </p:childTnLst>
+                                </p:cTn>
+                              </p:par>
+                            </p:childTnLst>
+                          </p:cTn>
+                        </p:par>
+                      </p:childTnLst>
+                    </p:cTn>
+                  </p:par>
+                </p:childTnLst>
+              </p:cTn>
+              <p:prevCondLst>
+                <p:cond evt="onPrev" delay="0">
+                  <p:tgtEl>
+                    <p:sldTgt/>
+                  </p:tgtEl>
+                </p:cond>
+              </p:prevCondLst>
+              <p:nextCondLst>
+                <p:cond evt="onNext" delay="0">
+                  <p:tgtEl>
+                    <p:sldTgt/>
+                  </p:tgtEl>
+                </p:cond>
+              </p:nextCondLst>
+            </p:seq>
+          </p:childTnLst>
+        </p:cTn>
+      </p:par>
+    </p:tnLst>
+    <p:bldLst>
+      <p:bldP spid="3" grpId="0" build="p"/>
+    </p:bldLst>
+  </p:timing>
 </p:sld>
 </file>
 
-<file path=ppt/slides/slide12.xml><?xml version="1.0" encoding="utf-8"?>
+<file path=ppt/slides/slide17.xml><?xml version="1.0" encoding="utf-8"?>
 <p:sld xmlns:a="http://schemas.openxmlformats.org/drawingml/2006/main" xmlns:r="http://schemas.openxmlformats.org/officeDocument/2006/relationships" xmlns:p="http://schemas.openxmlformats.org/presentationml/2006/main">
   <p:cSld>
     <p:spTree>
@@ -26089,7 +28224,7 @@
 </p:sld>
 </file>
 
-<file path=ppt/slides/slide13.xml><?xml version="1.0" encoding="utf-8"?>
+<file path=ppt/slides/slide18.xml><?xml version="1.0" encoding="utf-8"?>
 <p:sld xmlns:a="http://schemas.openxmlformats.org/drawingml/2006/main" xmlns:r="http://schemas.openxmlformats.org/officeDocument/2006/relationships" xmlns:p="http://schemas.openxmlformats.org/presentationml/2006/main">
   <p:cSld>
     <p:spTree>
@@ -26168,10 +28303,141 @@
   <p:clrMapOvr>
     <a:masterClrMapping/>
   </p:clrMapOvr>
+  <p:timing>
+    <p:tnLst>
+      <p:par>
+        <p:cTn id="1" dur="indefinite" restart="never" nodeType="tmRoot">
+          <p:childTnLst>
+            <p:seq concurrent="1" nextAc="seek">
+              <p:cTn id="2" dur="indefinite" nodeType="mainSeq">
+                <p:childTnLst>
+                  <p:par>
+                    <p:cTn id="3" fill="hold">
+                      <p:stCondLst>
+                        <p:cond delay="indefinite"/>
+                      </p:stCondLst>
+                      <p:childTnLst>
+                        <p:par>
+                          <p:cTn id="4" fill="hold">
+                            <p:stCondLst>
+                              <p:cond delay="0"/>
+                            </p:stCondLst>
+                            <p:childTnLst>
+                              <p:par>
+                                <p:cTn id="5" presetID="1" presetClass="entr" presetSubtype="0" fill="hold" grpId="0" nodeType="clickEffect">
+                                  <p:stCondLst>
+                                    <p:cond delay="0"/>
+                                  </p:stCondLst>
+                                  <p:childTnLst>
+                                    <p:set>
+                                      <p:cBhvr>
+                                        <p:cTn id="6" dur="1" fill="hold">
+                                          <p:stCondLst>
+                                            <p:cond delay="0"/>
+                                          </p:stCondLst>
+                                        </p:cTn>
+                                        <p:tgtEl>
+                                          <p:spTgt spid="3">
+                                            <p:txEl>
+                                              <p:pRg st="0" end="0"/>
+                                            </p:txEl>
+                                          </p:spTgt>
+                                        </p:tgtEl>
+                                        <p:attrNameLst>
+                                          <p:attrName>style.visibility</p:attrName>
+                                        </p:attrNameLst>
+                                      </p:cBhvr>
+                                      <p:to>
+                                        <p:strVal val="visible"/>
+                                      </p:to>
+                                    </p:set>
+                                  </p:childTnLst>
+                                </p:cTn>
+                              </p:par>
+                            </p:childTnLst>
+                          </p:cTn>
+                        </p:par>
+                      </p:childTnLst>
+                    </p:cTn>
+                  </p:par>
+                  <p:par>
+                    <p:cTn id="7" fill="hold">
+                      <p:stCondLst>
+                        <p:cond delay="indefinite"/>
+                      </p:stCondLst>
+                      <p:childTnLst>
+                        <p:par>
+                          <p:cTn id="8" fill="hold">
+                            <p:stCondLst>
+                              <p:cond delay="0"/>
+                            </p:stCondLst>
+                            <p:childTnLst>
+                              <p:par>
+                                <p:cTn id="9" presetID="1" presetClass="entr" presetSubtype="0" fill="hold" grpId="0" nodeType="clickEffect">
+                                  <p:stCondLst>
+                                    <p:cond delay="0"/>
+                                  </p:stCondLst>
+                                  <p:childTnLst>
+                                    <p:set>
+                                      <p:cBhvr>
+                                        <p:cTn id="10" dur="1" fill="hold">
+                                          <p:stCondLst>
+                                            <p:cond delay="0"/>
+                                          </p:stCondLst>
+                                        </p:cTn>
+                                        <p:tgtEl>
+                                          <p:spTgt spid="3">
+                                            <p:txEl>
+                                              <p:pRg st="1" end="1"/>
+                                            </p:txEl>
+                                          </p:spTgt>
+                                        </p:tgtEl>
+                                        <p:attrNameLst>
+                                          <p:attrName>style.visibility</p:attrName>
+                                        </p:attrNameLst>
+                                      </p:cBhvr>
+                                      <p:to>
+                                        <p:strVal val="visible"/>
+                                      </p:to>
+                                    </p:set>
+                                  </p:childTnLst>
+                                </p:cTn>
+                              </p:par>
+                            </p:childTnLst>
+                          </p:cTn>
+                        </p:par>
+                      </p:childTnLst>
+                    </p:cTn>
+                  </p:par>
+                </p:childTnLst>
+              </p:cTn>
+              <p:prevCondLst>
+                <p:cond evt="onPrev" delay="0">
+                  <p:tgtEl>
+                    <p:sldTgt/>
+                  </p:tgtEl>
+                </p:cond>
+              </p:prevCondLst>
+              <p:nextCondLst>
+                <p:cond evt="onNext" delay="0">
+                  <p:tgtEl>
+                    <p:sldTgt/>
+                  </p:tgtEl>
+                </p:cond>
+              </p:nextCondLst>
+            </p:seq>
+          </p:childTnLst>
+        </p:cTn>
+      </p:par>
+    </p:tnLst>
+    <p:bldLst>
+      <p:bldP spid="3" grpId="0" build="p"/>
+    </p:bldLst>
+  </p:timing>
 </p:sld>
 </file>
 
-<file path=ppt/slides/slide14.xml><?xml version="1.0" encoding="utf-8"?>
+<file path=ppt/slides/slide19.xml><?xml version="1.0" encoding="utf-8"?>
 <p:sld xmlns:a="http://schemas.openxmlformats.org/drawingml/2006/main" xmlns:r="http://schemas.openxmlformats.org/officeDocument/2006/relationships" xmlns:p="http://schemas.openxmlformats.org/presentationml/2006/main">
   <p:cSld>
     <p:spTree>
@@ -26256,10 +28522,403 @@
   <p:clrMapOvr>
     <a:masterClrMapping/>
   </p:clrMapOvr>
+  <p:timing>
+    <p:tnLst>
+      <p:par>
+        <p:cTn id="1" dur="indefinite" restart="never" nodeType="tmRoot">
+          <p:childTnLst>
+            <p:seq concurrent="1" nextAc="seek">
+              <p:cTn id="2" dur="indefinite" nodeType="mainSeq">
+                <p:childTnLst>
+                  <p:par>
+                    <p:cTn id="3" fill="hold">
+                      <p:stCondLst>
+                        <p:cond delay="indefinite"/>
+                      </p:stCondLst>
+                      <p:childTnLst>
+                        <p:par>
+                          <p:cTn id="4" fill="hold">
+                            <p:stCondLst>
+                              <p:cond delay="0"/>
+                            </p:stCondLst>
+                            <p:childTnLst>
+                              <p:par>
+                                <p:cTn id="5" presetID="1" presetClass="entr" presetSubtype="0" fill="hold" grpId="0" nodeType="clickEffect">
+                                  <p:stCondLst>
+                                    <p:cond delay="0"/>
+                                  </p:stCondLst>
+                                  <p:childTnLst>
+                                    <p:set>
+                                      <p:cBhvr>
+                                        <p:cTn id="6" dur="1" fill="hold">
+                                          <p:stCondLst>
+                                            <p:cond delay="0"/>
+                                          </p:stCondLst>
+                                        </p:cTn>
+                                        <p:tgtEl>
+                                          <p:spTgt spid="3">
+                                            <p:txEl>
+                                              <p:pRg st="0" end="0"/>
+                                            </p:txEl>
+                                          </p:spTgt>
+                                        </p:tgtEl>
+                                        <p:attrNameLst>
+                                          <p:attrName>style.visibility</p:attrName>
+                                        </p:attrNameLst>
+                                      </p:cBhvr>
+                                      <p:to>
+                                        <p:strVal val="visible"/>
+                                      </p:to>
+                                    </p:set>
+                                  </p:childTnLst>
+                                </p:cTn>
+                              </p:par>
+                            </p:childTnLst>
+                          </p:cTn>
+                        </p:par>
+                      </p:childTnLst>
+                    </p:cTn>
+                  </p:par>
+                  <p:par>
+                    <p:cTn id="7" fill="hold">
+                      <p:stCondLst>
+                        <p:cond delay="indefinite"/>
+                      </p:stCondLst>
+                      <p:childTnLst>
+                        <p:par>
+                          <p:cTn id="8" fill="hold">
+                            <p:stCondLst>
+                              <p:cond delay="0"/>
+                            </p:stCondLst>
+                            <p:childTnLst>
+                              <p:par>
+                                <p:cTn id="9" presetID="1" presetClass="entr" presetSubtype="0" fill="hold" grpId="0" nodeType="clickEffect">
+                                  <p:stCondLst>
+                                    <p:cond delay="0"/>
+                                  </p:stCondLst>
+                                  <p:childTnLst>
+                                    <p:set>
+                                      <p:cBhvr>
+                                        <p:cTn id="10" dur="1" fill="hold">
+                                          <p:stCondLst>
+                                            <p:cond delay="0"/>
+                                          </p:stCondLst>
+                                        </p:cTn>
+                                        <p:tgtEl>
+                                          <p:spTgt spid="3">
+                                            <p:txEl>
+                                              <p:pRg st="1" end="1"/>
+                                            </p:txEl>
+                                          </p:spTgt>
+                                        </p:tgtEl>
+                                        <p:attrNameLst>
+                                          <p:attrName>style.visibility</p:attrName>
+                                        </p:attrNameLst>
+                                      </p:cBhvr>
+                                      <p:to>
+                                        <p:strVal val="visible"/>
+                                      </p:to>
+                                    </p:set>
+                                  </p:childTnLst>
+                                </p:cTn>
+                              </p:par>
+                            </p:childTnLst>
+                          </p:cTn>
+                        </p:par>
+                      </p:childTnLst>
+                    </p:cTn>
+                  </p:par>
+                  <p:par>
+                    <p:cTn id="11" fill="hold">
+                      <p:stCondLst>
+                        <p:cond delay="indefinite"/>
+                      </p:stCondLst>
+                      <p:childTnLst>
+                        <p:par>
+                          <p:cTn id="12" fill="hold">
+                            <p:stCondLst>
+                              <p:cond delay="0"/>
+                            </p:stCondLst>
+                            <p:childTnLst>
+                              <p:par>
+                                <p:cTn id="13" presetID="1" presetClass="entr" presetSubtype="0" fill="hold" grpId="0" nodeType="clickEffect">
+                                  <p:stCondLst>
+                                    <p:cond delay="0"/>
+                                  </p:stCondLst>
+                                  <p:childTnLst>
+                                    <p:set>
+                                      <p:cBhvr>
+                                        <p:cTn id="14" dur="1" fill="hold">
+                                          <p:stCondLst>
+                                            <p:cond delay="0"/>
+                                          </p:stCondLst>
+                                        </p:cTn>
+                                        <p:tgtEl>
+                                          <p:spTgt spid="3">
+                                            <p:txEl>
+                                              <p:pRg st="2" end="2"/>
+                                            </p:txEl>
+                                          </p:spTgt>
+                                        </p:tgtEl>
+                                        <p:attrNameLst>
+                                          <p:attrName>style.visibility</p:attrName>
+                                        </p:attrNameLst>
+                                      </p:cBhvr>
+                                      <p:to>
+                                        <p:strVal val="visible"/>
+                                      </p:to>
+                                    </p:set>
+                                  </p:childTnLst>
+                                </p:cTn>
+                              </p:par>
+                            </p:childTnLst>
+                          </p:cTn>
+                        </p:par>
+                      </p:childTnLst>
+                    </p:cTn>
+                  </p:par>
+                </p:childTnLst>
+              </p:cTn>
+              <p:prevCondLst>
+                <p:cond evt="onPrev" delay="0">
+                  <p:tgtEl>
+                    <p:sldTgt/>
+                  </p:tgtEl>
+                </p:cond>
+              </p:prevCondLst>
+              <p:nextCondLst>
+                <p:cond evt="onNext" delay="0">
+                  <p:tgtEl>
+                    <p:sldTgt/>
+                  </p:tgtEl>
+                </p:cond>
+              </p:nextCondLst>
+            </p:seq>
+          </p:childTnLst>
+        </p:cTn>
+      </p:par>
+    </p:tnLst>
+    <p:bldLst>
+      <p:bldP spid="3" grpId="0" build="p"/>
+    </p:bldLst>
+  </p:timing>
 </p:sld>
 </file>
 
-<file path=ppt/slides/slide15.xml><?xml version="1.0" encoding="utf-8"?>
+<file path=ppt/slides/slide2.xml><?xml version="1.0" encoding="utf-8"?>
+<p:sld xmlns:a="http://schemas.openxmlformats.org/drawingml/2006/main" xmlns:r="http://schemas.openxmlformats.org/officeDocument/2006/relationships" xmlns:p="http://schemas.openxmlformats.org/presentationml/2006/main">
+  <p:cSld>
+    <p:spTree>
+      <p:nvGrpSpPr>
+        <p:cNvPr id="1" name=""/>
+        <p:cNvGrpSpPr/>
+        <p:nvPr/>
+      </p:nvGrpSpPr>
+      <p:grpSpPr>
+        <a:xfrm>
+          <a:off x="0" y="0"/>
+          <a:ext cx="0" cy="0"/>
+          <a:chOff x="0" y="0"/>
+          <a:chExt cx="0" cy="0"/>
+        </a:xfrm>
+      </p:grpSpPr>
+      <p:sp>
+        <p:nvSpPr>
+          <p:cNvPr id="2" name="Title 1"/>
+          <p:cNvSpPr>
+            <a:spLocks noGrp="1"/>
+          </p:cNvSpPr>
+          <p:nvPr>
+            <p:ph type="title"/>
+          </p:nvPr>
+        </p:nvSpPr>
+        <p:spPr/>
+        <p:txBody>
+          <a:bodyPr/>
+          <a:lstStyle/>
+          <a:p>
+            <a:r>
+              <a:rPr lang="en-US" dirty="0" smtClean="0"/>
+              <a:t>What is a queue?</a:t>
+            </a:r>
+            <a:endParaRPr lang="en-US" dirty="0"/>
+          </a:p>
+        </p:txBody>
+      </p:sp>
+      <p:sp>
+        <p:nvSpPr>
+          <p:cNvPr id="3" name="Content Placeholder 2"/>
+          <p:cNvSpPr>
+            <a:spLocks noGrp="1"/>
+          </p:cNvSpPr>
+          <p:nvPr>
+            <p:ph idx="1"/>
+          </p:nvPr>
+        </p:nvSpPr>
+        <p:spPr/>
+        <p:txBody>
+          <a:bodyPr/>
+          <a:lstStyle/>
+          <a:p>
+            <a:r>
+              <a:rPr lang="en-US" dirty="0" smtClean="0"/>
+              <a:t>Infinite loaf of bread</a:t>
+            </a:r>
+          </a:p>
+          <a:p>
+            <a:r>
+              <a:rPr lang="en-US" dirty="0" smtClean="0"/>
+              <a:t>Maybe an infinite bread bin with a finite amount of bread</a:t>
+            </a:r>
+            <a:endParaRPr lang="en-US" dirty="0"/>
+          </a:p>
+        </p:txBody>
+      </p:sp>
+    </p:spTree>
+    <p:extLst>
+      <p:ext uri="{BB962C8B-B14F-4D97-AF65-F5344CB8AC3E}">
+        <p14:creationId xmlns:p14="http://schemas.microsoft.com/office/powerpoint/2010/main" val="4150487673"/>
+      </p:ext>
+    </p:extLst>
+  </p:cSld>
+  <p:clrMapOvr>
+    <a:masterClrMapping/>
+  </p:clrMapOvr>
+  <p:timing>
+    <p:tnLst>
+      <p:par>
+        <p:cTn id="1" dur="indefinite" restart="never" nodeType="tmRoot">
+          <p:childTnLst>
+            <p:seq concurrent="1" nextAc="seek">
+              <p:cTn id="2" dur="indefinite" nodeType="mainSeq">
+                <p:childTnLst>
+                  <p:par>
+                    <p:cTn id="3" fill="hold">
+                      <p:stCondLst>
+                        <p:cond delay="indefinite"/>
+                      </p:stCondLst>
+                      <p:childTnLst>
+                        <p:par>
+                          <p:cTn id="4" fill="hold">
+                            <p:stCondLst>
+                              <p:cond delay="0"/>
+                            </p:stCondLst>
+                            <p:childTnLst>
+                              <p:par>
+                                <p:cTn id="5" presetID="1" presetClass="entr" presetSubtype="0" fill="hold" grpId="0" nodeType="clickEffect">
+                                  <p:stCondLst>
+                                    <p:cond delay="0"/>
+                                  </p:stCondLst>
+                                  <p:childTnLst>
+                                    <p:set>
+                                      <p:cBhvr>
+                                        <p:cTn id="6" dur="1" fill="hold">
+                                          <p:stCondLst>
+                                            <p:cond delay="0"/>
+                                          </p:stCondLst>
+                                        </p:cTn>
+                                        <p:tgtEl>
+                                          <p:spTgt spid="3">
+                                            <p:txEl>
+                                              <p:pRg st="0" end="0"/>
+                                            </p:txEl>
+                                          </p:spTgt>
+                                        </p:tgtEl>
+                                        <p:attrNameLst>
+                                          <p:attrName>style.visibility</p:attrName>
+                                        </p:attrNameLst>
+                                      </p:cBhvr>
+                                      <p:to>
+                                        <p:strVal val="visible"/>
+                                      </p:to>
+                                    </p:set>
+                                  </p:childTnLst>
+                                </p:cTn>
+                              </p:par>
+                            </p:childTnLst>
+                          </p:cTn>
+                        </p:par>
+                      </p:childTnLst>
+                    </p:cTn>
+                  </p:par>
+                  <p:par>
+                    <p:cTn id="7" fill="hold">
+                      <p:stCondLst>
+                        <p:cond delay="indefinite"/>
+                      </p:stCondLst>
+                      <p:childTnLst>
+                        <p:par>
+                          <p:cTn id="8" fill="hold">
+                            <p:stCondLst>
+                              <p:cond delay="0"/>
+                            </p:stCondLst>
+                            <p:childTnLst>
+                              <p:par>
+                                <p:cTn id="9" presetID="1" presetClass="entr" presetSubtype="0" fill="hold" grpId="0" nodeType="clickEffect">
+                                  <p:stCondLst>
+                                    <p:cond delay="0"/>
+                                  </p:stCondLst>
+                                  <p:childTnLst>
+                                    <p:set>
+                                      <p:cBhvr>
+                                        <p:cTn id="10" dur="1" fill="hold">
+                                          <p:stCondLst>
+                                            <p:cond delay="0"/>
+                                          </p:stCondLst>
+                                        </p:cTn>
+                                        <p:tgtEl>
+                                          <p:spTgt spid="3">
+                                            <p:txEl>
+                                              <p:pRg st="1" end="1"/>
+                                            </p:txEl>
+                                          </p:spTgt>
+                                        </p:tgtEl>
+                                        <p:attrNameLst>
+                                          <p:attrName>style.visibility</p:attrName>
+                                        </p:attrNameLst>
+                                      </p:cBhvr>
+                                      <p:to>
+                                        <p:strVal val="visible"/>
+                                      </p:to>
+                                    </p:set>
+                                  </p:childTnLst>
+                                </p:cTn>
+                              </p:par>
+                            </p:childTnLst>
+                          </p:cTn>
+                        </p:par>
+                      </p:childTnLst>
+                    </p:cTn>
+                  </p:par>
+                </p:childTnLst>
+              </p:cTn>
+              <p:prevCondLst>
+                <p:cond evt="onPrev" delay="0">
+                  <p:tgtEl>
+                    <p:sldTgt/>
+                  </p:tgtEl>
+                </p:cond>
+              </p:prevCondLst>
+              <p:nextCondLst>
+                <p:cond evt="onNext" delay="0">
+                  <p:tgtEl>
+                    <p:sldTgt/>
+                  </p:tgtEl>
+                </p:cond>
+              </p:nextCondLst>
+            </p:seq>
+          </p:childTnLst>
+        </p:cTn>
+      </p:par>
+    </p:tnLst>
+    <p:bldLst>
+      <p:bldP spid="3" grpId="0" build="p"/>
+    </p:bldLst>
+  </p:timing>
+</p:sld>
+</file>
+
+<file path=ppt/slides/slide20.xml><?xml version="1.0" encoding="utf-8"?>
 <p:sld xmlns:a="http://schemas.openxmlformats.org/drawingml/2006/main" xmlns:r="http://schemas.openxmlformats.org/officeDocument/2006/relationships" xmlns:p="http://schemas.openxmlformats.org/presentationml/2006/main">
   <p:cSld>
     <p:spTree>
@@ -26328,11 +28987,7 @@
           <a:p>
             <a:r>
               <a:rPr lang="en-US" dirty="0" smtClean="0"/>
-              <a:t>Not as fast as just calling </a:t>
-            </a:r>
-            <a:r>
-              <a:rPr lang="en-US" dirty="0" smtClean="0"/>
-              <a:t>methods</a:t>
+              <a:t>Not as fast as just calling methods</a:t>
             </a:r>
           </a:p>
           <a:p>
@@ -26358,10 +29013,287 @@
   <p:clrMapOvr>
     <a:masterClrMapping/>
   </p:clrMapOvr>
+  <p:timing>
+    <p:tnLst>
+      <p:par>
+        <p:cTn id="1" dur="indefinite" restart="never" nodeType="tmRoot">
+          <p:childTnLst>
+            <p:seq concurrent="1" nextAc="seek">
+              <p:cTn id="2" dur="indefinite" nodeType="mainSeq">
+                <p:childTnLst>
+                  <p:par>
+                    <p:cTn id="3" fill="hold">
+                      <p:stCondLst>
+                        <p:cond delay="indefinite"/>
+                      </p:stCondLst>
+                      <p:childTnLst>
+                        <p:par>
+                          <p:cTn id="4" fill="hold">
+                            <p:stCondLst>
+                              <p:cond delay="0"/>
+                            </p:stCondLst>
+                            <p:childTnLst>
+                              <p:par>
+                                <p:cTn id="5" presetID="10" presetClass="entr" presetSubtype="0" fill="hold" grpId="0" nodeType="clickEffect">
+                                  <p:stCondLst>
+                                    <p:cond delay="0"/>
+                                  </p:stCondLst>
+                                  <p:childTnLst>
+                                    <p:set>
+                                      <p:cBhvr>
+                                        <p:cTn id="6" dur="1" fill="hold">
+                                          <p:stCondLst>
+                                            <p:cond delay="0"/>
+                                          </p:stCondLst>
+                                        </p:cTn>
+                                        <p:tgtEl>
+                                          <p:spTgt spid="3">
+                                            <p:txEl>
+                                              <p:pRg st="0" end="0"/>
+                                            </p:txEl>
+                                          </p:spTgt>
+                                        </p:tgtEl>
+                                        <p:attrNameLst>
+                                          <p:attrName>style.visibility</p:attrName>
+                                        </p:attrNameLst>
+                                      </p:cBhvr>
+                                      <p:to>
+                                        <p:strVal val="visible"/>
+                                      </p:to>
+                                    </p:set>
+                                    <p:animEffect transition="in" filter="fade">
+                                      <p:cBhvr>
+                                        <p:cTn id="7" dur="500"/>
+                                        <p:tgtEl>
+                                          <p:spTgt spid="3">
+                                            <p:txEl>
+                                              <p:pRg st="0" end="0"/>
+                                            </p:txEl>
+                                          </p:spTgt>
+                                        </p:tgtEl>
+                                      </p:cBhvr>
+                                    </p:animEffect>
+                                  </p:childTnLst>
+                                </p:cTn>
+                              </p:par>
+                            </p:childTnLst>
+                          </p:cTn>
+                        </p:par>
+                      </p:childTnLst>
+                    </p:cTn>
+                  </p:par>
+                  <p:par>
+                    <p:cTn id="8" fill="hold">
+                      <p:stCondLst>
+                        <p:cond delay="indefinite"/>
+                      </p:stCondLst>
+                      <p:childTnLst>
+                        <p:par>
+                          <p:cTn id="9" fill="hold">
+                            <p:stCondLst>
+                              <p:cond delay="0"/>
+                            </p:stCondLst>
+                            <p:childTnLst>
+                              <p:par>
+                                <p:cTn id="10" presetID="10" presetClass="entr" presetSubtype="0" fill="hold" grpId="0" nodeType="clickEffect">
+                                  <p:stCondLst>
+                                    <p:cond delay="0"/>
+                                  </p:stCondLst>
+                                  <p:childTnLst>
+                                    <p:set>
+                                      <p:cBhvr>
+                                        <p:cTn id="11" dur="1" fill="hold">
+                                          <p:stCondLst>
+                                            <p:cond delay="0"/>
+                                          </p:stCondLst>
+                                        </p:cTn>
+                                        <p:tgtEl>
+                                          <p:spTgt spid="3">
+                                            <p:txEl>
+                                              <p:pRg st="1" end="1"/>
+                                            </p:txEl>
+                                          </p:spTgt>
+                                        </p:tgtEl>
+                                        <p:attrNameLst>
+                                          <p:attrName>style.visibility</p:attrName>
+                                        </p:attrNameLst>
+                                      </p:cBhvr>
+                                      <p:to>
+                                        <p:strVal val="visible"/>
+                                      </p:to>
+                                    </p:set>
+                                    <p:animEffect transition="in" filter="fade">
+                                      <p:cBhvr>
+                                        <p:cTn id="12" dur="500"/>
+                                        <p:tgtEl>
+                                          <p:spTgt spid="3">
+                                            <p:txEl>
+                                              <p:pRg st="1" end="1"/>
+                                            </p:txEl>
+                                          </p:spTgt>
+                                        </p:tgtEl>
+                                      </p:cBhvr>
+                                    </p:animEffect>
+                                  </p:childTnLst>
+                                </p:cTn>
+                              </p:par>
+                            </p:childTnLst>
+                          </p:cTn>
+                        </p:par>
+                      </p:childTnLst>
+                    </p:cTn>
+                  </p:par>
+                  <p:par>
+                    <p:cTn id="13" fill="hold">
+                      <p:stCondLst>
+                        <p:cond delay="indefinite"/>
+                      </p:stCondLst>
+                      <p:childTnLst>
+                        <p:par>
+                          <p:cTn id="14" fill="hold">
+                            <p:stCondLst>
+                              <p:cond delay="0"/>
+                            </p:stCondLst>
+                            <p:childTnLst>
+                              <p:par>
+                                <p:cTn id="15" presetID="10" presetClass="entr" presetSubtype="0" fill="hold" grpId="0" nodeType="clickEffect">
+                                  <p:stCondLst>
+                                    <p:cond delay="0"/>
+                                  </p:stCondLst>
+                                  <p:childTnLst>
+                                    <p:set>
+                                      <p:cBhvr>
+                                        <p:cTn id="16" dur="1" fill="hold">
+                                          <p:stCondLst>
+                                            <p:cond delay="0"/>
+                                          </p:stCondLst>
+                                        </p:cTn>
+                                        <p:tgtEl>
+                                          <p:spTgt spid="3">
+                                            <p:txEl>
+                                              <p:pRg st="2" end="2"/>
+                                            </p:txEl>
+                                          </p:spTgt>
+                                        </p:tgtEl>
+                                        <p:attrNameLst>
+                                          <p:attrName>style.visibility</p:attrName>
+                                        </p:attrNameLst>
+                                      </p:cBhvr>
+                                      <p:to>
+                                        <p:strVal val="visible"/>
+                                      </p:to>
+                                    </p:set>
+                                    <p:animEffect transition="in" filter="fade">
+                                      <p:cBhvr>
+                                        <p:cTn id="17" dur="500"/>
+                                        <p:tgtEl>
+                                          <p:spTgt spid="3">
+                                            <p:txEl>
+                                              <p:pRg st="2" end="2"/>
+                                            </p:txEl>
+                                          </p:spTgt>
+                                        </p:tgtEl>
+                                      </p:cBhvr>
+                                    </p:animEffect>
+                                  </p:childTnLst>
+                                </p:cTn>
+                              </p:par>
+                            </p:childTnLst>
+                          </p:cTn>
+                        </p:par>
+                      </p:childTnLst>
+                    </p:cTn>
+                  </p:par>
+                  <p:par>
+                    <p:cTn id="18" fill="hold">
+                      <p:stCondLst>
+                        <p:cond delay="indefinite"/>
+                      </p:stCondLst>
+                      <p:childTnLst>
+                        <p:par>
+                          <p:cTn id="19" fill="hold">
+                            <p:stCondLst>
+                              <p:cond delay="0"/>
+                            </p:stCondLst>
+                            <p:childTnLst>
+                              <p:par>
+                                <p:cTn id="20" presetID="10" presetClass="entr" presetSubtype="0" fill="hold" grpId="0" nodeType="clickEffect">
+                                  <p:stCondLst>
+                                    <p:cond delay="0"/>
+                                  </p:stCondLst>
+                                  <p:childTnLst>
+                                    <p:set>
+                                      <p:cBhvr>
+                                        <p:cTn id="21" dur="1" fill="hold">
+                                          <p:stCondLst>
+                                            <p:cond delay="0"/>
+                                          </p:stCondLst>
+                                        </p:cTn>
+                                        <p:tgtEl>
+                                          <p:spTgt spid="3">
+                                            <p:txEl>
+                                              <p:pRg st="3" end="3"/>
+                                            </p:txEl>
+                                          </p:spTgt>
+                                        </p:tgtEl>
+                                        <p:attrNameLst>
+                                          <p:attrName>style.visibility</p:attrName>
+                                        </p:attrNameLst>
+                                      </p:cBhvr>
+                                      <p:to>
+                                        <p:strVal val="visible"/>
+                                      </p:to>
+                                    </p:set>
+                                    <p:animEffect transition="in" filter="fade">
+                                      <p:cBhvr>
+                                        <p:cTn id="22" dur="500"/>
+                                        <p:tgtEl>
+                                          <p:spTgt spid="3">
+                                            <p:txEl>
+                                              <p:pRg st="3" end="3"/>
+                                            </p:txEl>
+                                          </p:spTgt>
+                                        </p:tgtEl>
+                                      </p:cBhvr>
+                                    </p:animEffect>
+                                  </p:childTnLst>
+                                </p:cTn>
+                              </p:par>
+                            </p:childTnLst>
+                          </p:cTn>
+                        </p:par>
+                      </p:childTnLst>
+                    </p:cTn>
+                  </p:par>
+                </p:childTnLst>
+              </p:cTn>
+              <p:prevCondLst>
+                <p:cond evt="onPrev" delay="0">
+                  <p:tgtEl>
+                    <p:sldTgt/>
+                  </p:tgtEl>
+                </p:cond>
+              </p:prevCondLst>
+              <p:nextCondLst>
+                <p:cond evt="onNext" delay="0">
+                  <p:tgtEl>
+                    <p:sldTgt/>
+                  </p:tgtEl>
+                </p:cond>
+              </p:nextCondLst>
+            </p:seq>
+          </p:childTnLst>
+        </p:cTn>
+      </p:par>
+    </p:tnLst>
+    <p:bldLst>
+      <p:bldP spid="3" grpId="0" build="p"/>
+    </p:bldLst>
+  </p:timing>
 </p:sld>
 </file>
 
-<file path=ppt/slides/slide16.xml><?xml version="1.0" encoding="utf-8"?>
+<file path=ppt/slides/slide21.xml><?xml version="1.0" encoding="utf-8"?>
 <p:sld xmlns:a="http://schemas.openxmlformats.org/drawingml/2006/main" xmlns:r="http://schemas.openxmlformats.org/officeDocument/2006/relationships" xmlns:p="http://schemas.openxmlformats.org/presentationml/2006/main">
   <p:cSld>
     <p:spTree>
@@ -26496,10 +29428,17 @@
   <p:clrMapOvr>
     <a:masterClrMapping/>
   </p:clrMapOvr>
+  <p:timing>
+    <p:tnLst>
+      <p:par>
+        <p:cTn id="1" dur="indefinite" restart="never" nodeType="tmRoot"/>
+      </p:par>
+    </p:tnLst>
+  </p:timing>
 </p:sld>
 </file>
 
-<file path=ppt/slides/slide17.xml><?xml version="1.0" encoding="utf-8"?>
+<file path=ppt/slides/slide22.xml><?xml version="1.0" encoding="utf-8"?>
 <p:sld xmlns:a="http://schemas.openxmlformats.org/drawingml/2006/main" xmlns:r="http://schemas.openxmlformats.org/officeDocument/2006/relationships" xmlns:p="http://schemas.openxmlformats.org/presentationml/2006/main">
   <p:cSld>
     <p:spTree>
@@ -26578,7 +29517,7 @@
 </p:sld>
 </file>
 
-<file path=ppt/slides/slide18.xml><?xml version="1.0" encoding="utf-8"?>
+<file path=ppt/slides/slide23.xml><?xml version="1.0" encoding="utf-8"?>
 <p:sld xmlns:a="http://schemas.openxmlformats.org/drawingml/2006/main" xmlns:r="http://schemas.openxmlformats.org/officeDocument/2006/relationships" xmlns:p="http://schemas.openxmlformats.org/presentationml/2006/main">
   <p:cSld>
     <p:spTree>
@@ -26728,7 +29667,7 @@
 </p:sld>
 </file>
 
-<file path=ppt/slides/slide19.xml><?xml version="1.0" encoding="utf-8"?>
+<file path=ppt/slides/slide24.xml><?xml version="1.0" encoding="utf-8"?>
 <p:sld xmlns:a="http://schemas.openxmlformats.org/drawingml/2006/main" xmlns:r="http://schemas.openxmlformats.org/officeDocument/2006/relationships" xmlns:p="http://schemas.openxmlformats.org/presentationml/2006/main">
   <p:cSld>
     <p:spTree>
@@ -26845,89 +29784,7 @@
 </p:sld>
 </file>
 
-<file path=ppt/slides/slide2.xml><?xml version="1.0" encoding="utf-8"?>
-<p:sld xmlns:a="http://schemas.openxmlformats.org/drawingml/2006/main" xmlns:r="http://schemas.openxmlformats.org/officeDocument/2006/relationships" xmlns:p="http://schemas.openxmlformats.org/presentationml/2006/main">
-  <p:cSld>
-    <p:spTree>
-      <p:nvGrpSpPr>
-        <p:cNvPr id="1" name=""/>
-        <p:cNvGrpSpPr/>
-        <p:nvPr/>
-      </p:nvGrpSpPr>
-      <p:grpSpPr>
-        <a:xfrm>
-          <a:off x="0" y="0"/>
-          <a:ext cx="0" cy="0"/>
-          <a:chOff x="0" y="0"/>
-          <a:chExt cx="0" cy="0"/>
-        </a:xfrm>
-      </p:grpSpPr>
-      <p:sp>
-        <p:nvSpPr>
-          <p:cNvPr id="2" name="Title 1"/>
-          <p:cNvSpPr>
-            <a:spLocks noGrp="1"/>
-          </p:cNvSpPr>
-          <p:nvPr>
-            <p:ph type="title"/>
-          </p:nvPr>
-        </p:nvSpPr>
-        <p:spPr/>
-        <p:txBody>
-          <a:bodyPr/>
-          <a:lstStyle/>
-          <a:p>
-            <a:r>
-              <a:rPr lang="en-US" dirty="0" smtClean="0"/>
-              <a:t>What is a queue?</a:t>
-            </a:r>
-            <a:endParaRPr lang="en-US" dirty="0"/>
-          </a:p>
-        </p:txBody>
-      </p:sp>
-      <p:sp>
-        <p:nvSpPr>
-          <p:cNvPr id="3" name="Content Placeholder 2"/>
-          <p:cNvSpPr>
-            <a:spLocks noGrp="1"/>
-          </p:cNvSpPr>
-          <p:nvPr>
-            <p:ph idx="1"/>
-          </p:nvPr>
-        </p:nvSpPr>
-        <p:spPr/>
-        <p:txBody>
-          <a:bodyPr/>
-          <a:lstStyle/>
-          <a:p>
-            <a:r>
-              <a:rPr lang="en-US" dirty="0" smtClean="0"/>
-              <a:t>Infinite loaf of bread</a:t>
-            </a:r>
-          </a:p>
-          <a:p>
-            <a:r>
-              <a:rPr lang="en-US" dirty="0" smtClean="0"/>
-              <a:t>Maybe an infinite bread bin with a finite amount of bread</a:t>
-            </a:r>
-            <a:endParaRPr lang="en-US" dirty="0"/>
-          </a:p>
-        </p:txBody>
-      </p:sp>
-    </p:spTree>
-    <p:extLst>
-      <p:ext uri="{BB962C8B-B14F-4D97-AF65-F5344CB8AC3E}">
-        <p14:creationId xmlns:p14="http://schemas.microsoft.com/office/powerpoint/2010/main" val="4150487673"/>
-      </p:ext>
-    </p:extLst>
-  </p:cSld>
-  <p:clrMapOvr>
-    <a:masterClrMapping/>
-  </p:clrMapOvr>
-</p:sld>
-</file>
-
-<file path=ppt/slides/slide20.xml><?xml version="1.0" encoding="utf-8"?>
+<file path=ppt/slides/slide25.xml><?xml version="1.0" encoding="utf-8"?>
 <p:sld xmlns:a="http://schemas.openxmlformats.org/drawingml/2006/main" xmlns:r="http://schemas.openxmlformats.org/officeDocument/2006/relationships" xmlns:p="http://schemas.openxmlformats.org/presentationml/2006/main">
   <p:cSld>
     <p:spTree>
@@ -27044,7 +29901,7 @@
 </p:sld>
 </file>
 
-<file path=ppt/slides/slide21.xml><?xml version="1.0" encoding="utf-8"?>
+<file path=ppt/slides/slide26.xml><?xml version="1.0" encoding="utf-8"?>
 <p:sld xmlns:a="http://schemas.openxmlformats.org/drawingml/2006/main" xmlns:r="http://schemas.openxmlformats.org/officeDocument/2006/relationships" xmlns:p="http://schemas.openxmlformats.org/presentationml/2006/main">
   <p:cSld>
     <p:spTree>
@@ -27164,6 +30021,842 @@
     <p:extLst>
       <p:ext uri="{BB962C8B-B14F-4D97-AF65-F5344CB8AC3E}">
         <p14:creationId xmlns:p14="http://schemas.microsoft.com/office/powerpoint/2010/main" val="577044540"/>
+      </p:ext>
+    </p:extLst>
+  </p:cSld>
+  <p:clrMapOvr>
+    <a:masterClrMapping/>
+  </p:clrMapOvr>
+  <p:timing>
+    <p:tnLst>
+      <p:par>
+        <p:cTn id="1" dur="indefinite" restart="never" nodeType="tmRoot">
+          <p:childTnLst>
+            <p:seq concurrent="1" nextAc="seek">
+              <p:cTn id="2" dur="indefinite" nodeType="mainSeq">
+                <p:childTnLst>
+                  <p:par>
+                    <p:cTn id="3" fill="hold">
+                      <p:stCondLst>
+                        <p:cond delay="indefinite"/>
+                      </p:stCondLst>
+                      <p:childTnLst>
+                        <p:par>
+                          <p:cTn id="4" fill="hold">
+                            <p:stCondLst>
+                              <p:cond delay="0"/>
+                            </p:stCondLst>
+                            <p:childTnLst>
+                              <p:par>
+                                <p:cTn id="5" presetID="1" presetClass="entr" presetSubtype="0" fill="hold" grpId="0" nodeType="clickEffect">
+                                  <p:stCondLst>
+                                    <p:cond delay="0"/>
+                                  </p:stCondLst>
+                                  <p:childTnLst>
+                                    <p:set>
+                                      <p:cBhvr>
+                                        <p:cTn id="6" dur="1" fill="hold">
+                                          <p:stCondLst>
+                                            <p:cond delay="0"/>
+                                          </p:stCondLst>
+                                        </p:cTn>
+                                        <p:tgtEl>
+                                          <p:spTgt spid="3">
+                                            <p:txEl>
+                                              <p:pRg st="0" end="0"/>
+                                            </p:txEl>
+                                          </p:spTgt>
+                                        </p:tgtEl>
+                                        <p:attrNameLst>
+                                          <p:attrName>style.visibility</p:attrName>
+                                        </p:attrNameLst>
+                                      </p:cBhvr>
+                                      <p:to>
+                                        <p:strVal val="visible"/>
+                                      </p:to>
+                                    </p:set>
+                                  </p:childTnLst>
+                                </p:cTn>
+                              </p:par>
+                            </p:childTnLst>
+                          </p:cTn>
+                        </p:par>
+                      </p:childTnLst>
+                    </p:cTn>
+                  </p:par>
+                  <p:par>
+                    <p:cTn id="7" fill="hold">
+                      <p:stCondLst>
+                        <p:cond delay="indefinite"/>
+                      </p:stCondLst>
+                      <p:childTnLst>
+                        <p:par>
+                          <p:cTn id="8" fill="hold">
+                            <p:stCondLst>
+                              <p:cond delay="0"/>
+                            </p:stCondLst>
+                            <p:childTnLst>
+                              <p:par>
+                                <p:cTn id="9" presetID="1" presetClass="entr" presetSubtype="0" fill="hold" grpId="0" nodeType="clickEffect">
+                                  <p:stCondLst>
+                                    <p:cond delay="0"/>
+                                  </p:stCondLst>
+                                  <p:childTnLst>
+                                    <p:set>
+                                      <p:cBhvr>
+                                        <p:cTn id="10" dur="1" fill="hold">
+                                          <p:stCondLst>
+                                            <p:cond delay="0"/>
+                                          </p:stCondLst>
+                                        </p:cTn>
+                                        <p:tgtEl>
+                                          <p:spTgt spid="3">
+                                            <p:txEl>
+                                              <p:pRg st="1" end="1"/>
+                                            </p:txEl>
+                                          </p:spTgt>
+                                        </p:tgtEl>
+                                        <p:attrNameLst>
+                                          <p:attrName>style.visibility</p:attrName>
+                                        </p:attrNameLst>
+                                      </p:cBhvr>
+                                      <p:to>
+                                        <p:strVal val="visible"/>
+                                      </p:to>
+                                    </p:set>
+                                  </p:childTnLst>
+                                </p:cTn>
+                              </p:par>
+                            </p:childTnLst>
+                          </p:cTn>
+                        </p:par>
+                      </p:childTnLst>
+                    </p:cTn>
+                  </p:par>
+                  <p:par>
+                    <p:cTn id="11" fill="hold">
+                      <p:stCondLst>
+                        <p:cond delay="indefinite"/>
+                      </p:stCondLst>
+                      <p:childTnLst>
+                        <p:par>
+                          <p:cTn id="12" fill="hold">
+                            <p:stCondLst>
+                              <p:cond delay="0"/>
+                            </p:stCondLst>
+                            <p:childTnLst>
+                              <p:par>
+                                <p:cTn id="13" presetID="1" presetClass="entr" presetSubtype="0" fill="hold" grpId="0" nodeType="clickEffect">
+                                  <p:stCondLst>
+                                    <p:cond delay="0"/>
+                                  </p:stCondLst>
+                                  <p:childTnLst>
+                                    <p:set>
+                                      <p:cBhvr>
+                                        <p:cTn id="14" dur="1" fill="hold">
+                                          <p:stCondLst>
+                                            <p:cond delay="0"/>
+                                          </p:stCondLst>
+                                        </p:cTn>
+                                        <p:tgtEl>
+                                          <p:spTgt spid="3">
+                                            <p:txEl>
+                                              <p:pRg st="2" end="2"/>
+                                            </p:txEl>
+                                          </p:spTgt>
+                                        </p:tgtEl>
+                                        <p:attrNameLst>
+                                          <p:attrName>style.visibility</p:attrName>
+                                        </p:attrNameLst>
+                                      </p:cBhvr>
+                                      <p:to>
+                                        <p:strVal val="visible"/>
+                                      </p:to>
+                                    </p:set>
+                                  </p:childTnLst>
+                                </p:cTn>
+                              </p:par>
+                            </p:childTnLst>
+                          </p:cTn>
+                        </p:par>
+                      </p:childTnLst>
+                    </p:cTn>
+                  </p:par>
+                  <p:par>
+                    <p:cTn id="15" fill="hold">
+                      <p:stCondLst>
+                        <p:cond delay="indefinite"/>
+                      </p:stCondLst>
+                      <p:childTnLst>
+                        <p:par>
+                          <p:cTn id="16" fill="hold">
+                            <p:stCondLst>
+                              <p:cond delay="0"/>
+                            </p:stCondLst>
+                            <p:childTnLst>
+                              <p:par>
+                                <p:cTn id="17" presetID="1" presetClass="entr" presetSubtype="0" fill="hold" grpId="0" nodeType="clickEffect">
+                                  <p:stCondLst>
+                                    <p:cond delay="0"/>
+                                  </p:stCondLst>
+                                  <p:childTnLst>
+                                    <p:set>
+                                      <p:cBhvr>
+                                        <p:cTn id="18" dur="1" fill="hold">
+                                          <p:stCondLst>
+                                            <p:cond delay="0"/>
+                                          </p:stCondLst>
+                                        </p:cTn>
+                                        <p:tgtEl>
+                                          <p:spTgt spid="3">
+                                            <p:txEl>
+                                              <p:pRg st="3" end="3"/>
+                                            </p:txEl>
+                                          </p:spTgt>
+                                        </p:tgtEl>
+                                        <p:attrNameLst>
+                                          <p:attrName>style.visibility</p:attrName>
+                                        </p:attrNameLst>
+                                      </p:cBhvr>
+                                      <p:to>
+                                        <p:strVal val="visible"/>
+                                      </p:to>
+                                    </p:set>
+                                  </p:childTnLst>
+                                </p:cTn>
+                              </p:par>
+                            </p:childTnLst>
+                          </p:cTn>
+                        </p:par>
+                      </p:childTnLst>
+                    </p:cTn>
+                  </p:par>
+                  <p:par>
+                    <p:cTn id="19" fill="hold">
+                      <p:stCondLst>
+                        <p:cond delay="indefinite"/>
+                      </p:stCondLst>
+                      <p:childTnLst>
+                        <p:par>
+                          <p:cTn id="20" fill="hold">
+                            <p:stCondLst>
+                              <p:cond delay="0"/>
+                            </p:stCondLst>
+                            <p:childTnLst>
+                              <p:par>
+                                <p:cTn id="21" presetID="1" presetClass="entr" presetSubtype="0" fill="hold" grpId="0" nodeType="clickEffect">
+                                  <p:stCondLst>
+                                    <p:cond delay="0"/>
+                                  </p:stCondLst>
+                                  <p:childTnLst>
+                                    <p:set>
+                                      <p:cBhvr>
+                                        <p:cTn id="22" dur="1" fill="hold">
+                                          <p:stCondLst>
+                                            <p:cond delay="0"/>
+                                          </p:stCondLst>
+                                        </p:cTn>
+                                        <p:tgtEl>
+                                          <p:spTgt spid="3">
+                                            <p:txEl>
+                                              <p:pRg st="4" end="4"/>
+                                            </p:txEl>
+                                          </p:spTgt>
+                                        </p:tgtEl>
+                                        <p:attrNameLst>
+                                          <p:attrName>style.visibility</p:attrName>
+                                        </p:attrNameLst>
+                                      </p:cBhvr>
+                                      <p:to>
+                                        <p:strVal val="visible"/>
+                                      </p:to>
+                                    </p:set>
+                                  </p:childTnLst>
+                                </p:cTn>
+                              </p:par>
+                            </p:childTnLst>
+                          </p:cTn>
+                        </p:par>
+                      </p:childTnLst>
+                    </p:cTn>
+                  </p:par>
+                  <p:par>
+                    <p:cTn id="23" fill="hold">
+                      <p:stCondLst>
+                        <p:cond delay="indefinite"/>
+                      </p:stCondLst>
+                      <p:childTnLst>
+                        <p:par>
+                          <p:cTn id="24" fill="hold">
+                            <p:stCondLst>
+                              <p:cond delay="0"/>
+                            </p:stCondLst>
+                            <p:childTnLst>
+                              <p:par>
+                                <p:cTn id="25" presetID="1" presetClass="entr" presetSubtype="0" fill="hold" grpId="0" nodeType="clickEffect">
+                                  <p:stCondLst>
+                                    <p:cond delay="0"/>
+                                  </p:stCondLst>
+                                  <p:childTnLst>
+                                    <p:set>
+                                      <p:cBhvr>
+                                        <p:cTn id="26" dur="1" fill="hold">
+                                          <p:stCondLst>
+                                            <p:cond delay="0"/>
+                                          </p:stCondLst>
+                                        </p:cTn>
+                                        <p:tgtEl>
+                                          <p:spTgt spid="3">
+                                            <p:txEl>
+                                              <p:pRg st="5" end="5"/>
+                                            </p:txEl>
+                                          </p:spTgt>
+                                        </p:tgtEl>
+                                        <p:attrNameLst>
+                                          <p:attrName>style.visibility</p:attrName>
+                                        </p:attrNameLst>
+                                      </p:cBhvr>
+                                      <p:to>
+                                        <p:strVal val="visible"/>
+                                      </p:to>
+                                    </p:set>
+                                  </p:childTnLst>
+                                </p:cTn>
+                              </p:par>
+                            </p:childTnLst>
+                          </p:cTn>
+                        </p:par>
+                      </p:childTnLst>
+                    </p:cTn>
+                  </p:par>
+                  <p:par>
+                    <p:cTn id="27" fill="hold">
+                      <p:stCondLst>
+                        <p:cond delay="indefinite"/>
+                      </p:stCondLst>
+                      <p:childTnLst>
+                        <p:par>
+                          <p:cTn id="28" fill="hold">
+                            <p:stCondLst>
+                              <p:cond delay="0"/>
+                            </p:stCondLst>
+                            <p:childTnLst>
+                              <p:par>
+                                <p:cTn id="29" presetID="1" presetClass="entr" presetSubtype="0" fill="hold" grpId="0" nodeType="clickEffect">
+                                  <p:stCondLst>
+                                    <p:cond delay="0"/>
+                                  </p:stCondLst>
+                                  <p:childTnLst>
+                                    <p:set>
+                                      <p:cBhvr>
+                                        <p:cTn id="30" dur="1" fill="hold">
+                                          <p:stCondLst>
+                                            <p:cond delay="0"/>
+                                          </p:stCondLst>
+                                        </p:cTn>
+                                        <p:tgtEl>
+                                          <p:spTgt spid="3">
+                                            <p:txEl>
+                                              <p:pRg st="6" end="6"/>
+                                            </p:txEl>
+                                          </p:spTgt>
+                                        </p:tgtEl>
+                                        <p:attrNameLst>
+                                          <p:attrName>style.visibility</p:attrName>
+                                        </p:attrNameLst>
+                                      </p:cBhvr>
+                                      <p:to>
+                                        <p:strVal val="visible"/>
+                                      </p:to>
+                                    </p:set>
+                                  </p:childTnLst>
+                                </p:cTn>
+                              </p:par>
+                            </p:childTnLst>
+                          </p:cTn>
+                        </p:par>
+                      </p:childTnLst>
+                    </p:cTn>
+                  </p:par>
+                </p:childTnLst>
+              </p:cTn>
+              <p:prevCondLst>
+                <p:cond evt="onPrev" delay="0">
+                  <p:tgtEl>
+                    <p:sldTgt/>
+                  </p:tgtEl>
+                </p:cond>
+              </p:prevCondLst>
+              <p:nextCondLst>
+                <p:cond evt="onNext" delay="0">
+                  <p:tgtEl>
+                    <p:sldTgt/>
+                  </p:tgtEl>
+                </p:cond>
+              </p:nextCondLst>
+            </p:seq>
+          </p:childTnLst>
+        </p:cTn>
+      </p:par>
+    </p:tnLst>
+    <p:bldLst>
+      <p:bldP spid="3" grpId="0" build="p"/>
+    </p:bldLst>
+  </p:timing>
+</p:sld>
+</file>
+
+<file path=ppt/slides/slide27.xml><?xml version="1.0" encoding="utf-8"?>
+<p:sld xmlns:a="http://schemas.openxmlformats.org/drawingml/2006/main" xmlns:r="http://schemas.openxmlformats.org/officeDocument/2006/relationships" xmlns:p="http://schemas.openxmlformats.org/presentationml/2006/main">
+  <p:cSld>
+    <p:spTree>
+      <p:nvGrpSpPr>
+        <p:cNvPr id="1" name=""/>
+        <p:cNvGrpSpPr/>
+        <p:nvPr/>
+      </p:nvGrpSpPr>
+      <p:grpSpPr>
+        <a:xfrm>
+          <a:off x="0" y="0"/>
+          <a:ext cx="0" cy="0"/>
+          <a:chOff x="0" y="0"/>
+          <a:chExt cx="0" cy="0"/>
+        </a:xfrm>
+      </p:grpSpPr>
+      <p:sp>
+        <p:nvSpPr>
+          <p:cNvPr id="2" name="Title 1"/>
+          <p:cNvSpPr>
+            <a:spLocks noGrp="1"/>
+          </p:cNvSpPr>
+          <p:nvPr>
+            <p:ph type="title"/>
+          </p:nvPr>
+        </p:nvSpPr>
+        <p:spPr/>
+        <p:txBody>
+          <a:bodyPr/>
+          <a:lstStyle/>
+          <a:p>
+            <a:r>
+              <a:rPr lang="en-US" dirty="0" smtClean="0"/>
+              <a:t>Dealing with change</a:t>
+            </a:r>
+            <a:endParaRPr lang="en-US" dirty="0"/>
+          </a:p>
+        </p:txBody>
+      </p:sp>
+      <p:sp>
+        <p:nvSpPr>
+          <p:cNvPr id="3" name="Content Placeholder 2"/>
+          <p:cNvSpPr>
+            <a:spLocks noGrp="1"/>
+          </p:cNvSpPr>
+          <p:nvPr>
+            <p:ph idx="1"/>
+          </p:nvPr>
+        </p:nvSpPr>
+        <p:spPr/>
+        <p:txBody>
+          <a:bodyPr/>
+          <a:lstStyle/>
+          <a:p>
+            <a:r>
+              <a:rPr lang="en-US" dirty="0" smtClean="0"/>
+              <a:t>Loose coupling </a:t>
+            </a:r>
+          </a:p>
+          <a:p>
+            <a:r>
+              <a:rPr lang="en-US" dirty="0" smtClean="0"/>
+              <a:t>Message storage</a:t>
+            </a:r>
+          </a:p>
+          <a:p>
+            <a:r>
+              <a:rPr lang="en-US" dirty="0" smtClean="0"/>
+              <a:t>Message versioning</a:t>
+            </a:r>
+          </a:p>
+          <a:p>
+            <a:r>
+              <a:rPr lang="en-US" dirty="0" smtClean="0"/>
+              <a:t>Message upgrading</a:t>
+            </a:r>
+            <a:endParaRPr lang="en-US" dirty="0"/>
+          </a:p>
+        </p:txBody>
+      </p:sp>
+    </p:spTree>
+    <p:extLst>
+      <p:ext uri="{BB962C8B-B14F-4D97-AF65-F5344CB8AC3E}">
+        <p14:creationId xmlns:p14="http://schemas.microsoft.com/office/powerpoint/2010/main" val="3445975364"/>
+      </p:ext>
+    </p:extLst>
+  </p:cSld>
+  <p:clrMapOvr>
+    <a:masterClrMapping/>
+  </p:clrMapOvr>
+  <p:timing>
+    <p:tnLst>
+      <p:par>
+        <p:cTn id="1" dur="indefinite" restart="never" nodeType="tmRoot">
+          <p:childTnLst>
+            <p:seq concurrent="1" nextAc="seek">
+              <p:cTn id="2" dur="indefinite" nodeType="mainSeq">
+                <p:childTnLst>
+                  <p:par>
+                    <p:cTn id="3" fill="hold">
+                      <p:stCondLst>
+                        <p:cond delay="indefinite"/>
+                      </p:stCondLst>
+                      <p:childTnLst>
+                        <p:par>
+                          <p:cTn id="4" fill="hold">
+                            <p:stCondLst>
+                              <p:cond delay="0"/>
+                            </p:stCondLst>
+                            <p:childTnLst>
+                              <p:par>
+                                <p:cTn id="5" presetID="10" presetClass="entr" presetSubtype="0" fill="hold" grpId="0" nodeType="clickEffect">
+                                  <p:stCondLst>
+                                    <p:cond delay="0"/>
+                                  </p:stCondLst>
+                                  <p:childTnLst>
+                                    <p:set>
+                                      <p:cBhvr>
+                                        <p:cTn id="6" dur="1" fill="hold">
+                                          <p:stCondLst>
+                                            <p:cond delay="0"/>
+                                          </p:stCondLst>
+                                        </p:cTn>
+                                        <p:tgtEl>
+                                          <p:spTgt spid="3">
+                                            <p:txEl>
+                                              <p:pRg st="0" end="0"/>
+                                            </p:txEl>
+                                          </p:spTgt>
+                                        </p:tgtEl>
+                                        <p:attrNameLst>
+                                          <p:attrName>style.visibility</p:attrName>
+                                        </p:attrNameLst>
+                                      </p:cBhvr>
+                                      <p:to>
+                                        <p:strVal val="visible"/>
+                                      </p:to>
+                                    </p:set>
+                                    <p:animEffect transition="in" filter="fade">
+                                      <p:cBhvr>
+                                        <p:cTn id="7" dur="500"/>
+                                        <p:tgtEl>
+                                          <p:spTgt spid="3">
+                                            <p:txEl>
+                                              <p:pRg st="0" end="0"/>
+                                            </p:txEl>
+                                          </p:spTgt>
+                                        </p:tgtEl>
+                                      </p:cBhvr>
+                                    </p:animEffect>
+                                  </p:childTnLst>
+                                </p:cTn>
+                              </p:par>
+                            </p:childTnLst>
+                          </p:cTn>
+                        </p:par>
+                      </p:childTnLst>
+                    </p:cTn>
+                  </p:par>
+                  <p:par>
+                    <p:cTn id="8" fill="hold">
+                      <p:stCondLst>
+                        <p:cond delay="indefinite"/>
+                      </p:stCondLst>
+                      <p:childTnLst>
+                        <p:par>
+                          <p:cTn id="9" fill="hold">
+                            <p:stCondLst>
+                              <p:cond delay="0"/>
+                            </p:stCondLst>
+                            <p:childTnLst>
+                              <p:par>
+                                <p:cTn id="10" presetID="10" presetClass="entr" presetSubtype="0" fill="hold" grpId="0" nodeType="clickEffect">
+                                  <p:stCondLst>
+                                    <p:cond delay="0"/>
+                                  </p:stCondLst>
+                                  <p:childTnLst>
+                                    <p:set>
+                                      <p:cBhvr>
+                                        <p:cTn id="11" dur="1" fill="hold">
+                                          <p:stCondLst>
+                                            <p:cond delay="0"/>
+                                          </p:stCondLst>
+                                        </p:cTn>
+                                        <p:tgtEl>
+                                          <p:spTgt spid="3">
+                                            <p:txEl>
+                                              <p:pRg st="1" end="1"/>
+                                            </p:txEl>
+                                          </p:spTgt>
+                                        </p:tgtEl>
+                                        <p:attrNameLst>
+                                          <p:attrName>style.visibility</p:attrName>
+                                        </p:attrNameLst>
+                                      </p:cBhvr>
+                                      <p:to>
+                                        <p:strVal val="visible"/>
+                                      </p:to>
+                                    </p:set>
+                                    <p:animEffect transition="in" filter="fade">
+                                      <p:cBhvr>
+                                        <p:cTn id="12" dur="500"/>
+                                        <p:tgtEl>
+                                          <p:spTgt spid="3">
+                                            <p:txEl>
+                                              <p:pRg st="1" end="1"/>
+                                            </p:txEl>
+                                          </p:spTgt>
+                                        </p:tgtEl>
+                                      </p:cBhvr>
+                                    </p:animEffect>
+                                  </p:childTnLst>
+                                </p:cTn>
+                              </p:par>
+                            </p:childTnLst>
+                          </p:cTn>
+                        </p:par>
+                      </p:childTnLst>
+                    </p:cTn>
+                  </p:par>
+                  <p:par>
+                    <p:cTn id="13" fill="hold">
+                      <p:stCondLst>
+                        <p:cond delay="indefinite"/>
+                      </p:stCondLst>
+                      <p:childTnLst>
+                        <p:par>
+                          <p:cTn id="14" fill="hold">
+                            <p:stCondLst>
+                              <p:cond delay="0"/>
+                            </p:stCondLst>
+                            <p:childTnLst>
+                              <p:par>
+                                <p:cTn id="15" presetID="10" presetClass="entr" presetSubtype="0" fill="hold" grpId="0" nodeType="clickEffect">
+                                  <p:stCondLst>
+                                    <p:cond delay="0"/>
+                                  </p:stCondLst>
+                                  <p:childTnLst>
+                                    <p:set>
+                                      <p:cBhvr>
+                                        <p:cTn id="16" dur="1" fill="hold">
+                                          <p:stCondLst>
+                                            <p:cond delay="0"/>
+                                          </p:stCondLst>
+                                        </p:cTn>
+                                        <p:tgtEl>
+                                          <p:spTgt spid="3">
+                                            <p:txEl>
+                                              <p:pRg st="2" end="2"/>
+                                            </p:txEl>
+                                          </p:spTgt>
+                                        </p:tgtEl>
+                                        <p:attrNameLst>
+                                          <p:attrName>style.visibility</p:attrName>
+                                        </p:attrNameLst>
+                                      </p:cBhvr>
+                                      <p:to>
+                                        <p:strVal val="visible"/>
+                                      </p:to>
+                                    </p:set>
+                                    <p:animEffect transition="in" filter="fade">
+                                      <p:cBhvr>
+                                        <p:cTn id="17" dur="500"/>
+                                        <p:tgtEl>
+                                          <p:spTgt spid="3">
+                                            <p:txEl>
+                                              <p:pRg st="2" end="2"/>
+                                            </p:txEl>
+                                          </p:spTgt>
+                                        </p:tgtEl>
+                                      </p:cBhvr>
+                                    </p:animEffect>
+                                  </p:childTnLst>
+                                </p:cTn>
+                              </p:par>
+                            </p:childTnLst>
+                          </p:cTn>
+                        </p:par>
+                      </p:childTnLst>
+                    </p:cTn>
+                  </p:par>
+                  <p:par>
+                    <p:cTn id="18" fill="hold">
+                      <p:stCondLst>
+                        <p:cond delay="indefinite"/>
+                      </p:stCondLst>
+                      <p:childTnLst>
+                        <p:par>
+                          <p:cTn id="19" fill="hold">
+                            <p:stCondLst>
+                              <p:cond delay="0"/>
+                            </p:stCondLst>
+                            <p:childTnLst>
+                              <p:par>
+                                <p:cTn id="20" presetID="10" presetClass="entr" presetSubtype="0" fill="hold" grpId="0" nodeType="clickEffect">
+                                  <p:stCondLst>
+                                    <p:cond delay="0"/>
+                                  </p:stCondLst>
+                                  <p:childTnLst>
+                                    <p:set>
+                                      <p:cBhvr>
+                                        <p:cTn id="21" dur="1" fill="hold">
+                                          <p:stCondLst>
+                                            <p:cond delay="0"/>
+                                          </p:stCondLst>
+                                        </p:cTn>
+                                        <p:tgtEl>
+                                          <p:spTgt spid="3">
+                                            <p:txEl>
+                                              <p:pRg st="3" end="3"/>
+                                            </p:txEl>
+                                          </p:spTgt>
+                                        </p:tgtEl>
+                                        <p:attrNameLst>
+                                          <p:attrName>style.visibility</p:attrName>
+                                        </p:attrNameLst>
+                                      </p:cBhvr>
+                                      <p:to>
+                                        <p:strVal val="visible"/>
+                                      </p:to>
+                                    </p:set>
+                                    <p:animEffect transition="in" filter="fade">
+                                      <p:cBhvr>
+                                        <p:cTn id="22" dur="500"/>
+                                        <p:tgtEl>
+                                          <p:spTgt spid="3">
+                                            <p:txEl>
+                                              <p:pRg st="3" end="3"/>
+                                            </p:txEl>
+                                          </p:spTgt>
+                                        </p:tgtEl>
+                                      </p:cBhvr>
+                                    </p:animEffect>
+                                  </p:childTnLst>
+                                </p:cTn>
+                              </p:par>
+                            </p:childTnLst>
+                          </p:cTn>
+                        </p:par>
+                      </p:childTnLst>
+                    </p:cTn>
+                  </p:par>
+                </p:childTnLst>
+              </p:cTn>
+              <p:prevCondLst>
+                <p:cond evt="onPrev" delay="0">
+                  <p:tgtEl>
+                    <p:sldTgt/>
+                  </p:tgtEl>
+                </p:cond>
+              </p:prevCondLst>
+              <p:nextCondLst>
+                <p:cond evt="onNext" delay="0">
+                  <p:tgtEl>
+                    <p:sldTgt/>
+                  </p:tgtEl>
+                </p:cond>
+              </p:nextCondLst>
+            </p:seq>
+          </p:childTnLst>
+        </p:cTn>
+      </p:par>
+    </p:tnLst>
+    <p:bldLst>
+      <p:bldP spid="3" grpId="0" build="p"/>
+    </p:bldLst>
+  </p:timing>
+</p:sld>
+</file>
+
+<file path=ppt/slides/slide28.xml><?xml version="1.0" encoding="utf-8"?>
+<p:sld xmlns:a="http://schemas.openxmlformats.org/drawingml/2006/main" xmlns:r="http://schemas.openxmlformats.org/officeDocument/2006/relationships" xmlns:p="http://schemas.openxmlformats.org/presentationml/2006/main">
+  <p:cSld>
+    <p:spTree>
+      <p:nvGrpSpPr>
+        <p:cNvPr id="1" name=""/>
+        <p:cNvGrpSpPr/>
+        <p:nvPr/>
+      </p:nvGrpSpPr>
+      <p:grpSpPr>
+        <a:xfrm>
+          <a:off x="0" y="0"/>
+          <a:ext cx="0" cy="0"/>
+          <a:chOff x="0" y="0"/>
+          <a:chExt cx="0" cy="0"/>
+        </a:xfrm>
+      </p:grpSpPr>
+      <p:sp>
+        <p:nvSpPr>
+          <p:cNvPr id="2" name="Title 1"/>
+          <p:cNvSpPr>
+            <a:spLocks noGrp="1"/>
+          </p:cNvSpPr>
+          <p:nvPr>
+            <p:ph type="title"/>
+          </p:nvPr>
+        </p:nvSpPr>
+        <p:spPr/>
+        <p:txBody>
+          <a:bodyPr>
+            <a:normAutofit fontScale="90000"/>
+          </a:bodyPr>
+          <a:lstStyle/>
+          <a:p>
+            <a:r>
+              <a:rPr lang="en-US" dirty="0" smtClean="0"/>
+              <a:t>Questions or simple application?</a:t>
+            </a:r>
+            <a:endParaRPr lang="en-US" dirty="0"/>
+          </a:p>
+        </p:txBody>
+      </p:sp>
+      <p:sp>
+        <p:nvSpPr>
+          <p:cNvPr id="3" name="Content Placeholder 2"/>
+          <p:cNvSpPr>
+            <a:spLocks noGrp="1"/>
+          </p:cNvSpPr>
+          <p:nvPr>
+            <p:ph idx="1"/>
+          </p:nvPr>
+        </p:nvSpPr>
+        <p:spPr/>
+        <p:txBody>
+          <a:bodyPr/>
+          <a:lstStyle/>
+          <a:p>
+            <a:r>
+              <a:rPr lang="en-US" dirty="0" smtClean="0"/>
+              <a:t>If you’ve got questions let deal with ‘</a:t>
+            </a:r>
+            <a:r>
+              <a:rPr lang="en-US" dirty="0" err="1" smtClean="0"/>
+              <a:t>em</a:t>
+            </a:r>
+            <a:endParaRPr lang="en-US" dirty="0" smtClean="0"/>
+          </a:p>
+          <a:p>
+            <a:r>
+              <a:rPr lang="en-US" dirty="0" smtClean="0"/>
+              <a:t>If not let’s go crazy and build a quick application</a:t>
+            </a:r>
+            <a:endParaRPr lang="en-US" dirty="0"/>
+          </a:p>
+        </p:txBody>
+      </p:sp>
+    </p:spTree>
+    <p:extLst>
+      <p:ext uri="{BB962C8B-B14F-4D97-AF65-F5344CB8AC3E}">
+        <p14:creationId xmlns:p14="http://schemas.microsoft.com/office/powerpoint/2010/main" val="1636839072"/>
       </p:ext>
     </p:extLst>
   </p:cSld>
@@ -27434,6 +31127,13 @@
   <p:clrMapOvr>
     <a:masterClrMapping/>
   </p:clrMapOvr>
+  <p:timing>
+    <p:tnLst>
+      <p:par>
+        <p:cTn id="1" dur="indefinite" restart="never" nodeType="tmRoot"/>
+      </p:par>
+    </p:tnLst>
+  </p:timing>
 </p:sld>
 </file>
 
@@ -27512,6 +31212,13 @@
   <p:clrMapOvr>
     <a:masterClrMapping/>
   </p:clrMapOvr>
+  <p:timing>
+    <p:tnLst>
+      <p:par>
+        <p:cTn id="1" dur="indefinite" restart="never" nodeType="tmRoot"/>
+      </p:par>
+    </p:tnLst>
+  </p:timing>
 </p:sld>
 </file>
 
@@ -27605,129 +31312,17 @@
   <p:clrMapOvr>
     <a:masterClrMapping/>
   </p:clrMapOvr>
+  <p:timing>
+    <p:tnLst>
+      <p:par>
+        <p:cTn id="1" dur="indefinite" restart="never" nodeType="tmRoot"/>
+      </p:par>
+    </p:tnLst>
+  </p:timing>
 </p:sld>
 </file>
 
 <file path=ppt/slides/slide6.xml><?xml version="1.0" encoding="utf-8"?>
-<p:sld xmlns:a="http://schemas.openxmlformats.org/drawingml/2006/main" xmlns:r="http://schemas.openxmlformats.org/officeDocument/2006/relationships" xmlns:p="http://schemas.openxmlformats.org/presentationml/2006/main">
-  <p:cSld>
-    <p:spTree>
-      <p:nvGrpSpPr>
-        <p:cNvPr id="1" name=""/>
-        <p:cNvGrpSpPr/>
-        <p:nvPr/>
-      </p:nvGrpSpPr>
-      <p:grpSpPr>
-        <a:xfrm>
-          <a:off x="0" y="0"/>
-          <a:ext cx="0" cy="0"/>
-          <a:chOff x="0" y="0"/>
-          <a:chExt cx="0" cy="0"/>
-        </a:xfrm>
-      </p:grpSpPr>
-      <p:sp>
-        <p:nvSpPr>
-          <p:cNvPr id="2" name="Title 1"/>
-          <p:cNvSpPr>
-            <a:spLocks noGrp="1"/>
-          </p:cNvSpPr>
-          <p:nvPr>
-            <p:ph type="title"/>
-          </p:nvPr>
-        </p:nvSpPr>
-        <p:spPr/>
-        <p:txBody>
-          <a:bodyPr/>
-          <a:lstStyle/>
-          <a:p>
-            <a:r>
-              <a:rPr lang="en-US" dirty="0" smtClean="0"/>
-              <a:t>Messages</a:t>
-            </a:r>
-            <a:endParaRPr lang="en-US" dirty="0"/>
-          </a:p>
-        </p:txBody>
-      </p:sp>
-      <p:sp>
-        <p:nvSpPr>
-          <p:cNvPr id="3" name="Content Placeholder 2"/>
-          <p:cNvSpPr>
-            <a:spLocks noGrp="1"/>
-          </p:cNvSpPr>
-          <p:nvPr>
-            <p:ph idx="1"/>
-          </p:nvPr>
-        </p:nvSpPr>
-        <p:spPr/>
-        <p:txBody>
-          <a:bodyPr/>
-          <a:lstStyle/>
-          <a:p>
-            <a:r>
-              <a:rPr lang="en-US" dirty="0" err="1" smtClean="0"/>
-              <a:t>CreateUser</a:t>
-            </a:r>
-            <a:endParaRPr lang="en-US" dirty="0" smtClean="0"/>
-          </a:p>
-          <a:p>
-            <a:pPr lvl="1"/>
-            <a:r>
-              <a:rPr lang="en-US" dirty="0" smtClean="0"/>
-              <a:t>ID</a:t>
-            </a:r>
-          </a:p>
-          <a:p>
-            <a:pPr lvl="1"/>
-            <a:r>
-              <a:rPr lang="en-US" dirty="0" smtClean="0"/>
-              <a:t>First Name</a:t>
-            </a:r>
-          </a:p>
-          <a:p>
-            <a:pPr lvl="1"/>
-            <a:r>
-              <a:rPr lang="en-US" dirty="0" smtClean="0"/>
-              <a:t>Last Name</a:t>
-            </a:r>
-          </a:p>
-          <a:p>
-            <a:pPr lvl="1"/>
-            <a:r>
-              <a:rPr lang="en-US" dirty="0" smtClean="0"/>
-              <a:t>Email Address</a:t>
-            </a:r>
-          </a:p>
-          <a:p>
-            <a:pPr lvl="1"/>
-            <a:r>
-              <a:rPr lang="en-US" dirty="0" smtClean="0"/>
-              <a:t>Phone Number</a:t>
-            </a:r>
-          </a:p>
-          <a:p>
-            <a:pPr lvl="1"/>
-            <a:r>
-              <a:rPr lang="en-US" dirty="0" smtClean="0"/>
-              <a:t>….</a:t>
-            </a:r>
-            <a:endParaRPr lang="en-US" dirty="0"/>
-          </a:p>
-        </p:txBody>
-      </p:sp>
-    </p:spTree>
-    <p:extLst>
-      <p:ext uri="{BB962C8B-B14F-4D97-AF65-F5344CB8AC3E}">
-        <p14:creationId xmlns:p14="http://schemas.microsoft.com/office/powerpoint/2010/main" val="809923821"/>
-      </p:ext>
-    </p:extLst>
-  </p:cSld>
-  <p:clrMapOvr>
-    <a:masterClrMapping/>
-  </p:clrMapOvr>
-</p:sld>
-</file>
-
-<file path=ppt/slides/slide7.xml><?xml version="1.0" encoding="utf-8"?>
 <p:sld xmlns:a="http://schemas.openxmlformats.org/drawingml/2006/main" xmlns:r="http://schemas.openxmlformats.org/officeDocument/2006/relationships" xmlns:p="http://schemas.openxmlformats.org/presentationml/2006/main">
   <p:cSld>
     <p:spTree>
@@ -27812,6 +31407,108 @@
   <p:clrMapOvr>
     <a:masterClrMapping/>
   </p:clrMapOvr>
+  <p:timing>
+    <p:tnLst>
+      <p:par>
+        <p:cTn id="1" dur="indefinite" restart="never" nodeType="tmRoot"/>
+      </p:par>
+    </p:tnLst>
+  </p:timing>
+</p:sld>
+</file>
+
+<file path=ppt/slides/slide7.xml><?xml version="1.0" encoding="utf-8"?>
+<p:sld xmlns:a="http://schemas.openxmlformats.org/drawingml/2006/main" xmlns:r="http://schemas.openxmlformats.org/officeDocument/2006/relationships" xmlns:p="http://schemas.openxmlformats.org/presentationml/2006/main">
+  <p:cSld>
+    <p:spTree>
+      <p:nvGrpSpPr>
+        <p:cNvPr id="1" name=""/>
+        <p:cNvGrpSpPr/>
+        <p:nvPr/>
+      </p:nvGrpSpPr>
+      <p:grpSpPr>
+        <a:xfrm>
+          <a:off x="0" y="0"/>
+          <a:ext cx="0" cy="0"/>
+          <a:chOff x="0" y="0"/>
+          <a:chExt cx="0" cy="0"/>
+        </a:xfrm>
+      </p:grpSpPr>
+      <p:sp>
+        <p:nvSpPr>
+          <p:cNvPr id="2" name="Title 1"/>
+          <p:cNvSpPr>
+            <a:spLocks noGrp="1"/>
+          </p:cNvSpPr>
+          <p:nvPr>
+            <p:ph type="title"/>
+          </p:nvPr>
+        </p:nvSpPr>
+        <p:spPr/>
+        <p:txBody>
+          <a:bodyPr/>
+          <a:lstStyle/>
+          <a:p>
+            <a:r>
+              <a:rPr lang="en-US" dirty="0" smtClean="0"/>
+              <a:t>Really easy to make</a:t>
+            </a:r>
+            <a:endParaRPr lang="en-US" dirty="0"/>
+          </a:p>
+        </p:txBody>
+      </p:sp>
+      <p:sp>
+        <p:nvSpPr>
+          <p:cNvPr id="3" name="Content Placeholder 2"/>
+          <p:cNvSpPr>
+            <a:spLocks noGrp="1"/>
+          </p:cNvSpPr>
+          <p:nvPr>
+            <p:ph idx="1"/>
+          </p:nvPr>
+        </p:nvSpPr>
+        <p:spPr/>
+        <p:txBody>
+          <a:bodyPr/>
+          <a:lstStyle/>
+          <a:p>
+            <a:r>
+              <a:rPr lang="en-US" dirty="0" smtClean="0"/>
+              <a:t>Typically implemented as a linked list</a:t>
+            </a:r>
+          </a:p>
+          <a:p>
+            <a:r>
+              <a:rPr lang="en-US" dirty="0" smtClean="0"/>
+              <a:t>Depending on access patterns arrays may be more efficient</a:t>
+            </a:r>
+          </a:p>
+          <a:p>
+            <a:r>
+              <a:rPr lang="en-US" dirty="0" smtClean="0"/>
+              <a:t>Can be implemented as a ring buffer</a:t>
+            </a:r>
+            <a:endParaRPr lang="en-US" dirty="0"/>
+          </a:p>
+        </p:txBody>
+      </p:sp>
+    </p:spTree>
+    <p:extLst>
+      <p:ext uri="{BB962C8B-B14F-4D97-AF65-F5344CB8AC3E}">
+        <p14:creationId xmlns:p14="http://schemas.microsoft.com/office/powerpoint/2010/main" val="3331447708"/>
+      </p:ext>
+    </p:extLst>
+  </p:cSld>
+  <p:clrMapOvr>
+    <a:masterClrMapping/>
+  </p:clrMapOvr>
+  <p:timing>
+    <p:tnLst>
+      <p:par>
+        <p:cTn id="1" dur="indefinite" restart="never" nodeType="tmRoot"/>
+      </p:par>
+    </p:tnLst>
+  </p:timing>
 </p:sld>
 </file>
 
@@ -27849,76 +31546,557 @@
           <a:p>
             <a:r>
               <a:rPr lang="en-US" dirty="0" smtClean="0"/>
-              <a:t>In </a:t>
+              <a:t>Linked list</a:t>
             </a:r>
-            <a:r>
-              <a:rPr lang="en-US" smtClean="0"/>
-              <a:t>process queues</a:t>
-            </a:r>
-            <a:endParaRPr lang="en-US"/>
+            <a:endParaRPr lang="en-US" dirty="0"/>
           </a:p>
         </p:txBody>
       </p:sp>
-      <p:sp>
-        <p:nvSpPr>
-          <p:cNvPr id="3" name="Content Placeholder 2"/>
-          <p:cNvSpPr>
-            <a:spLocks noGrp="1"/>
-          </p:cNvSpPr>
-          <p:nvPr>
-            <p:ph idx="1"/>
-          </p:nvPr>
-        </p:nvSpPr>
-        <p:spPr/>
-        <p:txBody>
-          <a:bodyPr/>
-          <a:lstStyle/>
-          <a:p>
-            <a:r>
-              <a:rPr lang="en-US" dirty="0" smtClean="0"/>
-              <a:t>Let’s look at some code</a:t>
-            </a:r>
-            <a:endParaRPr lang="en-US" dirty="0"/>
-          </a:p>
-          <a:p>
-            <a:r>
-              <a:rPr lang="en-US" dirty="0" smtClean="0"/>
-              <a:t>Things to look out for</a:t>
-            </a:r>
-          </a:p>
-          <a:p>
-            <a:pPr lvl="1"/>
-            <a:r>
-              <a:rPr lang="en-US" dirty="0" smtClean="0"/>
-              <a:t>Producers</a:t>
-            </a:r>
-          </a:p>
-          <a:p>
-            <a:pPr lvl="1"/>
-            <a:r>
-              <a:rPr lang="en-US" dirty="0" smtClean="0"/>
-              <a:t>Consumers</a:t>
-            </a:r>
-          </a:p>
-          <a:p>
-            <a:pPr lvl="1"/>
-            <a:r>
-              <a:rPr lang="en-US" dirty="0" smtClean="0"/>
-              <a:t>Blocking vs. non-blocking queue</a:t>
-            </a:r>
-          </a:p>
-        </p:txBody>
-      </p:sp>
+      <p:grpSp>
+        <p:nvGrpSpPr>
+          <p:cNvPr id="27" name="Group 26"/>
+          <p:cNvGrpSpPr/>
+          <p:nvPr/>
+        </p:nvGrpSpPr>
+        <p:grpSpPr>
+          <a:xfrm>
+            <a:off x="1023372" y="2124838"/>
+            <a:ext cx="6428635" cy="2257755"/>
+            <a:chOff x="1023372" y="2124838"/>
+            <a:chExt cx="6428635" cy="2257755"/>
+          </a:xfrm>
+        </p:grpSpPr>
+        <p:sp>
+          <p:nvSpPr>
+            <p:cNvPr id="4" name="Rectangle 3"/>
+            <p:cNvSpPr/>
+            <p:nvPr/>
+          </p:nvSpPr>
+          <p:spPr>
+            <a:xfrm>
+              <a:off x="1143000" y="2514600"/>
+              <a:ext cx="1219200" cy="685800"/>
+            </a:xfrm>
+            <a:prstGeom prst="rect">
+              <a:avLst/>
+            </a:prstGeom>
+          </p:spPr>
+          <p:style>
+            <a:lnRef idx="2">
+              <a:schemeClr val="accent1">
+                <a:shade val="50000"/>
+              </a:schemeClr>
+            </a:lnRef>
+            <a:fillRef idx="1">
+              <a:schemeClr val="accent1"/>
+            </a:fillRef>
+            <a:effectRef idx="0">
+              <a:schemeClr val="accent1"/>
+            </a:effectRef>
+            <a:fontRef idx="minor">
+              <a:schemeClr val="lt1"/>
+            </a:fontRef>
+          </p:style>
+          <p:txBody>
+            <a:bodyPr rtlCol="0" anchor="ctr"/>
+            <a:lstStyle/>
+            <a:p>
+              <a:pPr algn="ctr"/>
+              <a:endParaRPr lang="en-US"/>
+            </a:p>
+          </p:txBody>
+        </p:sp>
+        <p:sp>
+          <p:nvSpPr>
+            <p:cNvPr id="5" name="Rectangle 4"/>
+            <p:cNvSpPr/>
+            <p:nvPr/>
+          </p:nvSpPr>
+          <p:spPr>
+            <a:xfrm>
+              <a:off x="2895600" y="2514600"/>
+              <a:ext cx="1219200" cy="685800"/>
+            </a:xfrm>
+            <a:prstGeom prst="rect">
+              <a:avLst/>
+            </a:prstGeom>
+          </p:spPr>
+          <p:style>
+            <a:lnRef idx="2">
+              <a:schemeClr val="accent1">
+                <a:shade val="50000"/>
+              </a:schemeClr>
+            </a:lnRef>
+            <a:fillRef idx="1">
+              <a:schemeClr val="accent1"/>
+            </a:fillRef>
+            <a:effectRef idx="0">
+              <a:schemeClr val="accent1"/>
+            </a:effectRef>
+            <a:fontRef idx="minor">
+              <a:schemeClr val="lt1"/>
+            </a:fontRef>
+          </p:style>
+          <p:txBody>
+            <a:bodyPr rtlCol="0" anchor="ctr"/>
+            <a:lstStyle/>
+            <a:p>
+              <a:pPr algn="ctr"/>
+              <a:endParaRPr lang="en-US"/>
+            </a:p>
+          </p:txBody>
+        </p:sp>
+        <p:sp>
+          <p:nvSpPr>
+            <p:cNvPr id="6" name="Rectangle 5"/>
+            <p:cNvSpPr/>
+            <p:nvPr/>
+          </p:nvSpPr>
+          <p:spPr>
+            <a:xfrm>
+              <a:off x="4495800" y="2501898"/>
+              <a:ext cx="1219200" cy="685800"/>
+            </a:xfrm>
+            <a:prstGeom prst="rect">
+              <a:avLst/>
+            </a:prstGeom>
+          </p:spPr>
+          <p:style>
+            <a:lnRef idx="2">
+              <a:schemeClr val="accent1">
+                <a:shade val="50000"/>
+              </a:schemeClr>
+            </a:lnRef>
+            <a:fillRef idx="1">
+              <a:schemeClr val="accent1"/>
+            </a:fillRef>
+            <a:effectRef idx="0">
+              <a:schemeClr val="accent1"/>
+            </a:effectRef>
+            <a:fontRef idx="minor">
+              <a:schemeClr val="lt1"/>
+            </a:fontRef>
+          </p:style>
+          <p:txBody>
+            <a:bodyPr rtlCol="0" anchor="ctr"/>
+            <a:lstStyle/>
+            <a:p>
+              <a:pPr algn="ctr"/>
+              <a:endParaRPr lang="en-US"/>
+            </a:p>
+          </p:txBody>
+        </p:sp>
+        <p:sp>
+          <p:nvSpPr>
+            <p:cNvPr id="7" name="Rectangle 6"/>
+            <p:cNvSpPr/>
+            <p:nvPr/>
+          </p:nvSpPr>
+          <p:spPr>
+            <a:xfrm>
+              <a:off x="6156036" y="2514600"/>
+              <a:ext cx="1219200" cy="685800"/>
+            </a:xfrm>
+            <a:prstGeom prst="rect">
+              <a:avLst/>
+            </a:prstGeom>
+          </p:spPr>
+          <p:style>
+            <a:lnRef idx="2">
+              <a:schemeClr val="accent1">
+                <a:shade val="50000"/>
+              </a:schemeClr>
+            </a:lnRef>
+            <a:fillRef idx="1">
+              <a:schemeClr val="accent1"/>
+            </a:fillRef>
+            <a:effectRef idx="0">
+              <a:schemeClr val="accent1"/>
+            </a:effectRef>
+            <a:fontRef idx="minor">
+              <a:schemeClr val="lt1"/>
+            </a:fontRef>
+          </p:style>
+          <p:txBody>
+            <a:bodyPr rtlCol="0" anchor="ctr"/>
+            <a:lstStyle/>
+            <a:p>
+              <a:pPr algn="ctr"/>
+              <a:endParaRPr lang="en-US"/>
+            </a:p>
+          </p:txBody>
+        </p:sp>
+        <p:cxnSp>
+          <p:nvCxnSpPr>
+            <p:cNvPr id="9" name="Straight Arrow Connector 8"/>
+            <p:cNvCxnSpPr>
+              <a:stCxn id="4" idx="3"/>
+            </p:cNvCxnSpPr>
+            <p:nvPr/>
+          </p:nvCxnSpPr>
+          <p:spPr>
+            <a:xfrm>
+              <a:off x="2362200" y="2857500"/>
+              <a:ext cx="533400" cy="0"/>
+            </a:xfrm>
+            <a:prstGeom prst="straightConnector1">
+              <a:avLst/>
+            </a:prstGeom>
+            <a:ln w="19050">
+              <a:tailEnd type="arrow"/>
+            </a:ln>
+          </p:spPr>
+          <p:style>
+            <a:lnRef idx="1">
+              <a:schemeClr val="accent1"/>
+            </a:lnRef>
+            <a:fillRef idx="0">
+              <a:schemeClr val="accent1"/>
+            </a:fillRef>
+            <a:effectRef idx="0">
+              <a:schemeClr val="accent1"/>
+            </a:effectRef>
+            <a:fontRef idx="minor">
+              <a:schemeClr val="tx1"/>
+            </a:fontRef>
+          </p:style>
+        </p:cxnSp>
+        <p:cxnSp>
+          <p:nvCxnSpPr>
+            <p:cNvPr id="11" name="Straight Arrow Connector 10"/>
+            <p:cNvCxnSpPr>
+              <a:stCxn id="5" idx="3"/>
+              <a:endCxn id="6" idx="1"/>
+            </p:cNvCxnSpPr>
+            <p:nvPr/>
+          </p:nvCxnSpPr>
+          <p:spPr>
+            <a:xfrm flipV="1">
+              <a:off x="4114800" y="2844798"/>
+              <a:ext cx="381000" cy="12702"/>
+            </a:xfrm>
+            <a:prstGeom prst="straightConnector1">
+              <a:avLst/>
+            </a:prstGeom>
+            <a:ln w="19050">
+              <a:tailEnd type="arrow"/>
+            </a:ln>
+          </p:spPr>
+          <p:style>
+            <a:lnRef idx="1">
+              <a:schemeClr val="accent1"/>
+            </a:lnRef>
+            <a:fillRef idx="0">
+              <a:schemeClr val="accent1"/>
+            </a:fillRef>
+            <a:effectRef idx="0">
+              <a:schemeClr val="accent1"/>
+            </a:effectRef>
+            <a:fontRef idx="minor">
+              <a:schemeClr val="tx1"/>
+            </a:fontRef>
+          </p:style>
+        </p:cxnSp>
+        <p:cxnSp>
+          <p:nvCxnSpPr>
+            <p:cNvPr id="13" name="Straight Arrow Connector 12"/>
+            <p:cNvCxnSpPr>
+              <a:stCxn id="6" idx="3"/>
+              <a:endCxn id="7" idx="1"/>
+            </p:cNvCxnSpPr>
+            <p:nvPr/>
+          </p:nvCxnSpPr>
+          <p:spPr>
+            <a:xfrm>
+              <a:off x="5715000" y="2844798"/>
+              <a:ext cx="441036" cy="12702"/>
+            </a:xfrm>
+            <a:prstGeom prst="straightConnector1">
+              <a:avLst/>
+            </a:prstGeom>
+            <a:ln w="19050">
+              <a:tailEnd type="arrow"/>
+            </a:ln>
+          </p:spPr>
+          <p:style>
+            <a:lnRef idx="1">
+              <a:schemeClr val="accent1"/>
+            </a:lnRef>
+            <a:fillRef idx="0">
+              <a:schemeClr val="accent1"/>
+            </a:fillRef>
+            <a:effectRef idx="0">
+              <a:schemeClr val="accent1"/>
+            </a:effectRef>
+            <a:fontRef idx="minor">
+              <a:schemeClr val="tx1"/>
+            </a:fontRef>
+          </p:style>
+        </p:cxnSp>
+        <p:cxnSp>
+          <p:nvCxnSpPr>
+            <p:cNvPr id="17" name="Straight Arrow Connector 16"/>
+            <p:cNvCxnSpPr/>
+            <p:nvPr/>
+          </p:nvCxnSpPr>
+          <p:spPr>
+            <a:xfrm flipV="1">
+              <a:off x="1752600" y="3200400"/>
+              <a:ext cx="0" cy="762000"/>
+            </a:xfrm>
+            <a:prstGeom prst="straightConnector1">
+              <a:avLst/>
+            </a:prstGeom>
+            <a:ln>
+              <a:tailEnd type="arrow"/>
+            </a:ln>
+          </p:spPr>
+          <p:style>
+            <a:lnRef idx="1">
+              <a:schemeClr val="accent1"/>
+            </a:lnRef>
+            <a:fillRef idx="0">
+              <a:schemeClr val="accent1"/>
+            </a:fillRef>
+            <a:effectRef idx="0">
+              <a:schemeClr val="accent1"/>
+            </a:effectRef>
+            <a:fontRef idx="minor">
+              <a:schemeClr val="tx1"/>
+            </a:fontRef>
+          </p:style>
+        </p:cxnSp>
+        <p:sp>
+          <p:nvSpPr>
+            <p:cNvPr id="20" name="TextBox 19"/>
+            <p:cNvSpPr txBox="1"/>
+            <p:nvPr/>
+          </p:nvSpPr>
+          <p:spPr>
+            <a:xfrm>
+              <a:off x="1371600" y="4013261"/>
+              <a:ext cx="678391" cy="369332"/>
+            </a:xfrm>
+            <a:prstGeom prst="rect">
+              <a:avLst/>
+            </a:prstGeom>
+            <a:noFill/>
+          </p:spPr>
+          <p:txBody>
+            <a:bodyPr wrap="none" rtlCol="0">
+              <a:spAutoFit/>
+            </a:bodyPr>
+            <a:lstStyle/>
+            <a:p>
+              <a:r>
+                <a:rPr lang="en-US" dirty="0" smtClean="0"/>
+                <a:t>Head</a:t>
+              </a:r>
+              <a:endParaRPr lang="en-US" dirty="0"/>
+            </a:p>
+          </p:txBody>
+        </p:sp>
+        <p:cxnSp>
+          <p:nvCxnSpPr>
+            <p:cNvPr id="21" name="Straight Arrow Connector 20"/>
+            <p:cNvCxnSpPr/>
+            <p:nvPr/>
+          </p:nvCxnSpPr>
+          <p:spPr>
+            <a:xfrm flipV="1">
+              <a:off x="6807440" y="3200400"/>
+              <a:ext cx="0" cy="762000"/>
+            </a:xfrm>
+            <a:prstGeom prst="straightConnector1">
+              <a:avLst/>
+            </a:prstGeom>
+            <a:ln>
+              <a:tailEnd type="arrow"/>
+            </a:ln>
+          </p:spPr>
+          <p:style>
+            <a:lnRef idx="1">
+              <a:schemeClr val="accent1"/>
+            </a:lnRef>
+            <a:fillRef idx="0">
+              <a:schemeClr val="accent1"/>
+            </a:fillRef>
+            <a:effectRef idx="0">
+              <a:schemeClr val="accent1"/>
+            </a:effectRef>
+            <a:fontRef idx="minor">
+              <a:schemeClr val="tx1"/>
+            </a:fontRef>
+          </p:style>
+        </p:cxnSp>
+        <p:sp>
+          <p:nvSpPr>
+            <p:cNvPr id="22" name="TextBox 21"/>
+            <p:cNvSpPr txBox="1"/>
+            <p:nvPr/>
+          </p:nvSpPr>
+          <p:spPr>
+            <a:xfrm>
+              <a:off x="6426440" y="4013261"/>
+              <a:ext cx="495649" cy="369332"/>
+            </a:xfrm>
+            <a:prstGeom prst="rect">
+              <a:avLst/>
+            </a:prstGeom>
+            <a:noFill/>
+          </p:spPr>
+          <p:txBody>
+            <a:bodyPr wrap="none" rtlCol="0">
+              <a:spAutoFit/>
+            </a:bodyPr>
+            <a:lstStyle/>
+            <a:p>
+              <a:r>
+                <a:rPr lang="en-US" dirty="0" smtClean="0"/>
+                <a:t>Tail</a:t>
+              </a:r>
+              <a:endParaRPr lang="en-US" dirty="0"/>
+            </a:p>
+          </p:txBody>
+        </p:sp>
+        <p:sp>
+          <p:nvSpPr>
+            <p:cNvPr id="23" name="TextBox 22"/>
+            <p:cNvSpPr txBox="1"/>
+            <p:nvPr/>
+          </p:nvSpPr>
+          <p:spPr>
+            <a:xfrm>
+              <a:off x="1023372" y="2131528"/>
+              <a:ext cx="1377300" cy="369332"/>
+            </a:xfrm>
+            <a:prstGeom prst="rect">
+              <a:avLst/>
+            </a:prstGeom>
+            <a:noFill/>
+          </p:spPr>
+          <p:txBody>
+            <a:bodyPr wrap="none" rtlCol="0">
+              <a:spAutoFit/>
+            </a:bodyPr>
+            <a:lstStyle/>
+            <a:p>
+              <a:r>
+                <a:rPr lang="en-US" dirty="0" smtClean="0"/>
+                <a:t>0x254A5830</a:t>
+              </a:r>
+              <a:endParaRPr lang="en-US" dirty="0"/>
+            </a:p>
+          </p:txBody>
+        </p:sp>
+        <p:sp>
+          <p:nvSpPr>
+            <p:cNvPr id="24" name="TextBox 23"/>
+            <p:cNvSpPr txBox="1"/>
+            <p:nvPr/>
+          </p:nvSpPr>
+          <p:spPr>
+            <a:xfrm>
+              <a:off x="2816550" y="2124838"/>
+              <a:ext cx="1459054" cy="369332"/>
+            </a:xfrm>
+            <a:prstGeom prst="rect">
+              <a:avLst/>
+            </a:prstGeom>
+            <a:noFill/>
+          </p:spPr>
+          <p:txBody>
+            <a:bodyPr wrap="none" rtlCol="0">
+              <a:spAutoFit/>
+            </a:bodyPr>
+            <a:lstStyle/>
+            <a:p>
+              <a:r>
+                <a:rPr lang="en-US" dirty="0" smtClean="0"/>
+                <a:t>0x864B58CD</a:t>
+              </a:r>
+              <a:endParaRPr lang="en-US" dirty="0"/>
+            </a:p>
+          </p:txBody>
+        </p:sp>
+        <p:sp>
+          <p:nvSpPr>
+            <p:cNvPr id="25" name="TextBox 24"/>
+            <p:cNvSpPr txBox="1"/>
+            <p:nvPr/>
+          </p:nvSpPr>
+          <p:spPr>
+            <a:xfrm>
+              <a:off x="4428004" y="2124838"/>
+              <a:ext cx="1443024" cy="369332"/>
+            </a:xfrm>
+            <a:prstGeom prst="rect">
+              <a:avLst/>
+            </a:prstGeom>
+            <a:noFill/>
+          </p:spPr>
+          <p:txBody>
+            <a:bodyPr wrap="none" rtlCol="0">
+              <a:spAutoFit/>
+            </a:bodyPr>
+            <a:lstStyle/>
+            <a:p>
+              <a:r>
+                <a:rPr lang="en-US" dirty="0" smtClean="0"/>
+                <a:t>0xA64B54FD</a:t>
+              </a:r>
+              <a:endParaRPr lang="en-US" dirty="0"/>
+            </a:p>
+          </p:txBody>
+        </p:sp>
+        <p:sp>
+          <p:nvSpPr>
+            <p:cNvPr id="26" name="TextBox 25"/>
+            <p:cNvSpPr txBox="1"/>
+            <p:nvPr/>
+          </p:nvSpPr>
+          <p:spPr>
+            <a:xfrm>
+              <a:off x="6077913" y="2124838"/>
+              <a:ext cx="1374094" cy="369332"/>
+            </a:xfrm>
+            <a:prstGeom prst="rect">
+              <a:avLst/>
+            </a:prstGeom>
+            <a:noFill/>
+          </p:spPr>
+          <p:txBody>
+            <a:bodyPr wrap="none" rtlCol="0">
+              <a:spAutoFit/>
+            </a:bodyPr>
+            <a:lstStyle/>
+            <a:p>
+              <a:r>
+                <a:rPr lang="en-US" dirty="0" smtClean="0"/>
+                <a:t>0xC0FFE142</a:t>
+              </a:r>
+              <a:endParaRPr lang="en-US" dirty="0"/>
+            </a:p>
+          </p:txBody>
+        </p:sp>
+      </p:grpSp>
     </p:spTree>
     <p:extLst>
       <p:ext uri="{BB962C8B-B14F-4D97-AF65-F5344CB8AC3E}">
-        <p14:creationId xmlns:p14="http://schemas.microsoft.com/office/powerpoint/2010/main" val="3171753849"/>
+        <p14:creationId xmlns:p14="http://schemas.microsoft.com/office/powerpoint/2010/main" val="1791940350"/>
       </p:ext>
     </p:extLst>
   </p:cSld>
   <p:clrMapOvr>
     <a:masterClrMapping/>
   </p:clrMapOvr>
+  <p:timing>
+    <p:tnLst>
+      <p:par>
+        <p:cTn id="1" dur="indefinite" restart="never" nodeType="tmRoot"/>
+      </p:par>
+    </p:tnLst>
+  </p:timing>
 </p:sld>
 </file>
 
@@ -27956,89 +32134,520 @@
           <a:p>
             <a:r>
               <a:rPr lang="en-US" dirty="0" smtClean="0"/>
-              <a:t>Out of process queues</a:t>
+              <a:t>Array</a:t>
             </a:r>
             <a:endParaRPr lang="en-US" dirty="0"/>
           </a:p>
         </p:txBody>
       </p:sp>
-      <p:sp>
-        <p:nvSpPr>
-          <p:cNvPr id="3" name="Content Placeholder 2"/>
-          <p:cNvSpPr>
-            <a:spLocks noGrp="1"/>
-          </p:cNvSpPr>
-          <p:nvPr>
-            <p:ph idx="1"/>
-          </p:nvPr>
-        </p:nvSpPr>
-        <p:spPr/>
-        <p:txBody>
-          <a:bodyPr/>
-          <a:lstStyle/>
-          <a:p>
-            <a:r>
-              <a:rPr lang="en-US" dirty="0" smtClean="0"/>
-              <a:t>There are a million queues out there</a:t>
-            </a:r>
-          </a:p>
-          <a:p>
-            <a:pPr lvl="1"/>
-            <a:r>
-              <a:rPr lang="en-US" dirty="0" smtClean="0"/>
-              <a:t>MSMQ</a:t>
-            </a:r>
-          </a:p>
-          <a:p>
-            <a:pPr lvl="1"/>
-            <a:r>
-              <a:rPr lang="en-US" dirty="0" err="1" smtClean="0"/>
-              <a:t>RabbitMQ</a:t>
-            </a:r>
-            <a:endParaRPr lang="en-US" dirty="0" smtClean="0"/>
-          </a:p>
-          <a:p>
-            <a:pPr lvl="1"/>
-            <a:r>
-              <a:rPr lang="en-US" dirty="0" err="1" smtClean="0"/>
-              <a:t>ZeroMQ</a:t>
-            </a:r>
-            <a:endParaRPr lang="en-US" dirty="0" smtClean="0"/>
-          </a:p>
-          <a:p>
-            <a:pPr lvl="1"/>
-            <a:r>
-              <a:rPr lang="en-US" dirty="0" err="1" smtClean="0"/>
-              <a:t>WebSphere</a:t>
-            </a:r>
-            <a:r>
-              <a:rPr lang="en-US" dirty="0" smtClean="0"/>
-              <a:t> MQ</a:t>
-            </a:r>
-          </a:p>
-          <a:p>
-            <a:pPr lvl="1"/>
-            <a:r>
-              <a:rPr lang="en-US" dirty="0" smtClean="0"/>
-              <a:t>BizTalk (mumble, mumble)</a:t>
-            </a:r>
-          </a:p>
-          <a:p>
-            <a:pPr lvl="1"/>
-            <a:endParaRPr lang="en-US" dirty="0"/>
-          </a:p>
-        </p:txBody>
-      </p:sp>
+      <p:grpSp>
+        <p:nvGrpSpPr>
+          <p:cNvPr id="21" name="Group 20"/>
+          <p:cNvGrpSpPr/>
+          <p:nvPr/>
+        </p:nvGrpSpPr>
+        <p:grpSpPr>
+          <a:xfrm>
+            <a:off x="1023372" y="2131528"/>
+            <a:ext cx="6672116" cy="2260362"/>
+            <a:chOff x="1023372" y="2131528"/>
+            <a:chExt cx="6672116" cy="2260362"/>
+          </a:xfrm>
+        </p:grpSpPr>
+        <p:sp>
+          <p:nvSpPr>
+            <p:cNvPr id="4" name="Rectangle 3"/>
+            <p:cNvSpPr/>
+            <p:nvPr/>
+          </p:nvSpPr>
+          <p:spPr>
+            <a:xfrm>
+              <a:off x="1143000" y="2514600"/>
+              <a:ext cx="1219200" cy="685800"/>
+            </a:xfrm>
+            <a:prstGeom prst="rect">
+              <a:avLst/>
+            </a:prstGeom>
+          </p:spPr>
+          <p:style>
+            <a:lnRef idx="2">
+              <a:schemeClr val="accent1">
+                <a:shade val="50000"/>
+              </a:schemeClr>
+            </a:lnRef>
+            <a:fillRef idx="1">
+              <a:schemeClr val="accent1"/>
+            </a:fillRef>
+            <a:effectRef idx="0">
+              <a:schemeClr val="accent1"/>
+            </a:effectRef>
+            <a:fontRef idx="minor">
+              <a:schemeClr val="lt1"/>
+            </a:fontRef>
+          </p:style>
+          <p:txBody>
+            <a:bodyPr rtlCol="0" anchor="ctr"/>
+            <a:lstStyle/>
+            <a:p>
+              <a:pPr algn="ctr"/>
+              <a:endParaRPr lang="en-US"/>
+            </a:p>
+          </p:txBody>
+        </p:sp>
+        <p:sp>
+          <p:nvSpPr>
+            <p:cNvPr id="5" name="Rectangle 4"/>
+            <p:cNvSpPr/>
+            <p:nvPr/>
+          </p:nvSpPr>
+          <p:spPr>
+            <a:xfrm>
+              <a:off x="2438400" y="2501896"/>
+              <a:ext cx="1219200" cy="685800"/>
+            </a:xfrm>
+            <a:prstGeom prst="rect">
+              <a:avLst/>
+            </a:prstGeom>
+          </p:spPr>
+          <p:style>
+            <a:lnRef idx="2">
+              <a:schemeClr val="accent1">
+                <a:shade val="50000"/>
+              </a:schemeClr>
+            </a:lnRef>
+            <a:fillRef idx="1">
+              <a:schemeClr val="accent1"/>
+            </a:fillRef>
+            <a:effectRef idx="0">
+              <a:schemeClr val="accent1"/>
+            </a:effectRef>
+            <a:fontRef idx="minor">
+              <a:schemeClr val="lt1"/>
+            </a:fontRef>
+          </p:style>
+          <p:txBody>
+            <a:bodyPr rtlCol="0" anchor="ctr"/>
+            <a:lstStyle/>
+            <a:p>
+              <a:pPr algn="ctr"/>
+              <a:endParaRPr lang="en-US"/>
+            </a:p>
+          </p:txBody>
+        </p:sp>
+        <p:sp>
+          <p:nvSpPr>
+            <p:cNvPr id="6" name="Rectangle 5"/>
+            <p:cNvSpPr/>
+            <p:nvPr/>
+          </p:nvSpPr>
+          <p:spPr>
+            <a:xfrm>
+              <a:off x="3733800" y="2514600"/>
+              <a:ext cx="1219200" cy="685800"/>
+            </a:xfrm>
+            <a:prstGeom prst="rect">
+              <a:avLst/>
+            </a:prstGeom>
+          </p:spPr>
+          <p:style>
+            <a:lnRef idx="2">
+              <a:schemeClr val="accent1">
+                <a:shade val="50000"/>
+              </a:schemeClr>
+            </a:lnRef>
+            <a:fillRef idx="1">
+              <a:schemeClr val="accent1"/>
+            </a:fillRef>
+            <a:effectRef idx="0">
+              <a:schemeClr val="accent1"/>
+            </a:effectRef>
+            <a:fontRef idx="minor">
+              <a:schemeClr val="lt1"/>
+            </a:fontRef>
+          </p:style>
+          <p:txBody>
+            <a:bodyPr rtlCol="0" anchor="ctr"/>
+            <a:lstStyle/>
+            <a:p>
+              <a:pPr algn="ctr"/>
+              <a:endParaRPr lang="en-US"/>
+            </a:p>
+          </p:txBody>
+        </p:sp>
+        <p:sp>
+          <p:nvSpPr>
+            <p:cNvPr id="7" name="Rectangle 6"/>
+            <p:cNvSpPr/>
+            <p:nvPr/>
+          </p:nvSpPr>
+          <p:spPr>
+            <a:xfrm>
+              <a:off x="5029200" y="2514600"/>
+              <a:ext cx="1219200" cy="685800"/>
+            </a:xfrm>
+            <a:prstGeom prst="rect">
+              <a:avLst/>
+            </a:prstGeom>
+          </p:spPr>
+          <p:style>
+            <a:lnRef idx="2">
+              <a:schemeClr val="accent1">
+                <a:shade val="50000"/>
+              </a:schemeClr>
+            </a:lnRef>
+            <a:fillRef idx="1">
+              <a:schemeClr val="accent1"/>
+            </a:fillRef>
+            <a:effectRef idx="0">
+              <a:schemeClr val="accent1"/>
+            </a:effectRef>
+            <a:fontRef idx="minor">
+              <a:schemeClr val="lt1"/>
+            </a:fontRef>
+          </p:style>
+          <p:txBody>
+            <a:bodyPr rtlCol="0" anchor="ctr"/>
+            <a:lstStyle/>
+            <a:p>
+              <a:pPr algn="ctr"/>
+              <a:endParaRPr lang="en-US"/>
+            </a:p>
+          </p:txBody>
+        </p:sp>
+        <p:cxnSp>
+          <p:nvCxnSpPr>
+            <p:cNvPr id="11" name="Straight Arrow Connector 10"/>
+            <p:cNvCxnSpPr/>
+            <p:nvPr/>
+          </p:nvCxnSpPr>
+          <p:spPr>
+            <a:xfrm flipV="1">
+              <a:off x="1752600" y="3200400"/>
+              <a:ext cx="0" cy="762000"/>
+            </a:xfrm>
+            <a:prstGeom prst="straightConnector1">
+              <a:avLst/>
+            </a:prstGeom>
+            <a:ln>
+              <a:tailEnd type="arrow"/>
+            </a:ln>
+          </p:spPr>
+          <p:style>
+            <a:lnRef idx="1">
+              <a:schemeClr val="accent1"/>
+            </a:lnRef>
+            <a:fillRef idx="0">
+              <a:schemeClr val="accent1"/>
+            </a:fillRef>
+            <a:effectRef idx="0">
+              <a:schemeClr val="accent1"/>
+            </a:effectRef>
+            <a:fontRef idx="minor">
+              <a:schemeClr val="tx1"/>
+            </a:fontRef>
+          </p:style>
+        </p:cxnSp>
+        <p:sp>
+          <p:nvSpPr>
+            <p:cNvPr id="12" name="TextBox 11"/>
+            <p:cNvSpPr txBox="1"/>
+            <p:nvPr/>
+          </p:nvSpPr>
+          <p:spPr>
+            <a:xfrm>
+              <a:off x="1371600" y="4013261"/>
+              <a:ext cx="678391" cy="369332"/>
+            </a:xfrm>
+            <a:prstGeom prst="rect">
+              <a:avLst/>
+            </a:prstGeom>
+            <a:noFill/>
+          </p:spPr>
+          <p:txBody>
+            <a:bodyPr wrap="none" rtlCol="0">
+              <a:spAutoFit/>
+            </a:bodyPr>
+            <a:lstStyle/>
+            <a:p>
+              <a:r>
+                <a:rPr lang="en-US" dirty="0" smtClean="0"/>
+                <a:t>Head</a:t>
+              </a:r>
+              <a:endParaRPr lang="en-US" dirty="0"/>
+            </a:p>
+          </p:txBody>
+        </p:sp>
+        <p:sp>
+          <p:nvSpPr>
+            <p:cNvPr id="13" name="Rectangle 12"/>
+            <p:cNvSpPr/>
+            <p:nvPr/>
+          </p:nvSpPr>
+          <p:spPr>
+            <a:xfrm>
+              <a:off x="6324600" y="2514600"/>
+              <a:ext cx="1219200" cy="685800"/>
+            </a:xfrm>
+            <a:prstGeom prst="rect">
+              <a:avLst/>
+            </a:prstGeom>
+          </p:spPr>
+          <p:style>
+            <a:lnRef idx="2">
+              <a:schemeClr val="accent1">
+                <a:shade val="50000"/>
+              </a:schemeClr>
+            </a:lnRef>
+            <a:fillRef idx="1">
+              <a:schemeClr val="accent1"/>
+            </a:fillRef>
+            <a:effectRef idx="0">
+              <a:schemeClr val="accent1"/>
+            </a:effectRef>
+            <a:fontRef idx="minor">
+              <a:schemeClr val="lt1"/>
+            </a:fontRef>
+          </p:style>
+          <p:txBody>
+            <a:bodyPr rtlCol="0" anchor="ctr"/>
+            <a:lstStyle/>
+            <a:p>
+              <a:pPr algn="ctr"/>
+              <a:endParaRPr lang="en-US"/>
+            </a:p>
+          </p:txBody>
+        </p:sp>
+        <p:cxnSp>
+          <p:nvCxnSpPr>
+            <p:cNvPr id="14" name="Straight Arrow Connector 13"/>
+            <p:cNvCxnSpPr/>
+            <p:nvPr/>
+          </p:nvCxnSpPr>
+          <p:spPr>
+            <a:xfrm flipV="1">
+              <a:off x="6858000" y="3209697"/>
+              <a:ext cx="0" cy="762000"/>
+            </a:xfrm>
+            <a:prstGeom prst="straightConnector1">
+              <a:avLst/>
+            </a:prstGeom>
+            <a:ln>
+              <a:tailEnd type="arrow"/>
+            </a:ln>
+          </p:spPr>
+          <p:style>
+            <a:lnRef idx="1">
+              <a:schemeClr val="accent1"/>
+            </a:lnRef>
+            <a:fillRef idx="0">
+              <a:schemeClr val="accent1"/>
+            </a:fillRef>
+            <a:effectRef idx="0">
+              <a:schemeClr val="accent1"/>
+            </a:effectRef>
+            <a:fontRef idx="minor">
+              <a:schemeClr val="tx1"/>
+            </a:fontRef>
+          </p:style>
+        </p:cxnSp>
+        <p:sp>
+          <p:nvSpPr>
+            <p:cNvPr id="15" name="TextBox 14"/>
+            <p:cNvSpPr txBox="1"/>
+            <p:nvPr/>
+          </p:nvSpPr>
+          <p:spPr>
+            <a:xfrm>
+              <a:off x="6477000" y="4022558"/>
+              <a:ext cx="495649" cy="369332"/>
+            </a:xfrm>
+            <a:prstGeom prst="rect">
+              <a:avLst/>
+            </a:prstGeom>
+            <a:noFill/>
+          </p:spPr>
+          <p:txBody>
+            <a:bodyPr wrap="none" rtlCol="0">
+              <a:spAutoFit/>
+            </a:bodyPr>
+            <a:lstStyle/>
+            <a:p>
+              <a:r>
+                <a:rPr lang="en-US" dirty="0" smtClean="0"/>
+                <a:t>Tail</a:t>
+              </a:r>
+              <a:endParaRPr lang="en-US" dirty="0"/>
+            </a:p>
+          </p:txBody>
+        </p:sp>
+        <p:sp>
+          <p:nvSpPr>
+            <p:cNvPr id="16" name="TextBox 15"/>
+            <p:cNvSpPr txBox="1"/>
+            <p:nvPr/>
+          </p:nvSpPr>
+          <p:spPr>
+            <a:xfrm>
+              <a:off x="1023372" y="2131528"/>
+              <a:ext cx="1377300" cy="369332"/>
+            </a:xfrm>
+            <a:prstGeom prst="rect">
+              <a:avLst/>
+            </a:prstGeom>
+            <a:noFill/>
+          </p:spPr>
+          <p:txBody>
+            <a:bodyPr wrap="none" rtlCol="0">
+              <a:spAutoFit/>
+            </a:bodyPr>
+            <a:lstStyle/>
+            <a:p>
+              <a:r>
+                <a:rPr lang="en-US" dirty="0" smtClean="0"/>
+                <a:t>0x254A5830</a:t>
+              </a:r>
+              <a:endParaRPr lang="en-US" dirty="0"/>
+            </a:p>
+          </p:txBody>
+        </p:sp>
+        <p:sp>
+          <p:nvSpPr>
+            <p:cNvPr id="17" name="TextBox 16"/>
+            <p:cNvSpPr txBox="1"/>
+            <p:nvPr/>
+          </p:nvSpPr>
+          <p:spPr>
+            <a:xfrm>
+              <a:off x="2394972" y="2132564"/>
+              <a:ext cx="1377300" cy="369332"/>
+            </a:xfrm>
+            <a:prstGeom prst="rect">
+              <a:avLst/>
+            </a:prstGeom>
+            <a:noFill/>
+          </p:spPr>
+          <p:txBody>
+            <a:bodyPr wrap="none" rtlCol="0">
+              <a:spAutoFit/>
+            </a:bodyPr>
+            <a:lstStyle/>
+            <a:p>
+              <a:r>
+                <a:rPr lang="en-US" dirty="0" smtClean="0"/>
+                <a:t>0x254A5838</a:t>
+              </a:r>
+              <a:endParaRPr lang="en-US" dirty="0"/>
+            </a:p>
+          </p:txBody>
+        </p:sp>
+        <p:sp>
+          <p:nvSpPr>
+            <p:cNvPr id="18" name="TextBox 17"/>
+            <p:cNvSpPr txBox="1"/>
+            <p:nvPr/>
+          </p:nvSpPr>
+          <p:spPr>
+            <a:xfrm>
+              <a:off x="3657600" y="2133600"/>
+              <a:ext cx="1370888" cy="369332"/>
+            </a:xfrm>
+            <a:prstGeom prst="rect">
+              <a:avLst/>
+            </a:prstGeom>
+            <a:noFill/>
+          </p:spPr>
+          <p:txBody>
+            <a:bodyPr wrap="none" rtlCol="0">
+              <a:spAutoFit/>
+            </a:bodyPr>
+            <a:lstStyle/>
+            <a:p>
+              <a:r>
+                <a:rPr lang="en-US" dirty="0" smtClean="0"/>
+                <a:t>0x254A583F</a:t>
+              </a:r>
+              <a:endParaRPr lang="en-US" dirty="0"/>
+            </a:p>
+          </p:txBody>
+        </p:sp>
+        <p:sp>
+          <p:nvSpPr>
+            <p:cNvPr id="19" name="TextBox 18"/>
+            <p:cNvSpPr txBox="1"/>
+            <p:nvPr/>
+          </p:nvSpPr>
+          <p:spPr>
+            <a:xfrm>
+              <a:off x="4993852" y="2133600"/>
+              <a:ext cx="1377300" cy="369332"/>
+            </a:xfrm>
+            <a:prstGeom prst="rect">
+              <a:avLst/>
+            </a:prstGeom>
+            <a:noFill/>
+          </p:spPr>
+          <p:txBody>
+            <a:bodyPr wrap="none" rtlCol="0">
+              <a:spAutoFit/>
+            </a:bodyPr>
+            <a:lstStyle/>
+            <a:p>
+              <a:r>
+                <a:rPr lang="en-US" dirty="0" smtClean="0"/>
+                <a:t>0x254A5848</a:t>
+              </a:r>
+              <a:endParaRPr lang="en-US" dirty="0"/>
+            </a:p>
+          </p:txBody>
+        </p:sp>
+        <p:sp>
+          <p:nvSpPr>
+            <p:cNvPr id="20" name="TextBox 19"/>
+            <p:cNvSpPr txBox="1"/>
+            <p:nvPr/>
+          </p:nvSpPr>
+          <p:spPr>
+            <a:xfrm>
+              <a:off x="6324600" y="2133600"/>
+              <a:ext cx="1370888" cy="369332"/>
+            </a:xfrm>
+            <a:prstGeom prst="rect">
+              <a:avLst/>
+            </a:prstGeom>
+            <a:noFill/>
+          </p:spPr>
+          <p:txBody>
+            <a:bodyPr wrap="none" rtlCol="0">
+              <a:spAutoFit/>
+            </a:bodyPr>
+            <a:lstStyle/>
+            <a:p>
+              <a:r>
+                <a:rPr lang="en-US" dirty="0" smtClean="0"/>
+                <a:t>0x254A584F</a:t>
+              </a:r>
+              <a:endParaRPr lang="en-US" dirty="0"/>
+            </a:p>
+          </p:txBody>
+        </p:sp>
+      </p:grpSp>
     </p:spTree>
     <p:extLst>
       <p:ext uri="{BB962C8B-B14F-4D97-AF65-F5344CB8AC3E}">
-        <p14:creationId xmlns:p14="http://schemas.microsoft.com/office/powerpoint/2010/main" val="1006183739"/>
+        <p14:creationId xmlns:p14="http://schemas.microsoft.com/office/powerpoint/2010/main" val="287415399"/>
       </p:ext>
     </p:extLst>
   </p:cSld>
   <p:clrMapOvr>
     <a:masterClrMapping/>
   </p:clrMapOvr>
+  <p:timing>
+    <p:tnLst>
+      <p:par>
+        <p:cTn id="1" dur="indefinite" restart="never" nodeType="tmRoot"/>
+      </p:par>
+    </p:tnLst>
+  </p:timing>
 </p:sld>
 </file>
 

--- a/Queues and message based architecture.pptx
+++ b/Queues and message based architecture.pptx
@@ -31,8 +31,11 @@
     <p:sldId id="271" r:id="rId25"/>
     <p:sldId id="273" r:id="rId26"/>
     <p:sldId id="269" r:id="rId27"/>
-    <p:sldId id="278" r:id="rId28"/>
-    <p:sldId id="279" r:id="rId29"/>
+    <p:sldId id="284" r:id="rId28"/>
+    <p:sldId id="286" r:id="rId29"/>
+    <p:sldId id="285" r:id="rId30"/>
+    <p:sldId id="278" r:id="rId31"/>
+    <p:sldId id="279" r:id="rId32"/>
   </p:sldIdLst>
   <p:sldSz cx="9144000" cy="6858000" type="screen4x3"/>
   <p:notesSz cx="6858000" cy="9144000"/>
@@ -526,11 +529,11 @@
         </c:dLbls>
         <c:marker val="1"/>
         <c:smooth val="0"/>
-        <c:axId val="97634944"/>
-        <c:axId val="97636736"/>
+        <c:axId val="145837056"/>
+        <c:axId val="147411712"/>
       </c:lineChart>
       <c:catAx>
-        <c:axId val="97634944"/>
+        <c:axId val="145837056"/>
         <c:scaling>
           <c:orientation val="minMax"/>
         </c:scaling>
@@ -540,7 +543,7 @@
         <c:majorTickMark val="out"/>
         <c:minorTickMark val="none"/>
         <c:tickLblPos val="nextTo"/>
-        <c:crossAx val="97636736"/>
+        <c:crossAx val="147411712"/>
         <c:crosses val="autoZero"/>
         <c:auto val="1"/>
         <c:lblAlgn val="ctr"/>
@@ -548,7 +551,7 @@
         <c:noMultiLvlLbl val="0"/>
       </c:catAx>
       <c:valAx>
-        <c:axId val="97636736"/>
+        <c:axId val="147411712"/>
         <c:scaling>
           <c:orientation val="minMax"/>
         </c:scaling>
@@ -559,7 +562,7 @@
         <c:majorTickMark val="out"/>
         <c:minorTickMark val="none"/>
         <c:tickLblPos val="nextTo"/>
-        <c:crossAx val="97634944"/>
+        <c:crossAx val="145837056"/>
         <c:crosses val="autoZero"/>
         <c:crossBetween val="between"/>
       </c:valAx>
@@ -13167,7 +13170,7 @@
           <a:p>
             <a:fld id="{F4CCEE5C-0195-48FC-A8EA-C4CF7619EA75}" type="datetimeFigureOut">
               <a:rPr lang="en-US" smtClean="0"/>
-              <a:t>9/27/2012</a:t>
+              <a:t>9/29/2012</a:t>
             </a:fld>
             <a:endParaRPr lang="en-US"/>
           </a:p>
@@ -14272,7 +14275,7 @@
           <a:p>
             <a:fld id="{F4CCEE5C-0195-48FC-A8EA-C4CF7619EA75}" type="datetimeFigureOut">
               <a:rPr lang="en-US" smtClean="0"/>
-              <a:t>9/27/2012</a:t>
+              <a:t>9/29/2012</a:t>
             </a:fld>
             <a:endParaRPr lang="en-US"/>
           </a:p>
@@ -15385,7 +15388,7 @@
           <a:p>
             <a:fld id="{F4CCEE5C-0195-48FC-A8EA-C4CF7619EA75}" type="datetimeFigureOut">
               <a:rPr lang="en-US" smtClean="0"/>
-              <a:t>9/27/2012</a:t>
+              <a:t>9/29/2012</a:t>
             </a:fld>
             <a:endParaRPr lang="en-US"/>
           </a:p>
@@ -16493,7 +16496,7 @@
           <a:p>
             <a:fld id="{F4CCEE5C-0195-48FC-A8EA-C4CF7619EA75}" type="datetimeFigureOut">
               <a:rPr lang="en-US" smtClean="0"/>
-              <a:t>9/27/2012</a:t>
+              <a:t>9/29/2012</a:t>
             </a:fld>
             <a:endParaRPr lang="en-US"/>
           </a:p>
@@ -18086,7 +18089,7 @@
           <a:p>
             <a:fld id="{F4CCEE5C-0195-48FC-A8EA-C4CF7619EA75}" type="datetimeFigureOut">
               <a:rPr lang="en-US" smtClean="0"/>
-              <a:t>9/27/2012</a:t>
+              <a:t>9/29/2012</a:t>
             </a:fld>
             <a:endParaRPr lang="en-US"/>
           </a:p>
@@ -19144,7 +19147,7 @@
           <a:p>
             <a:fld id="{F4CCEE5C-0195-48FC-A8EA-C4CF7619EA75}" type="datetimeFigureOut">
               <a:rPr lang="en-US" smtClean="0"/>
-              <a:t>9/27/2012</a:t>
+              <a:t>9/29/2012</a:t>
             </a:fld>
             <a:endParaRPr lang="en-US"/>
           </a:p>
@@ -20471,7 +20474,7 @@
           <a:p>
             <a:fld id="{F4CCEE5C-0195-48FC-A8EA-C4CF7619EA75}" type="datetimeFigureOut">
               <a:rPr lang="en-US" smtClean="0"/>
-              <a:t>9/27/2012</a:t>
+              <a:t>9/29/2012</a:t>
             </a:fld>
             <a:endParaRPr lang="en-US"/>
           </a:p>
@@ -21608,7 +21611,7 @@
           <a:p>
             <a:fld id="{F4CCEE5C-0195-48FC-A8EA-C4CF7619EA75}" type="datetimeFigureOut">
               <a:rPr lang="en-US" smtClean="0"/>
-              <a:t>9/27/2012</a:t>
+              <a:t>9/29/2012</a:t>
             </a:fld>
             <a:endParaRPr lang="en-US"/>
           </a:p>
@@ -22664,7 +22667,7 @@
           <a:p>
             <a:fld id="{F4CCEE5C-0195-48FC-A8EA-C4CF7619EA75}" type="datetimeFigureOut">
               <a:rPr lang="en-US" smtClean="0"/>
-              <a:t>9/27/2012</a:t>
+              <a:t>9/29/2012</a:t>
             </a:fld>
             <a:endParaRPr lang="en-US"/>
           </a:p>
@@ -23702,7 +23705,7 @@
           <a:p>
             <a:fld id="{F4CCEE5C-0195-48FC-A8EA-C4CF7619EA75}" type="datetimeFigureOut">
               <a:rPr lang="en-US" smtClean="0"/>
-              <a:t>9/27/2012</a:t>
+              <a:t>9/29/2012</a:t>
             </a:fld>
             <a:endParaRPr lang="en-US"/>
           </a:p>
@@ -24937,7 +24940,7 @@
           <a:p>
             <a:fld id="{F4CCEE5C-0195-48FC-A8EA-C4CF7619EA75}" type="datetimeFigureOut">
               <a:rPr lang="en-US" smtClean="0"/>
-              <a:t>9/27/2012</a:t>
+              <a:t>9/29/2012</a:t>
             </a:fld>
             <a:endParaRPr lang="en-US"/>
           </a:p>
@@ -25290,7 +25293,7 @@
           <a:p>
             <a:fld id="{F4CCEE5C-0195-48FC-A8EA-C4CF7619EA75}" type="datetimeFigureOut">
               <a:rPr lang="en-US" smtClean="0"/>
-              <a:t>9/27/2012</a:t>
+              <a:t>9/29/2012</a:t>
             </a:fld>
             <a:endParaRPr lang="en-US"/>
           </a:p>
@@ -30425,6 +30428,657 @@
       </p:grpSpPr>
       <p:sp>
         <p:nvSpPr>
+          <p:cNvPr id="4" name="Rectangle 3"/>
+          <p:cNvSpPr/>
+          <p:nvPr/>
+        </p:nvSpPr>
+        <p:spPr>
+          <a:xfrm>
+            <a:off x="1143000" y="1219201"/>
+            <a:ext cx="6705600" cy="838200"/>
+          </a:xfrm>
+          <a:prstGeom prst="rect">
+            <a:avLst/>
+          </a:prstGeom>
+        </p:spPr>
+        <p:txBody>
+          <a:bodyPr wrap="square">
+            <a:spAutoFit/>
+          </a:bodyPr>
+          <a:lstStyle/>
+          <a:p>
+            <a:r>
+              <a:rPr lang="en-US" sz="2400" i="1" dirty="0" smtClean="0"/>
+              <a:t>No</a:t>
+            </a:r>
+            <a:r>
+              <a:rPr lang="en-US" sz="2400" i="1" dirty="0"/>
+              <a:t>, you can write large programs in </a:t>
+            </a:r>
+            <a:r>
+              <a:rPr lang="en-US" sz="2400" i="1" dirty="0" smtClean="0"/>
+              <a:t>any language. </a:t>
+            </a:r>
+            <a:r>
+              <a:rPr lang="en-US" sz="2400" i="1" dirty="0"/>
+              <a:t>You just can’t maintain them.</a:t>
+            </a:r>
+            <a:endParaRPr lang="en-US" sz="2400" i="1" dirty="0"/>
+          </a:p>
+        </p:txBody>
+      </p:sp>
+      <p:sp>
+        <p:nvSpPr>
+          <p:cNvPr id="5" name="Rectangle 4"/>
+          <p:cNvSpPr/>
+          <p:nvPr/>
+        </p:nvSpPr>
+        <p:spPr>
+          <a:xfrm>
+            <a:off x="5867400" y="2045787"/>
+            <a:ext cx="1425134" cy="369332"/>
+          </a:xfrm>
+          <a:prstGeom prst="rect">
+            <a:avLst/>
+          </a:prstGeom>
+        </p:spPr>
+        <p:txBody>
+          <a:bodyPr wrap="none">
+            <a:spAutoFit/>
+          </a:bodyPr>
+          <a:lstStyle/>
+          <a:p>
+            <a:pPr fontAlgn="base"/>
+            <a:r>
+              <a:rPr lang="en-US" dirty="0"/>
+              <a:t>Derick Bailey</a:t>
+            </a:r>
+          </a:p>
+        </p:txBody>
+      </p:sp>
+      <p:sp>
+        <p:nvSpPr>
+          <p:cNvPr id="6" name="Rectangle 5"/>
+          <p:cNvSpPr/>
+          <p:nvPr/>
+        </p:nvSpPr>
+        <p:spPr>
+          <a:xfrm>
+            <a:off x="1143000" y="2690336"/>
+            <a:ext cx="6324600" cy="1569660"/>
+          </a:xfrm>
+          <a:prstGeom prst="rect">
+            <a:avLst/>
+          </a:prstGeom>
+        </p:spPr>
+        <p:txBody>
+          <a:bodyPr wrap="square">
+            <a:spAutoFit/>
+          </a:bodyPr>
+          <a:lstStyle/>
+          <a:p>
+            <a:r>
+              <a:rPr lang="en-US" sz="2400" i="1" dirty="0"/>
+              <a:t>Most software today is very much like an Egyptian pyramid with millions of bricks piled on top of each other, with no structural integrity, but just done by brute force and thousands of slaves.</a:t>
+            </a:r>
+            <a:endParaRPr lang="en-US" sz="2400" i="1" dirty="0"/>
+          </a:p>
+        </p:txBody>
+      </p:sp>
+      <p:sp>
+        <p:nvSpPr>
+          <p:cNvPr id="7" name="Rectangle 6"/>
+          <p:cNvSpPr/>
+          <p:nvPr/>
+        </p:nvSpPr>
+        <p:spPr>
+          <a:xfrm>
+            <a:off x="6285142" y="4248958"/>
+            <a:ext cx="1007392" cy="369332"/>
+          </a:xfrm>
+          <a:prstGeom prst="rect">
+            <a:avLst/>
+          </a:prstGeom>
+        </p:spPr>
+        <p:txBody>
+          <a:bodyPr wrap="none">
+            <a:spAutoFit/>
+          </a:bodyPr>
+          <a:lstStyle/>
+          <a:p>
+            <a:pPr fontAlgn="base"/>
+            <a:r>
+              <a:rPr lang="en-US" dirty="0" smtClean="0"/>
+              <a:t>Alan Kay</a:t>
+            </a:r>
+            <a:endParaRPr lang="en-US" dirty="0"/>
+          </a:p>
+        </p:txBody>
+      </p:sp>
+    </p:spTree>
+    <p:extLst>
+      <p:ext uri="{BB962C8B-B14F-4D97-AF65-F5344CB8AC3E}">
+        <p14:creationId xmlns:p14="http://schemas.microsoft.com/office/powerpoint/2010/main" val="1119387717"/>
+      </p:ext>
+    </p:extLst>
+  </p:cSld>
+  <p:clrMapOvr>
+    <a:masterClrMapping/>
+  </p:clrMapOvr>
+</p:sld>
+</file>
+
+<file path=ppt/slides/slide28.xml><?xml version="1.0" encoding="utf-8"?>
+<p:sld xmlns:a="http://schemas.openxmlformats.org/drawingml/2006/main" xmlns:r="http://schemas.openxmlformats.org/officeDocument/2006/relationships" xmlns:p="http://schemas.openxmlformats.org/presentationml/2006/main">
+  <p:cSld>
+    <p:spTree>
+      <p:nvGrpSpPr>
+        <p:cNvPr id="1" name=""/>
+        <p:cNvGrpSpPr/>
+        <p:nvPr/>
+      </p:nvGrpSpPr>
+      <p:grpSpPr>
+        <a:xfrm>
+          <a:off x="0" y="0"/>
+          <a:ext cx="0" cy="0"/>
+          <a:chOff x="0" y="0"/>
+          <a:chExt cx="0" cy="0"/>
+        </a:xfrm>
+      </p:grpSpPr>
+      <p:sp>
+        <p:nvSpPr>
+          <p:cNvPr id="4" name="Rectangle 3"/>
+          <p:cNvSpPr/>
+          <p:nvPr/>
+        </p:nvSpPr>
+        <p:spPr>
+          <a:xfrm>
+            <a:off x="863125" y="990600"/>
+            <a:ext cx="7696200" cy="461665"/>
+          </a:xfrm>
+          <a:prstGeom prst="rect">
+            <a:avLst/>
+          </a:prstGeom>
+        </p:spPr>
+        <p:txBody>
+          <a:bodyPr wrap="square">
+            <a:spAutoFit/>
+          </a:bodyPr>
+          <a:lstStyle/>
+          <a:p>
+            <a:r>
+              <a:rPr lang="en-US" sz="2400" i="1" dirty="0"/>
+              <a:t>Controlling complexity is the essence of computer programming.</a:t>
+            </a:r>
+            <a:endParaRPr lang="en-US" sz="2400" i="1" dirty="0"/>
+          </a:p>
+        </p:txBody>
+      </p:sp>
+      <p:sp>
+        <p:nvSpPr>
+          <p:cNvPr id="5" name="Rectangle 4"/>
+          <p:cNvSpPr/>
+          <p:nvPr/>
+        </p:nvSpPr>
+        <p:spPr>
+          <a:xfrm>
+            <a:off x="6553200" y="1600200"/>
+            <a:ext cx="1462132" cy="369332"/>
+          </a:xfrm>
+          <a:prstGeom prst="rect">
+            <a:avLst/>
+          </a:prstGeom>
+        </p:spPr>
+        <p:txBody>
+          <a:bodyPr wrap="none">
+            <a:spAutoFit/>
+          </a:bodyPr>
+          <a:lstStyle/>
+          <a:p>
+            <a:r>
+              <a:rPr lang="en-US" i="1" dirty="0"/>
+              <a:t>Brian Kernigan</a:t>
+            </a:r>
+            <a:endParaRPr lang="en-US" dirty="0"/>
+          </a:p>
+        </p:txBody>
+      </p:sp>
+      <p:sp>
+        <p:nvSpPr>
+          <p:cNvPr id="6" name="Rectangle 5"/>
+          <p:cNvSpPr/>
+          <p:nvPr/>
+        </p:nvSpPr>
+        <p:spPr>
+          <a:xfrm>
+            <a:off x="990600" y="2690336"/>
+            <a:ext cx="7315200" cy="1569660"/>
+          </a:xfrm>
+          <a:prstGeom prst="rect">
+            <a:avLst/>
+          </a:prstGeom>
+        </p:spPr>
+        <p:txBody>
+          <a:bodyPr wrap="square">
+            <a:spAutoFit/>
+          </a:bodyPr>
+          <a:lstStyle/>
+          <a:p>
+            <a:r>
+              <a:rPr lang="en-US" sz="2400" i="1" dirty="0"/>
+              <a:t>Complexity kills.  It sucks the life out of developers, it makes products difficult to plan, build and test, it introduces security challenges, and it causes end-user and administrator frustration.</a:t>
+            </a:r>
+            <a:endParaRPr lang="en-US" sz="2400" i="1" dirty="0"/>
+          </a:p>
+        </p:txBody>
+      </p:sp>
+      <p:sp>
+        <p:nvSpPr>
+          <p:cNvPr id="7" name="Rectangle 6"/>
+          <p:cNvSpPr/>
+          <p:nvPr/>
+        </p:nvSpPr>
+        <p:spPr>
+          <a:xfrm>
+            <a:off x="6942602" y="4282566"/>
+            <a:ext cx="1072730" cy="369332"/>
+          </a:xfrm>
+          <a:prstGeom prst="rect">
+            <a:avLst/>
+          </a:prstGeom>
+        </p:spPr>
+        <p:txBody>
+          <a:bodyPr wrap="none">
+            <a:spAutoFit/>
+          </a:bodyPr>
+          <a:lstStyle/>
+          <a:p>
+            <a:r>
+              <a:rPr lang="en-US" i="1" dirty="0"/>
+              <a:t>Ray Ozzie</a:t>
+            </a:r>
+            <a:endParaRPr lang="en-US" dirty="0"/>
+          </a:p>
+        </p:txBody>
+      </p:sp>
+    </p:spTree>
+    <p:extLst>
+      <p:ext uri="{BB962C8B-B14F-4D97-AF65-F5344CB8AC3E}">
+        <p14:creationId xmlns:p14="http://schemas.microsoft.com/office/powerpoint/2010/main" val="1014576753"/>
+      </p:ext>
+    </p:extLst>
+  </p:cSld>
+  <p:clrMapOvr>
+    <a:masterClrMapping/>
+  </p:clrMapOvr>
+</p:sld>
+</file>
+
+<file path=ppt/slides/slide29.xml><?xml version="1.0" encoding="utf-8"?>
+<p:sld xmlns:a="http://schemas.openxmlformats.org/drawingml/2006/main" xmlns:r="http://schemas.openxmlformats.org/officeDocument/2006/relationships" xmlns:p="http://schemas.openxmlformats.org/presentationml/2006/main">
+  <p:cSld>
+    <p:spTree>
+      <p:nvGrpSpPr>
+        <p:cNvPr id="1" name=""/>
+        <p:cNvGrpSpPr/>
+        <p:nvPr/>
+      </p:nvGrpSpPr>
+      <p:grpSpPr>
+        <a:xfrm>
+          <a:off x="0" y="0"/>
+          <a:ext cx="0" cy="0"/>
+          <a:chOff x="0" y="0"/>
+          <a:chExt cx="0" cy="0"/>
+        </a:xfrm>
+      </p:grpSpPr>
+      <p:sp>
+        <p:nvSpPr>
+          <p:cNvPr id="2" name="Title 1"/>
+          <p:cNvSpPr>
+            <a:spLocks noGrp="1"/>
+          </p:cNvSpPr>
+          <p:nvPr>
+            <p:ph type="title"/>
+          </p:nvPr>
+        </p:nvSpPr>
+        <p:spPr/>
+        <p:txBody>
+          <a:bodyPr/>
+          <a:lstStyle/>
+          <a:p>
+            <a:r>
+              <a:rPr lang="en-US" dirty="0" smtClean="0"/>
+              <a:t>What to do?	</a:t>
+            </a:r>
+            <a:endParaRPr lang="en-US" dirty="0"/>
+          </a:p>
+        </p:txBody>
+      </p:sp>
+      <p:sp>
+        <p:nvSpPr>
+          <p:cNvPr id="3" name="Content Placeholder 2"/>
+          <p:cNvSpPr>
+            <a:spLocks noGrp="1"/>
+          </p:cNvSpPr>
+          <p:nvPr>
+            <p:ph idx="1"/>
+          </p:nvPr>
+        </p:nvSpPr>
+        <p:spPr/>
+        <p:txBody>
+          <a:bodyPr/>
+          <a:lstStyle/>
+          <a:p>
+            <a:r>
+              <a:rPr lang="en-US" dirty="0" smtClean="0"/>
+              <a:t>Don’t write large programs</a:t>
+            </a:r>
+          </a:p>
+          <a:p>
+            <a:r>
+              <a:rPr lang="en-US" dirty="0" smtClean="0"/>
+              <a:t>Write small programs with well defined interactions</a:t>
+            </a:r>
+            <a:endParaRPr lang="en-US" dirty="0"/>
+          </a:p>
+        </p:txBody>
+      </p:sp>
+    </p:spTree>
+    <p:extLst>
+      <p:ext uri="{BB962C8B-B14F-4D97-AF65-F5344CB8AC3E}">
+        <p14:creationId xmlns:p14="http://schemas.microsoft.com/office/powerpoint/2010/main" val="2289724261"/>
+      </p:ext>
+    </p:extLst>
+  </p:cSld>
+  <p:clrMapOvr>
+    <a:masterClrMapping/>
+  </p:clrMapOvr>
+</p:sld>
+</file>
+
+<file path=ppt/slides/slide3.xml><?xml version="1.0" encoding="utf-8"?>
+<p:sld xmlns:a="http://schemas.openxmlformats.org/drawingml/2006/main" xmlns:r="http://schemas.openxmlformats.org/officeDocument/2006/relationships" xmlns:p="http://schemas.openxmlformats.org/presentationml/2006/main">
+  <p:cSld>
+    <p:spTree>
+      <p:nvGrpSpPr>
+        <p:cNvPr id="1" name=""/>
+        <p:cNvGrpSpPr/>
+        <p:nvPr/>
+      </p:nvGrpSpPr>
+      <p:grpSpPr>
+        <a:xfrm>
+          <a:off x="0" y="0"/>
+          <a:ext cx="0" cy="0"/>
+          <a:chOff x="0" y="0"/>
+          <a:chExt cx="0" cy="0"/>
+        </a:xfrm>
+      </p:grpSpPr>
+      <p:sp>
+        <p:nvSpPr>
+          <p:cNvPr id="2" name="Title 1"/>
+          <p:cNvSpPr>
+            <a:spLocks noGrp="1"/>
+          </p:cNvSpPr>
+          <p:nvPr>
+            <p:ph type="title"/>
+          </p:nvPr>
+        </p:nvSpPr>
+        <p:spPr/>
+        <p:txBody>
+          <a:bodyPr/>
+          <a:lstStyle/>
+          <a:p>
+            <a:r>
+              <a:rPr lang="en-US" dirty="0" smtClean="0"/>
+              <a:t>Bread?</a:t>
+            </a:r>
+            <a:endParaRPr lang="en-US" dirty="0"/>
+          </a:p>
+        </p:txBody>
+      </p:sp>
+      <p:pic>
+        <p:nvPicPr>
+          <p:cNvPr id="4" name="Picture 2"/>
+          <p:cNvPicPr>
+            <a:picLocks noChangeAspect="1" noChangeArrowheads="1"/>
+          </p:cNvPicPr>
+          <p:nvPr/>
+        </p:nvPicPr>
+        <p:blipFill>
+          <a:blip r:embed="rId2">
+            <a:extLst>
+              <a:ext uri="{28A0092B-C50C-407E-A947-70E740481C1C}">
+                <a14:useLocalDpi xmlns:a14="http://schemas.microsoft.com/office/drawing/2010/main" val="0"/>
+              </a:ext>
+            </a:extLst>
+          </a:blip>
+          <a:srcRect/>
+          <a:stretch>
+            <a:fillRect/>
+          </a:stretch>
+        </p:blipFill>
+        <p:spPr bwMode="auto">
+          <a:xfrm>
+            <a:off x="2286000" y="1676400"/>
+            <a:ext cx="4381500" cy="2743200"/>
+          </a:xfrm>
+          <a:prstGeom prst="rect">
+            <a:avLst/>
+          </a:prstGeom>
+          <a:noFill/>
+          <a:ln>
+            <a:noFill/>
+          </a:ln>
+          <a:effectLst/>
+          <a:extLst>
+            <a:ext uri="{909E8E84-426E-40DD-AFC4-6F175D3DCCD1}">
+              <a14:hiddenFill xmlns:a14="http://schemas.microsoft.com/office/drawing/2010/main">
+                <a:solidFill>
+                  <a:schemeClr val="accent1"/>
+                </a:solidFill>
+              </a14:hiddenFill>
+            </a:ext>
+            <a:ext uri="{91240B29-F687-4F45-9708-019B960494DF}">
+              <a14:hiddenLine xmlns:a14="http://schemas.microsoft.com/office/drawing/2010/main" w="9525">
+                <a:solidFill>
+                  <a:schemeClr val="tx1"/>
+                </a:solidFill>
+                <a:miter lim="800000"/>
+                <a:headEnd/>
+                <a:tailEnd/>
+              </a14:hiddenLine>
+            </a:ext>
+            <a:ext uri="{AF507438-7753-43E0-B8FC-AC1667EBCBE1}">
+              <a14:hiddenEffects xmlns:a14="http://schemas.microsoft.com/office/drawing/2010/main">
+                <a:effectLst>
+                  <a:outerShdw dist="35921" dir="2700000" algn="ctr" rotWithShape="0">
+                    <a:schemeClr val="bg2"/>
+                  </a:outerShdw>
+                </a:effectLst>
+              </a14:hiddenEffects>
+            </a:ext>
+          </a:extLst>
+        </p:spPr>
+      </p:pic>
+      <p:sp>
+        <p:nvSpPr>
+          <p:cNvPr id="5" name="Left Arrow 4"/>
+          <p:cNvSpPr/>
+          <p:nvPr/>
+        </p:nvSpPr>
+        <p:spPr>
+          <a:xfrm rot="21060348">
+            <a:off x="6921512" y="2037964"/>
+            <a:ext cx="1295400" cy="914400"/>
+          </a:xfrm>
+          <a:prstGeom prst="leftArrow">
+            <a:avLst/>
+          </a:prstGeom>
+        </p:spPr>
+        <p:style>
+          <a:lnRef idx="2">
+            <a:schemeClr val="accent1">
+              <a:shade val="50000"/>
+            </a:schemeClr>
+          </a:lnRef>
+          <a:fillRef idx="1">
+            <a:schemeClr val="accent1"/>
+          </a:fillRef>
+          <a:effectRef idx="0">
+            <a:schemeClr val="accent1"/>
+          </a:effectRef>
+          <a:fontRef idx="minor">
+            <a:schemeClr val="lt1"/>
+          </a:fontRef>
+        </p:style>
+        <p:txBody>
+          <a:bodyPr rtlCol="0" anchor="ctr"/>
+          <a:lstStyle/>
+          <a:p>
+            <a:pPr algn="ctr"/>
+            <a:endParaRPr lang="en-US"/>
+          </a:p>
+        </p:txBody>
+      </p:sp>
+      <p:sp>
+        <p:nvSpPr>
+          <p:cNvPr id="6" name="Left Arrow 5"/>
+          <p:cNvSpPr/>
+          <p:nvPr/>
+        </p:nvSpPr>
+        <p:spPr>
+          <a:xfrm rot="21326287">
+            <a:off x="796312" y="3250467"/>
+            <a:ext cx="1295400" cy="914400"/>
+          </a:xfrm>
+          <a:prstGeom prst="leftArrow">
+            <a:avLst/>
+          </a:prstGeom>
+        </p:spPr>
+        <p:style>
+          <a:lnRef idx="2">
+            <a:schemeClr val="accent1">
+              <a:shade val="50000"/>
+            </a:schemeClr>
+          </a:lnRef>
+          <a:fillRef idx="1">
+            <a:schemeClr val="accent1"/>
+          </a:fillRef>
+          <a:effectRef idx="0">
+            <a:schemeClr val="accent1"/>
+          </a:effectRef>
+          <a:fontRef idx="minor">
+            <a:schemeClr val="lt1"/>
+          </a:fontRef>
+        </p:style>
+        <p:txBody>
+          <a:bodyPr rtlCol="0" anchor="ctr"/>
+          <a:lstStyle/>
+          <a:p>
+            <a:pPr algn="ctr"/>
+            <a:endParaRPr lang="en-US"/>
+          </a:p>
+        </p:txBody>
+      </p:sp>
+      <p:sp>
+        <p:nvSpPr>
+          <p:cNvPr id="7" name="TextBox 6"/>
+          <p:cNvSpPr txBox="1"/>
+          <p:nvPr/>
+        </p:nvSpPr>
+        <p:spPr>
+          <a:xfrm>
+            <a:off x="990600" y="4419600"/>
+            <a:ext cx="1066510" cy="369332"/>
+          </a:xfrm>
+          <a:prstGeom prst="rect">
+            <a:avLst/>
+          </a:prstGeom>
+          <a:noFill/>
+        </p:spPr>
+        <p:txBody>
+          <a:bodyPr wrap="none" rtlCol="0">
+            <a:spAutoFit/>
+          </a:bodyPr>
+          <a:lstStyle/>
+          <a:p>
+            <a:r>
+              <a:rPr lang="en-US" dirty="0" smtClean="0"/>
+              <a:t>Eat bread</a:t>
+            </a:r>
+            <a:endParaRPr lang="en-US" dirty="0"/>
+          </a:p>
+        </p:txBody>
+      </p:sp>
+      <p:sp>
+        <p:nvSpPr>
+          <p:cNvPr id="8" name="TextBox 7"/>
+          <p:cNvSpPr txBox="1"/>
+          <p:nvPr/>
+        </p:nvSpPr>
+        <p:spPr>
+          <a:xfrm>
+            <a:off x="7315200" y="3015734"/>
+            <a:ext cx="1268039" cy="369332"/>
+          </a:xfrm>
+          <a:prstGeom prst="rect">
+            <a:avLst/>
+          </a:prstGeom>
+          <a:noFill/>
+        </p:spPr>
+        <p:txBody>
+          <a:bodyPr wrap="none" rtlCol="0">
+            <a:spAutoFit/>
+          </a:bodyPr>
+          <a:lstStyle/>
+          <a:p>
+            <a:r>
+              <a:rPr lang="en-US" dirty="0" smtClean="0"/>
+              <a:t>Make bread</a:t>
+            </a:r>
+            <a:endParaRPr lang="en-US" dirty="0"/>
+          </a:p>
+        </p:txBody>
+      </p:sp>
+    </p:spTree>
+    <p:extLst>
+      <p:ext uri="{BB962C8B-B14F-4D97-AF65-F5344CB8AC3E}">
+        <p14:creationId xmlns:p14="http://schemas.microsoft.com/office/powerpoint/2010/main" val="893048310"/>
+      </p:ext>
+    </p:extLst>
+  </p:cSld>
+  <p:clrMapOvr>
+    <a:masterClrMapping/>
+  </p:clrMapOvr>
+  <p:timing>
+    <p:tnLst>
+      <p:par>
+        <p:cTn id="1" dur="indefinite" restart="never" nodeType="tmRoot"/>
+      </p:par>
+    </p:tnLst>
+  </p:timing>
+</p:sld>
+</file>
+
+<file path=ppt/slides/slide30.xml><?xml version="1.0" encoding="utf-8"?>
+<p:sld xmlns:a="http://schemas.openxmlformats.org/drawingml/2006/main" xmlns:r="http://schemas.openxmlformats.org/officeDocument/2006/relationships" xmlns:p="http://schemas.openxmlformats.org/presentationml/2006/main">
+  <p:cSld>
+    <p:spTree>
+      <p:nvGrpSpPr>
+        <p:cNvPr id="1" name=""/>
+        <p:cNvGrpSpPr/>
+        <p:nvPr/>
+      </p:nvGrpSpPr>
+      <p:grpSpPr>
+        <a:xfrm>
+          <a:off x="0" y="0"/>
+          <a:ext cx="0" cy="0"/>
+          <a:chOff x="0" y="0"/>
+          <a:chExt cx="0" cy="0"/>
+        </a:xfrm>
+      </p:grpSpPr>
+      <p:sp>
+        <p:nvSpPr>
           <p:cNvPr id="2" name="Title 1"/>
           <p:cNvSpPr>
             <a:spLocks noGrp="1"/>
@@ -30777,7 +31431,7 @@
 </p:sld>
 </file>
 
-<file path=ppt/slides/slide28.xml><?xml version="1.0" encoding="utf-8"?>
+<file path=ppt/slides/slide31.xml><?xml version="1.0" encoding="utf-8"?>
 <p:sld xmlns:a="http://schemas.openxmlformats.org/drawingml/2006/main" xmlns:r="http://schemas.openxmlformats.org/officeDocument/2006/relationships" xmlns:p="http://schemas.openxmlformats.org/presentationml/2006/main">
   <p:cSld>
     <p:spTree>
@@ -30857,270 +31511,6 @@
     <p:extLst>
       <p:ext uri="{BB962C8B-B14F-4D97-AF65-F5344CB8AC3E}">
         <p14:creationId xmlns:p14="http://schemas.microsoft.com/office/powerpoint/2010/main" val="1636839072"/>
-      </p:ext>
-    </p:extLst>
-  </p:cSld>
-  <p:clrMapOvr>
-    <a:masterClrMapping/>
-  </p:clrMapOvr>
-  <p:timing>
-    <p:tnLst>
-      <p:par>
-        <p:cTn id="1" dur="indefinite" restart="never" nodeType="tmRoot"/>
-      </p:par>
-    </p:tnLst>
-  </p:timing>
-</p:sld>
-</file>
-
-<file path=ppt/slides/slide3.xml><?xml version="1.0" encoding="utf-8"?>
-<p:sld xmlns:a="http://schemas.openxmlformats.org/drawingml/2006/main" xmlns:r="http://schemas.openxmlformats.org/officeDocument/2006/relationships" xmlns:p="http://schemas.openxmlformats.org/presentationml/2006/main">
-  <p:cSld>
-    <p:spTree>
-      <p:nvGrpSpPr>
-        <p:cNvPr id="1" name=""/>
-        <p:cNvGrpSpPr/>
-        <p:nvPr/>
-      </p:nvGrpSpPr>
-      <p:grpSpPr>
-        <a:xfrm>
-          <a:off x="0" y="0"/>
-          <a:ext cx="0" cy="0"/>
-          <a:chOff x="0" y="0"/>
-          <a:chExt cx="0" cy="0"/>
-        </a:xfrm>
-      </p:grpSpPr>
-      <p:sp>
-        <p:nvSpPr>
-          <p:cNvPr id="2" name="Title 1"/>
-          <p:cNvSpPr>
-            <a:spLocks noGrp="1"/>
-          </p:cNvSpPr>
-          <p:nvPr>
-            <p:ph type="title"/>
-          </p:nvPr>
-        </p:nvSpPr>
-        <p:spPr/>
-        <p:txBody>
-          <a:bodyPr/>
-          <a:lstStyle/>
-          <a:p>
-            <a:r>
-              <a:rPr lang="en-US" dirty="0" smtClean="0"/>
-              <a:t>Bread?</a:t>
-            </a:r>
-            <a:endParaRPr lang="en-US" dirty="0"/>
-          </a:p>
-        </p:txBody>
-      </p:sp>
-      <p:pic>
-        <p:nvPicPr>
-          <p:cNvPr id="4" name="Picture 2"/>
-          <p:cNvPicPr>
-            <a:picLocks noChangeAspect="1" noChangeArrowheads="1"/>
-          </p:cNvPicPr>
-          <p:nvPr/>
-        </p:nvPicPr>
-        <p:blipFill>
-          <a:blip r:embed="rId2">
-            <a:extLst>
-              <a:ext uri="{28A0092B-C50C-407E-A947-70E740481C1C}">
-                <a14:useLocalDpi xmlns:a14="http://schemas.microsoft.com/office/drawing/2010/main" val="0"/>
-              </a:ext>
-            </a:extLst>
-          </a:blip>
-          <a:srcRect/>
-          <a:stretch>
-            <a:fillRect/>
-          </a:stretch>
-        </p:blipFill>
-        <p:spPr bwMode="auto">
-          <a:xfrm>
-            <a:off x="2286000" y="1676400"/>
-            <a:ext cx="4381500" cy="2743200"/>
-          </a:xfrm>
-          <a:prstGeom prst="rect">
-            <a:avLst/>
-          </a:prstGeom>
-          <a:noFill/>
-          <a:ln>
-            <a:noFill/>
-          </a:ln>
-          <a:effectLst/>
-          <a:extLst>
-            <a:ext uri="{909E8E84-426E-40DD-AFC4-6F175D3DCCD1}">
-              <a14:hiddenFill xmlns:a14="http://schemas.microsoft.com/office/drawing/2010/main">
-                <a:solidFill>
-                  <a:schemeClr val="accent1"/>
-                </a:solidFill>
-              </a14:hiddenFill>
-            </a:ext>
-            <a:ext uri="{91240B29-F687-4F45-9708-019B960494DF}">
-              <a14:hiddenLine xmlns:a14="http://schemas.microsoft.com/office/drawing/2010/main" w="9525">
-                <a:solidFill>
-                  <a:schemeClr val="tx1"/>
-                </a:solidFill>
-                <a:miter lim="800000"/>
-                <a:headEnd/>
-                <a:tailEnd/>
-              </a14:hiddenLine>
-            </a:ext>
-            <a:ext uri="{AF507438-7753-43E0-B8FC-AC1667EBCBE1}">
-              <a14:hiddenEffects xmlns:a14="http://schemas.microsoft.com/office/drawing/2010/main">
-                <a:effectLst>
-                  <a:outerShdw dist="35921" dir="2700000" algn="ctr" rotWithShape="0">
-                    <a:schemeClr val="bg2"/>
-                  </a:outerShdw>
-                </a:effectLst>
-              </a14:hiddenEffects>
-            </a:ext>
-          </a:extLst>
-        </p:spPr>
-      </p:pic>
-      <p:sp>
-        <p:nvSpPr>
-          <p:cNvPr id="5" name="Left Arrow 4"/>
-          <p:cNvSpPr/>
-          <p:nvPr/>
-        </p:nvSpPr>
-        <p:spPr>
-          <a:xfrm rot="21060348">
-            <a:off x="6921512" y="2037964"/>
-            <a:ext cx="1295400" cy="914400"/>
-          </a:xfrm>
-          <a:prstGeom prst="leftArrow">
-            <a:avLst/>
-          </a:prstGeom>
-        </p:spPr>
-        <p:style>
-          <a:lnRef idx="2">
-            <a:schemeClr val="accent1">
-              <a:shade val="50000"/>
-            </a:schemeClr>
-          </a:lnRef>
-          <a:fillRef idx="1">
-            <a:schemeClr val="accent1"/>
-          </a:fillRef>
-          <a:effectRef idx="0">
-            <a:schemeClr val="accent1"/>
-          </a:effectRef>
-          <a:fontRef idx="minor">
-            <a:schemeClr val="lt1"/>
-          </a:fontRef>
-        </p:style>
-        <p:txBody>
-          <a:bodyPr rtlCol="0" anchor="ctr"/>
-          <a:lstStyle/>
-          <a:p>
-            <a:pPr algn="ctr"/>
-            <a:endParaRPr lang="en-US"/>
-          </a:p>
-        </p:txBody>
-      </p:sp>
-      <p:sp>
-        <p:nvSpPr>
-          <p:cNvPr id="6" name="Left Arrow 5"/>
-          <p:cNvSpPr/>
-          <p:nvPr/>
-        </p:nvSpPr>
-        <p:spPr>
-          <a:xfrm rot="21326287">
-            <a:off x="796312" y="3250467"/>
-            <a:ext cx="1295400" cy="914400"/>
-          </a:xfrm>
-          <a:prstGeom prst="leftArrow">
-            <a:avLst/>
-          </a:prstGeom>
-        </p:spPr>
-        <p:style>
-          <a:lnRef idx="2">
-            <a:schemeClr val="accent1">
-              <a:shade val="50000"/>
-            </a:schemeClr>
-          </a:lnRef>
-          <a:fillRef idx="1">
-            <a:schemeClr val="accent1"/>
-          </a:fillRef>
-          <a:effectRef idx="0">
-            <a:schemeClr val="accent1"/>
-          </a:effectRef>
-          <a:fontRef idx="minor">
-            <a:schemeClr val="lt1"/>
-          </a:fontRef>
-        </p:style>
-        <p:txBody>
-          <a:bodyPr rtlCol="0" anchor="ctr"/>
-          <a:lstStyle/>
-          <a:p>
-            <a:pPr algn="ctr"/>
-            <a:endParaRPr lang="en-US"/>
-          </a:p>
-        </p:txBody>
-      </p:sp>
-      <p:sp>
-        <p:nvSpPr>
-          <p:cNvPr id="7" name="TextBox 6"/>
-          <p:cNvSpPr txBox="1"/>
-          <p:nvPr/>
-        </p:nvSpPr>
-        <p:spPr>
-          <a:xfrm>
-            <a:off x="990600" y="4419600"/>
-            <a:ext cx="1066510" cy="369332"/>
-          </a:xfrm>
-          <a:prstGeom prst="rect">
-            <a:avLst/>
-          </a:prstGeom>
-          <a:noFill/>
-        </p:spPr>
-        <p:txBody>
-          <a:bodyPr wrap="none" rtlCol="0">
-            <a:spAutoFit/>
-          </a:bodyPr>
-          <a:lstStyle/>
-          <a:p>
-            <a:r>
-              <a:rPr lang="en-US" dirty="0" smtClean="0"/>
-              <a:t>Eat bread</a:t>
-            </a:r>
-            <a:endParaRPr lang="en-US" dirty="0"/>
-          </a:p>
-        </p:txBody>
-      </p:sp>
-      <p:sp>
-        <p:nvSpPr>
-          <p:cNvPr id="8" name="TextBox 7"/>
-          <p:cNvSpPr txBox="1"/>
-          <p:nvPr/>
-        </p:nvSpPr>
-        <p:spPr>
-          <a:xfrm>
-            <a:off x="7315200" y="3015734"/>
-            <a:ext cx="1268039" cy="369332"/>
-          </a:xfrm>
-          <a:prstGeom prst="rect">
-            <a:avLst/>
-          </a:prstGeom>
-          <a:noFill/>
-        </p:spPr>
-        <p:txBody>
-          <a:bodyPr wrap="none" rtlCol="0">
-            <a:spAutoFit/>
-          </a:bodyPr>
-          <a:lstStyle/>
-          <a:p>
-            <a:r>
-              <a:rPr lang="en-US" dirty="0" smtClean="0"/>
-              <a:t>Make bread</a:t>
-            </a:r>
-            <a:endParaRPr lang="en-US" dirty="0"/>
-          </a:p>
-        </p:txBody>
-      </p:sp>
-    </p:spTree>
-    <p:extLst>
-      <p:ext uri="{BB962C8B-B14F-4D97-AF65-F5344CB8AC3E}">
-        <p14:creationId xmlns:p14="http://schemas.microsoft.com/office/powerpoint/2010/main" val="893048310"/>
       </p:ext>
     </p:extLst>
   </p:cSld>

--- a/Queues and message based architecture.pptx
+++ b/Queues and message based architecture.pptx
@@ -18,24 +18,27 @@
     <p:sldId id="260" r:id="rId12"/>
     <p:sldId id="277" r:id="rId13"/>
     <p:sldId id="261" r:id="rId14"/>
-    <p:sldId id="262" r:id="rId15"/>
-    <p:sldId id="275" r:id="rId16"/>
-    <p:sldId id="263" r:id="rId17"/>
-    <p:sldId id="270" r:id="rId18"/>
-    <p:sldId id="264" r:id="rId19"/>
-    <p:sldId id="266" r:id="rId20"/>
-    <p:sldId id="268" r:id="rId21"/>
-    <p:sldId id="267" r:id="rId22"/>
-    <p:sldId id="272" r:id="rId23"/>
-    <p:sldId id="274" r:id="rId24"/>
-    <p:sldId id="271" r:id="rId25"/>
-    <p:sldId id="273" r:id="rId26"/>
-    <p:sldId id="269" r:id="rId27"/>
-    <p:sldId id="284" r:id="rId28"/>
-    <p:sldId id="286" r:id="rId29"/>
-    <p:sldId id="285" r:id="rId30"/>
-    <p:sldId id="278" r:id="rId31"/>
-    <p:sldId id="279" r:id="rId32"/>
+    <p:sldId id="287" r:id="rId15"/>
+    <p:sldId id="262" r:id="rId16"/>
+    <p:sldId id="275" r:id="rId17"/>
+    <p:sldId id="288" r:id="rId18"/>
+    <p:sldId id="263" r:id="rId19"/>
+    <p:sldId id="289" r:id="rId20"/>
+    <p:sldId id="270" r:id="rId21"/>
+    <p:sldId id="264" r:id="rId22"/>
+    <p:sldId id="266" r:id="rId23"/>
+    <p:sldId id="268" r:id="rId24"/>
+    <p:sldId id="267" r:id="rId25"/>
+    <p:sldId id="272" r:id="rId26"/>
+    <p:sldId id="274" r:id="rId27"/>
+    <p:sldId id="271" r:id="rId28"/>
+    <p:sldId id="273" r:id="rId29"/>
+    <p:sldId id="269" r:id="rId30"/>
+    <p:sldId id="284" r:id="rId31"/>
+    <p:sldId id="286" r:id="rId32"/>
+    <p:sldId id="285" r:id="rId33"/>
+    <p:sldId id="278" r:id="rId34"/>
+    <p:sldId id="279" r:id="rId35"/>
   </p:sldIdLst>
   <p:sldSz cx="9144000" cy="6858000" type="screen4x3"/>
   <p:notesSz cx="6858000" cy="9144000"/>
@@ -529,11 +532,11 @@
         </c:dLbls>
         <c:marker val="1"/>
         <c:smooth val="0"/>
-        <c:axId val="145837056"/>
-        <c:axId val="147411712"/>
+        <c:axId val="45927424"/>
+        <c:axId val="45937408"/>
       </c:lineChart>
       <c:catAx>
-        <c:axId val="145837056"/>
+        <c:axId val="45927424"/>
         <c:scaling>
           <c:orientation val="minMax"/>
         </c:scaling>
@@ -543,7 +546,7 @@
         <c:majorTickMark val="out"/>
         <c:minorTickMark val="none"/>
         <c:tickLblPos val="nextTo"/>
-        <c:crossAx val="147411712"/>
+        <c:crossAx val="45937408"/>
         <c:crosses val="autoZero"/>
         <c:auto val="1"/>
         <c:lblAlgn val="ctr"/>
@@ -551,7 +554,7 @@
         <c:noMultiLvlLbl val="0"/>
       </c:catAx>
       <c:valAx>
-        <c:axId val="147411712"/>
+        <c:axId val="45937408"/>
         <c:scaling>
           <c:orientation val="minMax"/>
         </c:scaling>
@@ -562,7 +565,7 @@
         <c:majorTickMark val="out"/>
         <c:minorTickMark val="none"/>
         <c:tickLblPos val="nextTo"/>
-        <c:crossAx val="145837056"/>
+        <c:crossAx val="45927424"/>
         <c:crosses val="autoZero"/>
         <c:crossBetween val="between"/>
       </c:valAx>
@@ -13170,7 +13173,7 @@
           <a:p>
             <a:fld id="{F4CCEE5C-0195-48FC-A8EA-C4CF7619EA75}" type="datetimeFigureOut">
               <a:rPr lang="en-US" smtClean="0"/>
-              <a:t>9/29/2012</a:t>
+              <a:t>9/30/2012</a:t>
             </a:fld>
             <a:endParaRPr lang="en-US"/>
           </a:p>
@@ -14275,7 +14278,7 @@
           <a:p>
             <a:fld id="{F4CCEE5C-0195-48FC-A8EA-C4CF7619EA75}" type="datetimeFigureOut">
               <a:rPr lang="en-US" smtClean="0"/>
-              <a:t>9/29/2012</a:t>
+              <a:t>9/30/2012</a:t>
             </a:fld>
             <a:endParaRPr lang="en-US"/>
           </a:p>
@@ -15388,7 +15391,7 @@
           <a:p>
             <a:fld id="{F4CCEE5C-0195-48FC-A8EA-C4CF7619EA75}" type="datetimeFigureOut">
               <a:rPr lang="en-US" smtClean="0"/>
-              <a:t>9/29/2012</a:t>
+              <a:t>9/30/2012</a:t>
             </a:fld>
             <a:endParaRPr lang="en-US"/>
           </a:p>
@@ -16496,7 +16499,7 @@
           <a:p>
             <a:fld id="{F4CCEE5C-0195-48FC-A8EA-C4CF7619EA75}" type="datetimeFigureOut">
               <a:rPr lang="en-US" smtClean="0"/>
-              <a:t>9/29/2012</a:t>
+              <a:t>9/30/2012</a:t>
             </a:fld>
             <a:endParaRPr lang="en-US"/>
           </a:p>
@@ -18089,7 +18092,7 @@
           <a:p>
             <a:fld id="{F4CCEE5C-0195-48FC-A8EA-C4CF7619EA75}" type="datetimeFigureOut">
               <a:rPr lang="en-US" smtClean="0"/>
-              <a:t>9/29/2012</a:t>
+              <a:t>9/30/2012</a:t>
             </a:fld>
             <a:endParaRPr lang="en-US"/>
           </a:p>
@@ -19147,7 +19150,7 @@
           <a:p>
             <a:fld id="{F4CCEE5C-0195-48FC-A8EA-C4CF7619EA75}" type="datetimeFigureOut">
               <a:rPr lang="en-US" smtClean="0"/>
-              <a:t>9/29/2012</a:t>
+              <a:t>9/30/2012</a:t>
             </a:fld>
             <a:endParaRPr lang="en-US"/>
           </a:p>
@@ -20474,7 +20477,7 @@
           <a:p>
             <a:fld id="{F4CCEE5C-0195-48FC-A8EA-C4CF7619EA75}" type="datetimeFigureOut">
               <a:rPr lang="en-US" smtClean="0"/>
-              <a:t>9/29/2012</a:t>
+              <a:t>9/30/2012</a:t>
             </a:fld>
             <a:endParaRPr lang="en-US"/>
           </a:p>
@@ -21611,7 +21614,7 @@
           <a:p>
             <a:fld id="{F4CCEE5C-0195-48FC-A8EA-C4CF7619EA75}" type="datetimeFigureOut">
               <a:rPr lang="en-US" smtClean="0"/>
-              <a:t>9/29/2012</a:t>
+              <a:t>9/30/2012</a:t>
             </a:fld>
             <a:endParaRPr lang="en-US"/>
           </a:p>
@@ -22667,7 +22670,7 @@
           <a:p>
             <a:fld id="{F4CCEE5C-0195-48FC-A8EA-C4CF7619EA75}" type="datetimeFigureOut">
               <a:rPr lang="en-US" smtClean="0"/>
-              <a:t>9/29/2012</a:t>
+              <a:t>9/30/2012</a:t>
             </a:fld>
             <a:endParaRPr lang="en-US"/>
           </a:p>
@@ -23705,7 +23708,7 @@
           <a:p>
             <a:fld id="{F4CCEE5C-0195-48FC-A8EA-C4CF7619EA75}" type="datetimeFigureOut">
               <a:rPr lang="en-US" smtClean="0"/>
-              <a:t>9/29/2012</a:t>
+              <a:t>9/30/2012</a:t>
             </a:fld>
             <a:endParaRPr lang="en-US"/>
           </a:p>
@@ -24940,7 +24943,7 @@
           <a:p>
             <a:fld id="{F4CCEE5C-0195-48FC-A8EA-C4CF7619EA75}" type="datetimeFigureOut">
               <a:rPr lang="en-US" smtClean="0"/>
-              <a:t>9/29/2012</a:t>
+              <a:t>9/30/2012</a:t>
             </a:fld>
             <a:endParaRPr lang="en-US"/>
           </a:p>
@@ -25293,7 +25296,7 @@
           <a:p>
             <a:fld id="{F4CCEE5C-0195-48FC-A8EA-C4CF7619EA75}" type="datetimeFigureOut">
               <a:rPr lang="en-US" smtClean="0"/>
-              <a:t>9/29/2012</a:t>
+              <a:t>9/30/2012</a:t>
             </a:fld>
             <a:endParaRPr lang="en-US"/>
           </a:p>
@@ -27196,6 +27199,78 @@
           <a:p>
             <a:r>
               <a:rPr lang="en-US" dirty="0" smtClean="0"/>
+              <a:t>To the code!</a:t>
+            </a:r>
+            <a:endParaRPr lang="en-US" dirty="0"/>
+          </a:p>
+        </p:txBody>
+      </p:sp>
+      <p:sp>
+        <p:nvSpPr>
+          <p:cNvPr id="3" name="Content Placeholder 2"/>
+          <p:cNvSpPr>
+            <a:spLocks noGrp="1"/>
+          </p:cNvSpPr>
+          <p:nvPr>
+            <p:ph idx="1"/>
+          </p:nvPr>
+        </p:nvSpPr>
+        <p:spPr/>
+        <p:txBody>
+          <a:bodyPr/>
+          <a:lstStyle/>
+          <a:p>
+            <a:endParaRPr lang="en-US"/>
+          </a:p>
+        </p:txBody>
+      </p:sp>
+    </p:spTree>
+    <p:extLst>
+      <p:ext uri="{BB962C8B-B14F-4D97-AF65-F5344CB8AC3E}">
+        <p14:creationId xmlns:p14="http://schemas.microsoft.com/office/powerpoint/2010/main" val="720418796"/>
+      </p:ext>
+    </p:extLst>
+  </p:cSld>
+  <p:clrMapOvr>
+    <a:masterClrMapping/>
+  </p:clrMapOvr>
+</p:sld>
+</file>
+
+<file path=ppt/slides/slide15.xml><?xml version="1.0" encoding="utf-8"?>
+<p:sld xmlns:a="http://schemas.openxmlformats.org/drawingml/2006/main" xmlns:r="http://schemas.openxmlformats.org/officeDocument/2006/relationships" xmlns:p="http://schemas.openxmlformats.org/presentationml/2006/main">
+  <p:cSld>
+    <p:spTree>
+      <p:nvGrpSpPr>
+        <p:cNvPr id="1" name=""/>
+        <p:cNvGrpSpPr/>
+        <p:nvPr/>
+      </p:nvGrpSpPr>
+      <p:grpSpPr>
+        <a:xfrm>
+          <a:off x="0" y="0"/>
+          <a:ext cx="0" cy="0"/>
+          <a:chOff x="0" y="0"/>
+          <a:chExt cx="0" cy="0"/>
+        </a:xfrm>
+      </p:grpSpPr>
+      <p:sp>
+        <p:nvSpPr>
+          <p:cNvPr id="2" name="Title 1"/>
+          <p:cNvSpPr>
+            <a:spLocks noGrp="1"/>
+          </p:cNvSpPr>
+          <p:nvPr>
+            <p:ph type="title"/>
+          </p:nvPr>
+        </p:nvSpPr>
+        <p:spPr/>
+        <p:txBody>
+          <a:bodyPr/>
+          <a:lstStyle/>
+          <a:p>
+            <a:r>
+              <a:rPr lang="en-US" dirty="0" smtClean="0"/>
               <a:t>Out of process queues</a:t>
             </a:r>
             <a:endParaRPr lang="en-US" dirty="0"/>
@@ -27591,7 +27666,7 @@
 </p:sld>
 </file>
 
-<file path=ppt/slides/slide15.xml><?xml version="1.0" encoding="utf-8"?>
+<file path=ppt/slides/slide16.xml><?xml version="1.0" encoding="utf-8"?>
 <p:sld xmlns:a="http://schemas.openxmlformats.org/drawingml/2006/main" xmlns:r="http://schemas.openxmlformats.org/officeDocument/2006/relationships" xmlns:p="http://schemas.openxmlformats.org/presentationml/2006/main">
   <p:cSld>
     <p:spTree>
@@ -27936,7 +28011,83 @@
 </p:sld>
 </file>
 
-<file path=ppt/slides/slide16.xml><?xml version="1.0" encoding="utf-8"?>
+<file path=ppt/slides/slide17.xml><?xml version="1.0" encoding="utf-8"?>
+<p:sld xmlns:a="http://schemas.openxmlformats.org/drawingml/2006/main" xmlns:r="http://schemas.openxmlformats.org/officeDocument/2006/relationships" xmlns:p="http://schemas.openxmlformats.org/presentationml/2006/main">
+  <p:cSld>
+    <p:spTree>
+      <p:nvGrpSpPr>
+        <p:cNvPr id="1" name=""/>
+        <p:cNvGrpSpPr/>
+        <p:nvPr/>
+      </p:nvGrpSpPr>
+      <p:grpSpPr>
+        <a:xfrm>
+          <a:off x="0" y="0"/>
+          <a:ext cx="0" cy="0"/>
+          <a:chOff x="0" y="0"/>
+          <a:chExt cx="0" cy="0"/>
+        </a:xfrm>
+      </p:grpSpPr>
+      <p:sp>
+        <p:nvSpPr>
+          <p:cNvPr id="2" name="Title 1"/>
+          <p:cNvSpPr>
+            <a:spLocks noGrp="1"/>
+          </p:cNvSpPr>
+          <p:nvPr>
+            <p:ph type="title"/>
+          </p:nvPr>
+        </p:nvSpPr>
+        <p:spPr/>
+        <p:txBody>
+          <a:bodyPr/>
+          <a:lstStyle/>
+          <a:p>
+            <a:r>
+              <a:rPr lang="en-US" dirty="0" smtClean="0"/>
+              <a:t>Ugh, I hate your </a:t>
+            </a:r>
+            <a:r>
+              <a:rPr lang="en-US" dirty="0" err="1" smtClean="0"/>
+              <a:t>powerpoint</a:t>
+            </a:r>
+            <a:endParaRPr lang="en-US" dirty="0"/>
+          </a:p>
+        </p:txBody>
+      </p:sp>
+      <p:sp>
+        <p:nvSpPr>
+          <p:cNvPr id="3" name="Content Placeholder 2"/>
+          <p:cNvSpPr>
+            <a:spLocks noGrp="1"/>
+          </p:cNvSpPr>
+          <p:nvPr>
+            <p:ph idx="1"/>
+          </p:nvPr>
+        </p:nvSpPr>
+        <p:spPr/>
+        <p:txBody>
+          <a:bodyPr/>
+          <a:lstStyle/>
+          <a:p>
+            <a:endParaRPr lang="en-US"/>
+          </a:p>
+        </p:txBody>
+      </p:sp>
+    </p:spTree>
+    <p:extLst>
+      <p:ext uri="{BB962C8B-B14F-4D97-AF65-F5344CB8AC3E}">
+        <p14:creationId xmlns:p14="http://schemas.microsoft.com/office/powerpoint/2010/main" val="2074886735"/>
+      </p:ext>
+    </p:extLst>
+  </p:cSld>
+  <p:clrMapOvr>
+    <a:masterClrMapping/>
+  </p:clrMapOvr>
+</p:sld>
+</file>
+
+<file path=ppt/slides/slide18.xml><?xml version="1.0" encoding="utf-8"?>
 <p:sld xmlns:a="http://schemas.openxmlformats.org/drawingml/2006/main" xmlns:r="http://schemas.openxmlformats.org/officeDocument/2006/relationships" xmlns:p="http://schemas.openxmlformats.org/presentationml/2006/main">
   <p:cSld>
     <p:spTree>
@@ -28149,7 +28300,294 @@
 </p:sld>
 </file>
 
-<file path=ppt/slides/slide17.xml><?xml version="1.0" encoding="utf-8"?>
+<file path=ppt/slides/slide19.xml><?xml version="1.0" encoding="utf-8"?>
+<p:sld xmlns:a="http://schemas.openxmlformats.org/drawingml/2006/main" xmlns:r="http://schemas.openxmlformats.org/officeDocument/2006/relationships" xmlns:p="http://schemas.openxmlformats.org/presentationml/2006/main">
+  <p:cSld>
+    <p:spTree>
+      <p:nvGrpSpPr>
+        <p:cNvPr id="1" name=""/>
+        <p:cNvGrpSpPr/>
+        <p:nvPr/>
+      </p:nvGrpSpPr>
+      <p:grpSpPr>
+        <a:xfrm>
+          <a:off x="0" y="0"/>
+          <a:ext cx="0" cy="0"/>
+          <a:chOff x="0" y="0"/>
+          <a:chExt cx="0" cy="0"/>
+        </a:xfrm>
+      </p:grpSpPr>
+      <p:sp>
+        <p:nvSpPr>
+          <p:cNvPr id="2" name="Title 1"/>
+          <p:cNvSpPr>
+            <a:spLocks noGrp="1"/>
+          </p:cNvSpPr>
+          <p:nvPr>
+            <p:ph type="title"/>
+          </p:nvPr>
+        </p:nvSpPr>
+        <p:spPr/>
+        <p:txBody>
+          <a:bodyPr>
+            <a:normAutofit fontScale="90000"/>
+          </a:bodyPr>
+          <a:lstStyle/>
+          <a:p>
+            <a:r>
+              <a:rPr lang="en-US" dirty="0" smtClean="0"/>
+              <a:t>I don’t believe you without code</a:t>
+            </a:r>
+            <a:endParaRPr lang="en-US" dirty="0"/>
+          </a:p>
+        </p:txBody>
+      </p:sp>
+      <p:sp>
+        <p:nvSpPr>
+          <p:cNvPr id="3" name="Content Placeholder 2"/>
+          <p:cNvSpPr>
+            <a:spLocks noGrp="1"/>
+          </p:cNvSpPr>
+          <p:nvPr>
+            <p:ph idx="1"/>
+          </p:nvPr>
+        </p:nvSpPr>
+        <p:spPr/>
+        <p:txBody>
+          <a:bodyPr/>
+          <a:lstStyle/>
+          <a:p>
+            <a:endParaRPr lang="en-US"/>
+          </a:p>
+        </p:txBody>
+      </p:sp>
+    </p:spTree>
+    <p:extLst>
+      <p:ext uri="{BB962C8B-B14F-4D97-AF65-F5344CB8AC3E}">
+        <p14:creationId xmlns:p14="http://schemas.microsoft.com/office/powerpoint/2010/main" val="2187649406"/>
+      </p:ext>
+    </p:extLst>
+  </p:cSld>
+  <p:clrMapOvr>
+    <a:masterClrMapping/>
+  </p:clrMapOvr>
+</p:sld>
+</file>
+
+<file path=ppt/slides/slide2.xml><?xml version="1.0" encoding="utf-8"?>
+<p:sld xmlns:a="http://schemas.openxmlformats.org/drawingml/2006/main" xmlns:r="http://schemas.openxmlformats.org/officeDocument/2006/relationships" xmlns:p="http://schemas.openxmlformats.org/presentationml/2006/main">
+  <p:cSld>
+    <p:spTree>
+      <p:nvGrpSpPr>
+        <p:cNvPr id="1" name=""/>
+        <p:cNvGrpSpPr/>
+        <p:nvPr/>
+      </p:nvGrpSpPr>
+      <p:grpSpPr>
+        <a:xfrm>
+          <a:off x="0" y="0"/>
+          <a:ext cx="0" cy="0"/>
+          <a:chOff x="0" y="0"/>
+          <a:chExt cx="0" cy="0"/>
+        </a:xfrm>
+      </p:grpSpPr>
+      <p:sp>
+        <p:nvSpPr>
+          <p:cNvPr id="2" name="Title 1"/>
+          <p:cNvSpPr>
+            <a:spLocks noGrp="1"/>
+          </p:cNvSpPr>
+          <p:nvPr>
+            <p:ph type="title"/>
+          </p:nvPr>
+        </p:nvSpPr>
+        <p:spPr/>
+        <p:txBody>
+          <a:bodyPr/>
+          <a:lstStyle/>
+          <a:p>
+            <a:r>
+              <a:rPr lang="en-US" dirty="0" smtClean="0"/>
+              <a:t>What is a queue?</a:t>
+            </a:r>
+            <a:endParaRPr lang="en-US" dirty="0"/>
+          </a:p>
+        </p:txBody>
+      </p:sp>
+      <p:sp>
+        <p:nvSpPr>
+          <p:cNvPr id="3" name="Content Placeholder 2"/>
+          <p:cNvSpPr>
+            <a:spLocks noGrp="1"/>
+          </p:cNvSpPr>
+          <p:nvPr>
+            <p:ph idx="1"/>
+          </p:nvPr>
+        </p:nvSpPr>
+        <p:spPr/>
+        <p:txBody>
+          <a:bodyPr/>
+          <a:lstStyle/>
+          <a:p>
+            <a:r>
+              <a:rPr lang="en-US" dirty="0" smtClean="0"/>
+              <a:t>Infinite loaf of bread</a:t>
+            </a:r>
+          </a:p>
+          <a:p>
+            <a:r>
+              <a:rPr lang="en-US" dirty="0" smtClean="0"/>
+              <a:t>Maybe an infinite bread bin with a finite amount of bread</a:t>
+            </a:r>
+            <a:endParaRPr lang="en-US" dirty="0"/>
+          </a:p>
+        </p:txBody>
+      </p:sp>
+    </p:spTree>
+    <p:extLst>
+      <p:ext uri="{BB962C8B-B14F-4D97-AF65-F5344CB8AC3E}">
+        <p14:creationId xmlns:p14="http://schemas.microsoft.com/office/powerpoint/2010/main" val="4150487673"/>
+      </p:ext>
+    </p:extLst>
+  </p:cSld>
+  <p:clrMapOvr>
+    <a:masterClrMapping/>
+  </p:clrMapOvr>
+  <p:timing>
+    <p:tnLst>
+      <p:par>
+        <p:cTn id="1" dur="indefinite" restart="never" nodeType="tmRoot">
+          <p:childTnLst>
+            <p:seq concurrent="1" nextAc="seek">
+              <p:cTn id="2" dur="indefinite" nodeType="mainSeq">
+                <p:childTnLst>
+                  <p:par>
+                    <p:cTn id="3" fill="hold">
+                      <p:stCondLst>
+                        <p:cond delay="indefinite"/>
+                      </p:stCondLst>
+                      <p:childTnLst>
+                        <p:par>
+                          <p:cTn id="4" fill="hold">
+                            <p:stCondLst>
+                              <p:cond delay="0"/>
+                            </p:stCondLst>
+                            <p:childTnLst>
+                              <p:par>
+                                <p:cTn id="5" presetID="1" presetClass="entr" presetSubtype="0" fill="hold" grpId="0" nodeType="clickEffect">
+                                  <p:stCondLst>
+                                    <p:cond delay="0"/>
+                                  </p:stCondLst>
+                                  <p:childTnLst>
+                                    <p:set>
+                                      <p:cBhvr>
+                                        <p:cTn id="6" dur="1" fill="hold">
+                                          <p:stCondLst>
+                                            <p:cond delay="0"/>
+                                          </p:stCondLst>
+                                        </p:cTn>
+                                        <p:tgtEl>
+                                          <p:spTgt spid="3">
+                                            <p:txEl>
+                                              <p:pRg st="0" end="0"/>
+                                            </p:txEl>
+                                          </p:spTgt>
+                                        </p:tgtEl>
+                                        <p:attrNameLst>
+                                          <p:attrName>style.visibility</p:attrName>
+                                        </p:attrNameLst>
+                                      </p:cBhvr>
+                                      <p:to>
+                                        <p:strVal val="visible"/>
+                                      </p:to>
+                                    </p:set>
+                                  </p:childTnLst>
+                                </p:cTn>
+                              </p:par>
+                            </p:childTnLst>
+                          </p:cTn>
+                        </p:par>
+                      </p:childTnLst>
+                    </p:cTn>
+                  </p:par>
+                  <p:par>
+                    <p:cTn id="7" fill="hold">
+                      <p:stCondLst>
+                        <p:cond delay="indefinite"/>
+                      </p:stCondLst>
+                      <p:childTnLst>
+                        <p:par>
+                          <p:cTn id="8" fill="hold">
+                            <p:stCondLst>
+                              <p:cond delay="0"/>
+                            </p:stCondLst>
+                            <p:childTnLst>
+                              <p:par>
+                                <p:cTn id="9" presetID="1" presetClass="entr" presetSubtype="0" fill="hold" grpId="0" nodeType="clickEffect">
+                                  <p:stCondLst>
+                                    <p:cond delay="0"/>
+                                  </p:stCondLst>
+                                  <p:childTnLst>
+                                    <p:set>
+                                      <p:cBhvr>
+                                        <p:cTn id="10" dur="1" fill="hold">
+                                          <p:stCondLst>
+                                            <p:cond delay="0"/>
+                                          </p:stCondLst>
+                                        </p:cTn>
+                                        <p:tgtEl>
+                                          <p:spTgt spid="3">
+                                            <p:txEl>
+                                              <p:pRg st="1" end="1"/>
+                                            </p:txEl>
+                                          </p:spTgt>
+                                        </p:tgtEl>
+                                        <p:attrNameLst>
+                                          <p:attrName>style.visibility</p:attrName>
+                                        </p:attrNameLst>
+                                      </p:cBhvr>
+                                      <p:to>
+                                        <p:strVal val="visible"/>
+                                      </p:to>
+                                    </p:set>
+                                  </p:childTnLst>
+                                </p:cTn>
+                              </p:par>
+                            </p:childTnLst>
+                          </p:cTn>
+                        </p:par>
+                      </p:childTnLst>
+                    </p:cTn>
+                  </p:par>
+                </p:childTnLst>
+              </p:cTn>
+              <p:prevCondLst>
+                <p:cond evt="onPrev" delay="0">
+                  <p:tgtEl>
+                    <p:sldTgt/>
+                  </p:tgtEl>
+                </p:cond>
+              </p:prevCondLst>
+              <p:nextCondLst>
+                <p:cond evt="onNext" delay="0">
+                  <p:tgtEl>
+                    <p:sldTgt/>
+                  </p:tgtEl>
+                </p:cond>
+              </p:nextCondLst>
+            </p:seq>
+          </p:childTnLst>
+        </p:cTn>
+      </p:par>
+    </p:tnLst>
+    <p:bldLst>
+      <p:bldP spid="3" grpId="0" build="p"/>
+    </p:bldLst>
+  </p:timing>
+</p:sld>
+</file>
+
+<file path=ppt/slides/slide20.xml><?xml version="1.0" encoding="utf-8"?>
 <p:sld xmlns:a="http://schemas.openxmlformats.org/drawingml/2006/main" xmlns:r="http://schemas.openxmlformats.org/officeDocument/2006/relationships" xmlns:p="http://schemas.openxmlformats.org/presentationml/2006/main">
   <p:cSld>
     <p:spTree>
@@ -28224,10 +28662,17 @@
   <p:clrMapOvr>
     <a:masterClrMapping/>
   </p:clrMapOvr>
+  <p:timing>
+    <p:tnLst>
+      <p:par>
+        <p:cTn id="1" dur="indefinite" restart="never" nodeType="tmRoot"/>
+      </p:par>
+    </p:tnLst>
+  </p:timing>
 </p:sld>
 </file>
 
-<file path=ppt/slides/slide18.xml><?xml version="1.0" encoding="utf-8"?>
+<file path=ppt/slides/slide21.xml><?xml version="1.0" encoding="utf-8"?>
 <p:sld xmlns:a="http://schemas.openxmlformats.org/drawingml/2006/main" xmlns:r="http://schemas.openxmlformats.org/officeDocument/2006/relationships" xmlns:p="http://schemas.openxmlformats.org/presentationml/2006/main">
   <p:cSld>
     <p:spTree>
@@ -28440,7 +28885,7 @@
 </p:sld>
 </file>
 
-<file path=ppt/slides/slide19.xml><?xml version="1.0" encoding="utf-8"?>
+<file path=ppt/slides/slide22.xml><?xml version="1.0" encoding="utf-8"?>
 <p:sld xmlns:a="http://schemas.openxmlformats.org/drawingml/2006/main" xmlns:r="http://schemas.openxmlformats.org/officeDocument/2006/relationships" xmlns:p="http://schemas.openxmlformats.org/presentationml/2006/main">
   <p:cSld>
     <p:spTree>
@@ -28708,220 +29153,7 @@
 </p:sld>
 </file>
 
-<file path=ppt/slides/slide2.xml><?xml version="1.0" encoding="utf-8"?>
-<p:sld xmlns:a="http://schemas.openxmlformats.org/drawingml/2006/main" xmlns:r="http://schemas.openxmlformats.org/officeDocument/2006/relationships" xmlns:p="http://schemas.openxmlformats.org/presentationml/2006/main">
-  <p:cSld>
-    <p:spTree>
-      <p:nvGrpSpPr>
-        <p:cNvPr id="1" name=""/>
-        <p:cNvGrpSpPr/>
-        <p:nvPr/>
-      </p:nvGrpSpPr>
-      <p:grpSpPr>
-        <a:xfrm>
-          <a:off x="0" y="0"/>
-          <a:ext cx="0" cy="0"/>
-          <a:chOff x="0" y="0"/>
-          <a:chExt cx="0" cy="0"/>
-        </a:xfrm>
-      </p:grpSpPr>
-      <p:sp>
-        <p:nvSpPr>
-          <p:cNvPr id="2" name="Title 1"/>
-          <p:cNvSpPr>
-            <a:spLocks noGrp="1"/>
-          </p:cNvSpPr>
-          <p:nvPr>
-            <p:ph type="title"/>
-          </p:nvPr>
-        </p:nvSpPr>
-        <p:spPr/>
-        <p:txBody>
-          <a:bodyPr/>
-          <a:lstStyle/>
-          <a:p>
-            <a:r>
-              <a:rPr lang="en-US" dirty="0" smtClean="0"/>
-              <a:t>What is a queue?</a:t>
-            </a:r>
-            <a:endParaRPr lang="en-US" dirty="0"/>
-          </a:p>
-        </p:txBody>
-      </p:sp>
-      <p:sp>
-        <p:nvSpPr>
-          <p:cNvPr id="3" name="Content Placeholder 2"/>
-          <p:cNvSpPr>
-            <a:spLocks noGrp="1"/>
-          </p:cNvSpPr>
-          <p:nvPr>
-            <p:ph idx="1"/>
-          </p:nvPr>
-        </p:nvSpPr>
-        <p:spPr/>
-        <p:txBody>
-          <a:bodyPr/>
-          <a:lstStyle/>
-          <a:p>
-            <a:r>
-              <a:rPr lang="en-US" dirty="0" smtClean="0"/>
-              <a:t>Infinite loaf of bread</a:t>
-            </a:r>
-          </a:p>
-          <a:p>
-            <a:r>
-              <a:rPr lang="en-US" dirty="0" smtClean="0"/>
-              <a:t>Maybe an infinite bread bin with a finite amount of bread</a:t>
-            </a:r>
-            <a:endParaRPr lang="en-US" dirty="0"/>
-          </a:p>
-        </p:txBody>
-      </p:sp>
-    </p:spTree>
-    <p:extLst>
-      <p:ext uri="{BB962C8B-B14F-4D97-AF65-F5344CB8AC3E}">
-        <p14:creationId xmlns:p14="http://schemas.microsoft.com/office/powerpoint/2010/main" val="4150487673"/>
-      </p:ext>
-    </p:extLst>
-  </p:cSld>
-  <p:clrMapOvr>
-    <a:masterClrMapping/>
-  </p:clrMapOvr>
-  <p:timing>
-    <p:tnLst>
-      <p:par>
-        <p:cTn id="1" dur="indefinite" restart="never" nodeType="tmRoot">
-          <p:childTnLst>
-            <p:seq concurrent="1" nextAc="seek">
-              <p:cTn id="2" dur="indefinite" nodeType="mainSeq">
-                <p:childTnLst>
-                  <p:par>
-                    <p:cTn id="3" fill="hold">
-                      <p:stCondLst>
-                        <p:cond delay="indefinite"/>
-                      </p:stCondLst>
-                      <p:childTnLst>
-                        <p:par>
-                          <p:cTn id="4" fill="hold">
-                            <p:stCondLst>
-                              <p:cond delay="0"/>
-                            </p:stCondLst>
-                            <p:childTnLst>
-                              <p:par>
-                                <p:cTn id="5" presetID="1" presetClass="entr" presetSubtype="0" fill="hold" grpId="0" nodeType="clickEffect">
-                                  <p:stCondLst>
-                                    <p:cond delay="0"/>
-                                  </p:stCondLst>
-                                  <p:childTnLst>
-                                    <p:set>
-                                      <p:cBhvr>
-                                        <p:cTn id="6" dur="1" fill="hold">
-                                          <p:stCondLst>
-                                            <p:cond delay="0"/>
-                                          </p:stCondLst>
-                                        </p:cTn>
-                                        <p:tgtEl>
-                                          <p:spTgt spid="3">
-                                            <p:txEl>
-                                              <p:pRg st="0" end="0"/>
-                                            </p:txEl>
-                                          </p:spTgt>
-                                        </p:tgtEl>
-                                        <p:attrNameLst>
-                                          <p:attrName>style.visibility</p:attrName>
-                                        </p:attrNameLst>
-                                      </p:cBhvr>
-                                      <p:to>
-                                        <p:strVal val="visible"/>
-                                      </p:to>
-                                    </p:set>
-                                  </p:childTnLst>
-                                </p:cTn>
-                              </p:par>
-                            </p:childTnLst>
-                          </p:cTn>
-                        </p:par>
-                      </p:childTnLst>
-                    </p:cTn>
-                  </p:par>
-                  <p:par>
-                    <p:cTn id="7" fill="hold">
-                      <p:stCondLst>
-                        <p:cond delay="indefinite"/>
-                      </p:stCondLst>
-                      <p:childTnLst>
-                        <p:par>
-                          <p:cTn id="8" fill="hold">
-                            <p:stCondLst>
-                              <p:cond delay="0"/>
-                            </p:stCondLst>
-                            <p:childTnLst>
-                              <p:par>
-                                <p:cTn id="9" presetID="1" presetClass="entr" presetSubtype="0" fill="hold" grpId="0" nodeType="clickEffect">
-                                  <p:stCondLst>
-                                    <p:cond delay="0"/>
-                                  </p:stCondLst>
-                                  <p:childTnLst>
-                                    <p:set>
-                                      <p:cBhvr>
-                                        <p:cTn id="10" dur="1" fill="hold">
-                                          <p:stCondLst>
-                                            <p:cond delay="0"/>
-                                          </p:stCondLst>
-                                        </p:cTn>
-                                        <p:tgtEl>
-                                          <p:spTgt spid="3">
-                                            <p:txEl>
-                                              <p:pRg st="1" end="1"/>
-                                            </p:txEl>
-                                          </p:spTgt>
-                                        </p:tgtEl>
-                                        <p:attrNameLst>
-                                          <p:attrName>style.visibility</p:attrName>
-                                        </p:attrNameLst>
-                                      </p:cBhvr>
-                                      <p:to>
-                                        <p:strVal val="visible"/>
-                                      </p:to>
-                                    </p:set>
-                                  </p:childTnLst>
-                                </p:cTn>
-                              </p:par>
-                            </p:childTnLst>
-                          </p:cTn>
-                        </p:par>
-                      </p:childTnLst>
-                    </p:cTn>
-                  </p:par>
-                </p:childTnLst>
-              </p:cTn>
-              <p:prevCondLst>
-                <p:cond evt="onPrev" delay="0">
-                  <p:tgtEl>
-                    <p:sldTgt/>
-                  </p:tgtEl>
-                </p:cond>
-              </p:prevCondLst>
-              <p:nextCondLst>
-                <p:cond evt="onNext" delay="0">
-                  <p:tgtEl>
-                    <p:sldTgt/>
-                  </p:tgtEl>
-                </p:cond>
-              </p:nextCondLst>
-            </p:seq>
-          </p:childTnLst>
-        </p:cTn>
-      </p:par>
-    </p:tnLst>
-    <p:bldLst>
-      <p:bldP spid="3" grpId="0" build="p"/>
-    </p:bldLst>
-  </p:timing>
-</p:sld>
-</file>
-
-<file path=ppt/slides/slide20.xml><?xml version="1.0" encoding="utf-8"?>
+<file path=ppt/slides/slide23.xml><?xml version="1.0" encoding="utf-8"?>
 <p:sld xmlns:a="http://schemas.openxmlformats.org/drawingml/2006/main" xmlns:r="http://schemas.openxmlformats.org/officeDocument/2006/relationships" xmlns:p="http://schemas.openxmlformats.org/presentationml/2006/main">
   <p:cSld>
     <p:spTree>
@@ -29296,7 +29528,7 @@
 </p:sld>
 </file>
 
-<file path=ppt/slides/slide21.xml><?xml version="1.0" encoding="utf-8"?>
+<file path=ppt/slides/slide24.xml><?xml version="1.0" encoding="utf-8"?>
 <p:sld xmlns:a="http://schemas.openxmlformats.org/drawingml/2006/main" xmlns:r="http://schemas.openxmlformats.org/officeDocument/2006/relationships" xmlns:p="http://schemas.openxmlformats.org/presentationml/2006/main">
   <p:cSld>
     <p:spTree>
@@ -29441,7 +29673,7 @@
 </p:sld>
 </file>
 
-<file path=ppt/slides/slide22.xml><?xml version="1.0" encoding="utf-8"?>
+<file path=ppt/slides/slide25.xml><?xml version="1.0" encoding="utf-8"?>
 <p:sld xmlns:a="http://schemas.openxmlformats.org/drawingml/2006/main" xmlns:r="http://schemas.openxmlformats.org/officeDocument/2006/relationships" xmlns:p="http://schemas.openxmlformats.org/presentationml/2006/main">
   <p:cSld>
     <p:spTree>
@@ -29520,7 +29752,7 @@
 </p:sld>
 </file>
 
-<file path=ppt/slides/slide23.xml><?xml version="1.0" encoding="utf-8"?>
+<file path=ppt/slides/slide26.xml><?xml version="1.0" encoding="utf-8"?>
 <p:sld xmlns:a="http://schemas.openxmlformats.org/drawingml/2006/main" xmlns:r="http://schemas.openxmlformats.org/officeDocument/2006/relationships" xmlns:p="http://schemas.openxmlformats.org/presentationml/2006/main">
   <p:cSld>
     <p:spTree>
@@ -29670,7 +29902,7 @@
 </p:sld>
 </file>
 
-<file path=ppt/slides/slide24.xml><?xml version="1.0" encoding="utf-8"?>
+<file path=ppt/slides/slide27.xml><?xml version="1.0" encoding="utf-8"?>
 <p:sld xmlns:a="http://schemas.openxmlformats.org/drawingml/2006/main" xmlns:r="http://schemas.openxmlformats.org/officeDocument/2006/relationships" xmlns:p="http://schemas.openxmlformats.org/presentationml/2006/main">
   <p:cSld>
     <p:spTree>
@@ -29787,7 +30019,7 @@
 </p:sld>
 </file>
 
-<file path=ppt/slides/slide25.xml><?xml version="1.0" encoding="utf-8"?>
+<file path=ppt/slides/slide28.xml><?xml version="1.0" encoding="utf-8"?>
 <p:sld xmlns:a="http://schemas.openxmlformats.org/drawingml/2006/main" xmlns:r="http://schemas.openxmlformats.org/officeDocument/2006/relationships" xmlns:p="http://schemas.openxmlformats.org/presentationml/2006/main">
   <p:cSld>
     <p:spTree>
@@ -29904,7 +30136,7 @@
 </p:sld>
 </file>
 
-<file path=ppt/slides/slide26.xml><?xml version="1.0" encoding="utf-8"?>
+<file path=ppt/slides/slide29.xml><?xml version="1.0" encoding="utf-8"?>
 <p:sld xmlns:a="http://schemas.openxmlformats.org/drawingml/2006/main" xmlns:r="http://schemas.openxmlformats.org/officeDocument/2006/relationships" xmlns:p="http://schemas.openxmlformats.org/presentationml/2006/main">
   <p:cSld>
     <p:spTree>
@@ -30409,393 +30641,6 @@
 </p:sld>
 </file>
 
-<file path=ppt/slides/slide27.xml><?xml version="1.0" encoding="utf-8"?>
-<p:sld xmlns:a="http://schemas.openxmlformats.org/drawingml/2006/main" xmlns:r="http://schemas.openxmlformats.org/officeDocument/2006/relationships" xmlns:p="http://schemas.openxmlformats.org/presentationml/2006/main">
-  <p:cSld>
-    <p:spTree>
-      <p:nvGrpSpPr>
-        <p:cNvPr id="1" name=""/>
-        <p:cNvGrpSpPr/>
-        <p:nvPr/>
-      </p:nvGrpSpPr>
-      <p:grpSpPr>
-        <a:xfrm>
-          <a:off x="0" y="0"/>
-          <a:ext cx="0" cy="0"/>
-          <a:chOff x="0" y="0"/>
-          <a:chExt cx="0" cy="0"/>
-        </a:xfrm>
-      </p:grpSpPr>
-      <p:sp>
-        <p:nvSpPr>
-          <p:cNvPr id="4" name="Rectangle 3"/>
-          <p:cNvSpPr/>
-          <p:nvPr/>
-        </p:nvSpPr>
-        <p:spPr>
-          <a:xfrm>
-            <a:off x="1143000" y="1219201"/>
-            <a:ext cx="6705600" cy="838200"/>
-          </a:xfrm>
-          <a:prstGeom prst="rect">
-            <a:avLst/>
-          </a:prstGeom>
-        </p:spPr>
-        <p:txBody>
-          <a:bodyPr wrap="square">
-            <a:spAutoFit/>
-          </a:bodyPr>
-          <a:lstStyle/>
-          <a:p>
-            <a:r>
-              <a:rPr lang="en-US" sz="2400" i="1" dirty="0" smtClean="0"/>
-              <a:t>No</a:t>
-            </a:r>
-            <a:r>
-              <a:rPr lang="en-US" sz="2400" i="1" dirty="0"/>
-              <a:t>, you can write large programs in </a:t>
-            </a:r>
-            <a:r>
-              <a:rPr lang="en-US" sz="2400" i="1" dirty="0" smtClean="0"/>
-              <a:t>any language. </a:t>
-            </a:r>
-            <a:r>
-              <a:rPr lang="en-US" sz="2400" i="1" dirty="0"/>
-              <a:t>You just can’t maintain them.</a:t>
-            </a:r>
-            <a:endParaRPr lang="en-US" sz="2400" i="1" dirty="0"/>
-          </a:p>
-        </p:txBody>
-      </p:sp>
-      <p:sp>
-        <p:nvSpPr>
-          <p:cNvPr id="5" name="Rectangle 4"/>
-          <p:cNvSpPr/>
-          <p:nvPr/>
-        </p:nvSpPr>
-        <p:spPr>
-          <a:xfrm>
-            <a:off x="5867400" y="2045787"/>
-            <a:ext cx="1425134" cy="369332"/>
-          </a:xfrm>
-          <a:prstGeom prst="rect">
-            <a:avLst/>
-          </a:prstGeom>
-        </p:spPr>
-        <p:txBody>
-          <a:bodyPr wrap="none">
-            <a:spAutoFit/>
-          </a:bodyPr>
-          <a:lstStyle/>
-          <a:p>
-            <a:pPr fontAlgn="base"/>
-            <a:r>
-              <a:rPr lang="en-US" dirty="0"/>
-              <a:t>Derick Bailey</a:t>
-            </a:r>
-          </a:p>
-        </p:txBody>
-      </p:sp>
-      <p:sp>
-        <p:nvSpPr>
-          <p:cNvPr id="6" name="Rectangle 5"/>
-          <p:cNvSpPr/>
-          <p:nvPr/>
-        </p:nvSpPr>
-        <p:spPr>
-          <a:xfrm>
-            <a:off x="1143000" y="2690336"/>
-            <a:ext cx="6324600" cy="1569660"/>
-          </a:xfrm>
-          <a:prstGeom prst="rect">
-            <a:avLst/>
-          </a:prstGeom>
-        </p:spPr>
-        <p:txBody>
-          <a:bodyPr wrap="square">
-            <a:spAutoFit/>
-          </a:bodyPr>
-          <a:lstStyle/>
-          <a:p>
-            <a:r>
-              <a:rPr lang="en-US" sz="2400" i="1" dirty="0"/>
-              <a:t>Most software today is very much like an Egyptian pyramid with millions of bricks piled on top of each other, with no structural integrity, but just done by brute force and thousands of slaves.</a:t>
-            </a:r>
-            <a:endParaRPr lang="en-US" sz="2400" i="1" dirty="0"/>
-          </a:p>
-        </p:txBody>
-      </p:sp>
-      <p:sp>
-        <p:nvSpPr>
-          <p:cNvPr id="7" name="Rectangle 6"/>
-          <p:cNvSpPr/>
-          <p:nvPr/>
-        </p:nvSpPr>
-        <p:spPr>
-          <a:xfrm>
-            <a:off x="6285142" y="4248958"/>
-            <a:ext cx="1007392" cy="369332"/>
-          </a:xfrm>
-          <a:prstGeom prst="rect">
-            <a:avLst/>
-          </a:prstGeom>
-        </p:spPr>
-        <p:txBody>
-          <a:bodyPr wrap="none">
-            <a:spAutoFit/>
-          </a:bodyPr>
-          <a:lstStyle/>
-          <a:p>
-            <a:pPr fontAlgn="base"/>
-            <a:r>
-              <a:rPr lang="en-US" dirty="0" smtClean="0"/>
-              <a:t>Alan Kay</a:t>
-            </a:r>
-            <a:endParaRPr lang="en-US" dirty="0"/>
-          </a:p>
-        </p:txBody>
-      </p:sp>
-    </p:spTree>
-    <p:extLst>
-      <p:ext uri="{BB962C8B-B14F-4D97-AF65-F5344CB8AC3E}">
-        <p14:creationId xmlns:p14="http://schemas.microsoft.com/office/powerpoint/2010/main" val="1119387717"/>
-      </p:ext>
-    </p:extLst>
-  </p:cSld>
-  <p:clrMapOvr>
-    <a:masterClrMapping/>
-  </p:clrMapOvr>
-</p:sld>
-</file>
-
-<file path=ppt/slides/slide28.xml><?xml version="1.0" encoding="utf-8"?>
-<p:sld xmlns:a="http://schemas.openxmlformats.org/drawingml/2006/main" xmlns:r="http://schemas.openxmlformats.org/officeDocument/2006/relationships" xmlns:p="http://schemas.openxmlformats.org/presentationml/2006/main">
-  <p:cSld>
-    <p:spTree>
-      <p:nvGrpSpPr>
-        <p:cNvPr id="1" name=""/>
-        <p:cNvGrpSpPr/>
-        <p:nvPr/>
-      </p:nvGrpSpPr>
-      <p:grpSpPr>
-        <a:xfrm>
-          <a:off x="0" y="0"/>
-          <a:ext cx="0" cy="0"/>
-          <a:chOff x="0" y="0"/>
-          <a:chExt cx="0" cy="0"/>
-        </a:xfrm>
-      </p:grpSpPr>
-      <p:sp>
-        <p:nvSpPr>
-          <p:cNvPr id="4" name="Rectangle 3"/>
-          <p:cNvSpPr/>
-          <p:nvPr/>
-        </p:nvSpPr>
-        <p:spPr>
-          <a:xfrm>
-            <a:off x="863125" y="990600"/>
-            <a:ext cx="7696200" cy="461665"/>
-          </a:xfrm>
-          <a:prstGeom prst="rect">
-            <a:avLst/>
-          </a:prstGeom>
-        </p:spPr>
-        <p:txBody>
-          <a:bodyPr wrap="square">
-            <a:spAutoFit/>
-          </a:bodyPr>
-          <a:lstStyle/>
-          <a:p>
-            <a:r>
-              <a:rPr lang="en-US" sz="2400" i="1" dirty="0"/>
-              <a:t>Controlling complexity is the essence of computer programming.</a:t>
-            </a:r>
-            <a:endParaRPr lang="en-US" sz="2400" i="1" dirty="0"/>
-          </a:p>
-        </p:txBody>
-      </p:sp>
-      <p:sp>
-        <p:nvSpPr>
-          <p:cNvPr id="5" name="Rectangle 4"/>
-          <p:cNvSpPr/>
-          <p:nvPr/>
-        </p:nvSpPr>
-        <p:spPr>
-          <a:xfrm>
-            <a:off x="6553200" y="1600200"/>
-            <a:ext cx="1462132" cy="369332"/>
-          </a:xfrm>
-          <a:prstGeom prst="rect">
-            <a:avLst/>
-          </a:prstGeom>
-        </p:spPr>
-        <p:txBody>
-          <a:bodyPr wrap="none">
-            <a:spAutoFit/>
-          </a:bodyPr>
-          <a:lstStyle/>
-          <a:p>
-            <a:r>
-              <a:rPr lang="en-US" i="1" dirty="0"/>
-              <a:t>Brian Kernigan</a:t>
-            </a:r>
-            <a:endParaRPr lang="en-US" dirty="0"/>
-          </a:p>
-        </p:txBody>
-      </p:sp>
-      <p:sp>
-        <p:nvSpPr>
-          <p:cNvPr id="6" name="Rectangle 5"/>
-          <p:cNvSpPr/>
-          <p:nvPr/>
-        </p:nvSpPr>
-        <p:spPr>
-          <a:xfrm>
-            <a:off x="990600" y="2690336"/>
-            <a:ext cx="7315200" cy="1569660"/>
-          </a:xfrm>
-          <a:prstGeom prst="rect">
-            <a:avLst/>
-          </a:prstGeom>
-        </p:spPr>
-        <p:txBody>
-          <a:bodyPr wrap="square">
-            <a:spAutoFit/>
-          </a:bodyPr>
-          <a:lstStyle/>
-          <a:p>
-            <a:r>
-              <a:rPr lang="en-US" sz="2400" i="1" dirty="0"/>
-              <a:t>Complexity kills.  It sucks the life out of developers, it makes products difficult to plan, build and test, it introduces security challenges, and it causes end-user and administrator frustration.</a:t>
-            </a:r>
-            <a:endParaRPr lang="en-US" sz="2400" i="1" dirty="0"/>
-          </a:p>
-        </p:txBody>
-      </p:sp>
-      <p:sp>
-        <p:nvSpPr>
-          <p:cNvPr id="7" name="Rectangle 6"/>
-          <p:cNvSpPr/>
-          <p:nvPr/>
-        </p:nvSpPr>
-        <p:spPr>
-          <a:xfrm>
-            <a:off x="6942602" y="4282566"/>
-            <a:ext cx="1072730" cy="369332"/>
-          </a:xfrm>
-          <a:prstGeom prst="rect">
-            <a:avLst/>
-          </a:prstGeom>
-        </p:spPr>
-        <p:txBody>
-          <a:bodyPr wrap="none">
-            <a:spAutoFit/>
-          </a:bodyPr>
-          <a:lstStyle/>
-          <a:p>
-            <a:r>
-              <a:rPr lang="en-US" i="1" dirty="0"/>
-              <a:t>Ray Ozzie</a:t>
-            </a:r>
-            <a:endParaRPr lang="en-US" dirty="0"/>
-          </a:p>
-        </p:txBody>
-      </p:sp>
-    </p:spTree>
-    <p:extLst>
-      <p:ext uri="{BB962C8B-B14F-4D97-AF65-F5344CB8AC3E}">
-        <p14:creationId xmlns:p14="http://schemas.microsoft.com/office/powerpoint/2010/main" val="1014576753"/>
-      </p:ext>
-    </p:extLst>
-  </p:cSld>
-  <p:clrMapOvr>
-    <a:masterClrMapping/>
-  </p:clrMapOvr>
-</p:sld>
-</file>
-
-<file path=ppt/slides/slide29.xml><?xml version="1.0" encoding="utf-8"?>
-<p:sld xmlns:a="http://schemas.openxmlformats.org/drawingml/2006/main" xmlns:r="http://schemas.openxmlformats.org/officeDocument/2006/relationships" xmlns:p="http://schemas.openxmlformats.org/presentationml/2006/main">
-  <p:cSld>
-    <p:spTree>
-      <p:nvGrpSpPr>
-        <p:cNvPr id="1" name=""/>
-        <p:cNvGrpSpPr/>
-        <p:nvPr/>
-      </p:nvGrpSpPr>
-      <p:grpSpPr>
-        <a:xfrm>
-          <a:off x="0" y="0"/>
-          <a:ext cx="0" cy="0"/>
-          <a:chOff x="0" y="0"/>
-          <a:chExt cx="0" cy="0"/>
-        </a:xfrm>
-      </p:grpSpPr>
-      <p:sp>
-        <p:nvSpPr>
-          <p:cNvPr id="2" name="Title 1"/>
-          <p:cNvSpPr>
-            <a:spLocks noGrp="1"/>
-          </p:cNvSpPr>
-          <p:nvPr>
-            <p:ph type="title"/>
-          </p:nvPr>
-        </p:nvSpPr>
-        <p:spPr/>
-        <p:txBody>
-          <a:bodyPr/>
-          <a:lstStyle/>
-          <a:p>
-            <a:r>
-              <a:rPr lang="en-US" dirty="0" smtClean="0"/>
-              <a:t>What to do?	</a:t>
-            </a:r>
-            <a:endParaRPr lang="en-US" dirty="0"/>
-          </a:p>
-        </p:txBody>
-      </p:sp>
-      <p:sp>
-        <p:nvSpPr>
-          <p:cNvPr id="3" name="Content Placeholder 2"/>
-          <p:cNvSpPr>
-            <a:spLocks noGrp="1"/>
-          </p:cNvSpPr>
-          <p:nvPr>
-            <p:ph idx="1"/>
-          </p:nvPr>
-        </p:nvSpPr>
-        <p:spPr/>
-        <p:txBody>
-          <a:bodyPr/>
-          <a:lstStyle/>
-          <a:p>
-            <a:r>
-              <a:rPr lang="en-US" dirty="0" smtClean="0"/>
-              <a:t>Don’t write large programs</a:t>
-            </a:r>
-          </a:p>
-          <a:p>
-            <a:r>
-              <a:rPr lang="en-US" dirty="0" smtClean="0"/>
-              <a:t>Write small programs with well defined interactions</a:t>
-            </a:r>
-            <a:endParaRPr lang="en-US" dirty="0"/>
-          </a:p>
-        </p:txBody>
-      </p:sp>
-    </p:spTree>
-    <p:extLst>
-      <p:ext uri="{BB962C8B-B14F-4D97-AF65-F5344CB8AC3E}">
-        <p14:creationId xmlns:p14="http://schemas.microsoft.com/office/powerpoint/2010/main" val="2289724261"/>
-      </p:ext>
-    </p:extLst>
-  </p:cSld>
-  <p:clrMapOvr>
-    <a:masterClrMapping/>
-  </p:clrMapOvr>
-</p:sld>
-</file>
-
 <file path=ppt/slides/slide3.xml><?xml version="1.0" encoding="utf-8"?>
 <p:sld xmlns:a="http://schemas.openxmlformats.org/drawingml/2006/main" xmlns:r="http://schemas.openxmlformats.org/officeDocument/2006/relationships" xmlns:p="http://schemas.openxmlformats.org/presentationml/2006/main">
   <p:cSld>
@@ -31061,6 +30906,410 @@
 </file>
 
 <file path=ppt/slides/slide30.xml><?xml version="1.0" encoding="utf-8"?>
+<p:sld xmlns:a="http://schemas.openxmlformats.org/drawingml/2006/main" xmlns:r="http://schemas.openxmlformats.org/officeDocument/2006/relationships" xmlns:p="http://schemas.openxmlformats.org/presentationml/2006/main">
+  <p:cSld>
+    <p:spTree>
+      <p:nvGrpSpPr>
+        <p:cNvPr id="1" name=""/>
+        <p:cNvGrpSpPr/>
+        <p:nvPr/>
+      </p:nvGrpSpPr>
+      <p:grpSpPr>
+        <a:xfrm>
+          <a:off x="0" y="0"/>
+          <a:ext cx="0" cy="0"/>
+          <a:chOff x="0" y="0"/>
+          <a:chExt cx="0" cy="0"/>
+        </a:xfrm>
+      </p:grpSpPr>
+      <p:sp>
+        <p:nvSpPr>
+          <p:cNvPr id="4" name="Rectangle 3"/>
+          <p:cNvSpPr/>
+          <p:nvPr/>
+        </p:nvSpPr>
+        <p:spPr>
+          <a:xfrm>
+            <a:off x="1143000" y="1219201"/>
+            <a:ext cx="6705600" cy="838200"/>
+          </a:xfrm>
+          <a:prstGeom prst="rect">
+            <a:avLst/>
+          </a:prstGeom>
+        </p:spPr>
+        <p:txBody>
+          <a:bodyPr wrap="square">
+            <a:spAutoFit/>
+          </a:bodyPr>
+          <a:lstStyle/>
+          <a:p>
+            <a:r>
+              <a:rPr lang="en-US" sz="2400" i="1" dirty="0" smtClean="0"/>
+              <a:t>No</a:t>
+            </a:r>
+            <a:r>
+              <a:rPr lang="en-US" sz="2400" i="1" dirty="0"/>
+              <a:t>, you can write large programs in </a:t>
+            </a:r>
+            <a:r>
+              <a:rPr lang="en-US" sz="2400" i="1" dirty="0" smtClean="0"/>
+              <a:t>any language. </a:t>
+            </a:r>
+            <a:r>
+              <a:rPr lang="en-US" sz="2400" i="1" dirty="0"/>
+              <a:t>You just can’t maintain them.</a:t>
+            </a:r>
+          </a:p>
+        </p:txBody>
+      </p:sp>
+      <p:sp>
+        <p:nvSpPr>
+          <p:cNvPr id="5" name="Rectangle 4"/>
+          <p:cNvSpPr/>
+          <p:nvPr/>
+        </p:nvSpPr>
+        <p:spPr>
+          <a:xfrm>
+            <a:off x="5867400" y="2045787"/>
+            <a:ext cx="1425134" cy="369332"/>
+          </a:xfrm>
+          <a:prstGeom prst="rect">
+            <a:avLst/>
+          </a:prstGeom>
+        </p:spPr>
+        <p:txBody>
+          <a:bodyPr wrap="none">
+            <a:spAutoFit/>
+          </a:bodyPr>
+          <a:lstStyle/>
+          <a:p>
+            <a:pPr fontAlgn="base"/>
+            <a:r>
+              <a:rPr lang="en-US" dirty="0"/>
+              <a:t>Derick Bailey</a:t>
+            </a:r>
+          </a:p>
+        </p:txBody>
+      </p:sp>
+      <p:sp>
+        <p:nvSpPr>
+          <p:cNvPr id="6" name="Rectangle 5"/>
+          <p:cNvSpPr/>
+          <p:nvPr/>
+        </p:nvSpPr>
+        <p:spPr>
+          <a:xfrm>
+            <a:off x="1143000" y="2690336"/>
+            <a:ext cx="6324600" cy="1569660"/>
+          </a:xfrm>
+          <a:prstGeom prst="rect">
+            <a:avLst/>
+          </a:prstGeom>
+        </p:spPr>
+        <p:txBody>
+          <a:bodyPr wrap="square">
+            <a:spAutoFit/>
+          </a:bodyPr>
+          <a:lstStyle/>
+          <a:p>
+            <a:r>
+              <a:rPr lang="en-US" sz="2400" i="1" dirty="0"/>
+              <a:t>Most software today is very much like an Egyptian pyramid with millions of bricks piled on top of each other, with no structural integrity, but just done by brute force and thousands of slaves.</a:t>
+            </a:r>
+          </a:p>
+        </p:txBody>
+      </p:sp>
+      <p:sp>
+        <p:nvSpPr>
+          <p:cNvPr id="7" name="Rectangle 6"/>
+          <p:cNvSpPr/>
+          <p:nvPr/>
+        </p:nvSpPr>
+        <p:spPr>
+          <a:xfrm>
+            <a:off x="6285142" y="4248958"/>
+            <a:ext cx="1007392" cy="369332"/>
+          </a:xfrm>
+          <a:prstGeom prst="rect">
+            <a:avLst/>
+          </a:prstGeom>
+        </p:spPr>
+        <p:txBody>
+          <a:bodyPr wrap="none">
+            <a:spAutoFit/>
+          </a:bodyPr>
+          <a:lstStyle/>
+          <a:p>
+            <a:pPr fontAlgn="base"/>
+            <a:r>
+              <a:rPr lang="en-US" dirty="0" smtClean="0"/>
+              <a:t>Alan Kay</a:t>
+            </a:r>
+            <a:endParaRPr lang="en-US" dirty="0"/>
+          </a:p>
+        </p:txBody>
+      </p:sp>
+    </p:spTree>
+    <p:extLst>
+      <p:ext uri="{BB962C8B-B14F-4D97-AF65-F5344CB8AC3E}">
+        <p14:creationId xmlns:p14="http://schemas.microsoft.com/office/powerpoint/2010/main" val="1119387717"/>
+      </p:ext>
+    </p:extLst>
+  </p:cSld>
+  <p:clrMapOvr>
+    <a:masterClrMapping/>
+  </p:clrMapOvr>
+  <p:timing>
+    <p:tnLst>
+      <p:par>
+        <p:cTn id="1" dur="indefinite" restart="never" nodeType="tmRoot"/>
+      </p:par>
+    </p:tnLst>
+  </p:timing>
+</p:sld>
+</file>
+
+<file path=ppt/slides/slide31.xml><?xml version="1.0" encoding="utf-8"?>
+<p:sld xmlns:a="http://schemas.openxmlformats.org/drawingml/2006/main" xmlns:r="http://schemas.openxmlformats.org/officeDocument/2006/relationships" xmlns:p="http://schemas.openxmlformats.org/presentationml/2006/main">
+  <p:cSld>
+    <p:spTree>
+      <p:nvGrpSpPr>
+        <p:cNvPr id="1" name=""/>
+        <p:cNvGrpSpPr/>
+        <p:nvPr/>
+      </p:nvGrpSpPr>
+      <p:grpSpPr>
+        <a:xfrm>
+          <a:off x="0" y="0"/>
+          <a:ext cx="0" cy="0"/>
+          <a:chOff x="0" y="0"/>
+          <a:chExt cx="0" cy="0"/>
+        </a:xfrm>
+      </p:grpSpPr>
+      <p:sp>
+        <p:nvSpPr>
+          <p:cNvPr id="4" name="Rectangle 3"/>
+          <p:cNvSpPr/>
+          <p:nvPr/>
+        </p:nvSpPr>
+        <p:spPr>
+          <a:xfrm>
+            <a:off x="863125" y="990600"/>
+            <a:ext cx="7696200" cy="461665"/>
+          </a:xfrm>
+          <a:prstGeom prst="rect">
+            <a:avLst/>
+          </a:prstGeom>
+        </p:spPr>
+        <p:txBody>
+          <a:bodyPr wrap="square">
+            <a:spAutoFit/>
+          </a:bodyPr>
+          <a:lstStyle/>
+          <a:p>
+            <a:r>
+              <a:rPr lang="en-US" sz="2400" i="1" dirty="0"/>
+              <a:t>Controlling complexity is the essence of computer programming.</a:t>
+            </a:r>
+          </a:p>
+        </p:txBody>
+      </p:sp>
+      <p:sp>
+        <p:nvSpPr>
+          <p:cNvPr id="5" name="Rectangle 4"/>
+          <p:cNvSpPr/>
+          <p:nvPr/>
+        </p:nvSpPr>
+        <p:spPr>
+          <a:xfrm>
+            <a:off x="6553200" y="1600200"/>
+            <a:ext cx="1462132" cy="369332"/>
+          </a:xfrm>
+          <a:prstGeom prst="rect">
+            <a:avLst/>
+          </a:prstGeom>
+        </p:spPr>
+        <p:txBody>
+          <a:bodyPr wrap="none">
+            <a:spAutoFit/>
+          </a:bodyPr>
+          <a:lstStyle/>
+          <a:p>
+            <a:r>
+              <a:rPr lang="en-US" i="1" dirty="0"/>
+              <a:t>Brian Kernigan</a:t>
+            </a:r>
+            <a:endParaRPr lang="en-US" dirty="0"/>
+          </a:p>
+        </p:txBody>
+      </p:sp>
+      <p:sp>
+        <p:nvSpPr>
+          <p:cNvPr id="6" name="Rectangle 5"/>
+          <p:cNvSpPr/>
+          <p:nvPr/>
+        </p:nvSpPr>
+        <p:spPr>
+          <a:xfrm>
+            <a:off x="990600" y="2690336"/>
+            <a:ext cx="7315200" cy="1569660"/>
+          </a:xfrm>
+          <a:prstGeom prst="rect">
+            <a:avLst/>
+          </a:prstGeom>
+        </p:spPr>
+        <p:txBody>
+          <a:bodyPr wrap="square">
+            <a:spAutoFit/>
+          </a:bodyPr>
+          <a:lstStyle/>
+          <a:p>
+            <a:r>
+              <a:rPr lang="en-US" sz="2400" i="1" dirty="0"/>
+              <a:t>Complexity kills.  It sucks the life out of developers, it makes products difficult to plan, build and test, it introduces security challenges, and it causes end-user and administrator frustration.</a:t>
+            </a:r>
+          </a:p>
+        </p:txBody>
+      </p:sp>
+      <p:sp>
+        <p:nvSpPr>
+          <p:cNvPr id="7" name="Rectangle 6"/>
+          <p:cNvSpPr/>
+          <p:nvPr/>
+        </p:nvSpPr>
+        <p:spPr>
+          <a:xfrm>
+            <a:off x="6942602" y="4282566"/>
+            <a:ext cx="1072730" cy="369332"/>
+          </a:xfrm>
+          <a:prstGeom prst="rect">
+            <a:avLst/>
+          </a:prstGeom>
+        </p:spPr>
+        <p:txBody>
+          <a:bodyPr wrap="none">
+            <a:spAutoFit/>
+          </a:bodyPr>
+          <a:lstStyle/>
+          <a:p>
+            <a:r>
+              <a:rPr lang="en-US" i="1" dirty="0"/>
+              <a:t>Ray Ozzie</a:t>
+            </a:r>
+            <a:endParaRPr lang="en-US" dirty="0"/>
+          </a:p>
+        </p:txBody>
+      </p:sp>
+    </p:spTree>
+    <p:extLst>
+      <p:ext uri="{BB962C8B-B14F-4D97-AF65-F5344CB8AC3E}">
+        <p14:creationId xmlns:p14="http://schemas.microsoft.com/office/powerpoint/2010/main" val="1014576753"/>
+      </p:ext>
+    </p:extLst>
+  </p:cSld>
+  <p:clrMapOvr>
+    <a:masterClrMapping/>
+  </p:clrMapOvr>
+  <p:timing>
+    <p:tnLst>
+      <p:par>
+        <p:cTn id="1" dur="indefinite" restart="never" nodeType="tmRoot"/>
+      </p:par>
+    </p:tnLst>
+  </p:timing>
+</p:sld>
+</file>
+
+<file path=ppt/slides/slide32.xml><?xml version="1.0" encoding="utf-8"?>
+<p:sld xmlns:a="http://schemas.openxmlformats.org/drawingml/2006/main" xmlns:r="http://schemas.openxmlformats.org/officeDocument/2006/relationships" xmlns:p="http://schemas.openxmlformats.org/presentationml/2006/main">
+  <p:cSld>
+    <p:spTree>
+      <p:nvGrpSpPr>
+        <p:cNvPr id="1" name=""/>
+        <p:cNvGrpSpPr/>
+        <p:nvPr/>
+      </p:nvGrpSpPr>
+      <p:grpSpPr>
+        <a:xfrm>
+          <a:off x="0" y="0"/>
+          <a:ext cx="0" cy="0"/>
+          <a:chOff x="0" y="0"/>
+          <a:chExt cx="0" cy="0"/>
+        </a:xfrm>
+      </p:grpSpPr>
+      <p:sp>
+        <p:nvSpPr>
+          <p:cNvPr id="2" name="Title 1"/>
+          <p:cNvSpPr>
+            <a:spLocks noGrp="1"/>
+          </p:cNvSpPr>
+          <p:nvPr>
+            <p:ph type="title"/>
+          </p:nvPr>
+        </p:nvSpPr>
+        <p:spPr/>
+        <p:txBody>
+          <a:bodyPr/>
+          <a:lstStyle/>
+          <a:p>
+            <a:r>
+              <a:rPr lang="en-US" dirty="0" smtClean="0"/>
+              <a:t>What to do?	</a:t>
+            </a:r>
+            <a:endParaRPr lang="en-US" dirty="0"/>
+          </a:p>
+        </p:txBody>
+      </p:sp>
+      <p:sp>
+        <p:nvSpPr>
+          <p:cNvPr id="3" name="Content Placeholder 2"/>
+          <p:cNvSpPr>
+            <a:spLocks noGrp="1"/>
+          </p:cNvSpPr>
+          <p:nvPr>
+            <p:ph idx="1"/>
+          </p:nvPr>
+        </p:nvSpPr>
+        <p:spPr/>
+        <p:txBody>
+          <a:bodyPr/>
+          <a:lstStyle/>
+          <a:p>
+            <a:r>
+              <a:rPr lang="en-US" dirty="0" smtClean="0"/>
+              <a:t>Don’t write large programs</a:t>
+            </a:r>
+          </a:p>
+          <a:p>
+            <a:r>
+              <a:rPr lang="en-US" dirty="0" smtClean="0"/>
+              <a:t>Write small programs with well defined interactions</a:t>
+            </a:r>
+            <a:endParaRPr lang="en-US" dirty="0"/>
+          </a:p>
+        </p:txBody>
+      </p:sp>
+    </p:spTree>
+    <p:extLst>
+      <p:ext uri="{BB962C8B-B14F-4D97-AF65-F5344CB8AC3E}">
+        <p14:creationId xmlns:p14="http://schemas.microsoft.com/office/powerpoint/2010/main" val="2289724261"/>
+      </p:ext>
+    </p:extLst>
+  </p:cSld>
+  <p:clrMapOvr>
+    <a:masterClrMapping/>
+  </p:clrMapOvr>
+  <p:timing>
+    <p:tnLst>
+      <p:par>
+        <p:cTn id="1" dur="indefinite" restart="never" nodeType="tmRoot"/>
+      </p:par>
+    </p:tnLst>
+  </p:timing>
+</p:sld>
+</file>
+
+<file path=ppt/slides/slide33.xml><?xml version="1.0" encoding="utf-8"?>
 <p:sld xmlns:a="http://schemas.openxmlformats.org/drawingml/2006/main" xmlns:r="http://schemas.openxmlformats.org/officeDocument/2006/relationships" xmlns:p="http://schemas.openxmlformats.org/presentationml/2006/main">
   <p:cSld>
     <p:spTree>
@@ -31431,7 +31680,7 @@
 </p:sld>
 </file>
 
-<file path=ppt/slides/slide31.xml><?xml version="1.0" encoding="utf-8"?>
+<file path=ppt/slides/slide34.xml><?xml version="1.0" encoding="utf-8"?>
 <p:sld xmlns:a="http://schemas.openxmlformats.org/drawingml/2006/main" xmlns:r="http://schemas.openxmlformats.org/officeDocument/2006/relationships" xmlns:p="http://schemas.openxmlformats.org/presentationml/2006/main">
   <p:cSld>
     <p:spTree>
